--- a/Presentation_material/poster.pptx
+++ b/Presentation_material/poster.pptx
@@ -5,13 +5,14 @@
     <p:sldMasterId id="2147483648" r:id="rId1"/>
   </p:sldMasterIdLst>
   <p:notesMasterIdLst>
-    <p:notesMasterId r:id="rId3"/>
+    <p:notesMasterId r:id="rId4"/>
   </p:notesMasterIdLst>
   <p:handoutMasterIdLst>
-    <p:handoutMasterId r:id="rId4"/>
+    <p:handoutMasterId r:id="rId5"/>
   </p:handoutMasterIdLst>
   <p:sldIdLst>
     <p:sldId id="256" r:id="rId2"/>
+    <p:sldId id="257" r:id="rId3"/>
   </p:sldIdLst>
   <p:sldSz cx="35999738" cy="25201563"/>
   <p:notesSz cx="46342300" cy="46342300"/>
@@ -4612,104 +4613,8 @@
                 </a:solidFill>
                 <a:latin typeface="Arial" charset="0"/>
               </a:rPr>
-              <a:t>Early detection of cancer plays a major role in reducing cancer mortality. With </a:t>
-            </a:r>
-            <a:r>
-              <a:rPr lang="sv-SE" sz="3600" dirty="0" smtClean="0">
-                <a:solidFill>
-                  <a:srgbClr val="000000"/>
-                </a:solidFill>
-                <a:latin typeface="Arial" charset="0"/>
-              </a:rPr>
-              <a:t>deep </a:t>
-            </a:r>
-            <a:r>
-              <a:rPr lang="sv-SE" sz="3600" dirty="0" smtClean="0">
-                <a:solidFill>
-                  <a:srgbClr val="000000"/>
-                </a:solidFill>
-                <a:latin typeface="Arial" charset="0"/>
-              </a:rPr>
-              <a:t>convolutional neural networks, it is </a:t>
-            </a:r>
-            <a:r>
-              <a:rPr lang="sv-SE" sz="3600" dirty="0" smtClean="0">
-                <a:solidFill>
-                  <a:srgbClr val="000000"/>
-                </a:solidFill>
-                <a:latin typeface="Arial" charset="0"/>
-              </a:rPr>
-              <a:t>becoming possible to automatically </a:t>
-            </a:r>
-            <a:r>
-              <a:rPr lang="sv-SE" sz="3600" dirty="0" smtClean="0">
-                <a:solidFill>
-                  <a:srgbClr val="000000"/>
-                </a:solidFill>
-                <a:latin typeface="Arial" charset="0"/>
-              </a:rPr>
-              <a:t>classify </a:t>
-            </a:r>
-            <a:r>
-              <a:rPr lang="sv-SE" sz="3600" dirty="0" smtClean="0">
-                <a:solidFill>
-                  <a:srgbClr val="000000"/>
-                </a:solidFill>
-                <a:latin typeface="Arial" charset="0"/>
-              </a:rPr>
-              <a:t>cell images </a:t>
-            </a:r>
-            <a:r>
-              <a:rPr lang="sv-SE" sz="3600" dirty="0" smtClean="0">
-                <a:solidFill>
-                  <a:srgbClr val="000000"/>
-                </a:solidFill>
-                <a:latin typeface="Arial" charset="0"/>
-              </a:rPr>
-              <a:t>as either healthy or cancerous, a </a:t>
-            </a:r>
-            <a:r>
-              <a:rPr lang="sv-SE" sz="3600" dirty="0" smtClean="0">
-                <a:solidFill>
-                  <a:srgbClr val="000000"/>
-                </a:solidFill>
-                <a:latin typeface="Arial" charset="0"/>
-              </a:rPr>
-              <a:t>task </a:t>
-            </a:r>
-            <a:r>
-              <a:rPr lang="sv-SE" sz="3600" dirty="0" smtClean="0">
-                <a:solidFill>
-                  <a:srgbClr val="000000"/>
-                </a:solidFill>
-                <a:latin typeface="Arial" charset="0"/>
-              </a:rPr>
-              <a:t>previously </a:t>
-            </a:r>
-            <a:r>
-              <a:rPr lang="sv-SE" sz="3600" dirty="0" smtClean="0">
-                <a:solidFill>
-                  <a:srgbClr val="000000"/>
-                </a:solidFill>
-                <a:latin typeface="Arial" charset="0"/>
-              </a:rPr>
-              <a:t>done manually by highly </a:t>
-            </a:r>
-            <a:r>
-              <a:rPr lang="sv-SE" sz="3600" dirty="0" smtClean="0">
-                <a:solidFill>
-                  <a:srgbClr val="000000"/>
-                </a:solidFill>
-                <a:latin typeface="Arial" charset="0"/>
-              </a:rPr>
-              <a:t>trained professionals. </a:t>
-            </a:r>
-            <a:endParaRPr lang="sv-SE" sz="3600" dirty="0" smtClean="0">
-              <a:solidFill>
-                <a:srgbClr val="000000"/>
-              </a:solidFill>
-              <a:latin typeface="Arial" charset="0"/>
-            </a:endParaRPr>
+              <a:t>Early detection of cancer plays a major role in reducing cancer mortality. With deep convolutional neural networks, it is becoming possible to automatically classify cell images as either healthy or cancerous, a task previously done manually by highly trained professionals. </a:t>
+            </a:r>
           </a:p>
           <a:p>
             <a:pPr marL="0" marR="0" indent="0" defTabSz="914400" rtl="0" eaLnBrk="1" fontAlgn="base" latinLnBrk="0" hangingPunct="1">
@@ -4759,52 +4664,7 @@
                 </a:solidFill>
                 <a:latin typeface="Arial" charset="0"/>
               </a:rPr>
-              <a:t>Local </a:t>
-            </a:r>
-            <a:r>
-              <a:rPr lang="sv-SE" sz="3600" dirty="0" smtClean="0">
-                <a:solidFill>
-                  <a:srgbClr val="000000"/>
-                </a:solidFill>
-                <a:latin typeface="Arial" charset="0"/>
-              </a:rPr>
-              <a:t>binary patterns are very good </a:t>
-            </a:r>
-            <a:r>
-              <a:rPr lang="sv-SE" sz="3600" dirty="0" smtClean="0">
-                <a:solidFill>
-                  <a:srgbClr val="000000"/>
-                </a:solidFill>
-                <a:latin typeface="Arial" charset="0"/>
-              </a:rPr>
-              <a:t>at </a:t>
-            </a:r>
-            <a:r>
-              <a:rPr lang="sv-SE" sz="3600" dirty="0" smtClean="0">
-                <a:solidFill>
-                  <a:srgbClr val="000000"/>
-                </a:solidFill>
-                <a:latin typeface="Arial" charset="0"/>
-              </a:rPr>
-              <a:t>identifying textures, which has been hypothesized to be of importance in cell classification. In this project three </a:t>
-            </a:r>
-            <a:r>
-              <a:rPr lang="sv-SE" sz="3600" dirty="0" smtClean="0">
-                <a:solidFill>
-                  <a:srgbClr val="000000"/>
-                </a:solidFill>
-                <a:latin typeface="Arial" charset="0"/>
-              </a:rPr>
-              <a:t>recent LBP </a:t>
-            </a:r>
-            <a:r>
-              <a:rPr lang="sv-SE" sz="3600" dirty="0" smtClean="0">
-                <a:solidFill>
-                  <a:srgbClr val="000000"/>
-                </a:solidFill>
-                <a:latin typeface="Arial" charset="0"/>
-              </a:rPr>
-              <a:t>based networks are tuned and compared to conventional network architechtures</a:t>
+              <a:t>Local binary patterns are very good at identifying textures, which has been hypothesized to be of importance in cell classification. In this project three recent LBP based networks are tuned and compared to conventional network architechtures</a:t>
             </a:r>
             <a:r>
               <a:rPr lang="sv-SE" sz="3200" dirty="0" smtClean="0">
@@ -5090,11 +4950,7 @@
           <a:p>
             <a:r>
               <a:rPr lang="en-GB" sz="3600" dirty="0"/>
-              <a:t>The data set consisted of 10274 80x80 images of cells from six patients, three with cancer and three without. </a:t>
-            </a:r>
-            <a:r>
-              <a:rPr lang="en-GB" sz="3600" dirty="0"/>
-              <a:t>Cells were sampled from the mouth of the patient and placed on a glass and photographed.</a:t>
+              <a:t>The data set consisted of 10274 80x80 images of cells from six patients, three with cancer and three without. Cells were sampled from the mouth of the patient and placed on a glass and photographed.</a:t>
             </a:r>
           </a:p>
           <a:p>
@@ -5177,8 +5033,106 @@
             </a:r>
             <a:r>
               <a:rPr lang="sv-SE" sz="3600" dirty="0"/>
-              <a:t>by Ojala et al in 1996 and extended in 2002. [1]</a:t>
-            </a:r>
+              <a:t>by Ojala et al in 1996 and extended in 2002. [1</a:t>
+            </a:r>
+            <a:r>
+              <a:rPr lang="sv-SE" sz="3600" dirty="0" smtClean="0"/>
+              <a:t>]</a:t>
+            </a:r>
+          </a:p>
+          <a:p>
+            <a:r>
+              <a:rPr lang="sv-SE" sz="3600" dirty="0" smtClean="0"/>
+              <a:t>LBPs </a:t>
+            </a:r>
+            <a:r>
+              <a:rPr lang="sv-SE" sz="3600" dirty="0"/>
+              <a:t>compare </a:t>
+            </a:r>
+            <a:r>
+              <a:rPr lang="sv-SE" sz="3600" dirty="0" smtClean="0"/>
+              <a:t>P surrounding </a:t>
+            </a:r>
+            <a:r>
+              <a:rPr lang="sv-SE" sz="3600" dirty="0"/>
+              <a:t>points </a:t>
+            </a:r>
+            <a:r>
+              <a:rPr lang="sv-SE" sz="3600" dirty="0" smtClean="0"/>
+              <a:t>at </a:t>
+            </a:r>
+            <a:r>
+              <a:rPr lang="sv-SE" sz="3600" dirty="0" smtClean="0"/>
+              <a:t>radius R, with the center pixel (red), and record either a 1 or a 0 depending which value is greater. </a:t>
+            </a:r>
+          </a:p>
+          <a:p>
+            <a:endParaRPr lang="sv-SE" sz="3600" dirty="0"/>
+          </a:p>
+          <a:p>
+            <a:endParaRPr lang="sv-SE" sz="3600" dirty="0" smtClean="0"/>
+          </a:p>
+          <a:p>
+            <a:endParaRPr lang="sv-SE" sz="3600" dirty="0"/>
+          </a:p>
+          <a:p>
+            <a:endParaRPr lang="sv-SE" sz="3600" dirty="0" smtClean="0"/>
+          </a:p>
+          <a:p>
+            <a:endParaRPr lang="sv-SE" sz="3600" dirty="0"/>
+          </a:p>
+          <a:p>
+            <a:endParaRPr lang="sv-SE" sz="3600" dirty="0" smtClean="0"/>
+          </a:p>
+          <a:p>
+            <a:endParaRPr lang="sv-SE" sz="3600" dirty="0" smtClean="0"/>
+          </a:p>
+          <a:p>
+            <a:endParaRPr lang="sv-SE" sz="300" dirty="0"/>
+          </a:p>
+          <a:p>
+            <a:endParaRPr lang="sv-SE" sz="3600" dirty="0" smtClean="0"/>
+          </a:p>
+          <a:p>
+            <a:r>
+              <a:rPr lang="sv-SE" sz="3600" dirty="0" smtClean="0"/>
+              <a:t>The resulting strings of 1 and 0’s are unique patterns, and are grouped such that it doesn’t matter where one starts recording the pattern. This ensures rotation invariance.</a:t>
+            </a:r>
+            <a:endParaRPr lang="sv-SE" sz="3600" dirty="0"/>
+          </a:p>
+          <a:p>
+            <a:r>
+              <a:rPr lang="sv-SE" sz="3600" dirty="0" smtClean="0"/>
+              <a:t> plotted in a histrogram they can be used to classify texture.</a:t>
+            </a:r>
+            <a:endParaRPr lang="sv-SE" sz="3600" dirty="0"/>
+          </a:p>
+          <a:p>
+            <a:endParaRPr lang="sv-SE" sz="3600" dirty="0" smtClean="0"/>
+          </a:p>
+          <a:p>
+            <a:endParaRPr lang="sv-SE" sz="3600" dirty="0"/>
+          </a:p>
+          <a:p>
+            <a:endParaRPr lang="sv-SE" sz="3600" dirty="0" smtClean="0"/>
+          </a:p>
+          <a:p>
+            <a:endParaRPr lang="sv-SE" sz="3600" dirty="0"/>
+          </a:p>
+          <a:p>
+            <a:endParaRPr lang="sv-SE" sz="3600" dirty="0" smtClean="0"/>
+          </a:p>
+          <a:p>
+            <a:endParaRPr lang="sv-SE" sz="3600" dirty="0"/>
+          </a:p>
+          <a:p>
+            <a:endParaRPr lang="sv-SE" sz="3600" dirty="0" smtClean="0"/>
+          </a:p>
+          <a:p>
+            <a:endParaRPr lang="sv-SE" sz="3600" dirty="0"/>
+          </a:p>
+          <a:p>
+            <a:endParaRPr lang="sv-SE" sz="3600" dirty="0"/>
           </a:p>
         </p:txBody>
       </p:sp>
@@ -5251,8 +5205,8 @@
         </p:blipFill>
         <p:spPr bwMode="auto">
           <a:xfrm flipH="1">
-            <a:off x="6595025" y="19523294"/>
-            <a:ext cx="1715999" cy="1728064"/>
+            <a:off x="6622605" y="19523293"/>
+            <a:ext cx="1751684" cy="1764000"/>
           </a:xfrm>
           <a:prstGeom prst="rect">
             <a:avLst/>
@@ -5292,8 +5246,8 @@
         </p:blipFill>
         <p:spPr bwMode="auto">
           <a:xfrm flipH="1">
-            <a:off x="8426777" y="19499922"/>
-            <a:ext cx="1715999" cy="1727108"/>
+            <a:off x="8542359" y="19499922"/>
+            <a:ext cx="1752654" cy="1764000"/>
           </a:xfrm>
           <a:prstGeom prst="rect">
             <a:avLst/>
@@ -5333,8 +5287,8 @@
         </p:blipFill>
         <p:spPr bwMode="auto">
           <a:xfrm flipH="1">
-            <a:off x="6570003" y="17642895"/>
-            <a:ext cx="1727108" cy="1768148"/>
+            <a:off x="6622605" y="17507445"/>
+            <a:ext cx="1756037" cy="1764000"/>
           </a:xfrm>
           <a:prstGeom prst="rect">
             <a:avLst/>
@@ -5406,7 +5360,7 @@
         <p:spPr bwMode="auto">
           <a:xfrm flipH="1">
             <a:off x="11010159" y="17507445"/>
-            <a:ext cx="1727107" cy="1759582"/>
+            <a:ext cx="1764000" cy="1790080"/>
           </a:xfrm>
           <a:prstGeom prst="rect">
             <a:avLst/>
@@ -5446,8 +5400,8 @@
         </p:blipFill>
         <p:spPr bwMode="auto">
           <a:xfrm flipH="1">
-            <a:off x="12947192" y="19453333"/>
-            <a:ext cx="1749370" cy="1749370"/>
+            <a:off x="12947192" y="19441541"/>
+            <a:ext cx="1764000" cy="1764000"/>
           </a:xfrm>
           <a:prstGeom prst="rect">
             <a:avLst/>
@@ -5487,8 +5441,8 @@
         </p:blipFill>
         <p:spPr bwMode="auto">
           <a:xfrm flipH="1">
-            <a:off x="11001381" y="19448293"/>
-            <a:ext cx="1724017" cy="1724017"/>
+            <a:off x="11001380" y="19448292"/>
+            <a:ext cx="1764000" cy="1764000"/>
           </a:xfrm>
           <a:prstGeom prst="rect">
             <a:avLst/>
@@ -5528,8 +5482,8 @@
         </p:blipFill>
         <p:spPr bwMode="auto">
           <a:xfrm flipH="1">
-            <a:off x="8435298" y="17611002"/>
-            <a:ext cx="1727108" cy="1768148"/>
+            <a:off x="8531013" y="17497327"/>
+            <a:ext cx="1764000" cy="1767395"/>
           </a:xfrm>
           <a:prstGeom prst="rect">
             <a:avLst/>
@@ -5600,8 +5554,8 @@
         </p:blipFill>
         <p:spPr bwMode="auto">
           <a:xfrm flipH="1">
-            <a:off x="12947191" y="17507444"/>
-            <a:ext cx="1759583" cy="1759583"/>
+            <a:off x="12947190" y="17507443"/>
+            <a:ext cx="1764000" cy="1764000"/>
           </a:xfrm>
           <a:prstGeom prst="rect">
             <a:avLst/>
@@ -6096,11 +6050,2318 @@
               <a:rPr lang="en-GB" sz="2800" dirty="0"/>
               <a:t>IEEE Transactions on pattern analysis and machine intelligence, 24(7):971–987, 2002.</a:t>
             </a:r>
-            <a:endParaRPr lang="en-GB" sz="2800" dirty="0"/>
+          </a:p>
+        </p:txBody>
+      </p:sp>
+      <p:pic>
+        <p:nvPicPr>
+          <p:cNvPr id="8" name="Picture 7"/>
+          <p:cNvPicPr>
+            <a:picLocks noChangeAspect="1"/>
+          </p:cNvPicPr>
+          <p:nvPr/>
+        </p:nvPicPr>
+        <p:blipFill>
+          <a:blip r:embed="rId10">
+            <a:extLst>
+              <a:ext uri="{28A0092B-C50C-407E-A947-70E740481C1C}">
+                <a14:useLocalDpi xmlns:a14="http://schemas.microsoft.com/office/drawing/2010/main" val="0"/>
+              </a:ext>
+            </a:extLst>
+          </a:blip>
+          <a:stretch>
+            <a:fillRect/>
+          </a:stretch>
+        </p:blipFill>
+        <p:spPr>
+          <a:xfrm>
+            <a:off x="16612394" y="8064277"/>
+            <a:ext cx="3971626" cy="3744416"/>
+          </a:xfrm>
+          <a:prstGeom prst="rect">
+            <a:avLst/>
+          </a:prstGeom>
+        </p:spPr>
+      </p:pic>
+      <p:sp>
+        <p:nvSpPr>
+          <p:cNvPr id="9" name="Right Arrow 8"/>
+          <p:cNvSpPr/>
+          <p:nvPr/>
+        </p:nvSpPr>
+        <p:spPr bwMode="auto">
+          <a:xfrm>
+            <a:off x="20736173" y="9504437"/>
+            <a:ext cx="1224136" cy="720080"/>
+          </a:xfrm>
+          <a:prstGeom prst="rightArrow">
+            <a:avLst/>
+          </a:prstGeom>
+          <a:solidFill>
+            <a:schemeClr val="tx1"/>
+          </a:solidFill>
+          <a:ln>
+            <a:noFill/>
+          </a:ln>
+          <a:effectLst/>
+          <a:extLst/>
+        </p:spPr>
+        <p:txBody>
+          <a:bodyPr vert="horz" wrap="square" lIns="457200" tIns="228600" rIns="457200" bIns="228600" numCol="1" rtlCol="0" anchor="t" anchorCtr="0" compatLnSpc="1">
+            <a:prstTxWarp prst="textNoShape">
+              <a:avLst/>
+            </a:prstTxWarp>
+          </a:bodyPr>
+          <a:lstStyle/>
+          <a:p>
+            <a:pPr marL="0" marR="0" indent="0" algn="l" defTabSz="914400" rtl="0" eaLnBrk="1" fontAlgn="base" latinLnBrk="0" hangingPunct="1">
+              <a:lnSpc>
+                <a:spcPct val="100000"/>
+              </a:lnSpc>
+              <a:spcBef>
+                <a:spcPct val="20000"/>
+              </a:spcBef>
+              <a:spcAft>
+                <a:spcPct val="0"/>
+              </a:spcAft>
+              <a:buClrTx/>
+              <a:buSzTx/>
+              <a:buFontTx/>
+              <a:buNone/>
+              <a:tabLst/>
+            </a:pPr>
+            <a:endParaRPr kumimoji="0" lang="en-GB" sz="4600" b="0" i="0" u="none" strike="noStrike" cap="none" normalizeH="0" baseline="0" smtClean="0">
+              <a:ln>
+                <a:noFill/>
+              </a:ln>
+              <a:solidFill>
+                <a:srgbClr val="000000"/>
+              </a:solidFill>
+              <a:effectLst/>
+              <a:latin typeface="Arial" charset="0"/>
+            </a:endParaRPr>
+          </a:p>
+        </p:txBody>
+      </p:sp>
+      <p:sp>
+        <p:nvSpPr>
+          <p:cNvPr id="10" name="TextBox 9"/>
+          <p:cNvSpPr txBox="1"/>
+          <p:nvPr/>
+        </p:nvSpPr>
+        <p:spPr>
+          <a:xfrm>
+            <a:off x="22104325" y="9464367"/>
+            <a:ext cx="2880320" cy="800219"/>
+          </a:xfrm>
+          <a:prstGeom prst="rect">
+            <a:avLst/>
+          </a:prstGeom>
+          <a:noFill/>
+        </p:spPr>
+        <p:txBody>
+          <a:bodyPr wrap="square" rtlCol="0">
+            <a:spAutoFit/>
+          </a:bodyPr>
+          <a:lstStyle/>
+          <a:p>
+            <a:r>
+              <a:rPr lang="sv-SE" dirty="0" smtClean="0"/>
+              <a:t>00110100</a:t>
+            </a:r>
+            <a:endParaRPr lang="en-GB" dirty="0"/>
+          </a:p>
+        </p:txBody>
+      </p:sp>
+      <p:sp>
+        <p:nvSpPr>
+          <p:cNvPr id="12" name="TextBox 11"/>
+          <p:cNvSpPr txBox="1"/>
+          <p:nvPr/>
+        </p:nvSpPr>
+        <p:spPr>
+          <a:xfrm>
+            <a:off x="16612394" y="11952709"/>
+            <a:ext cx="3907755" cy="630942"/>
+          </a:xfrm>
+          <a:prstGeom prst="rect">
+            <a:avLst/>
+          </a:prstGeom>
+          <a:noFill/>
+        </p:spPr>
+        <p:txBody>
+          <a:bodyPr wrap="square" rtlCol="0">
+            <a:spAutoFit/>
+          </a:bodyPr>
+          <a:lstStyle/>
+          <a:p>
+            <a:pPr algn="ctr"/>
+            <a:r>
+              <a:rPr lang="sv-SE" sz="3500" b="1" dirty="0" smtClean="0"/>
+              <a:t>R = 2, P = 8 </a:t>
+            </a:r>
+            <a:endParaRPr lang="en-GB" sz="3500" b="1" dirty="0"/>
+          </a:p>
+        </p:txBody>
+      </p:sp>
+      <p:sp>
+        <p:nvSpPr>
+          <p:cNvPr id="40" name="TextBox 39"/>
+          <p:cNvSpPr txBox="1"/>
+          <p:nvPr/>
+        </p:nvSpPr>
+        <p:spPr>
+          <a:xfrm>
+            <a:off x="22104325" y="10800581"/>
+            <a:ext cx="3096344" cy="800219"/>
+          </a:xfrm>
+          <a:prstGeom prst="rect">
+            <a:avLst/>
+          </a:prstGeom>
+          <a:noFill/>
+        </p:spPr>
+        <p:txBody>
+          <a:bodyPr wrap="square" rtlCol="0">
+            <a:spAutoFit/>
+          </a:bodyPr>
+          <a:lstStyle/>
+          <a:p>
+            <a:r>
+              <a:rPr lang="sv-SE" dirty="0" smtClean="0"/>
+              <a:t>00001101</a:t>
+            </a:r>
+            <a:endParaRPr lang="en-GB" dirty="0"/>
+          </a:p>
+        </p:txBody>
+      </p:sp>
+      <p:sp>
+        <p:nvSpPr>
+          <p:cNvPr id="39" name="TextBox 38"/>
+          <p:cNvSpPr txBox="1"/>
+          <p:nvPr/>
+        </p:nvSpPr>
+        <p:spPr>
+          <a:xfrm>
+            <a:off x="23292457" y="10144378"/>
+            <a:ext cx="684076" cy="800219"/>
+          </a:xfrm>
+          <a:prstGeom prst="rect">
+            <a:avLst/>
+          </a:prstGeom>
+          <a:noFill/>
+        </p:spPr>
+        <p:txBody>
+          <a:bodyPr wrap="square" rtlCol="0">
+            <a:spAutoFit/>
+          </a:bodyPr>
+          <a:lstStyle/>
+          <a:p>
+            <a:pPr algn="ctr"/>
+            <a:r>
+              <a:rPr lang="sv-SE" dirty="0" smtClean="0"/>
+              <a:t>=</a:t>
+            </a:r>
+            <a:endParaRPr lang="en-GB" dirty="0"/>
           </a:p>
         </p:txBody>
       </p:sp>
     </p:spTree>
+  </p:cSld>
+  <p:clrMapOvr>
+    <a:masterClrMapping/>
+  </p:clrMapOvr>
+  <p:timing>
+    <p:tnLst>
+      <p:par>
+        <p:cTn id="1" dur="indefinite" restart="never" nodeType="tmRoot"/>
+      </p:par>
+    </p:tnLst>
+  </p:timing>
+</p:sld>
+</file>
+
+<file path=ppt/slides/slide2.xml><?xml version="1.0" encoding="utf-8"?>
+<p:sld xmlns:a="http://schemas.openxmlformats.org/drawingml/2006/main" xmlns:r="http://schemas.openxmlformats.org/officeDocument/2006/relationships" xmlns:p="http://schemas.openxmlformats.org/presentationml/2006/main">
+  <p:cSld>
+    <p:bg>
+      <p:bgPr>
+        <a:solidFill>
+          <a:srgbClr val="F2F2F2"/>
+        </a:solidFill>
+        <a:effectLst/>
+      </p:bgPr>
+    </p:bg>
+    <p:spTree>
+      <p:nvGrpSpPr>
+        <p:cNvPr id="1" name=""/>
+        <p:cNvGrpSpPr/>
+        <p:nvPr/>
+      </p:nvGrpSpPr>
+      <p:grpSpPr>
+        <a:xfrm>
+          <a:off x="0" y="0"/>
+          <a:ext cx="0" cy="0"/>
+          <a:chOff x="0" y="0"/>
+          <a:chExt cx="0" cy="0"/>
+        </a:xfrm>
+      </p:grpSpPr>
+      <p:graphicFrame>
+        <p:nvGraphicFramePr>
+          <p:cNvPr id="5" name="Table 4"/>
+          <p:cNvGraphicFramePr>
+            <a:graphicFrameLocks noGrp="1"/>
+          </p:cNvGraphicFramePr>
+          <p:nvPr>
+            <p:extLst>
+              <p:ext uri="{D42A27DB-BD31-4B8C-83A1-F6EECF244321}">
+                <p14:modId xmlns:p14="http://schemas.microsoft.com/office/powerpoint/2010/main" val="975094107"/>
+              </p:ext>
+            </p:extLst>
+          </p:nvPr>
+        </p:nvGraphicFramePr>
+        <p:xfrm>
+          <a:off x="7918749" y="10512552"/>
+          <a:ext cx="10009110" cy="9433045"/>
+        </p:xfrm>
+        <a:graphic>
+          <a:graphicData uri="http://schemas.openxmlformats.org/drawingml/2006/table">
+            <a:tbl>
+              <a:tblPr firstRow="1" bandRow="1">
+                <a:tableStyleId>{5940675A-B579-460E-94D1-54222C63F5DA}</a:tableStyleId>
+              </a:tblPr>
+              <a:tblGrid>
+                <a:gridCol w="2001822"/>
+                <a:gridCol w="2001822"/>
+                <a:gridCol w="2001822"/>
+                <a:gridCol w="2001822"/>
+                <a:gridCol w="2001822"/>
+              </a:tblGrid>
+              <a:tr h="1886609">
+                <a:tc>
+                  <a:txBody>
+                    <a:bodyPr/>
+                    <a:lstStyle/>
+                    <a:p>
+                      <a:endParaRPr lang="en-GB" dirty="0"/>
+                    </a:p>
+                  </a:txBody>
+                  <a:tcPr>
+                    <a:lnL w="76200" cap="flat" cmpd="sng" algn="ctr">
+                      <a:solidFill>
+                        <a:schemeClr val="tx1"/>
+                      </a:solidFill>
+                      <a:prstDash val="solid"/>
+                      <a:round/>
+                      <a:headEnd type="none" w="med" len="med"/>
+                      <a:tailEnd type="none" w="med" len="med"/>
+                    </a:lnL>
+                    <a:lnR w="76200" cap="flat" cmpd="sng" algn="ctr">
+                      <a:solidFill>
+                        <a:schemeClr val="tx1"/>
+                      </a:solidFill>
+                      <a:prstDash val="solid"/>
+                      <a:round/>
+                      <a:headEnd type="none" w="med" len="med"/>
+                      <a:tailEnd type="none" w="med" len="med"/>
+                    </a:lnR>
+                    <a:lnT w="76200" cap="flat" cmpd="sng" algn="ctr">
+                      <a:solidFill>
+                        <a:schemeClr val="tx1"/>
+                      </a:solidFill>
+                      <a:prstDash val="solid"/>
+                      <a:round/>
+                      <a:headEnd type="none" w="med" len="med"/>
+                      <a:tailEnd type="none" w="med" len="med"/>
+                    </a:lnT>
+                    <a:lnB w="76200" cap="flat" cmpd="sng" algn="ctr">
+                      <a:solidFill>
+                        <a:schemeClr val="tx1"/>
+                      </a:solidFill>
+                      <a:prstDash val="solid"/>
+                      <a:round/>
+                      <a:headEnd type="none" w="med" len="med"/>
+                      <a:tailEnd type="none" w="med" len="med"/>
+                    </a:lnB>
+                  </a:tcPr>
+                </a:tc>
+                <a:tc>
+                  <a:txBody>
+                    <a:bodyPr/>
+                    <a:lstStyle/>
+                    <a:p>
+                      <a:endParaRPr lang="en-GB" dirty="0"/>
+                    </a:p>
+                  </a:txBody>
+                  <a:tcPr>
+                    <a:lnL w="76200" cap="flat" cmpd="sng" algn="ctr">
+                      <a:solidFill>
+                        <a:schemeClr val="tx1"/>
+                      </a:solidFill>
+                      <a:prstDash val="solid"/>
+                      <a:round/>
+                      <a:headEnd type="none" w="med" len="med"/>
+                      <a:tailEnd type="none" w="med" len="med"/>
+                    </a:lnL>
+                    <a:lnR w="76200" cap="flat" cmpd="sng" algn="ctr">
+                      <a:solidFill>
+                        <a:schemeClr val="tx1"/>
+                      </a:solidFill>
+                      <a:prstDash val="solid"/>
+                      <a:round/>
+                      <a:headEnd type="none" w="med" len="med"/>
+                      <a:tailEnd type="none" w="med" len="med"/>
+                    </a:lnR>
+                    <a:lnT w="76200" cap="flat" cmpd="sng" algn="ctr">
+                      <a:solidFill>
+                        <a:schemeClr val="tx1"/>
+                      </a:solidFill>
+                      <a:prstDash val="solid"/>
+                      <a:round/>
+                      <a:headEnd type="none" w="med" len="med"/>
+                      <a:tailEnd type="none" w="med" len="med"/>
+                    </a:lnT>
+                    <a:lnB w="76200" cap="flat" cmpd="sng" algn="ctr">
+                      <a:solidFill>
+                        <a:schemeClr val="tx1"/>
+                      </a:solidFill>
+                      <a:prstDash val="solid"/>
+                      <a:round/>
+                      <a:headEnd type="none" w="med" len="med"/>
+                      <a:tailEnd type="none" w="med" len="med"/>
+                    </a:lnB>
+                  </a:tcPr>
+                </a:tc>
+                <a:tc>
+                  <a:txBody>
+                    <a:bodyPr/>
+                    <a:lstStyle/>
+                    <a:p>
+                      <a:endParaRPr lang="en-GB" dirty="0"/>
+                    </a:p>
+                  </a:txBody>
+                  <a:tcPr>
+                    <a:lnL w="76200" cap="flat" cmpd="sng" algn="ctr">
+                      <a:solidFill>
+                        <a:schemeClr val="tx1"/>
+                      </a:solidFill>
+                      <a:prstDash val="solid"/>
+                      <a:round/>
+                      <a:headEnd type="none" w="med" len="med"/>
+                      <a:tailEnd type="none" w="med" len="med"/>
+                    </a:lnL>
+                    <a:lnR w="76200" cap="flat" cmpd="sng" algn="ctr">
+                      <a:solidFill>
+                        <a:schemeClr val="tx1"/>
+                      </a:solidFill>
+                      <a:prstDash val="solid"/>
+                      <a:round/>
+                      <a:headEnd type="none" w="med" len="med"/>
+                      <a:tailEnd type="none" w="med" len="med"/>
+                    </a:lnR>
+                    <a:lnT w="76200" cap="flat" cmpd="sng" algn="ctr">
+                      <a:solidFill>
+                        <a:schemeClr val="tx1"/>
+                      </a:solidFill>
+                      <a:prstDash val="solid"/>
+                      <a:round/>
+                      <a:headEnd type="none" w="med" len="med"/>
+                      <a:tailEnd type="none" w="med" len="med"/>
+                    </a:lnT>
+                    <a:lnB w="76200" cap="flat" cmpd="sng" algn="ctr">
+                      <a:solidFill>
+                        <a:schemeClr val="tx1"/>
+                      </a:solidFill>
+                      <a:prstDash val="solid"/>
+                      <a:round/>
+                      <a:headEnd type="none" w="med" len="med"/>
+                      <a:tailEnd type="none" w="med" len="med"/>
+                    </a:lnB>
+                  </a:tcPr>
+                </a:tc>
+                <a:tc>
+                  <a:txBody>
+                    <a:bodyPr/>
+                    <a:lstStyle/>
+                    <a:p>
+                      <a:endParaRPr lang="en-GB" dirty="0"/>
+                    </a:p>
+                  </a:txBody>
+                  <a:tcPr>
+                    <a:lnL w="76200" cap="flat" cmpd="sng" algn="ctr">
+                      <a:solidFill>
+                        <a:schemeClr val="tx1"/>
+                      </a:solidFill>
+                      <a:prstDash val="solid"/>
+                      <a:round/>
+                      <a:headEnd type="none" w="med" len="med"/>
+                      <a:tailEnd type="none" w="med" len="med"/>
+                    </a:lnL>
+                    <a:lnR w="76200" cap="flat" cmpd="sng" algn="ctr">
+                      <a:solidFill>
+                        <a:schemeClr val="tx1"/>
+                      </a:solidFill>
+                      <a:prstDash val="solid"/>
+                      <a:round/>
+                      <a:headEnd type="none" w="med" len="med"/>
+                      <a:tailEnd type="none" w="med" len="med"/>
+                    </a:lnR>
+                    <a:lnT w="76200" cap="flat" cmpd="sng" algn="ctr">
+                      <a:solidFill>
+                        <a:schemeClr val="tx1"/>
+                      </a:solidFill>
+                      <a:prstDash val="solid"/>
+                      <a:round/>
+                      <a:headEnd type="none" w="med" len="med"/>
+                      <a:tailEnd type="none" w="med" len="med"/>
+                    </a:lnT>
+                    <a:lnB w="76200" cap="flat" cmpd="sng" algn="ctr">
+                      <a:solidFill>
+                        <a:schemeClr val="tx1"/>
+                      </a:solidFill>
+                      <a:prstDash val="solid"/>
+                      <a:round/>
+                      <a:headEnd type="none" w="med" len="med"/>
+                      <a:tailEnd type="none" w="med" len="med"/>
+                    </a:lnB>
+                  </a:tcPr>
+                </a:tc>
+                <a:tc>
+                  <a:txBody>
+                    <a:bodyPr/>
+                    <a:lstStyle/>
+                    <a:p>
+                      <a:endParaRPr lang="en-GB" dirty="0"/>
+                    </a:p>
+                  </a:txBody>
+                  <a:tcPr>
+                    <a:lnL w="76200" cap="flat" cmpd="sng" algn="ctr">
+                      <a:solidFill>
+                        <a:schemeClr val="tx1"/>
+                      </a:solidFill>
+                      <a:prstDash val="solid"/>
+                      <a:round/>
+                      <a:headEnd type="none" w="med" len="med"/>
+                      <a:tailEnd type="none" w="med" len="med"/>
+                    </a:lnL>
+                    <a:lnR w="76200" cap="flat" cmpd="sng" algn="ctr">
+                      <a:solidFill>
+                        <a:schemeClr val="tx1"/>
+                      </a:solidFill>
+                      <a:prstDash val="solid"/>
+                      <a:round/>
+                      <a:headEnd type="none" w="med" len="med"/>
+                      <a:tailEnd type="none" w="med" len="med"/>
+                    </a:lnR>
+                    <a:lnT w="76200" cap="flat" cmpd="sng" algn="ctr">
+                      <a:solidFill>
+                        <a:schemeClr val="tx1"/>
+                      </a:solidFill>
+                      <a:prstDash val="solid"/>
+                      <a:round/>
+                      <a:headEnd type="none" w="med" len="med"/>
+                      <a:tailEnd type="none" w="med" len="med"/>
+                    </a:lnT>
+                    <a:lnB w="76200" cap="flat" cmpd="sng" algn="ctr">
+                      <a:solidFill>
+                        <a:schemeClr val="tx1"/>
+                      </a:solidFill>
+                      <a:prstDash val="solid"/>
+                      <a:round/>
+                      <a:headEnd type="none" w="med" len="med"/>
+                      <a:tailEnd type="none" w="med" len="med"/>
+                    </a:lnB>
+                  </a:tcPr>
+                </a:tc>
+              </a:tr>
+              <a:tr h="1886609">
+                <a:tc>
+                  <a:txBody>
+                    <a:bodyPr/>
+                    <a:lstStyle/>
+                    <a:p>
+                      <a:endParaRPr lang="en-GB" dirty="0"/>
+                    </a:p>
+                  </a:txBody>
+                  <a:tcPr>
+                    <a:lnL w="76200" cap="flat" cmpd="sng" algn="ctr">
+                      <a:solidFill>
+                        <a:schemeClr val="tx1"/>
+                      </a:solidFill>
+                      <a:prstDash val="solid"/>
+                      <a:round/>
+                      <a:headEnd type="none" w="med" len="med"/>
+                      <a:tailEnd type="none" w="med" len="med"/>
+                    </a:lnL>
+                    <a:lnR w="76200" cap="flat" cmpd="sng" algn="ctr">
+                      <a:solidFill>
+                        <a:schemeClr val="tx1"/>
+                      </a:solidFill>
+                      <a:prstDash val="solid"/>
+                      <a:round/>
+                      <a:headEnd type="none" w="med" len="med"/>
+                      <a:tailEnd type="none" w="med" len="med"/>
+                    </a:lnR>
+                    <a:lnT w="76200" cap="flat" cmpd="sng" algn="ctr">
+                      <a:solidFill>
+                        <a:schemeClr val="tx1"/>
+                      </a:solidFill>
+                      <a:prstDash val="solid"/>
+                      <a:round/>
+                      <a:headEnd type="none" w="med" len="med"/>
+                      <a:tailEnd type="none" w="med" len="med"/>
+                    </a:lnT>
+                    <a:lnB w="76200" cap="flat" cmpd="sng" algn="ctr">
+                      <a:solidFill>
+                        <a:schemeClr val="tx1"/>
+                      </a:solidFill>
+                      <a:prstDash val="solid"/>
+                      <a:round/>
+                      <a:headEnd type="none" w="med" len="med"/>
+                      <a:tailEnd type="none" w="med" len="med"/>
+                    </a:lnB>
+                  </a:tcPr>
+                </a:tc>
+                <a:tc>
+                  <a:txBody>
+                    <a:bodyPr/>
+                    <a:lstStyle/>
+                    <a:p>
+                      <a:endParaRPr lang="en-GB" dirty="0"/>
+                    </a:p>
+                  </a:txBody>
+                  <a:tcPr>
+                    <a:lnL w="76200" cap="flat" cmpd="sng" algn="ctr">
+                      <a:solidFill>
+                        <a:schemeClr val="tx1"/>
+                      </a:solidFill>
+                      <a:prstDash val="solid"/>
+                      <a:round/>
+                      <a:headEnd type="none" w="med" len="med"/>
+                      <a:tailEnd type="none" w="med" len="med"/>
+                    </a:lnL>
+                    <a:lnR w="76200" cap="flat" cmpd="sng" algn="ctr">
+                      <a:solidFill>
+                        <a:schemeClr val="tx1"/>
+                      </a:solidFill>
+                      <a:prstDash val="solid"/>
+                      <a:round/>
+                      <a:headEnd type="none" w="med" len="med"/>
+                      <a:tailEnd type="none" w="med" len="med"/>
+                    </a:lnR>
+                    <a:lnT w="76200" cap="flat" cmpd="sng" algn="ctr">
+                      <a:solidFill>
+                        <a:schemeClr val="tx1"/>
+                      </a:solidFill>
+                      <a:prstDash val="solid"/>
+                      <a:round/>
+                      <a:headEnd type="none" w="med" len="med"/>
+                      <a:tailEnd type="none" w="med" len="med"/>
+                    </a:lnT>
+                    <a:lnB w="76200" cap="flat" cmpd="sng" algn="ctr">
+                      <a:solidFill>
+                        <a:schemeClr val="tx1"/>
+                      </a:solidFill>
+                      <a:prstDash val="solid"/>
+                      <a:round/>
+                      <a:headEnd type="none" w="med" len="med"/>
+                      <a:tailEnd type="none" w="med" len="med"/>
+                    </a:lnB>
+                  </a:tcPr>
+                </a:tc>
+                <a:tc>
+                  <a:txBody>
+                    <a:bodyPr/>
+                    <a:lstStyle/>
+                    <a:p>
+                      <a:endParaRPr lang="en-GB" dirty="0"/>
+                    </a:p>
+                  </a:txBody>
+                  <a:tcPr>
+                    <a:lnL w="76200" cap="flat" cmpd="sng" algn="ctr">
+                      <a:solidFill>
+                        <a:schemeClr val="tx1"/>
+                      </a:solidFill>
+                      <a:prstDash val="solid"/>
+                      <a:round/>
+                      <a:headEnd type="none" w="med" len="med"/>
+                      <a:tailEnd type="none" w="med" len="med"/>
+                    </a:lnL>
+                    <a:lnR w="76200" cap="flat" cmpd="sng" algn="ctr">
+                      <a:solidFill>
+                        <a:schemeClr val="tx1"/>
+                      </a:solidFill>
+                      <a:prstDash val="solid"/>
+                      <a:round/>
+                      <a:headEnd type="none" w="med" len="med"/>
+                      <a:tailEnd type="none" w="med" len="med"/>
+                    </a:lnR>
+                    <a:lnT w="76200" cap="flat" cmpd="sng" algn="ctr">
+                      <a:solidFill>
+                        <a:schemeClr val="tx1"/>
+                      </a:solidFill>
+                      <a:prstDash val="solid"/>
+                      <a:round/>
+                      <a:headEnd type="none" w="med" len="med"/>
+                      <a:tailEnd type="none" w="med" len="med"/>
+                    </a:lnT>
+                    <a:lnB w="76200" cap="flat" cmpd="sng" algn="ctr">
+                      <a:solidFill>
+                        <a:schemeClr val="tx1"/>
+                      </a:solidFill>
+                      <a:prstDash val="solid"/>
+                      <a:round/>
+                      <a:headEnd type="none" w="med" len="med"/>
+                      <a:tailEnd type="none" w="med" len="med"/>
+                    </a:lnB>
+                  </a:tcPr>
+                </a:tc>
+                <a:tc>
+                  <a:txBody>
+                    <a:bodyPr/>
+                    <a:lstStyle/>
+                    <a:p>
+                      <a:endParaRPr lang="en-GB" dirty="0"/>
+                    </a:p>
+                  </a:txBody>
+                  <a:tcPr>
+                    <a:lnL w="76200" cap="flat" cmpd="sng" algn="ctr">
+                      <a:solidFill>
+                        <a:schemeClr val="tx1"/>
+                      </a:solidFill>
+                      <a:prstDash val="solid"/>
+                      <a:round/>
+                      <a:headEnd type="none" w="med" len="med"/>
+                      <a:tailEnd type="none" w="med" len="med"/>
+                    </a:lnL>
+                    <a:lnR w="76200" cap="flat" cmpd="sng" algn="ctr">
+                      <a:solidFill>
+                        <a:schemeClr val="tx1"/>
+                      </a:solidFill>
+                      <a:prstDash val="solid"/>
+                      <a:round/>
+                      <a:headEnd type="none" w="med" len="med"/>
+                      <a:tailEnd type="none" w="med" len="med"/>
+                    </a:lnR>
+                    <a:lnT w="76200" cap="flat" cmpd="sng" algn="ctr">
+                      <a:solidFill>
+                        <a:schemeClr val="tx1"/>
+                      </a:solidFill>
+                      <a:prstDash val="solid"/>
+                      <a:round/>
+                      <a:headEnd type="none" w="med" len="med"/>
+                      <a:tailEnd type="none" w="med" len="med"/>
+                    </a:lnT>
+                    <a:lnB w="76200" cap="flat" cmpd="sng" algn="ctr">
+                      <a:solidFill>
+                        <a:schemeClr val="tx1"/>
+                      </a:solidFill>
+                      <a:prstDash val="solid"/>
+                      <a:round/>
+                      <a:headEnd type="none" w="med" len="med"/>
+                      <a:tailEnd type="none" w="med" len="med"/>
+                    </a:lnB>
+                  </a:tcPr>
+                </a:tc>
+                <a:tc>
+                  <a:txBody>
+                    <a:bodyPr/>
+                    <a:lstStyle/>
+                    <a:p>
+                      <a:endParaRPr lang="en-GB" dirty="0"/>
+                    </a:p>
+                  </a:txBody>
+                  <a:tcPr>
+                    <a:lnL w="76200" cap="flat" cmpd="sng" algn="ctr">
+                      <a:solidFill>
+                        <a:schemeClr val="tx1"/>
+                      </a:solidFill>
+                      <a:prstDash val="solid"/>
+                      <a:round/>
+                      <a:headEnd type="none" w="med" len="med"/>
+                      <a:tailEnd type="none" w="med" len="med"/>
+                    </a:lnL>
+                    <a:lnR w="76200" cap="flat" cmpd="sng" algn="ctr">
+                      <a:solidFill>
+                        <a:schemeClr val="tx1"/>
+                      </a:solidFill>
+                      <a:prstDash val="solid"/>
+                      <a:round/>
+                      <a:headEnd type="none" w="med" len="med"/>
+                      <a:tailEnd type="none" w="med" len="med"/>
+                    </a:lnR>
+                    <a:lnT w="76200" cap="flat" cmpd="sng" algn="ctr">
+                      <a:solidFill>
+                        <a:schemeClr val="tx1"/>
+                      </a:solidFill>
+                      <a:prstDash val="solid"/>
+                      <a:round/>
+                      <a:headEnd type="none" w="med" len="med"/>
+                      <a:tailEnd type="none" w="med" len="med"/>
+                    </a:lnT>
+                    <a:lnB w="76200" cap="flat" cmpd="sng" algn="ctr">
+                      <a:solidFill>
+                        <a:schemeClr val="tx1"/>
+                      </a:solidFill>
+                      <a:prstDash val="solid"/>
+                      <a:round/>
+                      <a:headEnd type="none" w="med" len="med"/>
+                      <a:tailEnd type="none" w="med" len="med"/>
+                    </a:lnB>
+                  </a:tcPr>
+                </a:tc>
+              </a:tr>
+              <a:tr h="1886609">
+                <a:tc>
+                  <a:txBody>
+                    <a:bodyPr/>
+                    <a:lstStyle/>
+                    <a:p>
+                      <a:endParaRPr lang="en-GB" dirty="0"/>
+                    </a:p>
+                  </a:txBody>
+                  <a:tcPr>
+                    <a:lnL w="76200" cap="flat" cmpd="sng" algn="ctr">
+                      <a:solidFill>
+                        <a:schemeClr val="tx1"/>
+                      </a:solidFill>
+                      <a:prstDash val="solid"/>
+                      <a:round/>
+                      <a:headEnd type="none" w="med" len="med"/>
+                      <a:tailEnd type="none" w="med" len="med"/>
+                    </a:lnL>
+                    <a:lnR w="76200" cap="flat" cmpd="sng" algn="ctr">
+                      <a:solidFill>
+                        <a:schemeClr val="tx1"/>
+                      </a:solidFill>
+                      <a:prstDash val="solid"/>
+                      <a:round/>
+                      <a:headEnd type="none" w="med" len="med"/>
+                      <a:tailEnd type="none" w="med" len="med"/>
+                    </a:lnR>
+                    <a:lnT w="76200" cap="flat" cmpd="sng" algn="ctr">
+                      <a:solidFill>
+                        <a:schemeClr val="tx1"/>
+                      </a:solidFill>
+                      <a:prstDash val="solid"/>
+                      <a:round/>
+                      <a:headEnd type="none" w="med" len="med"/>
+                      <a:tailEnd type="none" w="med" len="med"/>
+                    </a:lnT>
+                    <a:lnB w="76200" cap="flat" cmpd="sng" algn="ctr">
+                      <a:solidFill>
+                        <a:schemeClr val="tx1"/>
+                      </a:solidFill>
+                      <a:prstDash val="solid"/>
+                      <a:round/>
+                      <a:headEnd type="none" w="med" len="med"/>
+                      <a:tailEnd type="none" w="med" len="med"/>
+                    </a:lnB>
+                  </a:tcPr>
+                </a:tc>
+                <a:tc>
+                  <a:txBody>
+                    <a:bodyPr/>
+                    <a:lstStyle/>
+                    <a:p>
+                      <a:endParaRPr lang="en-GB" dirty="0"/>
+                    </a:p>
+                  </a:txBody>
+                  <a:tcPr>
+                    <a:lnL w="76200" cap="flat" cmpd="sng" algn="ctr">
+                      <a:solidFill>
+                        <a:schemeClr val="tx1"/>
+                      </a:solidFill>
+                      <a:prstDash val="solid"/>
+                      <a:round/>
+                      <a:headEnd type="none" w="med" len="med"/>
+                      <a:tailEnd type="none" w="med" len="med"/>
+                    </a:lnL>
+                    <a:lnR w="76200" cap="flat" cmpd="sng" algn="ctr">
+                      <a:solidFill>
+                        <a:schemeClr val="tx1"/>
+                      </a:solidFill>
+                      <a:prstDash val="solid"/>
+                      <a:round/>
+                      <a:headEnd type="none" w="med" len="med"/>
+                      <a:tailEnd type="none" w="med" len="med"/>
+                    </a:lnR>
+                    <a:lnT w="76200" cap="flat" cmpd="sng" algn="ctr">
+                      <a:solidFill>
+                        <a:schemeClr val="tx1"/>
+                      </a:solidFill>
+                      <a:prstDash val="solid"/>
+                      <a:round/>
+                      <a:headEnd type="none" w="med" len="med"/>
+                      <a:tailEnd type="none" w="med" len="med"/>
+                    </a:lnT>
+                    <a:lnB w="76200" cap="flat" cmpd="sng" algn="ctr">
+                      <a:solidFill>
+                        <a:schemeClr val="tx1"/>
+                      </a:solidFill>
+                      <a:prstDash val="solid"/>
+                      <a:round/>
+                      <a:headEnd type="none" w="med" len="med"/>
+                      <a:tailEnd type="none" w="med" len="med"/>
+                    </a:lnB>
+                  </a:tcPr>
+                </a:tc>
+                <a:tc>
+                  <a:txBody>
+                    <a:bodyPr/>
+                    <a:lstStyle/>
+                    <a:p>
+                      <a:endParaRPr lang="en-GB" dirty="0"/>
+                    </a:p>
+                  </a:txBody>
+                  <a:tcPr>
+                    <a:lnL w="76200" cap="flat" cmpd="sng" algn="ctr">
+                      <a:solidFill>
+                        <a:schemeClr val="tx1"/>
+                      </a:solidFill>
+                      <a:prstDash val="solid"/>
+                      <a:round/>
+                      <a:headEnd type="none" w="med" len="med"/>
+                      <a:tailEnd type="none" w="med" len="med"/>
+                    </a:lnL>
+                    <a:lnR w="76200" cap="flat" cmpd="sng" algn="ctr">
+                      <a:solidFill>
+                        <a:schemeClr val="tx1"/>
+                      </a:solidFill>
+                      <a:prstDash val="solid"/>
+                      <a:round/>
+                      <a:headEnd type="none" w="med" len="med"/>
+                      <a:tailEnd type="none" w="med" len="med"/>
+                    </a:lnR>
+                    <a:lnT w="76200" cap="flat" cmpd="sng" algn="ctr">
+                      <a:solidFill>
+                        <a:schemeClr val="tx1"/>
+                      </a:solidFill>
+                      <a:prstDash val="solid"/>
+                      <a:round/>
+                      <a:headEnd type="none" w="med" len="med"/>
+                      <a:tailEnd type="none" w="med" len="med"/>
+                    </a:lnT>
+                    <a:lnB w="76200" cap="flat" cmpd="sng" algn="ctr">
+                      <a:solidFill>
+                        <a:schemeClr val="tx1"/>
+                      </a:solidFill>
+                      <a:prstDash val="solid"/>
+                      <a:round/>
+                      <a:headEnd type="none" w="med" len="med"/>
+                      <a:tailEnd type="none" w="med" len="med"/>
+                    </a:lnB>
+                  </a:tcPr>
+                </a:tc>
+                <a:tc>
+                  <a:txBody>
+                    <a:bodyPr/>
+                    <a:lstStyle/>
+                    <a:p>
+                      <a:endParaRPr lang="en-GB" dirty="0"/>
+                    </a:p>
+                  </a:txBody>
+                  <a:tcPr>
+                    <a:lnL w="76200" cap="flat" cmpd="sng" algn="ctr">
+                      <a:solidFill>
+                        <a:schemeClr val="tx1"/>
+                      </a:solidFill>
+                      <a:prstDash val="solid"/>
+                      <a:round/>
+                      <a:headEnd type="none" w="med" len="med"/>
+                      <a:tailEnd type="none" w="med" len="med"/>
+                    </a:lnL>
+                    <a:lnR w="76200" cap="flat" cmpd="sng" algn="ctr">
+                      <a:solidFill>
+                        <a:schemeClr val="tx1"/>
+                      </a:solidFill>
+                      <a:prstDash val="solid"/>
+                      <a:round/>
+                      <a:headEnd type="none" w="med" len="med"/>
+                      <a:tailEnd type="none" w="med" len="med"/>
+                    </a:lnR>
+                    <a:lnT w="76200" cap="flat" cmpd="sng" algn="ctr">
+                      <a:solidFill>
+                        <a:schemeClr val="tx1"/>
+                      </a:solidFill>
+                      <a:prstDash val="solid"/>
+                      <a:round/>
+                      <a:headEnd type="none" w="med" len="med"/>
+                      <a:tailEnd type="none" w="med" len="med"/>
+                    </a:lnT>
+                    <a:lnB w="76200" cap="flat" cmpd="sng" algn="ctr">
+                      <a:solidFill>
+                        <a:schemeClr val="tx1"/>
+                      </a:solidFill>
+                      <a:prstDash val="solid"/>
+                      <a:round/>
+                      <a:headEnd type="none" w="med" len="med"/>
+                      <a:tailEnd type="none" w="med" len="med"/>
+                    </a:lnB>
+                  </a:tcPr>
+                </a:tc>
+                <a:tc>
+                  <a:txBody>
+                    <a:bodyPr/>
+                    <a:lstStyle/>
+                    <a:p>
+                      <a:endParaRPr lang="en-GB" dirty="0"/>
+                    </a:p>
+                  </a:txBody>
+                  <a:tcPr>
+                    <a:lnL w="76200" cap="flat" cmpd="sng" algn="ctr">
+                      <a:solidFill>
+                        <a:schemeClr val="tx1"/>
+                      </a:solidFill>
+                      <a:prstDash val="solid"/>
+                      <a:round/>
+                      <a:headEnd type="none" w="med" len="med"/>
+                      <a:tailEnd type="none" w="med" len="med"/>
+                    </a:lnL>
+                    <a:lnR w="76200" cap="flat" cmpd="sng" algn="ctr">
+                      <a:solidFill>
+                        <a:schemeClr val="tx1"/>
+                      </a:solidFill>
+                      <a:prstDash val="solid"/>
+                      <a:round/>
+                      <a:headEnd type="none" w="med" len="med"/>
+                      <a:tailEnd type="none" w="med" len="med"/>
+                    </a:lnR>
+                    <a:lnT w="76200" cap="flat" cmpd="sng" algn="ctr">
+                      <a:solidFill>
+                        <a:schemeClr val="tx1"/>
+                      </a:solidFill>
+                      <a:prstDash val="solid"/>
+                      <a:round/>
+                      <a:headEnd type="none" w="med" len="med"/>
+                      <a:tailEnd type="none" w="med" len="med"/>
+                    </a:lnT>
+                    <a:lnB w="76200" cap="flat" cmpd="sng" algn="ctr">
+                      <a:solidFill>
+                        <a:schemeClr val="tx1"/>
+                      </a:solidFill>
+                      <a:prstDash val="solid"/>
+                      <a:round/>
+                      <a:headEnd type="none" w="med" len="med"/>
+                      <a:tailEnd type="none" w="med" len="med"/>
+                    </a:lnB>
+                  </a:tcPr>
+                </a:tc>
+              </a:tr>
+              <a:tr h="1886609">
+                <a:tc>
+                  <a:txBody>
+                    <a:bodyPr/>
+                    <a:lstStyle/>
+                    <a:p>
+                      <a:endParaRPr lang="en-GB" dirty="0"/>
+                    </a:p>
+                  </a:txBody>
+                  <a:tcPr>
+                    <a:lnL w="76200" cap="flat" cmpd="sng" algn="ctr">
+                      <a:solidFill>
+                        <a:schemeClr val="tx1"/>
+                      </a:solidFill>
+                      <a:prstDash val="solid"/>
+                      <a:round/>
+                      <a:headEnd type="none" w="med" len="med"/>
+                      <a:tailEnd type="none" w="med" len="med"/>
+                    </a:lnL>
+                    <a:lnR w="76200" cap="flat" cmpd="sng" algn="ctr">
+                      <a:solidFill>
+                        <a:schemeClr val="tx1"/>
+                      </a:solidFill>
+                      <a:prstDash val="solid"/>
+                      <a:round/>
+                      <a:headEnd type="none" w="med" len="med"/>
+                      <a:tailEnd type="none" w="med" len="med"/>
+                    </a:lnR>
+                    <a:lnT w="76200" cap="flat" cmpd="sng" algn="ctr">
+                      <a:solidFill>
+                        <a:schemeClr val="tx1"/>
+                      </a:solidFill>
+                      <a:prstDash val="solid"/>
+                      <a:round/>
+                      <a:headEnd type="none" w="med" len="med"/>
+                      <a:tailEnd type="none" w="med" len="med"/>
+                    </a:lnT>
+                    <a:lnB w="76200" cap="flat" cmpd="sng" algn="ctr">
+                      <a:solidFill>
+                        <a:schemeClr val="tx1"/>
+                      </a:solidFill>
+                      <a:prstDash val="solid"/>
+                      <a:round/>
+                      <a:headEnd type="none" w="med" len="med"/>
+                      <a:tailEnd type="none" w="med" len="med"/>
+                    </a:lnB>
+                  </a:tcPr>
+                </a:tc>
+                <a:tc>
+                  <a:txBody>
+                    <a:bodyPr/>
+                    <a:lstStyle/>
+                    <a:p>
+                      <a:endParaRPr lang="en-GB" dirty="0"/>
+                    </a:p>
+                  </a:txBody>
+                  <a:tcPr>
+                    <a:lnL w="76200" cap="flat" cmpd="sng" algn="ctr">
+                      <a:solidFill>
+                        <a:schemeClr val="tx1"/>
+                      </a:solidFill>
+                      <a:prstDash val="solid"/>
+                      <a:round/>
+                      <a:headEnd type="none" w="med" len="med"/>
+                      <a:tailEnd type="none" w="med" len="med"/>
+                    </a:lnL>
+                    <a:lnR w="76200" cap="flat" cmpd="sng" algn="ctr">
+                      <a:solidFill>
+                        <a:schemeClr val="tx1"/>
+                      </a:solidFill>
+                      <a:prstDash val="solid"/>
+                      <a:round/>
+                      <a:headEnd type="none" w="med" len="med"/>
+                      <a:tailEnd type="none" w="med" len="med"/>
+                    </a:lnR>
+                    <a:lnT w="76200" cap="flat" cmpd="sng" algn="ctr">
+                      <a:solidFill>
+                        <a:schemeClr val="tx1"/>
+                      </a:solidFill>
+                      <a:prstDash val="solid"/>
+                      <a:round/>
+                      <a:headEnd type="none" w="med" len="med"/>
+                      <a:tailEnd type="none" w="med" len="med"/>
+                    </a:lnT>
+                    <a:lnB w="76200" cap="flat" cmpd="sng" algn="ctr">
+                      <a:solidFill>
+                        <a:schemeClr val="tx1"/>
+                      </a:solidFill>
+                      <a:prstDash val="solid"/>
+                      <a:round/>
+                      <a:headEnd type="none" w="med" len="med"/>
+                      <a:tailEnd type="none" w="med" len="med"/>
+                    </a:lnB>
+                  </a:tcPr>
+                </a:tc>
+                <a:tc>
+                  <a:txBody>
+                    <a:bodyPr/>
+                    <a:lstStyle/>
+                    <a:p>
+                      <a:endParaRPr lang="en-GB" dirty="0"/>
+                    </a:p>
+                  </a:txBody>
+                  <a:tcPr>
+                    <a:lnL w="76200" cap="flat" cmpd="sng" algn="ctr">
+                      <a:solidFill>
+                        <a:schemeClr val="tx1"/>
+                      </a:solidFill>
+                      <a:prstDash val="solid"/>
+                      <a:round/>
+                      <a:headEnd type="none" w="med" len="med"/>
+                      <a:tailEnd type="none" w="med" len="med"/>
+                    </a:lnL>
+                    <a:lnR w="76200" cap="flat" cmpd="sng" algn="ctr">
+                      <a:solidFill>
+                        <a:schemeClr val="tx1"/>
+                      </a:solidFill>
+                      <a:prstDash val="solid"/>
+                      <a:round/>
+                      <a:headEnd type="none" w="med" len="med"/>
+                      <a:tailEnd type="none" w="med" len="med"/>
+                    </a:lnR>
+                    <a:lnT w="76200" cap="flat" cmpd="sng" algn="ctr">
+                      <a:solidFill>
+                        <a:schemeClr val="tx1"/>
+                      </a:solidFill>
+                      <a:prstDash val="solid"/>
+                      <a:round/>
+                      <a:headEnd type="none" w="med" len="med"/>
+                      <a:tailEnd type="none" w="med" len="med"/>
+                    </a:lnT>
+                    <a:lnB w="76200" cap="flat" cmpd="sng" algn="ctr">
+                      <a:solidFill>
+                        <a:schemeClr val="tx1"/>
+                      </a:solidFill>
+                      <a:prstDash val="solid"/>
+                      <a:round/>
+                      <a:headEnd type="none" w="med" len="med"/>
+                      <a:tailEnd type="none" w="med" len="med"/>
+                    </a:lnB>
+                  </a:tcPr>
+                </a:tc>
+                <a:tc>
+                  <a:txBody>
+                    <a:bodyPr/>
+                    <a:lstStyle/>
+                    <a:p>
+                      <a:endParaRPr lang="en-GB" dirty="0"/>
+                    </a:p>
+                  </a:txBody>
+                  <a:tcPr>
+                    <a:lnL w="76200" cap="flat" cmpd="sng" algn="ctr">
+                      <a:solidFill>
+                        <a:schemeClr val="tx1"/>
+                      </a:solidFill>
+                      <a:prstDash val="solid"/>
+                      <a:round/>
+                      <a:headEnd type="none" w="med" len="med"/>
+                      <a:tailEnd type="none" w="med" len="med"/>
+                    </a:lnL>
+                    <a:lnR w="76200" cap="flat" cmpd="sng" algn="ctr">
+                      <a:solidFill>
+                        <a:schemeClr val="tx1"/>
+                      </a:solidFill>
+                      <a:prstDash val="solid"/>
+                      <a:round/>
+                      <a:headEnd type="none" w="med" len="med"/>
+                      <a:tailEnd type="none" w="med" len="med"/>
+                    </a:lnR>
+                    <a:lnT w="76200" cap="flat" cmpd="sng" algn="ctr">
+                      <a:solidFill>
+                        <a:schemeClr val="tx1"/>
+                      </a:solidFill>
+                      <a:prstDash val="solid"/>
+                      <a:round/>
+                      <a:headEnd type="none" w="med" len="med"/>
+                      <a:tailEnd type="none" w="med" len="med"/>
+                    </a:lnT>
+                    <a:lnB w="76200" cap="flat" cmpd="sng" algn="ctr">
+                      <a:solidFill>
+                        <a:schemeClr val="tx1"/>
+                      </a:solidFill>
+                      <a:prstDash val="solid"/>
+                      <a:round/>
+                      <a:headEnd type="none" w="med" len="med"/>
+                      <a:tailEnd type="none" w="med" len="med"/>
+                    </a:lnB>
+                  </a:tcPr>
+                </a:tc>
+                <a:tc>
+                  <a:txBody>
+                    <a:bodyPr/>
+                    <a:lstStyle/>
+                    <a:p>
+                      <a:endParaRPr lang="en-GB" dirty="0"/>
+                    </a:p>
+                  </a:txBody>
+                  <a:tcPr>
+                    <a:lnL w="76200" cap="flat" cmpd="sng" algn="ctr">
+                      <a:solidFill>
+                        <a:schemeClr val="tx1"/>
+                      </a:solidFill>
+                      <a:prstDash val="solid"/>
+                      <a:round/>
+                      <a:headEnd type="none" w="med" len="med"/>
+                      <a:tailEnd type="none" w="med" len="med"/>
+                    </a:lnL>
+                    <a:lnR w="76200" cap="flat" cmpd="sng" algn="ctr">
+                      <a:solidFill>
+                        <a:schemeClr val="tx1"/>
+                      </a:solidFill>
+                      <a:prstDash val="solid"/>
+                      <a:round/>
+                      <a:headEnd type="none" w="med" len="med"/>
+                      <a:tailEnd type="none" w="med" len="med"/>
+                    </a:lnR>
+                    <a:lnT w="76200" cap="flat" cmpd="sng" algn="ctr">
+                      <a:solidFill>
+                        <a:schemeClr val="tx1"/>
+                      </a:solidFill>
+                      <a:prstDash val="solid"/>
+                      <a:round/>
+                      <a:headEnd type="none" w="med" len="med"/>
+                      <a:tailEnd type="none" w="med" len="med"/>
+                    </a:lnT>
+                    <a:lnB w="76200" cap="flat" cmpd="sng" algn="ctr">
+                      <a:solidFill>
+                        <a:schemeClr val="tx1"/>
+                      </a:solidFill>
+                      <a:prstDash val="solid"/>
+                      <a:round/>
+                      <a:headEnd type="none" w="med" len="med"/>
+                      <a:tailEnd type="none" w="med" len="med"/>
+                    </a:lnB>
+                  </a:tcPr>
+                </a:tc>
+              </a:tr>
+              <a:tr h="1886609">
+                <a:tc>
+                  <a:txBody>
+                    <a:bodyPr/>
+                    <a:lstStyle/>
+                    <a:p>
+                      <a:endParaRPr lang="en-GB" dirty="0"/>
+                    </a:p>
+                  </a:txBody>
+                  <a:tcPr>
+                    <a:lnL w="76200" cap="flat" cmpd="sng" algn="ctr">
+                      <a:solidFill>
+                        <a:schemeClr val="tx1"/>
+                      </a:solidFill>
+                      <a:prstDash val="solid"/>
+                      <a:round/>
+                      <a:headEnd type="none" w="med" len="med"/>
+                      <a:tailEnd type="none" w="med" len="med"/>
+                    </a:lnL>
+                    <a:lnR w="76200" cap="flat" cmpd="sng" algn="ctr">
+                      <a:solidFill>
+                        <a:schemeClr val="tx1"/>
+                      </a:solidFill>
+                      <a:prstDash val="solid"/>
+                      <a:round/>
+                      <a:headEnd type="none" w="med" len="med"/>
+                      <a:tailEnd type="none" w="med" len="med"/>
+                    </a:lnR>
+                    <a:lnT w="76200" cap="flat" cmpd="sng" algn="ctr">
+                      <a:solidFill>
+                        <a:schemeClr val="tx1"/>
+                      </a:solidFill>
+                      <a:prstDash val="solid"/>
+                      <a:round/>
+                      <a:headEnd type="none" w="med" len="med"/>
+                      <a:tailEnd type="none" w="med" len="med"/>
+                    </a:lnT>
+                    <a:lnB w="76200" cap="flat" cmpd="sng" algn="ctr">
+                      <a:solidFill>
+                        <a:schemeClr val="tx1"/>
+                      </a:solidFill>
+                      <a:prstDash val="solid"/>
+                      <a:round/>
+                      <a:headEnd type="none" w="med" len="med"/>
+                      <a:tailEnd type="none" w="med" len="med"/>
+                    </a:lnB>
+                  </a:tcPr>
+                </a:tc>
+                <a:tc>
+                  <a:txBody>
+                    <a:bodyPr/>
+                    <a:lstStyle/>
+                    <a:p>
+                      <a:endParaRPr lang="en-GB" dirty="0"/>
+                    </a:p>
+                  </a:txBody>
+                  <a:tcPr>
+                    <a:lnL w="76200" cap="flat" cmpd="sng" algn="ctr">
+                      <a:solidFill>
+                        <a:schemeClr val="tx1"/>
+                      </a:solidFill>
+                      <a:prstDash val="solid"/>
+                      <a:round/>
+                      <a:headEnd type="none" w="med" len="med"/>
+                      <a:tailEnd type="none" w="med" len="med"/>
+                    </a:lnL>
+                    <a:lnR w="76200" cap="flat" cmpd="sng" algn="ctr">
+                      <a:solidFill>
+                        <a:schemeClr val="tx1"/>
+                      </a:solidFill>
+                      <a:prstDash val="solid"/>
+                      <a:round/>
+                      <a:headEnd type="none" w="med" len="med"/>
+                      <a:tailEnd type="none" w="med" len="med"/>
+                    </a:lnR>
+                    <a:lnT w="76200" cap="flat" cmpd="sng" algn="ctr">
+                      <a:solidFill>
+                        <a:schemeClr val="tx1"/>
+                      </a:solidFill>
+                      <a:prstDash val="solid"/>
+                      <a:round/>
+                      <a:headEnd type="none" w="med" len="med"/>
+                      <a:tailEnd type="none" w="med" len="med"/>
+                    </a:lnT>
+                    <a:lnB w="76200" cap="flat" cmpd="sng" algn="ctr">
+                      <a:solidFill>
+                        <a:schemeClr val="tx1"/>
+                      </a:solidFill>
+                      <a:prstDash val="solid"/>
+                      <a:round/>
+                      <a:headEnd type="none" w="med" len="med"/>
+                      <a:tailEnd type="none" w="med" len="med"/>
+                    </a:lnB>
+                  </a:tcPr>
+                </a:tc>
+                <a:tc>
+                  <a:txBody>
+                    <a:bodyPr/>
+                    <a:lstStyle/>
+                    <a:p>
+                      <a:endParaRPr lang="en-GB" dirty="0"/>
+                    </a:p>
+                  </a:txBody>
+                  <a:tcPr>
+                    <a:lnL w="76200" cap="flat" cmpd="sng" algn="ctr">
+                      <a:solidFill>
+                        <a:schemeClr val="tx1"/>
+                      </a:solidFill>
+                      <a:prstDash val="solid"/>
+                      <a:round/>
+                      <a:headEnd type="none" w="med" len="med"/>
+                      <a:tailEnd type="none" w="med" len="med"/>
+                    </a:lnL>
+                    <a:lnR w="76200" cap="flat" cmpd="sng" algn="ctr">
+                      <a:solidFill>
+                        <a:schemeClr val="tx1"/>
+                      </a:solidFill>
+                      <a:prstDash val="solid"/>
+                      <a:round/>
+                      <a:headEnd type="none" w="med" len="med"/>
+                      <a:tailEnd type="none" w="med" len="med"/>
+                    </a:lnR>
+                    <a:lnT w="76200" cap="flat" cmpd="sng" algn="ctr">
+                      <a:solidFill>
+                        <a:schemeClr val="tx1"/>
+                      </a:solidFill>
+                      <a:prstDash val="solid"/>
+                      <a:round/>
+                      <a:headEnd type="none" w="med" len="med"/>
+                      <a:tailEnd type="none" w="med" len="med"/>
+                    </a:lnT>
+                    <a:lnB w="76200" cap="flat" cmpd="sng" algn="ctr">
+                      <a:solidFill>
+                        <a:schemeClr val="tx1"/>
+                      </a:solidFill>
+                      <a:prstDash val="solid"/>
+                      <a:round/>
+                      <a:headEnd type="none" w="med" len="med"/>
+                      <a:tailEnd type="none" w="med" len="med"/>
+                    </a:lnB>
+                  </a:tcPr>
+                </a:tc>
+                <a:tc>
+                  <a:txBody>
+                    <a:bodyPr/>
+                    <a:lstStyle/>
+                    <a:p>
+                      <a:endParaRPr lang="en-GB" dirty="0"/>
+                    </a:p>
+                  </a:txBody>
+                  <a:tcPr>
+                    <a:lnL w="76200" cap="flat" cmpd="sng" algn="ctr">
+                      <a:solidFill>
+                        <a:schemeClr val="tx1"/>
+                      </a:solidFill>
+                      <a:prstDash val="solid"/>
+                      <a:round/>
+                      <a:headEnd type="none" w="med" len="med"/>
+                      <a:tailEnd type="none" w="med" len="med"/>
+                    </a:lnL>
+                    <a:lnR w="76200" cap="flat" cmpd="sng" algn="ctr">
+                      <a:solidFill>
+                        <a:schemeClr val="tx1"/>
+                      </a:solidFill>
+                      <a:prstDash val="solid"/>
+                      <a:round/>
+                      <a:headEnd type="none" w="med" len="med"/>
+                      <a:tailEnd type="none" w="med" len="med"/>
+                    </a:lnR>
+                    <a:lnT w="76200" cap="flat" cmpd="sng" algn="ctr">
+                      <a:solidFill>
+                        <a:schemeClr val="tx1"/>
+                      </a:solidFill>
+                      <a:prstDash val="solid"/>
+                      <a:round/>
+                      <a:headEnd type="none" w="med" len="med"/>
+                      <a:tailEnd type="none" w="med" len="med"/>
+                    </a:lnT>
+                    <a:lnB w="76200" cap="flat" cmpd="sng" algn="ctr">
+                      <a:solidFill>
+                        <a:schemeClr val="tx1"/>
+                      </a:solidFill>
+                      <a:prstDash val="solid"/>
+                      <a:round/>
+                      <a:headEnd type="none" w="med" len="med"/>
+                      <a:tailEnd type="none" w="med" len="med"/>
+                    </a:lnB>
+                  </a:tcPr>
+                </a:tc>
+                <a:tc>
+                  <a:txBody>
+                    <a:bodyPr/>
+                    <a:lstStyle/>
+                    <a:p>
+                      <a:endParaRPr lang="en-GB" dirty="0"/>
+                    </a:p>
+                  </a:txBody>
+                  <a:tcPr>
+                    <a:lnL w="76200" cap="flat" cmpd="sng" algn="ctr">
+                      <a:solidFill>
+                        <a:schemeClr val="tx1"/>
+                      </a:solidFill>
+                      <a:prstDash val="solid"/>
+                      <a:round/>
+                      <a:headEnd type="none" w="med" len="med"/>
+                      <a:tailEnd type="none" w="med" len="med"/>
+                    </a:lnL>
+                    <a:lnR w="76200" cap="flat" cmpd="sng" algn="ctr">
+                      <a:solidFill>
+                        <a:schemeClr val="tx1"/>
+                      </a:solidFill>
+                      <a:prstDash val="solid"/>
+                      <a:round/>
+                      <a:headEnd type="none" w="med" len="med"/>
+                      <a:tailEnd type="none" w="med" len="med"/>
+                    </a:lnR>
+                    <a:lnT w="76200" cap="flat" cmpd="sng" algn="ctr">
+                      <a:solidFill>
+                        <a:schemeClr val="tx1"/>
+                      </a:solidFill>
+                      <a:prstDash val="solid"/>
+                      <a:round/>
+                      <a:headEnd type="none" w="med" len="med"/>
+                      <a:tailEnd type="none" w="med" len="med"/>
+                    </a:lnT>
+                    <a:lnB w="76200" cap="flat" cmpd="sng" algn="ctr">
+                      <a:solidFill>
+                        <a:schemeClr val="tx1"/>
+                      </a:solidFill>
+                      <a:prstDash val="solid"/>
+                      <a:round/>
+                      <a:headEnd type="none" w="med" len="med"/>
+                      <a:tailEnd type="none" w="med" len="med"/>
+                    </a:lnB>
+                  </a:tcPr>
+                </a:tc>
+              </a:tr>
+            </a:tbl>
+          </a:graphicData>
+        </a:graphic>
+      </p:graphicFrame>
+      <p:sp>
+        <p:nvSpPr>
+          <p:cNvPr id="6" name="Oval 5"/>
+          <p:cNvSpPr/>
+          <p:nvPr/>
+        </p:nvSpPr>
+        <p:spPr bwMode="auto">
+          <a:xfrm>
+            <a:off x="12509259" y="14833031"/>
+            <a:ext cx="932311" cy="864093"/>
+          </a:xfrm>
+          <a:prstGeom prst="ellipse">
+            <a:avLst/>
+          </a:prstGeom>
+          <a:solidFill>
+            <a:srgbClr val="FF0000"/>
+          </a:solidFill>
+          <a:ln>
+            <a:solidFill>
+              <a:schemeClr val="tx1"/>
+            </a:solidFill>
+          </a:ln>
+          <a:effectLst/>
+          <a:extLst/>
+        </p:spPr>
+        <p:txBody>
+          <a:bodyPr vert="horz" wrap="square" lIns="457200" tIns="228600" rIns="457200" bIns="228600" numCol="1" rtlCol="0" anchor="t" anchorCtr="0" compatLnSpc="1">
+            <a:prstTxWarp prst="textNoShape">
+              <a:avLst/>
+            </a:prstTxWarp>
+          </a:bodyPr>
+          <a:lstStyle/>
+          <a:p>
+            <a:pPr marL="0" marR="0" indent="0" algn="l" defTabSz="914400" rtl="0" eaLnBrk="1" fontAlgn="base" latinLnBrk="0" hangingPunct="1">
+              <a:lnSpc>
+                <a:spcPct val="100000"/>
+              </a:lnSpc>
+              <a:spcBef>
+                <a:spcPct val="20000"/>
+              </a:spcBef>
+              <a:spcAft>
+                <a:spcPct val="0"/>
+              </a:spcAft>
+              <a:buClrTx/>
+              <a:buSzTx/>
+              <a:buFontTx/>
+              <a:buNone/>
+              <a:tabLst/>
+            </a:pPr>
+            <a:endParaRPr kumimoji="0" lang="en-GB" sz="4600" b="0" i="0" u="none" strike="noStrike" cap="none" normalizeH="0" baseline="0" dirty="0" smtClean="0">
+              <a:ln>
+                <a:noFill/>
+              </a:ln>
+              <a:solidFill>
+                <a:srgbClr val="000000"/>
+              </a:solidFill>
+              <a:effectLst/>
+              <a:latin typeface="Arial" charset="0"/>
+            </a:endParaRPr>
+          </a:p>
+        </p:txBody>
+      </p:sp>
+      <p:sp>
+        <p:nvSpPr>
+          <p:cNvPr id="7" name="Oval 6"/>
+          <p:cNvSpPr/>
+          <p:nvPr/>
+        </p:nvSpPr>
+        <p:spPr bwMode="auto">
+          <a:xfrm>
+            <a:off x="12455253" y="11088615"/>
+            <a:ext cx="932311" cy="864093"/>
+          </a:xfrm>
+          <a:prstGeom prst="ellipse">
+            <a:avLst/>
+          </a:prstGeom>
+          <a:solidFill>
+            <a:schemeClr val="tx1"/>
+          </a:solidFill>
+          <a:ln>
+            <a:solidFill>
+              <a:schemeClr val="tx1"/>
+            </a:solidFill>
+          </a:ln>
+          <a:effectLst/>
+          <a:extLst/>
+        </p:spPr>
+        <p:txBody>
+          <a:bodyPr vert="horz" wrap="square" lIns="457200" tIns="228600" rIns="457200" bIns="228600" numCol="1" rtlCol="0" anchor="t" anchorCtr="0" compatLnSpc="1">
+            <a:prstTxWarp prst="textNoShape">
+              <a:avLst/>
+            </a:prstTxWarp>
+          </a:bodyPr>
+          <a:lstStyle/>
+          <a:p>
+            <a:pPr marL="0" marR="0" indent="0" algn="l" defTabSz="914400" rtl="0" eaLnBrk="1" fontAlgn="base" latinLnBrk="0" hangingPunct="1">
+              <a:lnSpc>
+                <a:spcPct val="100000"/>
+              </a:lnSpc>
+              <a:spcBef>
+                <a:spcPct val="20000"/>
+              </a:spcBef>
+              <a:spcAft>
+                <a:spcPct val="0"/>
+              </a:spcAft>
+              <a:buClrTx/>
+              <a:buSzTx/>
+              <a:buFontTx/>
+              <a:buNone/>
+              <a:tabLst/>
+            </a:pPr>
+            <a:endParaRPr kumimoji="0" lang="en-GB" sz="4600" b="0" i="0" u="none" strike="noStrike" cap="none" normalizeH="0" baseline="0" dirty="0" smtClean="0">
+              <a:ln>
+                <a:noFill/>
+              </a:ln>
+              <a:solidFill>
+                <a:schemeClr val="tx1"/>
+              </a:solidFill>
+              <a:effectLst/>
+              <a:latin typeface="Arial" charset="0"/>
+            </a:endParaRPr>
+          </a:p>
+        </p:txBody>
+      </p:sp>
+      <p:sp>
+        <p:nvSpPr>
+          <p:cNvPr id="8" name="Oval 7"/>
+          <p:cNvSpPr/>
+          <p:nvPr/>
+        </p:nvSpPr>
+        <p:spPr bwMode="auto">
+          <a:xfrm>
+            <a:off x="12463775" y="18685459"/>
+            <a:ext cx="932311" cy="864093"/>
+          </a:xfrm>
+          <a:prstGeom prst="ellipse">
+            <a:avLst/>
+          </a:prstGeom>
+          <a:solidFill>
+            <a:schemeClr val="tx1"/>
+          </a:solidFill>
+          <a:ln>
+            <a:solidFill>
+              <a:schemeClr val="tx1"/>
+            </a:solidFill>
+          </a:ln>
+          <a:effectLst/>
+          <a:extLst/>
+        </p:spPr>
+        <p:txBody>
+          <a:bodyPr vert="horz" wrap="square" lIns="457200" tIns="228600" rIns="457200" bIns="228600" numCol="1" rtlCol="0" anchor="t" anchorCtr="0" compatLnSpc="1">
+            <a:prstTxWarp prst="textNoShape">
+              <a:avLst/>
+            </a:prstTxWarp>
+          </a:bodyPr>
+          <a:lstStyle/>
+          <a:p>
+            <a:pPr marL="0" marR="0" indent="0" algn="l" defTabSz="914400" rtl="0" eaLnBrk="1" fontAlgn="base" latinLnBrk="0" hangingPunct="1">
+              <a:lnSpc>
+                <a:spcPct val="100000"/>
+              </a:lnSpc>
+              <a:spcBef>
+                <a:spcPct val="20000"/>
+              </a:spcBef>
+              <a:spcAft>
+                <a:spcPct val="0"/>
+              </a:spcAft>
+              <a:buClrTx/>
+              <a:buSzTx/>
+              <a:buFontTx/>
+              <a:buNone/>
+              <a:tabLst/>
+            </a:pPr>
+            <a:endParaRPr kumimoji="0" lang="en-GB" sz="4600" b="0" i="0" u="none" strike="noStrike" cap="none" normalizeH="0" baseline="0" dirty="0" smtClean="0">
+              <a:ln>
+                <a:noFill/>
+              </a:ln>
+              <a:solidFill>
+                <a:srgbClr val="000000"/>
+              </a:solidFill>
+              <a:effectLst/>
+              <a:latin typeface="Arial" charset="0"/>
+            </a:endParaRPr>
+          </a:p>
+        </p:txBody>
+      </p:sp>
+      <p:sp>
+        <p:nvSpPr>
+          <p:cNvPr id="9" name="Oval 8"/>
+          <p:cNvSpPr/>
+          <p:nvPr/>
+        </p:nvSpPr>
+        <p:spPr bwMode="auto">
+          <a:xfrm>
+            <a:off x="16469699" y="14838246"/>
+            <a:ext cx="932311" cy="864093"/>
+          </a:xfrm>
+          <a:prstGeom prst="ellipse">
+            <a:avLst/>
+          </a:prstGeom>
+          <a:solidFill>
+            <a:schemeClr val="bg1"/>
+          </a:solidFill>
+          <a:ln w="38100">
+            <a:solidFill>
+              <a:schemeClr val="tx1"/>
+            </a:solidFill>
+          </a:ln>
+          <a:effectLst/>
+          <a:extLst/>
+        </p:spPr>
+        <p:txBody>
+          <a:bodyPr vert="horz" wrap="square" lIns="457200" tIns="228600" rIns="457200" bIns="228600" numCol="1" rtlCol="0" anchor="t" anchorCtr="0" compatLnSpc="1">
+            <a:prstTxWarp prst="textNoShape">
+              <a:avLst/>
+            </a:prstTxWarp>
+          </a:bodyPr>
+          <a:lstStyle/>
+          <a:p>
+            <a:pPr marL="0" marR="0" indent="0" algn="l" defTabSz="914400" rtl="0" eaLnBrk="1" fontAlgn="base" latinLnBrk="0" hangingPunct="1">
+              <a:lnSpc>
+                <a:spcPct val="100000"/>
+              </a:lnSpc>
+              <a:spcBef>
+                <a:spcPct val="20000"/>
+              </a:spcBef>
+              <a:spcAft>
+                <a:spcPct val="0"/>
+              </a:spcAft>
+              <a:buClrTx/>
+              <a:buSzTx/>
+              <a:buFontTx/>
+              <a:buNone/>
+              <a:tabLst/>
+            </a:pPr>
+            <a:endParaRPr kumimoji="0" lang="en-GB" sz="4600" b="0" i="0" u="none" strike="noStrike" cap="none" normalizeH="0" baseline="0" dirty="0" smtClean="0">
+              <a:ln w="57150">
+                <a:solidFill>
+                  <a:schemeClr val="tx1"/>
+                </a:solidFill>
+              </a:ln>
+              <a:solidFill>
+                <a:schemeClr val="tx1"/>
+              </a:solidFill>
+              <a:effectLst/>
+              <a:latin typeface="Arial" charset="0"/>
+            </a:endParaRPr>
+          </a:p>
+        </p:txBody>
+      </p:sp>
+      <p:sp>
+        <p:nvSpPr>
+          <p:cNvPr id="10" name="Oval 9"/>
+          <p:cNvSpPr/>
+          <p:nvPr/>
+        </p:nvSpPr>
+        <p:spPr bwMode="auto">
+          <a:xfrm>
+            <a:off x="8494813" y="14833031"/>
+            <a:ext cx="932311" cy="864093"/>
+          </a:xfrm>
+          <a:prstGeom prst="ellipse">
+            <a:avLst/>
+          </a:prstGeom>
+          <a:solidFill>
+            <a:schemeClr val="tx1"/>
+          </a:solidFill>
+          <a:ln>
+            <a:solidFill>
+              <a:schemeClr val="tx1"/>
+            </a:solidFill>
+          </a:ln>
+          <a:effectLst/>
+          <a:extLst/>
+        </p:spPr>
+        <p:txBody>
+          <a:bodyPr vert="horz" wrap="square" lIns="457200" tIns="228600" rIns="457200" bIns="228600" numCol="1" rtlCol="0" anchor="t" anchorCtr="0" compatLnSpc="1">
+            <a:prstTxWarp prst="textNoShape">
+              <a:avLst/>
+            </a:prstTxWarp>
+          </a:bodyPr>
+          <a:lstStyle/>
+          <a:p>
+            <a:pPr marL="0" marR="0" indent="0" algn="l" defTabSz="914400" rtl="0" eaLnBrk="1" fontAlgn="base" latinLnBrk="0" hangingPunct="1">
+              <a:lnSpc>
+                <a:spcPct val="100000"/>
+              </a:lnSpc>
+              <a:spcBef>
+                <a:spcPct val="20000"/>
+              </a:spcBef>
+              <a:spcAft>
+                <a:spcPct val="0"/>
+              </a:spcAft>
+              <a:buClrTx/>
+              <a:buSzTx/>
+              <a:buFontTx/>
+              <a:buNone/>
+              <a:tabLst/>
+            </a:pPr>
+            <a:endParaRPr kumimoji="0" lang="en-GB" sz="4600" b="0" i="0" u="none" strike="noStrike" cap="none" normalizeH="0" baseline="0" dirty="0" smtClean="0">
+              <a:ln>
+                <a:noFill/>
+              </a:ln>
+              <a:solidFill>
+                <a:srgbClr val="000000"/>
+              </a:solidFill>
+              <a:effectLst/>
+              <a:latin typeface="Arial" charset="0"/>
+            </a:endParaRPr>
+          </a:p>
+        </p:txBody>
+      </p:sp>
+      <p:sp>
+        <p:nvSpPr>
+          <p:cNvPr id="11" name="Oval 10"/>
+          <p:cNvSpPr/>
+          <p:nvPr/>
+        </p:nvSpPr>
+        <p:spPr bwMode="auto">
+          <a:xfrm>
+            <a:off x="9646941" y="12168735"/>
+            <a:ext cx="932311" cy="864093"/>
+          </a:xfrm>
+          <a:prstGeom prst="ellipse">
+            <a:avLst/>
+          </a:prstGeom>
+          <a:solidFill>
+            <a:schemeClr val="tx1"/>
+          </a:solidFill>
+          <a:ln>
+            <a:solidFill>
+              <a:schemeClr val="tx1"/>
+            </a:solidFill>
+          </a:ln>
+          <a:effectLst/>
+          <a:extLst/>
+        </p:spPr>
+        <p:txBody>
+          <a:bodyPr vert="horz" wrap="square" lIns="457200" tIns="228600" rIns="457200" bIns="228600" numCol="1" rtlCol="0" anchor="t" anchorCtr="0" compatLnSpc="1">
+            <a:prstTxWarp prst="textNoShape">
+              <a:avLst/>
+            </a:prstTxWarp>
+          </a:bodyPr>
+          <a:lstStyle/>
+          <a:p>
+            <a:pPr marL="0" marR="0" indent="0" algn="l" defTabSz="914400" rtl="0" eaLnBrk="1" fontAlgn="base" latinLnBrk="0" hangingPunct="1">
+              <a:lnSpc>
+                <a:spcPct val="100000"/>
+              </a:lnSpc>
+              <a:spcBef>
+                <a:spcPct val="20000"/>
+              </a:spcBef>
+              <a:spcAft>
+                <a:spcPct val="0"/>
+              </a:spcAft>
+              <a:buClrTx/>
+              <a:buSzTx/>
+              <a:buFontTx/>
+              <a:buNone/>
+              <a:tabLst/>
+            </a:pPr>
+            <a:endParaRPr kumimoji="0" lang="en-GB" sz="4600" b="0" i="0" u="none" strike="noStrike" cap="none" normalizeH="0" baseline="0" dirty="0" smtClean="0">
+              <a:ln>
+                <a:noFill/>
+              </a:ln>
+              <a:solidFill>
+                <a:srgbClr val="000000"/>
+              </a:solidFill>
+              <a:effectLst/>
+              <a:latin typeface="Arial" charset="0"/>
+            </a:endParaRPr>
+          </a:p>
+        </p:txBody>
+      </p:sp>
+      <p:sp>
+        <p:nvSpPr>
+          <p:cNvPr id="12" name="Oval 11"/>
+          <p:cNvSpPr/>
+          <p:nvPr/>
+        </p:nvSpPr>
+        <p:spPr bwMode="auto">
+          <a:xfrm>
+            <a:off x="15317571" y="12240743"/>
+            <a:ext cx="932311" cy="864093"/>
+          </a:xfrm>
+          <a:prstGeom prst="ellipse">
+            <a:avLst/>
+          </a:prstGeom>
+          <a:solidFill>
+            <a:schemeClr val="tx1"/>
+          </a:solidFill>
+          <a:ln>
+            <a:solidFill>
+              <a:schemeClr val="tx1"/>
+            </a:solidFill>
+          </a:ln>
+          <a:effectLst/>
+          <a:extLst/>
+        </p:spPr>
+        <p:txBody>
+          <a:bodyPr vert="horz" wrap="square" lIns="457200" tIns="228600" rIns="457200" bIns="228600" numCol="1" rtlCol="0" anchor="t" anchorCtr="0" compatLnSpc="1">
+            <a:prstTxWarp prst="textNoShape">
+              <a:avLst/>
+            </a:prstTxWarp>
+          </a:bodyPr>
+          <a:lstStyle/>
+          <a:p>
+            <a:pPr marL="0" marR="0" indent="0" algn="l" defTabSz="914400" rtl="0" eaLnBrk="1" fontAlgn="base" latinLnBrk="0" hangingPunct="1">
+              <a:lnSpc>
+                <a:spcPct val="100000"/>
+              </a:lnSpc>
+              <a:spcBef>
+                <a:spcPct val="20000"/>
+              </a:spcBef>
+              <a:spcAft>
+                <a:spcPct val="0"/>
+              </a:spcAft>
+              <a:buClrTx/>
+              <a:buSzTx/>
+              <a:buFontTx/>
+              <a:buNone/>
+              <a:tabLst/>
+            </a:pPr>
+            <a:endParaRPr kumimoji="0" lang="en-GB" sz="4600" b="0" i="0" u="none" strike="noStrike" cap="none" normalizeH="0" baseline="0" dirty="0" smtClean="0">
+              <a:ln>
+                <a:noFill/>
+              </a:ln>
+              <a:solidFill>
+                <a:srgbClr val="000000"/>
+              </a:solidFill>
+              <a:effectLst/>
+              <a:latin typeface="Arial" charset="0"/>
+            </a:endParaRPr>
+          </a:p>
+        </p:txBody>
+      </p:sp>
+      <p:sp>
+        <p:nvSpPr>
+          <p:cNvPr id="13" name="Oval 12"/>
+          <p:cNvSpPr/>
+          <p:nvPr/>
+        </p:nvSpPr>
+        <p:spPr bwMode="auto">
+          <a:xfrm>
+            <a:off x="9556931" y="17497327"/>
+            <a:ext cx="932311" cy="864093"/>
+          </a:xfrm>
+          <a:prstGeom prst="ellipse">
+            <a:avLst/>
+          </a:prstGeom>
+          <a:solidFill>
+            <a:schemeClr val="bg1"/>
+          </a:solidFill>
+          <a:ln w="38100">
+            <a:solidFill>
+              <a:schemeClr val="tx1"/>
+            </a:solidFill>
+          </a:ln>
+          <a:effectLst/>
+          <a:extLst/>
+        </p:spPr>
+        <p:txBody>
+          <a:bodyPr vert="horz" wrap="square" lIns="457200" tIns="228600" rIns="457200" bIns="228600" numCol="1" rtlCol="0" anchor="t" anchorCtr="0" compatLnSpc="1">
+            <a:prstTxWarp prst="textNoShape">
+              <a:avLst/>
+            </a:prstTxWarp>
+          </a:bodyPr>
+          <a:lstStyle/>
+          <a:p>
+            <a:pPr marL="0" marR="0" indent="0" algn="l" defTabSz="914400" rtl="0" eaLnBrk="1" fontAlgn="base" latinLnBrk="0" hangingPunct="1">
+              <a:lnSpc>
+                <a:spcPct val="100000"/>
+              </a:lnSpc>
+              <a:spcBef>
+                <a:spcPct val="20000"/>
+              </a:spcBef>
+              <a:spcAft>
+                <a:spcPct val="0"/>
+              </a:spcAft>
+              <a:buClrTx/>
+              <a:buSzTx/>
+              <a:buFontTx/>
+              <a:buNone/>
+              <a:tabLst/>
+            </a:pPr>
+            <a:endParaRPr kumimoji="0" lang="en-GB" sz="4600" b="0" i="0" u="none" strike="noStrike" cap="none" normalizeH="0" baseline="0" dirty="0" smtClean="0">
+              <a:ln>
+                <a:noFill/>
+              </a:ln>
+              <a:solidFill>
+                <a:srgbClr val="000000"/>
+              </a:solidFill>
+              <a:effectLst/>
+              <a:latin typeface="Arial" charset="0"/>
+            </a:endParaRPr>
+          </a:p>
+        </p:txBody>
+      </p:sp>
+      <p:sp>
+        <p:nvSpPr>
+          <p:cNvPr id="14" name="Oval 13"/>
+          <p:cNvSpPr/>
+          <p:nvPr/>
+        </p:nvSpPr>
+        <p:spPr bwMode="auto">
+          <a:xfrm>
+            <a:off x="15407581" y="17497327"/>
+            <a:ext cx="932311" cy="864093"/>
+          </a:xfrm>
+          <a:prstGeom prst="ellipse">
+            <a:avLst/>
+          </a:prstGeom>
+          <a:solidFill>
+            <a:schemeClr val="bg1"/>
+          </a:solidFill>
+          <a:ln w="38100">
+            <a:solidFill>
+              <a:schemeClr val="tx1"/>
+            </a:solidFill>
+          </a:ln>
+          <a:effectLst/>
+          <a:extLst/>
+        </p:spPr>
+        <p:txBody>
+          <a:bodyPr vert="horz" wrap="square" lIns="457200" tIns="228600" rIns="457200" bIns="228600" numCol="1" rtlCol="0" anchor="t" anchorCtr="0" compatLnSpc="1">
+            <a:prstTxWarp prst="textNoShape">
+              <a:avLst/>
+            </a:prstTxWarp>
+          </a:bodyPr>
+          <a:lstStyle/>
+          <a:p>
+            <a:pPr marL="0" marR="0" indent="0" algn="l" defTabSz="914400" rtl="0" eaLnBrk="1" fontAlgn="base" latinLnBrk="0" hangingPunct="1">
+              <a:lnSpc>
+                <a:spcPct val="100000"/>
+              </a:lnSpc>
+              <a:spcBef>
+                <a:spcPct val="20000"/>
+              </a:spcBef>
+              <a:spcAft>
+                <a:spcPct val="0"/>
+              </a:spcAft>
+              <a:buClrTx/>
+              <a:buSzTx/>
+              <a:buFontTx/>
+              <a:buNone/>
+              <a:tabLst/>
+            </a:pPr>
+            <a:endParaRPr kumimoji="0" lang="en-GB" sz="4600" b="0" i="0" u="none" strike="noStrike" cap="none" normalizeH="0" baseline="0" dirty="0" smtClean="0">
+              <a:ln>
+                <a:noFill/>
+              </a:ln>
+              <a:solidFill>
+                <a:srgbClr val="000000"/>
+              </a:solidFill>
+              <a:effectLst/>
+              <a:latin typeface="Arial" charset="0"/>
+            </a:endParaRPr>
+          </a:p>
+        </p:txBody>
+      </p:sp>
+      <p:sp>
+        <p:nvSpPr>
+          <p:cNvPr id="15" name="TextBox 14"/>
+          <p:cNvSpPr txBox="1"/>
+          <p:nvPr/>
+        </p:nvSpPr>
+        <p:spPr>
+          <a:xfrm>
+            <a:off x="7990757" y="20205753"/>
+            <a:ext cx="9577064" cy="1107996"/>
+          </a:xfrm>
+          <a:prstGeom prst="rect">
+            <a:avLst/>
+          </a:prstGeom>
+          <a:noFill/>
+        </p:spPr>
+        <p:txBody>
+          <a:bodyPr wrap="square" rtlCol="0">
+            <a:spAutoFit/>
+          </a:bodyPr>
+          <a:lstStyle/>
+          <a:p>
+            <a:pPr algn="ctr"/>
+            <a:r>
+              <a:rPr lang="sv-SE" sz="6600" b="1" dirty="0" smtClean="0"/>
+              <a:t>P = 8, R = 2</a:t>
+            </a:r>
+            <a:endParaRPr lang="en-GB" sz="6600" b="1" dirty="0"/>
+          </a:p>
+        </p:txBody>
+      </p:sp>
+      <p:sp>
+        <p:nvSpPr>
+          <p:cNvPr id="16" name="TextBox 15"/>
+          <p:cNvSpPr txBox="1"/>
+          <p:nvPr/>
+        </p:nvSpPr>
+        <p:spPr>
+          <a:xfrm>
+            <a:off x="8994743" y="11210270"/>
+            <a:ext cx="652198" cy="1246495"/>
+          </a:xfrm>
+          <a:prstGeom prst="rect">
+            <a:avLst/>
+          </a:prstGeom>
+          <a:noFill/>
+        </p:spPr>
+        <p:txBody>
+          <a:bodyPr wrap="square" rtlCol="0">
+            <a:spAutoFit/>
+          </a:bodyPr>
+          <a:lstStyle/>
+          <a:p>
+            <a:r>
+              <a:rPr lang="sv-SE" sz="7500" b="1" dirty="0" smtClean="0"/>
+              <a:t>0</a:t>
+            </a:r>
+            <a:endParaRPr lang="en-GB" sz="7500" b="1" dirty="0"/>
+          </a:p>
+        </p:txBody>
+      </p:sp>
+      <p:sp>
+        <p:nvSpPr>
+          <p:cNvPr id="17" name="TextBox 16"/>
+          <p:cNvSpPr txBox="1"/>
+          <p:nvPr/>
+        </p:nvSpPr>
+        <p:spPr>
+          <a:xfrm>
+            <a:off x="11731047" y="10368533"/>
+            <a:ext cx="652198" cy="1246495"/>
+          </a:xfrm>
+          <a:prstGeom prst="rect">
+            <a:avLst/>
+          </a:prstGeom>
+          <a:noFill/>
+        </p:spPr>
+        <p:txBody>
+          <a:bodyPr wrap="square" rtlCol="0">
+            <a:spAutoFit/>
+          </a:bodyPr>
+          <a:lstStyle/>
+          <a:p>
+            <a:r>
+              <a:rPr lang="sv-SE" sz="7500" b="1" dirty="0" smtClean="0"/>
+              <a:t>0</a:t>
+            </a:r>
+            <a:endParaRPr lang="en-GB" sz="7500" b="1" dirty="0"/>
+          </a:p>
+        </p:txBody>
+      </p:sp>
+      <p:sp>
+        <p:nvSpPr>
+          <p:cNvPr id="18" name="TextBox 17"/>
+          <p:cNvSpPr txBox="1"/>
+          <p:nvPr/>
+        </p:nvSpPr>
+        <p:spPr>
+          <a:xfrm>
+            <a:off x="14903525" y="11210270"/>
+            <a:ext cx="652198" cy="1246495"/>
+          </a:xfrm>
+          <a:prstGeom prst="rect">
+            <a:avLst/>
+          </a:prstGeom>
+          <a:noFill/>
+        </p:spPr>
+        <p:txBody>
+          <a:bodyPr wrap="square" rtlCol="0">
+            <a:spAutoFit/>
+          </a:bodyPr>
+          <a:lstStyle/>
+          <a:p>
+            <a:r>
+              <a:rPr lang="sv-SE" sz="7500" b="1" dirty="0" smtClean="0"/>
+              <a:t>0</a:t>
+            </a:r>
+            <a:endParaRPr lang="en-GB" sz="7500" b="1" dirty="0"/>
+          </a:p>
+        </p:txBody>
+      </p:sp>
+      <p:sp>
+        <p:nvSpPr>
+          <p:cNvPr id="19" name="TextBox 18"/>
+          <p:cNvSpPr txBox="1"/>
+          <p:nvPr/>
+        </p:nvSpPr>
+        <p:spPr>
+          <a:xfrm>
+            <a:off x="8168714" y="13591751"/>
+            <a:ext cx="652198" cy="1246495"/>
+          </a:xfrm>
+          <a:prstGeom prst="rect">
+            <a:avLst/>
+          </a:prstGeom>
+          <a:noFill/>
+        </p:spPr>
+        <p:txBody>
+          <a:bodyPr wrap="square" rtlCol="0">
+            <a:spAutoFit/>
+          </a:bodyPr>
+          <a:lstStyle/>
+          <a:p>
+            <a:r>
+              <a:rPr lang="sv-SE" sz="7500" b="1" dirty="0" smtClean="0"/>
+              <a:t>0</a:t>
+            </a:r>
+            <a:endParaRPr lang="en-GB" sz="7500" b="1" dirty="0"/>
+          </a:p>
+        </p:txBody>
+      </p:sp>
+      <p:sp>
+        <p:nvSpPr>
+          <p:cNvPr id="20" name="TextBox 19"/>
+          <p:cNvSpPr txBox="1"/>
+          <p:nvPr/>
+        </p:nvSpPr>
+        <p:spPr>
+          <a:xfrm>
+            <a:off x="11947071" y="17546974"/>
+            <a:ext cx="652198" cy="1246495"/>
+          </a:xfrm>
+          <a:prstGeom prst="rect">
+            <a:avLst/>
+          </a:prstGeom>
+          <a:noFill/>
+        </p:spPr>
+        <p:txBody>
+          <a:bodyPr wrap="square" rtlCol="0">
+            <a:spAutoFit/>
+          </a:bodyPr>
+          <a:lstStyle/>
+          <a:p>
+            <a:r>
+              <a:rPr lang="sv-SE" sz="7500" b="1" dirty="0" smtClean="0"/>
+              <a:t>0</a:t>
+            </a:r>
+            <a:endParaRPr lang="en-GB" sz="7500" b="1" dirty="0"/>
+          </a:p>
+        </p:txBody>
+      </p:sp>
+      <p:sp>
+        <p:nvSpPr>
+          <p:cNvPr id="21" name="TextBox 20"/>
+          <p:cNvSpPr txBox="1"/>
+          <p:nvPr/>
+        </p:nvSpPr>
+        <p:spPr>
+          <a:xfrm>
+            <a:off x="8948027" y="16405461"/>
+            <a:ext cx="652198" cy="1246495"/>
+          </a:xfrm>
+          <a:prstGeom prst="rect">
+            <a:avLst/>
+          </a:prstGeom>
+          <a:noFill/>
+        </p:spPr>
+        <p:txBody>
+          <a:bodyPr wrap="square" rtlCol="0">
+            <a:spAutoFit/>
+          </a:bodyPr>
+          <a:lstStyle/>
+          <a:p>
+            <a:r>
+              <a:rPr lang="sv-SE" sz="7500" b="1" dirty="0"/>
+              <a:t>1</a:t>
+            </a:r>
+            <a:endParaRPr lang="en-GB" sz="7500" b="1" dirty="0"/>
+          </a:p>
+        </p:txBody>
+      </p:sp>
+      <p:sp>
+        <p:nvSpPr>
+          <p:cNvPr id="22" name="TextBox 21"/>
+          <p:cNvSpPr txBox="1"/>
+          <p:nvPr/>
+        </p:nvSpPr>
+        <p:spPr>
+          <a:xfrm>
+            <a:off x="14971407" y="16250830"/>
+            <a:ext cx="652198" cy="1246495"/>
+          </a:xfrm>
+          <a:prstGeom prst="rect">
+            <a:avLst/>
+          </a:prstGeom>
+          <a:noFill/>
+        </p:spPr>
+        <p:txBody>
+          <a:bodyPr wrap="square" rtlCol="0">
+            <a:spAutoFit/>
+          </a:bodyPr>
+          <a:lstStyle/>
+          <a:p>
+            <a:r>
+              <a:rPr lang="sv-SE" sz="7500" b="1" dirty="0"/>
+              <a:t>1</a:t>
+            </a:r>
+            <a:endParaRPr lang="en-GB" sz="7500" b="1" dirty="0"/>
+          </a:p>
+        </p:txBody>
+      </p:sp>
+      <p:sp>
+        <p:nvSpPr>
+          <p:cNvPr id="23" name="TextBox 22"/>
+          <p:cNvSpPr txBox="1"/>
+          <p:nvPr/>
+        </p:nvSpPr>
+        <p:spPr>
+          <a:xfrm>
+            <a:off x="16013793" y="13658542"/>
+            <a:ext cx="652198" cy="1246495"/>
+          </a:xfrm>
+          <a:prstGeom prst="rect">
+            <a:avLst/>
+          </a:prstGeom>
+          <a:noFill/>
+        </p:spPr>
+        <p:txBody>
+          <a:bodyPr wrap="square" rtlCol="0">
+            <a:spAutoFit/>
+          </a:bodyPr>
+          <a:lstStyle/>
+          <a:p>
+            <a:r>
+              <a:rPr lang="sv-SE" sz="7500" b="1" dirty="0"/>
+              <a:t>1</a:t>
+            </a:r>
+            <a:endParaRPr lang="en-GB" sz="7500" b="1" dirty="0"/>
+          </a:p>
+        </p:txBody>
+      </p:sp>
+    </p:spTree>
+    <p:extLst>
+      <p:ext uri="{BB962C8B-B14F-4D97-AF65-F5344CB8AC3E}">
+        <p14:creationId xmlns:p14="http://schemas.microsoft.com/office/powerpoint/2010/main" val="1460295004"/>
+      </p:ext>
+    </p:extLst>
   </p:cSld>
   <p:clrMapOvr>
     <a:masterClrMapping/>

--- a/Presentation_material/poster.pptx
+++ b/Presentation_material/poster.pptx
@@ -14,7 +14,7 @@
     <p:sldId id="256" r:id="rId2"/>
     <p:sldId id="257" r:id="rId3"/>
   </p:sldIdLst>
-  <p:sldSz cx="35999738" cy="25201563"/>
+  <p:sldSz cx="32404050" cy="25201563"/>
   <p:notesSz cx="46342300" cy="46342300"/>
   <p:defaultTextStyle>
     <a:defPPr>
@@ -666,8 +666,8 @@
         </p:nvSpPr>
         <p:spPr bwMode="auto">
           <a:xfrm>
-            <a:off x="10756900" y="3505200"/>
-            <a:ext cx="24815800" cy="17373600"/>
+            <a:off x="11995150" y="3505200"/>
+            <a:ext cx="22339300" cy="17373600"/>
           </a:xfrm>
           <a:prstGeom prst="rect">
             <a:avLst/>
@@ -1101,8 +1101,8 @@
         </p:nvSpPr>
         <p:spPr>
           <a:xfrm>
-            <a:off x="2700338" y="7829550"/>
-            <a:ext cx="30599062" cy="5400675"/>
+            <a:off x="2430626" y="7829551"/>
+            <a:ext cx="27542799" cy="5400675"/>
           </a:xfrm>
         </p:spPr>
         <p:txBody>
@@ -1129,8 +1129,8 @@
         </p:nvSpPr>
         <p:spPr>
           <a:xfrm>
-            <a:off x="5400675" y="14281150"/>
-            <a:ext cx="25198388" cy="6440488"/>
+            <a:off x="4861251" y="14281150"/>
+            <a:ext cx="22681549" cy="6440488"/>
           </a:xfrm>
         </p:spPr>
         <p:txBody>
@@ -1477,8 +1477,8 @@
         </p:nvSpPr>
         <p:spPr>
           <a:xfrm>
-            <a:off x="28070175" y="1008063"/>
-            <a:ext cx="7004050" cy="21393150"/>
+            <a:off x="25266499" y="1008063"/>
+            <a:ext cx="6304479" cy="21393150"/>
           </a:xfrm>
         </p:spPr>
         <p:txBody>
@@ -1505,8 +1505,8 @@
         </p:nvSpPr>
         <p:spPr>
           <a:xfrm>
-            <a:off x="7054850" y="1008063"/>
-            <a:ext cx="20862925" cy="21393150"/>
+            <a:off x="6350205" y="1008063"/>
+            <a:ext cx="18779116" cy="21393150"/>
           </a:xfrm>
         </p:spPr>
         <p:txBody>
@@ -1845,8 +1845,8 @@
         </p:nvSpPr>
         <p:spPr>
           <a:xfrm>
-            <a:off x="2843213" y="16194088"/>
-            <a:ext cx="30600650" cy="5005387"/>
+            <a:off x="2559230" y="16194089"/>
+            <a:ext cx="27544228" cy="5005387"/>
           </a:xfrm>
         </p:spPr>
         <p:txBody>
@@ -1877,8 +1877,8 @@
         </p:nvSpPr>
         <p:spPr>
           <a:xfrm>
-            <a:off x="2843213" y="10682288"/>
-            <a:ext cx="30600650" cy="5511800"/>
+            <a:off x="2559230" y="10682288"/>
+            <a:ext cx="27544228" cy="5511800"/>
           </a:xfrm>
         </p:spPr>
         <p:txBody>
@@ -2069,8 +2069,8 @@
         </p:nvSpPr>
         <p:spPr>
           <a:xfrm>
-            <a:off x="7140575" y="4760913"/>
-            <a:ext cx="13812838" cy="17640300"/>
+            <a:off x="6427367" y="4760913"/>
+            <a:ext cx="12433199" cy="17640300"/>
           </a:xfrm>
         </p:spPr>
         <p:txBody>
@@ -2154,8 +2154,8 @@
         </p:nvSpPr>
         <p:spPr>
           <a:xfrm>
-            <a:off x="21105813" y="4760913"/>
-            <a:ext cx="13814425" cy="17640300"/>
+            <a:off x="18997745" y="4760913"/>
+            <a:ext cx="12434627" cy="17640300"/>
           </a:xfrm>
         </p:spPr>
         <p:txBody>
@@ -2343,8 +2343,8 @@
         </p:nvSpPr>
         <p:spPr>
           <a:xfrm>
-            <a:off x="1800225" y="1009650"/>
-            <a:ext cx="32399288" cy="4200525"/>
+            <a:off x="1620417" y="1009651"/>
+            <a:ext cx="29163216" cy="4200525"/>
           </a:xfrm>
         </p:spPr>
         <p:txBody>
@@ -2375,8 +2375,8 @@
         </p:nvSpPr>
         <p:spPr>
           <a:xfrm>
-            <a:off x="1800225" y="5641975"/>
-            <a:ext cx="15905163" cy="2349500"/>
+            <a:off x="1620417" y="5641975"/>
+            <a:ext cx="14316540" cy="2349500"/>
           </a:xfrm>
         </p:spPr>
         <p:txBody>
@@ -2440,8 +2440,8 @@
         </p:nvSpPr>
         <p:spPr>
           <a:xfrm>
-            <a:off x="1800225" y="7991475"/>
-            <a:ext cx="15905163" cy="14520863"/>
+            <a:off x="1620417" y="7991476"/>
+            <a:ext cx="14316540" cy="14520863"/>
           </a:xfrm>
         </p:spPr>
         <p:txBody>
@@ -2525,8 +2525,8 @@
         </p:nvSpPr>
         <p:spPr>
           <a:xfrm>
-            <a:off x="18288000" y="5641975"/>
-            <a:ext cx="15911513" cy="2349500"/>
+            <a:off x="16461378" y="5641975"/>
+            <a:ext cx="14322256" cy="2349500"/>
           </a:xfrm>
         </p:spPr>
         <p:txBody>
@@ -2590,8 +2590,8 @@
         </p:nvSpPr>
         <p:spPr>
           <a:xfrm>
-            <a:off x="18288000" y="7991475"/>
-            <a:ext cx="15911513" cy="14520863"/>
+            <a:off x="16461378" y="7991476"/>
+            <a:ext cx="14322256" cy="14520863"/>
           </a:xfrm>
         </p:spPr>
         <p:txBody>
@@ -3010,8 +3010,8 @@
         </p:nvSpPr>
         <p:spPr>
           <a:xfrm>
-            <a:off x="1800225" y="1003300"/>
-            <a:ext cx="11842750" cy="4270375"/>
+            <a:off x="1620417" y="1003301"/>
+            <a:ext cx="10659885" cy="4270375"/>
           </a:xfrm>
         </p:spPr>
         <p:txBody>
@@ -3042,8 +3042,8 @@
         </p:nvSpPr>
         <p:spPr>
           <a:xfrm>
-            <a:off x="14074775" y="1003300"/>
-            <a:ext cx="20124738" cy="21509038"/>
+            <a:off x="12668973" y="1003300"/>
+            <a:ext cx="18114660" cy="21509038"/>
           </a:xfrm>
         </p:spPr>
         <p:txBody>
@@ -3127,8 +3127,8 @@
         </p:nvSpPr>
         <p:spPr>
           <a:xfrm>
-            <a:off x="1800225" y="5273675"/>
-            <a:ext cx="11842750" cy="17238663"/>
+            <a:off x="1620417" y="5273676"/>
+            <a:ext cx="10659885" cy="17238663"/>
           </a:xfrm>
         </p:spPr>
         <p:txBody>
@@ -3296,8 +3296,8 @@
         </p:nvSpPr>
         <p:spPr>
           <a:xfrm>
-            <a:off x="7056438" y="17641888"/>
-            <a:ext cx="21599525" cy="2081212"/>
+            <a:off x="6351635" y="17641888"/>
+            <a:ext cx="19442144" cy="2081212"/>
           </a:xfrm>
         </p:spPr>
         <p:txBody>
@@ -3328,8 +3328,8 @@
         </p:nvSpPr>
         <p:spPr>
           <a:xfrm>
-            <a:off x="7056438" y="2251075"/>
-            <a:ext cx="21599525" cy="15120938"/>
+            <a:off x="6351635" y="2251075"/>
+            <a:ext cx="19442144" cy="15120938"/>
           </a:xfrm>
         </p:spPr>
         <p:txBody>
@@ -3389,8 +3389,8 @@
         </p:nvSpPr>
         <p:spPr>
           <a:xfrm>
-            <a:off x="7056438" y="19723100"/>
-            <a:ext cx="21599525" cy="2959100"/>
+            <a:off x="6351635" y="19723100"/>
+            <a:ext cx="19442144" cy="2959100"/>
           </a:xfrm>
         </p:spPr>
         <p:txBody>
@@ -3566,8 +3566,8 @@
         </p:nvSpPr>
         <p:spPr bwMode="auto">
           <a:xfrm>
-            <a:off x="7054850" y="1008063"/>
-            <a:ext cx="28019375" cy="2801937"/>
+            <a:off x="6350205" y="1008064"/>
+            <a:ext cx="25220773" cy="2801937"/>
           </a:xfrm>
           <a:prstGeom prst="rect">
             <a:avLst/>
@@ -3634,8 +3634,8 @@
         </p:nvSpPr>
         <p:spPr bwMode="auto">
           <a:xfrm>
-            <a:off x="7140575" y="4760913"/>
-            <a:ext cx="27779663" cy="17640300"/>
+            <a:off x="6427368" y="4760913"/>
+            <a:ext cx="25005004" cy="17640300"/>
           </a:xfrm>
           <a:prstGeom prst="rect">
             <a:avLst/>
@@ -3730,8 +3730,8 @@
         </p:nvSpPr>
         <p:spPr bwMode="auto">
           <a:xfrm>
-            <a:off x="6238875" y="22961600"/>
-            <a:ext cx="7500938" cy="1679575"/>
+            <a:off x="5615730" y="22961601"/>
+            <a:ext cx="6751737" cy="1679575"/>
           </a:xfrm>
           <a:prstGeom prst="rect">
             <a:avLst/>
@@ -3806,8 +3806,8 @@
         </p:nvSpPr>
         <p:spPr bwMode="auto">
           <a:xfrm>
-            <a:off x="14879638" y="22961600"/>
-            <a:ext cx="11399837" cy="1679575"/>
+            <a:off x="13393446" y="22961601"/>
+            <a:ext cx="10261210" cy="1679575"/>
           </a:xfrm>
           <a:prstGeom prst="rect">
             <a:avLst/>
@@ -3882,8 +3882,8 @@
         </p:nvSpPr>
         <p:spPr bwMode="auto">
           <a:xfrm>
-            <a:off x="27419300" y="22961600"/>
-            <a:ext cx="7500938" cy="1679575"/>
+            <a:off x="24680634" y="22961601"/>
+            <a:ext cx="6751737" cy="1679575"/>
           </a:xfrm>
           <a:prstGeom prst="rect">
             <a:avLst/>
@@ -3975,7 +3975,7 @@
         <p:spPr bwMode="auto">
           <a:xfrm>
             <a:off x="0" y="-4763"/>
-            <a:ext cx="5470525" cy="25242838"/>
+            <a:ext cx="4924124" cy="25242838"/>
           </a:xfrm>
           <a:prstGeom prst="rect">
             <a:avLst/>
@@ -4406,8 +4406,8 @@
         </p:nvSpPr>
         <p:spPr>
           <a:xfrm>
-            <a:off x="7054850" y="215405"/>
-            <a:ext cx="28019375" cy="2801937"/>
+            <a:off x="6350205" y="221780"/>
+            <a:ext cx="25220773" cy="2801937"/>
           </a:xfrm>
           <a:ln w="76200">
             <a:noFill/>
@@ -4425,7 +4425,15 @@
                   <a:schemeClr val="tx1"/>
                 </a:solidFill>
               </a:rPr>
-              <a:t>Fighting Cancer with Texture</a:t>
+              <a:t>Detecting </a:t>
+            </a:r>
+            <a:r>
+              <a:rPr lang="en-US" sz="11000" dirty="0" smtClean="0">
+                <a:solidFill>
+                  <a:schemeClr val="tx1"/>
+                </a:solidFill>
+              </a:rPr>
+              <a:t>Cancer with Texture</a:t>
             </a:r>
             <a:endParaRPr lang="en-US" sz="11000" dirty="0">
               <a:solidFill>
@@ -4443,8 +4451,8 @@
         </p:nvSpPr>
         <p:spPr bwMode="auto">
           <a:xfrm>
-            <a:off x="7774733" y="6696125"/>
-            <a:ext cx="9001000" cy="11665296"/>
+            <a:off x="7142201" y="6696125"/>
+            <a:ext cx="8101972" cy="11665296"/>
           </a:xfrm>
           <a:prstGeom prst="roundRect">
             <a:avLst/>
@@ -4529,8 +4537,8 @@
         </p:nvSpPr>
         <p:spPr bwMode="auto">
           <a:xfrm>
-            <a:off x="6262565" y="3642844"/>
-            <a:ext cx="9001000" cy="9089600"/>
+            <a:off x="5400825" y="3642844"/>
+            <a:ext cx="8784975" cy="8885929"/>
           </a:xfrm>
           <a:prstGeom prst="roundRect">
             <a:avLst>
@@ -4686,8 +4694,8 @@
         </p:nvSpPr>
         <p:spPr bwMode="auto">
           <a:xfrm>
-            <a:off x="9214893" y="15635236"/>
-            <a:ext cx="5616624" cy="3744416"/>
+            <a:off x="8438517" y="15273208"/>
+            <a:ext cx="5055630" cy="3744416"/>
           </a:xfrm>
           <a:prstGeom prst="roundRect">
             <a:avLst/>
@@ -4772,8 +4780,8 @@
         </p:nvSpPr>
         <p:spPr>
           <a:xfrm>
-            <a:off x="8507119" y="3311749"/>
-            <a:ext cx="4511893" cy="800219"/>
+            <a:off x="8108336" y="3239741"/>
+            <a:ext cx="4061241" cy="800219"/>
           </a:xfrm>
           <a:prstGeom prst="rect">
             <a:avLst/>
@@ -4818,8 +4826,8 @@
         </p:nvSpPr>
         <p:spPr bwMode="auto">
           <a:xfrm>
-            <a:off x="6202165" y="13667465"/>
-            <a:ext cx="9061400" cy="8592507"/>
+            <a:off x="5400825" y="13305438"/>
+            <a:ext cx="8784975" cy="8938363"/>
           </a:xfrm>
           <a:prstGeom prst="roundRect">
             <a:avLst>
@@ -4888,8 +4896,8 @@
         </p:nvSpPr>
         <p:spPr>
           <a:xfrm>
-            <a:off x="9574933" y="13322849"/>
-            <a:ext cx="2160240" cy="800219"/>
+            <a:off x="8762596" y="12888813"/>
+            <a:ext cx="1944473" cy="800219"/>
           </a:xfrm>
           <a:prstGeom prst="rect">
             <a:avLst/>
@@ -4934,8 +4942,8 @@
         </p:nvSpPr>
         <p:spPr>
           <a:xfrm>
-            <a:off x="6274173" y="14339092"/>
-            <a:ext cx="9061400" cy="3453253"/>
+            <a:off x="5644115" y="13977065"/>
+            <a:ext cx="8303744" cy="4007251"/>
           </a:xfrm>
           <a:prstGeom prst="rect">
             <a:avLst/>
@@ -4966,8 +4974,8 @@
         </p:nvSpPr>
         <p:spPr bwMode="auto">
           <a:xfrm>
-            <a:off x="16271677" y="3642844"/>
-            <a:ext cx="8928992" cy="18617128"/>
+            <a:off x="14545841" y="3642843"/>
+            <a:ext cx="8784976" cy="18600957"/>
           </a:xfrm>
           <a:prstGeom prst="roundRect">
             <a:avLst>
@@ -5027,13 +5035,24 @@
             </a:endParaRPr>
           </a:p>
           <a:p>
+            <a:endParaRPr lang="sv-SE" sz="1000" dirty="0" smtClean="0"/>
+          </a:p>
+          <a:p>
             <a:r>
               <a:rPr lang="sv-SE" sz="3600" dirty="0" smtClean="0"/>
               <a:t>Conceived </a:t>
             </a:r>
             <a:r>
               <a:rPr lang="sv-SE" sz="3600" dirty="0"/>
-              <a:t>by Ojala et al in 1996 and extended in 2002. [1</a:t>
+              <a:t>by Ojala et al in 1996 and extended in </a:t>
+            </a:r>
+            <a:r>
+              <a:rPr lang="sv-SE" sz="3600" dirty="0" smtClean="0"/>
+              <a:t>2002, and have been found to be powerfull classifiers of texture. </a:t>
+            </a:r>
+            <a:r>
+              <a:rPr lang="sv-SE" sz="3600" dirty="0"/>
+              <a:t>[1</a:t>
             </a:r>
             <a:r>
               <a:rPr lang="sv-SE" sz="3600" dirty="0" smtClean="0"/>
@@ -5085,25 +5104,31 @@
             <a:endParaRPr lang="sv-SE" sz="3600" dirty="0" smtClean="0"/>
           </a:p>
           <a:p>
+            <a:endParaRPr lang="sv-SE" sz="3600" dirty="0"/>
+          </a:p>
+          <a:p>
             <a:endParaRPr lang="sv-SE" sz="3600" dirty="0" smtClean="0"/>
           </a:p>
           <a:p>
-            <a:endParaRPr lang="sv-SE" sz="300" dirty="0"/>
-          </a:p>
-          <a:p>
-            <a:endParaRPr lang="sv-SE" sz="3600" dirty="0" smtClean="0"/>
-          </a:p>
-          <a:p>
             <a:r>
               <a:rPr lang="sv-SE" sz="3600" dirty="0" smtClean="0"/>
-              <a:t>The resulting strings of 1 and 0’s are unique patterns, and are grouped such that it doesn’t matter where one starts recording the pattern. This ensures rotation invariance.</a:t>
-            </a:r>
-            <a:endParaRPr lang="sv-SE" sz="3600" dirty="0"/>
-          </a:p>
-          <a:p>
+              <a:t>The resulting strings of 1 and 0’s are unique patterns, and are grouped such that it doesn’t matter where one starts recording the pattern. This encorporates rotation invariance into the filter.</a:t>
+            </a:r>
+          </a:p>
+          <a:p>
+            <a:r>
+              <a:rPr lang="sv-SE" sz="3600" dirty="0"/>
+              <a:t>P</a:t>
+            </a:r>
             <a:r>
               <a:rPr lang="sv-SE" sz="3600" dirty="0" smtClean="0"/>
-              <a:t> plotted in a histrogram they can be used to classify texture.</a:t>
+              <a:t>lotted in a histrogram, the LBPs can be used to classify texture. </a:t>
+            </a:r>
+          </a:p>
+          <a:p>
+            <a:r>
+              <a:rPr lang="sv-SE" sz="3600" dirty="0" smtClean="0"/>
+              <a:t>Several improvements and adaptions of LBPs have been made since their advent in 1996, such as adapting the binary comparison of a center pivot element to surrounding pixels in conventional convolutional layers.</a:t>
             </a:r>
             <a:endParaRPr lang="sv-SE" sz="3600" dirty="0"/>
           </a:p>
@@ -5144,8 +5169,8 @@
         </p:nvSpPr>
         <p:spPr>
           <a:xfrm>
-            <a:off x="17387801" y="3311749"/>
-            <a:ext cx="6408712" cy="800219"/>
+            <a:off x="15795107" y="2879701"/>
+            <a:ext cx="5768604" cy="1508105"/>
           </a:xfrm>
           <a:prstGeom prst="rect">
             <a:avLst/>
@@ -5205,8 +5230,8 @@
         </p:blipFill>
         <p:spPr bwMode="auto">
           <a:xfrm flipH="1">
-            <a:off x="6622605" y="19523293"/>
-            <a:ext cx="1751684" cy="1764000"/>
+            <a:off x="6105149" y="19576972"/>
+            <a:ext cx="1576724" cy="1764000"/>
           </a:xfrm>
           <a:prstGeom prst="rect">
             <a:avLst/>
@@ -5246,8 +5271,8 @@
         </p:blipFill>
         <p:spPr bwMode="auto">
           <a:xfrm flipH="1">
-            <a:off x="8542359" y="19499922"/>
-            <a:ext cx="1752654" cy="1764000"/>
+            <a:off x="7833156" y="19553601"/>
+            <a:ext cx="1577597" cy="1764000"/>
           </a:xfrm>
           <a:prstGeom prst="rect">
             <a:avLst/>
@@ -5287,8 +5312,8 @@
         </p:blipFill>
         <p:spPr bwMode="auto">
           <a:xfrm flipH="1">
-            <a:off x="6622605" y="17507445"/>
-            <a:ext cx="1756037" cy="1764000"/>
+            <a:off x="6105150" y="17561124"/>
+            <a:ext cx="1580642" cy="1764000"/>
           </a:xfrm>
           <a:prstGeom prst="rect">
             <a:avLst/>
@@ -5313,8 +5338,8 @@
         </p:nvSpPr>
         <p:spPr>
           <a:xfrm flipH="1">
-            <a:off x="6201966" y="21395374"/>
-            <a:ext cx="4065326" cy="584775"/>
+            <a:off x="5726524" y="21449054"/>
+            <a:ext cx="3659277" cy="584775"/>
           </a:xfrm>
           <a:prstGeom prst="rect">
             <a:avLst/>
@@ -5359,8 +5384,8 @@
         </p:blipFill>
         <p:spPr bwMode="auto">
           <a:xfrm flipH="1">
-            <a:off x="11010159" y="17507445"/>
-            <a:ext cx="1764000" cy="1790080"/>
+            <a:off x="10054470" y="17561124"/>
+            <a:ext cx="1587810" cy="1790080"/>
           </a:xfrm>
           <a:prstGeom prst="rect">
             <a:avLst/>
@@ -5400,8 +5425,8 @@
         </p:blipFill>
         <p:spPr bwMode="auto">
           <a:xfrm flipH="1">
-            <a:off x="12947192" y="19441541"/>
-            <a:ext cx="1764000" cy="1764000"/>
+            <a:off x="11798030" y="19495220"/>
+            <a:ext cx="1587810" cy="1764000"/>
           </a:xfrm>
           <a:prstGeom prst="rect">
             <a:avLst/>
@@ -5441,8 +5466,8 @@
         </p:blipFill>
         <p:spPr bwMode="auto">
           <a:xfrm flipH="1">
-            <a:off x="11001380" y="19448292"/>
-            <a:ext cx="1764000" cy="1764000"/>
+            <a:off x="10046568" y="19501971"/>
+            <a:ext cx="1587810" cy="1764000"/>
           </a:xfrm>
           <a:prstGeom prst="rect">
             <a:avLst/>
@@ -5482,8 +5507,8 @@
         </p:blipFill>
         <p:spPr bwMode="auto">
           <a:xfrm flipH="1">
-            <a:off x="8531013" y="17497327"/>
-            <a:ext cx="1764000" cy="1767395"/>
+            <a:off x="7822943" y="17551007"/>
+            <a:ext cx="1587810" cy="1767395"/>
           </a:xfrm>
           <a:prstGeom prst="rect">
             <a:avLst/>
@@ -5508,8 +5533,8 @@
         </p:nvSpPr>
         <p:spPr>
           <a:xfrm flipH="1">
-            <a:off x="10749878" y="21389998"/>
-            <a:ext cx="4081639" cy="584775"/>
+            <a:off x="9820186" y="21443678"/>
+            <a:ext cx="3673961" cy="584775"/>
           </a:xfrm>
           <a:prstGeom prst="rect">
             <a:avLst/>
@@ -5554,8 +5579,8 @@
         </p:blipFill>
         <p:spPr bwMode="auto">
           <a:xfrm flipH="1">
-            <a:off x="12947190" y="17507443"/>
-            <a:ext cx="1764000" cy="1764000"/>
+            <a:off x="11798028" y="17561122"/>
+            <a:ext cx="1587810" cy="1764000"/>
           </a:xfrm>
           <a:prstGeom prst="rect">
             <a:avLst/>
@@ -5580,8 +5605,8 @@
         </p:nvSpPr>
         <p:spPr bwMode="auto">
           <a:xfrm>
-            <a:off x="26064765" y="3642844"/>
-            <a:ext cx="8928992" cy="9089600"/>
+            <a:off x="23690857" y="3642846"/>
+            <a:ext cx="8352928" cy="7238744"/>
           </a:xfrm>
           <a:prstGeom prst="roundRect">
             <a:avLst>
@@ -5650,8 +5675,8 @@
         </p:nvSpPr>
         <p:spPr>
           <a:xfrm>
-            <a:off x="28441029" y="3319881"/>
-            <a:ext cx="4176464" cy="800219"/>
+            <a:off x="26145550" y="3239741"/>
+            <a:ext cx="3759315" cy="800219"/>
           </a:xfrm>
           <a:prstGeom prst="rect">
             <a:avLst/>
@@ -5696,8 +5721,8 @@
         </p:nvSpPr>
         <p:spPr bwMode="auto">
           <a:xfrm>
-            <a:off x="25992757" y="13667466"/>
-            <a:ext cx="8928992" cy="8592506"/>
+            <a:off x="23690857" y="11704747"/>
+            <a:ext cx="8288113" cy="10451279"/>
           </a:xfrm>
           <a:prstGeom prst="roundRect">
             <a:avLst>
@@ -5766,8 +5791,8 @@
         </p:nvSpPr>
         <p:spPr>
           <a:xfrm>
-            <a:off x="28369021" y="13330980"/>
-            <a:ext cx="4176464" cy="800219"/>
+            <a:off x="25851097" y="11304637"/>
+            <a:ext cx="3759315" cy="800219"/>
           </a:xfrm>
           <a:prstGeom prst="rect">
             <a:avLst/>
@@ -5812,8 +5837,8 @@
         </p:nvSpPr>
         <p:spPr>
           <a:xfrm>
-            <a:off x="0" y="7200181"/>
-            <a:ext cx="5326461" cy="12255663"/>
+            <a:off x="0" y="7200182"/>
+            <a:ext cx="4794449" cy="12255663"/>
           </a:xfrm>
           <a:prstGeom prst="rect">
             <a:avLst/>
@@ -5989,8 +6014,8 @@
         </p:nvSpPr>
         <p:spPr bwMode="auto">
           <a:xfrm>
-            <a:off x="6046541" y="22969933"/>
-            <a:ext cx="28947216" cy="1872208"/>
+            <a:off x="5400825" y="22609893"/>
+            <a:ext cx="26578145" cy="2304024"/>
           </a:xfrm>
           <a:prstGeom prst="roundRect">
             <a:avLst>
@@ -6026,30 +6051,251 @@
           </a:bodyPr>
           <a:lstStyle/>
           <a:p>
-            <a:r>
-              <a:rPr lang="fi-FI" sz="2800" dirty="0"/>
-              <a:t>[1]   Timo Ojala, Matti Pietikainen, and Topi Maenpaa. </a:t>
-            </a:r>
-            <a:r>
-              <a:rPr lang="fi-FI" sz="2800" i="1" dirty="0"/>
+            <a:endParaRPr lang="fi-FI" sz="500" b="1" dirty="0" smtClean="0"/>
+          </a:p>
+          <a:p>
+            <a:r>
+              <a:rPr lang="fi-FI" sz="2030" b="1" dirty="0" smtClean="0"/>
+              <a:t>[1]   Timo </a:t>
+            </a:r>
+            <a:r>
+              <a:rPr lang="fi-FI" sz="2030" b="1" dirty="0"/>
+              <a:t>Ojala, Matti Pietikainen, and Topi Maenpaa. </a:t>
+            </a:r>
+            <a:r>
+              <a:rPr lang="fi-FI" sz="2030" b="1" i="1" dirty="0"/>
               <a:t>Multiresolution </a:t>
             </a:r>
             <a:r>
-              <a:rPr lang="en-GB" sz="2800" i="1" dirty="0" err="1"/>
+              <a:rPr lang="en-GB" sz="2030" b="1" i="1" dirty="0" err="1"/>
               <a:t>gray</a:t>
             </a:r>
             <a:r>
-              <a:rPr lang="en-GB" sz="2800" i="1" dirty="0"/>
+              <a:rPr lang="en-GB" sz="2030" b="1" i="1" dirty="0"/>
               <a:t>-scale and rotation invariant texture classification with local binary patterns</a:t>
             </a:r>
             <a:r>
-              <a:rPr lang="en-GB" sz="2800" dirty="0" smtClean="0"/>
+              <a:rPr lang="en-GB" sz="2030" b="1" dirty="0" smtClean="0"/>
               <a:t>.  </a:t>
             </a:r>
             <a:r>
-              <a:rPr lang="en-GB" sz="2800" dirty="0"/>
-              <a:t>IEEE Transactions on pattern analysis and machine intelligence, 24(7):971–987, 2002.</a:t>
-            </a:r>
+              <a:rPr lang="en-GB" sz="2030" b="1" dirty="0"/>
+              <a:t>IEEE Transactions on pattern analysis and machine intelligence, 24(7):971–987, 2002</a:t>
+            </a:r>
+            <a:r>
+              <a:rPr lang="en-GB" sz="2030" b="1" dirty="0" smtClean="0"/>
+              <a:t>.</a:t>
+            </a:r>
+            <a:endParaRPr lang="en-GB" sz="2030" b="1" dirty="0"/>
+          </a:p>
+          <a:p>
+            <a:r>
+              <a:rPr lang="en-GB" sz="2030" b="1" dirty="0" smtClean="0"/>
+              <a:t>[2]   Felix </a:t>
+            </a:r>
+            <a:r>
+              <a:rPr lang="en-GB" sz="2030" b="1" dirty="0" err="1"/>
+              <a:t>Juefei</a:t>
+            </a:r>
+            <a:r>
+              <a:rPr lang="en-GB" sz="2030" b="1" dirty="0"/>
+              <a:t>-Xu, Vishnu Naresh </a:t>
+            </a:r>
+            <a:r>
+              <a:rPr lang="en-GB" sz="2030" b="1" dirty="0" err="1"/>
+              <a:t>Boddeti</a:t>
+            </a:r>
+            <a:r>
+              <a:rPr lang="en-GB" sz="2030" b="1" dirty="0"/>
+              <a:t>, and </a:t>
+            </a:r>
+            <a:r>
+              <a:rPr lang="en-GB" sz="2030" b="1" dirty="0" err="1"/>
+              <a:t>Marios</a:t>
+            </a:r>
+            <a:r>
+              <a:rPr lang="en-GB" sz="2030" b="1" dirty="0"/>
+              <a:t> </a:t>
+            </a:r>
+            <a:r>
+              <a:rPr lang="en-GB" sz="2030" b="1" dirty="0" err="1"/>
+              <a:t>Savvides</a:t>
+            </a:r>
+            <a:r>
+              <a:rPr lang="en-GB" sz="2030" b="1" dirty="0"/>
+              <a:t>. </a:t>
+            </a:r>
+            <a:r>
+              <a:rPr lang="en-GB" sz="2030" b="1" i="1" dirty="0"/>
+              <a:t>Local binary convolutional neural networks. In Computer Vision and Pattern Recognition </a:t>
+            </a:r>
+            <a:r>
+              <a:rPr lang="en-GB" sz="2030" b="1" dirty="0"/>
+              <a:t>(CVPR), 2017 IEEE Conference on , volume 1. IEEE, 2017</a:t>
+            </a:r>
+            <a:r>
+              <a:rPr lang="en-GB" sz="2030" b="1" dirty="0" smtClean="0"/>
+              <a:t>.</a:t>
+            </a:r>
+            <a:endParaRPr lang="en-GB" sz="2030" b="1" dirty="0" smtClean="0"/>
+          </a:p>
+          <a:p>
+            <a:r>
+              <a:rPr lang="en-GB" sz="2030" b="1" dirty="0" smtClean="0"/>
+              <a:t>[3]   Lei </a:t>
+            </a:r>
+            <a:r>
+              <a:rPr lang="en-GB" sz="2030" b="1" dirty="0"/>
+              <a:t>Li, </a:t>
+            </a:r>
+            <a:r>
+              <a:rPr lang="en-GB" sz="2030" b="1" dirty="0" err="1"/>
+              <a:t>Xiaoyi</a:t>
+            </a:r>
+            <a:r>
+              <a:rPr lang="en-GB" sz="2030" b="1" dirty="0"/>
+              <a:t> Feng, </a:t>
+            </a:r>
+            <a:r>
+              <a:rPr lang="en-GB" sz="2030" b="1" dirty="0" err="1"/>
+              <a:t>Zhaoqiang</a:t>
+            </a:r>
+            <a:r>
+              <a:rPr lang="en-GB" sz="2030" b="1" dirty="0"/>
+              <a:t> Xia, </a:t>
+            </a:r>
+            <a:r>
+              <a:rPr lang="en-GB" sz="2030" b="1" dirty="0" err="1"/>
+              <a:t>Xiaoyue</a:t>
+            </a:r>
+            <a:r>
+              <a:rPr lang="en-GB" sz="2030" b="1" dirty="0"/>
+              <a:t> Jiang, and </a:t>
+            </a:r>
+            <a:r>
+              <a:rPr lang="en-GB" sz="2030" b="1" dirty="0" err="1" smtClean="0"/>
+              <a:t>Abdenour</a:t>
+            </a:r>
+            <a:r>
+              <a:rPr lang="en-GB" sz="2030" b="1" dirty="0" smtClean="0"/>
+              <a:t> </a:t>
+            </a:r>
+            <a:r>
+              <a:rPr lang="en-GB" sz="2030" b="1" dirty="0" err="1" smtClean="0"/>
+              <a:t>Hadid</a:t>
+            </a:r>
+            <a:r>
+              <a:rPr lang="en-GB" sz="2030" b="1" dirty="0" smtClean="0"/>
+              <a:t>. </a:t>
+            </a:r>
+            <a:r>
+              <a:rPr lang="en-GB" sz="2030" b="1" i="1" dirty="0" smtClean="0"/>
+              <a:t>Face </a:t>
+            </a:r>
+            <a:r>
+              <a:rPr lang="en-GB" sz="2030" b="1" i="1" dirty="0"/>
+              <a:t>spoofing detection with local binary pattern </a:t>
+            </a:r>
+            <a:r>
+              <a:rPr lang="en-GB" sz="2030" b="1" i="1" dirty="0" smtClean="0"/>
+              <a:t>network</a:t>
+            </a:r>
+            <a:r>
+              <a:rPr lang="en-GB" sz="2030" b="1" dirty="0" smtClean="0"/>
+              <a:t>. Journal </a:t>
+            </a:r>
+            <a:r>
+              <a:rPr lang="en-GB" sz="2030" b="1" dirty="0"/>
+              <a:t>of Visual Communication and Image </a:t>
+            </a:r>
+            <a:r>
+              <a:rPr lang="en-GB" sz="2030" b="1" dirty="0" smtClean="0"/>
+              <a:t>Representation, 54:182–192</a:t>
+            </a:r>
+            <a:r>
+              <a:rPr lang="en-GB" sz="2030" b="1" dirty="0"/>
+              <a:t>, </a:t>
+            </a:r>
+            <a:r>
+              <a:rPr lang="en-GB" sz="2030" b="1" dirty="0" smtClean="0"/>
+              <a:t>2018.</a:t>
+            </a:r>
+          </a:p>
+          <a:p>
+            <a:r>
+              <a:rPr lang="sv-SE" sz="2030" b="1" dirty="0" smtClean="0"/>
+              <a:t>[4] </a:t>
+            </a:r>
+            <a:r>
+              <a:rPr lang="en-GB" sz="2030" b="1" dirty="0"/>
+              <a:t>Diego Marcos, Michele </a:t>
+            </a:r>
+            <a:r>
+              <a:rPr lang="en-GB" sz="2030" b="1" dirty="0" err="1"/>
+              <a:t>Volpi</a:t>
+            </a:r>
+            <a:r>
+              <a:rPr lang="en-GB" sz="2030" b="1" dirty="0"/>
+              <a:t>, Nikos </a:t>
+            </a:r>
+            <a:r>
+              <a:rPr lang="en-GB" sz="2030" b="1" dirty="0" err="1"/>
+              <a:t>Komodakis</a:t>
+            </a:r>
+            <a:r>
+              <a:rPr lang="en-GB" sz="2030" b="1" dirty="0"/>
+              <a:t>, and </a:t>
+            </a:r>
+            <a:r>
+              <a:rPr lang="en-GB" sz="2030" b="1" dirty="0" err="1"/>
+              <a:t>Devis</a:t>
+            </a:r>
+            <a:r>
+              <a:rPr lang="en-GB" sz="2030" b="1" dirty="0"/>
+              <a:t> </a:t>
+            </a:r>
+            <a:r>
+              <a:rPr lang="en-GB" sz="2030" b="1" dirty="0" err="1" smtClean="0"/>
+              <a:t>Tuia</a:t>
+            </a:r>
+            <a:r>
+              <a:rPr lang="en-GB" sz="2030" b="1" i="1" dirty="0" smtClean="0"/>
+              <a:t>. Rotation </a:t>
+            </a:r>
+            <a:r>
+              <a:rPr lang="en-GB" sz="2030" b="1" i="1" dirty="0" err="1"/>
+              <a:t>equivariant</a:t>
+            </a:r>
+            <a:r>
+              <a:rPr lang="en-GB" sz="2030" b="1" i="1" dirty="0"/>
+              <a:t> vector field networks</a:t>
+            </a:r>
+            <a:r>
+              <a:rPr lang="en-GB" sz="2030" b="1" dirty="0"/>
+              <a:t>. </a:t>
+            </a:r>
+            <a:r>
+              <a:rPr lang="en-GB" sz="2030" b="1" dirty="0" smtClean="0"/>
+              <a:t>In ICCV, </a:t>
+            </a:r>
+            <a:r>
+              <a:rPr lang="en-GB" sz="2030" b="1" dirty="0"/>
+              <a:t>pages </a:t>
+            </a:r>
+            <a:r>
+              <a:rPr lang="en-GB" sz="2030" b="1" dirty="0" smtClean="0"/>
+              <a:t>5058–5067</a:t>
+            </a:r>
+            <a:r>
+              <a:rPr lang="en-GB" sz="2030" b="1" dirty="0"/>
+              <a:t>, 2017</a:t>
+            </a:r>
+          </a:p>
+          <a:p>
+            <a:endParaRPr lang="en-GB" sz="2030" b="1" dirty="0"/>
+          </a:p>
+          <a:p>
+            <a:endParaRPr lang="en-GB" sz="2030" b="1" dirty="0"/>
           </a:p>
         </p:txBody>
       </p:sp>
@@ -6075,8 +6321,8 @@
         </p:blipFill>
         <p:spPr>
           <a:xfrm>
-            <a:off x="16612394" y="8064277"/>
-            <a:ext cx="3971626" cy="3744416"/>
+            <a:off x="15097148" y="8801487"/>
+            <a:ext cx="3574936" cy="3744416"/>
           </a:xfrm>
           <a:prstGeom prst="rect">
             <a:avLst/>
@@ -6091,8 +6337,8 @@
         </p:nvSpPr>
         <p:spPr bwMode="auto">
           <a:xfrm>
-            <a:off x="20736173" y="9504437"/>
-            <a:ext cx="1224136" cy="720080"/>
+            <a:off x="18809040" y="10241647"/>
+            <a:ext cx="1101868" cy="720080"/>
           </a:xfrm>
           <a:prstGeom prst="rightArrow">
             <a:avLst/>
@@ -6151,8 +6397,8 @@
         </p:nvSpPr>
         <p:spPr>
           <a:xfrm>
-            <a:off x="22104325" y="9464367"/>
-            <a:ext cx="2880320" cy="800219"/>
+            <a:off x="20040540" y="10201578"/>
+            <a:ext cx="2592631" cy="1508105"/>
           </a:xfrm>
           <a:prstGeom prst="rect">
             <a:avLst/>
@@ -6181,8 +6427,8 @@
         </p:nvSpPr>
         <p:spPr>
           <a:xfrm>
-            <a:off x="16612394" y="11952709"/>
-            <a:ext cx="3907755" cy="630942"/>
+            <a:off x="15097149" y="12689919"/>
+            <a:ext cx="3517445" cy="630942"/>
           </a:xfrm>
           <a:prstGeom prst="rect">
             <a:avLst/>
@@ -6212,8 +6458,8 @@
         </p:nvSpPr>
         <p:spPr>
           <a:xfrm>
-            <a:off x="22104325" y="10800581"/>
-            <a:ext cx="3096344" cy="800219"/>
+            <a:off x="20040540" y="11537792"/>
+            <a:ext cx="2787078" cy="800219"/>
           </a:xfrm>
           <a:prstGeom prst="rect">
             <a:avLst/>
@@ -6242,8 +6488,8 @@
         </p:nvSpPr>
         <p:spPr>
           <a:xfrm>
-            <a:off x="23292457" y="10144378"/>
-            <a:ext cx="684076" cy="800219"/>
+            <a:off x="20915553" y="10881589"/>
+            <a:ext cx="615750" cy="800219"/>
           </a:xfrm>
           <a:prstGeom prst="rect">
             <a:avLst/>
@@ -6262,6 +6508,771 @@
               <a:t>=</a:t>
             </a:r>
             <a:endParaRPr lang="en-GB" dirty="0"/>
+          </a:p>
+        </p:txBody>
+      </p:sp>
+      <p:sp>
+        <p:nvSpPr>
+          <p:cNvPr id="41" name="TextBox 40"/>
+          <p:cNvSpPr txBox="1"/>
+          <p:nvPr/>
+        </p:nvSpPr>
+        <p:spPr>
+          <a:xfrm>
+            <a:off x="23978889" y="4751910"/>
+            <a:ext cx="7777893" cy="5189113"/>
+          </a:xfrm>
+          <a:prstGeom prst="rect">
+            <a:avLst/>
+          </a:prstGeom>
+          <a:noFill/>
+        </p:spPr>
+        <p:txBody>
+          <a:bodyPr wrap="square" rtlCol="0">
+            <a:spAutoFit/>
+          </a:bodyPr>
+          <a:lstStyle/>
+          <a:p>
+            <a:r>
+              <a:rPr lang="sv-SE" sz="3600" dirty="0" smtClean="0"/>
+              <a:t>Three novel  LBP based architechtures where implemented in this project, where the first two use LBPs directly in some form whereas the third model uses slightly different filters that share many properties with LBPs. [2] [3] [4]</a:t>
+            </a:r>
+            <a:endParaRPr lang="sv-SE" sz="3600" dirty="0"/>
+          </a:p>
+          <a:p>
+            <a:r>
+              <a:rPr lang="sv-SE" sz="3600" dirty="0" smtClean="0"/>
+              <a:t>Two conventional CNNs where used for benchmarking, Resnet and VGG. </a:t>
+            </a:r>
+            <a:endParaRPr lang="en-GB" sz="3600" dirty="0"/>
+          </a:p>
+        </p:txBody>
+      </p:sp>
+      <p:graphicFrame>
+        <p:nvGraphicFramePr>
+          <p:cNvPr id="44" name="Table 43"/>
+          <p:cNvGraphicFramePr>
+            <a:graphicFrameLocks noGrp="1"/>
+          </p:cNvGraphicFramePr>
+          <p:nvPr>
+            <p:extLst>
+              <p:ext uri="{D42A27DB-BD31-4B8C-83A1-F6EECF244321}">
+                <p14:modId xmlns:p14="http://schemas.microsoft.com/office/powerpoint/2010/main" val="3987999451"/>
+              </p:ext>
+            </p:extLst>
+          </p:nvPr>
+        </p:nvGraphicFramePr>
+        <p:xfrm>
+          <a:off x="24050897" y="12568843"/>
+          <a:ext cx="7444798" cy="7049618"/>
+        </p:xfrm>
+        <a:graphic>
+          <a:graphicData uri="http://schemas.openxmlformats.org/drawingml/2006/table">
+            <a:tbl>
+              <a:tblPr firstRow="1" bandRow="1">
+                <a:tableStyleId>{5940675A-B579-460E-94D1-54222C63F5DA}</a:tableStyleId>
+              </a:tblPr>
+              <a:tblGrid>
+                <a:gridCol w="2527816"/>
+                <a:gridCol w="2435383"/>
+                <a:gridCol w="2481599"/>
+              </a:tblGrid>
+              <a:tr h="1135182">
+                <a:tc>
+                  <a:txBody>
+                    <a:bodyPr/>
+                    <a:lstStyle/>
+                    <a:p>
+                      <a:r>
+                        <a:rPr lang="sv-SE" sz="4000" dirty="0" smtClean="0"/>
+                        <a:t>Model</a:t>
+                      </a:r>
+                      <a:endParaRPr lang="en-GB" sz="4000" dirty="0"/>
+                    </a:p>
+                  </a:txBody>
+                  <a:tcPr marL="82307" marR="82307" anchor="ctr">
+                    <a:lnL w="12700" cap="flat" cmpd="sng" algn="ctr">
+                      <a:solidFill>
+                        <a:schemeClr val="tx1"/>
+                      </a:solidFill>
+                      <a:prstDash val="solid"/>
+                      <a:round/>
+                      <a:headEnd type="none" w="med" len="med"/>
+                      <a:tailEnd type="none" w="med" len="med"/>
+                    </a:lnL>
+                    <a:lnR w="76200" cap="flat" cmpd="sng" algn="ctr">
+                      <a:solidFill>
+                        <a:schemeClr val="tx1"/>
+                      </a:solidFill>
+                      <a:prstDash val="solid"/>
+                      <a:round/>
+                      <a:headEnd type="none" w="med" len="med"/>
+                      <a:tailEnd type="none" w="med" len="med"/>
+                    </a:lnR>
+                    <a:lnT w="12700" cap="flat" cmpd="sng" algn="ctr">
+                      <a:solidFill>
+                        <a:schemeClr val="tx1"/>
+                      </a:solidFill>
+                      <a:prstDash val="solid"/>
+                      <a:round/>
+                      <a:headEnd type="none" w="med" len="med"/>
+                      <a:tailEnd type="none" w="med" len="med"/>
+                    </a:lnT>
+                    <a:lnB w="76200" cap="flat" cmpd="sng" algn="ctr">
+                      <a:solidFill>
+                        <a:schemeClr val="tx1"/>
+                      </a:solidFill>
+                      <a:prstDash val="solid"/>
+                      <a:round/>
+                      <a:headEnd type="none" w="med" len="med"/>
+                      <a:tailEnd type="none" w="med" len="med"/>
+                    </a:lnB>
+                    <a:lnTlToBr w="12700" cmpd="sng">
+                      <a:noFill/>
+                      <a:prstDash val="solid"/>
+                    </a:lnTlToBr>
+                    <a:lnBlToTr w="12700" cmpd="sng">
+                      <a:noFill/>
+                      <a:prstDash val="solid"/>
+                    </a:lnBlToTr>
+                  </a:tcPr>
+                </a:tc>
+                <a:tc>
+                  <a:txBody>
+                    <a:bodyPr/>
+                    <a:lstStyle/>
+                    <a:p>
+                      <a:r>
+                        <a:rPr lang="sv-SE" sz="4000" dirty="0" smtClean="0"/>
+                        <a:t>Accuracy</a:t>
+                      </a:r>
+                      <a:endParaRPr lang="en-GB" sz="4000" dirty="0"/>
+                    </a:p>
+                  </a:txBody>
+                  <a:tcPr marL="82307" marR="82307" anchor="ctr">
+                    <a:lnL w="76200" cap="flat" cmpd="sng" algn="ctr">
+                      <a:solidFill>
+                        <a:schemeClr val="tx1"/>
+                      </a:solidFill>
+                      <a:prstDash val="solid"/>
+                      <a:round/>
+                      <a:headEnd type="none" w="med" len="med"/>
+                      <a:tailEnd type="none" w="med" len="med"/>
+                    </a:lnL>
+                    <a:lnR w="12700" cap="flat" cmpd="sng" algn="ctr">
+                      <a:solidFill>
+                        <a:schemeClr val="tx1"/>
+                      </a:solidFill>
+                      <a:prstDash val="solid"/>
+                      <a:round/>
+                      <a:headEnd type="none" w="med" len="med"/>
+                      <a:tailEnd type="none" w="med" len="med"/>
+                    </a:lnR>
+                    <a:lnT w="12700" cap="flat" cmpd="sng" algn="ctr">
+                      <a:solidFill>
+                        <a:schemeClr val="tx1"/>
+                      </a:solidFill>
+                      <a:prstDash val="solid"/>
+                      <a:round/>
+                      <a:headEnd type="none" w="med" len="med"/>
+                      <a:tailEnd type="none" w="med" len="med"/>
+                    </a:lnT>
+                    <a:lnB w="76200" cap="flat" cmpd="sng" algn="ctr">
+                      <a:solidFill>
+                        <a:schemeClr val="tx1"/>
+                      </a:solidFill>
+                      <a:prstDash val="solid"/>
+                      <a:round/>
+                      <a:headEnd type="none" w="med" len="med"/>
+                      <a:tailEnd type="none" w="med" len="med"/>
+                    </a:lnB>
+                    <a:lnTlToBr w="12700" cmpd="sng">
+                      <a:noFill/>
+                      <a:prstDash val="solid"/>
+                    </a:lnTlToBr>
+                    <a:lnBlToTr w="12700" cmpd="sng">
+                      <a:noFill/>
+                      <a:prstDash val="solid"/>
+                    </a:lnBlToTr>
+                  </a:tcPr>
+                </a:tc>
+                <a:tc>
+                  <a:txBody>
+                    <a:bodyPr/>
+                    <a:lstStyle/>
+                    <a:p>
+                      <a:r>
+                        <a:rPr lang="sv-SE" sz="4000" dirty="0" smtClean="0"/>
+                        <a:t>F-Score</a:t>
+                      </a:r>
+                      <a:endParaRPr lang="en-GB" sz="4000" dirty="0"/>
+                    </a:p>
+                  </a:txBody>
+                  <a:tcPr marL="82307" marR="82307" anchor="ctr">
+                    <a:lnL w="12700" cap="flat" cmpd="sng" algn="ctr">
+                      <a:solidFill>
+                        <a:schemeClr val="tx1"/>
+                      </a:solidFill>
+                      <a:prstDash val="solid"/>
+                      <a:round/>
+                      <a:headEnd type="none" w="med" len="med"/>
+                      <a:tailEnd type="none" w="med" len="med"/>
+                    </a:lnL>
+                    <a:lnR w="12700" cap="flat" cmpd="sng" algn="ctr">
+                      <a:solidFill>
+                        <a:schemeClr val="tx1"/>
+                      </a:solidFill>
+                      <a:prstDash val="solid"/>
+                      <a:round/>
+                      <a:headEnd type="none" w="med" len="med"/>
+                      <a:tailEnd type="none" w="med" len="med"/>
+                    </a:lnR>
+                    <a:lnT w="12700" cap="flat" cmpd="sng" algn="ctr">
+                      <a:solidFill>
+                        <a:schemeClr val="tx1"/>
+                      </a:solidFill>
+                      <a:prstDash val="solid"/>
+                      <a:round/>
+                      <a:headEnd type="none" w="med" len="med"/>
+                      <a:tailEnd type="none" w="med" len="med"/>
+                    </a:lnT>
+                    <a:lnB w="76200" cap="flat" cmpd="sng" algn="ctr">
+                      <a:solidFill>
+                        <a:schemeClr val="tx1"/>
+                      </a:solidFill>
+                      <a:prstDash val="solid"/>
+                      <a:round/>
+                      <a:headEnd type="none" w="med" len="med"/>
+                      <a:tailEnd type="none" w="med" len="med"/>
+                    </a:lnB>
+                    <a:lnTlToBr w="12700" cmpd="sng">
+                      <a:noFill/>
+                      <a:prstDash val="solid"/>
+                    </a:lnTlToBr>
+                    <a:lnBlToTr w="12700" cmpd="sng">
+                      <a:noFill/>
+                      <a:prstDash val="solid"/>
+                    </a:lnBlToTr>
+                  </a:tcPr>
+                </a:tc>
+              </a:tr>
+              <a:tr h="1150949">
+                <a:tc>
+                  <a:txBody>
+                    <a:bodyPr/>
+                    <a:lstStyle/>
+                    <a:p>
+                      <a:r>
+                        <a:rPr lang="sv-SE" sz="4000" dirty="0" smtClean="0"/>
+                        <a:t>Juefei [2]</a:t>
+                      </a:r>
+                      <a:endParaRPr lang="en-GB" sz="4000" dirty="0"/>
+                    </a:p>
+                  </a:txBody>
+                  <a:tcPr marL="82307" marR="82307" anchor="ctr">
+                    <a:lnR w="76200" cap="flat" cmpd="sng" algn="ctr">
+                      <a:solidFill>
+                        <a:schemeClr val="tx1"/>
+                      </a:solidFill>
+                      <a:prstDash val="solid"/>
+                      <a:round/>
+                      <a:headEnd type="none" w="med" len="med"/>
+                      <a:tailEnd type="none" w="med" len="med"/>
+                    </a:lnR>
+                    <a:lnT w="76200" cap="flat" cmpd="sng" algn="ctr">
+                      <a:solidFill>
+                        <a:schemeClr val="tx1"/>
+                      </a:solidFill>
+                      <a:prstDash val="solid"/>
+                      <a:round/>
+                      <a:headEnd type="none" w="med" len="med"/>
+                      <a:tailEnd type="none" w="med" len="med"/>
+                    </a:lnT>
+                  </a:tcPr>
+                </a:tc>
+                <a:tc>
+                  <a:txBody>
+                    <a:bodyPr/>
+                    <a:lstStyle/>
+                    <a:p>
+                      <a:pPr algn="ctr"/>
+                      <a:r>
+                        <a:rPr lang="sv-SE" sz="4000" b="1" dirty="0" smtClean="0"/>
+                        <a:t>81.03</a:t>
+                      </a:r>
+                      <a:endParaRPr lang="en-GB" sz="4000" b="1" dirty="0"/>
+                    </a:p>
+                  </a:txBody>
+                  <a:tcPr marL="82307" marR="82307" anchor="ctr">
+                    <a:lnL w="76200" cap="flat" cmpd="sng" algn="ctr">
+                      <a:solidFill>
+                        <a:schemeClr val="tx1"/>
+                      </a:solidFill>
+                      <a:prstDash val="solid"/>
+                      <a:round/>
+                      <a:headEnd type="none" w="med" len="med"/>
+                      <a:tailEnd type="none" w="med" len="med"/>
+                    </a:lnL>
+                    <a:lnT w="76200" cap="flat" cmpd="sng" algn="ctr">
+                      <a:solidFill>
+                        <a:schemeClr val="tx1"/>
+                      </a:solidFill>
+                      <a:prstDash val="solid"/>
+                      <a:round/>
+                      <a:headEnd type="none" w="med" len="med"/>
+                      <a:tailEnd type="none" w="med" len="med"/>
+                    </a:lnT>
+                  </a:tcPr>
+                </a:tc>
+                <a:tc>
+                  <a:txBody>
+                    <a:bodyPr/>
+                    <a:lstStyle/>
+                    <a:p>
+                      <a:pPr algn="ctr"/>
+                      <a:r>
+                        <a:rPr lang="sv-SE" sz="4000" b="1" dirty="0" smtClean="0"/>
+                        <a:t>84.85</a:t>
+                      </a:r>
+                      <a:endParaRPr lang="en-GB" sz="4000" b="1" dirty="0"/>
+                    </a:p>
+                  </a:txBody>
+                  <a:tcPr marL="82307" marR="82307" anchor="ctr">
+                    <a:lnT w="76200" cap="flat" cmpd="sng" algn="ctr">
+                      <a:solidFill>
+                        <a:schemeClr val="tx1"/>
+                      </a:solidFill>
+                      <a:prstDash val="solid"/>
+                      <a:round/>
+                      <a:headEnd type="none" w="med" len="med"/>
+                      <a:tailEnd type="none" w="med" len="med"/>
+                    </a:lnT>
+                  </a:tcPr>
+                </a:tc>
+              </a:tr>
+              <a:tr h="1150949">
+                <a:tc>
+                  <a:txBody>
+                    <a:bodyPr/>
+                    <a:lstStyle/>
+                    <a:p>
+                      <a:r>
+                        <a:rPr lang="sv-SE" sz="4000" dirty="0" smtClean="0"/>
+                        <a:t>Li [3]</a:t>
+                      </a:r>
+                      <a:endParaRPr lang="en-GB" sz="4000" dirty="0"/>
+                    </a:p>
+                  </a:txBody>
+                  <a:tcPr marL="82307" marR="82307" anchor="ctr">
+                    <a:lnR w="76200" cap="flat" cmpd="sng" algn="ctr">
+                      <a:solidFill>
+                        <a:schemeClr val="tx1"/>
+                      </a:solidFill>
+                      <a:prstDash val="solid"/>
+                      <a:round/>
+                      <a:headEnd type="none" w="med" len="med"/>
+                      <a:tailEnd type="none" w="med" len="med"/>
+                    </a:lnR>
+                  </a:tcPr>
+                </a:tc>
+                <a:tc>
+                  <a:txBody>
+                    <a:bodyPr/>
+                    <a:lstStyle/>
+                    <a:p>
+                      <a:pPr algn="ctr"/>
+                      <a:r>
+                        <a:rPr lang="sv-SE" sz="4000" b="1" dirty="0" smtClean="0"/>
+                        <a:t>78.57</a:t>
+                      </a:r>
+                      <a:endParaRPr lang="en-GB" sz="4000" b="1" dirty="0"/>
+                    </a:p>
+                  </a:txBody>
+                  <a:tcPr marL="82307" marR="82307" anchor="ctr">
+                    <a:lnL w="76200" cap="flat" cmpd="sng" algn="ctr">
+                      <a:solidFill>
+                        <a:schemeClr val="tx1"/>
+                      </a:solidFill>
+                      <a:prstDash val="solid"/>
+                      <a:round/>
+                      <a:headEnd type="none" w="med" len="med"/>
+                      <a:tailEnd type="none" w="med" len="med"/>
+                    </a:lnL>
+                  </a:tcPr>
+                </a:tc>
+                <a:tc>
+                  <a:txBody>
+                    <a:bodyPr/>
+                    <a:lstStyle/>
+                    <a:p>
+                      <a:pPr algn="ctr"/>
+                      <a:r>
+                        <a:rPr lang="sv-SE" sz="4000" b="1" dirty="0" smtClean="0"/>
+                        <a:t>83.02</a:t>
+                      </a:r>
+                      <a:endParaRPr lang="en-GB" sz="4000" b="1" dirty="0"/>
+                    </a:p>
+                  </a:txBody>
+                  <a:tcPr marL="82307" marR="82307" anchor="ctr"/>
+                </a:tc>
+              </a:tr>
+              <a:tr h="1150949">
+                <a:tc>
+                  <a:txBody>
+                    <a:bodyPr/>
+                    <a:lstStyle/>
+                    <a:p>
+                      <a:r>
+                        <a:rPr lang="sv-SE" sz="4000" dirty="0" smtClean="0"/>
+                        <a:t>Marcos [4]</a:t>
+                      </a:r>
+                      <a:endParaRPr lang="en-GB" sz="4000" dirty="0"/>
+                    </a:p>
+                  </a:txBody>
+                  <a:tcPr marL="82307" marR="82307" anchor="ctr">
+                    <a:lnL w="12700" cap="flat" cmpd="sng" algn="ctr">
+                      <a:solidFill>
+                        <a:schemeClr val="tx1"/>
+                      </a:solidFill>
+                      <a:prstDash val="solid"/>
+                      <a:round/>
+                      <a:headEnd type="none" w="med" len="med"/>
+                      <a:tailEnd type="none" w="med" len="med"/>
+                    </a:lnL>
+                    <a:lnR w="76200" cap="flat" cmpd="sng" algn="ctr">
+                      <a:solidFill>
+                        <a:schemeClr val="tx1"/>
+                      </a:solidFill>
+                      <a:prstDash val="solid"/>
+                      <a:round/>
+                      <a:headEnd type="none" w="med" len="med"/>
+                      <a:tailEnd type="none" w="med" len="med"/>
+                    </a:lnR>
+                    <a:lnB w="76200" cap="flat" cmpd="sng" algn="ctr">
+                      <a:solidFill>
+                        <a:schemeClr val="tx1"/>
+                      </a:solidFill>
+                      <a:prstDash val="sysDashDotDot"/>
+                      <a:round/>
+                      <a:headEnd type="none" w="med" len="med"/>
+                      <a:tailEnd type="none" w="med" len="med"/>
+                    </a:lnB>
+                  </a:tcPr>
+                </a:tc>
+                <a:tc>
+                  <a:txBody>
+                    <a:bodyPr/>
+                    <a:lstStyle/>
+                    <a:p>
+                      <a:pPr algn="ctr"/>
+                      <a:r>
+                        <a:rPr lang="sv-SE" sz="4000" b="1" dirty="0" smtClean="0"/>
+                        <a:t>55.91</a:t>
+                      </a:r>
+                      <a:endParaRPr lang="en-GB" sz="4000" b="1" dirty="0"/>
+                    </a:p>
+                  </a:txBody>
+                  <a:tcPr marL="82307" marR="82307" anchor="ctr">
+                    <a:lnL w="76200" cap="flat" cmpd="sng" algn="ctr">
+                      <a:solidFill>
+                        <a:schemeClr val="tx1"/>
+                      </a:solidFill>
+                      <a:prstDash val="solid"/>
+                      <a:round/>
+                      <a:headEnd type="none" w="med" len="med"/>
+                      <a:tailEnd type="none" w="med" len="med"/>
+                    </a:lnL>
+                    <a:lnB w="76200" cap="flat" cmpd="sng" algn="ctr">
+                      <a:solidFill>
+                        <a:schemeClr val="tx1"/>
+                      </a:solidFill>
+                      <a:prstDash val="sysDashDotDot"/>
+                      <a:round/>
+                      <a:headEnd type="none" w="med" len="med"/>
+                      <a:tailEnd type="none" w="med" len="med"/>
+                    </a:lnB>
+                  </a:tcPr>
+                </a:tc>
+                <a:tc>
+                  <a:txBody>
+                    <a:bodyPr/>
+                    <a:lstStyle/>
+                    <a:p>
+                      <a:pPr algn="ctr"/>
+                      <a:r>
+                        <a:rPr lang="sv-SE" sz="4000" b="1" dirty="0" smtClean="0"/>
+                        <a:t>66.80</a:t>
+                      </a:r>
+                      <a:endParaRPr lang="en-GB" sz="4000" b="1" dirty="0"/>
+                    </a:p>
+                  </a:txBody>
+                  <a:tcPr marL="82307" marR="82307" anchor="ctr">
+                    <a:lnB w="76200" cap="flat" cmpd="sng" algn="ctr">
+                      <a:solidFill>
+                        <a:schemeClr val="tx1"/>
+                      </a:solidFill>
+                      <a:prstDash val="sysDashDotDot"/>
+                      <a:round/>
+                      <a:headEnd type="none" w="med" len="med"/>
+                      <a:tailEnd type="none" w="med" len="med"/>
+                    </a:lnB>
+                  </a:tcPr>
+                </a:tc>
+              </a:tr>
+              <a:tr h="1150949">
+                <a:tc>
+                  <a:txBody>
+                    <a:bodyPr/>
+                    <a:lstStyle/>
+                    <a:p>
+                      <a:r>
+                        <a:rPr lang="sv-SE" sz="4000" dirty="0" smtClean="0"/>
+                        <a:t>Resnet</a:t>
+                      </a:r>
+                      <a:endParaRPr lang="en-GB" sz="4000" dirty="0"/>
+                    </a:p>
+                  </a:txBody>
+                  <a:tcPr marL="82307" marR="82307" anchor="ctr">
+                    <a:lnR w="76200" cap="flat" cmpd="sng" algn="ctr">
+                      <a:solidFill>
+                        <a:schemeClr val="tx1"/>
+                      </a:solidFill>
+                      <a:prstDash val="solid"/>
+                      <a:round/>
+                      <a:headEnd type="none" w="med" len="med"/>
+                      <a:tailEnd type="none" w="med" len="med"/>
+                    </a:lnR>
+                    <a:lnT w="76200" cap="flat" cmpd="sng" algn="ctr">
+                      <a:solidFill>
+                        <a:schemeClr val="tx1"/>
+                      </a:solidFill>
+                      <a:prstDash val="sysDashDotDot"/>
+                      <a:round/>
+                      <a:headEnd type="none" w="med" len="med"/>
+                      <a:tailEnd type="none" w="med" len="med"/>
+                    </a:lnT>
+                    <a:lnB w="12700" cap="flat" cmpd="sng" algn="ctr">
+                      <a:solidFill>
+                        <a:schemeClr val="tx1"/>
+                      </a:solidFill>
+                      <a:prstDash val="solid"/>
+                      <a:round/>
+                      <a:headEnd type="none" w="med" len="med"/>
+                      <a:tailEnd type="none" w="med" len="med"/>
+                    </a:lnB>
+                  </a:tcPr>
+                </a:tc>
+                <a:tc>
+                  <a:txBody>
+                    <a:bodyPr/>
+                    <a:lstStyle/>
+                    <a:p>
+                      <a:pPr algn="ctr"/>
+                      <a:r>
+                        <a:rPr lang="sv-SE" sz="4000" b="1" dirty="0" smtClean="0"/>
+                        <a:t>78.34</a:t>
+                      </a:r>
+                      <a:endParaRPr lang="en-GB" sz="4000" b="1" dirty="0"/>
+                    </a:p>
+                  </a:txBody>
+                  <a:tcPr marL="82307" marR="82307" anchor="ctr">
+                    <a:lnL w="76200" cap="flat" cmpd="sng" algn="ctr">
+                      <a:solidFill>
+                        <a:schemeClr val="tx1"/>
+                      </a:solidFill>
+                      <a:prstDash val="solid"/>
+                      <a:round/>
+                      <a:headEnd type="none" w="med" len="med"/>
+                      <a:tailEnd type="none" w="med" len="med"/>
+                    </a:lnL>
+                    <a:lnT w="76200" cap="flat" cmpd="sng" algn="ctr">
+                      <a:solidFill>
+                        <a:schemeClr val="tx1"/>
+                      </a:solidFill>
+                      <a:prstDash val="sysDashDotDot"/>
+                      <a:round/>
+                      <a:headEnd type="none" w="med" len="med"/>
+                      <a:tailEnd type="none" w="med" len="med"/>
+                    </a:lnT>
+                    <a:lnB w="12700" cap="flat" cmpd="sng" algn="ctr">
+                      <a:solidFill>
+                        <a:schemeClr val="tx1"/>
+                      </a:solidFill>
+                      <a:prstDash val="solid"/>
+                      <a:round/>
+                      <a:headEnd type="none" w="med" len="med"/>
+                      <a:tailEnd type="none" w="med" len="med"/>
+                    </a:lnB>
+                  </a:tcPr>
+                </a:tc>
+                <a:tc>
+                  <a:txBody>
+                    <a:bodyPr/>
+                    <a:lstStyle/>
+                    <a:p>
+                      <a:pPr algn="ctr"/>
+                      <a:r>
+                        <a:rPr lang="sv-SE" sz="4000" b="1" dirty="0" smtClean="0"/>
+                        <a:t>75.51</a:t>
+                      </a:r>
+                      <a:endParaRPr lang="en-GB" sz="4000" b="1" dirty="0"/>
+                    </a:p>
+                  </a:txBody>
+                  <a:tcPr marL="82307" marR="82307" anchor="ctr">
+                    <a:lnT w="76200" cap="flat" cmpd="sng" algn="ctr">
+                      <a:solidFill>
+                        <a:schemeClr val="tx1"/>
+                      </a:solidFill>
+                      <a:prstDash val="sysDashDotDot"/>
+                      <a:round/>
+                      <a:headEnd type="none" w="med" len="med"/>
+                      <a:tailEnd type="none" w="med" len="med"/>
+                    </a:lnT>
+                    <a:lnB w="12700" cap="flat" cmpd="sng" algn="ctr">
+                      <a:solidFill>
+                        <a:schemeClr val="tx1"/>
+                      </a:solidFill>
+                      <a:prstDash val="solid"/>
+                      <a:round/>
+                      <a:headEnd type="none" w="med" len="med"/>
+                      <a:tailEnd type="none" w="med" len="med"/>
+                    </a:lnB>
+                  </a:tcPr>
+                </a:tc>
+              </a:tr>
+              <a:tr h="1150949">
+                <a:tc>
+                  <a:txBody>
+                    <a:bodyPr/>
+                    <a:lstStyle/>
+                    <a:p>
+                      <a:r>
+                        <a:rPr lang="sv-SE" sz="4000" dirty="0" smtClean="0"/>
+                        <a:t>VGG</a:t>
+                      </a:r>
+                      <a:endParaRPr lang="en-GB" sz="4000" dirty="0"/>
+                    </a:p>
+                  </a:txBody>
+                  <a:tcPr marL="82307" marR="82307" anchor="ctr">
+                    <a:lnR w="76200" cap="flat" cmpd="sng" algn="ctr">
+                      <a:solidFill>
+                        <a:schemeClr val="tx1"/>
+                      </a:solidFill>
+                      <a:prstDash val="solid"/>
+                      <a:round/>
+                      <a:headEnd type="none" w="med" len="med"/>
+                      <a:tailEnd type="none" w="med" len="med"/>
+                    </a:lnR>
+                    <a:lnT w="12700" cap="flat" cmpd="sng" algn="ctr">
+                      <a:solidFill>
+                        <a:schemeClr val="tx1"/>
+                      </a:solidFill>
+                      <a:prstDash val="solid"/>
+                      <a:round/>
+                      <a:headEnd type="none" w="med" len="med"/>
+                      <a:tailEnd type="none" w="med" len="med"/>
+                    </a:lnT>
+                  </a:tcPr>
+                </a:tc>
+                <a:tc>
+                  <a:txBody>
+                    <a:bodyPr/>
+                    <a:lstStyle/>
+                    <a:p>
+                      <a:pPr algn="ctr"/>
+                      <a:r>
+                        <a:rPr lang="en-GB" sz="4000" b="1" i="0" kern="1200" dirty="0" smtClean="0">
+                          <a:solidFill>
+                            <a:schemeClr val="tx1"/>
+                          </a:solidFill>
+                          <a:effectLst/>
+                          <a:latin typeface="+mn-lt"/>
+                          <a:ea typeface="+mn-ea"/>
+                          <a:cs typeface="+mn-cs"/>
+                        </a:rPr>
+                        <a:t>80.66</a:t>
+                      </a:r>
+                      <a:endParaRPr lang="en-GB" sz="4000" b="1" dirty="0"/>
+                    </a:p>
+                  </a:txBody>
+                  <a:tcPr marL="82307" marR="82307" anchor="ctr">
+                    <a:lnL w="76200" cap="flat" cmpd="sng" algn="ctr">
+                      <a:solidFill>
+                        <a:schemeClr val="tx1"/>
+                      </a:solidFill>
+                      <a:prstDash val="solid"/>
+                      <a:round/>
+                      <a:headEnd type="none" w="med" len="med"/>
+                      <a:tailEnd type="none" w="med" len="med"/>
+                    </a:lnL>
+                    <a:lnT w="12700" cap="flat" cmpd="sng" algn="ctr">
+                      <a:solidFill>
+                        <a:schemeClr val="tx1"/>
+                      </a:solidFill>
+                      <a:prstDash val="solid"/>
+                      <a:round/>
+                      <a:headEnd type="none" w="med" len="med"/>
+                      <a:tailEnd type="none" w="med" len="med"/>
+                    </a:lnT>
+                  </a:tcPr>
+                </a:tc>
+                <a:tc>
+                  <a:txBody>
+                    <a:bodyPr/>
+                    <a:lstStyle/>
+                    <a:p>
+                      <a:pPr algn="ctr"/>
+                      <a:r>
+                        <a:rPr lang="sv-SE" sz="4000" b="1" dirty="0" smtClean="0"/>
+                        <a:t>77.68</a:t>
+                      </a:r>
+                      <a:endParaRPr lang="en-GB" sz="4000" b="1" dirty="0"/>
+                    </a:p>
+                  </a:txBody>
+                  <a:tcPr marL="82307" marR="82307" anchor="ctr">
+                    <a:lnT w="12700" cap="flat" cmpd="sng" algn="ctr">
+                      <a:solidFill>
+                        <a:schemeClr val="tx1"/>
+                      </a:solidFill>
+                      <a:prstDash val="solid"/>
+                      <a:round/>
+                      <a:headEnd type="none" w="med" len="med"/>
+                      <a:tailEnd type="none" w="med" len="med"/>
+                    </a:lnT>
+                  </a:tcPr>
+                </a:tc>
+              </a:tr>
+            </a:tbl>
+          </a:graphicData>
+        </a:graphic>
+      </p:graphicFrame>
+      <p:sp>
+        <p:nvSpPr>
+          <p:cNvPr id="46" name="TextBox 45"/>
+          <p:cNvSpPr txBox="1"/>
+          <p:nvPr/>
+        </p:nvSpPr>
+        <p:spPr>
+          <a:xfrm>
+            <a:off x="24050897" y="19625626"/>
+            <a:ext cx="7539178" cy="2308324"/>
+          </a:xfrm>
+          <a:prstGeom prst="rect">
+            <a:avLst/>
+          </a:prstGeom>
+          <a:noFill/>
+        </p:spPr>
+        <p:txBody>
+          <a:bodyPr wrap="square" rtlCol="0">
+            <a:spAutoFit/>
+          </a:bodyPr>
+          <a:lstStyle/>
+          <a:p>
+            <a:r>
+              <a:rPr lang="sv-SE" sz="3600" dirty="0" smtClean="0"/>
+              <a:t>Juefei, Li, and Marcos where the three LBP architechtures used in this project. Resnet and VGG are benchmark conventional networks. </a:t>
+            </a:r>
+            <a:endParaRPr lang="en-GB" sz="3600" dirty="0"/>
           </a:p>
         </p:txBody>
       </p:sp>
@@ -6320,8 +7331,8 @@
           </p:nvPr>
         </p:nvGraphicFramePr>
         <p:xfrm>
-          <a:off x="7918749" y="10512552"/>
-          <a:ext cx="10009110" cy="9433045"/>
+          <a:off x="7127817" y="10512553"/>
+          <a:ext cx="9009390" cy="9433045"/>
         </p:xfrm>
         <a:graphic>
           <a:graphicData uri="http://schemas.openxmlformats.org/drawingml/2006/table">
@@ -6330,11 +7341,11 @@
                 <a:tableStyleId>{5940675A-B579-460E-94D1-54222C63F5DA}</a:tableStyleId>
               </a:tblPr>
               <a:tblGrid>
-                <a:gridCol w="2001822"/>
-                <a:gridCol w="2001822"/>
-                <a:gridCol w="2001822"/>
-                <a:gridCol w="2001822"/>
-                <a:gridCol w="2001822"/>
+                <a:gridCol w="1801878"/>
+                <a:gridCol w="1801878"/>
+                <a:gridCol w="1801878"/>
+                <a:gridCol w="1801878"/>
+                <a:gridCol w="1801878"/>
               </a:tblGrid>
               <a:tr h="1886609">
                 <a:tc>
@@ -6345,7 +7356,7 @@
                       <a:endParaRPr lang="en-GB" dirty="0"/>
                     </a:p>
                   </a:txBody>
-                  <a:tcPr>
+                  <a:tcPr marL="82307" marR="82307">
                     <a:lnL w="76200" cap="flat" cmpd="sng" algn="ctr">
                       <a:solidFill>
                         <a:schemeClr val="tx1"/>
@@ -6392,7 +7403,7 @@
                       <a:endParaRPr lang="en-GB" dirty="0"/>
                     </a:p>
                   </a:txBody>
-                  <a:tcPr>
+                  <a:tcPr marL="82307" marR="82307">
                     <a:lnL w="76200" cap="flat" cmpd="sng" algn="ctr">
                       <a:solidFill>
                         <a:schemeClr val="tx1"/>
@@ -6439,7 +7450,7 @@
                       <a:endParaRPr lang="en-GB" dirty="0"/>
                     </a:p>
                   </a:txBody>
-                  <a:tcPr>
+                  <a:tcPr marL="82307" marR="82307">
                     <a:lnL w="76200" cap="flat" cmpd="sng" algn="ctr">
                       <a:solidFill>
                         <a:schemeClr val="tx1"/>
@@ -6486,7 +7497,7 @@
                       <a:endParaRPr lang="en-GB" dirty="0"/>
                     </a:p>
                   </a:txBody>
-                  <a:tcPr>
+                  <a:tcPr marL="82307" marR="82307">
                     <a:lnL w="76200" cap="flat" cmpd="sng" algn="ctr">
                       <a:solidFill>
                         <a:schemeClr val="tx1"/>
@@ -6533,7 +7544,7 @@
                       <a:endParaRPr lang="en-GB" dirty="0"/>
                     </a:p>
                   </a:txBody>
-                  <a:tcPr>
+                  <a:tcPr marL="82307" marR="82307">
                     <a:lnL w="76200" cap="flat" cmpd="sng" algn="ctr">
                       <a:solidFill>
                         <a:schemeClr val="tx1"/>
@@ -6582,7 +7593,7 @@
                       <a:endParaRPr lang="en-GB" dirty="0"/>
                     </a:p>
                   </a:txBody>
-                  <a:tcPr>
+                  <a:tcPr marL="82307" marR="82307">
                     <a:lnL w="76200" cap="flat" cmpd="sng" algn="ctr">
                       <a:solidFill>
                         <a:schemeClr val="tx1"/>
@@ -6629,7 +7640,7 @@
                       <a:endParaRPr lang="en-GB" dirty="0"/>
                     </a:p>
                   </a:txBody>
-                  <a:tcPr>
+                  <a:tcPr marL="82307" marR="82307">
                     <a:lnL w="76200" cap="flat" cmpd="sng" algn="ctr">
                       <a:solidFill>
                         <a:schemeClr val="tx1"/>
@@ -6676,7 +7687,7 @@
                       <a:endParaRPr lang="en-GB" dirty="0"/>
                     </a:p>
                   </a:txBody>
-                  <a:tcPr>
+                  <a:tcPr marL="82307" marR="82307">
                     <a:lnL w="76200" cap="flat" cmpd="sng" algn="ctr">
                       <a:solidFill>
                         <a:schemeClr val="tx1"/>
@@ -6723,7 +7734,7 @@
                       <a:endParaRPr lang="en-GB" dirty="0"/>
                     </a:p>
                   </a:txBody>
-                  <a:tcPr>
+                  <a:tcPr marL="82307" marR="82307">
                     <a:lnL w="76200" cap="flat" cmpd="sng" algn="ctr">
                       <a:solidFill>
                         <a:schemeClr val="tx1"/>
@@ -6770,7 +7781,7 @@
                       <a:endParaRPr lang="en-GB" dirty="0"/>
                     </a:p>
                   </a:txBody>
-                  <a:tcPr>
+                  <a:tcPr marL="82307" marR="82307">
                     <a:lnL w="76200" cap="flat" cmpd="sng" algn="ctr">
                       <a:solidFill>
                         <a:schemeClr val="tx1"/>
@@ -6819,7 +7830,7 @@
                       <a:endParaRPr lang="en-GB" dirty="0"/>
                     </a:p>
                   </a:txBody>
-                  <a:tcPr>
+                  <a:tcPr marL="82307" marR="82307">
                     <a:lnL w="76200" cap="flat" cmpd="sng" algn="ctr">
                       <a:solidFill>
                         <a:schemeClr val="tx1"/>
@@ -6866,7 +7877,7 @@
                       <a:endParaRPr lang="en-GB" dirty="0"/>
                     </a:p>
                   </a:txBody>
-                  <a:tcPr>
+                  <a:tcPr marL="82307" marR="82307">
                     <a:lnL w="76200" cap="flat" cmpd="sng" algn="ctr">
                       <a:solidFill>
                         <a:schemeClr val="tx1"/>
@@ -6913,7 +7924,7 @@
                       <a:endParaRPr lang="en-GB" dirty="0"/>
                     </a:p>
                   </a:txBody>
-                  <a:tcPr>
+                  <a:tcPr marL="82307" marR="82307">
                     <a:lnL w="76200" cap="flat" cmpd="sng" algn="ctr">
                       <a:solidFill>
                         <a:schemeClr val="tx1"/>
@@ -6960,7 +7971,7 @@
                       <a:endParaRPr lang="en-GB" dirty="0"/>
                     </a:p>
                   </a:txBody>
-                  <a:tcPr>
+                  <a:tcPr marL="82307" marR="82307">
                     <a:lnL w="76200" cap="flat" cmpd="sng" algn="ctr">
                       <a:solidFill>
                         <a:schemeClr val="tx1"/>
@@ -7007,7 +8018,7 @@
                       <a:endParaRPr lang="en-GB" dirty="0"/>
                     </a:p>
                   </a:txBody>
-                  <a:tcPr>
+                  <a:tcPr marL="82307" marR="82307">
                     <a:lnL w="76200" cap="flat" cmpd="sng" algn="ctr">
                       <a:solidFill>
                         <a:schemeClr val="tx1"/>
@@ -7056,7 +8067,7 @@
                       <a:endParaRPr lang="en-GB" dirty="0"/>
                     </a:p>
                   </a:txBody>
-                  <a:tcPr>
+                  <a:tcPr marL="82307" marR="82307">
                     <a:lnL w="76200" cap="flat" cmpd="sng" algn="ctr">
                       <a:solidFill>
                         <a:schemeClr val="tx1"/>
@@ -7103,7 +8114,7 @@
                       <a:endParaRPr lang="en-GB" dirty="0"/>
                     </a:p>
                   </a:txBody>
-                  <a:tcPr>
+                  <a:tcPr marL="82307" marR="82307">
                     <a:lnL w="76200" cap="flat" cmpd="sng" algn="ctr">
                       <a:solidFill>
                         <a:schemeClr val="tx1"/>
@@ -7150,7 +8161,7 @@
                       <a:endParaRPr lang="en-GB" dirty="0"/>
                     </a:p>
                   </a:txBody>
-                  <a:tcPr>
+                  <a:tcPr marL="82307" marR="82307">
                     <a:lnL w="76200" cap="flat" cmpd="sng" algn="ctr">
                       <a:solidFill>
                         <a:schemeClr val="tx1"/>
@@ -7197,7 +8208,7 @@
                       <a:endParaRPr lang="en-GB" dirty="0"/>
                     </a:p>
                   </a:txBody>
-                  <a:tcPr>
+                  <a:tcPr marL="82307" marR="82307">
                     <a:lnL w="76200" cap="flat" cmpd="sng" algn="ctr">
                       <a:solidFill>
                         <a:schemeClr val="tx1"/>
@@ -7244,7 +8255,7 @@
                       <a:endParaRPr lang="en-GB" dirty="0"/>
                     </a:p>
                   </a:txBody>
-                  <a:tcPr>
+                  <a:tcPr marL="82307" marR="82307">
                     <a:lnL w="76200" cap="flat" cmpd="sng" algn="ctr">
                       <a:solidFill>
                         <a:schemeClr val="tx1"/>
@@ -7293,7 +8304,7 @@
                       <a:endParaRPr lang="en-GB" dirty="0"/>
                     </a:p>
                   </a:txBody>
-                  <a:tcPr>
+                  <a:tcPr marL="82307" marR="82307">
                     <a:lnL w="76200" cap="flat" cmpd="sng" algn="ctr">
                       <a:solidFill>
                         <a:schemeClr val="tx1"/>
@@ -7340,7 +8351,7 @@
                       <a:endParaRPr lang="en-GB" dirty="0"/>
                     </a:p>
                   </a:txBody>
-                  <a:tcPr>
+                  <a:tcPr marL="82307" marR="82307">
                     <a:lnL w="76200" cap="flat" cmpd="sng" algn="ctr">
                       <a:solidFill>
                         <a:schemeClr val="tx1"/>
@@ -7387,7 +8398,7 @@
                       <a:endParaRPr lang="en-GB" dirty="0"/>
                     </a:p>
                   </a:txBody>
-                  <a:tcPr>
+                  <a:tcPr marL="82307" marR="82307">
                     <a:lnL w="76200" cap="flat" cmpd="sng" algn="ctr">
                       <a:solidFill>
                         <a:schemeClr val="tx1"/>
@@ -7434,7 +8445,7 @@
                       <a:endParaRPr lang="en-GB" dirty="0"/>
                     </a:p>
                   </a:txBody>
-                  <a:tcPr>
+                  <a:tcPr marL="82307" marR="82307">
                     <a:lnL w="76200" cap="flat" cmpd="sng" algn="ctr">
                       <a:solidFill>
                         <a:schemeClr val="tx1"/>
@@ -7481,7 +8492,7 @@
                       <a:endParaRPr lang="en-GB" dirty="0"/>
                     </a:p>
                   </a:txBody>
-                  <a:tcPr>
+                  <a:tcPr marL="82307" marR="82307">
                     <a:lnL w="76200" cap="flat" cmpd="sng" algn="ctr">
                       <a:solidFill>
                         <a:schemeClr val="tx1"/>
@@ -7533,8 +8544,8 @@
         </p:nvSpPr>
         <p:spPr bwMode="auto">
           <a:xfrm>
-            <a:off x="12509259" y="14833031"/>
-            <a:ext cx="932311" cy="864093"/>
+            <a:off x="11259823" y="14833032"/>
+            <a:ext cx="839191" cy="864093"/>
           </a:xfrm>
           <a:prstGeom prst="ellipse">
             <a:avLst/>
@@ -7595,8 +8606,8 @@
         </p:nvSpPr>
         <p:spPr bwMode="auto">
           <a:xfrm>
-            <a:off x="12455253" y="11088615"/>
-            <a:ext cx="932311" cy="864093"/>
+            <a:off x="11211211" y="11088616"/>
+            <a:ext cx="839191" cy="864093"/>
           </a:xfrm>
           <a:prstGeom prst="ellipse">
             <a:avLst/>
@@ -7657,8 +8668,8 @@
         </p:nvSpPr>
         <p:spPr bwMode="auto">
           <a:xfrm>
-            <a:off x="12463775" y="18685459"/>
-            <a:ext cx="932311" cy="864093"/>
+            <a:off x="11218882" y="18685460"/>
+            <a:ext cx="839191" cy="864093"/>
           </a:xfrm>
           <a:prstGeom prst="ellipse">
             <a:avLst/>
@@ -7719,8 +8730,8 @@
         </p:nvSpPr>
         <p:spPr bwMode="auto">
           <a:xfrm>
-            <a:off x="16469699" y="14838246"/>
-            <a:ext cx="932311" cy="864093"/>
+            <a:off x="14824690" y="14838247"/>
+            <a:ext cx="839191" cy="864093"/>
           </a:xfrm>
           <a:prstGeom prst="ellipse">
             <a:avLst/>
@@ -7783,8 +8794,8 @@
         </p:nvSpPr>
         <p:spPr bwMode="auto">
           <a:xfrm>
-            <a:off x="8494813" y="14833031"/>
-            <a:ext cx="932311" cy="864093"/>
+            <a:off x="7646343" y="14833032"/>
+            <a:ext cx="839191" cy="864093"/>
           </a:xfrm>
           <a:prstGeom prst="ellipse">
             <a:avLst/>
@@ -7845,8 +8856,8 @@
         </p:nvSpPr>
         <p:spPr bwMode="auto">
           <a:xfrm>
-            <a:off x="9646941" y="12168735"/>
-            <a:ext cx="932311" cy="864093"/>
+            <a:off x="8683396" y="12168736"/>
+            <a:ext cx="839191" cy="864093"/>
           </a:xfrm>
           <a:prstGeom prst="ellipse">
             <a:avLst/>
@@ -7907,8 +8918,8 @@
         </p:nvSpPr>
         <p:spPr bwMode="auto">
           <a:xfrm>
-            <a:off x="15317571" y="12240743"/>
-            <a:ext cx="932311" cy="864093"/>
+            <a:off x="13787638" y="12240744"/>
+            <a:ext cx="839191" cy="864093"/>
           </a:xfrm>
           <a:prstGeom prst="ellipse">
             <a:avLst/>
@@ -7969,8 +8980,8 @@
         </p:nvSpPr>
         <p:spPr bwMode="auto">
           <a:xfrm>
-            <a:off x="9556931" y="17497327"/>
-            <a:ext cx="932311" cy="864093"/>
+            <a:off x="8602376" y="17497328"/>
+            <a:ext cx="839191" cy="864093"/>
           </a:xfrm>
           <a:prstGeom prst="ellipse">
             <a:avLst/>
@@ -8031,8 +9042,8 @@
         </p:nvSpPr>
         <p:spPr bwMode="auto">
           <a:xfrm>
-            <a:off x="15407581" y="17497327"/>
-            <a:ext cx="932311" cy="864093"/>
+            <a:off x="13868658" y="17497328"/>
+            <a:ext cx="839191" cy="864093"/>
           </a:xfrm>
           <a:prstGeom prst="ellipse">
             <a:avLst/>
@@ -8093,8 +9104,8 @@
         </p:nvSpPr>
         <p:spPr>
           <a:xfrm>
-            <a:off x="7990757" y="20205753"/>
-            <a:ext cx="9577064" cy="1107996"/>
+            <a:off x="7192632" y="20205753"/>
+            <a:ext cx="8620498" cy="1107996"/>
           </a:xfrm>
           <a:prstGeom prst="rect">
             <a:avLst/>
@@ -8124,8 +9135,8 @@
         </p:nvSpPr>
         <p:spPr>
           <a:xfrm>
-            <a:off x="8994743" y="11210270"/>
-            <a:ext cx="652198" cy="1246495"/>
+            <a:off x="8096339" y="11210271"/>
+            <a:ext cx="587056" cy="1246495"/>
           </a:xfrm>
           <a:prstGeom prst="rect">
             <a:avLst/>
@@ -8154,8 +9165,8 @@
         </p:nvSpPr>
         <p:spPr>
           <a:xfrm>
-            <a:off x="11731047" y="10368533"/>
-            <a:ext cx="652198" cy="1246495"/>
+            <a:off x="10559339" y="10368534"/>
+            <a:ext cx="587056" cy="1246495"/>
           </a:xfrm>
           <a:prstGeom prst="rect">
             <a:avLst/>
@@ -8184,8 +9195,8 @@
         </p:nvSpPr>
         <p:spPr>
           <a:xfrm>
-            <a:off x="14903525" y="11210270"/>
-            <a:ext cx="652198" cy="1246495"/>
+            <a:off x="13414947" y="11210271"/>
+            <a:ext cx="587056" cy="1246495"/>
           </a:xfrm>
           <a:prstGeom prst="rect">
             <a:avLst/>
@@ -8214,8 +9225,8 @@
         </p:nvSpPr>
         <p:spPr>
           <a:xfrm>
-            <a:off x="8168714" y="13591751"/>
-            <a:ext cx="652198" cy="1246495"/>
+            <a:off x="7352815" y="13591752"/>
+            <a:ext cx="587056" cy="1246495"/>
           </a:xfrm>
           <a:prstGeom prst="rect">
             <a:avLst/>
@@ -8244,8 +9255,8 @@
         </p:nvSpPr>
         <p:spPr>
           <a:xfrm>
-            <a:off x="11947071" y="17546974"/>
-            <a:ext cx="652198" cy="1246495"/>
+            <a:off x="10753786" y="17546975"/>
+            <a:ext cx="587056" cy="1246495"/>
           </a:xfrm>
           <a:prstGeom prst="rect">
             <a:avLst/>
@@ -8274,8 +9285,8 @@
         </p:nvSpPr>
         <p:spPr>
           <a:xfrm>
-            <a:off x="8948027" y="16405461"/>
-            <a:ext cx="652198" cy="1246495"/>
+            <a:off x="8054289" y="16405462"/>
+            <a:ext cx="587056" cy="1246495"/>
           </a:xfrm>
           <a:prstGeom prst="rect">
             <a:avLst/>
@@ -8304,8 +9315,8 @@
         </p:nvSpPr>
         <p:spPr>
           <a:xfrm>
-            <a:off x="14971407" y="16250830"/>
-            <a:ext cx="652198" cy="1246495"/>
+            <a:off x="13476049" y="16250831"/>
+            <a:ext cx="587056" cy="1246495"/>
           </a:xfrm>
           <a:prstGeom prst="rect">
             <a:avLst/>
@@ -8334,8 +9345,8 @@
         </p:nvSpPr>
         <p:spPr>
           <a:xfrm>
-            <a:off x="16013793" y="13658542"/>
-            <a:ext cx="652198" cy="1246495"/>
+            <a:off x="14414320" y="13658543"/>
+            <a:ext cx="587056" cy="1246495"/>
           </a:xfrm>
           <a:prstGeom prst="rect">
             <a:avLst/>

--- a/Presentation_material/poster.pptx
+++ b/Presentation_material/poster.pptx
@@ -4425,15 +4425,7 @@
                   <a:schemeClr val="tx1"/>
                 </a:solidFill>
               </a:rPr>
-              <a:t>Detecting </a:t>
-            </a:r>
-            <a:r>
-              <a:rPr lang="en-US" sz="11000" dirty="0" smtClean="0">
-                <a:solidFill>
-                  <a:schemeClr val="tx1"/>
-                </a:solidFill>
-              </a:rPr>
-              <a:t>Cancer with Texture</a:t>
+              <a:t>Detecting Cancer with Texture</a:t>
             </a:r>
             <a:endParaRPr lang="en-US" sz="11000" dirty="0">
               <a:solidFill>
@@ -4451,7 +4443,7 @@
         </p:nvSpPr>
         <p:spPr bwMode="auto">
           <a:xfrm>
-            <a:off x="7142201" y="6696125"/>
+            <a:off x="7142201" y="6262695"/>
             <a:ext cx="8101972" cy="11665296"/>
           </a:xfrm>
           <a:prstGeom prst="roundRect">
@@ -4537,7 +4529,7 @@
         </p:nvSpPr>
         <p:spPr bwMode="auto">
           <a:xfrm>
-            <a:off x="5400825" y="3642844"/>
+            <a:off x="5400825" y="3209414"/>
             <a:ext cx="8784975" cy="8885929"/>
           </a:xfrm>
           <a:prstGeom prst="roundRect">
@@ -4672,7 +4664,16 @@
                 </a:solidFill>
                 <a:latin typeface="Arial" charset="0"/>
               </a:rPr>
-              <a:t>Local binary patterns are very good at identifying textures, which has been hypothesized to be of importance in cell classification. In this project three recent LBP based networks are tuned and compared to conventional network architechtures</a:t>
+              <a:t>Local binary patterns are very good at identifying textures, which has been hypothesized to be of importance in cell classification. In this project three recent LBP based networks are tuned and compared to conventional network </a:t>
+            </a:r>
+            <a:r>
+              <a:rPr lang="sv-SE" sz="3600" dirty="0" smtClean="0">
+                <a:solidFill>
+                  <a:srgbClr val="000000"/>
+                </a:solidFill>
+                <a:latin typeface="Arial" charset="0"/>
+              </a:rPr>
+              <a:t>architectures</a:t>
             </a:r>
             <a:r>
               <a:rPr lang="sv-SE" sz="3200" dirty="0" smtClean="0">
@@ -4694,7 +4695,7 @@
         </p:nvSpPr>
         <p:spPr bwMode="auto">
           <a:xfrm>
-            <a:off x="8438517" y="15273208"/>
+            <a:off x="8438517" y="14839778"/>
             <a:ext cx="5055630" cy="3744416"/>
           </a:xfrm>
           <a:prstGeom prst="roundRect">
@@ -4780,7 +4781,7 @@
         </p:nvSpPr>
         <p:spPr>
           <a:xfrm>
-            <a:off x="8108336" y="3239741"/>
+            <a:off x="7762692" y="2806311"/>
             <a:ext cx="4061241" cy="800219"/>
           </a:xfrm>
           <a:prstGeom prst="rect">
@@ -4826,8 +4827,8 @@
         </p:nvSpPr>
         <p:spPr bwMode="auto">
           <a:xfrm>
-            <a:off x="5400825" y="13305438"/>
-            <a:ext cx="8784975" cy="8938363"/>
+            <a:off x="5400825" y="12872009"/>
+            <a:ext cx="8784975" cy="9017804"/>
           </a:xfrm>
           <a:prstGeom prst="roundRect">
             <a:avLst>
@@ -4896,7 +4897,7 @@
         </p:nvSpPr>
         <p:spPr>
           <a:xfrm>
-            <a:off x="8762596" y="12888813"/>
+            <a:off x="8762596" y="12455383"/>
             <a:ext cx="1944473" cy="800219"/>
           </a:xfrm>
           <a:prstGeom prst="rect">
@@ -4942,8 +4943,8 @@
         </p:nvSpPr>
         <p:spPr>
           <a:xfrm>
-            <a:off x="5644115" y="13977065"/>
-            <a:ext cx="8303744" cy="4007251"/>
+            <a:off x="5544842" y="13391487"/>
+            <a:ext cx="8784975" cy="4339650"/>
           </a:xfrm>
           <a:prstGeom prst="rect">
             <a:avLst/>
@@ -4956,10 +4957,58 @@
           </a:bodyPr>
           <a:lstStyle/>
           <a:p>
+            <a:pPr marL="457200" indent="-457200">
+              <a:buFont typeface="Arial" panose="020B0604020202020204" pitchFamily="34" charset="0"/>
+              <a:buChar char="•"/>
+            </a:pPr>
+            <a:r>
+              <a:rPr lang="en-GB" sz="3600" dirty="0" smtClean="0"/>
+              <a:t>6 patients, 3 with </a:t>
+            </a:r>
             <a:r>
               <a:rPr lang="en-GB" sz="3600" dirty="0"/>
-              <a:t>The data set consisted of 10274 80x80 images of cells from six patients, three with cancer and three without. Cells were sampled from the mouth of the patient and placed on a glass and photographed.</a:t>
-            </a:r>
+              <a:t>cancer and </a:t>
+            </a:r>
+            <a:r>
+              <a:rPr lang="en-GB" sz="3600" dirty="0" smtClean="0"/>
+              <a:t>3 healthy</a:t>
+            </a:r>
+          </a:p>
+          <a:p>
+            <a:pPr marL="457200" indent="-457200">
+              <a:buFont typeface="Arial" panose="020B0604020202020204" pitchFamily="34" charset="0"/>
+              <a:buChar char="•"/>
+            </a:pPr>
+            <a:r>
+              <a:rPr lang="en-GB" sz="3600" dirty="0"/>
+              <a:t>10274 cell images, size </a:t>
+            </a:r>
+            <a:r>
+              <a:rPr lang="en-GB" sz="3600" dirty="0" smtClean="0"/>
+              <a:t>80x80</a:t>
+            </a:r>
+          </a:p>
+          <a:p>
+            <a:pPr marL="457200" indent="-457200">
+              <a:buFont typeface="Arial" panose="020B0604020202020204" pitchFamily="34" charset="0"/>
+              <a:buChar char="•"/>
+            </a:pPr>
+            <a:r>
+              <a:rPr lang="en-GB" sz="3600" dirty="0" smtClean="0"/>
+              <a:t>Individual cells have been identified in samples from the patients’ mouths [1]</a:t>
+            </a:r>
+            <a:endParaRPr lang="en-GB" sz="3600" dirty="0" smtClean="0"/>
+          </a:p>
+          <a:p>
+            <a:pPr marL="457200" indent="-457200">
+              <a:buFont typeface="Arial" panose="020B0604020202020204" pitchFamily="34" charset="0"/>
+              <a:buChar char="•"/>
+            </a:pPr>
+            <a:r>
+              <a:rPr lang="en-GB" sz="3600" dirty="0" smtClean="0"/>
+              <a:t>Only patient diagnosis known, not individual cell classification</a:t>
+            </a:r>
+            <a:endParaRPr lang="en-GB" sz="3600" dirty="0"/>
           </a:p>
           <a:p>
             <a:endParaRPr lang="en-GB" sz="3200" dirty="0"/>
@@ -4974,8 +5023,8 @@
         </p:nvSpPr>
         <p:spPr bwMode="auto">
           <a:xfrm>
-            <a:off x="14545841" y="3642843"/>
-            <a:ext cx="8784976" cy="18600957"/>
+            <a:off x="14545841" y="3209413"/>
+            <a:ext cx="8784976" cy="18680399"/>
           </a:xfrm>
           <a:prstGeom prst="roundRect">
             <a:avLst>
@@ -5027,7 +5076,7 @@
               <a:buNone/>
               <a:tabLst/>
             </a:pPr>
-            <a:endParaRPr lang="sv-SE" sz="3200" dirty="0" smtClean="0">
+            <a:endParaRPr lang="sv-SE" sz="2400" dirty="0" smtClean="0">
               <a:solidFill>
                 <a:srgbClr val="000000"/>
               </a:solidFill>
@@ -5035,38 +5084,31 @@
             </a:endParaRPr>
           </a:p>
           <a:p>
-            <a:endParaRPr lang="sv-SE" sz="1000" dirty="0" smtClean="0"/>
-          </a:p>
-          <a:p>
+            <a:pPr marL="571500" indent="-571500">
+              <a:buFont typeface="Arial" panose="020B0604020202020204" pitchFamily="34" charset="0"/>
+              <a:buChar char="•"/>
+            </a:pPr>
             <a:r>
               <a:rPr lang="sv-SE" sz="3600" dirty="0" smtClean="0"/>
-              <a:t>Conceived </a:t>
+              <a:t>LBPs are </a:t>
             </a:r>
             <a:r>
               <a:rPr lang="sv-SE" sz="3600" dirty="0"/>
-              <a:t>by Ojala et al in 1996 and extended in </a:t>
+              <a:t>powerful texture </a:t>
             </a:r>
             <a:r>
               <a:rPr lang="sv-SE" sz="3600" dirty="0" smtClean="0"/>
-              <a:t>2002, and have been found to be powerfull classifiers of texture. </a:t>
-            </a:r>
-            <a:r>
-              <a:rPr lang="sv-SE" sz="3600" dirty="0"/>
-              <a:t>[1</a:t>
-            </a:r>
+              <a:t>classifiers</a:t>
+            </a:r>
+          </a:p>
+          <a:p>
+            <a:pPr marL="571500" indent="-571500">
+              <a:buFont typeface="Arial" panose="020B0604020202020204" pitchFamily="34" charset="0"/>
+              <a:buChar char="•"/>
+            </a:pPr>
             <a:r>
               <a:rPr lang="sv-SE" sz="3600" dirty="0" smtClean="0"/>
-              <a:t>]</a:t>
-            </a:r>
-          </a:p>
-          <a:p>
-            <a:r>
-              <a:rPr lang="sv-SE" sz="3600" dirty="0" smtClean="0"/>
-              <a:t>LBPs </a:t>
-            </a:r>
-            <a:r>
-              <a:rPr lang="sv-SE" sz="3600" dirty="0"/>
-              <a:t>compare </a:t>
+              <a:t>They compare </a:t>
             </a:r>
             <a:r>
               <a:rPr lang="sv-SE" sz="3600" dirty="0" smtClean="0"/>
@@ -5078,57 +5120,141 @@
             </a:r>
             <a:r>
               <a:rPr lang="sv-SE" sz="3600" dirty="0" smtClean="0"/>
-              <a:t>at </a:t>
+              <a:t>at radius </a:t>
             </a:r>
             <a:r>
               <a:rPr lang="sv-SE" sz="3600" dirty="0" smtClean="0"/>
-              <a:t>radius R, with the center pixel (red), and record either a 1 or a 0 depending which value is greater. </a:t>
-            </a:r>
-          </a:p>
-          <a:p>
+              <a:t>R from the </a:t>
+            </a:r>
+            <a:r>
+              <a:rPr lang="sv-SE" sz="3600" dirty="0" smtClean="0"/>
+              <a:t>center </a:t>
+            </a:r>
+            <a:r>
+              <a:rPr lang="sv-SE" sz="3600" dirty="0" smtClean="0"/>
+              <a:t>pixel</a:t>
+            </a:r>
+          </a:p>
+          <a:p>
+            <a:pPr marL="571500" indent="-571500">
+              <a:buFont typeface="Arial" panose="020B0604020202020204" pitchFamily="34" charset="0"/>
+              <a:buChar char="•"/>
+            </a:pPr>
+            <a:r>
+              <a:rPr lang="sv-SE" sz="3600" dirty="0" smtClean="0"/>
+              <a:t>Record </a:t>
+            </a:r>
+            <a:r>
+              <a:rPr lang="sv-SE" sz="3600" dirty="0" smtClean="0"/>
+              <a:t>either a 1 or a 0 depending which value is </a:t>
+            </a:r>
+            <a:r>
+              <a:rPr lang="sv-SE" sz="3600" dirty="0" smtClean="0"/>
+              <a:t>greater</a:t>
+            </a:r>
+          </a:p>
+          <a:p>
+            <a:pPr marL="571500" indent="-571500">
+              <a:buFont typeface="Arial" panose="020B0604020202020204" pitchFamily="34" charset="0"/>
+              <a:buChar char="•"/>
+            </a:pPr>
+            <a:r>
+              <a:rPr lang="sv-SE" sz="3600" dirty="0" smtClean="0"/>
+              <a:t>Group patterns which are rotationally similar</a:t>
+            </a:r>
+          </a:p>
+          <a:p>
+            <a:pPr marL="571500" indent="-571500">
+              <a:buFont typeface="Arial" panose="020B0604020202020204" pitchFamily="34" charset="0"/>
+              <a:buChar char="•"/>
+            </a:pPr>
             <a:endParaRPr lang="sv-SE" sz="3600" dirty="0"/>
           </a:p>
           <a:p>
+            <a:pPr marL="571500" indent="-571500">
+              <a:buFont typeface="Arial" panose="020B0604020202020204" pitchFamily="34" charset="0"/>
+              <a:buChar char="•"/>
+            </a:pPr>
             <a:endParaRPr lang="sv-SE" sz="3600" dirty="0" smtClean="0"/>
           </a:p>
           <a:p>
+            <a:pPr marL="571500" indent="-571500">
+              <a:buFont typeface="Arial" panose="020B0604020202020204" pitchFamily="34" charset="0"/>
+              <a:buChar char="•"/>
+            </a:pPr>
             <a:endParaRPr lang="sv-SE" sz="3600" dirty="0"/>
           </a:p>
           <a:p>
+            <a:pPr marL="571500" indent="-571500">
+              <a:buFont typeface="Arial" panose="020B0604020202020204" pitchFamily="34" charset="0"/>
+              <a:buChar char="•"/>
+            </a:pPr>
             <a:endParaRPr lang="sv-SE" sz="3600" dirty="0" smtClean="0"/>
           </a:p>
           <a:p>
+            <a:pPr marL="571500" indent="-571500">
+              <a:buFont typeface="Arial" panose="020B0604020202020204" pitchFamily="34" charset="0"/>
+              <a:buChar char="•"/>
+            </a:pPr>
             <a:endParaRPr lang="sv-SE" sz="3600" dirty="0"/>
           </a:p>
           <a:p>
+            <a:pPr marL="571500" indent="-571500">
+              <a:buFont typeface="Arial" panose="020B0604020202020204" pitchFamily="34" charset="0"/>
+              <a:buChar char="•"/>
+            </a:pPr>
             <a:endParaRPr lang="sv-SE" sz="3600" dirty="0" smtClean="0"/>
           </a:p>
           <a:p>
+            <a:pPr marL="571500" indent="-571500">
+              <a:buFont typeface="Arial" panose="020B0604020202020204" pitchFamily="34" charset="0"/>
+              <a:buChar char="•"/>
+            </a:pPr>
             <a:endParaRPr lang="sv-SE" sz="3600" dirty="0"/>
           </a:p>
           <a:p>
-            <a:endParaRPr lang="sv-SE" sz="3600" dirty="0" smtClean="0"/>
-          </a:p>
-          <a:p>
+            <a:pPr marL="571500" indent="-571500">
+              <a:buFont typeface="Arial" panose="020B0604020202020204" pitchFamily="34" charset="0"/>
+              <a:buChar char="•"/>
+            </a:pPr>
+            <a:endParaRPr lang="sv-SE" sz="1200" dirty="0" smtClean="0"/>
+          </a:p>
+          <a:p>
+            <a:pPr marL="571500" indent="-571500">
+              <a:buFont typeface="Arial" panose="020B0604020202020204" pitchFamily="34" charset="0"/>
+              <a:buChar char="•"/>
+            </a:pPr>
             <a:r>
               <a:rPr lang="sv-SE" sz="3600" dirty="0" smtClean="0"/>
-              <a:t>The resulting strings of 1 and 0’s are unique patterns, and are grouped such that it doesn’t matter where one starts recording the pattern. This encorporates rotation invariance into the filter.</a:t>
-            </a:r>
-          </a:p>
-          <a:p>
+              <a:t>Translate this </a:t>
+            </a:r>
             <a:r>
               <a:rPr lang="sv-SE" sz="3600" dirty="0"/>
-              <a:t>P</a:t>
+              <a:t>binary string to a pattern </a:t>
             </a:r>
             <a:r>
               <a:rPr lang="sv-SE" sz="3600" dirty="0" smtClean="0"/>
-              <a:t>lotted in a histrogram, the LBPs can be used to classify texture. </a:t>
-            </a:r>
-          </a:p>
-          <a:p>
+              <a:t>index</a:t>
+            </a:r>
+          </a:p>
+          <a:p>
+            <a:pPr marL="571500" indent="-571500">
+              <a:buFont typeface="Arial" panose="020B0604020202020204" pitchFamily="34" charset="0"/>
+              <a:buChar char="•"/>
+            </a:pPr>
             <a:r>
               <a:rPr lang="sv-SE" sz="3600" dirty="0" smtClean="0"/>
-              <a:t>Several improvements and adaptions of LBPs have been made since their advent in 1996, such as adapting the binary comparison of a center pivot element to surrounding pixels in conventional convolutional layers.</a:t>
+              <a:t>Distribution of patterns can be used to classify textures</a:t>
+            </a:r>
+          </a:p>
+          <a:p>
+            <a:pPr marL="571500" indent="-571500">
+              <a:buFont typeface="Arial" panose="020B0604020202020204" pitchFamily="34" charset="0"/>
+              <a:buChar char="•"/>
+            </a:pPr>
+            <a:r>
+              <a:rPr lang="sv-SE" sz="3600" dirty="0" smtClean="0"/>
+              <a:t>Many models based on LBPs have been developed</a:t>
             </a:r>
             <a:endParaRPr lang="sv-SE" sz="3600" dirty="0"/>
           </a:p>
@@ -5169,8 +5295,8 @@
         </p:nvSpPr>
         <p:spPr>
           <a:xfrm>
-            <a:off x="15795107" y="2879701"/>
-            <a:ext cx="5768604" cy="1508105"/>
+            <a:off x="15350494" y="2800056"/>
+            <a:ext cx="7175670" cy="800219"/>
           </a:xfrm>
           <a:prstGeom prst="rect">
             <a:avLst/>
@@ -5230,7 +5356,7 @@
         </p:blipFill>
         <p:spPr bwMode="auto">
           <a:xfrm flipH="1">
-            <a:off x="6105149" y="19576972"/>
+            <a:off x="6105149" y="19288940"/>
             <a:ext cx="1576724" cy="1764000"/>
           </a:xfrm>
           <a:prstGeom prst="rect">
@@ -5271,7 +5397,7 @@
         </p:blipFill>
         <p:spPr bwMode="auto">
           <a:xfrm flipH="1">
-            <a:off x="7833156" y="19553601"/>
+            <a:off x="7833156" y="19265569"/>
             <a:ext cx="1577597" cy="1764000"/>
           </a:xfrm>
           <a:prstGeom prst="rect">
@@ -5312,7 +5438,7 @@
         </p:blipFill>
         <p:spPr bwMode="auto">
           <a:xfrm flipH="1">
-            <a:off x="6105150" y="17561124"/>
+            <a:off x="6105150" y="17273092"/>
             <a:ext cx="1580642" cy="1764000"/>
           </a:xfrm>
           <a:prstGeom prst="rect">
@@ -5338,7 +5464,7 @@
         </p:nvSpPr>
         <p:spPr>
           <a:xfrm flipH="1">
-            <a:off x="5726524" y="21449054"/>
+            <a:off x="5990020" y="21161022"/>
             <a:ext cx="3659277" cy="584775"/>
           </a:xfrm>
           <a:prstGeom prst="rect">
@@ -5384,7 +5510,7 @@
         </p:blipFill>
         <p:spPr bwMode="auto">
           <a:xfrm flipH="1">
-            <a:off x="10054470" y="17561124"/>
+            <a:off x="10054470" y="17273092"/>
             <a:ext cx="1587810" cy="1790080"/>
           </a:xfrm>
           <a:prstGeom prst="rect">
@@ -5425,7 +5551,7 @@
         </p:blipFill>
         <p:spPr bwMode="auto">
           <a:xfrm flipH="1">
-            <a:off x="11798030" y="19495220"/>
+            <a:off x="11798030" y="19207188"/>
             <a:ext cx="1587810" cy="1764000"/>
           </a:xfrm>
           <a:prstGeom prst="rect">
@@ -5466,7 +5592,7 @@
         </p:blipFill>
         <p:spPr bwMode="auto">
           <a:xfrm flipH="1">
-            <a:off x="10046568" y="19501971"/>
+            <a:off x="10046568" y="19213939"/>
             <a:ext cx="1587810" cy="1764000"/>
           </a:xfrm>
           <a:prstGeom prst="rect">
@@ -5507,7 +5633,7 @@
         </p:blipFill>
         <p:spPr bwMode="auto">
           <a:xfrm flipH="1">
-            <a:off x="7822943" y="17551007"/>
+            <a:off x="7822943" y="17262975"/>
             <a:ext cx="1587810" cy="1767395"/>
           </a:xfrm>
           <a:prstGeom prst="rect">
@@ -5533,7 +5659,7 @@
         </p:nvSpPr>
         <p:spPr>
           <a:xfrm flipH="1">
-            <a:off x="9820186" y="21443678"/>
+            <a:off x="9820186" y="21155646"/>
             <a:ext cx="3673961" cy="584775"/>
           </a:xfrm>
           <a:prstGeom prst="rect">
@@ -5579,7 +5705,7 @@
         </p:blipFill>
         <p:spPr bwMode="auto">
           <a:xfrm flipH="1">
-            <a:off x="11798028" y="17561122"/>
+            <a:off x="11798028" y="17273090"/>
             <a:ext cx="1587810" cy="1764000"/>
           </a:xfrm>
           <a:prstGeom prst="rect">
@@ -5605,8 +5731,8 @@
         </p:nvSpPr>
         <p:spPr bwMode="auto">
           <a:xfrm>
-            <a:off x="23690857" y="3642846"/>
-            <a:ext cx="8352928" cy="7238744"/>
+            <a:off x="23690857" y="3209416"/>
+            <a:ext cx="8352928" cy="7030849"/>
           </a:xfrm>
           <a:prstGeom prst="roundRect">
             <a:avLst>
@@ -5675,7 +5801,7 @@
         </p:nvSpPr>
         <p:spPr>
           <a:xfrm>
-            <a:off x="26145550" y="3239741"/>
+            <a:off x="26145550" y="2806311"/>
             <a:ext cx="3759315" cy="800219"/>
           </a:xfrm>
           <a:prstGeom prst="rect">
@@ -5721,8 +5847,8 @@
         </p:nvSpPr>
         <p:spPr bwMode="auto">
           <a:xfrm>
-            <a:off x="23690857" y="11704747"/>
-            <a:ext cx="8288113" cy="10451279"/>
+            <a:off x="23683664" y="11077112"/>
+            <a:ext cx="8288113" cy="10812701"/>
           </a:xfrm>
           <a:prstGeom prst="roundRect">
             <a:avLst>
@@ -5791,7 +5917,7 @@
         </p:nvSpPr>
         <p:spPr>
           <a:xfrm>
-            <a:off x="25851097" y="11304637"/>
+            <a:off x="25843904" y="10677002"/>
             <a:ext cx="3759315" cy="800219"/>
           </a:xfrm>
           <a:prstGeom prst="rect">
@@ -5963,8 +6089,13 @@
                   <a:schemeClr val="bg1"/>
                 </a:solidFill>
               </a:rPr>
-              <a:t>Sladjoe</a:t>
-            </a:r>
+              <a:t>Sladoje</a:t>
+            </a:r>
+            <a:endParaRPr lang="sv-SE" sz="4000" b="1" dirty="0" smtClean="0">
+              <a:solidFill>
+                <a:schemeClr val="bg1"/>
+              </a:solidFill>
+            </a:endParaRPr>
           </a:p>
           <a:p>
             <a:pPr algn="ctr"/>
@@ -6014,8 +6145,8 @@
         </p:nvSpPr>
         <p:spPr bwMode="auto">
           <a:xfrm>
-            <a:off x="5400825" y="22609893"/>
-            <a:ext cx="26578145" cy="2304024"/>
+            <a:off x="5400825" y="22249853"/>
+            <a:ext cx="26578145" cy="2736304"/>
           </a:xfrm>
           <a:prstGeom prst="roundRect">
             <a:avLst>
@@ -6051,284 +6182,453 @@
           </a:bodyPr>
           <a:lstStyle/>
           <a:p>
-            <a:endParaRPr lang="fi-FI" sz="500" b="1" dirty="0" smtClean="0"/>
-          </a:p>
-          <a:p>
-            <a:r>
-              <a:rPr lang="fi-FI" sz="2030" b="1" dirty="0" smtClean="0"/>
-              <a:t>[1]   Timo </a:t>
-            </a:r>
-            <a:r>
-              <a:rPr lang="fi-FI" sz="2030" b="1" dirty="0"/>
-              <a:t>Ojala, Matti Pietikainen, and Topi Maenpaa. </a:t>
-            </a:r>
-            <a:r>
-              <a:rPr lang="fi-FI" sz="2030" b="1" i="1" dirty="0"/>
-              <a:t>Multiresolution </a:t>
-            </a:r>
-            <a:r>
-              <a:rPr lang="en-GB" sz="2030" b="1" i="1" dirty="0" err="1"/>
+            <a:endParaRPr lang="fi-FI" sz="100" b="1" dirty="0" smtClean="0"/>
+          </a:p>
+          <a:p>
+            <a:r>
+              <a:rPr lang="fi-FI" sz="2030" dirty="0" smtClean="0"/>
+              <a:t>[</a:t>
+            </a:r>
+            <a:r>
+              <a:rPr lang="fi-FI" sz="2030" dirty="0"/>
+              <a:t>1] </a:t>
+            </a:r>
+            <a:r>
+              <a:rPr lang="fi-FI" sz="2030" dirty="0" smtClean="0"/>
+              <a:t>  </a:t>
+            </a:r>
+            <a:r>
+              <a:rPr lang="en-GB" sz="2030" dirty="0" err="1" smtClean="0"/>
+              <a:t>Håkan</a:t>
+            </a:r>
+            <a:r>
+              <a:rPr lang="en-GB" sz="2030" dirty="0" smtClean="0"/>
+              <a:t> </a:t>
+            </a:r>
+            <a:r>
+              <a:rPr lang="en-GB" sz="2030" dirty="0" err="1"/>
+              <a:t>Wieslander</a:t>
+            </a:r>
+            <a:r>
+              <a:rPr lang="en-GB" sz="2030" dirty="0"/>
+              <a:t>, Gustav </a:t>
+            </a:r>
+            <a:r>
+              <a:rPr lang="en-GB" sz="2030" dirty="0" err="1"/>
+              <a:t>Forslid</a:t>
+            </a:r>
+            <a:r>
+              <a:rPr lang="en-GB" sz="2030" dirty="0"/>
+              <a:t>, </a:t>
+            </a:r>
+            <a:r>
+              <a:rPr lang="en-GB" sz="2030" dirty="0" err="1"/>
+              <a:t>Ewert</a:t>
+            </a:r>
+            <a:r>
+              <a:rPr lang="en-GB" sz="2030" dirty="0"/>
+              <a:t> </a:t>
+            </a:r>
+            <a:r>
+              <a:rPr lang="en-GB" sz="2030" dirty="0" err="1"/>
+              <a:t>Bengtsson</a:t>
+            </a:r>
+            <a:r>
+              <a:rPr lang="en-GB" sz="2030" dirty="0"/>
+              <a:t>, </a:t>
+            </a:r>
+            <a:r>
+              <a:rPr lang="en-GB" sz="2030" dirty="0" smtClean="0"/>
+              <a:t>Carolina </a:t>
+            </a:r>
+            <a:r>
+              <a:rPr lang="en-GB" sz="2030" dirty="0" err="1" smtClean="0"/>
+              <a:t>Wählby</a:t>
+            </a:r>
+            <a:r>
+              <a:rPr lang="en-GB" sz="2030" dirty="0" smtClean="0"/>
+              <a:t>, Jan-Michael Hirsch, Christina </a:t>
+            </a:r>
+            <a:r>
+              <a:rPr lang="en-GB" sz="2030" dirty="0" err="1" smtClean="0"/>
+              <a:t>Runow</a:t>
+            </a:r>
+            <a:r>
+              <a:rPr lang="en-GB" sz="2030" dirty="0" smtClean="0"/>
+              <a:t> Stark, and </a:t>
+            </a:r>
+            <a:r>
+              <a:rPr lang="en-GB" sz="2030" dirty="0" err="1" smtClean="0"/>
+              <a:t>Sajith</a:t>
+            </a:r>
+            <a:r>
+              <a:rPr lang="en-GB" sz="2030" dirty="0" smtClean="0"/>
+              <a:t> </a:t>
+            </a:r>
+            <a:r>
+              <a:rPr lang="en-GB" sz="2030" dirty="0" err="1"/>
+              <a:t>Kecheril</a:t>
+            </a:r>
+            <a:r>
+              <a:rPr lang="en-GB" sz="2030" dirty="0"/>
+              <a:t> </a:t>
+            </a:r>
+            <a:r>
+              <a:rPr lang="en-GB" sz="2030" dirty="0" err="1"/>
+              <a:t>Sadanandan</a:t>
+            </a:r>
+            <a:r>
+              <a:rPr lang="en-GB" sz="2030" dirty="0"/>
+              <a:t>. Deep convolutional neural networks </a:t>
+            </a:r>
+            <a:r>
+              <a:rPr lang="en-GB" sz="2030" dirty="0" smtClean="0"/>
+              <a:t>for detecting </a:t>
+            </a:r>
+            <a:r>
+              <a:rPr lang="en-GB" sz="2030" dirty="0"/>
+              <a:t>cellular changes due to malignancy. </a:t>
+            </a:r>
+            <a:r>
+              <a:rPr lang="en-GB" sz="2030" dirty="0" smtClean="0"/>
+              <a:t>In </a:t>
+            </a:r>
+            <a:r>
+              <a:rPr lang="en-GB" sz="2030" i="1" dirty="0" smtClean="0"/>
+              <a:t>Proceedings </a:t>
+            </a:r>
+            <a:r>
+              <a:rPr lang="en-GB" sz="2030" i="1" dirty="0"/>
+              <a:t>of </a:t>
+            </a:r>
+            <a:r>
+              <a:rPr lang="en-GB" sz="2030" i="1" dirty="0" smtClean="0"/>
+              <a:t>the IEEE </a:t>
+            </a:r>
+            <a:r>
+              <a:rPr lang="en-GB" sz="2030" i="1" dirty="0"/>
+              <a:t>Conference on Computer Vision and Pattern </a:t>
+            </a:r>
+            <a:r>
+              <a:rPr lang="en-GB" sz="2030" i="1" dirty="0" smtClean="0"/>
+              <a:t>Recognition</a:t>
+            </a:r>
+            <a:r>
+              <a:rPr lang="en-GB" sz="2030" dirty="0" smtClean="0"/>
+              <a:t>, pages 82–89</a:t>
+            </a:r>
+            <a:r>
+              <a:rPr lang="en-GB" sz="2030" dirty="0"/>
+              <a:t>, 2017</a:t>
+            </a:r>
+          </a:p>
+          <a:p>
+            <a:r>
+              <a:rPr lang="fi-FI" sz="2030" dirty="0" smtClean="0"/>
+              <a:t>[2]   </a:t>
+            </a:r>
+            <a:r>
+              <a:rPr lang="fi-FI" sz="2030" dirty="0" smtClean="0"/>
+              <a:t>Timo </a:t>
+            </a:r>
+            <a:r>
+              <a:rPr lang="fi-FI" sz="2030" dirty="0"/>
+              <a:t>Ojala, Matti Pietikainen, and Topi Maenpaa. Multiresolution </a:t>
+            </a:r>
+            <a:r>
+              <a:rPr lang="en-GB" sz="2030" dirty="0" err="1"/>
               <a:t>gray</a:t>
             </a:r>
             <a:r>
-              <a:rPr lang="en-GB" sz="2030" b="1" i="1" dirty="0"/>
+              <a:rPr lang="en-GB" sz="2030" dirty="0"/>
               <a:t>-scale and rotation invariant texture classification with local binary patterns</a:t>
             </a:r>
             <a:r>
-              <a:rPr lang="en-GB" sz="2030" b="1" dirty="0" smtClean="0"/>
-              <a:t>.  </a:t>
-            </a:r>
-            <a:r>
-              <a:rPr lang="en-GB" sz="2030" b="1" dirty="0"/>
-              <a:t>IEEE Transactions on pattern analysis and machine intelligence, 24(7):971–987, 2002</a:t>
-            </a:r>
-            <a:r>
-              <a:rPr lang="en-GB" sz="2030" b="1" dirty="0" smtClean="0"/>
+              <a:rPr lang="en-GB" sz="2030" dirty="0" smtClean="0"/>
               <a:t>.</a:t>
             </a:r>
-            <a:endParaRPr lang="en-GB" sz="2030" b="1" dirty="0"/>
-          </a:p>
-          <a:p>
-            <a:r>
-              <a:rPr lang="en-GB" sz="2030" b="1" dirty="0" smtClean="0"/>
-              <a:t>[2]   Felix </a:t>
-            </a:r>
-            <a:r>
-              <a:rPr lang="en-GB" sz="2030" b="1" dirty="0" err="1"/>
+            <a:r>
+              <a:rPr lang="en-GB" sz="2030" i="1" dirty="0" smtClean="0"/>
+              <a:t> </a:t>
+            </a:r>
+            <a:r>
+              <a:rPr lang="en-GB" sz="2030" i="1" dirty="0"/>
+              <a:t>IEEE Transactions on pattern analysis and </a:t>
+            </a:r>
+            <a:r>
+              <a:rPr lang="en-GB" sz="2030" i="1" dirty="0" smtClean="0"/>
+              <a:t>machine intelligence</a:t>
+            </a:r>
+            <a:r>
+              <a:rPr lang="en-GB" sz="2030" dirty="0" smtClean="0"/>
+              <a:t>, 24(7</a:t>
+            </a:r>
+            <a:r>
+              <a:rPr lang="en-GB" sz="2030" dirty="0"/>
+              <a:t>):971–987, 2002</a:t>
+            </a:r>
+            <a:r>
+              <a:rPr lang="en-GB" sz="2030" dirty="0" smtClean="0"/>
+              <a:t>.</a:t>
+            </a:r>
+            <a:endParaRPr lang="en-GB" sz="2030" dirty="0"/>
+          </a:p>
+          <a:p>
+            <a:r>
+              <a:rPr lang="en-GB" sz="2030" dirty="0" smtClean="0"/>
+              <a:t>[3]   </a:t>
+            </a:r>
+            <a:r>
+              <a:rPr lang="en-GB" sz="2030" dirty="0" smtClean="0"/>
+              <a:t>Felix </a:t>
+            </a:r>
+            <a:r>
+              <a:rPr lang="en-GB" sz="2030" dirty="0" err="1"/>
               <a:t>Juefei</a:t>
             </a:r>
             <a:r>
-              <a:rPr lang="en-GB" sz="2030" b="1" dirty="0"/>
+              <a:rPr lang="en-GB" sz="2030" dirty="0"/>
               <a:t>-Xu, Vishnu Naresh </a:t>
             </a:r>
             <a:r>
-              <a:rPr lang="en-GB" sz="2030" b="1" dirty="0" err="1"/>
+              <a:rPr lang="en-GB" sz="2030" dirty="0" err="1"/>
               <a:t>Boddeti</a:t>
             </a:r>
             <a:r>
-              <a:rPr lang="en-GB" sz="2030" b="1" dirty="0"/>
+              <a:rPr lang="en-GB" sz="2030" dirty="0"/>
               <a:t>, and </a:t>
             </a:r>
             <a:r>
-              <a:rPr lang="en-GB" sz="2030" b="1" dirty="0" err="1"/>
+              <a:rPr lang="en-GB" sz="2030" dirty="0" err="1"/>
               <a:t>Marios</a:t>
             </a:r>
             <a:r>
-              <a:rPr lang="en-GB" sz="2030" b="1" dirty="0"/>
+              <a:rPr lang="en-GB" sz="2030" dirty="0"/>
               <a:t> </a:t>
             </a:r>
             <a:r>
-              <a:rPr lang="en-GB" sz="2030" b="1" dirty="0" err="1"/>
+              <a:rPr lang="en-GB" sz="2030" dirty="0" err="1"/>
               <a:t>Savvides</a:t>
             </a:r>
             <a:r>
-              <a:rPr lang="en-GB" sz="2030" b="1" dirty="0"/>
+              <a:rPr lang="en-GB" sz="2030" dirty="0"/>
               <a:t>. </a:t>
             </a:r>
             <a:r>
-              <a:rPr lang="en-GB" sz="2030" b="1" i="1" dirty="0"/>
-              <a:t>Local binary convolutional neural networks. In Computer Vision and Pattern Recognition </a:t>
-            </a:r>
-            <a:r>
-              <a:rPr lang="en-GB" sz="2030" b="1" dirty="0"/>
-              <a:t>(CVPR), 2017 IEEE Conference on , volume 1. IEEE, 2017</a:t>
-            </a:r>
-            <a:r>
-              <a:rPr lang="en-GB" sz="2030" b="1" dirty="0" smtClean="0"/>
-              <a:t>.</a:t>
-            </a:r>
-            <a:endParaRPr lang="en-GB" sz="2030" b="1" dirty="0" smtClean="0"/>
-          </a:p>
-          <a:p>
-            <a:r>
-              <a:rPr lang="en-GB" sz="2030" b="1" dirty="0" smtClean="0"/>
-              <a:t>[3]   Lei </a:t>
-            </a:r>
-            <a:r>
-              <a:rPr lang="en-GB" sz="2030" b="1" dirty="0"/>
+              <a:rPr lang="en-GB" sz="2030" dirty="0" smtClean="0"/>
+              <a:t>Local binary </a:t>
+            </a:r>
+            <a:r>
+              <a:rPr lang="en-GB" sz="2030" dirty="0"/>
+              <a:t>convolutional neural networks. </a:t>
+            </a:r>
+            <a:r>
+              <a:rPr lang="en-GB" sz="2030" dirty="0" smtClean="0"/>
+              <a:t>In </a:t>
+            </a:r>
+            <a:r>
+              <a:rPr lang="en-GB" sz="2030" i="1" dirty="0" smtClean="0"/>
+              <a:t>Computer </a:t>
+            </a:r>
+            <a:r>
+              <a:rPr lang="en-GB" sz="2030" i="1" dirty="0"/>
+              <a:t>Vision and </a:t>
+            </a:r>
+            <a:r>
+              <a:rPr lang="en-GB" sz="2030" i="1" dirty="0" smtClean="0"/>
+              <a:t>Pattern Recognition </a:t>
+            </a:r>
+            <a:r>
+              <a:rPr lang="en-GB" sz="2030" i="1" dirty="0"/>
+              <a:t>(CVPR), 2017 IEEE Conference </a:t>
+            </a:r>
+            <a:r>
+              <a:rPr lang="en-GB" sz="2030" i="1" dirty="0" smtClean="0"/>
+              <a:t>on,</a:t>
+            </a:r>
+            <a:r>
+              <a:rPr lang="en-GB" sz="2030" dirty="0" smtClean="0"/>
+              <a:t> </a:t>
+            </a:r>
+            <a:r>
+              <a:rPr lang="en-GB" sz="2030" dirty="0"/>
+              <a:t>volume 1. IEEE</a:t>
+            </a:r>
+            <a:r>
+              <a:rPr lang="en-GB" sz="2030" dirty="0" smtClean="0"/>
+              <a:t>, 2017.</a:t>
+            </a:r>
+            <a:endParaRPr lang="en-GB" sz="2030" dirty="0" smtClean="0"/>
+          </a:p>
+          <a:p>
+            <a:r>
+              <a:rPr lang="en-GB" sz="2030" dirty="0" smtClean="0"/>
+              <a:t>[4]   </a:t>
+            </a:r>
+            <a:r>
+              <a:rPr lang="en-GB" sz="2030" dirty="0" smtClean="0"/>
+              <a:t>Lei </a:t>
+            </a:r>
+            <a:r>
+              <a:rPr lang="en-GB" sz="2030" dirty="0"/>
               <a:t>Li, </a:t>
             </a:r>
             <a:r>
-              <a:rPr lang="en-GB" sz="2030" b="1" dirty="0" err="1"/>
+              <a:rPr lang="en-GB" sz="2030" dirty="0" err="1"/>
               <a:t>Xiaoyi</a:t>
             </a:r>
             <a:r>
-              <a:rPr lang="en-GB" sz="2030" b="1" dirty="0"/>
+              <a:rPr lang="en-GB" sz="2030" dirty="0"/>
               <a:t> Feng, </a:t>
             </a:r>
             <a:r>
-              <a:rPr lang="en-GB" sz="2030" b="1" dirty="0" err="1"/>
+              <a:rPr lang="en-GB" sz="2030" dirty="0" err="1"/>
               <a:t>Zhaoqiang</a:t>
             </a:r>
             <a:r>
-              <a:rPr lang="en-GB" sz="2030" b="1" dirty="0"/>
+              <a:rPr lang="en-GB" sz="2030" dirty="0"/>
               <a:t> Xia, </a:t>
             </a:r>
             <a:r>
-              <a:rPr lang="en-GB" sz="2030" b="1" dirty="0" err="1"/>
+              <a:rPr lang="en-GB" sz="2030" dirty="0" err="1"/>
               <a:t>Xiaoyue</a:t>
             </a:r>
             <a:r>
-              <a:rPr lang="en-GB" sz="2030" b="1" dirty="0"/>
+              <a:rPr lang="en-GB" sz="2030" dirty="0"/>
               <a:t> Jiang, and </a:t>
             </a:r>
             <a:r>
-              <a:rPr lang="en-GB" sz="2030" b="1" dirty="0" err="1" smtClean="0"/>
+              <a:rPr lang="en-GB" sz="2030" dirty="0" err="1" smtClean="0"/>
               <a:t>Abdenour</a:t>
             </a:r>
             <a:r>
-              <a:rPr lang="en-GB" sz="2030" b="1" dirty="0" smtClean="0"/>
+              <a:rPr lang="en-GB" sz="2030" dirty="0" smtClean="0"/>
               <a:t> </a:t>
             </a:r>
             <a:r>
-              <a:rPr lang="en-GB" sz="2030" b="1" dirty="0" err="1" smtClean="0"/>
+              <a:rPr lang="en-GB" sz="2030" dirty="0" err="1" smtClean="0"/>
               <a:t>Hadid</a:t>
             </a:r>
             <a:r>
-              <a:rPr lang="en-GB" sz="2030" b="1" dirty="0" smtClean="0"/>
-              <a:t>. </a:t>
-            </a:r>
-            <a:r>
-              <a:rPr lang="en-GB" sz="2030" b="1" i="1" dirty="0" smtClean="0"/>
-              <a:t>Face </a:t>
-            </a:r>
-            <a:r>
-              <a:rPr lang="en-GB" sz="2030" b="1" i="1" dirty="0"/>
+              <a:rPr lang="en-GB" sz="2030" dirty="0" smtClean="0"/>
+              <a:t>. Face </a:t>
+            </a:r>
+            <a:r>
+              <a:rPr lang="en-GB" sz="2030" dirty="0"/>
               <a:t>spoofing detection with local binary pattern </a:t>
             </a:r>
             <a:r>
-              <a:rPr lang="en-GB" sz="2030" b="1" i="1" dirty="0" smtClean="0"/>
-              <a:t>network</a:t>
-            </a:r>
-            <a:r>
-              <a:rPr lang="en-GB" sz="2030" b="1" dirty="0" smtClean="0"/>
-              <a:t>. Journal </a:t>
-            </a:r>
-            <a:r>
-              <a:rPr lang="en-GB" sz="2030" b="1" dirty="0"/>
+              <a:rPr lang="en-GB" sz="2030" dirty="0" smtClean="0"/>
+              <a:t>network. </a:t>
+            </a:r>
+            <a:r>
+              <a:rPr lang="en-GB" sz="2030" i="1" dirty="0" smtClean="0"/>
+              <a:t>Journal </a:t>
+            </a:r>
+            <a:r>
+              <a:rPr lang="en-GB" sz="2030" i="1" dirty="0"/>
               <a:t>of Visual Communication and Image </a:t>
             </a:r>
             <a:r>
-              <a:rPr lang="en-GB" sz="2030" b="1" dirty="0" smtClean="0"/>
-              <a:t>Representation, 54:182–192</a:t>
-            </a:r>
-            <a:r>
-              <a:rPr lang="en-GB" sz="2030" b="1" dirty="0"/>
+              <a:rPr lang="en-GB" sz="2030" i="1" dirty="0" smtClean="0"/>
+              <a:t>Representation</a:t>
+            </a:r>
+            <a:r>
+              <a:rPr lang="en-GB" sz="2030" dirty="0" smtClean="0"/>
+              <a:t>, 54:182–192</a:t>
+            </a:r>
+            <a:r>
+              <a:rPr lang="en-GB" sz="2030" dirty="0"/>
               <a:t>, </a:t>
             </a:r>
             <a:r>
-              <a:rPr lang="en-GB" sz="2030" b="1" dirty="0" smtClean="0"/>
+              <a:rPr lang="en-GB" sz="2030" dirty="0" smtClean="0"/>
               <a:t>2018.</a:t>
             </a:r>
           </a:p>
           <a:p>
             <a:r>
-              <a:rPr lang="sv-SE" sz="2030" b="1" dirty="0" smtClean="0"/>
-              <a:t>[4] </a:t>
-            </a:r>
-            <a:r>
-              <a:rPr lang="en-GB" sz="2030" b="1" dirty="0"/>
-              <a:t>Diego Marcos, Michele </a:t>
-            </a:r>
-            <a:r>
-              <a:rPr lang="en-GB" sz="2030" b="1" dirty="0" err="1"/>
+              <a:rPr lang="sv-SE" sz="2030" dirty="0" smtClean="0"/>
+              <a:t>[5]   </a:t>
+            </a:r>
+            <a:r>
+              <a:rPr lang="en-GB" sz="2030" dirty="0" smtClean="0"/>
+              <a:t>Diego </a:t>
+            </a:r>
+            <a:r>
+              <a:rPr lang="en-GB" sz="2030" dirty="0"/>
+              <a:t>Marcos, Michele </a:t>
+            </a:r>
+            <a:r>
+              <a:rPr lang="en-GB" sz="2030" dirty="0" err="1"/>
               <a:t>Volpi</a:t>
             </a:r>
             <a:r>
-              <a:rPr lang="en-GB" sz="2030" b="1" dirty="0"/>
+              <a:rPr lang="en-GB" sz="2030" dirty="0"/>
               <a:t>, Nikos </a:t>
             </a:r>
             <a:r>
-              <a:rPr lang="en-GB" sz="2030" b="1" dirty="0" err="1"/>
+              <a:rPr lang="en-GB" sz="2030" dirty="0" err="1"/>
               <a:t>Komodakis</a:t>
             </a:r>
             <a:r>
-              <a:rPr lang="en-GB" sz="2030" b="1" dirty="0"/>
+              <a:rPr lang="en-GB" sz="2030" dirty="0"/>
               <a:t>, and </a:t>
             </a:r>
             <a:r>
-              <a:rPr lang="en-GB" sz="2030" b="1" dirty="0" err="1"/>
+              <a:rPr lang="en-GB" sz="2030" dirty="0" err="1"/>
               <a:t>Devis</a:t>
             </a:r>
             <a:r>
-              <a:rPr lang="en-GB" sz="2030" b="1" dirty="0"/>
+              <a:rPr lang="en-GB" sz="2030" dirty="0"/>
               <a:t> </a:t>
             </a:r>
             <a:r>
-              <a:rPr lang="en-GB" sz="2030" b="1" dirty="0" err="1" smtClean="0"/>
+              <a:rPr lang="en-GB" sz="2030" dirty="0" err="1" smtClean="0"/>
               <a:t>Tuia</a:t>
             </a:r>
             <a:r>
-              <a:rPr lang="en-GB" sz="2030" b="1" i="1" dirty="0" smtClean="0"/>
+              <a:rPr lang="en-GB" sz="2030" dirty="0" smtClean="0"/>
               <a:t>. Rotation </a:t>
             </a:r>
             <a:r>
-              <a:rPr lang="en-GB" sz="2030" b="1" i="1" dirty="0" err="1"/>
+              <a:rPr lang="en-GB" sz="2030" dirty="0" err="1"/>
               <a:t>equivariant</a:t>
             </a:r>
             <a:r>
-              <a:rPr lang="en-GB" sz="2030" b="1" i="1" dirty="0"/>
-              <a:t> vector field networks</a:t>
-            </a:r>
-            <a:r>
-              <a:rPr lang="en-GB" sz="2030" b="1" dirty="0"/>
-              <a:t>. </a:t>
-            </a:r>
-            <a:r>
-              <a:rPr lang="en-GB" sz="2030" b="1" dirty="0" smtClean="0"/>
-              <a:t>In ICCV, </a:t>
-            </a:r>
-            <a:r>
-              <a:rPr lang="en-GB" sz="2030" b="1" dirty="0"/>
+              <a:rPr lang="en-GB" sz="2030" dirty="0"/>
+              <a:t> vector field networks. </a:t>
+            </a:r>
+            <a:r>
+              <a:rPr lang="en-GB" sz="2030" dirty="0" smtClean="0"/>
+              <a:t>In </a:t>
+            </a:r>
+            <a:r>
+              <a:rPr lang="en-GB" sz="2030" i="1" dirty="0" smtClean="0"/>
+              <a:t>ICCV</a:t>
+            </a:r>
+            <a:r>
+              <a:rPr lang="en-GB" sz="2030" dirty="0" smtClean="0"/>
+              <a:t> , </a:t>
+            </a:r>
+            <a:r>
+              <a:rPr lang="en-GB" sz="2030" dirty="0"/>
               <a:t>pages </a:t>
             </a:r>
             <a:r>
-              <a:rPr lang="en-GB" sz="2030" b="1" dirty="0" smtClean="0"/>
+              <a:rPr lang="en-GB" sz="2030" dirty="0" smtClean="0"/>
               <a:t>5058–5067</a:t>
             </a:r>
             <a:r>
-              <a:rPr lang="en-GB" sz="2030" b="1" dirty="0"/>
-              <a:t>, 2017</a:t>
-            </a:r>
-          </a:p>
-          <a:p>
-            <a:endParaRPr lang="en-GB" sz="2030" b="1" dirty="0"/>
+              <a:rPr lang="en-GB" sz="2030" dirty="0"/>
+              <a:t>, 2017.</a:t>
+            </a:r>
           </a:p>
           <a:p>
             <a:endParaRPr lang="en-GB" sz="2030" b="1" dirty="0"/>
           </a:p>
         </p:txBody>
       </p:sp>
-      <p:pic>
-        <p:nvPicPr>
-          <p:cNvPr id="8" name="Picture 7"/>
-          <p:cNvPicPr>
-            <a:picLocks noChangeAspect="1"/>
-          </p:cNvPicPr>
-          <p:nvPr/>
-        </p:nvPicPr>
-        <p:blipFill>
-          <a:blip r:embed="rId10">
-            <a:extLst>
-              <a:ext uri="{28A0092B-C50C-407E-A947-70E740481C1C}">
-                <a14:useLocalDpi xmlns:a14="http://schemas.microsoft.com/office/drawing/2010/main" val="0"/>
-              </a:ext>
-            </a:extLst>
-          </a:blip>
-          <a:stretch>
-            <a:fillRect/>
-          </a:stretch>
-        </p:blipFill>
-        <p:spPr>
-          <a:xfrm>
-            <a:off x="15097148" y="8801487"/>
-            <a:ext cx="3574936" cy="3744416"/>
-          </a:xfrm>
-          <a:prstGeom prst="rect">
-            <a:avLst/>
-          </a:prstGeom>
-        </p:spPr>
-      </p:pic>
       <p:sp>
         <p:nvSpPr>
           <p:cNvPr id="9" name="Right Arrow 8"/>
@@ -6337,8 +6637,8 @@
         </p:nvSpPr>
         <p:spPr bwMode="auto">
           <a:xfrm>
-            <a:off x="18809040" y="10241647"/>
-            <a:ext cx="1101868" cy="720080"/>
+            <a:off x="19010337" y="9843861"/>
+            <a:ext cx="792088" cy="720080"/>
           </a:xfrm>
           <a:prstGeom prst="rightArrow">
             <a:avLst/>
@@ -6397,68 +6697,7 @@
         </p:nvSpPr>
         <p:spPr>
           <a:xfrm>
-            <a:off x="20040540" y="10201578"/>
-            <a:ext cx="2592631" cy="1508105"/>
-          </a:xfrm>
-          <a:prstGeom prst="rect">
-            <a:avLst/>
-          </a:prstGeom>
-          <a:noFill/>
-        </p:spPr>
-        <p:txBody>
-          <a:bodyPr wrap="square" rtlCol="0">
-            <a:spAutoFit/>
-          </a:bodyPr>
-          <a:lstStyle/>
-          <a:p>
-            <a:r>
-              <a:rPr lang="sv-SE" dirty="0" smtClean="0"/>
-              <a:t>00110100</a:t>
-            </a:r>
-            <a:endParaRPr lang="en-GB" dirty="0"/>
-          </a:p>
-        </p:txBody>
-      </p:sp>
-      <p:sp>
-        <p:nvSpPr>
-          <p:cNvPr id="12" name="TextBox 11"/>
-          <p:cNvSpPr txBox="1"/>
-          <p:nvPr/>
-        </p:nvSpPr>
-        <p:spPr>
-          <a:xfrm>
-            <a:off x="15097149" y="12689919"/>
-            <a:ext cx="3517445" cy="630942"/>
-          </a:xfrm>
-          <a:prstGeom prst="rect">
-            <a:avLst/>
-          </a:prstGeom>
-          <a:noFill/>
-        </p:spPr>
-        <p:txBody>
-          <a:bodyPr wrap="square" rtlCol="0">
-            <a:spAutoFit/>
-          </a:bodyPr>
-          <a:lstStyle/>
-          <a:p>
-            <a:pPr algn="ctr"/>
-            <a:r>
-              <a:rPr lang="sv-SE" sz="3500" b="1" dirty="0" smtClean="0"/>
-              <a:t>R = 2, P = 8 </a:t>
-            </a:r>
-            <a:endParaRPr lang="en-GB" sz="3500" b="1" dirty="0"/>
-          </a:p>
-        </p:txBody>
-      </p:sp>
-      <p:sp>
-        <p:nvSpPr>
-          <p:cNvPr id="40" name="TextBox 39"/>
-          <p:cNvSpPr txBox="1"/>
-          <p:nvPr/>
-        </p:nvSpPr>
-        <p:spPr>
-          <a:xfrm>
-            <a:off x="20040540" y="11537792"/>
+            <a:off x="20183699" y="9178659"/>
             <a:ext cx="2787078" cy="800219"/>
           </a:xfrm>
           <a:prstGeom prst="rect">
@@ -6474,6 +6713,36 @@
           <a:p>
             <a:r>
               <a:rPr lang="sv-SE" dirty="0" smtClean="0"/>
+              <a:t>00110100</a:t>
+            </a:r>
+            <a:endParaRPr lang="en-GB" dirty="0"/>
+          </a:p>
+        </p:txBody>
+      </p:sp>
+      <p:sp>
+        <p:nvSpPr>
+          <p:cNvPr id="40" name="TextBox 39"/>
+          <p:cNvSpPr txBox="1"/>
+          <p:nvPr/>
+        </p:nvSpPr>
+        <p:spPr>
+          <a:xfrm>
+            <a:off x="20183699" y="10514873"/>
+            <a:ext cx="2787078" cy="800219"/>
+          </a:xfrm>
+          <a:prstGeom prst="rect">
+            <a:avLst/>
+          </a:prstGeom>
+          <a:noFill/>
+        </p:spPr>
+        <p:txBody>
+          <a:bodyPr wrap="square" rtlCol="0">
+            <a:spAutoFit/>
+          </a:bodyPr>
+          <a:lstStyle/>
+          <a:p>
+            <a:r>
+              <a:rPr lang="sv-SE" dirty="0" smtClean="0"/>
               <a:t>00001101</a:t>
             </a:r>
             <a:endParaRPr lang="en-GB" dirty="0"/>
@@ -6488,7 +6757,7 @@
         </p:nvSpPr>
         <p:spPr>
           <a:xfrm>
-            <a:off x="20915553" y="10881589"/>
+            <a:off x="21202899" y="9858670"/>
             <a:ext cx="615750" cy="800219"/>
           </a:xfrm>
           <a:prstGeom prst="rect">
@@ -6519,7 +6788,7 @@
         </p:nvSpPr>
         <p:spPr>
           <a:xfrm>
-            <a:off x="23978889" y="4751910"/>
+            <a:off x="23978889" y="3811268"/>
             <a:ext cx="7777893" cy="5189113"/>
           </a:xfrm>
           <a:prstGeom prst="rect">
@@ -6535,14 +6804,38 @@
           <a:p>
             <a:r>
               <a:rPr lang="sv-SE" sz="3600" dirty="0" smtClean="0"/>
-              <a:t>Three novel  LBP based architechtures where implemented in this project, where the first two use LBPs directly in some form whereas the third model uses slightly different filters that share many properties with LBPs. [2] [3] [4]</a:t>
+              <a:t>Three </a:t>
+            </a:r>
+            <a:r>
+              <a:rPr lang="sv-SE" sz="3600" dirty="0" smtClean="0"/>
+              <a:t>recently published </a:t>
+            </a:r>
+            <a:r>
+              <a:rPr lang="sv-SE" sz="3600" dirty="0" smtClean="0"/>
+              <a:t>LBP based </a:t>
+            </a:r>
+            <a:r>
+              <a:rPr lang="sv-SE" sz="3600" dirty="0" smtClean="0"/>
+              <a:t>architectures were </a:t>
+            </a:r>
+            <a:r>
+              <a:rPr lang="sv-SE" sz="3600" dirty="0" smtClean="0"/>
+              <a:t>implemented in this project, where the first two use LBPs directly in some form whereas the third model uses slightly different filters that share many properties with LBPs. [2] [3] [4]</a:t>
             </a:r>
             <a:endParaRPr lang="sv-SE" sz="3600" dirty="0"/>
           </a:p>
           <a:p>
             <a:r>
               <a:rPr lang="sv-SE" sz="3600" dirty="0" smtClean="0"/>
-              <a:t>Two conventional CNNs where used for benchmarking, Resnet and VGG. </a:t>
+              <a:t>Two conventional CNNs </a:t>
+            </a:r>
+            <a:r>
+              <a:rPr lang="sv-SE" sz="3600" dirty="0" smtClean="0"/>
+              <a:t>were </a:t>
+            </a:r>
+            <a:r>
+              <a:rPr lang="sv-SE" sz="3600" dirty="0" smtClean="0"/>
+              <a:t>used for benchmarking, Resnet and VGG. </a:t>
             </a:r>
             <a:endParaRPr lang="en-GB" sz="3600" dirty="0"/>
           </a:p>
@@ -6557,14 +6850,14 @@
           <p:nvPr>
             <p:extLst>
               <p:ext uri="{D42A27DB-BD31-4B8C-83A1-F6EECF244321}">
-                <p14:modId xmlns:p14="http://schemas.microsoft.com/office/powerpoint/2010/main" val="3987999451"/>
+                <p14:modId xmlns:p14="http://schemas.microsoft.com/office/powerpoint/2010/main" val="1605349125"/>
               </p:ext>
             </p:extLst>
           </p:nvPr>
         </p:nvGraphicFramePr>
         <p:xfrm>
-          <a:off x="24050897" y="12568843"/>
-          <a:ext cx="7444798" cy="7049618"/>
+          <a:off x="24043704" y="11941208"/>
+          <a:ext cx="7444798" cy="7209309"/>
         </p:xfrm>
         <a:graphic>
           <a:graphicData uri="http://schemas.openxmlformats.org/drawingml/2006/table">
@@ -6583,6 +6876,7 @@
                     <a:bodyPr/>
                     <a:lstStyle/>
                     <a:p>
+                      <a:pPr algn="ctr"/>
                       <a:r>
                         <a:rPr lang="sv-SE" sz="4000" dirty="0" smtClean="0"/>
                         <a:t>Model</a:t>
@@ -6642,6 +6936,7 @@
                     <a:bodyPr/>
                     <a:lstStyle/>
                     <a:p>
+                      <a:pPr algn="ctr"/>
                       <a:r>
                         <a:rPr lang="sv-SE" sz="4000" dirty="0" smtClean="0"/>
                         <a:t>Accuracy</a:t>
@@ -6701,6 +6996,7 @@
                     <a:bodyPr/>
                     <a:lstStyle/>
                     <a:p>
+                      <a:pPr algn="ctr"/>
                       <a:r>
                         <a:rPr lang="sv-SE" sz="4000" dirty="0" smtClean="0"/>
                         <a:t>F-Score</a:t>
@@ -6764,7 +7060,11 @@
                     <a:p>
                       <a:r>
                         <a:rPr lang="sv-SE" sz="4000" dirty="0" smtClean="0"/>
-                        <a:t>Juefei [2]</a:t>
+                        <a:t>Juefei-Xu </a:t>
+                      </a:r>
+                      <a:r>
+                        <a:rPr lang="sv-SE" sz="4000" dirty="0" smtClean="0"/>
+                        <a:t>[2]</a:t>
                       </a:r>
                       <a:endParaRPr lang="en-GB" sz="4000" dirty="0"/>
                     </a:p>
@@ -6788,6 +7088,15 @@
                       <a:headEnd type="none" w="med" len="med"/>
                       <a:tailEnd type="none" w="med" len="med"/>
                     </a:lnT>
+                    <a:lnB w="38100" cap="flat" cmpd="sng" algn="ctr">
+                      <a:solidFill>
+                        <a:schemeClr val="tx1"/>
+                      </a:solidFill>
+                      <a:prstDash val="sysDot"/>
+                      <a:round/>
+                      <a:headEnd type="none" w="med" len="med"/>
+                      <a:tailEnd type="none" w="med" len="med"/>
+                    </a:lnB>
                   </a:tcPr>
                 </a:tc>
                 <a:tc>
@@ -6822,6 +7131,15 @@
                       <a:headEnd type="none" w="med" len="med"/>
                       <a:tailEnd type="none" w="med" len="med"/>
                     </a:lnT>
+                    <a:lnB w="38100" cap="flat" cmpd="sng" algn="ctr">
+                      <a:solidFill>
+                        <a:schemeClr val="tx1"/>
+                      </a:solidFill>
+                      <a:prstDash val="sysDot"/>
+                      <a:round/>
+                      <a:headEnd type="none" w="med" len="med"/>
+                      <a:tailEnd type="none" w="med" len="med"/>
+                    </a:lnB>
                   </a:tcPr>
                 </a:tc>
                 <a:tc>
@@ -6847,6 +7165,15 @@
                       <a:headEnd type="none" w="med" len="med"/>
                       <a:tailEnd type="none" w="med" len="med"/>
                     </a:lnT>
+                    <a:lnB w="38100" cap="flat" cmpd="sng" algn="ctr">
+                      <a:solidFill>
+                        <a:schemeClr val="tx1"/>
+                      </a:solidFill>
+                      <a:prstDash val="sysDot"/>
+                      <a:round/>
+                      <a:headEnd type="none" w="med" len="med"/>
+                      <a:tailEnd type="none" w="med" len="med"/>
+                    </a:lnB>
                   </a:tcPr>
                 </a:tc>
               </a:tr>
@@ -6873,6 +7200,24 @@
                       <a:headEnd type="none" w="med" len="med"/>
                       <a:tailEnd type="none" w="med" len="med"/>
                     </a:lnR>
+                    <a:lnT w="38100" cap="flat" cmpd="sng" algn="ctr">
+                      <a:solidFill>
+                        <a:schemeClr val="tx1"/>
+                      </a:solidFill>
+                      <a:prstDash val="sysDot"/>
+                      <a:round/>
+                      <a:headEnd type="none" w="med" len="med"/>
+                      <a:tailEnd type="none" w="med" len="med"/>
+                    </a:lnT>
+                    <a:lnB w="38100" cap="flat" cmpd="sng" algn="ctr">
+                      <a:solidFill>
+                        <a:schemeClr val="tx1"/>
+                      </a:solidFill>
+                      <a:prstDash val="sysDot"/>
+                      <a:round/>
+                      <a:headEnd type="none" w="med" len="med"/>
+                      <a:tailEnd type="none" w="med" len="med"/>
+                    </a:lnB>
                   </a:tcPr>
                 </a:tc>
                 <a:tc>
@@ -6898,6 +7243,24 @@
                       <a:headEnd type="none" w="med" len="med"/>
                       <a:tailEnd type="none" w="med" len="med"/>
                     </a:lnL>
+                    <a:lnT w="38100" cap="flat" cmpd="sng" algn="ctr">
+                      <a:solidFill>
+                        <a:schemeClr val="tx1"/>
+                      </a:solidFill>
+                      <a:prstDash val="sysDot"/>
+                      <a:round/>
+                      <a:headEnd type="none" w="med" len="med"/>
+                      <a:tailEnd type="none" w="med" len="med"/>
+                    </a:lnT>
+                    <a:lnB w="38100" cap="flat" cmpd="sng" algn="ctr">
+                      <a:solidFill>
+                        <a:schemeClr val="tx1"/>
+                      </a:solidFill>
+                      <a:prstDash val="sysDot"/>
+                      <a:round/>
+                      <a:headEnd type="none" w="med" len="med"/>
+                      <a:tailEnd type="none" w="med" len="med"/>
+                    </a:lnB>
                   </a:tcPr>
                 </a:tc>
                 <a:tc>
@@ -6913,7 +7276,26 @@
                       <a:endParaRPr lang="en-GB" sz="4000" b="1" dirty="0"/>
                     </a:p>
                   </a:txBody>
-                  <a:tcPr marL="82307" marR="82307" anchor="ctr"/>
+                  <a:tcPr marL="82307" marR="82307" anchor="ctr">
+                    <a:lnT w="38100" cap="flat" cmpd="sng" algn="ctr">
+                      <a:solidFill>
+                        <a:schemeClr val="tx1"/>
+                      </a:solidFill>
+                      <a:prstDash val="sysDot"/>
+                      <a:round/>
+                      <a:headEnd type="none" w="med" len="med"/>
+                      <a:tailEnd type="none" w="med" len="med"/>
+                    </a:lnT>
+                    <a:lnB w="38100" cap="flat" cmpd="sng" algn="ctr">
+                      <a:solidFill>
+                        <a:schemeClr val="tx1"/>
+                      </a:solidFill>
+                      <a:prstDash val="sysDot"/>
+                      <a:round/>
+                      <a:headEnd type="none" w="med" len="med"/>
+                      <a:tailEnd type="none" w="med" len="med"/>
+                    </a:lnB>
+                  </a:tcPr>
                 </a:tc>
               </a:tr>
               <a:tr h="1150949">
@@ -6948,11 +7330,20 @@
                       <a:headEnd type="none" w="med" len="med"/>
                       <a:tailEnd type="none" w="med" len="med"/>
                     </a:lnR>
-                    <a:lnB w="76200" cap="flat" cmpd="sng" algn="ctr">
-                      <a:solidFill>
-                        <a:schemeClr val="tx1"/>
-                      </a:solidFill>
-                      <a:prstDash val="sysDashDotDot"/>
+                    <a:lnT w="38100" cap="flat" cmpd="sng" algn="ctr">
+                      <a:solidFill>
+                        <a:schemeClr val="tx1"/>
+                      </a:solidFill>
+                      <a:prstDash val="sysDot"/>
+                      <a:round/>
+                      <a:headEnd type="none" w="med" len="med"/>
+                      <a:tailEnd type="none" w="med" len="med"/>
+                    </a:lnT>
+                    <a:lnB w="38100" cap="flat" cmpd="sng" algn="ctr">
+                      <a:solidFill>
+                        <a:schemeClr val="tx1"/>
+                      </a:solidFill>
+                      <a:prstDash val="solid"/>
                       <a:round/>
                       <a:headEnd type="none" w="med" len="med"/>
                       <a:tailEnd type="none" w="med" len="med"/>
@@ -6982,11 +7373,20 @@
                       <a:headEnd type="none" w="med" len="med"/>
                       <a:tailEnd type="none" w="med" len="med"/>
                     </a:lnL>
-                    <a:lnB w="76200" cap="flat" cmpd="sng" algn="ctr">
-                      <a:solidFill>
-                        <a:schemeClr val="tx1"/>
-                      </a:solidFill>
-                      <a:prstDash val="sysDashDotDot"/>
+                    <a:lnT w="38100" cap="flat" cmpd="sng" algn="ctr">
+                      <a:solidFill>
+                        <a:schemeClr val="tx1"/>
+                      </a:solidFill>
+                      <a:prstDash val="sysDot"/>
+                      <a:round/>
+                      <a:headEnd type="none" w="med" len="med"/>
+                      <a:tailEnd type="none" w="med" len="med"/>
+                    </a:lnT>
+                    <a:lnB w="38100" cap="flat" cmpd="sng" algn="ctr">
+                      <a:solidFill>
+                        <a:schemeClr val="tx1"/>
+                      </a:solidFill>
+                      <a:prstDash val="solid"/>
                       <a:round/>
                       <a:headEnd type="none" w="med" len="med"/>
                       <a:tailEnd type="none" w="med" len="med"/>
@@ -7007,11 +7407,20 @@
                     </a:p>
                   </a:txBody>
                   <a:tcPr marL="82307" marR="82307" anchor="ctr">
-                    <a:lnB w="76200" cap="flat" cmpd="sng" algn="ctr">
-                      <a:solidFill>
-                        <a:schemeClr val="tx1"/>
-                      </a:solidFill>
-                      <a:prstDash val="sysDashDotDot"/>
+                    <a:lnT w="38100" cap="flat" cmpd="sng" algn="ctr">
+                      <a:solidFill>
+                        <a:schemeClr val="tx1"/>
+                      </a:solidFill>
+                      <a:prstDash val="sysDot"/>
+                      <a:round/>
+                      <a:headEnd type="none" w="med" len="med"/>
+                      <a:tailEnd type="none" w="med" len="med"/>
+                    </a:lnT>
+                    <a:lnB w="38100" cap="flat" cmpd="sng" algn="ctr">
+                      <a:solidFill>
+                        <a:schemeClr val="tx1"/>
+                      </a:solidFill>
+                      <a:prstDash val="solid"/>
                       <a:round/>
                       <a:headEnd type="none" w="med" len="med"/>
                       <a:tailEnd type="none" w="med" len="med"/>
@@ -7027,7 +7436,7 @@
                     <a:p>
                       <a:r>
                         <a:rPr lang="sv-SE" sz="4000" dirty="0" smtClean="0"/>
-                        <a:t>Resnet</a:t>
+                        <a:t>ResNet</a:t>
                       </a:r>
                       <a:endParaRPr lang="en-GB" sz="4000" dirty="0"/>
                     </a:p>
@@ -7042,20 +7451,20 @@
                       <a:headEnd type="none" w="med" len="med"/>
                       <a:tailEnd type="none" w="med" len="med"/>
                     </a:lnR>
-                    <a:lnT w="76200" cap="flat" cmpd="sng" algn="ctr">
-                      <a:solidFill>
-                        <a:schemeClr val="tx1"/>
-                      </a:solidFill>
-                      <a:prstDash val="sysDashDotDot"/>
+                    <a:lnT w="38100" cap="flat" cmpd="sng" algn="ctr">
+                      <a:solidFill>
+                        <a:schemeClr val="tx1"/>
+                      </a:solidFill>
+                      <a:prstDash val="solid"/>
                       <a:round/>
                       <a:headEnd type="none" w="med" len="med"/>
                       <a:tailEnd type="none" w="med" len="med"/>
                     </a:lnT>
-                    <a:lnB w="12700" cap="flat" cmpd="sng" algn="ctr">
-                      <a:solidFill>
-                        <a:schemeClr val="tx1"/>
-                      </a:solidFill>
-                      <a:prstDash val="solid"/>
+                    <a:lnB w="38100" cap="flat" cmpd="sng" algn="ctr">
+                      <a:solidFill>
+                        <a:schemeClr val="tx1"/>
+                      </a:solidFill>
+                      <a:prstDash val="sysDot"/>
                       <a:round/>
                       <a:headEnd type="none" w="med" len="med"/>
                       <a:tailEnd type="none" w="med" len="med"/>
@@ -7085,20 +7494,20 @@
                       <a:headEnd type="none" w="med" len="med"/>
                       <a:tailEnd type="none" w="med" len="med"/>
                     </a:lnL>
-                    <a:lnT w="76200" cap="flat" cmpd="sng" algn="ctr">
-                      <a:solidFill>
-                        <a:schemeClr val="tx1"/>
-                      </a:solidFill>
-                      <a:prstDash val="sysDashDotDot"/>
+                    <a:lnT w="38100" cap="flat" cmpd="sng" algn="ctr">
+                      <a:solidFill>
+                        <a:schemeClr val="tx1"/>
+                      </a:solidFill>
+                      <a:prstDash val="solid"/>
                       <a:round/>
                       <a:headEnd type="none" w="med" len="med"/>
                       <a:tailEnd type="none" w="med" len="med"/>
                     </a:lnT>
-                    <a:lnB w="12700" cap="flat" cmpd="sng" algn="ctr">
-                      <a:solidFill>
-                        <a:schemeClr val="tx1"/>
-                      </a:solidFill>
-                      <a:prstDash val="solid"/>
+                    <a:lnB w="38100" cap="flat" cmpd="sng" algn="ctr">
+                      <a:solidFill>
+                        <a:schemeClr val="tx1"/>
+                      </a:solidFill>
+                      <a:prstDash val="sysDot"/>
                       <a:round/>
                       <a:headEnd type="none" w="med" len="med"/>
                       <a:tailEnd type="none" w="med" len="med"/>
@@ -7119,20 +7528,20 @@
                     </a:p>
                   </a:txBody>
                   <a:tcPr marL="82307" marR="82307" anchor="ctr">
-                    <a:lnT w="76200" cap="flat" cmpd="sng" algn="ctr">
-                      <a:solidFill>
-                        <a:schemeClr val="tx1"/>
-                      </a:solidFill>
-                      <a:prstDash val="sysDashDotDot"/>
+                    <a:lnT w="38100" cap="flat" cmpd="sng" algn="ctr">
+                      <a:solidFill>
+                        <a:schemeClr val="tx1"/>
+                      </a:solidFill>
+                      <a:prstDash val="solid"/>
                       <a:round/>
                       <a:headEnd type="none" w="med" len="med"/>
                       <a:tailEnd type="none" w="med" len="med"/>
                     </a:lnT>
-                    <a:lnB w="12700" cap="flat" cmpd="sng" algn="ctr">
-                      <a:solidFill>
-                        <a:schemeClr val="tx1"/>
-                      </a:solidFill>
-                      <a:prstDash val="solid"/>
+                    <a:lnB w="38100" cap="flat" cmpd="sng" algn="ctr">
+                      <a:solidFill>
+                        <a:schemeClr val="tx1"/>
+                      </a:solidFill>
+                      <a:prstDash val="sysDot"/>
                       <a:round/>
                       <a:headEnd type="none" w="med" len="med"/>
                       <a:tailEnd type="none" w="med" len="med"/>
@@ -7163,11 +7572,11 @@
                       <a:headEnd type="none" w="med" len="med"/>
                       <a:tailEnd type="none" w="med" len="med"/>
                     </a:lnR>
-                    <a:lnT w="12700" cap="flat" cmpd="sng" algn="ctr">
-                      <a:solidFill>
-                        <a:schemeClr val="tx1"/>
-                      </a:solidFill>
-                      <a:prstDash val="solid"/>
+                    <a:lnT w="38100" cap="flat" cmpd="sng" algn="ctr">
+                      <a:solidFill>
+                        <a:schemeClr val="tx1"/>
+                      </a:solidFill>
+                      <a:prstDash val="sysDot"/>
                       <a:round/>
                       <a:headEnd type="none" w="med" len="med"/>
                       <a:tailEnd type="none" w="med" len="med"/>
@@ -7205,11 +7614,11 @@
                       <a:headEnd type="none" w="med" len="med"/>
                       <a:tailEnd type="none" w="med" len="med"/>
                     </a:lnL>
-                    <a:lnT w="12700" cap="flat" cmpd="sng" algn="ctr">
-                      <a:solidFill>
-                        <a:schemeClr val="tx1"/>
-                      </a:solidFill>
-                      <a:prstDash val="solid"/>
+                    <a:lnT w="38100" cap="flat" cmpd="sng" algn="ctr">
+                      <a:solidFill>
+                        <a:schemeClr val="tx1"/>
+                      </a:solidFill>
+                      <a:prstDash val="sysDot"/>
                       <a:round/>
                       <a:headEnd type="none" w="med" len="med"/>
                       <a:tailEnd type="none" w="med" len="med"/>
@@ -7230,11 +7639,11 @@
                     </a:p>
                   </a:txBody>
                   <a:tcPr marL="82307" marR="82307" anchor="ctr">
-                    <a:lnT w="12700" cap="flat" cmpd="sng" algn="ctr">
-                      <a:solidFill>
-                        <a:schemeClr val="tx1"/>
-                      </a:solidFill>
-                      <a:prstDash val="solid"/>
+                    <a:lnT w="38100" cap="flat" cmpd="sng" algn="ctr">
+                      <a:solidFill>
+                        <a:schemeClr val="tx1"/>
+                      </a:solidFill>
+                      <a:prstDash val="sysDot"/>
                       <a:round/>
                       <a:headEnd type="none" w="med" len="med"/>
                       <a:tailEnd type="none" w="med" len="med"/>
@@ -7254,8 +7663,8 @@
         </p:nvSpPr>
         <p:spPr>
           <a:xfrm>
-            <a:off x="24050897" y="19625626"/>
-            <a:ext cx="7539178" cy="2308324"/>
+            <a:off x="23978889" y="19069999"/>
+            <a:ext cx="7992887" cy="2603790"/>
           </a:xfrm>
           <a:prstGeom prst="rect">
             <a:avLst/>
@@ -7268,14 +7677,105 @@
           </a:bodyPr>
           <a:lstStyle/>
           <a:p>
+            <a:endParaRPr lang="sv-SE" sz="700" dirty="0" smtClean="0"/>
+          </a:p>
+          <a:p>
             <a:r>
               <a:rPr lang="sv-SE" sz="3600" dirty="0" smtClean="0"/>
-              <a:t>Juefei, Li, and Marcos where the three LBP architechtures used in this project. Resnet and VGG are benchmark conventional networks. </a:t>
+              <a:t>Juefei-Xu, </a:t>
+            </a:r>
+            <a:r>
+              <a:rPr lang="sv-SE" sz="3600" dirty="0" smtClean="0"/>
+              <a:t>Li, and Marcos </a:t>
+            </a:r>
+            <a:r>
+              <a:rPr lang="sv-SE" sz="3600" dirty="0" smtClean="0"/>
+              <a:t>are the </a:t>
+            </a:r>
+            <a:r>
+              <a:rPr lang="sv-SE" sz="3600" dirty="0" smtClean="0"/>
+              <a:t>three LBP architechtures used in this project. </a:t>
+            </a:r>
+            <a:r>
+              <a:rPr lang="sv-SE" sz="3600" smtClean="0"/>
+              <a:t>ResNet </a:t>
+            </a:r>
+            <a:r>
+              <a:rPr lang="sv-SE" sz="3600" dirty="0" smtClean="0"/>
+              <a:t>and VGG are benchmark </a:t>
+            </a:r>
+            <a:r>
+              <a:rPr lang="sv-SE" sz="3600" dirty="0" smtClean="0"/>
+              <a:t>CNNs [1]. </a:t>
             </a:r>
             <a:endParaRPr lang="en-GB" sz="3600" dirty="0"/>
           </a:p>
         </p:txBody>
       </p:sp>
+      <p:pic>
+        <p:nvPicPr>
+          <p:cNvPr id="37" name="Picture 2"/>
+          <p:cNvPicPr>
+            <a:picLocks noChangeAspect="1" noChangeArrowheads="1"/>
+          </p:cNvPicPr>
+          <p:nvPr/>
+        </p:nvPicPr>
+        <p:blipFill>
+          <a:blip r:embed="rId10" cstate="print">
+            <a:extLst>
+              <a:ext uri="{28A0092B-C50C-407E-A947-70E740481C1C}">
+                <a14:useLocalDpi xmlns:a14="http://schemas.microsoft.com/office/drawing/2010/main" val="0"/>
+              </a:ext>
+            </a:extLst>
+          </a:blip>
+          <a:srcRect/>
+          <a:stretch>
+            <a:fillRect/>
+          </a:stretch>
+        </p:blipFill>
+        <p:spPr bwMode="auto">
+          <a:xfrm>
+            <a:off x="14976933" y="8280301"/>
+            <a:ext cx="3670453" cy="4583543"/>
+          </a:xfrm>
+          <a:prstGeom prst="rect">
+            <a:avLst/>
+          </a:prstGeom>
+          <a:noFill/>
+          <a:ln>
+            <a:noFill/>
+          </a:ln>
+          <a:effectLst/>
+          <a:extLst>
+            <a:ext uri="{909E8E84-426E-40DD-AFC4-6F175D3DCCD1}">
+              <a14:hiddenFill xmlns:a14="http://schemas.microsoft.com/office/drawing/2010/main">
+                <a:solidFill>
+                  <a:schemeClr val="accent1"/>
+                </a:solidFill>
+              </a14:hiddenFill>
+            </a:ext>
+            <a:ext uri="{91240B29-F687-4F45-9708-019B960494DF}">
+              <a14:hiddenLine xmlns:a14="http://schemas.microsoft.com/office/drawing/2010/main" w="9525">
+                <a:solidFill>
+                  <a:schemeClr val="tx1"/>
+                </a:solidFill>
+                <a:miter lim="800000"/>
+                <a:headEnd/>
+                <a:tailEnd/>
+              </a14:hiddenLine>
+            </a:ext>
+            <a:ext uri="{AF507438-7753-43E0-B8FC-AC1667EBCBE1}">
+              <a14:hiddenEffects xmlns:a14="http://schemas.microsoft.com/office/drawing/2010/main">
+                <a:effectLst>
+                  <a:outerShdw dist="35921" dir="2700000" algn="ctr" rotWithShape="0">
+                    <a:schemeClr val="bg2"/>
+                  </a:outerShdw>
+                </a:effectLst>
+              </a14:hiddenEffects>
+            </a:ext>
+          </a:extLst>
+        </p:spPr>
+      </p:pic>
     </p:spTree>
   </p:cSld>
   <p:clrMapOvr>
@@ -8544,8 +9044,8 @@
         </p:nvSpPr>
         <p:spPr bwMode="auto">
           <a:xfrm>
-            <a:off x="11259823" y="14833032"/>
-            <a:ext cx="839191" cy="864093"/>
+            <a:off x="11047315" y="14689011"/>
+            <a:ext cx="1010758" cy="1013330"/>
           </a:xfrm>
           <a:prstGeom prst="ellipse">
             <a:avLst/>
@@ -8606,8 +9106,8 @@
         </p:nvSpPr>
         <p:spPr bwMode="auto">
           <a:xfrm>
-            <a:off x="11211211" y="11088616"/>
-            <a:ext cx="839191" cy="864093"/>
+            <a:off x="10964325" y="11016606"/>
+            <a:ext cx="1086077" cy="1013330"/>
           </a:xfrm>
           <a:prstGeom prst="ellipse">
             <a:avLst/>
@@ -8668,8 +9168,8 @@
         </p:nvSpPr>
         <p:spPr bwMode="auto">
           <a:xfrm>
-            <a:off x="11218882" y="18685460"/>
-            <a:ext cx="839191" cy="864093"/>
+            <a:off x="10971996" y="18613450"/>
+            <a:ext cx="1086077" cy="1013330"/>
           </a:xfrm>
           <a:prstGeom prst="ellipse">
             <a:avLst/>
@@ -8730,8 +9230,8 @@
         </p:nvSpPr>
         <p:spPr bwMode="auto">
           <a:xfrm>
-            <a:off x="14824690" y="14838247"/>
-            <a:ext cx="839191" cy="864093"/>
+            <a:off x="14577804" y="14766237"/>
+            <a:ext cx="1086077" cy="1013330"/>
           </a:xfrm>
           <a:prstGeom prst="ellipse">
             <a:avLst/>
@@ -8794,8 +9294,8 @@
         </p:nvSpPr>
         <p:spPr bwMode="auto">
           <a:xfrm>
-            <a:off x="7646343" y="14833032"/>
-            <a:ext cx="839191" cy="864093"/>
+            <a:off x="7399457" y="14761022"/>
+            <a:ext cx="1086077" cy="1013330"/>
           </a:xfrm>
           <a:prstGeom prst="ellipse">
             <a:avLst/>
@@ -8856,8 +9356,8 @@
         </p:nvSpPr>
         <p:spPr bwMode="auto">
           <a:xfrm>
-            <a:off x="8683396" y="12168736"/>
-            <a:ext cx="839191" cy="864093"/>
+            <a:off x="8436510" y="12096726"/>
+            <a:ext cx="1086077" cy="1013330"/>
           </a:xfrm>
           <a:prstGeom prst="ellipse">
             <a:avLst/>
@@ -8918,8 +9418,8 @@
         </p:nvSpPr>
         <p:spPr bwMode="auto">
           <a:xfrm>
-            <a:off x="13787638" y="12240744"/>
-            <a:ext cx="839191" cy="864093"/>
+            <a:off x="13540752" y="12168734"/>
+            <a:ext cx="1086077" cy="1013330"/>
           </a:xfrm>
           <a:prstGeom prst="ellipse">
             <a:avLst/>
@@ -8980,8 +9480,8 @@
         </p:nvSpPr>
         <p:spPr bwMode="auto">
           <a:xfrm>
-            <a:off x="8602376" y="17497328"/>
-            <a:ext cx="839191" cy="864093"/>
+            <a:off x="8355490" y="17425318"/>
+            <a:ext cx="1086077" cy="1013330"/>
           </a:xfrm>
           <a:prstGeom prst="ellipse">
             <a:avLst/>
@@ -9042,8 +9542,8 @@
         </p:nvSpPr>
         <p:spPr bwMode="auto">
           <a:xfrm>
-            <a:off x="13868658" y="17497328"/>
-            <a:ext cx="839191" cy="864093"/>
+            <a:off x="13621772" y="17425318"/>
+            <a:ext cx="1086077" cy="1013330"/>
           </a:xfrm>
           <a:prstGeom prst="ellipse">
             <a:avLst/>
@@ -9367,6 +9867,1881 @@
           </a:p>
         </p:txBody>
       </p:sp>
+      <p:graphicFrame>
+        <p:nvGraphicFramePr>
+          <p:cNvPr id="24" name="Table 23"/>
+          <p:cNvGraphicFramePr>
+            <a:graphicFrameLocks noGrp="1"/>
+          </p:cNvGraphicFramePr>
+          <p:nvPr>
+            <p:extLst>
+              <p:ext uri="{D42A27DB-BD31-4B8C-83A1-F6EECF244321}">
+                <p14:modId xmlns:p14="http://schemas.microsoft.com/office/powerpoint/2010/main" val="1691522350"/>
+              </p:ext>
+            </p:extLst>
+          </p:nvPr>
+        </p:nvGraphicFramePr>
+        <p:xfrm>
+          <a:off x="19305562" y="10085980"/>
+          <a:ext cx="9009390" cy="9433045"/>
+        </p:xfrm>
+        <a:graphic>
+          <a:graphicData uri="http://schemas.openxmlformats.org/drawingml/2006/table">
+            <a:tbl>
+              <a:tblPr firstRow="1" bandRow="1">
+                <a:tableStyleId>{5940675A-B579-460E-94D1-54222C63F5DA}</a:tableStyleId>
+              </a:tblPr>
+              <a:tblGrid>
+                <a:gridCol w="1801878"/>
+                <a:gridCol w="1801878"/>
+                <a:gridCol w="1801878"/>
+                <a:gridCol w="1801878"/>
+                <a:gridCol w="1801878"/>
+              </a:tblGrid>
+              <a:tr h="1886609">
+                <a:tc>
+                  <a:txBody>
+                    <a:bodyPr/>
+                    <a:lstStyle/>
+                    <a:p>
+                      <a:endParaRPr lang="en-GB" dirty="0"/>
+                    </a:p>
+                  </a:txBody>
+                  <a:tcPr marL="82307" marR="82307">
+                    <a:lnL w="76200" cap="flat" cmpd="sng" algn="ctr">
+                      <a:solidFill>
+                        <a:schemeClr val="tx1"/>
+                      </a:solidFill>
+                      <a:prstDash val="solid"/>
+                      <a:round/>
+                      <a:headEnd type="none" w="med" len="med"/>
+                      <a:tailEnd type="none" w="med" len="med"/>
+                    </a:lnL>
+                    <a:lnR w="76200" cap="flat" cmpd="sng" algn="ctr">
+                      <a:solidFill>
+                        <a:schemeClr val="tx1"/>
+                      </a:solidFill>
+                      <a:prstDash val="solid"/>
+                      <a:round/>
+                      <a:headEnd type="none" w="med" len="med"/>
+                      <a:tailEnd type="none" w="med" len="med"/>
+                    </a:lnR>
+                    <a:lnT w="76200" cap="flat" cmpd="sng" algn="ctr">
+                      <a:solidFill>
+                        <a:schemeClr val="tx1"/>
+                      </a:solidFill>
+                      <a:prstDash val="solid"/>
+                      <a:round/>
+                      <a:headEnd type="none" w="med" len="med"/>
+                      <a:tailEnd type="none" w="med" len="med"/>
+                    </a:lnT>
+                    <a:lnB w="76200" cap="flat" cmpd="sng" algn="ctr">
+                      <a:solidFill>
+                        <a:schemeClr val="tx1"/>
+                      </a:solidFill>
+                      <a:prstDash val="solid"/>
+                      <a:round/>
+                      <a:headEnd type="none" w="med" len="med"/>
+                      <a:tailEnd type="none" w="med" len="med"/>
+                    </a:lnB>
+                  </a:tcPr>
+                </a:tc>
+                <a:tc>
+                  <a:txBody>
+                    <a:bodyPr/>
+                    <a:lstStyle/>
+                    <a:p>
+                      <a:endParaRPr lang="en-GB" dirty="0"/>
+                    </a:p>
+                  </a:txBody>
+                  <a:tcPr marL="82307" marR="82307">
+                    <a:lnL w="76200" cap="flat" cmpd="sng" algn="ctr">
+                      <a:solidFill>
+                        <a:schemeClr val="tx1"/>
+                      </a:solidFill>
+                      <a:prstDash val="solid"/>
+                      <a:round/>
+                      <a:headEnd type="none" w="med" len="med"/>
+                      <a:tailEnd type="none" w="med" len="med"/>
+                    </a:lnL>
+                    <a:lnR w="76200" cap="flat" cmpd="sng" algn="ctr">
+                      <a:solidFill>
+                        <a:schemeClr val="tx1"/>
+                      </a:solidFill>
+                      <a:prstDash val="solid"/>
+                      <a:round/>
+                      <a:headEnd type="none" w="med" len="med"/>
+                      <a:tailEnd type="none" w="med" len="med"/>
+                    </a:lnR>
+                    <a:lnT w="76200" cap="flat" cmpd="sng" algn="ctr">
+                      <a:solidFill>
+                        <a:schemeClr val="tx1"/>
+                      </a:solidFill>
+                      <a:prstDash val="solid"/>
+                      <a:round/>
+                      <a:headEnd type="none" w="med" len="med"/>
+                      <a:tailEnd type="none" w="med" len="med"/>
+                    </a:lnT>
+                    <a:lnB w="76200" cap="flat" cmpd="sng" algn="ctr">
+                      <a:solidFill>
+                        <a:schemeClr val="tx1"/>
+                      </a:solidFill>
+                      <a:prstDash val="solid"/>
+                      <a:round/>
+                      <a:headEnd type="none" w="med" len="med"/>
+                      <a:tailEnd type="none" w="med" len="med"/>
+                    </a:lnB>
+                  </a:tcPr>
+                </a:tc>
+                <a:tc>
+                  <a:txBody>
+                    <a:bodyPr/>
+                    <a:lstStyle/>
+                    <a:p>
+                      <a:endParaRPr lang="en-GB" dirty="0"/>
+                    </a:p>
+                  </a:txBody>
+                  <a:tcPr marL="82307" marR="82307">
+                    <a:lnL w="76200" cap="flat" cmpd="sng" algn="ctr">
+                      <a:solidFill>
+                        <a:schemeClr val="tx1"/>
+                      </a:solidFill>
+                      <a:prstDash val="solid"/>
+                      <a:round/>
+                      <a:headEnd type="none" w="med" len="med"/>
+                      <a:tailEnd type="none" w="med" len="med"/>
+                    </a:lnL>
+                    <a:lnR w="76200" cap="flat" cmpd="sng" algn="ctr">
+                      <a:solidFill>
+                        <a:schemeClr val="tx1"/>
+                      </a:solidFill>
+                      <a:prstDash val="solid"/>
+                      <a:round/>
+                      <a:headEnd type="none" w="med" len="med"/>
+                      <a:tailEnd type="none" w="med" len="med"/>
+                    </a:lnR>
+                    <a:lnT w="76200" cap="flat" cmpd="sng" algn="ctr">
+                      <a:solidFill>
+                        <a:schemeClr val="tx1"/>
+                      </a:solidFill>
+                      <a:prstDash val="solid"/>
+                      <a:round/>
+                      <a:headEnd type="none" w="med" len="med"/>
+                      <a:tailEnd type="none" w="med" len="med"/>
+                    </a:lnT>
+                    <a:lnB w="76200" cap="flat" cmpd="sng" algn="ctr">
+                      <a:solidFill>
+                        <a:schemeClr val="tx1"/>
+                      </a:solidFill>
+                      <a:prstDash val="solid"/>
+                      <a:round/>
+                      <a:headEnd type="none" w="med" len="med"/>
+                      <a:tailEnd type="none" w="med" len="med"/>
+                    </a:lnB>
+                  </a:tcPr>
+                </a:tc>
+                <a:tc>
+                  <a:txBody>
+                    <a:bodyPr/>
+                    <a:lstStyle/>
+                    <a:p>
+                      <a:endParaRPr lang="en-GB" dirty="0"/>
+                    </a:p>
+                  </a:txBody>
+                  <a:tcPr marL="82307" marR="82307">
+                    <a:lnL w="76200" cap="flat" cmpd="sng" algn="ctr">
+                      <a:solidFill>
+                        <a:schemeClr val="tx1"/>
+                      </a:solidFill>
+                      <a:prstDash val="solid"/>
+                      <a:round/>
+                      <a:headEnd type="none" w="med" len="med"/>
+                      <a:tailEnd type="none" w="med" len="med"/>
+                    </a:lnL>
+                    <a:lnR w="76200" cap="flat" cmpd="sng" algn="ctr">
+                      <a:solidFill>
+                        <a:schemeClr val="tx1"/>
+                      </a:solidFill>
+                      <a:prstDash val="solid"/>
+                      <a:round/>
+                      <a:headEnd type="none" w="med" len="med"/>
+                      <a:tailEnd type="none" w="med" len="med"/>
+                    </a:lnR>
+                    <a:lnT w="76200" cap="flat" cmpd="sng" algn="ctr">
+                      <a:solidFill>
+                        <a:schemeClr val="tx1"/>
+                      </a:solidFill>
+                      <a:prstDash val="solid"/>
+                      <a:round/>
+                      <a:headEnd type="none" w="med" len="med"/>
+                      <a:tailEnd type="none" w="med" len="med"/>
+                    </a:lnT>
+                    <a:lnB w="76200" cap="flat" cmpd="sng" algn="ctr">
+                      <a:solidFill>
+                        <a:schemeClr val="tx1"/>
+                      </a:solidFill>
+                      <a:prstDash val="solid"/>
+                      <a:round/>
+                      <a:headEnd type="none" w="med" len="med"/>
+                      <a:tailEnd type="none" w="med" len="med"/>
+                    </a:lnB>
+                  </a:tcPr>
+                </a:tc>
+                <a:tc>
+                  <a:txBody>
+                    <a:bodyPr/>
+                    <a:lstStyle/>
+                    <a:p>
+                      <a:endParaRPr lang="en-GB" dirty="0"/>
+                    </a:p>
+                  </a:txBody>
+                  <a:tcPr marL="82307" marR="82307">
+                    <a:lnL w="76200" cap="flat" cmpd="sng" algn="ctr">
+                      <a:solidFill>
+                        <a:schemeClr val="tx1"/>
+                      </a:solidFill>
+                      <a:prstDash val="solid"/>
+                      <a:round/>
+                      <a:headEnd type="none" w="med" len="med"/>
+                      <a:tailEnd type="none" w="med" len="med"/>
+                    </a:lnL>
+                    <a:lnR w="76200" cap="flat" cmpd="sng" algn="ctr">
+                      <a:solidFill>
+                        <a:schemeClr val="tx1"/>
+                      </a:solidFill>
+                      <a:prstDash val="solid"/>
+                      <a:round/>
+                      <a:headEnd type="none" w="med" len="med"/>
+                      <a:tailEnd type="none" w="med" len="med"/>
+                    </a:lnR>
+                    <a:lnT w="76200" cap="flat" cmpd="sng" algn="ctr">
+                      <a:solidFill>
+                        <a:schemeClr val="tx1"/>
+                      </a:solidFill>
+                      <a:prstDash val="solid"/>
+                      <a:round/>
+                      <a:headEnd type="none" w="med" len="med"/>
+                      <a:tailEnd type="none" w="med" len="med"/>
+                    </a:lnT>
+                    <a:lnB w="76200" cap="flat" cmpd="sng" algn="ctr">
+                      <a:solidFill>
+                        <a:schemeClr val="tx1"/>
+                      </a:solidFill>
+                      <a:prstDash val="solid"/>
+                      <a:round/>
+                      <a:headEnd type="none" w="med" len="med"/>
+                      <a:tailEnd type="none" w="med" len="med"/>
+                    </a:lnB>
+                  </a:tcPr>
+                </a:tc>
+              </a:tr>
+              <a:tr h="1886609">
+                <a:tc>
+                  <a:txBody>
+                    <a:bodyPr/>
+                    <a:lstStyle/>
+                    <a:p>
+                      <a:endParaRPr lang="en-GB" dirty="0"/>
+                    </a:p>
+                  </a:txBody>
+                  <a:tcPr marL="82307" marR="82307">
+                    <a:lnL w="76200" cap="flat" cmpd="sng" algn="ctr">
+                      <a:solidFill>
+                        <a:schemeClr val="tx1"/>
+                      </a:solidFill>
+                      <a:prstDash val="solid"/>
+                      <a:round/>
+                      <a:headEnd type="none" w="med" len="med"/>
+                      <a:tailEnd type="none" w="med" len="med"/>
+                    </a:lnL>
+                    <a:lnR w="76200" cap="flat" cmpd="sng" algn="ctr">
+                      <a:solidFill>
+                        <a:schemeClr val="tx1"/>
+                      </a:solidFill>
+                      <a:prstDash val="solid"/>
+                      <a:round/>
+                      <a:headEnd type="none" w="med" len="med"/>
+                      <a:tailEnd type="none" w="med" len="med"/>
+                    </a:lnR>
+                    <a:lnT w="76200" cap="flat" cmpd="sng" algn="ctr">
+                      <a:solidFill>
+                        <a:schemeClr val="tx1"/>
+                      </a:solidFill>
+                      <a:prstDash val="solid"/>
+                      <a:round/>
+                      <a:headEnd type="none" w="med" len="med"/>
+                      <a:tailEnd type="none" w="med" len="med"/>
+                    </a:lnT>
+                    <a:lnB w="76200" cap="flat" cmpd="sng" algn="ctr">
+                      <a:solidFill>
+                        <a:schemeClr val="tx1"/>
+                      </a:solidFill>
+                      <a:prstDash val="solid"/>
+                      <a:round/>
+                      <a:headEnd type="none" w="med" len="med"/>
+                      <a:tailEnd type="none" w="med" len="med"/>
+                    </a:lnB>
+                  </a:tcPr>
+                </a:tc>
+                <a:tc>
+                  <a:txBody>
+                    <a:bodyPr/>
+                    <a:lstStyle/>
+                    <a:p>
+                      <a:endParaRPr lang="en-GB" dirty="0"/>
+                    </a:p>
+                  </a:txBody>
+                  <a:tcPr marL="82307" marR="82307">
+                    <a:lnL w="76200" cap="flat" cmpd="sng" algn="ctr">
+                      <a:solidFill>
+                        <a:schemeClr val="tx1"/>
+                      </a:solidFill>
+                      <a:prstDash val="solid"/>
+                      <a:round/>
+                      <a:headEnd type="none" w="med" len="med"/>
+                      <a:tailEnd type="none" w="med" len="med"/>
+                    </a:lnL>
+                    <a:lnR w="76200" cap="flat" cmpd="sng" algn="ctr">
+                      <a:solidFill>
+                        <a:schemeClr val="tx1"/>
+                      </a:solidFill>
+                      <a:prstDash val="solid"/>
+                      <a:round/>
+                      <a:headEnd type="none" w="med" len="med"/>
+                      <a:tailEnd type="none" w="med" len="med"/>
+                    </a:lnR>
+                    <a:lnT w="76200" cap="flat" cmpd="sng" algn="ctr">
+                      <a:solidFill>
+                        <a:schemeClr val="tx1"/>
+                      </a:solidFill>
+                      <a:prstDash val="solid"/>
+                      <a:round/>
+                      <a:headEnd type="none" w="med" len="med"/>
+                      <a:tailEnd type="none" w="med" len="med"/>
+                    </a:lnT>
+                    <a:lnB w="76200" cap="flat" cmpd="sng" algn="ctr">
+                      <a:solidFill>
+                        <a:schemeClr val="tx1"/>
+                      </a:solidFill>
+                      <a:prstDash val="solid"/>
+                      <a:round/>
+                      <a:headEnd type="none" w="med" len="med"/>
+                      <a:tailEnd type="none" w="med" len="med"/>
+                    </a:lnB>
+                  </a:tcPr>
+                </a:tc>
+                <a:tc>
+                  <a:txBody>
+                    <a:bodyPr/>
+                    <a:lstStyle/>
+                    <a:p>
+                      <a:endParaRPr lang="en-GB" dirty="0"/>
+                    </a:p>
+                  </a:txBody>
+                  <a:tcPr marL="82307" marR="82307">
+                    <a:lnL w="76200" cap="flat" cmpd="sng" algn="ctr">
+                      <a:solidFill>
+                        <a:schemeClr val="tx1"/>
+                      </a:solidFill>
+                      <a:prstDash val="solid"/>
+                      <a:round/>
+                      <a:headEnd type="none" w="med" len="med"/>
+                      <a:tailEnd type="none" w="med" len="med"/>
+                    </a:lnL>
+                    <a:lnR w="76200" cap="flat" cmpd="sng" algn="ctr">
+                      <a:solidFill>
+                        <a:schemeClr val="tx1"/>
+                      </a:solidFill>
+                      <a:prstDash val="solid"/>
+                      <a:round/>
+                      <a:headEnd type="none" w="med" len="med"/>
+                      <a:tailEnd type="none" w="med" len="med"/>
+                    </a:lnR>
+                    <a:lnT w="76200" cap="flat" cmpd="sng" algn="ctr">
+                      <a:solidFill>
+                        <a:schemeClr val="tx1"/>
+                      </a:solidFill>
+                      <a:prstDash val="solid"/>
+                      <a:round/>
+                      <a:headEnd type="none" w="med" len="med"/>
+                      <a:tailEnd type="none" w="med" len="med"/>
+                    </a:lnT>
+                    <a:lnB w="76200" cap="flat" cmpd="sng" algn="ctr">
+                      <a:solidFill>
+                        <a:schemeClr val="tx1"/>
+                      </a:solidFill>
+                      <a:prstDash val="solid"/>
+                      <a:round/>
+                      <a:headEnd type="none" w="med" len="med"/>
+                      <a:tailEnd type="none" w="med" len="med"/>
+                    </a:lnB>
+                  </a:tcPr>
+                </a:tc>
+                <a:tc>
+                  <a:txBody>
+                    <a:bodyPr/>
+                    <a:lstStyle/>
+                    <a:p>
+                      <a:endParaRPr lang="en-GB" dirty="0"/>
+                    </a:p>
+                  </a:txBody>
+                  <a:tcPr marL="82307" marR="82307">
+                    <a:lnL w="76200" cap="flat" cmpd="sng" algn="ctr">
+                      <a:solidFill>
+                        <a:schemeClr val="tx1"/>
+                      </a:solidFill>
+                      <a:prstDash val="solid"/>
+                      <a:round/>
+                      <a:headEnd type="none" w="med" len="med"/>
+                      <a:tailEnd type="none" w="med" len="med"/>
+                    </a:lnL>
+                    <a:lnR w="76200" cap="flat" cmpd="sng" algn="ctr">
+                      <a:solidFill>
+                        <a:schemeClr val="tx1"/>
+                      </a:solidFill>
+                      <a:prstDash val="solid"/>
+                      <a:round/>
+                      <a:headEnd type="none" w="med" len="med"/>
+                      <a:tailEnd type="none" w="med" len="med"/>
+                    </a:lnR>
+                    <a:lnT w="76200" cap="flat" cmpd="sng" algn="ctr">
+                      <a:solidFill>
+                        <a:schemeClr val="tx1"/>
+                      </a:solidFill>
+                      <a:prstDash val="solid"/>
+                      <a:round/>
+                      <a:headEnd type="none" w="med" len="med"/>
+                      <a:tailEnd type="none" w="med" len="med"/>
+                    </a:lnT>
+                    <a:lnB w="76200" cap="flat" cmpd="sng" algn="ctr">
+                      <a:solidFill>
+                        <a:schemeClr val="tx1"/>
+                      </a:solidFill>
+                      <a:prstDash val="solid"/>
+                      <a:round/>
+                      <a:headEnd type="none" w="med" len="med"/>
+                      <a:tailEnd type="none" w="med" len="med"/>
+                    </a:lnB>
+                  </a:tcPr>
+                </a:tc>
+                <a:tc>
+                  <a:txBody>
+                    <a:bodyPr/>
+                    <a:lstStyle/>
+                    <a:p>
+                      <a:endParaRPr lang="en-GB" dirty="0"/>
+                    </a:p>
+                  </a:txBody>
+                  <a:tcPr marL="82307" marR="82307">
+                    <a:lnL w="76200" cap="flat" cmpd="sng" algn="ctr">
+                      <a:solidFill>
+                        <a:schemeClr val="tx1"/>
+                      </a:solidFill>
+                      <a:prstDash val="solid"/>
+                      <a:round/>
+                      <a:headEnd type="none" w="med" len="med"/>
+                      <a:tailEnd type="none" w="med" len="med"/>
+                    </a:lnL>
+                    <a:lnR w="76200" cap="flat" cmpd="sng" algn="ctr">
+                      <a:solidFill>
+                        <a:schemeClr val="tx1"/>
+                      </a:solidFill>
+                      <a:prstDash val="solid"/>
+                      <a:round/>
+                      <a:headEnd type="none" w="med" len="med"/>
+                      <a:tailEnd type="none" w="med" len="med"/>
+                    </a:lnR>
+                    <a:lnT w="76200" cap="flat" cmpd="sng" algn="ctr">
+                      <a:solidFill>
+                        <a:schemeClr val="tx1"/>
+                      </a:solidFill>
+                      <a:prstDash val="solid"/>
+                      <a:round/>
+                      <a:headEnd type="none" w="med" len="med"/>
+                      <a:tailEnd type="none" w="med" len="med"/>
+                    </a:lnT>
+                    <a:lnB w="76200" cap="flat" cmpd="sng" algn="ctr">
+                      <a:solidFill>
+                        <a:schemeClr val="tx1"/>
+                      </a:solidFill>
+                      <a:prstDash val="solid"/>
+                      <a:round/>
+                      <a:headEnd type="none" w="med" len="med"/>
+                      <a:tailEnd type="none" w="med" len="med"/>
+                    </a:lnB>
+                  </a:tcPr>
+                </a:tc>
+              </a:tr>
+              <a:tr h="1886609">
+                <a:tc>
+                  <a:txBody>
+                    <a:bodyPr/>
+                    <a:lstStyle/>
+                    <a:p>
+                      <a:endParaRPr lang="en-GB" dirty="0"/>
+                    </a:p>
+                  </a:txBody>
+                  <a:tcPr marL="82307" marR="82307">
+                    <a:lnL w="76200" cap="flat" cmpd="sng" algn="ctr">
+                      <a:solidFill>
+                        <a:schemeClr val="tx1"/>
+                      </a:solidFill>
+                      <a:prstDash val="solid"/>
+                      <a:round/>
+                      <a:headEnd type="none" w="med" len="med"/>
+                      <a:tailEnd type="none" w="med" len="med"/>
+                    </a:lnL>
+                    <a:lnR w="76200" cap="flat" cmpd="sng" algn="ctr">
+                      <a:solidFill>
+                        <a:schemeClr val="tx1"/>
+                      </a:solidFill>
+                      <a:prstDash val="solid"/>
+                      <a:round/>
+                      <a:headEnd type="none" w="med" len="med"/>
+                      <a:tailEnd type="none" w="med" len="med"/>
+                    </a:lnR>
+                    <a:lnT w="76200" cap="flat" cmpd="sng" algn="ctr">
+                      <a:solidFill>
+                        <a:schemeClr val="tx1"/>
+                      </a:solidFill>
+                      <a:prstDash val="solid"/>
+                      <a:round/>
+                      <a:headEnd type="none" w="med" len="med"/>
+                      <a:tailEnd type="none" w="med" len="med"/>
+                    </a:lnT>
+                    <a:lnB w="76200" cap="flat" cmpd="sng" algn="ctr">
+                      <a:solidFill>
+                        <a:schemeClr val="tx1"/>
+                      </a:solidFill>
+                      <a:prstDash val="solid"/>
+                      <a:round/>
+                      <a:headEnd type="none" w="med" len="med"/>
+                      <a:tailEnd type="none" w="med" len="med"/>
+                    </a:lnB>
+                  </a:tcPr>
+                </a:tc>
+                <a:tc>
+                  <a:txBody>
+                    <a:bodyPr/>
+                    <a:lstStyle/>
+                    <a:p>
+                      <a:endParaRPr lang="en-GB" dirty="0"/>
+                    </a:p>
+                  </a:txBody>
+                  <a:tcPr marL="82307" marR="82307">
+                    <a:lnL w="76200" cap="flat" cmpd="sng" algn="ctr">
+                      <a:solidFill>
+                        <a:schemeClr val="tx1"/>
+                      </a:solidFill>
+                      <a:prstDash val="solid"/>
+                      <a:round/>
+                      <a:headEnd type="none" w="med" len="med"/>
+                      <a:tailEnd type="none" w="med" len="med"/>
+                    </a:lnL>
+                    <a:lnR w="76200" cap="flat" cmpd="sng" algn="ctr">
+                      <a:solidFill>
+                        <a:schemeClr val="tx1"/>
+                      </a:solidFill>
+                      <a:prstDash val="solid"/>
+                      <a:round/>
+                      <a:headEnd type="none" w="med" len="med"/>
+                      <a:tailEnd type="none" w="med" len="med"/>
+                    </a:lnR>
+                    <a:lnT w="76200" cap="flat" cmpd="sng" algn="ctr">
+                      <a:solidFill>
+                        <a:schemeClr val="tx1"/>
+                      </a:solidFill>
+                      <a:prstDash val="solid"/>
+                      <a:round/>
+                      <a:headEnd type="none" w="med" len="med"/>
+                      <a:tailEnd type="none" w="med" len="med"/>
+                    </a:lnT>
+                    <a:lnB w="76200" cap="flat" cmpd="sng" algn="ctr">
+                      <a:solidFill>
+                        <a:schemeClr val="tx1"/>
+                      </a:solidFill>
+                      <a:prstDash val="solid"/>
+                      <a:round/>
+                      <a:headEnd type="none" w="med" len="med"/>
+                      <a:tailEnd type="none" w="med" len="med"/>
+                    </a:lnB>
+                  </a:tcPr>
+                </a:tc>
+                <a:tc>
+                  <a:txBody>
+                    <a:bodyPr/>
+                    <a:lstStyle/>
+                    <a:p>
+                      <a:endParaRPr lang="en-GB" dirty="0"/>
+                    </a:p>
+                  </a:txBody>
+                  <a:tcPr marL="82307" marR="82307">
+                    <a:lnL w="76200" cap="flat" cmpd="sng" algn="ctr">
+                      <a:solidFill>
+                        <a:schemeClr val="tx1"/>
+                      </a:solidFill>
+                      <a:prstDash val="solid"/>
+                      <a:round/>
+                      <a:headEnd type="none" w="med" len="med"/>
+                      <a:tailEnd type="none" w="med" len="med"/>
+                    </a:lnL>
+                    <a:lnR w="76200" cap="flat" cmpd="sng" algn="ctr">
+                      <a:solidFill>
+                        <a:schemeClr val="tx1"/>
+                      </a:solidFill>
+                      <a:prstDash val="solid"/>
+                      <a:round/>
+                      <a:headEnd type="none" w="med" len="med"/>
+                      <a:tailEnd type="none" w="med" len="med"/>
+                    </a:lnR>
+                    <a:lnT w="76200" cap="flat" cmpd="sng" algn="ctr">
+                      <a:solidFill>
+                        <a:schemeClr val="tx1"/>
+                      </a:solidFill>
+                      <a:prstDash val="solid"/>
+                      <a:round/>
+                      <a:headEnd type="none" w="med" len="med"/>
+                      <a:tailEnd type="none" w="med" len="med"/>
+                    </a:lnT>
+                    <a:lnB w="76200" cap="flat" cmpd="sng" algn="ctr">
+                      <a:solidFill>
+                        <a:schemeClr val="tx1"/>
+                      </a:solidFill>
+                      <a:prstDash val="solid"/>
+                      <a:round/>
+                      <a:headEnd type="none" w="med" len="med"/>
+                      <a:tailEnd type="none" w="med" len="med"/>
+                    </a:lnB>
+                  </a:tcPr>
+                </a:tc>
+                <a:tc>
+                  <a:txBody>
+                    <a:bodyPr/>
+                    <a:lstStyle/>
+                    <a:p>
+                      <a:endParaRPr lang="en-GB" dirty="0"/>
+                    </a:p>
+                  </a:txBody>
+                  <a:tcPr marL="82307" marR="82307">
+                    <a:lnL w="76200" cap="flat" cmpd="sng" algn="ctr">
+                      <a:solidFill>
+                        <a:schemeClr val="tx1"/>
+                      </a:solidFill>
+                      <a:prstDash val="solid"/>
+                      <a:round/>
+                      <a:headEnd type="none" w="med" len="med"/>
+                      <a:tailEnd type="none" w="med" len="med"/>
+                    </a:lnL>
+                    <a:lnR w="76200" cap="flat" cmpd="sng" algn="ctr">
+                      <a:solidFill>
+                        <a:schemeClr val="tx1"/>
+                      </a:solidFill>
+                      <a:prstDash val="solid"/>
+                      <a:round/>
+                      <a:headEnd type="none" w="med" len="med"/>
+                      <a:tailEnd type="none" w="med" len="med"/>
+                    </a:lnR>
+                    <a:lnT w="76200" cap="flat" cmpd="sng" algn="ctr">
+                      <a:solidFill>
+                        <a:schemeClr val="tx1"/>
+                      </a:solidFill>
+                      <a:prstDash val="solid"/>
+                      <a:round/>
+                      <a:headEnd type="none" w="med" len="med"/>
+                      <a:tailEnd type="none" w="med" len="med"/>
+                    </a:lnT>
+                    <a:lnB w="76200" cap="flat" cmpd="sng" algn="ctr">
+                      <a:solidFill>
+                        <a:schemeClr val="tx1"/>
+                      </a:solidFill>
+                      <a:prstDash val="solid"/>
+                      <a:round/>
+                      <a:headEnd type="none" w="med" len="med"/>
+                      <a:tailEnd type="none" w="med" len="med"/>
+                    </a:lnB>
+                  </a:tcPr>
+                </a:tc>
+                <a:tc>
+                  <a:txBody>
+                    <a:bodyPr/>
+                    <a:lstStyle/>
+                    <a:p>
+                      <a:endParaRPr lang="en-GB" dirty="0"/>
+                    </a:p>
+                  </a:txBody>
+                  <a:tcPr marL="82307" marR="82307">
+                    <a:lnL w="76200" cap="flat" cmpd="sng" algn="ctr">
+                      <a:solidFill>
+                        <a:schemeClr val="tx1"/>
+                      </a:solidFill>
+                      <a:prstDash val="solid"/>
+                      <a:round/>
+                      <a:headEnd type="none" w="med" len="med"/>
+                      <a:tailEnd type="none" w="med" len="med"/>
+                    </a:lnL>
+                    <a:lnR w="76200" cap="flat" cmpd="sng" algn="ctr">
+                      <a:solidFill>
+                        <a:schemeClr val="tx1"/>
+                      </a:solidFill>
+                      <a:prstDash val="solid"/>
+                      <a:round/>
+                      <a:headEnd type="none" w="med" len="med"/>
+                      <a:tailEnd type="none" w="med" len="med"/>
+                    </a:lnR>
+                    <a:lnT w="76200" cap="flat" cmpd="sng" algn="ctr">
+                      <a:solidFill>
+                        <a:schemeClr val="tx1"/>
+                      </a:solidFill>
+                      <a:prstDash val="solid"/>
+                      <a:round/>
+                      <a:headEnd type="none" w="med" len="med"/>
+                      <a:tailEnd type="none" w="med" len="med"/>
+                    </a:lnT>
+                    <a:lnB w="76200" cap="flat" cmpd="sng" algn="ctr">
+                      <a:solidFill>
+                        <a:schemeClr val="tx1"/>
+                      </a:solidFill>
+                      <a:prstDash val="solid"/>
+                      <a:round/>
+                      <a:headEnd type="none" w="med" len="med"/>
+                      <a:tailEnd type="none" w="med" len="med"/>
+                    </a:lnB>
+                  </a:tcPr>
+                </a:tc>
+              </a:tr>
+              <a:tr h="1886609">
+                <a:tc>
+                  <a:txBody>
+                    <a:bodyPr/>
+                    <a:lstStyle/>
+                    <a:p>
+                      <a:endParaRPr lang="en-GB" dirty="0"/>
+                    </a:p>
+                  </a:txBody>
+                  <a:tcPr marL="82307" marR="82307">
+                    <a:lnL w="76200" cap="flat" cmpd="sng" algn="ctr">
+                      <a:solidFill>
+                        <a:schemeClr val="tx1"/>
+                      </a:solidFill>
+                      <a:prstDash val="solid"/>
+                      <a:round/>
+                      <a:headEnd type="none" w="med" len="med"/>
+                      <a:tailEnd type="none" w="med" len="med"/>
+                    </a:lnL>
+                    <a:lnR w="76200" cap="flat" cmpd="sng" algn="ctr">
+                      <a:solidFill>
+                        <a:schemeClr val="tx1"/>
+                      </a:solidFill>
+                      <a:prstDash val="solid"/>
+                      <a:round/>
+                      <a:headEnd type="none" w="med" len="med"/>
+                      <a:tailEnd type="none" w="med" len="med"/>
+                    </a:lnR>
+                    <a:lnT w="76200" cap="flat" cmpd="sng" algn="ctr">
+                      <a:solidFill>
+                        <a:schemeClr val="tx1"/>
+                      </a:solidFill>
+                      <a:prstDash val="solid"/>
+                      <a:round/>
+                      <a:headEnd type="none" w="med" len="med"/>
+                      <a:tailEnd type="none" w="med" len="med"/>
+                    </a:lnT>
+                    <a:lnB w="76200" cap="flat" cmpd="sng" algn="ctr">
+                      <a:solidFill>
+                        <a:schemeClr val="tx1"/>
+                      </a:solidFill>
+                      <a:prstDash val="solid"/>
+                      <a:round/>
+                      <a:headEnd type="none" w="med" len="med"/>
+                      <a:tailEnd type="none" w="med" len="med"/>
+                    </a:lnB>
+                  </a:tcPr>
+                </a:tc>
+                <a:tc>
+                  <a:txBody>
+                    <a:bodyPr/>
+                    <a:lstStyle/>
+                    <a:p>
+                      <a:endParaRPr lang="en-GB" dirty="0"/>
+                    </a:p>
+                  </a:txBody>
+                  <a:tcPr marL="82307" marR="82307">
+                    <a:lnL w="76200" cap="flat" cmpd="sng" algn="ctr">
+                      <a:solidFill>
+                        <a:schemeClr val="tx1"/>
+                      </a:solidFill>
+                      <a:prstDash val="solid"/>
+                      <a:round/>
+                      <a:headEnd type="none" w="med" len="med"/>
+                      <a:tailEnd type="none" w="med" len="med"/>
+                    </a:lnL>
+                    <a:lnR w="76200" cap="flat" cmpd="sng" algn="ctr">
+                      <a:solidFill>
+                        <a:schemeClr val="tx1"/>
+                      </a:solidFill>
+                      <a:prstDash val="solid"/>
+                      <a:round/>
+                      <a:headEnd type="none" w="med" len="med"/>
+                      <a:tailEnd type="none" w="med" len="med"/>
+                    </a:lnR>
+                    <a:lnT w="76200" cap="flat" cmpd="sng" algn="ctr">
+                      <a:solidFill>
+                        <a:schemeClr val="tx1"/>
+                      </a:solidFill>
+                      <a:prstDash val="solid"/>
+                      <a:round/>
+                      <a:headEnd type="none" w="med" len="med"/>
+                      <a:tailEnd type="none" w="med" len="med"/>
+                    </a:lnT>
+                    <a:lnB w="76200" cap="flat" cmpd="sng" algn="ctr">
+                      <a:solidFill>
+                        <a:schemeClr val="tx1"/>
+                      </a:solidFill>
+                      <a:prstDash val="solid"/>
+                      <a:round/>
+                      <a:headEnd type="none" w="med" len="med"/>
+                      <a:tailEnd type="none" w="med" len="med"/>
+                    </a:lnB>
+                  </a:tcPr>
+                </a:tc>
+                <a:tc>
+                  <a:txBody>
+                    <a:bodyPr/>
+                    <a:lstStyle/>
+                    <a:p>
+                      <a:endParaRPr lang="en-GB" dirty="0"/>
+                    </a:p>
+                  </a:txBody>
+                  <a:tcPr marL="82307" marR="82307">
+                    <a:lnL w="76200" cap="flat" cmpd="sng" algn="ctr">
+                      <a:solidFill>
+                        <a:schemeClr val="tx1"/>
+                      </a:solidFill>
+                      <a:prstDash val="solid"/>
+                      <a:round/>
+                      <a:headEnd type="none" w="med" len="med"/>
+                      <a:tailEnd type="none" w="med" len="med"/>
+                    </a:lnL>
+                    <a:lnR w="76200" cap="flat" cmpd="sng" algn="ctr">
+                      <a:solidFill>
+                        <a:schemeClr val="tx1"/>
+                      </a:solidFill>
+                      <a:prstDash val="solid"/>
+                      <a:round/>
+                      <a:headEnd type="none" w="med" len="med"/>
+                      <a:tailEnd type="none" w="med" len="med"/>
+                    </a:lnR>
+                    <a:lnT w="76200" cap="flat" cmpd="sng" algn="ctr">
+                      <a:solidFill>
+                        <a:schemeClr val="tx1"/>
+                      </a:solidFill>
+                      <a:prstDash val="solid"/>
+                      <a:round/>
+                      <a:headEnd type="none" w="med" len="med"/>
+                      <a:tailEnd type="none" w="med" len="med"/>
+                    </a:lnT>
+                    <a:lnB w="76200" cap="flat" cmpd="sng" algn="ctr">
+                      <a:solidFill>
+                        <a:schemeClr val="tx1"/>
+                      </a:solidFill>
+                      <a:prstDash val="solid"/>
+                      <a:round/>
+                      <a:headEnd type="none" w="med" len="med"/>
+                      <a:tailEnd type="none" w="med" len="med"/>
+                    </a:lnB>
+                  </a:tcPr>
+                </a:tc>
+                <a:tc>
+                  <a:txBody>
+                    <a:bodyPr/>
+                    <a:lstStyle/>
+                    <a:p>
+                      <a:endParaRPr lang="en-GB" dirty="0"/>
+                    </a:p>
+                  </a:txBody>
+                  <a:tcPr marL="82307" marR="82307">
+                    <a:lnL w="76200" cap="flat" cmpd="sng" algn="ctr">
+                      <a:solidFill>
+                        <a:schemeClr val="tx1"/>
+                      </a:solidFill>
+                      <a:prstDash val="solid"/>
+                      <a:round/>
+                      <a:headEnd type="none" w="med" len="med"/>
+                      <a:tailEnd type="none" w="med" len="med"/>
+                    </a:lnL>
+                    <a:lnR w="76200" cap="flat" cmpd="sng" algn="ctr">
+                      <a:solidFill>
+                        <a:schemeClr val="tx1"/>
+                      </a:solidFill>
+                      <a:prstDash val="solid"/>
+                      <a:round/>
+                      <a:headEnd type="none" w="med" len="med"/>
+                      <a:tailEnd type="none" w="med" len="med"/>
+                    </a:lnR>
+                    <a:lnT w="76200" cap="flat" cmpd="sng" algn="ctr">
+                      <a:solidFill>
+                        <a:schemeClr val="tx1"/>
+                      </a:solidFill>
+                      <a:prstDash val="solid"/>
+                      <a:round/>
+                      <a:headEnd type="none" w="med" len="med"/>
+                      <a:tailEnd type="none" w="med" len="med"/>
+                    </a:lnT>
+                    <a:lnB w="76200" cap="flat" cmpd="sng" algn="ctr">
+                      <a:solidFill>
+                        <a:schemeClr val="tx1"/>
+                      </a:solidFill>
+                      <a:prstDash val="solid"/>
+                      <a:round/>
+                      <a:headEnd type="none" w="med" len="med"/>
+                      <a:tailEnd type="none" w="med" len="med"/>
+                    </a:lnB>
+                  </a:tcPr>
+                </a:tc>
+                <a:tc>
+                  <a:txBody>
+                    <a:bodyPr/>
+                    <a:lstStyle/>
+                    <a:p>
+                      <a:endParaRPr lang="en-GB" dirty="0"/>
+                    </a:p>
+                  </a:txBody>
+                  <a:tcPr marL="82307" marR="82307">
+                    <a:lnL w="76200" cap="flat" cmpd="sng" algn="ctr">
+                      <a:solidFill>
+                        <a:schemeClr val="tx1"/>
+                      </a:solidFill>
+                      <a:prstDash val="solid"/>
+                      <a:round/>
+                      <a:headEnd type="none" w="med" len="med"/>
+                      <a:tailEnd type="none" w="med" len="med"/>
+                    </a:lnL>
+                    <a:lnR w="76200" cap="flat" cmpd="sng" algn="ctr">
+                      <a:solidFill>
+                        <a:schemeClr val="tx1"/>
+                      </a:solidFill>
+                      <a:prstDash val="solid"/>
+                      <a:round/>
+                      <a:headEnd type="none" w="med" len="med"/>
+                      <a:tailEnd type="none" w="med" len="med"/>
+                    </a:lnR>
+                    <a:lnT w="76200" cap="flat" cmpd="sng" algn="ctr">
+                      <a:solidFill>
+                        <a:schemeClr val="tx1"/>
+                      </a:solidFill>
+                      <a:prstDash val="solid"/>
+                      <a:round/>
+                      <a:headEnd type="none" w="med" len="med"/>
+                      <a:tailEnd type="none" w="med" len="med"/>
+                    </a:lnT>
+                    <a:lnB w="76200" cap="flat" cmpd="sng" algn="ctr">
+                      <a:solidFill>
+                        <a:schemeClr val="tx1"/>
+                      </a:solidFill>
+                      <a:prstDash val="solid"/>
+                      <a:round/>
+                      <a:headEnd type="none" w="med" len="med"/>
+                      <a:tailEnd type="none" w="med" len="med"/>
+                    </a:lnB>
+                  </a:tcPr>
+                </a:tc>
+              </a:tr>
+              <a:tr h="1886609">
+                <a:tc>
+                  <a:txBody>
+                    <a:bodyPr/>
+                    <a:lstStyle/>
+                    <a:p>
+                      <a:endParaRPr lang="en-GB" dirty="0"/>
+                    </a:p>
+                  </a:txBody>
+                  <a:tcPr marL="82307" marR="82307">
+                    <a:lnL w="76200" cap="flat" cmpd="sng" algn="ctr">
+                      <a:solidFill>
+                        <a:schemeClr val="tx1"/>
+                      </a:solidFill>
+                      <a:prstDash val="solid"/>
+                      <a:round/>
+                      <a:headEnd type="none" w="med" len="med"/>
+                      <a:tailEnd type="none" w="med" len="med"/>
+                    </a:lnL>
+                    <a:lnR w="76200" cap="flat" cmpd="sng" algn="ctr">
+                      <a:solidFill>
+                        <a:schemeClr val="tx1"/>
+                      </a:solidFill>
+                      <a:prstDash val="solid"/>
+                      <a:round/>
+                      <a:headEnd type="none" w="med" len="med"/>
+                      <a:tailEnd type="none" w="med" len="med"/>
+                    </a:lnR>
+                    <a:lnT w="76200" cap="flat" cmpd="sng" algn="ctr">
+                      <a:solidFill>
+                        <a:schemeClr val="tx1"/>
+                      </a:solidFill>
+                      <a:prstDash val="solid"/>
+                      <a:round/>
+                      <a:headEnd type="none" w="med" len="med"/>
+                      <a:tailEnd type="none" w="med" len="med"/>
+                    </a:lnT>
+                    <a:lnB w="76200" cap="flat" cmpd="sng" algn="ctr">
+                      <a:solidFill>
+                        <a:schemeClr val="tx1"/>
+                      </a:solidFill>
+                      <a:prstDash val="solid"/>
+                      <a:round/>
+                      <a:headEnd type="none" w="med" len="med"/>
+                      <a:tailEnd type="none" w="med" len="med"/>
+                    </a:lnB>
+                  </a:tcPr>
+                </a:tc>
+                <a:tc>
+                  <a:txBody>
+                    <a:bodyPr/>
+                    <a:lstStyle/>
+                    <a:p>
+                      <a:endParaRPr lang="en-GB" dirty="0"/>
+                    </a:p>
+                  </a:txBody>
+                  <a:tcPr marL="82307" marR="82307">
+                    <a:lnL w="76200" cap="flat" cmpd="sng" algn="ctr">
+                      <a:solidFill>
+                        <a:schemeClr val="tx1"/>
+                      </a:solidFill>
+                      <a:prstDash val="solid"/>
+                      <a:round/>
+                      <a:headEnd type="none" w="med" len="med"/>
+                      <a:tailEnd type="none" w="med" len="med"/>
+                    </a:lnL>
+                    <a:lnR w="76200" cap="flat" cmpd="sng" algn="ctr">
+                      <a:solidFill>
+                        <a:schemeClr val="tx1"/>
+                      </a:solidFill>
+                      <a:prstDash val="solid"/>
+                      <a:round/>
+                      <a:headEnd type="none" w="med" len="med"/>
+                      <a:tailEnd type="none" w="med" len="med"/>
+                    </a:lnR>
+                    <a:lnT w="76200" cap="flat" cmpd="sng" algn="ctr">
+                      <a:solidFill>
+                        <a:schemeClr val="tx1"/>
+                      </a:solidFill>
+                      <a:prstDash val="solid"/>
+                      <a:round/>
+                      <a:headEnd type="none" w="med" len="med"/>
+                      <a:tailEnd type="none" w="med" len="med"/>
+                    </a:lnT>
+                    <a:lnB w="76200" cap="flat" cmpd="sng" algn="ctr">
+                      <a:solidFill>
+                        <a:schemeClr val="tx1"/>
+                      </a:solidFill>
+                      <a:prstDash val="solid"/>
+                      <a:round/>
+                      <a:headEnd type="none" w="med" len="med"/>
+                      <a:tailEnd type="none" w="med" len="med"/>
+                    </a:lnB>
+                  </a:tcPr>
+                </a:tc>
+                <a:tc>
+                  <a:txBody>
+                    <a:bodyPr/>
+                    <a:lstStyle/>
+                    <a:p>
+                      <a:endParaRPr lang="en-GB" dirty="0"/>
+                    </a:p>
+                  </a:txBody>
+                  <a:tcPr marL="82307" marR="82307">
+                    <a:lnL w="76200" cap="flat" cmpd="sng" algn="ctr">
+                      <a:solidFill>
+                        <a:schemeClr val="tx1"/>
+                      </a:solidFill>
+                      <a:prstDash val="solid"/>
+                      <a:round/>
+                      <a:headEnd type="none" w="med" len="med"/>
+                      <a:tailEnd type="none" w="med" len="med"/>
+                    </a:lnL>
+                    <a:lnR w="76200" cap="flat" cmpd="sng" algn="ctr">
+                      <a:solidFill>
+                        <a:schemeClr val="tx1"/>
+                      </a:solidFill>
+                      <a:prstDash val="solid"/>
+                      <a:round/>
+                      <a:headEnd type="none" w="med" len="med"/>
+                      <a:tailEnd type="none" w="med" len="med"/>
+                    </a:lnR>
+                    <a:lnT w="76200" cap="flat" cmpd="sng" algn="ctr">
+                      <a:solidFill>
+                        <a:schemeClr val="tx1"/>
+                      </a:solidFill>
+                      <a:prstDash val="solid"/>
+                      <a:round/>
+                      <a:headEnd type="none" w="med" len="med"/>
+                      <a:tailEnd type="none" w="med" len="med"/>
+                    </a:lnT>
+                    <a:lnB w="76200" cap="flat" cmpd="sng" algn="ctr">
+                      <a:solidFill>
+                        <a:schemeClr val="tx1"/>
+                      </a:solidFill>
+                      <a:prstDash val="solid"/>
+                      <a:round/>
+                      <a:headEnd type="none" w="med" len="med"/>
+                      <a:tailEnd type="none" w="med" len="med"/>
+                    </a:lnB>
+                  </a:tcPr>
+                </a:tc>
+                <a:tc>
+                  <a:txBody>
+                    <a:bodyPr/>
+                    <a:lstStyle/>
+                    <a:p>
+                      <a:endParaRPr lang="en-GB" dirty="0"/>
+                    </a:p>
+                  </a:txBody>
+                  <a:tcPr marL="82307" marR="82307">
+                    <a:lnL w="76200" cap="flat" cmpd="sng" algn="ctr">
+                      <a:solidFill>
+                        <a:schemeClr val="tx1"/>
+                      </a:solidFill>
+                      <a:prstDash val="solid"/>
+                      <a:round/>
+                      <a:headEnd type="none" w="med" len="med"/>
+                      <a:tailEnd type="none" w="med" len="med"/>
+                    </a:lnL>
+                    <a:lnR w="76200" cap="flat" cmpd="sng" algn="ctr">
+                      <a:solidFill>
+                        <a:schemeClr val="tx1"/>
+                      </a:solidFill>
+                      <a:prstDash val="solid"/>
+                      <a:round/>
+                      <a:headEnd type="none" w="med" len="med"/>
+                      <a:tailEnd type="none" w="med" len="med"/>
+                    </a:lnR>
+                    <a:lnT w="76200" cap="flat" cmpd="sng" algn="ctr">
+                      <a:solidFill>
+                        <a:schemeClr val="tx1"/>
+                      </a:solidFill>
+                      <a:prstDash val="solid"/>
+                      <a:round/>
+                      <a:headEnd type="none" w="med" len="med"/>
+                      <a:tailEnd type="none" w="med" len="med"/>
+                    </a:lnT>
+                    <a:lnB w="76200" cap="flat" cmpd="sng" algn="ctr">
+                      <a:solidFill>
+                        <a:schemeClr val="tx1"/>
+                      </a:solidFill>
+                      <a:prstDash val="solid"/>
+                      <a:round/>
+                      <a:headEnd type="none" w="med" len="med"/>
+                      <a:tailEnd type="none" w="med" len="med"/>
+                    </a:lnB>
+                  </a:tcPr>
+                </a:tc>
+                <a:tc>
+                  <a:txBody>
+                    <a:bodyPr/>
+                    <a:lstStyle/>
+                    <a:p>
+                      <a:endParaRPr lang="en-GB" dirty="0"/>
+                    </a:p>
+                  </a:txBody>
+                  <a:tcPr marL="82307" marR="82307">
+                    <a:lnL w="76200" cap="flat" cmpd="sng" algn="ctr">
+                      <a:solidFill>
+                        <a:schemeClr val="tx1"/>
+                      </a:solidFill>
+                      <a:prstDash val="solid"/>
+                      <a:round/>
+                      <a:headEnd type="none" w="med" len="med"/>
+                      <a:tailEnd type="none" w="med" len="med"/>
+                    </a:lnL>
+                    <a:lnR w="76200" cap="flat" cmpd="sng" algn="ctr">
+                      <a:solidFill>
+                        <a:schemeClr val="tx1"/>
+                      </a:solidFill>
+                      <a:prstDash val="solid"/>
+                      <a:round/>
+                      <a:headEnd type="none" w="med" len="med"/>
+                      <a:tailEnd type="none" w="med" len="med"/>
+                    </a:lnR>
+                    <a:lnT w="76200" cap="flat" cmpd="sng" algn="ctr">
+                      <a:solidFill>
+                        <a:schemeClr val="tx1"/>
+                      </a:solidFill>
+                      <a:prstDash val="solid"/>
+                      <a:round/>
+                      <a:headEnd type="none" w="med" len="med"/>
+                      <a:tailEnd type="none" w="med" len="med"/>
+                    </a:lnT>
+                    <a:lnB w="76200" cap="flat" cmpd="sng" algn="ctr">
+                      <a:solidFill>
+                        <a:schemeClr val="tx1"/>
+                      </a:solidFill>
+                      <a:prstDash val="solid"/>
+                      <a:round/>
+                      <a:headEnd type="none" w="med" len="med"/>
+                      <a:tailEnd type="none" w="med" len="med"/>
+                    </a:lnB>
+                  </a:tcPr>
+                </a:tc>
+              </a:tr>
+            </a:tbl>
+          </a:graphicData>
+        </a:graphic>
+      </p:graphicFrame>
+      <p:sp>
+        <p:nvSpPr>
+          <p:cNvPr id="25" name="Oval 24"/>
+          <p:cNvSpPr/>
+          <p:nvPr/>
+        </p:nvSpPr>
+        <p:spPr bwMode="auto">
+          <a:xfrm>
+            <a:off x="23225060" y="14262438"/>
+            <a:ext cx="1010758" cy="1013330"/>
+          </a:xfrm>
+          <a:prstGeom prst="ellipse">
+            <a:avLst/>
+          </a:prstGeom>
+          <a:solidFill>
+            <a:srgbClr val="FF0000"/>
+          </a:solidFill>
+          <a:ln>
+            <a:solidFill>
+              <a:schemeClr val="tx1"/>
+            </a:solidFill>
+          </a:ln>
+          <a:effectLst/>
+          <a:extLst/>
+        </p:spPr>
+        <p:txBody>
+          <a:bodyPr vert="horz" wrap="square" lIns="457200" tIns="228600" rIns="457200" bIns="228600" numCol="1" rtlCol="0" anchor="t" anchorCtr="0" compatLnSpc="1">
+            <a:prstTxWarp prst="textNoShape">
+              <a:avLst/>
+            </a:prstTxWarp>
+          </a:bodyPr>
+          <a:lstStyle/>
+          <a:p>
+            <a:pPr marL="0" marR="0" indent="0" algn="l" defTabSz="914400" rtl="0" eaLnBrk="1" fontAlgn="base" latinLnBrk="0" hangingPunct="1">
+              <a:lnSpc>
+                <a:spcPct val="100000"/>
+              </a:lnSpc>
+              <a:spcBef>
+                <a:spcPct val="20000"/>
+              </a:spcBef>
+              <a:spcAft>
+                <a:spcPct val="0"/>
+              </a:spcAft>
+              <a:buClrTx/>
+              <a:buSzTx/>
+              <a:buFontTx/>
+              <a:buNone/>
+              <a:tabLst/>
+            </a:pPr>
+            <a:endParaRPr kumimoji="0" lang="en-GB" sz="4600" b="0" i="0" u="none" strike="noStrike" cap="none" normalizeH="0" baseline="0" dirty="0" smtClean="0">
+              <a:ln>
+                <a:noFill/>
+              </a:ln>
+              <a:solidFill>
+                <a:srgbClr val="000000"/>
+              </a:solidFill>
+              <a:effectLst/>
+              <a:latin typeface="Arial" charset="0"/>
+            </a:endParaRPr>
+          </a:p>
+        </p:txBody>
+      </p:sp>
+      <p:sp>
+        <p:nvSpPr>
+          <p:cNvPr id="26" name="Oval 25"/>
+          <p:cNvSpPr/>
+          <p:nvPr/>
+        </p:nvSpPr>
+        <p:spPr bwMode="auto">
+          <a:xfrm>
+            <a:off x="23142070" y="10590033"/>
+            <a:ext cx="1086077" cy="1013330"/>
+          </a:xfrm>
+          <a:prstGeom prst="ellipse">
+            <a:avLst/>
+          </a:prstGeom>
+          <a:solidFill>
+            <a:schemeClr val="tx1"/>
+          </a:solidFill>
+          <a:ln>
+            <a:solidFill>
+              <a:schemeClr val="tx1"/>
+            </a:solidFill>
+          </a:ln>
+          <a:effectLst/>
+          <a:extLst/>
+        </p:spPr>
+        <p:txBody>
+          <a:bodyPr vert="horz" wrap="square" lIns="457200" tIns="228600" rIns="457200" bIns="228600" numCol="1" rtlCol="0" anchor="t" anchorCtr="0" compatLnSpc="1">
+            <a:prstTxWarp prst="textNoShape">
+              <a:avLst/>
+            </a:prstTxWarp>
+          </a:bodyPr>
+          <a:lstStyle/>
+          <a:p>
+            <a:pPr marL="0" marR="0" indent="0" algn="l" defTabSz="914400" rtl="0" eaLnBrk="1" fontAlgn="base" latinLnBrk="0" hangingPunct="1">
+              <a:lnSpc>
+                <a:spcPct val="100000"/>
+              </a:lnSpc>
+              <a:spcBef>
+                <a:spcPct val="20000"/>
+              </a:spcBef>
+              <a:spcAft>
+                <a:spcPct val="0"/>
+              </a:spcAft>
+              <a:buClrTx/>
+              <a:buSzTx/>
+              <a:buFontTx/>
+              <a:buNone/>
+              <a:tabLst/>
+            </a:pPr>
+            <a:endParaRPr kumimoji="0" lang="en-GB" sz="4600" b="0" i="0" u="none" strike="noStrike" cap="none" normalizeH="0" baseline="0" dirty="0" smtClean="0">
+              <a:ln>
+                <a:noFill/>
+              </a:ln>
+              <a:solidFill>
+                <a:schemeClr val="tx1"/>
+              </a:solidFill>
+              <a:effectLst/>
+              <a:latin typeface="Arial" charset="0"/>
+            </a:endParaRPr>
+          </a:p>
+        </p:txBody>
+      </p:sp>
+      <p:sp>
+        <p:nvSpPr>
+          <p:cNvPr id="27" name="Oval 26"/>
+          <p:cNvSpPr/>
+          <p:nvPr/>
+        </p:nvSpPr>
+        <p:spPr bwMode="auto">
+          <a:xfrm>
+            <a:off x="23149741" y="18186877"/>
+            <a:ext cx="1086077" cy="1013330"/>
+          </a:xfrm>
+          <a:prstGeom prst="ellipse">
+            <a:avLst/>
+          </a:prstGeom>
+          <a:solidFill>
+            <a:schemeClr val="tx1"/>
+          </a:solidFill>
+          <a:ln>
+            <a:solidFill>
+              <a:schemeClr val="tx1"/>
+            </a:solidFill>
+          </a:ln>
+          <a:effectLst/>
+          <a:extLst/>
+        </p:spPr>
+        <p:txBody>
+          <a:bodyPr vert="horz" wrap="square" lIns="457200" tIns="228600" rIns="457200" bIns="228600" numCol="1" rtlCol="0" anchor="t" anchorCtr="0" compatLnSpc="1">
+            <a:prstTxWarp prst="textNoShape">
+              <a:avLst/>
+            </a:prstTxWarp>
+          </a:bodyPr>
+          <a:lstStyle/>
+          <a:p>
+            <a:pPr marL="0" marR="0" indent="0" algn="l" defTabSz="914400" rtl="0" eaLnBrk="1" fontAlgn="base" latinLnBrk="0" hangingPunct="1">
+              <a:lnSpc>
+                <a:spcPct val="100000"/>
+              </a:lnSpc>
+              <a:spcBef>
+                <a:spcPct val="20000"/>
+              </a:spcBef>
+              <a:spcAft>
+                <a:spcPct val="0"/>
+              </a:spcAft>
+              <a:buClrTx/>
+              <a:buSzTx/>
+              <a:buFontTx/>
+              <a:buNone/>
+              <a:tabLst/>
+            </a:pPr>
+            <a:endParaRPr kumimoji="0" lang="en-GB" sz="4600" b="0" i="0" u="none" strike="noStrike" cap="none" normalizeH="0" baseline="0" dirty="0" smtClean="0">
+              <a:ln>
+                <a:noFill/>
+              </a:ln>
+              <a:solidFill>
+                <a:srgbClr val="000000"/>
+              </a:solidFill>
+              <a:effectLst/>
+              <a:latin typeface="Arial" charset="0"/>
+            </a:endParaRPr>
+          </a:p>
+        </p:txBody>
+      </p:sp>
+      <p:sp>
+        <p:nvSpPr>
+          <p:cNvPr id="28" name="Oval 27"/>
+          <p:cNvSpPr/>
+          <p:nvPr/>
+        </p:nvSpPr>
+        <p:spPr bwMode="auto">
+          <a:xfrm>
+            <a:off x="26755549" y="14339664"/>
+            <a:ext cx="1086077" cy="1013330"/>
+          </a:xfrm>
+          <a:prstGeom prst="ellipse">
+            <a:avLst/>
+          </a:prstGeom>
+          <a:solidFill>
+            <a:schemeClr val="bg1"/>
+          </a:solidFill>
+          <a:ln w="38100">
+            <a:solidFill>
+              <a:schemeClr val="tx1"/>
+            </a:solidFill>
+          </a:ln>
+          <a:effectLst/>
+          <a:extLst/>
+        </p:spPr>
+        <p:txBody>
+          <a:bodyPr vert="horz" wrap="square" lIns="457200" tIns="228600" rIns="457200" bIns="228600" numCol="1" rtlCol="0" anchor="t" anchorCtr="0" compatLnSpc="1">
+            <a:prstTxWarp prst="textNoShape">
+              <a:avLst/>
+            </a:prstTxWarp>
+          </a:bodyPr>
+          <a:lstStyle/>
+          <a:p>
+            <a:pPr marL="0" marR="0" indent="0" algn="l" defTabSz="914400" rtl="0" eaLnBrk="1" fontAlgn="base" latinLnBrk="0" hangingPunct="1">
+              <a:lnSpc>
+                <a:spcPct val="100000"/>
+              </a:lnSpc>
+              <a:spcBef>
+                <a:spcPct val="20000"/>
+              </a:spcBef>
+              <a:spcAft>
+                <a:spcPct val="0"/>
+              </a:spcAft>
+              <a:buClrTx/>
+              <a:buSzTx/>
+              <a:buFontTx/>
+              <a:buNone/>
+              <a:tabLst/>
+            </a:pPr>
+            <a:endParaRPr kumimoji="0" lang="en-GB" sz="4600" b="0" i="0" u="none" strike="noStrike" cap="none" normalizeH="0" baseline="0" dirty="0" smtClean="0">
+              <a:ln w="57150">
+                <a:solidFill>
+                  <a:schemeClr val="tx1"/>
+                </a:solidFill>
+              </a:ln>
+              <a:solidFill>
+                <a:schemeClr val="tx1"/>
+              </a:solidFill>
+              <a:effectLst/>
+              <a:latin typeface="Arial" charset="0"/>
+            </a:endParaRPr>
+          </a:p>
+        </p:txBody>
+      </p:sp>
+      <p:sp>
+        <p:nvSpPr>
+          <p:cNvPr id="29" name="Oval 28"/>
+          <p:cNvSpPr/>
+          <p:nvPr/>
+        </p:nvSpPr>
+        <p:spPr bwMode="auto">
+          <a:xfrm>
+            <a:off x="19577202" y="14334449"/>
+            <a:ext cx="1086077" cy="1013330"/>
+          </a:xfrm>
+          <a:prstGeom prst="ellipse">
+            <a:avLst/>
+          </a:prstGeom>
+          <a:solidFill>
+            <a:schemeClr val="tx1"/>
+          </a:solidFill>
+          <a:ln>
+            <a:solidFill>
+              <a:schemeClr val="tx1"/>
+            </a:solidFill>
+          </a:ln>
+          <a:effectLst/>
+          <a:extLst/>
+        </p:spPr>
+        <p:txBody>
+          <a:bodyPr vert="horz" wrap="square" lIns="457200" tIns="228600" rIns="457200" bIns="228600" numCol="1" rtlCol="0" anchor="t" anchorCtr="0" compatLnSpc="1">
+            <a:prstTxWarp prst="textNoShape">
+              <a:avLst/>
+            </a:prstTxWarp>
+          </a:bodyPr>
+          <a:lstStyle/>
+          <a:p>
+            <a:pPr marL="0" marR="0" indent="0" algn="l" defTabSz="914400" rtl="0" eaLnBrk="1" fontAlgn="base" latinLnBrk="0" hangingPunct="1">
+              <a:lnSpc>
+                <a:spcPct val="100000"/>
+              </a:lnSpc>
+              <a:spcBef>
+                <a:spcPct val="20000"/>
+              </a:spcBef>
+              <a:spcAft>
+                <a:spcPct val="0"/>
+              </a:spcAft>
+              <a:buClrTx/>
+              <a:buSzTx/>
+              <a:buFontTx/>
+              <a:buNone/>
+              <a:tabLst/>
+            </a:pPr>
+            <a:endParaRPr kumimoji="0" lang="en-GB" sz="4600" b="0" i="0" u="none" strike="noStrike" cap="none" normalizeH="0" baseline="0" dirty="0" smtClean="0">
+              <a:ln>
+                <a:noFill/>
+              </a:ln>
+              <a:solidFill>
+                <a:srgbClr val="000000"/>
+              </a:solidFill>
+              <a:effectLst/>
+              <a:latin typeface="Arial" charset="0"/>
+            </a:endParaRPr>
+          </a:p>
+        </p:txBody>
+      </p:sp>
+      <p:sp>
+        <p:nvSpPr>
+          <p:cNvPr id="30" name="Oval 29"/>
+          <p:cNvSpPr/>
+          <p:nvPr/>
+        </p:nvSpPr>
+        <p:spPr bwMode="auto">
+          <a:xfrm>
+            <a:off x="20614255" y="11670153"/>
+            <a:ext cx="1086077" cy="1013330"/>
+          </a:xfrm>
+          <a:prstGeom prst="ellipse">
+            <a:avLst/>
+          </a:prstGeom>
+          <a:solidFill>
+            <a:schemeClr val="tx1"/>
+          </a:solidFill>
+          <a:ln>
+            <a:solidFill>
+              <a:schemeClr val="tx1"/>
+            </a:solidFill>
+          </a:ln>
+          <a:effectLst/>
+          <a:extLst/>
+        </p:spPr>
+        <p:txBody>
+          <a:bodyPr vert="horz" wrap="square" lIns="457200" tIns="228600" rIns="457200" bIns="228600" numCol="1" rtlCol="0" anchor="t" anchorCtr="0" compatLnSpc="1">
+            <a:prstTxWarp prst="textNoShape">
+              <a:avLst/>
+            </a:prstTxWarp>
+          </a:bodyPr>
+          <a:lstStyle/>
+          <a:p>
+            <a:pPr marL="0" marR="0" indent="0" algn="l" defTabSz="914400" rtl="0" eaLnBrk="1" fontAlgn="base" latinLnBrk="0" hangingPunct="1">
+              <a:lnSpc>
+                <a:spcPct val="100000"/>
+              </a:lnSpc>
+              <a:spcBef>
+                <a:spcPct val="20000"/>
+              </a:spcBef>
+              <a:spcAft>
+                <a:spcPct val="0"/>
+              </a:spcAft>
+              <a:buClrTx/>
+              <a:buSzTx/>
+              <a:buFontTx/>
+              <a:buNone/>
+              <a:tabLst/>
+            </a:pPr>
+            <a:endParaRPr kumimoji="0" lang="en-GB" sz="4600" b="0" i="0" u="none" strike="noStrike" cap="none" normalizeH="0" baseline="0" dirty="0" smtClean="0">
+              <a:ln>
+                <a:noFill/>
+              </a:ln>
+              <a:solidFill>
+                <a:srgbClr val="000000"/>
+              </a:solidFill>
+              <a:effectLst/>
+              <a:latin typeface="Arial" charset="0"/>
+            </a:endParaRPr>
+          </a:p>
+        </p:txBody>
+      </p:sp>
+      <p:sp>
+        <p:nvSpPr>
+          <p:cNvPr id="31" name="Oval 30"/>
+          <p:cNvSpPr/>
+          <p:nvPr/>
+        </p:nvSpPr>
+        <p:spPr bwMode="auto">
+          <a:xfrm>
+            <a:off x="25718497" y="11742161"/>
+            <a:ext cx="1086077" cy="1013330"/>
+          </a:xfrm>
+          <a:prstGeom prst="ellipse">
+            <a:avLst/>
+          </a:prstGeom>
+          <a:solidFill>
+            <a:schemeClr val="tx1"/>
+          </a:solidFill>
+          <a:ln>
+            <a:solidFill>
+              <a:schemeClr val="tx1"/>
+            </a:solidFill>
+          </a:ln>
+          <a:effectLst/>
+          <a:extLst/>
+        </p:spPr>
+        <p:txBody>
+          <a:bodyPr vert="horz" wrap="square" lIns="457200" tIns="228600" rIns="457200" bIns="228600" numCol="1" rtlCol="0" anchor="t" anchorCtr="0" compatLnSpc="1">
+            <a:prstTxWarp prst="textNoShape">
+              <a:avLst/>
+            </a:prstTxWarp>
+          </a:bodyPr>
+          <a:lstStyle/>
+          <a:p>
+            <a:pPr marL="0" marR="0" indent="0" algn="l" defTabSz="914400" rtl="0" eaLnBrk="1" fontAlgn="base" latinLnBrk="0" hangingPunct="1">
+              <a:lnSpc>
+                <a:spcPct val="100000"/>
+              </a:lnSpc>
+              <a:spcBef>
+                <a:spcPct val="20000"/>
+              </a:spcBef>
+              <a:spcAft>
+                <a:spcPct val="0"/>
+              </a:spcAft>
+              <a:buClrTx/>
+              <a:buSzTx/>
+              <a:buFontTx/>
+              <a:buNone/>
+              <a:tabLst/>
+            </a:pPr>
+            <a:endParaRPr kumimoji="0" lang="en-GB" sz="4600" b="0" i="0" u="none" strike="noStrike" cap="none" normalizeH="0" baseline="0" dirty="0" smtClean="0">
+              <a:ln>
+                <a:noFill/>
+              </a:ln>
+              <a:solidFill>
+                <a:srgbClr val="000000"/>
+              </a:solidFill>
+              <a:effectLst/>
+              <a:latin typeface="Arial" charset="0"/>
+            </a:endParaRPr>
+          </a:p>
+        </p:txBody>
+      </p:sp>
+      <p:sp>
+        <p:nvSpPr>
+          <p:cNvPr id="32" name="Oval 31"/>
+          <p:cNvSpPr/>
+          <p:nvPr/>
+        </p:nvSpPr>
+        <p:spPr bwMode="auto">
+          <a:xfrm>
+            <a:off x="20533235" y="16998745"/>
+            <a:ext cx="1086077" cy="1013330"/>
+          </a:xfrm>
+          <a:prstGeom prst="ellipse">
+            <a:avLst/>
+          </a:prstGeom>
+          <a:solidFill>
+            <a:schemeClr val="bg1"/>
+          </a:solidFill>
+          <a:ln w="38100">
+            <a:solidFill>
+              <a:schemeClr val="tx1"/>
+            </a:solidFill>
+          </a:ln>
+          <a:effectLst/>
+          <a:extLst/>
+        </p:spPr>
+        <p:txBody>
+          <a:bodyPr vert="horz" wrap="square" lIns="457200" tIns="228600" rIns="457200" bIns="228600" numCol="1" rtlCol="0" anchor="t" anchorCtr="0" compatLnSpc="1">
+            <a:prstTxWarp prst="textNoShape">
+              <a:avLst/>
+            </a:prstTxWarp>
+          </a:bodyPr>
+          <a:lstStyle/>
+          <a:p>
+            <a:pPr marL="0" marR="0" indent="0" algn="l" defTabSz="914400" rtl="0" eaLnBrk="1" fontAlgn="base" latinLnBrk="0" hangingPunct="1">
+              <a:lnSpc>
+                <a:spcPct val="100000"/>
+              </a:lnSpc>
+              <a:spcBef>
+                <a:spcPct val="20000"/>
+              </a:spcBef>
+              <a:spcAft>
+                <a:spcPct val="0"/>
+              </a:spcAft>
+              <a:buClrTx/>
+              <a:buSzTx/>
+              <a:buFontTx/>
+              <a:buNone/>
+              <a:tabLst/>
+            </a:pPr>
+            <a:endParaRPr kumimoji="0" lang="en-GB" sz="4600" b="0" i="0" u="none" strike="noStrike" cap="none" normalizeH="0" baseline="0" dirty="0" smtClean="0">
+              <a:ln>
+                <a:noFill/>
+              </a:ln>
+              <a:solidFill>
+                <a:srgbClr val="000000"/>
+              </a:solidFill>
+              <a:effectLst/>
+              <a:latin typeface="Arial" charset="0"/>
+            </a:endParaRPr>
+          </a:p>
+        </p:txBody>
+      </p:sp>
+      <p:sp>
+        <p:nvSpPr>
+          <p:cNvPr id="33" name="Oval 32"/>
+          <p:cNvSpPr/>
+          <p:nvPr/>
+        </p:nvSpPr>
+        <p:spPr bwMode="auto">
+          <a:xfrm>
+            <a:off x="25799517" y="16998745"/>
+            <a:ext cx="1086077" cy="1013330"/>
+          </a:xfrm>
+          <a:prstGeom prst="ellipse">
+            <a:avLst/>
+          </a:prstGeom>
+          <a:solidFill>
+            <a:schemeClr val="bg1"/>
+          </a:solidFill>
+          <a:ln w="38100">
+            <a:solidFill>
+              <a:schemeClr val="tx1"/>
+            </a:solidFill>
+          </a:ln>
+          <a:effectLst/>
+          <a:extLst/>
+        </p:spPr>
+        <p:txBody>
+          <a:bodyPr vert="horz" wrap="square" lIns="457200" tIns="228600" rIns="457200" bIns="228600" numCol="1" rtlCol="0" anchor="t" anchorCtr="0" compatLnSpc="1">
+            <a:prstTxWarp prst="textNoShape">
+              <a:avLst/>
+            </a:prstTxWarp>
+          </a:bodyPr>
+          <a:lstStyle/>
+          <a:p>
+            <a:pPr marL="0" marR="0" indent="0" algn="l" defTabSz="914400" rtl="0" eaLnBrk="1" fontAlgn="base" latinLnBrk="0" hangingPunct="1">
+              <a:lnSpc>
+                <a:spcPct val="100000"/>
+              </a:lnSpc>
+              <a:spcBef>
+                <a:spcPct val="20000"/>
+              </a:spcBef>
+              <a:spcAft>
+                <a:spcPct val="0"/>
+              </a:spcAft>
+              <a:buClrTx/>
+              <a:buSzTx/>
+              <a:buFontTx/>
+              <a:buNone/>
+              <a:tabLst/>
+            </a:pPr>
+            <a:endParaRPr kumimoji="0" lang="en-GB" sz="4600" b="0" i="0" u="none" strike="noStrike" cap="none" normalizeH="0" baseline="0" dirty="0" smtClean="0">
+              <a:ln>
+                <a:noFill/>
+              </a:ln>
+              <a:solidFill>
+                <a:srgbClr val="000000"/>
+              </a:solidFill>
+              <a:effectLst/>
+              <a:latin typeface="Arial" charset="0"/>
+            </a:endParaRPr>
+          </a:p>
+        </p:txBody>
+      </p:sp>
+      <p:sp>
+        <p:nvSpPr>
+          <p:cNvPr id="34" name="TextBox 33"/>
+          <p:cNvSpPr txBox="1"/>
+          <p:nvPr/>
+        </p:nvSpPr>
+        <p:spPr>
+          <a:xfrm>
+            <a:off x="19370377" y="19779180"/>
+            <a:ext cx="8620498" cy="1107996"/>
+          </a:xfrm>
+          <a:prstGeom prst="rect">
+            <a:avLst/>
+          </a:prstGeom>
+          <a:noFill/>
+        </p:spPr>
+        <p:txBody>
+          <a:bodyPr wrap="square" rtlCol="0">
+            <a:spAutoFit/>
+          </a:bodyPr>
+          <a:lstStyle/>
+          <a:p>
+            <a:pPr algn="ctr"/>
+            <a:r>
+              <a:rPr lang="sv-SE" sz="6600" b="1" dirty="0" smtClean="0"/>
+              <a:t>P = 8, R = 2</a:t>
+            </a:r>
+            <a:endParaRPr lang="en-GB" sz="6600" b="1" dirty="0"/>
+          </a:p>
+        </p:txBody>
+      </p:sp>
+      <p:pic>
+        <p:nvPicPr>
+          <p:cNvPr id="1026" name="Picture 2"/>
+          <p:cNvPicPr>
+            <a:picLocks noChangeAspect="1" noChangeArrowheads="1"/>
+          </p:cNvPicPr>
+          <p:nvPr/>
+        </p:nvPicPr>
+        <p:blipFill>
+          <a:blip r:embed="rId2" cstate="print">
+            <a:extLst>
+              <a:ext uri="{28A0092B-C50C-407E-A947-70E740481C1C}">
+                <a14:useLocalDpi xmlns:a14="http://schemas.microsoft.com/office/drawing/2010/main" val="0"/>
+              </a:ext>
+            </a:extLst>
+          </a:blip>
+          <a:srcRect/>
+          <a:stretch>
+            <a:fillRect/>
+          </a:stretch>
+        </p:blipFill>
+        <p:spPr bwMode="auto">
+          <a:xfrm>
+            <a:off x="12058073" y="1706018"/>
+            <a:ext cx="5149290" cy="6430267"/>
+          </a:xfrm>
+          <a:prstGeom prst="rect">
+            <a:avLst/>
+          </a:prstGeom>
+          <a:noFill/>
+          <a:ln>
+            <a:noFill/>
+          </a:ln>
+          <a:effectLst/>
+          <a:extLst>
+            <a:ext uri="{909E8E84-426E-40DD-AFC4-6F175D3DCCD1}">
+              <a14:hiddenFill xmlns:a14="http://schemas.microsoft.com/office/drawing/2010/main">
+                <a:solidFill>
+                  <a:schemeClr val="accent1"/>
+                </a:solidFill>
+              </a14:hiddenFill>
+            </a:ext>
+            <a:ext uri="{91240B29-F687-4F45-9708-019B960494DF}">
+              <a14:hiddenLine xmlns:a14="http://schemas.microsoft.com/office/drawing/2010/main" w="9525">
+                <a:solidFill>
+                  <a:schemeClr val="tx1"/>
+                </a:solidFill>
+                <a:miter lim="800000"/>
+                <a:headEnd/>
+                <a:tailEnd/>
+              </a14:hiddenLine>
+            </a:ext>
+            <a:ext uri="{AF507438-7753-43E0-B8FC-AC1667EBCBE1}">
+              <a14:hiddenEffects xmlns:a14="http://schemas.microsoft.com/office/drawing/2010/main">
+                <a:effectLst>
+                  <a:outerShdw dist="35921" dir="2700000" algn="ctr" rotWithShape="0">
+                    <a:schemeClr val="bg2"/>
+                  </a:outerShdw>
+                </a:effectLst>
+              </a14:hiddenEffects>
+            </a:ext>
+          </a:extLst>
+        </p:spPr>
+      </p:pic>
     </p:spTree>
     <p:extLst>
       <p:ext uri="{BB962C8B-B14F-4D97-AF65-F5344CB8AC3E}">

--- a/Presentation_material/poster.pptx
+++ b/Presentation_material/poster.pptx
@@ -5,14 +5,15 @@
     <p:sldMasterId id="2147483648" r:id="rId1"/>
   </p:sldMasterIdLst>
   <p:notesMasterIdLst>
-    <p:notesMasterId r:id="rId4"/>
+    <p:notesMasterId r:id="rId5"/>
   </p:notesMasterIdLst>
   <p:handoutMasterIdLst>
-    <p:handoutMasterId r:id="rId5"/>
+    <p:handoutMasterId r:id="rId6"/>
   </p:handoutMasterIdLst>
   <p:sldIdLst>
     <p:sldId id="256" r:id="rId2"/>
     <p:sldId id="257" r:id="rId3"/>
+    <p:sldId id="258" r:id="rId4"/>
   </p:sldIdLst>
   <p:sldSz cx="32404050" cy="25201563"/>
   <p:notesSz cx="46342300" cy="46342300"/>
@@ -142,6 +143,163 @@
     </a:lvl9pPr>
   </p:defaultTextStyle>
 </p:presentation>
+</file>
+
+<file path=ppt/charts/chart1.xml><?xml version="1.0" encoding="utf-8"?>
+<c:chartSpace xmlns:c="http://schemas.openxmlformats.org/drawingml/2006/chart" xmlns:a="http://schemas.openxmlformats.org/drawingml/2006/main" xmlns:r="http://schemas.openxmlformats.org/officeDocument/2006/relationships">
+  <c:date1904 val="0"/>
+  <c:lang val="en-GB"/>
+  <c:roundedCorners val="0"/>
+  <mc:AlternateContent xmlns:mc="http://schemas.openxmlformats.org/markup-compatibility/2006">
+    <mc:Choice xmlns:c14="http://schemas.microsoft.com/office/drawing/2007/8/2/chart" Requires="c14">
+      <c14:style val="102"/>
+    </mc:Choice>
+    <mc:Fallback>
+      <c:style val="2"/>
+    </mc:Fallback>
+  </mc:AlternateContent>
+  <c:chart>
+    <c:autoTitleDeleted val="0"/>
+    <c:plotArea>
+      <c:layout/>
+      <c:barChart>
+        <c:barDir val="col"/>
+        <c:grouping val="clustered"/>
+        <c:varyColors val="0"/>
+        <c:ser>
+          <c:idx val="0"/>
+          <c:order val="0"/>
+          <c:spPr>
+            <a:solidFill>
+              <a:schemeClr val="accent4"/>
+            </a:solidFill>
+          </c:spPr>
+          <c:invertIfNegative val="0"/>
+          <c:cat>
+            <c:strRef>
+              <c:f>Sheet1!$F$3:$M$3</c:f>
+              <c:strCache>
+                <c:ptCount val="8"/>
+                <c:pt idx="0">
+                  <c:v>0-1</c:v>
+                </c:pt>
+                <c:pt idx="1">
+                  <c:v>1-2</c:v>
+                </c:pt>
+                <c:pt idx="2">
+                  <c:v>2-3</c:v>
+                </c:pt>
+                <c:pt idx="3">
+                  <c:v>3-4</c:v>
+                </c:pt>
+                <c:pt idx="4">
+                  <c:v>4-5</c:v>
+                </c:pt>
+                <c:pt idx="5">
+                  <c:v>5-6</c:v>
+                </c:pt>
+                <c:pt idx="6">
+                  <c:v>6-7</c:v>
+                </c:pt>
+                <c:pt idx="7">
+                  <c:v>7-8</c:v>
+                </c:pt>
+              </c:strCache>
+            </c:strRef>
+          </c:cat>
+          <c:val>
+            <c:numRef>
+              <c:f>Sheet1!$F$4:$M$4</c:f>
+              <c:numCache>
+                <c:formatCode>General</c:formatCode>
+                <c:ptCount val="8"/>
+                <c:pt idx="0">
+                  <c:v>1</c:v>
+                </c:pt>
+                <c:pt idx="1">
+                  <c:v>4</c:v>
+                </c:pt>
+                <c:pt idx="2">
+                  <c:v>3</c:v>
+                </c:pt>
+                <c:pt idx="3">
+                  <c:v>7</c:v>
+                </c:pt>
+                <c:pt idx="4">
+                  <c:v>4</c:v>
+                </c:pt>
+                <c:pt idx="5">
+                  <c:v>4</c:v>
+                </c:pt>
+                <c:pt idx="6">
+                  <c:v>9</c:v>
+                </c:pt>
+                <c:pt idx="7">
+                  <c:v>12</c:v>
+                </c:pt>
+              </c:numCache>
+            </c:numRef>
+          </c:val>
+        </c:ser>
+        <c:dLbls>
+          <c:showLegendKey val="0"/>
+          <c:showVal val="0"/>
+          <c:showCatName val="0"/>
+          <c:showSerName val="0"/>
+          <c:showPercent val="0"/>
+          <c:showBubbleSize val="0"/>
+        </c:dLbls>
+        <c:gapWidth val="150"/>
+        <c:axId val="277228032"/>
+        <c:axId val="249778112"/>
+      </c:barChart>
+      <c:catAx>
+        <c:axId val="277228032"/>
+        <c:scaling>
+          <c:orientation val="minMax"/>
+        </c:scaling>
+        <c:delete val="0"/>
+        <c:axPos val="b"/>
+        <c:majorTickMark val="out"/>
+        <c:minorTickMark val="none"/>
+        <c:tickLblPos val="nextTo"/>
+        <c:crossAx val="249778112"/>
+        <c:crosses val="autoZero"/>
+        <c:auto val="1"/>
+        <c:lblAlgn val="ctr"/>
+        <c:lblOffset val="100"/>
+        <c:noMultiLvlLbl val="0"/>
+      </c:catAx>
+      <c:valAx>
+        <c:axId val="249778112"/>
+        <c:scaling>
+          <c:orientation val="minMax"/>
+        </c:scaling>
+        <c:delete val="0"/>
+        <c:axPos val="l"/>
+        <c:majorGridlines/>
+        <c:numFmt formatCode="General" sourceLinked="1"/>
+        <c:majorTickMark val="out"/>
+        <c:minorTickMark val="none"/>
+        <c:tickLblPos val="nextTo"/>
+        <c:crossAx val="277228032"/>
+        <c:crosses val="autoZero"/>
+        <c:crossBetween val="between"/>
+      </c:valAx>
+      <c:spPr>
+        <a:solidFill>
+          <a:schemeClr val="bg1"/>
+        </a:solidFill>
+      </c:spPr>
+    </c:plotArea>
+    <c:plotVisOnly val="1"/>
+    <c:dispBlanksAs val="gap"/>
+    <c:showDLblsOverMax val="0"/>
+  </c:chart>
+  <c:externalData r:id="rId1">
+    <c:autoUpdate val="0"/>
+  </c:externalData>
+</c:chartSpace>
 </file>
 
 <file path=ppt/handoutMasters/handoutMaster1.xml><?xml version="1.0" encoding="utf-8"?>
@@ -4406,7 +4564,7 @@
         </p:nvSpPr>
         <p:spPr>
           <a:xfrm>
-            <a:off x="6350205" y="221780"/>
+            <a:off x="6350205" y="-144635"/>
             <a:ext cx="25220773" cy="2801937"/>
           </a:xfrm>
           <a:ln w="76200">
@@ -4443,7 +4601,7 @@
         </p:nvSpPr>
         <p:spPr bwMode="auto">
           <a:xfrm>
-            <a:off x="7142201" y="6262695"/>
+            <a:off x="7142201" y="5904037"/>
             <a:ext cx="8101972" cy="11665296"/>
           </a:xfrm>
           <a:prstGeom prst="roundRect">
@@ -4529,7 +4687,7 @@
         </p:nvSpPr>
         <p:spPr bwMode="auto">
           <a:xfrm>
-            <a:off x="5400825" y="3209414"/>
+            <a:off x="5400825" y="2850756"/>
             <a:ext cx="8784975" cy="8885929"/>
           </a:xfrm>
           <a:prstGeom prst="roundRect">
@@ -4566,6 +4724,126 @@
           </a:bodyPr>
           <a:lstStyle/>
           <a:p>
+            <a:endParaRPr lang="sv-SE" sz="2400" dirty="0" smtClean="0"/>
+          </a:p>
+          <a:p>
+            <a:pPr marL="571500" indent="-571500">
+              <a:buFont typeface="Arial" panose="020B0604020202020204" pitchFamily="34" charset="0"/>
+              <a:buChar char="•"/>
+            </a:pPr>
+            <a:r>
+              <a:rPr lang="sv-SE" sz="3600" dirty="0" smtClean="0"/>
+              <a:t>Compare </a:t>
+            </a:r>
+            <a:r>
+              <a:rPr lang="sv-SE" sz="3600" dirty="0"/>
+              <a:t>ability of methods to classify cell images as healthy or cancerous</a:t>
+            </a:r>
+          </a:p>
+          <a:p>
+            <a:pPr marL="571500" indent="-571500">
+              <a:buFont typeface="Arial" panose="020B0604020202020204" pitchFamily="34" charset="0"/>
+              <a:buChar char="•"/>
+            </a:pPr>
+            <a:r>
+              <a:rPr lang="en-GB" sz="3600" dirty="0"/>
+              <a:t>Evaluate power of texture descriptors, in particular LBPs, to improve </a:t>
+            </a:r>
+            <a:r>
+              <a:rPr lang="en-GB" sz="3600" dirty="0" smtClean="0"/>
+              <a:t>on the </a:t>
+            </a:r>
+            <a:r>
+              <a:rPr lang="en-GB" sz="3600" dirty="0"/>
+              <a:t>performance of purely CNN-based approaches</a:t>
+            </a:r>
+          </a:p>
+          <a:p>
+            <a:pPr marL="571500" indent="-571500">
+              <a:buFont typeface="Arial" panose="020B0604020202020204" pitchFamily="34" charset="0"/>
+              <a:buChar char="•"/>
+            </a:pPr>
+            <a:r>
+              <a:rPr lang="sv-SE" sz="3600" dirty="0"/>
+              <a:t>Implement and compare three recently published models</a:t>
+            </a:r>
+          </a:p>
+          <a:p>
+            <a:pPr marL="1028700" lvl="1" indent="-571500">
+              <a:buFont typeface="Wingdings" panose="05000000000000000000" pitchFamily="2" charset="2"/>
+              <a:buChar char="Ø"/>
+            </a:pPr>
+            <a:r>
+              <a:rPr lang="sv-SE" sz="3600" dirty="0"/>
+              <a:t> 	</a:t>
+            </a:r>
+            <a:r>
+              <a:rPr lang="sv-SE" sz="3600" dirty="0" smtClean="0"/>
+              <a:t>Juefei-Xu </a:t>
+            </a:r>
+            <a:r>
+              <a:rPr lang="sv-SE" sz="3600" dirty="0"/>
+              <a:t>et al. </a:t>
+            </a:r>
+            <a:r>
+              <a:rPr lang="sv-SE" sz="3600" dirty="0" smtClean="0"/>
+              <a:t>[3] </a:t>
+            </a:r>
+            <a:endParaRPr lang="sv-SE" sz="3600" dirty="0"/>
+          </a:p>
+          <a:p>
+            <a:pPr marL="1028700" lvl="1" indent="-571500">
+              <a:buFont typeface="Wingdings" panose="05000000000000000000" pitchFamily="2" charset="2"/>
+              <a:buChar char="Ø"/>
+            </a:pPr>
+            <a:r>
+              <a:rPr lang="sv-SE" sz="3600" dirty="0"/>
+              <a:t>	</a:t>
+            </a:r>
+            <a:r>
+              <a:rPr lang="sv-SE" sz="3600" dirty="0" smtClean="0"/>
+              <a:t>Li </a:t>
+            </a:r>
+            <a:r>
+              <a:rPr lang="sv-SE" sz="3600" dirty="0"/>
+              <a:t>et al. </a:t>
+            </a:r>
+            <a:r>
+              <a:rPr lang="sv-SE" sz="3600" dirty="0" smtClean="0"/>
+              <a:t>[4]</a:t>
+            </a:r>
+            <a:endParaRPr lang="sv-SE" sz="3600" dirty="0"/>
+          </a:p>
+          <a:p>
+            <a:pPr marL="1028700" lvl="1" indent="-571500">
+              <a:buFont typeface="Wingdings" panose="05000000000000000000" pitchFamily="2" charset="2"/>
+              <a:buChar char="Ø"/>
+            </a:pPr>
+            <a:r>
+              <a:rPr lang="sv-SE" sz="3600" dirty="0" smtClean="0"/>
+              <a:t>	Marcos et al. [5]</a:t>
+            </a:r>
+          </a:p>
+          <a:p>
+            <a:pPr marL="571500" indent="-571500">
+              <a:buFont typeface="Arial" panose="020B0604020202020204" pitchFamily="34" charset="0"/>
+              <a:buChar char="•"/>
+            </a:pPr>
+            <a:r>
+              <a:rPr lang="sv-SE" sz="3600" dirty="0" smtClean="0"/>
+              <a:t>Compare </a:t>
+            </a:r>
+            <a:r>
+              <a:rPr lang="sv-SE" sz="3600" dirty="0"/>
+              <a:t>with previous work using VGG and ResNet </a:t>
+            </a:r>
+            <a:r>
+              <a:rPr lang="sv-SE" sz="3600" dirty="0" smtClean="0"/>
+              <a:t>[1]</a:t>
+            </a:r>
+            <a:endParaRPr lang="en-GB" sz="3600" dirty="0"/>
+          </a:p>
+          <a:p>
             <a:pPr marL="0" marR="0" indent="0" defTabSz="914400" rtl="0" eaLnBrk="1" fontAlgn="base" latinLnBrk="0" hangingPunct="1">
               <a:lnSpc>
                 <a:spcPct val="100000"/>
@@ -4582,108 +4860,12 @@
               <a:buNone/>
               <a:tabLst/>
             </a:pPr>
-            <a:endParaRPr lang="sv-SE" sz="1800" dirty="0" smtClean="0">
+            <a:endParaRPr lang="sv-SE" sz="2000" i="1" dirty="0">
               <a:solidFill>
                 <a:srgbClr val="000000"/>
               </a:solidFill>
               <a:latin typeface="Arial" charset="0"/>
             </a:endParaRPr>
-          </a:p>
-          <a:p>
-            <a:pPr marL="0" marR="0" indent="0" defTabSz="914400" rtl="0" eaLnBrk="1" fontAlgn="base" latinLnBrk="0" hangingPunct="1">
-              <a:lnSpc>
-                <a:spcPct val="100000"/>
-              </a:lnSpc>
-              <a:spcBef>
-                <a:spcPct val="20000"/>
-              </a:spcBef>
-              <a:spcAft>
-                <a:spcPct val="0"/>
-              </a:spcAft>
-              <a:buClrTx/>
-              <a:buSzTx/>
-              <a:buFontTx/>
-              <a:buNone/>
-              <a:tabLst/>
-            </a:pPr>
-            <a:r>
-              <a:rPr lang="sv-SE" sz="3600" dirty="0" smtClean="0">
-                <a:solidFill>
-                  <a:srgbClr val="000000"/>
-                </a:solidFill>
-                <a:latin typeface="Arial" charset="0"/>
-              </a:rPr>
-              <a:t>Early detection of cancer plays a major role in reducing cancer mortality. With deep convolutional neural networks, it is becoming possible to automatically classify cell images as either healthy or cancerous, a task previously done manually by highly trained professionals. </a:t>
-            </a:r>
-          </a:p>
-          <a:p>
-            <a:pPr marL="0" marR="0" indent="0" defTabSz="914400" rtl="0" eaLnBrk="1" fontAlgn="base" latinLnBrk="0" hangingPunct="1">
-              <a:lnSpc>
-                <a:spcPct val="100000"/>
-              </a:lnSpc>
-              <a:spcBef>
-                <a:spcPct val="20000"/>
-              </a:spcBef>
-              <a:spcAft>
-                <a:spcPct val="0"/>
-              </a:spcAft>
-              <a:buClrTx/>
-              <a:buSzTx/>
-              <a:buFontTx/>
-              <a:buNone/>
-              <a:tabLst/>
-            </a:pPr>
-            <a:endParaRPr lang="sv-SE" sz="1100" dirty="0" smtClean="0">
-              <a:solidFill>
-                <a:srgbClr val="000000"/>
-              </a:solidFill>
-              <a:latin typeface="Arial" charset="0"/>
-            </a:endParaRPr>
-          </a:p>
-          <a:p>
-            <a:pPr marL="0" marR="0" indent="0" defTabSz="914400" rtl="0" eaLnBrk="1" fontAlgn="base" latinLnBrk="0" hangingPunct="1">
-              <a:lnSpc>
-                <a:spcPct val="100000"/>
-              </a:lnSpc>
-              <a:spcBef>
-                <a:spcPct val="20000"/>
-              </a:spcBef>
-              <a:spcAft>
-                <a:spcPct val="0"/>
-              </a:spcAft>
-              <a:buClrTx/>
-              <a:buSzTx/>
-              <a:buFontTx/>
-              <a:buNone/>
-              <a:tabLst/>
-            </a:pPr>
-            <a:r>
-              <a:rPr lang="sv-SE" sz="3600" dirty="0" smtClean="0">
-                <a:solidFill>
-                  <a:srgbClr val="000000"/>
-                </a:solidFill>
-                <a:latin typeface="Arial" charset="0"/>
-              </a:rPr>
-              <a:t>Local binary patterns are very good at identifying textures, which has been hypothesized to be of importance in cell classification. In this project three recent LBP based networks are tuned and compared to conventional network </a:t>
-            </a:r>
-            <a:r>
-              <a:rPr lang="sv-SE" sz="3600" dirty="0" smtClean="0">
-                <a:solidFill>
-                  <a:srgbClr val="000000"/>
-                </a:solidFill>
-                <a:latin typeface="Arial" charset="0"/>
-              </a:rPr>
-              <a:t>architectures</a:t>
-            </a:r>
-            <a:r>
-              <a:rPr lang="sv-SE" sz="3200" dirty="0" smtClean="0">
-                <a:solidFill>
-                  <a:srgbClr val="000000"/>
-                </a:solidFill>
-                <a:latin typeface="Arial" charset="0"/>
-              </a:rPr>
-              <a:t>.</a:t>
-            </a:r>
           </a:p>
         </p:txBody>
       </p:sp>
@@ -4695,7 +4877,7 @@
         </p:nvSpPr>
         <p:spPr bwMode="auto">
           <a:xfrm>
-            <a:off x="8438517" y="14839778"/>
+            <a:off x="8438517" y="14481120"/>
             <a:ext cx="5055630" cy="3744416"/>
           </a:xfrm>
           <a:prstGeom prst="roundRect">
@@ -4781,7 +4963,7 @@
         </p:nvSpPr>
         <p:spPr>
           <a:xfrm>
-            <a:off x="7762692" y="2806311"/>
+            <a:off x="7762692" y="2447653"/>
             <a:ext cx="4061241" cy="800219"/>
           </a:xfrm>
           <a:prstGeom prst="rect">
@@ -4809,7 +4991,7 @@
                   <a:schemeClr val="accent3"/>
                 </a:solidFill>
               </a:rPr>
-              <a:t>Background</a:t>
+              <a:t>Overview</a:t>
             </a:r>
             <a:endParaRPr lang="en-GB" b="1" dirty="0">
               <a:solidFill>
@@ -4819,16 +5001,629 @@
           </a:p>
         </p:txBody>
       </p:sp>
+      <p:grpSp>
+        <p:nvGrpSpPr>
+          <p:cNvPr id="4" name="Group 3"/>
+          <p:cNvGrpSpPr/>
+          <p:nvPr/>
+        </p:nvGrpSpPr>
+        <p:grpSpPr>
+          <a:xfrm>
+            <a:off x="14689857" y="12157322"/>
+            <a:ext cx="8784975" cy="9434430"/>
+            <a:chOff x="5400825" y="12455383"/>
+            <a:chExt cx="8784975" cy="9434430"/>
+          </a:xfrm>
+        </p:grpSpPr>
+        <p:sp>
+          <p:nvSpPr>
+            <p:cNvPr id="16" name="Rounded Rectangle 15"/>
+            <p:cNvSpPr/>
+            <p:nvPr/>
+          </p:nvSpPr>
+          <p:spPr bwMode="auto">
+            <a:xfrm>
+              <a:off x="5400825" y="12872009"/>
+              <a:ext cx="8784975" cy="9017804"/>
+            </a:xfrm>
+            <a:prstGeom prst="roundRect">
+              <a:avLst>
+                <a:gd name="adj" fmla="val 4188"/>
+              </a:avLst>
+            </a:prstGeom>
+            <a:solidFill>
+              <a:schemeClr val="bg1">
+                <a:lumMod val="95000"/>
+              </a:schemeClr>
+            </a:solidFill>
+            <a:ln w="76200"/>
+          </p:spPr>
+          <p:style>
+            <a:lnRef idx="2">
+              <a:schemeClr val="dk1"/>
+            </a:lnRef>
+            <a:fillRef idx="1">
+              <a:schemeClr val="lt1"/>
+            </a:fillRef>
+            <a:effectRef idx="0">
+              <a:schemeClr val="dk1"/>
+            </a:effectRef>
+            <a:fontRef idx="minor">
+              <a:schemeClr val="dk1"/>
+            </a:fontRef>
+          </p:style>
+          <p:txBody>
+            <a:bodyPr vert="horz" wrap="square" lIns="144000" tIns="72000" rIns="144000" bIns="72000" numCol="1" rtlCol="0" anchor="t" anchorCtr="0" compatLnSpc="1">
+              <a:prstTxWarp prst="textNoShape">
+                <a:avLst/>
+              </a:prstTxWarp>
+            </a:bodyPr>
+            <a:lstStyle/>
+            <a:p>
+              <a:pPr marL="0" marR="0" indent="0" defTabSz="914400" rtl="0" eaLnBrk="1" fontAlgn="base" latinLnBrk="0" hangingPunct="1">
+                <a:lnSpc>
+                  <a:spcPct val="100000"/>
+                </a:lnSpc>
+                <a:spcBef>
+                  <a:spcPct val="20000"/>
+                </a:spcBef>
+                <a:spcAft>
+                  <a:spcPct val="0"/>
+                </a:spcAft>
+                <a:buClrTx/>
+                <a:buSzTx/>
+                <a:buFontTx/>
+                <a:buNone/>
+                <a:tabLst/>
+              </a:pPr>
+              <a:endParaRPr lang="sv-SE" sz="3200" dirty="0" smtClean="0">
+                <a:solidFill>
+                  <a:srgbClr val="000000"/>
+                </a:solidFill>
+                <a:latin typeface="Arial" charset="0"/>
+              </a:endParaRPr>
+            </a:p>
+          </p:txBody>
+        </p:sp>
+        <p:sp>
+          <p:nvSpPr>
+            <p:cNvPr id="17" name="TextBox 16"/>
+            <p:cNvSpPr txBox="1"/>
+            <p:nvPr/>
+          </p:nvSpPr>
+          <p:spPr>
+            <a:xfrm>
+              <a:off x="8762596" y="12455383"/>
+              <a:ext cx="1944473" cy="800219"/>
+            </a:xfrm>
+            <a:prstGeom prst="rect">
+              <a:avLst/>
+            </a:prstGeom>
+            <a:solidFill>
+              <a:srgbClr val="B40000"/>
+            </a:solidFill>
+            <a:ln w="57150">
+              <a:solidFill>
+                <a:schemeClr val="tx1"/>
+              </a:solidFill>
+            </a:ln>
+          </p:spPr>
+          <p:txBody>
+            <a:bodyPr wrap="square" rtlCol="0">
+              <a:spAutoFit/>
+            </a:bodyPr>
+            <a:lstStyle/>
+            <a:p>
+              <a:pPr algn="ctr"/>
+              <a:r>
+                <a:rPr lang="sv-SE" b="1" dirty="0" smtClean="0">
+                  <a:solidFill>
+                    <a:schemeClr val="accent3"/>
+                  </a:solidFill>
+                </a:rPr>
+                <a:t>Data</a:t>
+              </a:r>
+              <a:endParaRPr lang="en-GB" b="1" dirty="0">
+                <a:solidFill>
+                  <a:schemeClr val="accent3"/>
+                </a:solidFill>
+              </a:endParaRPr>
+            </a:p>
+          </p:txBody>
+        </p:sp>
+      </p:grpSp>
       <p:sp>
         <p:nvSpPr>
-          <p:cNvPr id="16" name="Rounded Rectangle 15"/>
+          <p:cNvPr id="3" name="TextBox 2"/>
+          <p:cNvSpPr txBox="1"/>
+          <p:nvPr/>
+        </p:nvSpPr>
+        <p:spPr>
+          <a:xfrm>
+            <a:off x="14905882" y="13032829"/>
+            <a:ext cx="8784975" cy="4339650"/>
+          </a:xfrm>
+          <a:prstGeom prst="rect">
+            <a:avLst/>
+          </a:prstGeom>
+          <a:noFill/>
+        </p:spPr>
+        <p:txBody>
+          <a:bodyPr wrap="square" rtlCol="0">
+            <a:spAutoFit/>
+          </a:bodyPr>
+          <a:lstStyle/>
+          <a:p>
+            <a:pPr marL="457200" indent="-457200">
+              <a:buFont typeface="Arial" panose="020B0604020202020204" pitchFamily="34" charset="0"/>
+              <a:buChar char="•"/>
+            </a:pPr>
+            <a:r>
+              <a:rPr lang="en-GB" sz="3600" dirty="0" smtClean="0"/>
+              <a:t>6 patients, 3 with </a:t>
+            </a:r>
+            <a:r>
+              <a:rPr lang="en-GB" sz="3600" dirty="0"/>
+              <a:t>cancer and </a:t>
+            </a:r>
+            <a:r>
+              <a:rPr lang="en-GB" sz="3600" dirty="0" smtClean="0"/>
+              <a:t>3 healthy</a:t>
+            </a:r>
+          </a:p>
+          <a:p>
+            <a:pPr marL="457200" indent="-457200">
+              <a:buFont typeface="Arial" panose="020B0604020202020204" pitchFamily="34" charset="0"/>
+              <a:buChar char="•"/>
+            </a:pPr>
+            <a:r>
+              <a:rPr lang="en-GB" sz="3600" dirty="0"/>
+              <a:t>10274 cell images, size </a:t>
+            </a:r>
+            <a:r>
+              <a:rPr lang="en-GB" sz="3600" dirty="0" smtClean="0"/>
+              <a:t>80x80</a:t>
+            </a:r>
+          </a:p>
+          <a:p>
+            <a:pPr marL="457200" indent="-457200">
+              <a:buFont typeface="Arial" panose="020B0604020202020204" pitchFamily="34" charset="0"/>
+              <a:buChar char="•"/>
+            </a:pPr>
+            <a:r>
+              <a:rPr lang="en-GB" sz="3600" dirty="0" smtClean="0"/>
+              <a:t>Individual cells have been identified in samples from the patients’ mouths [1]</a:t>
+            </a:r>
+          </a:p>
+          <a:p>
+            <a:pPr marL="457200" indent="-457200">
+              <a:buFont typeface="Arial" panose="020B0604020202020204" pitchFamily="34" charset="0"/>
+              <a:buChar char="•"/>
+            </a:pPr>
+            <a:r>
+              <a:rPr lang="en-GB" sz="3600" dirty="0" smtClean="0"/>
+              <a:t>Only patient diagnosis known, not individual cell classification</a:t>
+            </a:r>
+            <a:endParaRPr lang="en-GB" sz="3600" dirty="0"/>
+          </a:p>
+          <a:p>
+            <a:endParaRPr lang="en-GB" sz="3200" dirty="0"/>
+          </a:p>
+        </p:txBody>
+      </p:sp>
+      <p:grpSp>
+        <p:nvGrpSpPr>
+          <p:cNvPr id="64" name="Group 63"/>
+          <p:cNvGrpSpPr/>
+          <p:nvPr/>
+        </p:nvGrpSpPr>
+        <p:grpSpPr>
+          <a:xfrm>
+            <a:off x="15394642" y="16985058"/>
+            <a:ext cx="7504127" cy="4472707"/>
+            <a:chOff x="15394642" y="16985058"/>
+            <a:chExt cx="7504127" cy="4472707"/>
+          </a:xfrm>
+        </p:grpSpPr>
+        <p:pic>
+          <p:nvPicPr>
+            <p:cNvPr id="22" name="Picture 3" descr="C:\Users\Bulb\Documents\Teknisk Fysik\15hp project\code\data\glass_3_im_85.jpg"/>
+            <p:cNvPicPr>
+              <a:picLocks noChangeAspect="1" noChangeArrowheads="1"/>
+            </p:cNvPicPr>
+            <p:nvPr/>
+          </p:nvPicPr>
+          <p:blipFill>
+            <a:blip r:embed="rId2">
+              <a:extLst>
+                <a:ext uri="{28A0092B-C50C-407E-A947-70E740481C1C}">
+                  <a14:useLocalDpi xmlns:a14="http://schemas.microsoft.com/office/drawing/2010/main" val="0"/>
+                </a:ext>
+              </a:extLst>
+            </a:blip>
+            <a:srcRect/>
+            <a:stretch>
+              <a:fillRect/>
+            </a:stretch>
+          </p:blipFill>
+          <p:spPr bwMode="auto">
+            <a:xfrm flipH="1">
+              <a:off x="15511730" y="18919156"/>
+              <a:ext cx="1576724" cy="1764000"/>
+            </a:xfrm>
+            <a:prstGeom prst="rect">
+              <a:avLst/>
+            </a:prstGeom>
+            <a:noFill/>
+            <a:extLst>
+              <a:ext uri="{909E8E84-426E-40DD-AFC4-6F175D3DCCD1}">
+                <a14:hiddenFill xmlns:a14="http://schemas.microsoft.com/office/drawing/2010/main">
+                  <a:solidFill>
+                    <a:srgbClr val="FFFFFF"/>
+                  </a:solidFill>
+                </a14:hiddenFill>
+              </a:ext>
+            </a:extLst>
+          </p:spPr>
+        </p:pic>
+        <p:pic>
+          <p:nvPicPr>
+            <p:cNvPr id="23" name="Picture 4" descr="C:\Users\Bulb\Documents\Teknisk Fysik\15hp project\code\data\glass_3_im_200.jpg"/>
+            <p:cNvPicPr>
+              <a:picLocks noChangeAspect="1" noChangeArrowheads="1"/>
+            </p:cNvPicPr>
+            <p:nvPr/>
+          </p:nvPicPr>
+          <p:blipFill>
+            <a:blip r:embed="rId3">
+              <a:extLst>
+                <a:ext uri="{28A0092B-C50C-407E-A947-70E740481C1C}">
+                  <a14:useLocalDpi xmlns:a14="http://schemas.microsoft.com/office/drawing/2010/main" val="0"/>
+                </a:ext>
+              </a:extLst>
+            </a:blip>
+            <a:srcRect/>
+            <a:stretch>
+              <a:fillRect/>
+            </a:stretch>
+          </p:blipFill>
+          <p:spPr bwMode="auto">
+            <a:xfrm flipH="1">
+              <a:off x="17237778" y="18919156"/>
+              <a:ext cx="1577597" cy="1764000"/>
+            </a:xfrm>
+            <a:prstGeom prst="rect">
+              <a:avLst/>
+            </a:prstGeom>
+            <a:noFill/>
+            <a:extLst>
+              <a:ext uri="{909E8E84-426E-40DD-AFC4-6F175D3DCCD1}">
+                <a14:hiddenFill xmlns:a14="http://schemas.microsoft.com/office/drawing/2010/main">
+                  <a:solidFill>
+                    <a:srgbClr val="FFFFFF"/>
+                  </a:solidFill>
+                </a14:hiddenFill>
+              </a:ext>
+            </a:extLst>
+          </p:spPr>
+        </p:pic>
+        <p:pic>
+          <p:nvPicPr>
+            <p:cNvPr id="24" name="Picture 5" descr="C:\Users\Bulb\Documents\Teknisk Fysik\15hp project\code\data\glass_3_im_1000.jpg"/>
+            <p:cNvPicPr>
+              <a:picLocks noChangeAspect="1" noChangeArrowheads="1"/>
+            </p:cNvPicPr>
+            <p:nvPr/>
+          </p:nvPicPr>
+          <p:blipFill>
+            <a:blip r:embed="rId4">
+              <a:extLst>
+                <a:ext uri="{28A0092B-C50C-407E-A947-70E740481C1C}">
+                  <a14:useLocalDpi xmlns:a14="http://schemas.microsoft.com/office/drawing/2010/main" val="0"/>
+                </a:ext>
+              </a:extLst>
+            </a:blip>
+            <a:srcRect/>
+            <a:stretch>
+              <a:fillRect/>
+            </a:stretch>
+          </p:blipFill>
+          <p:spPr bwMode="auto">
+            <a:xfrm flipH="1">
+              <a:off x="15509771" y="16985058"/>
+              <a:ext cx="1580642" cy="1764000"/>
+            </a:xfrm>
+            <a:prstGeom prst="rect">
+              <a:avLst/>
+            </a:prstGeom>
+            <a:noFill/>
+            <a:extLst>
+              <a:ext uri="{909E8E84-426E-40DD-AFC4-6F175D3DCCD1}">
+                <a14:hiddenFill xmlns:a14="http://schemas.microsoft.com/office/drawing/2010/main">
+                  <a:solidFill>
+                    <a:srgbClr val="FFFFFF"/>
+                  </a:solidFill>
+                </a14:hiddenFill>
+              </a:ext>
+            </a:extLst>
+          </p:spPr>
+        </p:pic>
+        <p:sp>
+          <p:nvSpPr>
+            <p:cNvPr id="25" name="TextBox 24"/>
+            <p:cNvSpPr txBox="1"/>
+            <p:nvPr/>
+          </p:nvSpPr>
+          <p:spPr>
+            <a:xfrm flipH="1">
+              <a:off x="15394642" y="20872990"/>
+              <a:ext cx="3659277" cy="584775"/>
+            </a:xfrm>
+            <a:prstGeom prst="rect">
+              <a:avLst/>
+            </a:prstGeom>
+            <a:noFill/>
+          </p:spPr>
+          <p:txBody>
+            <a:bodyPr wrap="square" rtlCol="0">
+              <a:spAutoFit/>
+            </a:bodyPr>
+            <a:lstStyle/>
+            <a:p>
+              <a:pPr algn="ctr"/>
+              <a:r>
+                <a:rPr lang="sv-SE" sz="3200" b="1" dirty="0" smtClean="0"/>
+                <a:t>Healthy Cells</a:t>
+              </a:r>
+              <a:endParaRPr lang="en-GB" sz="7000" b="1" dirty="0"/>
+            </a:p>
+          </p:txBody>
+        </p:sp>
+        <p:pic>
+          <p:nvPicPr>
+            <p:cNvPr id="26" name="Picture 9" descr="C:\Users\Bulb\Documents\Teknisk Fysik\15hp project\code\data\glass_12_im_50.jpg"/>
+            <p:cNvPicPr>
+              <a:picLocks noChangeAspect="1" noChangeArrowheads="1"/>
+            </p:cNvPicPr>
+            <p:nvPr/>
+          </p:nvPicPr>
+          <p:blipFill>
+            <a:blip r:embed="rId5">
+              <a:extLst>
+                <a:ext uri="{28A0092B-C50C-407E-A947-70E740481C1C}">
+                  <a14:useLocalDpi xmlns:a14="http://schemas.microsoft.com/office/drawing/2010/main" val="0"/>
+                </a:ext>
+              </a:extLst>
+            </a:blip>
+            <a:srcRect/>
+            <a:stretch>
+              <a:fillRect/>
+            </a:stretch>
+          </p:blipFill>
+          <p:spPr bwMode="auto">
+            <a:xfrm flipH="1">
+              <a:off x="19455141" y="16985058"/>
+              <a:ext cx="1587810" cy="1790080"/>
+            </a:xfrm>
+            <a:prstGeom prst="rect">
+              <a:avLst/>
+            </a:prstGeom>
+            <a:noFill/>
+            <a:extLst>
+              <a:ext uri="{909E8E84-426E-40DD-AFC4-6F175D3DCCD1}">
+                <a14:hiddenFill xmlns:a14="http://schemas.microsoft.com/office/drawing/2010/main">
+                  <a:solidFill>
+                    <a:srgbClr val="FFFFFF"/>
+                  </a:solidFill>
+                </a14:hiddenFill>
+              </a:ext>
+            </a:extLst>
+          </p:spPr>
+        </p:pic>
+        <p:pic>
+          <p:nvPicPr>
+            <p:cNvPr id="27" name="Picture 10" descr="C:\Users\Bulb\Documents\Teknisk Fysik\15hp project\code\data\glass_12_im_100.jpg"/>
+            <p:cNvPicPr>
+              <a:picLocks noChangeAspect="1" noChangeArrowheads="1"/>
+            </p:cNvPicPr>
+            <p:nvPr/>
+          </p:nvPicPr>
+          <p:blipFill>
+            <a:blip r:embed="rId6">
+              <a:extLst>
+                <a:ext uri="{28A0092B-C50C-407E-A947-70E740481C1C}">
+                  <a14:useLocalDpi xmlns:a14="http://schemas.microsoft.com/office/drawing/2010/main" val="0"/>
+                </a:ext>
+              </a:extLst>
+            </a:blip>
+            <a:srcRect/>
+            <a:stretch>
+              <a:fillRect/>
+            </a:stretch>
+          </p:blipFill>
+          <p:spPr bwMode="auto">
+            <a:xfrm flipH="1">
+              <a:off x="21202651" y="18919156"/>
+              <a:ext cx="1587810" cy="1764000"/>
+            </a:xfrm>
+            <a:prstGeom prst="rect">
+              <a:avLst/>
+            </a:prstGeom>
+            <a:noFill/>
+            <a:extLst>
+              <a:ext uri="{909E8E84-426E-40DD-AFC4-6F175D3DCCD1}">
+                <a14:hiddenFill xmlns:a14="http://schemas.microsoft.com/office/drawing/2010/main">
+                  <a:solidFill>
+                    <a:srgbClr val="FFFFFF"/>
+                  </a:solidFill>
+                </a14:hiddenFill>
+              </a:ext>
+            </a:extLst>
+          </p:spPr>
+        </p:pic>
+        <p:pic>
+          <p:nvPicPr>
+            <p:cNvPr id="28" name="Picture 11" descr="C:\Users\Bulb\Documents\Teknisk Fysik\15hp project\code\data\glass_12_im_200.jpg"/>
+            <p:cNvPicPr>
+              <a:picLocks noChangeAspect="1" noChangeArrowheads="1"/>
+            </p:cNvPicPr>
+            <p:nvPr/>
+          </p:nvPicPr>
+          <p:blipFill>
+            <a:blip r:embed="rId7">
+              <a:extLst>
+                <a:ext uri="{28A0092B-C50C-407E-A947-70E740481C1C}">
+                  <a14:useLocalDpi xmlns:a14="http://schemas.microsoft.com/office/drawing/2010/main" val="0"/>
+                </a:ext>
+              </a:extLst>
+            </a:blip>
+            <a:srcRect/>
+            <a:stretch>
+              <a:fillRect/>
+            </a:stretch>
+          </p:blipFill>
+          <p:spPr bwMode="auto">
+            <a:xfrm flipH="1">
+              <a:off x="19455141" y="18919156"/>
+              <a:ext cx="1587810" cy="1764000"/>
+            </a:xfrm>
+            <a:prstGeom prst="rect">
+              <a:avLst/>
+            </a:prstGeom>
+            <a:noFill/>
+            <a:extLst>
+              <a:ext uri="{909E8E84-426E-40DD-AFC4-6F175D3DCCD1}">
+                <a14:hiddenFill xmlns:a14="http://schemas.microsoft.com/office/drawing/2010/main">
+                  <a:solidFill>
+                    <a:srgbClr val="FFFFFF"/>
+                  </a:solidFill>
+                </a14:hiddenFill>
+              </a:ext>
+            </a:extLst>
+          </p:spPr>
+        </p:pic>
+        <p:pic>
+          <p:nvPicPr>
+            <p:cNvPr id="29" name="Picture 13" descr="C:\Users\Bulb\Documents\Teknisk Fysik\15hp project\code\data\glass_4_im_1.jpg"/>
+            <p:cNvPicPr>
+              <a:picLocks noChangeAspect="1" noChangeArrowheads="1"/>
+            </p:cNvPicPr>
+            <p:nvPr/>
+          </p:nvPicPr>
+          <p:blipFill rotWithShape="1">
+            <a:blip r:embed="rId8">
+              <a:extLst>
+                <a:ext uri="{28A0092B-C50C-407E-A947-70E740481C1C}">
+                  <a14:useLocalDpi xmlns:a14="http://schemas.microsoft.com/office/drawing/2010/main" val="0"/>
+                </a:ext>
+              </a:extLst>
+            </a:blip>
+            <a:srcRect l="3208"/>
+            <a:stretch/>
+          </p:blipFill>
+          <p:spPr bwMode="auto">
+            <a:xfrm flipH="1">
+              <a:off x="17258144" y="16985058"/>
+              <a:ext cx="1536864" cy="1767395"/>
+            </a:xfrm>
+            <a:prstGeom prst="rect">
+              <a:avLst/>
+            </a:prstGeom>
+            <a:noFill/>
+            <a:extLst>
+              <a:ext uri="{909E8E84-426E-40DD-AFC4-6F175D3DCCD1}">
+                <a14:hiddenFill xmlns:a14="http://schemas.microsoft.com/office/drawing/2010/main">
+                  <a:solidFill>
+                    <a:srgbClr val="FFFFFF"/>
+                  </a:solidFill>
+                </a14:hiddenFill>
+              </a:ext>
+            </a:extLst>
+          </p:spPr>
+        </p:pic>
+        <p:sp>
+          <p:nvSpPr>
+            <p:cNvPr id="30" name="TextBox 29"/>
+            <p:cNvSpPr txBox="1"/>
+            <p:nvPr/>
+          </p:nvSpPr>
+          <p:spPr>
+            <a:xfrm flipH="1">
+              <a:off x="19224808" y="20867614"/>
+              <a:ext cx="3673961" cy="584775"/>
+            </a:xfrm>
+            <a:prstGeom prst="rect">
+              <a:avLst/>
+            </a:prstGeom>
+            <a:noFill/>
+          </p:spPr>
+          <p:txBody>
+            <a:bodyPr wrap="square" rtlCol="0">
+              <a:spAutoFit/>
+            </a:bodyPr>
+            <a:lstStyle/>
+            <a:p>
+              <a:pPr algn="ctr"/>
+              <a:r>
+                <a:rPr lang="sv-SE" sz="3200" b="1" dirty="0" smtClean="0"/>
+                <a:t>Cancer Cells</a:t>
+              </a:r>
+              <a:endParaRPr lang="en-GB" sz="3200" b="1" dirty="0"/>
+            </a:p>
+          </p:txBody>
+        </p:sp>
+        <p:pic>
+          <p:nvPicPr>
+            <p:cNvPr id="31" name="Picture 15" descr="C:\Users\Bulb\Documents\Teknisk Fysik\15hp project\code\data\glass_37_im_1.jpg"/>
+            <p:cNvPicPr>
+              <a:picLocks noChangeAspect="1" noChangeArrowheads="1"/>
+            </p:cNvPicPr>
+            <p:nvPr/>
+          </p:nvPicPr>
+          <p:blipFill>
+            <a:blip r:embed="rId9">
+              <a:extLst>
+                <a:ext uri="{28A0092B-C50C-407E-A947-70E740481C1C}">
+                  <a14:useLocalDpi xmlns:a14="http://schemas.microsoft.com/office/drawing/2010/main" val="0"/>
+                </a:ext>
+              </a:extLst>
+            </a:blip>
+            <a:srcRect/>
+            <a:stretch>
+              <a:fillRect/>
+            </a:stretch>
+          </p:blipFill>
+          <p:spPr bwMode="auto">
+            <a:xfrm flipH="1">
+              <a:off x="21202651" y="16985058"/>
+              <a:ext cx="1587810" cy="1764000"/>
+            </a:xfrm>
+            <a:prstGeom prst="rect">
+              <a:avLst/>
+            </a:prstGeom>
+            <a:noFill/>
+            <a:extLst>
+              <a:ext uri="{909E8E84-426E-40DD-AFC4-6F175D3DCCD1}">
+                <a14:hiddenFill xmlns:a14="http://schemas.microsoft.com/office/drawing/2010/main">
+                  <a:solidFill>
+                    <a:srgbClr val="FFFFFF"/>
+                  </a:solidFill>
+                </a14:hiddenFill>
+              </a:ext>
+            </a:extLst>
+          </p:spPr>
+        </p:pic>
+      </p:grpSp>
+      <p:sp>
+        <p:nvSpPr>
+          <p:cNvPr id="34" name="Rounded Rectangle 33"/>
           <p:cNvSpPr/>
           <p:nvPr/>
         </p:nvSpPr>
         <p:spPr bwMode="auto">
           <a:xfrm>
-            <a:off x="5400825" y="12872009"/>
-            <a:ext cx="8784975" cy="9017804"/>
+            <a:off x="23978889" y="12640850"/>
+            <a:ext cx="7992888" cy="8962313"/>
           </a:xfrm>
           <a:prstGeom prst="roundRect">
             <a:avLst>
@@ -4891,1033 +5686,13 @@
       </p:sp>
       <p:sp>
         <p:nvSpPr>
-          <p:cNvPr id="17" name="TextBox 16"/>
-          <p:cNvSpPr txBox="1"/>
-          <p:nvPr/>
-        </p:nvSpPr>
-        <p:spPr>
-          <a:xfrm>
-            <a:off x="8762596" y="12455383"/>
-            <a:ext cx="1944473" cy="800219"/>
-          </a:xfrm>
-          <a:prstGeom prst="rect">
-            <a:avLst/>
-          </a:prstGeom>
-          <a:solidFill>
-            <a:srgbClr val="B40000"/>
-          </a:solidFill>
-          <a:ln w="57150">
-            <a:solidFill>
-              <a:schemeClr val="tx1"/>
-            </a:solidFill>
-          </a:ln>
-        </p:spPr>
-        <p:txBody>
-          <a:bodyPr wrap="square" rtlCol="0">
-            <a:spAutoFit/>
-          </a:bodyPr>
-          <a:lstStyle/>
-          <a:p>
-            <a:pPr algn="ctr"/>
-            <a:r>
-              <a:rPr lang="sv-SE" b="1" dirty="0" smtClean="0">
-                <a:solidFill>
-                  <a:schemeClr val="accent3"/>
-                </a:solidFill>
-              </a:rPr>
-              <a:t>Data</a:t>
-            </a:r>
-            <a:endParaRPr lang="en-GB" b="1" dirty="0">
-              <a:solidFill>
-                <a:schemeClr val="accent3"/>
-              </a:solidFill>
-            </a:endParaRPr>
-          </a:p>
-        </p:txBody>
-      </p:sp>
-      <p:sp>
-        <p:nvSpPr>
-          <p:cNvPr id="3" name="TextBox 2"/>
-          <p:cNvSpPr txBox="1"/>
-          <p:nvPr/>
-        </p:nvSpPr>
-        <p:spPr>
-          <a:xfrm>
-            <a:off x="5544842" y="13391487"/>
-            <a:ext cx="8784975" cy="4339650"/>
-          </a:xfrm>
-          <a:prstGeom prst="rect">
-            <a:avLst/>
-          </a:prstGeom>
-          <a:noFill/>
-        </p:spPr>
-        <p:txBody>
-          <a:bodyPr wrap="square" rtlCol="0">
-            <a:spAutoFit/>
-          </a:bodyPr>
-          <a:lstStyle/>
-          <a:p>
-            <a:pPr marL="457200" indent="-457200">
-              <a:buFont typeface="Arial" panose="020B0604020202020204" pitchFamily="34" charset="0"/>
-              <a:buChar char="•"/>
-            </a:pPr>
-            <a:r>
-              <a:rPr lang="en-GB" sz="3600" dirty="0" smtClean="0"/>
-              <a:t>6 patients, 3 with </a:t>
-            </a:r>
-            <a:r>
-              <a:rPr lang="en-GB" sz="3600" dirty="0"/>
-              <a:t>cancer and </a:t>
-            </a:r>
-            <a:r>
-              <a:rPr lang="en-GB" sz="3600" dirty="0" smtClean="0"/>
-              <a:t>3 healthy</a:t>
-            </a:r>
-          </a:p>
-          <a:p>
-            <a:pPr marL="457200" indent="-457200">
-              <a:buFont typeface="Arial" panose="020B0604020202020204" pitchFamily="34" charset="0"/>
-              <a:buChar char="•"/>
-            </a:pPr>
-            <a:r>
-              <a:rPr lang="en-GB" sz="3600" dirty="0"/>
-              <a:t>10274 cell images, size </a:t>
-            </a:r>
-            <a:r>
-              <a:rPr lang="en-GB" sz="3600" dirty="0" smtClean="0"/>
-              <a:t>80x80</a:t>
-            </a:r>
-          </a:p>
-          <a:p>
-            <a:pPr marL="457200" indent="-457200">
-              <a:buFont typeface="Arial" panose="020B0604020202020204" pitchFamily="34" charset="0"/>
-              <a:buChar char="•"/>
-            </a:pPr>
-            <a:r>
-              <a:rPr lang="en-GB" sz="3600" dirty="0" smtClean="0"/>
-              <a:t>Individual cells have been identified in samples from the patients’ mouths [1]</a:t>
-            </a:r>
-            <a:endParaRPr lang="en-GB" sz="3600" dirty="0" smtClean="0"/>
-          </a:p>
-          <a:p>
-            <a:pPr marL="457200" indent="-457200">
-              <a:buFont typeface="Arial" panose="020B0604020202020204" pitchFamily="34" charset="0"/>
-              <a:buChar char="•"/>
-            </a:pPr>
-            <a:r>
-              <a:rPr lang="en-GB" sz="3600" dirty="0" smtClean="0"/>
-              <a:t>Only patient diagnosis known, not individual cell classification</a:t>
-            </a:r>
-            <a:endParaRPr lang="en-GB" sz="3600" dirty="0"/>
-          </a:p>
-          <a:p>
-            <a:endParaRPr lang="en-GB" sz="3200" dirty="0"/>
-          </a:p>
-        </p:txBody>
-      </p:sp>
-      <p:sp>
-        <p:nvSpPr>
-          <p:cNvPr id="18" name="Rounded Rectangle 17"/>
-          <p:cNvSpPr/>
-          <p:nvPr/>
-        </p:nvSpPr>
-        <p:spPr bwMode="auto">
-          <a:xfrm>
-            <a:off x="14545841" y="3209413"/>
-            <a:ext cx="8784976" cy="18680399"/>
-          </a:xfrm>
-          <a:prstGeom prst="roundRect">
-            <a:avLst>
-              <a:gd name="adj" fmla="val 4188"/>
-            </a:avLst>
-          </a:prstGeom>
-          <a:solidFill>
-            <a:schemeClr val="bg1">
-              <a:lumMod val="95000"/>
-            </a:schemeClr>
-          </a:solidFill>
-          <a:ln w="76200"/>
-        </p:spPr>
-        <p:style>
-          <a:lnRef idx="2">
-            <a:schemeClr val="dk1"/>
-          </a:lnRef>
-          <a:fillRef idx="1">
-            <a:schemeClr val="lt1"/>
-          </a:fillRef>
-          <a:effectRef idx="0">
-            <a:schemeClr val="dk1"/>
-          </a:effectRef>
-          <a:fontRef idx="minor">
-            <a:schemeClr val="dk1"/>
-          </a:fontRef>
-        </p:style>
-        <p:txBody>
-          <a:bodyPr vert="horz" wrap="square" lIns="144000" tIns="72000" rIns="144000" bIns="72000" numCol="1" rtlCol="0" anchor="t" anchorCtr="0" compatLnSpc="1">
-            <a:prstTxWarp prst="textNoShape">
-              <a:avLst/>
-            </a:prstTxWarp>
-          </a:bodyPr>
-          <a:lstStyle/>
-          <a:p>
-            <a:pPr marL="0" marR="0" indent="0" defTabSz="914400" rtl="0" eaLnBrk="1" fontAlgn="base" latinLnBrk="0" hangingPunct="1">
-              <a:lnSpc>
-                <a:spcPct val="100000"/>
-              </a:lnSpc>
-              <a:spcBef>
-                <a:spcPct val="20000"/>
-              </a:spcBef>
-              <a:spcAft>
-                <a:spcPct val="0"/>
-              </a:spcAft>
-              <a:buClrTx/>
-              <a:buSzTx/>
-              <a:buFontTx/>
-              <a:buNone/>
-              <a:tabLst/>
-            </a:pPr>
-            <a:endParaRPr lang="sv-SE" sz="2400" dirty="0" smtClean="0">
-              <a:solidFill>
-                <a:srgbClr val="000000"/>
-              </a:solidFill>
-              <a:latin typeface="Arial" charset="0"/>
-            </a:endParaRPr>
-          </a:p>
-          <a:p>
-            <a:pPr marL="571500" indent="-571500">
-              <a:buFont typeface="Arial" panose="020B0604020202020204" pitchFamily="34" charset="0"/>
-              <a:buChar char="•"/>
-            </a:pPr>
-            <a:r>
-              <a:rPr lang="sv-SE" sz="3600" dirty="0" smtClean="0"/>
-              <a:t>LBPs are </a:t>
-            </a:r>
-            <a:r>
-              <a:rPr lang="sv-SE" sz="3600" dirty="0"/>
-              <a:t>powerful texture </a:t>
-            </a:r>
-            <a:r>
-              <a:rPr lang="sv-SE" sz="3600" dirty="0" smtClean="0"/>
-              <a:t>classifiers</a:t>
-            </a:r>
-          </a:p>
-          <a:p>
-            <a:pPr marL="571500" indent="-571500">
-              <a:buFont typeface="Arial" panose="020B0604020202020204" pitchFamily="34" charset="0"/>
-              <a:buChar char="•"/>
-            </a:pPr>
-            <a:r>
-              <a:rPr lang="sv-SE" sz="3600" dirty="0" smtClean="0"/>
-              <a:t>They compare </a:t>
-            </a:r>
-            <a:r>
-              <a:rPr lang="sv-SE" sz="3600" dirty="0" smtClean="0"/>
-              <a:t>P surrounding </a:t>
-            </a:r>
-            <a:r>
-              <a:rPr lang="sv-SE" sz="3600" dirty="0"/>
-              <a:t>points </a:t>
-            </a:r>
-            <a:r>
-              <a:rPr lang="sv-SE" sz="3600" dirty="0" smtClean="0"/>
-              <a:t>at radius </a:t>
-            </a:r>
-            <a:r>
-              <a:rPr lang="sv-SE" sz="3600" dirty="0" smtClean="0"/>
-              <a:t>R from the </a:t>
-            </a:r>
-            <a:r>
-              <a:rPr lang="sv-SE" sz="3600" dirty="0" smtClean="0"/>
-              <a:t>center </a:t>
-            </a:r>
-            <a:r>
-              <a:rPr lang="sv-SE" sz="3600" dirty="0" smtClean="0"/>
-              <a:t>pixel</a:t>
-            </a:r>
-          </a:p>
-          <a:p>
-            <a:pPr marL="571500" indent="-571500">
-              <a:buFont typeface="Arial" panose="020B0604020202020204" pitchFamily="34" charset="0"/>
-              <a:buChar char="•"/>
-            </a:pPr>
-            <a:r>
-              <a:rPr lang="sv-SE" sz="3600" dirty="0" smtClean="0"/>
-              <a:t>Record </a:t>
-            </a:r>
-            <a:r>
-              <a:rPr lang="sv-SE" sz="3600" dirty="0" smtClean="0"/>
-              <a:t>either a 1 or a 0 depending which value is </a:t>
-            </a:r>
-            <a:r>
-              <a:rPr lang="sv-SE" sz="3600" dirty="0" smtClean="0"/>
-              <a:t>greater</a:t>
-            </a:r>
-          </a:p>
-          <a:p>
-            <a:pPr marL="571500" indent="-571500">
-              <a:buFont typeface="Arial" panose="020B0604020202020204" pitchFamily="34" charset="0"/>
-              <a:buChar char="•"/>
-            </a:pPr>
-            <a:r>
-              <a:rPr lang="sv-SE" sz="3600" dirty="0" smtClean="0"/>
-              <a:t>Group patterns which are rotationally similar</a:t>
-            </a:r>
-          </a:p>
-          <a:p>
-            <a:pPr marL="571500" indent="-571500">
-              <a:buFont typeface="Arial" panose="020B0604020202020204" pitchFamily="34" charset="0"/>
-              <a:buChar char="•"/>
-            </a:pPr>
-            <a:endParaRPr lang="sv-SE" sz="3600" dirty="0"/>
-          </a:p>
-          <a:p>
-            <a:pPr marL="571500" indent="-571500">
-              <a:buFont typeface="Arial" panose="020B0604020202020204" pitchFamily="34" charset="0"/>
-              <a:buChar char="•"/>
-            </a:pPr>
-            <a:endParaRPr lang="sv-SE" sz="3600" dirty="0" smtClean="0"/>
-          </a:p>
-          <a:p>
-            <a:pPr marL="571500" indent="-571500">
-              <a:buFont typeface="Arial" panose="020B0604020202020204" pitchFamily="34" charset="0"/>
-              <a:buChar char="•"/>
-            </a:pPr>
-            <a:endParaRPr lang="sv-SE" sz="3600" dirty="0"/>
-          </a:p>
-          <a:p>
-            <a:pPr marL="571500" indent="-571500">
-              <a:buFont typeface="Arial" panose="020B0604020202020204" pitchFamily="34" charset="0"/>
-              <a:buChar char="•"/>
-            </a:pPr>
-            <a:endParaRPr lang="sv-SE" sz="3600" dirty="0" smtClean="0"/>
-          </a:p>
-          <a:p>
-            <a:pPr marL="571500" indent="-571500">
-              <a:buFont typeface="Arial" panose="020B0604020202020204" pitchFamily="34" charset="0"/>
-              <a:buChar char="•"/>
-            </a:pPr>
-            <a:endParaRPr lang="sv-SE" sz="3600" dirty="0"/>
-          </a:p>
-          <a:p>
-            <a:pPr marL="571500" indent="-571500">
-              <a:buFont typeface="Arial" panose="020B0604020202020204" pitchFamily="34" charset="0"/>
-              <a:buChar char="•"/>
-            </a:pPr>
-            <a:endParaRPr lang="sv-SE" sz="3600" dirty="0" smtClean="0"/>
-          </a:p>
-          <a:p>
-            <a:pPr marL="571500" indent="-571500">
-              <a:buFont typeface="Arial" panose="020B0604020202020204" pitchFamily="34" charset="0"/>
-              <a:buChar char="•"/>
-            </a:pPr>
-            <a:endParaRPr lang="sv-SE" sz="3600" dirty="0"/>
-          </a:p>
-          <a:p>
-            <a:pPr marL="571500" indent="-571500">
-              <a:buFont typeface="Arial" panose="020B0604020202020204" pitchFamily="34" charset="0"/>
-              <a:buChar char="•"/>
-            </a:pPr>
-            <a:endParaRPr lang="sv-SE" sz="1200" dirty="0" smtClean="0"/>
-          </a:p>
-          <a:p>
-            <a:pPr marL="571500" indent="-571500">
-              <a:buFont typeface="Arial" panose="020B0604020202020204" pitchFamily="34" charset="0"/>
-              <a:buChar char="•"/>
-            </a:pPr>
-            <a:r>
-              <a:rPr lang="sv-SE" sz="3600" dirty="0" smtClean="0"/>
-              <a:t>Translate this </a:t>
-            </a:r>
-            <a:r>
-              <a:rPr lang="sv-SE" sz="3600" dirty="0"/>
-              <a:t>binary string to a pattern </a:t>
-            </a:r>
-            <a:r>
-              <a:rPr lang="sv-SE" sz="3600" dirty="0" smtClean="0"/>
-              <a:t>index</a:t>
-            </a:r>
-          </a:p>
-          <a:p>
-            <a:pPr marL="571500" indent="-571500">
-              <a:buFont typeface="Arial" panose="020B0604020202020204" pitchFamily="34" charset="0"/>
-              <a:buChar char="•"/>
-            </a:pPr>
-            <a:r>
-              <a:rPr lang="sv-SE" sz="3600" dirty="0" smtClean="0"/>
-              <a:t>Distribution of patterns can be used to classify textures</a:t>
-            </a:r>
-          </a:p>
-          <a:p>
-            <a:pPr marL="571500" indent="-571500">
-              <a:buFont typeface="Arial" panose="020B0604020202020204" pitchFamily="34" charset="0"/>
-              <a:buChar char="•"/>
-            </a:pPr>
-            <a:r>
-              <a:rPr lang="sv-SE" sz="3600" dirty="0" smtClean="0"/>
-              <a:t>Many models based on LBPs have been developed</a:t>
-            </a:r>
-            <a:endParaRPr lang="sv-SE" sz="3600" dirty="0"/>
-          </a:p>
-          <a:p>
-            <a:endParaRPr lang="sv-SE" sz="3600" dirty="0" smtClean="0"/>
-          </a:p>
-          <a:p>
-            <a:endParaRPr lang="sv-SE" sz="3600" dirty="0"/>
-          </a:p>
-          <a:p>
-            <a:endParaRPr lang="sv-SE" sz="3600" dirty="0" smtClean="0"/>
-          </a:p>
-          <a:p>
-            <a:endParaRPr lang="sv-SE" sz="3600" dirty="0"/>
-          </a:p>
-          <a:p>
-            <a:endParaRPr lang="sv-SE" sz="3600" dirty="0" smtClean="0"/>
-          </a:p>
-          <a:p>
-            <a:endParaRPr lang="sv-SE" sz="3600" dirty="0"/>
-          </a:p>
-          <a:p>
-            <a:endParaRPr lang="sv-SE" sz="3600" dirty="0" smtClean="0"/>
-          </a:p>
-          <a:p>
-            <a:endParaRPr lang="sv-SE" sz="3600" dirty="0"/>
-          </a:p>
-          <a:p>
-            <a:endParaRPr lang="sv-SE" sz="3600" dirty="0"/>
-          </a:p>
-        </p:txBody>
-      </p:sp>
-      <p:sp>
-        <p:nvSpPr>
-          <p:cNvPr id="19" name="TextBox 18"/>
-          <p:cNvSpPr txBox="1"/>
-          <p:nvPr/>
-        </p:nvSpPr>
-        <p:spPr>
-          <a:xfrm>
-            <a:off x="15350494" y="2800056"/>
-            <a:ext cx="7175670" cy="800219"/>
-          </a:xfrm>
-          <a:prstGeom prst="rect">
-            <a:avLst/>
-          </a:prstGeom>
-          <a:solidFill>
-            <a:srgbClr val="B40000"/>
-          </a:solidFill>
-          <a:ln w="57150">
-            <a:solidFill>
-              <a:schemeClr val="tx1"/>
-            </a:solidFill>
-          </a:ln>
-        </p:spPr>
-        <p:txBody>
-          <a:bodyPr wrap="square" rtlCol="0">
-            <a:spAutoFit/>
-          </a:bodyPr>
-          <a:lstStyle/>
-          <a:p>
-            <a:pPr algn="ctr"/>
-            <a:r>
-              <a:rPr lang="sv-SE" b="1" dirty="0" smtClean="0">
-                <a:solidFill>
-                  <a:schemeClr val="accent3"/>
-                </a:solidFill>
-              </a:rPr>
-              <a:t>Local Binary Patterns</a:t>
-            </a:r>
-            <a:endParaRPr lang="en-GB" b="1" dirty="0">
-              <a:solidFill>
-                <a:schemeClr val="accent3"/>
-              </a:solidFill>
-            </a:endParaRPr>
-          </a:p>
-        </p:txBody>
-      </p:sp>
-      <p:pic>
-        <p:nvPicPr>
-          <p:cNvPr id="22" name="Picture 3" descr="C:\Users\Bulb\Documents\Teknisk Fysik\15hp project\code\data\glass_3_im_85.jpg"/>
-          <p:cNvPicPr>
-            <a:picLocks noChangeAspect="1" noChangeArrowheads="1"/>
-          </p:cNvPicPr>
-          <p:nvPr/>
-        </p:nvPicPr>
-        <p:blipFill>
-          <a:blip r:embed="rId2">
-            <a:extLst>
-              <a:ext uri="{28A0092B-C50C-407E-A947-70E740481C1C}">
-                <a14:useLocalDpi xmlns:a14="http://schemas.microsoft.com/office/drawing/2010/main" val="0"/>
-              </a:ext>
-            </a:extLst>
-          </a:blip>
-          <a:srcRect/>
-          <a:stretch>
-            <a:fillRect/>
-          </a:stretch>
-        </p:blipFill>
-        <p:spPr bwMode="auto">
-          <a:xfrm flipH="1">
-            <a:off x="6105149" y="19288940"/>
-            <a:ext cx="1576724" cy="1764000"/>
-          </a:xfrm>
-          <a:prstGeom prst="rect">
-            <a:avLst/>
-          </a:prstGeom>
-          <a:noFill/>
-          <a:extLst>
-            <a:ext uri="{909E8E84-426E-40DD-AFC4-6F175D3DCCD1}">
-              <a14:hiddenFill xmlns:a14="http://schemas.microsoft.com/office/drawing/2010/main">
-                <a:solidFill>
-                  <a:srgbClr val="FFFFFF"/>
-                </a:solidFill>
-              </a14:hiddenFill>
-            </a:ext>
-          </a:extLst>
-        </p:spPr>
-      </p:pic>
-      <p:pic>
-        <p:nvPicPr>
-          <p:cNvPr id="23" name="Picture 4" descr="C:\Users\Bulb\Documents\Teknisk Fysik\15hp project\code\data\glass_3_im_200.jpg"/>
-          <p:cNvPicPr>
-            <a:picLocks noChangeAspect="1" noChangeArrowheads="1"/>
-          </p:cNvPicPr>
-          <p:nvPr/>
-        </p:nvPicPr>
-        <p:blipFill>
-          <a:blip r:embed="rId3">
-            <a:extLst>
-              <a:ext uri="{28A0092B-C50C-407E-A947-70E740481C1C}">
-                <a14:useLocalDpi xmlns:a14="http://schemas.microsoft.com/office/drawing/2010/main" val="0"/>
-              </a:ext>
-            </a:extLst>
-          </a:blip>
-          <a:srcRect/>
-          <a:stretch>
-            <a:fillRect/>
-          </a:stretch>
-        </p:blipFill>
-        <p:spPr bwMode="auto">
-          <a:xfrm flipH="1">
-            <a:off x="7833156" y="19265569"/>
-            <a:ext cx="1577597" cy="1764000"/>
-          </a:xfrm>
-          <a:prstGeom prst="rect">
-            <a:avLst/>
-          </a:prstGeom>
-          <a:noFill/>
-          <a:extLst>
-            <a:ext uri="{909E8E84-426E-40DD-AFC4-6F175D3DCCD1}">
-              <a14:hiddenFill xmlns:a14="http://schemas.microsoft.com/office/drawing/2010/main">
-                <a:solidFill>
-                  <a:srgbClr val="FFFFFF"/>
-                </a:solidFill>
-              </a14:hiddenFill>
-            </a:ext>
-          </a:extLst>
-        </p:spPr>
-      </p:pic>
-      <p:pic>
-        <p:nvPicPr>
-          <p:cNvPr id="24" name="Picture 5" descr="C:\Users\Bulb\Documents\Teknisk Fysik\15hp project\code\data\glass_3_im_1000.jpg"/>
-          <p:cNvPicPr>
-            <a:picLocks noChangeAspect="1" noChangeArrowheads="1"/>
-          </p:cNvPicPr>
-          <p:nvPr/>
-        </p:nvPicPr>
-        <p:blipFill>
-          <a:blip r:embed="rId4">
-            <a:extLst>
-              <a:ext uri="{28A0092B-C50C-407E-A947-70E740481C1C}">
-                <a14:useLocalDpi xmlns:a14="http://schemas.microsoft.com/office/drawing/2010/main" val="0"/>
-              </a:ext>
-            </a:extLst>
-          </a:blip>
-          <a:srcRect/>
-          <a:stretch>
-            <a:fillRect/>
-          </a:stretch>
-        </p:blipFill>
-        <p:spPr bwMode="auto">
-          <a:xfrm flipH="1">
-            <a:off x="6105150" y="17273092"/>
-            <a:ext cx="1580642" cy="1764000"/>
-          </a:xfrm>
-          <a:prstGeom prst="rect">
-            <a:avLst/>
-          </a:prstGeom>
-          <a:noFill/>
-          <a:extLst>
-            <a:ext uri="{909E8E84-426E-40DD-AFC4-6F175D3DCCD1}">
-              <a14:hiddenFill xmlns:a14="http://schemas.microsoft.com/office/drawing/2010/main">
-                <a:solidFill>
-                  <a:srgbClr val="FFFFFF"/>
-                </a:solidFill>
-              </a14:hiddenFill>
-            </a:ext>
-          </a:extLst>
-        </p:spPr>
-      </p:pic>
-      <p:sp>
-        <p:nvSpPr>
-          <p:cNvPr id="25" name="TextBox 24"/>
-          <p:cNvSpPr txBox="1"/>
-          <p:nvPr/>
-        </p:nvSpPr>
-        <p:spPr>
-          <a:xfrm flipH="1">
-            <a:off x="5990020" y="21161022"/>
-            <a:ext cx="3659277" cy="584775"/>
-          </a:xfrm>
-          <a:prstGeom prst="rect">
-            <a:avLst/>
-          </a:prstGeom>
-          <a:noFill/>
-        </p:spPr>
-        <p:txBody>
-          <a:bodyPr wrap="square" rtlCol="0">
-            <a:spAutoFit/>
-          </a:bodyPr>
-          <a:lstStyle/>
-          <a:p>
-            <a:pPr algn="ctr"/>
-            <a:r>
-              <a:rPr lang="sv-SE" sz="3200" b="1" dirty="0" smtClean="0"/>
-              <a:t>Healthy Cells</a:t>
-            </a:r>
-            <a:endParaRPr lang="en-GB" sz="7000" b="1" dirty="0"/>
-          </a:p>
-        </p:txBody>
-      </p:sp>
-      <p:pic>
-        <p:nvPicPr>
-          <p:cNvPr id="26" name="Picture 9" descr="C:\Users\Bulb\Documents\Teknisk Fysik\15hp project\code\data\glass_12_im_50.jpg"/>
-          <p:cNvPicPr>
-            <a:picLocks noChangeAspect="1" noChangeArrowheads="1"/>
-          </p:cNvPicPr>
-          <p:nvPr/>
-        </p:nvPicPr>
-        <p:blipFill>
-          <a:blip r:embed="rId5">
-            <a:extLst>
-              <a:ext uri="{28A0092B-C50C-407E-A947-70E740481C1C}">
-                <a14:useLocalDpi xmlns:a14="http://schemas.microsoft.com/office/drawing/2010/main" val="0"/>
-              </a:ext>
-            </a:extLst>
-          </a:blip>
-          <a:srcRect/>
-          <a:stretch>
-            <a:fillRect/>
-          </a:stretch>
-        </p:blipFill>
-        <p:spPr bwMode="auto">
-          <a:xfrm flipH="1">
-            <a:off x="10054470" y="17273092"/>
-            <a:ext cx="1587810" cy="1790080"/>
-          </a:xfrm>
-          <a:prstGeom prst="rect">
-            <a:avLst/>
-          </a:prstGeom>
-          <a:noFill/>
-          <a:extLst>
-            <a:ext uri="{909E8E84-426E-40DD-AFC4-6F175D3DCCD1}">
-              <a14:hiddenFill xmlns:a14="http://schemas.microsoft.com/office/drawing/2010/main">
-                <a:solidFill>
-                  <a:srgbClr val="FFFFFF"/>
-                </a:solidFill>
-              </a14:hiddenFill>
-            </a:ext>
-          </a:extLst>
-        </p:spPr>
-      </p:pic>
-      <p:pic>
-        <p:nvPicPr>
-          <p:cNvPr id="27" name="Picture 10" descr="C:\Users\Bulb\Documents\Teknisk Fysik\15hp project\code\data\glass_12_im_100.jpg"/>
-          <p:cNvPicPr>
-            <a:picLocks noChangeAspect="1" noChangeArrowheads="1"/>
-          </p:cNvPicPr>
-          <p:nvPr/>
-        </p:nvPicPr>
-        <p:blipFill>
-          <a:blip r:embed="rId6">
-            <a:extLst>
-              <a:ext uri="{28A0092B-C50C-407E-A947-70E740481C1C}">
-                <a14:useLocalDpi xmlns:a14="http://schemas.microsoft.com/office/drawing/2010/main" val="0"/>
-              </a:ext>
-            </a:extLst>
-          </a:blip>
-          <a:srcRect/>
-          <a:stretch>
-            <a:fillRect/>
-          </a:stretch>
-        </p:blipFill>
-        <p:spPr bwMode="auto">
-          <a:xfrm flipH="1">
-            <a:off x="11798030" y="19207188"/>
-            <a:ext cx="1587810" cy="1764000"/>
-          </a:xfrm>
-          <a:prstGeom prst="rect">
-            <a:avLst/>
-          </a:prstGeom>
-          <a:noFill/>
-          <a:extLst>
-            <a:ext uri="{909E8E84-426E-40DD-AFC4-6F175D3DCCD1}">
-              <a14:hiddenFill xmlns:a14="http://schemas.microsoft.com/office/drawing/2010/main">
-                <a:solidFill>
-                  <a:srgbClr val="FFFFFF"/>
-                </a:solidFill>
-              </a14:hiddenFill>
-            </a:ext>
-          </a:extLst>
-        </p:spPr>
-      </p:pic>
-      <p:pic>
-        <p:nvPicPr>
-          <p:cNvPr id="28" name="Picture 11" descr="C:\Users\Bulb\Documents\Teknisk Fysik\15hp project\code\data\glass_12_im_200.jpg"/>
-          <p:cNvPicPr>
-            <a:picLocks noChangeAspect="1" noChangeArrowheads="1"/>
-          </p:cNvPicPr>
-          <p:nvPr/>
-        </p:nvPicPr>
-        <p:blipFill>
-          <a:blip r:embed="rId7">
-            <a:extLst>
-              <a:ext uri="{28A0092B-C50C-407E-A947-70E740481C1C}">
-                <a14:useLocalDpi xmlns:a14="http://schemas.microsoft.com/office/drawing/2010/main" val="0"/>
-              </a:ext>
-            </a:extLst>
-          </a:blip>
-          <a:srcRect/>
-          <a:stretch>
-            <a:fillRect/>
-          </a:stretch>
-        </p:blipFill>
-        <p:spPr bwMode="auto">
-          <a:xfrm flipH="1">
-            <a:off x="10046568" y="19213939"/>
-            <a:ext cx="1587810" cy="1764000"/>
-          </a:xfrm>
-          <a:prstGeom prst="rect">
-            <a:avLst/>
-          </a:prstGeom>
-          <a:noFill/>
-          <a:extLst>
-            <a:ext uri="{909E8E84-426E-40DD-AFC4-6F175D3DCCD1}">
-              <a14:hiddenFill xmlns:a14="http://schemas.microsoft.com/office/drawing/2010/main">
-                <a:solidFill>
-                  <a:srgbClr val="FFFFFF"/>
-                </a:solidFill>
-              </a14:hiddenFill>
-            </a:ext>
-          </a:extLst>
-        </p:spPr>
-      </p:pic>
-      <p:pic>
-        <p:nvPicPr>
-          <p:cNvPr id="29" name="Picture 13" descr="C:\Users\Bulb\Documents\Teknisk Fysik\15hp project\code\data\glass_4_im_1.jpg"/>
-          <p:cNvPicPr>
-            <a:picLocks noChangeAspect="1" noChangeArrowheads="1"/>
-          </p:cNvPicPr>
-          <p:nvPr/>
-        </p:nvPicPr>
-        <p:blipFill>
-          <a:blip r:embed="rId8">
-            <a:extLst>
-              <a:ext uri="{28A0092B-C50C-407E-A947-70E740481C1C}">
-                <a14:useLocalDpi xmlns:a14="http://schemas.microsoft.com/office/drawing/2010/main" val="0"/>
-              </a:ext>
-            </a:extLst>
-          </a:blip>
-          <a:srcRect/>
-          <a:stretch>
-            <a:fillRect/>
-          </a:stretch>
-        </p:blipFill>
-        <p:spPr bwMode="auto">
-          <a:xfrm flipH="1">
-            <a:off x="7822943" y="17262975"/>
-            <a:ext cx="1587810" cy="1767395"/>
-          </a:xfrm>
-          <a:prstGeom prst="rect">
-            <a:avLst/>
-          </a:prstGeom>
-          <a:noFill/>
-          <a:extLst>
-            <a:ext uri="{909E8E84-426E-40DD-AFC4-6F175D3DCCD1}">
-              <a14:hiddenFill xmlns:a14="http://schemas.microsoft.com/office/drawing/2010/main">
-                <a:solidFill>
-                  <a:srgbClr val="FFFFFF"/>
-                </a:solidFill>
-              </a14:hiddenFill>
-            </a:ext>
-          </a:extLst>
-        </p:spPr>
-      </p:pic>
-      <p:sp>
-        <p:nvSpPr>
-          <p:cNvPr id="30" name="TextBox 29"/>
-          <p:cNvSpPr txBox="1"/>
-          <p:nvPr/>
-        </p:nvSpPr>
-        <p:spPr>
-          <a:xfrm flipH="1">
-            <a:off x="9820186" y="21155646"/>
-            <a:ext cx="3673961" cy="584775"/>
-          </a:xfrm>
-          <a:prstGeom prst="rect">
-            <a:avLst/>
-          </a:prstGeom>
-          <a:noFill/>
-        </p:spPr>
-        <p:txBody>
-          <a:bodyPr wrap="square" rtlCol="0">
-            <a:spAutoFit/>
-          </a:bodyPr>
-          <a:lstStyle/>
-          <a:p>
-            <a:pPr algn="ctr"/>
-            <a:r>
-              <a:rPr lang="sv-SE" sz="3200" b="1" dirty="0" smtClean="0"/>
-              <a:t>Cancer Cells</a:t>
-            </a:r>
-            <a:endParaRPr lang="en-GB" sz="3200" b="1" dirty="0"/>
-          </a:p>
-        </p:txBody>
-      </p:sp>
-      <p:pic>
-        <p:nvPicPr>
-          <p:cNvPr id="31" name="Picture 15" descr="C:\Users\Bulb\Documents\Teknisk Fysik\15hp project\code\data\glass_37_im_1.jpg"/>
-          <p:cNvPicPr>
-            <a:picLocks noChangeAspect="1" noChangeArrowheads="1"/>
-          </p:cNvPicPr>
-          <p:nvPr/>
-        </p:nvPicPr>
-        <p:blipFill>
-          <a:blip r:embed="rId9">
-            <a:extLst>
-              <a:ext uri="{28A0092B-C50C-407E-A947-70E740481C1C}">
-                <a14:useLocalDpi xmlns:a14="http://schemas.microsoft.com/office/drawing/2010/main" val="0"/>
-              </a:ext>
-            </a:extLst>
-          </a:blip>
-          <a:srcRect/>
-          <a:stretch>
-            <a:fillRect/>
-          </a:stretch>
-        </p:blipFill>
-        <p:spPr bwMode="auto">
-          <a:xfrm flipH="1">
-            <a:off x="11798028" y="17273090"/>
-            <a:ext cx="1587810" cy="1764000"/>
-          </a:xfrm>
-          <a:prstGeom prst="rect">
-            <a:avLst/>
-          </a:prstGeom>
-          <a:noFill/>
-          <a:extLst>
-            <a:ext uri="{909E8E84-426E-40DD-AFC4-6F175D3DCCD1}">
-              <a14:hiddenFill xmlns:a14="http://schemas.microsoft.com/office/drawing/2010/main">
-                <a:solidFill>
-                  <a:srgbClr val="FFFFFF"/>
-                </a:solidFill>
-              </a14:hiddenFill>
-            </a:ext>
-          </a:extLst>
-        </p:spPr>
-      </p:pic>
-      <p:sp>
-        <p:nvSpPr>
-          <p:cNvPr id="32" name="Rounded Rectangle 31"/>
-          <p:cNvSpPr/>
-          <p:nvPr/>
-        </p:nvSpPr>
-        <p:spPr bwMode="auto">
-          <a:xfrm>
-            <a:off x="23690857" y="3209416"/>
-            <a:ext cx="8352928" cy="7030849"/>
-          </a:xfrm>
-          <a:prstGeom prst="roundRect">
-            <a:avLst>
-              <a:gd name="adj" fmla="val 4188"/>
-            </a:avLst>
-          </a:prstGeom>
-          <a:solidFill>
-            <a:schemeClr val="bg1">
-              <a:lumMod val="95000"/>
-            </a:schemeClr>
-          </a:solidFill>
-          <a:ln w="76200"/>
-        </p:spPr>
-        <p:style>
-          <a:lnRef idx="2">
-            <a:schemeClr val="dk1"/>
-          </a:lnRef>
-          <a:fillRef idx="1">
-            <a:schemeClr val="lt1"/>
-          </a:fillRef>
-          <a:effectRef idx="0">
-            <a:schemeClr val="dk1"/>
-          </a:effectRef>
-          <a:fontRef idx="minor">
-            <a:schemeClr val="dk1"/>
-          </a:fontRef>
-        </p:style>
-        <p:txBody>
-          <a:bodyPr vert="horz" wrap="square" lIns="144000" tIns="72000" rIns="144000" bIns="72000" numCol="1" rtlCol="0" anchor="t" anchorCtr="0" compatLnSpc="1">
-            <a:prstTxWarp prst="textNoShape">
-              <a:avLst/>
-            </a:prstTxWarp>
-          </a:bodyPr>
-          <a:lstStyle/>
-          <a:p>
-            <a:pPr marL="0" marR="0" indent="0" defTabSz="914400" rtl="0" eaLnBrk="1" fontAlgn="base" latinLnBrk="0" hangingPunct="1">
-              <a:lnSpc>
-                <a:spcPct val="100000"/>
-              </a:lnSpc>
-              <a:spcBef>
-                <a:spcPct val="20000"/>
-              </a:spcBef>
-              <a:spcAft>
-                <a:spcPct val="0"/>
-              </a:spcAft>
-              <a:buClrTx/>
-              <a:buSzTx/>
-              <a:buFontTx/>
-              <a:buNone/>
-              <a:tabLst/>
-            </a:pPr>
-            <a:endParaRPr lang="sv-SE" sz="3200" dirty="0" smtClean="0">
-              <a:solidFill>
-                <a:srgbClr val="000000"/>
-              </a:solidFill>
-              <a:latin typeface="Arial" charset="0"/>
-            </a:endParaRPr>
-          </a:p>
-        </p:txBody>
-      </p:sp>
-      <p:sp>
-        <p:nvSpPr>
-          <p:cNvPr id="33" name="TextBox 32"/>
-          <p:cNvSpPr txBox="1"/>
-          <p:nvPr/>
-        </p:nvSpPr>
-        <p:spPr>
-          <a:xfrm>
-            <a:off x="26145550" y="2806311"/>
-            <a:ext cx="3759315" cy="800219"/>
-          </a:xfrm>
-          <a:prstGeom prst="rect">
-            <a:avLst/>
-          </a:prstGeom>
-          <a:solidFill>
-            <a:srgbClr val="B40000"/>
-          </a:solidFill>
-          <a:ln w="57150">
-            <a:solidFill>
-              <a:schemeClr val="tx1"/>
-            </a:solidFill>
-          </a:ln>
-        </p:spPr>
-        <p:txBody>
-          <a:bodyPr wrap="square" rtlCol="0">
-            <a:spAutoFit/>
-          </a:bodyPr>
-          <a:lstStyle/>
-          <a:p>
-            <a:pPr algn="ctr"/>
-            <a:r>
-              <a:rPr lang="sv-SE" b="1" dirty="0" smtClean="0">
-                <a:solidFill>
-                  <a:schemeClr val="accent3"/>
-                </a:solidFill>
-              </a:rPr>
-              <a:t>Models</a:t>
-            </a:r>
-            <a:endParaRPr lang="en-GB" b="1" dirty="0">
-              <a:solidFill>
-                <a:schemeClr val="accent3"/>
-              </a:solidFill>
-            </a:endParaRPr>
-          </a:p>
-        </p:txBody>
-      </p:sp>
-      <p:sp>
-        <p:nvSpPr>
-          <p:cNvPr id="34" name="Rounded Rectangle 33"/>
-          <p:cNvSpPr/>
-          <p:nvPr/>
-        </p:nvSpPr>
-        <p:spPr bwMode="auto">
-          <a:xfrm>
-            <a:off x="23683664" y="11077112"/>
-            <a:ext cx="8288113" cy="10812701"/>
-          </a:xfrm>
-          <a:prstGeom prst="roundRect">
-            <a:avLst>
-              <a:gd name="adj" fmla="val 4188"/>
-            </a:avLst>
-          </a:prstGeom>
-          <a:solidFill>
-            <a:schemeClr val="bg1">
-              <a:lumMod val="95000"/>
-            </a:schemeClr>
-          </a:solidFill>
-          <a:ln w="76200"/>
-        </p:spPr>
-        <p:style>
-          <a:lnRef idx="2">
-            <a:schemeClr val="dk1"/>
-          </a:lnRef>
-          <a:fillRef idx="1">
-            <a:schemeClr val="lt1"/>
-          </a:fillRef>
-          <a:effectRef idx="0">
-            <a:schemeClr val="dk1"/>
-          </a:effectRef>
-          <a:fontRef idx="minor">
-            <a:schemeClr val="dk1"/>
-          </a:fontRef>
-        </p:style>
-        <p:txBody>
-          <a:bodyPr vert="horz" wrap="square" lIns="144000" tIns="72000" rIns="144000" bIns="72000" numCol="1" rtlCol="0" anchor="t" anchorCtr="0" compatLnSpc="1">
-            <a:prstTxWarp prst="textNoShape">
-              <a:avLst/>
-            </a:prstTxWarp>
-          </a:bodyPr>
-          <a:lstStyle/>
-          <a:p>
-            <a:pPr marL="0" marR="0" indent="0" defTabSz="914400" rtl="0" eaLnBrk="1" fontAlgn="base" latinLnBrk="0" hangingPunct="1">
-              <a:lnSpc>
-                <a:spcPct val="100000"/>
-              </a:lnSpc>
-              <a:spcBef>
-                <a:spcPct val="20000"/>
-              </a:spcBef>
-              <a:spcAft>
-                <a:spcPct val="0"/>
-              </a:spcAft>
-              <a:buClrTx/>
-              <a:buSzTx/>
-              <a:buFontTx/>
-              <a:buNone/>
-              <a:tabLst/>
-            </a:pPr>
-            <a:endParaRPr lang="sv-SE" sz="3200" dirty="0" smtClean="0">
-              <a:solidFill>
-                <a:srgbClr val="000000"/>
-              </a:solidFill>
-              <a:latin typeface="Arial" charset="0"/>
-            </a:endParaRPr>
-          </a:p>
-        </p:txBody>
-      </p:sp>
-      <p:sp>
-        <p:nvSpPr>
           <p:cNvPr id="35" name="TextBox 34"/>
           <p:cNvSpPr txBox="1"/>
           <p:nvPr/>
         </p:nvSpPr>
         <p:spPr>
           <a:xfrm>
-            <a:off x="25843904" y="10677002"/>
+            <a:off x="26095676" y="12240740"/>
             <a:ext cx="3759315" cy="800219"/>
           </a:xfrm>
           <a:prstGeom prst="rect">
@@ -6091,11 +5866,6 @@
               </a:rPr>
               <a:t>Sladoje</a:t>
             </a:r>
-            <a:endParaRPr lang="sv-SE" sz="4000" b="1" dirty="0" smtClean="0">
-              <a:solidFill>
-                <a:schemeClr val="bg1"/>
-              </a:solidFill>
-            </a:endParaRPr>
           </a:p>
           <a:p>
             <a:pPr algn="ctr"/>
@@ -6145,7 +5915,7 @@
         </p:nvSpPr>
         <p:spPr bwMode="auto">
           <a:xfrm>
-            <a:off x="5400825" y="22249853"/>
+            <a:off x="5400825" y="22177845"/>
             <a:ext cx="26578145" cy="2736304"/>
           </a:xfrm>
           <a:prstGeom prst="roundRect">
@@ -6325,11 +6095,7 @@
           <a:p>
             <a:r>
               <a:rPr lang="fi-FI" sz="2030" dirty="0" smtClean="0"/>
-              <a:t>[2]   </a:t>
-            </a:r>
-            <a:r>
-              <a:rPr lang="fi-FI" sz="2030" dirty="0" smtClean="0"/>
-              <a:t>Timo </a:t>
+              <a:t>[2]   Timo </a:t>
             </a:r>
             <a:r>
               <a:rPr lang="fi-FI" sz="2030" dirty="0"/>
@@ -6376,11 +6142,7 @@
           <a:p>
             <a:r>
               <a:rPr lang="en-GB" sz="2030" dirty="0" smtClean="0"/>
-              <a:t>[3]   </a:t>
-            </a:r>
-            <a:r>
-              <a:rPr lang="en-GB" sz="2030" dirty="0" smtClean="0"/>
-              <a:t>Felix </a:t>
+              <a:t>[3]   Felix </a:t>
             </a:r>
             <a:r>
               <a:rPr lang="en-GB" sz="2030" dirty="0" err="1"/>
@@ -6458,16 +6220,11 @@
               <a:rPr lang="en-GB" sz="2030" dirty="0" smtClean="0"/>
               <a:t>, 2017.</a:t>
             </a:r>
-            <a:endParaRPr lang="en-GB" sz="2030" dirty="0" smtClean="0"/>
           </a:p>
           <a:p>
             <a:r>
               <a:rPr lang="en-GB" sz="2030" dirty="0" smtClean="0"/>
-              <a:t>[4]   </a:t>
-            </a:r>
-            <a:r>
-              <a:rPr lang="en-GB" sz="2030" dirty="0" smtClean="0"/>
-              <a:t>Lei </a:t>
+              <a:t>[4]   Lei </a:t>
             </a:r>
             <a:r>
               <a:rPr lang="en-GB" sz="2030" dirty="0"/>
@@ -6629,38 +6386,1374 @@
           </a:p>
         </p:txBody>
       </p:sp>
+      <p:graphicFrame>
+        <p:nvGraphicFramePr>
+          <p:cNvPr id="44" name="Table 43"/>
+          <p:cNvGraphicFramePr>
+            <a:graphicFrameLocks noGrp="1"/>
+          </p:cNvGraphicFramePr>
+          <p:nvPr>
+            <p:extLst>
+              <p:ext uri="{D42A27DB-BD31-4B8C-83A1-F6EECF244321}">
+                <p14:modId xmlns:p14="http://schemas.microsoft.com/office/powerpoint/2010/main" val="527411289"/>
+              </p:ext>
+            </p:extLst>
+          </p:nvPr>
+        </p:nvGraphicFramePr>
+        <p:xfrm>
+          <a:off x="24043705" y="13569449"/>
+          <a:ext cx="7928072" cy="7590551"/>
+        </p:xfrm>
+        <a:graphic>
+          <a:graphicData uri="http://schemas.openxmlformats.org/drawingml/2006/table">
+            <a:tbl>
+              <a:tblPr firstRow="1" bandRow="1">
+                <a:tableStyleId>{5940675A-B579-460E-94D1-54222C63F5DA}</a:tableStyleId>
+              </a:tblPr>
+              <a:tblGrid>
+                <a:gridCol w="2814155"/>
+                <a:gridCol w="2711253"/>
+                <a:gridCol w="2402664"/>
+              </a:tblGrid>
+              <a:tr h="1222287">
+                <a:tc>
+                  <a:txBody>
+                    <a:bodyPr/>
+                    <a:lstStyle/>
+                    <a:p>
+                      <a:pPr algn="ctr"/>
+                      <a:r>
+                        <a:rPr lang="sv-SE" sz="4000" dirty="0" smtClean="0"/>
+                        <a:t>Model</a:t>
+                      </a:r>
+                      <a:endParaRPr lang="en-GB" sz="4000" dirty="0"/>
+                    </a:p>
+                  </a:txBody>
+                  <a:tcPr marL="82307" marR="82307" anchor="ctr">
+                    <a:lnL w="12700" cap="flat" cmpd="sng" algn="ctr">
+                      <a:noFill/>
+                      <a:prstDash val="solid"/>
+                      <a:round/>
+                      <a:headEnd type="none" w="med" len="med"/>
+                      <a:tailEnd type="none" w="med" len="med"/>
+                    </a:lnL>
+                    <a:lnR w="76200" cap="flat" cmpd="sng" algn="ctr">
+                      <a:solidFill>
+                        <a:schemeClr val="tx1"/>
+                      </a:solidFill>
+                      <a:prstDash val="solid"/>
+                      <a:round/>
+                      <a:headEnd type="none" w="med" len="med"/>
+                      <a:tailEnd type="none" w="med" len="med"/>
+                    </a:lnR>
+                    <a:lnT w="12700" cap="flat" cmpd="sng" algn="ctr">
+                      <a:noFill/>
+                      <a:prstDash val="solid"/>
+                      <a:round/>
+                      <a:headEnd type="none" w="med" len="med"/>
+                      <a:tailEnd type="none" w="med" len="med"/>
+                    </a:lnT>
+                    <a:lnB w="76200" cap="flat" cmpd="sng" algn="ctr">
+                      <a:solidFill>
+                        <a:schemeClr val="tx1"/>
+                      </a:solidFill>
+                      <a:prstDash val="solid"/>
+                      <a:round/>
+                      <a:headEnd type="none" w="med" len="med"/>
+                      <a:tailEnd type="none" w="med" len="med"/>
+                    </a:lnB>
+                    <a:lnTlToBr w="12700" cmpd="sng">
+                      <a:noFill/>
+                      <a:prstDash val="solid"/>
+                    </a:lnTlToBr>
+                    <a:lnBlToTr w="12700" cmpd="sng">
+                      <a:noFill/>
+                      <a:prstDash val="solid"/>
+                    </a:lnBlToTr>
+                  </a:tcPr>
+                </a:tc>
+                <a:tc>
+                  <a:txBody>
+                    <a:bodyPr/>
+                    <a:lstStyle/>
+                    <a:p>
+                      <a:pPr algn="ctr"/>
+                      <a:r>
+                        <a:rPr lang="sv-SE" sz="4000" dirty="0" smtClean="0"/>
+                        <a:t>Accuracy</a:t>
+                      </a:r>
+                      <a:endParaRPr lang="en-GB" sz="4000" dirty="0"/>
+                    </a:p>
+                  </a:txBody>
+                  <a:tcPr marL="82307" marR="82307" anchor="ctr">
+                    <a:lnL w="76200" cap="flat" cmpd="sng" algn="ctr">
+                      <a:solidFill>
+                        <a:schemeClr val="tx1"/>
+                      </a:solidFill>
+                      <a:prstDash val="solid"/>
+                      <a:round/>
+                      <a:headEnd type="none" w="med" len="med"/>
+                      <a:tailEnd type="none" w="med" len="med"/>
+                    </a:lnL>
+                    <a:lnR w="12700" cap="flat" cmpd="sng" algn="ctr">
+                      <a:solidFill>
+                        <a:schemeClr val="tx1"/>
+                      </a:solidFill>
+                      <a:prstDash val="solid"/>
+                      <a:round/>
+                      <a:headEnd type="none" w="med" len="med"/>
+                      <a:tailEnd type="none" w="med" len="med"/>
+                    </a:lnR>
+                    <a:lnT w="12700" cap="flat" cmpd="sng" algn="ctr">
+                      <a:noFill/>
+                      <a:prstDash val="solid"/>
+                      <a:round/>
+                      <a:headEnd type="none" w="med" len="med"/>
+                      <a:tailEnd type="none" w="med" len="med"/>
+                    </a:lnT>
+                    <a:lnB w="76200" cap="flat" cmpd="sng" algn="ctr">
+                      <a:solidFill>
+                        <a:schemeClr val="tx1"/>
+                      </a:solidFill>
+                      <a:prstDash val="solid"/>
+                      <a:round/>
+                      <a:headEnd type="none" w="med" len="med"/>
+                      <a:tailEnd type="none" w="med" len="med"/>
+                    </a:lnB>
+                    <a:lnTlToBr w="12700" cmpd="sng">
+                      <a:noFill/>
+                      <a:prstDash val="solid"/>
+                    </a:lnTlToBr>
+                    <a:lnBlToTr w="12700" cmpd="sng">
+                      <a:noFill/>
+                      <a:prstDash val="solid"/>
+                    </a:lnBlToTr>
+                  </a:tcPr>
+                </a:tc>
+                <a:tc>
+                  <a:txBody>
+                    <a:bodyPr/>
+                    <a:lstStyle/>
+                    <a:p>
+                      <a:pPr algn="ctr"/>
+                      <a:r>
+                        <a:rPr lang="sv-SE" sz="4000" dirty="0" smtClean="0"/>
+                        <a:t>F-Score</a:t>
+                      </a:r>
+                      <a:endParaRPr lang="en-GB" sz="4000" dirty="0"/>
+                    </a:p>
+                  </a:txBody>
+                  <a:tcPr marL="82307" marR="82307" anchor="ctr">
+                    <a:lnL w="12700" cap="flat" cmpd="sng" algn="ctr">
+                      <a:solidFill>
+                        <a:schemeClr val="tx1"/>
+                      </a:solidFill>
+                      <a:prstDash val="solid"/>
+                      <a:round/>
+                      <a:headEnd type="none" w="med" len="med"/>
+                      <a:tailEnd type="none" w="med" len="med"/>
+                    </a:lnL>
+                    <a:lnR w="12700" cap="flat" cmpd="sng" algn="ctr">
+                      <a:noFill/>
+                      <a:prstDash val="solid"/>
+                      <a:round/>
+                      <a:headEnd type="none" w="med" len="med"/>
+                      <a:tailEnd type="none" w="med" len="med"/>
+                    </a:lnR>
+                    <a:lnT w="12700" cap="flat" cmpd="sng" algn="ctr">
+                      <a:noFill/>
+                      <a:prstDash val="solid"/>
+                      <a:round/>
+                      <a:headEnd type="none" w="med" len="med"/>
+                      <a:tailEnd type="none" w="med" len="med"/>
+                    </a:lnT>
+                    <a:lnB w="76200" cap="flat" cmpd="sng" algn="ctr">
+                      <a:solidFill>
+                        <a:schemeClr val="tx1"/>
+                      </a:solidFill>
+                      <a:prstDash val="solid"/>
+                      <a:round/>
+                      <a:headEnd type="none" w="med" len="med"/>
+                      <a:tailEnd type="none" w="med" len="med"/>
+                    </a:lnB>
+                    <a:lnTlToBr w="12700" cmpd="sng">
+                      <a:noFill/>
+                      <a:prstDash val="solid"/>
+                    </a:lnTlToBr>
+                    <a:lnBlToTr w="12700" cmpd="sng">
+                      <a:noFill/>
+                      <a:prstDash val="solid"/>
+                    </a:lnBlToTr>
+                  </a:tcPr>
+                </a:tc>
+              </a:tr>
+              <a:tr h="1411208">
+                <a:tc>
+                  <a:txBody>
+                    <a:bodyPr/>
+                    <a:lstStyle/>
+                    <a:p>
+                      <a:pPr algn="ctr"/>
+                      <a:r>
+                        <a:rPr lang="sv-SE" sz="4000" dirty="0" smtClean="0"/>
+                        <a:t>Juefei-Xu </a:t>
+                      </a:r>
+                      <a:r>
+                        <a:rPr lang="sv-SE" sz="4000" dirty="0" smtClean="0"/>
+                        <a:t>[3]</a:t>
+                      </a:r>
+                      <a:endParaRPr lang="en-GB" sz="4000" dirty="0"/>
+                    </a:p>
+                  </a:txBody>
+                  <a:tcPr marL="82307" marR="82307" anchor="ctr">
+                    <a:lnL w="12700" cap="flat" cmpd="sng" algn="ctr">
+                      <a:noFill/>
+                      <a:prstDash val="solid"/>
+                      <a:round/>
+                      <a:headEnd type="none" w="med" len="med"/>
+                      <a:tailEnd type="none" w="med" len="med"/>
+                    </a:lnL>
+                    <a:lnR w="76200" cap="flat" cmpd="sng" algn="ctr">
+                      <a:solidFill>
+                        <a:schemeClr val="tx1"/>
+                      </a:solidFill>
+                      <a:prstDash val="solid"/>
+                      <a:round/>
+                      <a:headEnd type="none" w="med" len="med"/>
+                      <a:tailEnd type="none" w="med" len="med"/>
+                    </a:lnR>
+                    <a:lnT w="76200" cap="flat" cmpd="sng" algn="ctr">
+                      <a:solidFill>
+                        <a:schemeClr val="tx1"/>
+                      </a:solidFill>
+                      <a:prstDash val="solid"/>
+                      <a:round/>
+                      <a:headEnd type="none" w="med" len="med"/>
+                      <a:tailEnd type="none" w="med" len="med"/>
+                    </a:lnT>
+                    <a:lnB w="38100" cap="flat" cmpd="sng" algn="ctr">
+                      <a:solidFill>
+                        <a:schemeClr val="tx1"/>
+                      </a:solidFill>
+                      <a:prstDash val="sysDot"/>
+                      <a:round/>
+                      <a:headEnd type="none" w="med" len="med"/>
+                      <a:tailEnd type="none" w="med" len="med"/>
+                    </a:lnB>
+                  </a:tcPr>
+                </a:tc>
+                <a:tc>
+                  <a:txBody>
+                    <a:bodyPr/>
+                    <a:lstStyle/>
+                    <a:p>
+                      <a:pPr algn="ctr"/>
+                      <a:r>
+                        <a:rPr lang="sv-SE" sz="4000" b="1" dirty="0" smtClean="0"/>
+                        <a:t>81.03</a:t>
+                      </a:r>
+                      <a:endParaRPr lang="en-GB" sz="4000" b="1" dirty="0"/>
+                    </a:p>
+                  </a:txBody>
+                  <a:tcPr marL="82307" marR="82307" anchor="ctr">
+                    <a:lnL w="76200" cap="flat" cmpd="sng" algn="ctr">
+                      <a:solidFill>
+                        <a:schemeClr val="tx1"/>
+                      </a:solidFill>
+                      <a:prstDash val="solid"/>
+                      <a:round/>
+                      <a:headEnd type="none" w="med" len="med"/>
+                      <a:tailEnd type="none" w="med" len="med"/>
+                    </a:lnL>
+                    <a:lnT w="76200" cap="flat" cmpd="sng" algn="ctr">
+                      <a:solidFill>
+                        <a:schemeClr val="tx1"/>
+                      </a:solidFill>
+                      <a:prstDash val="solid"/>
+                      <a:round/>
+                      <a:headEnd type="none" w="med" len="med"/>
+                      <a:tailEnd type="none" w="med" len="med"/>
+                    </a:lnT>
+                    <a:lnB w="38100" cap="flat" cmpd="sng" algn="ctr">
+                      <a:solidFill>
+                        <a:schemeClr val="tx1"/>
+                      </a:solidFill>
+                      <a:prstDash val="sysDot"/>
+                      <a:round/>
+                      <a:headEnd type="none" w="med" len="med"/>
+                      <a:tailEnd type="none" w="med" len="med"/>
+                    </a:lnB>
+                  </a:tcPr>
+                </a:tc>
+                <a:tc>
+                  <a:txBody>
+                    <a:bodyPr/>
+                    <a:lstStyle/>
+                    <a:p>
+                      <a:pPr algn="ctr"/>
+                      <a:r>
+                        <a:rPr lang="sv-SE" sz="4000" b="1" dirty="0" smtClean="0"/>
+                        <a:t>84.85</a:t>
+                      </a:r>
+                      <a:endParaRPr lang="en-GB" sz="4000" b="1" dirty="0"/>
+                    </a:p>
+                  </a:txBody>
+                  <a:tcPr marL="82307" marR="82307" anchor="ctr">
+                    <a:lnR w="12700" cap="flat" cmpd="sng" algn="ctr">
+                      <a:noFill/>
+                      <a:prstDash val="solid"/>
+                      <a:round/>
+                      <a:headEnd type="none" w="med" len="med"/>
+                      <a:tailEnd type="none" w="med" len="med"/>
+                    </a:lnR>
+                    <a:lnT w="76200" cap="flat" cmpd="sng" algn="ctr">
+                      <a:solidFill>
+                        <a:schemeClr val="tx1"/>
+                      </a:solidFill>
+                      <a:prstDash val="solid"/>
+                      <a:round/>
+                      <a:headEnd type="none" w="med" len="med"/>
+                      <a:tailEnd type="none" w="med" len="med"/>
+                    </a:lnT>
+                    <a:lnB w="38100" cap="flat" cmpd="sng" algn="ctr">
+                      <a:solidFill>
+                        <a:schemeClr val="tx1"/>
+                      </a:solidFill>
+                      <a:prstDash val="sysDot"/>
+                      <a:round/>
+                      <a:headEnd type="none" w="med" len="med"/>
+                      <a:tailEnd type="none" w="med" len="med"/>
+                    </a:lnB>
+                  </a:tcPr>
+                </a:tc>
+              </a:tr>
+              <a:tr h="1239264">
+                <a:tc>
+                  <a:txBody>
+                    <a:bodyPr/>
+                    <a:lstStyle/>
+                    <a:p>
+                      <a:pPr algn="ctr"/>
+                      <a:r>
+                        <a:rPr lang="sv-SE" sz="4000" dirty="0" smtClean="0"/>
+                        <a:t>Li </a:t>
+                      </a:r>
+                      <a:r>
+                        <a:rPr lang="sv-SE" sz="4000" dirty="0" smtClean="0"/>
+                        <a:t>[4]</a:t>
+                      </a:r>
+                      <a:endParaRPr lang="en-GB" sz="4000" dirty="0"/>
+                    </a:p>
+                  </a:txBody>
+                  <a:tcPr marL="82307" marR="82307" anchor="ctr">
+                    <a:lnL w="12700" cap="flat" cmpd="sng" algn="ctr">
+                      <a:noFill/>
+                      <a:prstDash val="solid"/>
+                      <a:round/>
+                      <a:headEnd type="none" w="med" len="med"/>
+                      <a:tailEnd type="none" w="med" len="med"/>
+                    </a:lnL>
+                    <a:lnR w="76200" cap="flat" cmpd="sng" algn="ctr">
+                      <a:solidFill>
+                        <a:schemeClr val="tx1"/>
+                      </a:solidFill>
+                      <a:prstDash val="solid"/>
+                      <a:round/>
+                      <a:headEnd type="none" w="med" len="med"/>
+                      <a:tailEnd type="none" w="med" len="med"/>
+                    </a:lnR>
+                    <a:lnT w="38100" cap="flat" cmpd="sng" algn="ctr">
+                      <a:solidFill>
+                        <a:schemeClr val="tx1"/>
+                      </a:solidFill>
+                      <a:prstDash val="sysDot"/>
+                      <a:round/>
+                      <a:headEnd type="none" w="med" len="med"/>
+                      <a:tailEnd type="none" w="med" len="med"/>
+                    </a:lnT>
+                    <a:lnB w="38100" cap="flat" cmpd="sng" algn="ctr">
+                      <a:solidFill>
+                        <a:schemeClr val="tx1"/>
+                      </a:solidFill>
+                      <a:prstDash val="sysDot"/>
+                      <a:round/>
+                      <a:headEnd type="none" w="med" len="med"/>
+                      <a:tailEnd type="none" w="med" len="med"/>
+                    </a:lnB>
+                  </a:tcPr>
+                </a:tc>
+                <a:tc>
+                  <a:txBody>
+                    <a:bodyPr/>
+                    <a:lstStyle/>
+                    <a:p>
+                      <a:pPr algn="ctr"/>
+                      <a:r>
+                        <a:rPr lang="sv-SE" sz="4000" b="1" dirty="0" smtClean="0"/>
+                        <a:t>78.57</a:t>
+                      </a:r>
+                      <a:endParaRPr lang="en-GB" sz="4000" b="1" dirty="0"/>
+                    </a:p>
+                  </a:txBody>
+                  <a:tcPr marL="82307" marR="82307" anchor="ctr">
+                    <a:lnL w="76200" cap="flat" cmpd="sng" algn="ctr">
+                      <a:solidFill>
+                        <a:schemeClr val="tx1"/>
+                      </a:solidFill>
+                      <a:prstDash val="solid"/>
+                      <a:round/>
+                      <a:headEnd type="none" w="med" len="med"/>
+                      <a:tailEnd type="none" w="med" len="med"/>
+                    </a:lnL>
+                    <a:lnT w="38100" cap="flat" cmpd="sng" algn="ctr">
+                      <a:solidFill>
+                        <a:schemeClr val="tx1"/>
+                      </a:solidFill>
+                      <a:prstDash val="sysDot"/>
+                      <a:round/>
+                      <a:headEnd type="none" w="med" len="med"/>
+                      <a:tailEnd type="none" w="med" len="med"/>
+                    </a:lnT>
+                    <a:lnB w="38100" cap="flat" cmpd="sng" algn="ctr">
+                      <a:solidFill>
+                        <a:schemeClr val="tx1"/>
+                      </a:solidFill>
+                      <a:prstDash val="sysDot"/>
+                      <a:round/>
+                      <a:headEnd type="none" w="med" len="med"/>
+                      <a:tailEnd type="none" w="med" len="med"/>
+                    </a:lnB>
+                  </a:tcPr>
+                </a:tc>
+                <a:tc>
+                  <a:txBody>
+                    <a:bodyPr/>
+                    <a:lstStyle/>
+                    <a:p>
+                      <a:pPr algn="ctr"/>
+                      <a:r>
+                        <a:rPr lang="sv-SE" sz="4000" b="1" dirty="0" smtClean="0"/>
+                        <a:t>83.02</a:t>
+                      </a:r>
+                      <a:endParaRPr lang="en-GB" sz="4000" b="1" dirty="0"/>
+                    </a:p>
+                  </a:txBody>
+                  <a:tcPr marL="82307" marR="82307" anchor="ctr">
+                    <a:lnR w="12700" cap="flat" cmpd="sng" algn="ctr">
+                      <a:noFill/>
+                      <a:prstDash val="solid"/>
+                      <a:round/>
+                      <a:headEnd type="none" w="med" len="med"/>
+                      <a:tailEnd type="none" w="med" len="med"/>
+                    </a:lnR>
+                    <a:lnT w="38100" cap="flat" cmpd="sng" algn="ctr">
+                      <a:solidFill>
+                        <a:schemeClr val="tx1"/>
+                      </a:solidFill>
+                      <a:prstDash val="sysDot"/>
+                      <a:round/>
+                      <a:headEnd type="none" w="med" len="med"/>
+                      <a:tailEnd type="none" w="med" len="med"/>
+                    </a:lnT>
+                    <a:lnB w="38100" cap="flat" cmpd="sng" algn="ctr">
+                      <a:solidFill>
+                        <a:schemeClr val="tx1"/>
+                      </a:solidFill>
+                      <a:prstDash val="sysDot"/>
+                      <a:round/>
+                      <a:headEnd type="none" w="med" len="med"/>
+                      <a:tailEnd type="none" w="med" len="med"/>
+                    </a:lnB>
+                  </a:tcPr>
+                </a:tc>
+              </a:tr>
+              <a:tr h="1239264">
+                <a:tc>
+                  <a:txBody>
+                    <a:bodyPr/>
+                    <a:lstStyle/>
+                    <a:p>
+                      <a:pPr algn="ctr"/>
+                      <a:r>
+                        <a:rPr lang="sv-SE" sz="4000" dirty="0" smtClean="0"/>
+                        <a:t>Marcos </a:t>
+                      </a:r>
+                      <a:r>
+                        <a:rPr lang="sv-SE" sz="4000" dirty="0" smtClean="0"/>
+                        <a:t>[5]</a:t>
+                      </a:r>
+                      <a:endParaRPr lang="en-GB" sz="4000" dirty="0"/>
+                    </a:p>
+                  </a:txBody>
+                  <a:tcPr marL="82307" marR="82307" anchor="ctr">
+                    <a:lnL w="12700" cap="flat" cmpd="sng" algn="ctr">
+                      <a:noFill/>
+                      <a:prstDash val="solid"/>
+                      <a:round/>
+                      <a:headEnd type="none" w="med" len="med"/>
+                      <a:tailEnd type="none" w="med" len="med"/>
+                    </a:lnL>
+                    <a:lnR w="76200" cap="flat" cmpd="sng" algn="ctr">
+                      <a:solidFill>
+                        <a:schemeClr val="tx1"/>
+                      </a:solidFill>
+                      <a:prstDash val="solid"/>
+                      <a:round/>
+                      <a:headEnd type="none" w="med" len="med"/>
+                      <a:tailEnd type="none" w="med" len="med"/>
+                    </a:lnR>
+                    <a:lnT w="38100" cap="flat" cmpd="sng" algn="ctr">
+                      <a:solidFill>
+                        <a:schemeClr val="tx1"/>
+                      </a:solidFill>
+                      <a:prstDash val="sysDot"/>
+                      <a:round/>
+                      <a:headEnd type="none" w="med" len="med"/>
+                      <a:tailEnd type="none" w="med" len="med"/>
+                    </a:lnT>
+                    <a:lnB w="38100" cap="flat" cmpd="sng" algn="ctr">
+                      <a:solidFill>
+                        <a:schemeClr val="tx1"/>
+                      </a:solidFill>
+                      <a:prstDash val="solid"/>
+                      <a:round/>
+                      <a:headEnd type="none" w="med" len="med"/>
+                      <a:tailEnd type="none" w="med" len="med"/>
+                    </a:lnB>
+                  </a:tcPr>
+                </a:tc>
+                <a:tc>
+                  <a:txBody>
+                    <a:bodyPr/>
+                    <a:lstStyle/>
+                    <a:p>
+                      <a:pPr algn="ctr"/>
+                      <a:r>
+                        <a:rPr lang="sv-SE" sz="4000" b="1" dirty="0" smtClean="0"/>
+                        <a:t>55.91</a:t>
+                      </a:r>
+                      <a:endParaRPr lang="en-GB" sz="4000" b="1" dirty="0"/>
+                    </a:p>
+                  </a:txBody>
+                  <a:tcPr marL="82307" marR="82307" anchor="ctr">
+                    <a:lnL w="76200" cap="flat" cmpd="sng" algn="ctr">
+                      <a:solidFill>
+                        <a:schemeClr val="tx1"/>
+                      </a:solidFill>
+                      <a:prstDash val="solid"/>
+                      <a:round/>
+                      <a:headEnd type="none" w="med" len="med"/>
+                      <a:tailEnd type="none" w="med" len="med"/>
+                    </a:lnL>
+                    <a:lnT w="38100" cap="flat" cmpd="sng" algn="ctr">
+                      <a:solidFill>
+                        <a:schemeClr val="tx1"/>
+                      </a:solidFill>
+                      <a:prstDash val="sysDot"/>
+                      <a:round/>
+                      <a:headEnd type="none" w="med" len="med"/>
+                      <a:tailEnd type="none" w="med" len="med"/>
+                    </a:lnT>
+                    <a:lnB w="38100" cap="flat" cmpd="sng" algn="ctr">
+                      <a:solidFill>
+                        <a:schemeClr val="tx1"/>
+                      </a:solidFill>
+                      <a:prstDash val="solid"/>
+                      <a:round/>
+                      <a:headEnd type="none" w="med" len="med"/>
+                      <a:tailEnd type="none" w="med" len="med"/>
+                    </a:lnB>
+                  </a:tcPr>
+                </a:tc>
+                <a:tc>
+                  <a:txBody>
+                    <a:bodyPr/>
+                    <a:lstStyle/>
+                    <a:p>
+                      <a:pPr algn="ctr"/>
+                      <a:r>
+                        <a:rPr lang="sv-SE" sz="4000" b="1" dirty="0" smtClean="0"/>
+                        <a:t>66.80</a:t>
+                      </a:r>
+                      <a:endParaRPr lang="en-GB" sz="4000" b="1" dirty="0"/>
+                    </a:p>
+                  </a:txBody>
+                  <a:tcPr marL="82307" marR="82307" anchor="ctr">
+                    <a:lnR w="12700" cap="flat" cmpd="sng" algn="ctr">
+                      <a:noFill/>
+                      <a:prstDash val="solid"/>
+                      <a:round/>
+                      <a:headEnd type="none" w="med" len="med"/>
+                      <a:tailEnd type="none" w="med" len="med"/>
+                    </a:lnR>
+                    <a:lnT w="38100" cap="flat" cmpd="sng" algn="ctr">
+                      <a:solidFill>
+                        <a:schemeClr val="tx1"/>
+                      </a:solidFill>
+                      <a:prstDash val="sysDot"/>
+                      <a:round/>
+                      <a:headEnd type="none" w="med" len="med"/>
+                      <a:tailEnd type="none" w="med" len="med"/>
+                    </a:lnT>
+                    <a:lnB w="38100" cap="flat" cmpd="sng" algn="ctr">
+                      <a:solidFill>
+                        <a:schemeClr val="tx1"/>
+                      </a:solidFill>
+                      <a:prstDash val="solid"/>
+                      <a:round/>
+                      <a:headEnd type="none" w="med" len="med"/>
+                      <a:tailEnd type="none" w="med" len="med"/>
+                    </a:lnB>
+                  </a:tcPr>
+                </a:tc>
+              </a:tr>
+              <a:tr h="1239264">
+                <a:tc>
+                  <a:txBody>
+                    <a:bodyPr/>
+                    <a:lstStyle/>
+                    <a:p>
+                      <a:pPr algn="ctr"/>
+                      <a:r>
+                        <a:rPr lang="sv-SE" sz="4000" dirty="0" smtClean="0"/>
+                        <a:t>ResNet</a:t>
+                      </a:r>
+                      <a:endParaRPr lang="en-GB" sz="4000" dirty="0"/>
+                    </a:p>
+                  </a:txBody>
+                  <a:tcPr marL="82307" marR="82307" anchor="ctr">
+                    <a:lnL w="12700" cap="flat" cmpd="sng" algn="ctr">
+                      <a:noFill/>
+                      <a:prstDash val="solid"/>
+                      <a:round/>
+                      <a:headEnd type="none" w="med" len="med"/>
+                      <a:tailEnd type="none" w="med" len="med"/>
+                    </a:lnL>
+                    <a:lnR w="76200" cap="flat" cmpd="sng" algn="ctr">
+                      <a:solidFill>
+                        <a:schemeClr val="tx1"/>
+                      </a:solidFill>
+                      <a:prstDash val="solid"/>
+                      <a:round/>
+                      <a:headEnd type="none" w="med" len="med"/>
+                      <a:tailEnd type="none" w="med" len="med"/>
+                    </a:lnR>
+                    <a:lnT w="38100" cap="flat" cmpd="sng" algn="ctr">
+                      <a:solidFill>
+                        <a:schemeClr val="tx1"/>
+                      </a:solidFill>
+                      <a:prstDash val="solid"/>
+                      <a:round/>
+                      <a:headEnd type="none" w="med" len="med"/>
+                      <a:tailEnd type="none" w="med" len="med"/>
+                    </a:lnT>
+                    <a:lnB w="38100" cap="flat" cmpd="sng" algn="ctr">
+                      <a:solidFill>
+                        <a:schemeClr val="tx1"/>
+                      </a:solidFill>
+                      <a:prstDash val="sysDot"/>
+                      <a:round/>
+                      <a:headEnd type="none" w="med" len="med"/>
+                      <a:tailEnd type="none" w="med" len="med"/>
+                    </a:lnB>
+                  </a:tcPr>
+                </a:tc>
+                <a:tc>
+                  <a:txBody>
+                    <a:bodyPr/>
+                    <a:lstStyle/>
+                    <a:p>
+                      <a:pPr algn="ctr"/>
+                      <a:r>
+                        <a:rPr lang="sv-SE" sz="4000" b="1" dirty="0" smtClean="0"/>
+                        <a:t>78.34</a:t>
+                      </a:r>
+                      <a:endParaRPr lang="en-GB" sz="4000" b="1" dirty="0"/>
+                    </a:p>
+                  </a:txBody>
+                  <a:tcPr marL="82307" marR="82307" anchor="ctr">
+                    <a:lnL w="76200" cap="flat" cmpd="sng" algn="ctr">
+                      <a:solidFill>
+                        <a:schemeClr val="tx1"/>
+                      </a:solidFill>
+                      <a:prstDash val="solid"/>
+                      <a:round/>
+                      <a:headEnd type="none" w="med" len="med"/>
+                      <a:tailEnd type="none" w="med" len="med"/>
+                    </a:lnL>
+                    <a:lnT w="38100" cap="flat" cmpd="sng" algn="ctr">
+                      <a:solidFill>
+                        <a:schemeClr val="tx1"/>
+                      </a:solidFill>
+                      <a:prstDash val="solid"/>
+                      <a:round/>
+                      <a:headEnd type="none" w="med" len="med"/>
+                      <a:tailEnd type="none" w="med" len="med"/>
+                    </a:lnT>
+                    <a:lnB w="38100" cap="flat" cmpd="sng" algn="ctr">
+                      <a:solidFill>
+                        <a:schemeClr val="tx1"/>
+                      </a:solidFill>
+                      <a:prstDash val="sysDot"/>
+                      <a:round/>
+                      <a:headEnd type="none" w="med" len="med"/>
+                      <a:tailEnd type="none" w="med" len="med"/>
+                    </a:lnB>
+                  </a:tcPr>
+                </a:tc>
+                <a:tc>
+                  <a:txBody>
+                    <a:bodyPr/>
+                    <a:lstStyle/>
+                    <a:p>
+                      <a:pPr algn="ctr"/>
+                      <a:r>
+                        <a:rPr lang="sv-SE" sz="4000" b="1" dirty="0" smtClean="0"/>
+                        <a:t>75.51</a:t>
+                      </a:r>
+                      <a:endParaRPr lang="en-GB" sz="4000" b="1" dirty="0"/>
+                    </a:p>
+                  </a:txBody>
+                  <a:tcPr marL="82307" marR="82307" anchor="ctr">
+                    <a:lnR w="12700" cap="flat" cmpd="sng" algn="ctr">
+                      <a:noFill/>
+                      <a:prstDash val="solid"/>
+                      <a:round/>
+                      <a:headEnd type="none" w="med" len="med"/>
+                      <a:tailEnd type="none" w="med" len="med"/>
+                    </a:lnR>
+                    <a:lnT w="38100" cap="flat" cmpd="sng" algn="ctr">
+                      <a:solidFill>
+                        <a:schemeClr val="tx1"/>
+                      </a:solidFill>
+                      <a:prstDash val="solid"/>
+                      <a:round/>
+                      <a:headEnd type="none" w="med" len="med"/>
+                      <a:tailEnd type="none" w="med" len="med"/>
+                    </a:lnT>
+                    <a:lnB w="38100" cap="flat" cmpd="sng" algn="ctr">
+                      <a:solidFill>
+                        <a:schemeClr val="tx1"/>
+                      </a:solidFill>
+                      <a:prstDash val="sysDot"/>
+                      <a:round/>
+                      <a:headEnd type="none" w="med" len="med"/>
+                      <a:tailEnd type="none" w="med" len="med"/>
+                    </a:lnB>
+                  </a:tcPr>
+                </a:tc>
+              </a:tr>
+              <a:tr h="1239264">
+                <a:tc>
+                  <a:txBody>
+                    <a:bodyPr/>
+                    <a:lstStyle/>
+                    <a:p>
+                      <a:pPr algn="ctr"/>
+                      <a:r>
+                        <a:rPr lang="sv-SE" sz="4000" dirty="0" smtClean="0"/>
+                        <a:t>VGG</a:t>
+                      </a:r>
+                      <a:endParaRPr lang="en-GB" sz="4000" dirty="0"/>
+                    </a:p>
+                  </a:txBody>
+                  <a:tcPr marL="82307" marR="82307" anchor="ctr">
+                    <a:lnL w="12700" cap="flat" cmpd="sng" algn="ctr">
+                      <a:noFill/>
+                      <a:prstDash val="solid"/>
+                      <a:round/>
+                      <a:headEnd type="none" w="med" len="med"/>
+                      <a:tailEnd type="none" w="med" len="med"/>
+                    </a:lnL>
+                    <a:lnR w="76200" cap="flat" cmpd="sng" algn="ctr">
+                      <a:solidFill>
+                        <a:schemeClr val="tx1"/>
+                      </a:solidFill>
+                      <a:prstDash val="solid"/>
+                      <a:round/>
+                      <a:headEnd type="none" w="med" len="med"/>
+                      <a:tailEnd type="none" w="med" len="med"/>
+                    </a:lnR>
+                    <a:lnT w="38100" cap="flat" cmpd="sng" algn="ctr">
+                      <a:solidFill>
+                        <a:schemeClr val="tx1"/>
+                      </a:solidFill>
+                      <a:prstDash val="sysDot"/>
+                      <a:round/>
+                      <a:headEnd type="none" w="med" len="med"/>
+                      <a:tailEnd type="none" w="med" len="med"/>
+                    </a:lnT>
+                    <a:lnB w="12700" cap="flat" cmpd="sng" algn="ctr">
+                      <a:noFill/>
+                      <a:prstDash val="solid"/>
+                      <a:round/>
+                      <a:headEnd type="none" w="med" len="med"/>
+                      <a:tailEnd type="none" w="med" len="med"/>
+                    </a:lnB>
+                  </a:tcPr>
+                </a:tc>
+                <a:tc>
+                  <a:txBody>
+                    <a:bodyPr/>
+                    <a:lstStyle/>
+                    <a:p>
+                      <a:pPr algn="ctr"/>
+                      <a:r>
+                        <a:rPr lang="en-GB" sz="4000" b="1" i="0" kern="1200" dirty="0" smtClean="0">
+                          <a:solidFill>
+                            <a:schemeClr val="tx1"/>
+                          </a:solidFill>
+                          <a:effectLst/>
+                          <a:latin typeface="+mn-lt"/>
+                          <a:ea typeface="+mn-ea"/>
+                          <a:cs typeface="+mn-cs"/>
+                        </a:rPr>
+                        <a:t>80.66</a:t>
+                      </a:r>
+                      <a:endParaRPr lang="en-GB" sz="4000" b="1" dirty="0"/>
+                    </a:p>
+                  </a:txBody>
+                  <a:tcPr marL="82307" marR="82307" anchor="ctr">
+                    <a:lnL w="76200" cap="flat" cmpd="sng" algn="ctr">
+                      <a:solidFill>
+                        <a:schemeClr val="tx1"/>
+                      </a:solidFill>
+                      <a:prstDash val="solid"/>
+                      <a:round/>
+                      <a:headEnd type="none" w="med" len="med"/>
+                      <a:tailEnd type="none" w="med" len="med"/>
+                    </a:lnL>
+                    <a:lnT w="38100" cap="flat" cmpd="sng" algn="ctr">
+                      <a:solidFill>
+                        <a:schemeClr val="tx1"/>
+                      </a:solidFill>
+                      <a:prstDash val="sysDot"/>
+                      <a:round/>
+                      <a:headEnd type="none" w="med" len="med"/>
+                      <a:tailEnd type="none" w="med" len="med"/>
+                    </a:lnT>
+                    <a:lnB w="12700" cap="flat" cmpd="sng" algn="ctr">
+                      <a:noFill/>
+                      <a:prstDash val="solid"/>
+                      <a:round/>
+                      <a:headEnd type="none" w="med" len="med"/>
+                      <a:tailEnd type="none" w="med" len="med"/>
+                    </a:lnB>
+                  </a:tcPr>
+                </a:tc>
+                <a:tc>
+                  <a:txBody>
+                    <a:bodyPr/>
+                    <a:lstStyle/>
+                    <a:p>
+                      <a:pPr algn="ctr"/>
+                      <a:r>
+                        <a:rPr lang="sv-SE" sz="4000" b="1" dirty="0" smtClean="0"/>
+                        <a:t>77.68</a:t>
+                      </a:r>
+                      <a:endParaRPr lang="en-GB" sz="4000" b="1" dirty="0"/>
+                    </a:p>
+                  </a:txBody>
+                  <a:tcPr marL="82307" marR="82307" anchor="ctr">
+                    <a:lnR w="12700" cap="flat" cmpd="sng" algn="ctr">
+                      <a:noFill/>
+                      <a:prstDash val="solid"/>
+                      <a:round/>
+                      <a:headEnd type="none" w="med" len="med"/>
+                      <a:tailEnd type="none" w="med" len="med"/>
+                    </a:lnR>
+                    <a:lnT w="38100" cap="flat" cmpd="sng" algn="ctr">
+                      <a:solidFill>
+                        <a:schemeClr val="tx1"/>
+                      </a:solidFill>
+                      <a:prstDash val="sysDot"/>
+                      <a:round/>
+                      <a:headEnd type="none" w="med" len="med"/>
+                      <a:tailEnd type="none" w="med" len="med"/>
+                    </a:lnT>
+                    <a:lnB w="12700" cap="flat" cmpd="sng" algn="ctr">
+                      <a:noFill/>
+                      <a:prstDash val="solid"/>
+                      <a:round/>
+                      <a:headEnd type="none" w="med" len="med"/>
+                      <a:tailEnd type="none" w="med" len="med"/>
+                    </a:lnB>
+                  </a:tcPr>
+                </a:tc>
+              </a:tr>
+            </a:tbl>
+          </a:graphicData>
+        </a:graphic>
+      </p:graphicFrame>
+      <p:grpSp>
+        <p:nvGrpSpPr>
+          <p:cNvPr id="12" name="Group 11"/>
+          <p:cNvGrpSpPr/>
+          <p:nvPr/>
+        </p:nvGrpSpPr>
+        <p:grpSpPr>
+          <a:xfrm>
+            <a:off x="5400825" y="12267360"/>
+            <a:ext cx="8784976" cy="9295287"/>
+            <a:chOff x="14545841" y="2800056"/>
+            <a:chExt cx="8784976" cy="9295287"/>
+          </a:xfrm>
+        </p:grpSpPr>
+        <p:sp>
+          <p:nvSpPr>
+            <p:cNvPr id="18" name="Rounded Rectangle 17"/>
+            <p:cNvSpPr/>
+            <p:nvPr/>
+          </p:nvSpPr>
+          <p:spPr bwMode="auto">
+            <a:xfrm>
+              <a:off x="14545841" y="3209414"/>
+              <a:ext cx="8784976" cy="8885929"/>
+            </a:xfrm>
+            <a:prstGeom prst="roundRect">
+              <a:avLst>
+                <a:gd name="adj" fmla="val 4188"/>
+              </a:avLst>
+            </a:prstGeom>
+            <a:solidFill>
+              <a:schemeClr val="bg1">
+                <a:lumMod val="95000"/>
+              </a:schemeClr>
+            </a:solidFill>
+            <a:ln w="76200"/>
+          </p:spPr>
+          <p:style>
+            <a:lnRef idx="2">
+              <a:schemeClr val="dk1"/>
+            </a:lnRef>
+            <a:fillRef idx="1">
+              <a:schemeClr val="lt1"/>
+            </a:fillRef>
+            <a:effectRef idx="0">
+              <a:schemeClr val="dk1"/>
+            </a:effectRef>
+            <a:fontRef idx="minor">
+              <a:schemeClr val="dk1"/>
+            </a:fontRef>
+          </p:style>
+          <p:txBody>
+            <a:bodyPr vert="horz" wrap="square" lIns="144000" tIns="72000" rIns="144000" bIns="72000" numCol="1" rtlCol="0" anchor="t" anchorCtr="0" compatLnSpc="1">
+              <a:prstTxWarp prst="textNoShape">
+                <a:avLst/>
+              </a:prstTxWarp>
+            </a:bodyPr>
+            <a:lstStyle/>
+            <a:p>
+              <a:pPr marL="0" marR="0" indent="0" defTabSz="914400" rtl="0" eaLnBrk="1" fontAlgn="base" latinLnBrk="0" hangingPunct="1">
+                <a:lnSpc>
+                  <a:spcPct val="100000"/>
+                </a:lnSpc>
+                <a:spcBef>
+                  <a:spcPct val="20000"/>
+                </a:spcBef>
+                <a:spcAft>
+                  <a:spcPct val="0"/>
+                </a:spcAft>
+                <a:buClrTx/>
+                <a:buSzTx/>
+                <a:buFontTx/>
+                <a:buNone/>
+                <a:tabLst/>
+              </a:pPr>
+              <a:endParaRPr lang="sv-SE" sz="2400" dirty="0" smtClean="0">
+                <a:solidFill>
+                  <a:srgbClr val="000000"/>
+                </a:solidFill>
+                <a:latin typeface="Arial" charset="0"/>
+              </a:endParaRPr>
+            </a:p>
+            <a:p>
+              <a:pPr marL="571500" indent="-571500">
+                <a:buFont typeface="Arial" panose="020B0604020202020204" pitchFamily="34" charset="0"/>
+                <a:buChar char="•"/>
+              </a:pPr>
+              <a:r>
+                <a:rPr lang="sv-SE" sz="3600" dirty="0" smtClean="0"/>
+                <a:t>LBPs [2] </a:t>
+              </a:r>
+              <a:r>
+                <a:rPr lang="sv-SE" sz="3600" dirty="0" smtClean="0"/>
+                <a:t>are </a:t>
+              </a:r>
+              <a:r>
+                <a:rPr lang="sv-SE" sz="3600" dirty="0"/>
+                <a:t>powerful texture </a:t>
+              </a:r>
+              <a:r>
+                <a:rPr lang="sv-SE" sz="3600" dirty="0" smtClean="0"/>
+                <a:t>classifiers</a:t>
+              </a:r>
+            </a:p>
+            <a:p>
+              <a:pPr marL="571500" indent="-571500">
+                <a:buFont typeface="Arial" panose="020B0604020202020204" pitchFamily="34" charset="0"/>
+                <a:buChar char="•"/>
+              </a:pPr>
+              <a:r>
+                <a:rPr lang="sv-SE" sz="3600" dirty="0" smtClean="0"/>
+                <a:t>Compare intensities of </a:t>
+              </a:r>
+              <a:r>
+                <a:rPr lang="sv-SE" sz="3600" dirty="0" smtClean="0"/>
+                <a:t>P </a:t>
+              </a:r>
+              <a:r>
+                <a:rPr lang="sv-SE" sz="3600" dirty="0"/>
+                <a:t>points </a:t>
+              </a:r>
+              <a:r>
+                <a:rPr lang="sv-SE" sz="3600" dirty="0" smtClean="0"/>
+                <a:t>surrounding center </a:t>
+              </a:r>
+              <a:r>
+                <a:rPr lang="sv-SE" sz="3600" dirty="0"/>
+                <a:t>pixel </a:t>
+              </a:r>
+              <a:r>
+                <a:rPr lang="sv-SE" sz="3600" dirty="0" smtClean="0"/>
+                <a:t>at </a:t>
+              </a:r>
+              <a:r>
+                <a:rPr lang="sv-SE" sz="3600" dirty="0" smtClean="0"/>
+                <a:t>radius </a:t>
+              </a:r>
+              <a:r>
+                <a:rPr lang="sv-SE" sz="3600" dirty="0" smtClean="0"/>
+                <a:t>R</a:t>
+              </a:r>
+              <a:endParaRPr lang="sv-SE" sz="3600" dirty="0" smtClean="0"/>
+            </a:p>
+            <a:p>
+              <a:pPr marL="571500" indent="-571500">
+                <a:buFont typeface="Arial" panose="020B0604020202020204" pitchFamily="34" charset="0"/>
+                <a:buChar char="•"/>
+              </a:pPr>
+              <a:r>
+                <a:rPr lang="sv-SE" sz="3600" dirty="0" smtClean="0"/>
+                <a:t>Record either a 1 or a 0 depending which value is greater</a:t>
+              </a:r>
+            </a:p>
+            <a:p>
+              <a:endParaRPr lang="sv-SE" sz="3600" dirty="0" smtClean="0"/>
+            </a:p>
+            <a:p>
+              <a:endParaRPr lang="sv-SE" sz="3600" dirty="0"/>
+            </a:p>
+          </p:txBody>
+        </p:sp>
+        <p:sp>
+          <p:nvSpPr>
+            <p:cNvPr id="19" name="TextBox 18"/>
+            <p:cNvSpPr txBox="1"/>
+            <p:nvPr/>
+          </p:nvSpPr>
+          <p:spPr>
+            <a:xfrm>
+              <a:off x="15350494" y="2800056"/>
+              <a:ext cx="7175670" cy="800219"/>
+            </a:xfrm>
+            <a:prstGeom prst="rect">
+              <a:avLst/>
+            </a:prstGeom>
+            <a:solidFill>
+              <a:srgbClr val="B40000"/>
+            </a:solidFill>
+            <a:ln w="57150">
+              <a:solidFill>
+                <a:schemeClr val="tx1"/>
+              </a:solidFill>
+            </a:ln>
+          </p:spPr>
+          <p:txBody>
+            <a:bodyPr wrap="square" rtlCol="0">
+              <a:spAutoFit/>
+            </a:bodyPr>
+            <a:lstStyle/>
+            <a:p>
+              <a:pPr algn="ctr"/>
+              <a:r>
+                <a:rPr lang="sv-SE" b="1" dirty="0" smtClean="0">
+                  <a:solidFill>
+                    <a:schemeClr val="accent3"/>
+                  </a:solidFill>
+                </a:rPr>
+                <a:t>Local Binary Patterns</a:t>
+              </a:r>
+              <a:endParaRPr lang="en-GB" b="1" dirty="0">
+                <a:solidFill>
+                  <a:schemeClr val="accent3"/>
+                </a:solidFill>
+              </a:endParaRPr>
+            </a:p>
+          </p:txBody>
+        </p:sp>
+        <p:sp>
+          <p:nvSpPr>
+            <p:cNvPr id="9" name="Right Arrow 8"/>
+            <p:cNvSpPr/>
+            <p:nvPr/>
+          </p:nvSpPr>
+          <p:spPr bwMode="auto">
+            <a:xfrm>
+              <a:off x="19010337" y="9016349"/>
+              <a:ext cx="792088" cy="720080"/>
+            </a:xfrm>
+            <a:prstGeom prst="rightArrow">
+              <a:avLst/>
+            </a:prstGeom>
+            <a:solidFill>
+              <a:schemeClr val="tx1"/>
+            </a:solidFill>
+            <a:ln>
+              <a:noFill/>
+            </a:ln>
+            <a:effectLst/>
+            <a:extLst/>
+          </p:spPr>
+          <p:txBody>
+            <a:bodyPr vert="horz" wrap="square" lIns="457200" tIns="228600" rIns="457200" bIns="228600" numCol="1" rtlCol="0" anchor="t" anchorCtr="0" compatLnSpc="1">
+              <a:prstTxWarp prst="textNoShape">
+                <a:avLst/>
+              </a:prstTxWarp>
+            </a:bodyPr>
+            <a:lstStyle/>
+            <a:p>
+              <a:pPr marL="0" marR="0" indent="0" algn="l" defTabSz="914400" rtl="0" eaLnBrk="1" fontAlgn="base" latinLnBrk="0" hangingPunct="1">
+                <a:lnSpc>
+                  <a:spcPct val="100000"/>
+                </a:lnSpc>
+                <a:spcBef>
+                  <a:spcPct val="20000"/>
+                </a:spcBef>
+                <a:spcAft>
+                  <a:spcPct val="0"/>
+                </a:spcAft>
+                <a:buClrTx/>
+                <a:buSzTx/>
+                <a:buFontTx/>
+                <a:buNone/>
+                <a:tabLst/>
+              </a:pPr>
+              <a:endParaRPr kumimoji="0" lang="en-GB" sz="4600" b="0" i="0" u="none" strike="noStrike" cap="none" normalizeH="0" baseline="0" smtClean="0">
+                <a:ln>
+                  <a:noFill/>
+                </a:ln>
+                <a:solidFill>
+                  <a:srgbClr val="000000"/>
+                </a:solidFill>
+                <a:effectLst/>
+                <a:latin typeface="Arial" charset="0"/>
+              </a:endParaRPr>
+            </a:p>
+          </p:txBody>
+        </p:sp>
+        <p:sp>
+          <p:nvSpPr>
+            <p:cNvPr id="10" name="TextBox 9"/>
+            <p:cNvSpPr txBox="1"/>
+            <p:nvPr/>
+          </p:nvSpPr>
+          <p:spPr>
+            <a:xfrm>
+              <a:off x="20183699" y="8351147"/>
+              <a:ext cx="2787078" cy="800219"/>
+            </a:xfrm>
+            <a:prstGeom prst="rect">
+              <a:avLst/>
+            </a:prstGeom>
+            <a:noFill/>
+          </p:spPr>
+          <p:txBody>
+            <a:bodyPr wrap="square" rtlCol="0">
+              <a:spAutoFit/>
+            </a:bodyPr>
+            <a:lstStyle/>
+            <a:p>
+              <a:r>
+                <a:rPr lang="sv-SE" dirty="0" smtClean="0"/>
+                <a:t>00110100</a:t>
+              </a:r>
+              <a:endParaRPr lang="en-GB" dirty="0"/>
+            </a:p>
+          </p:txBody>
+        </p:sp>
+        <p:sp>
+          <p:nvSpPr>
+            <p:cNvPr id="40" name="TextBox 39"/>
+            <p:cNvSpPr txBox="1"/>
+            <p:nvPr/>
+          </p:nvSpPr>
+          <p:spPr>
+            <a:xfrm>
+              <a:off x="20183699" y="9687361"/>
+              <a:ext cx="2787078" cy="800219"/>
+            </a:xfrm>
+            <a:prstGeom prst="rect">
+              <a:avLst/>
+            </a:prstGeom>
+            <a:noFill/>
+          </p:spPr>
+          <p:txBody>
+            <a:bodyPr wrap="square" rtlCol="0">
+              <a:spAutoFit/>
+            </a:bodyPr>
+            <a:lstStyle/>
+            <a:p>
+              <a:r>
+                <a:rPr lang="sv-SE" dirty="0" smtClean="0"/>
+                <a:t>00001101</a:t>
+              </a:r>
+              <a:endParaRPr lang="en-GB" dirty="0"/>
+            </a:p>
+          </p:txBody>
+        </p:sp>
+        <p:sp>
+          <p:nvSpPr>
+            <p:cNvPr id="39" name="TextBox 38"/>
+            <p:cNvSpPr txBox="1"/>
+            <p:nvPr/>
+          </p:nvSpPr>
+          <p:spPr>
+            <a:xfrm>
+              <a:off x="21202899" y="9031158"/>
+              <a:ext cx="615750" cy="800219"/>
+            </a:xfrm>
+            <a:prstGeom prst="rect">
+              <a:avLst/>
+            </a:prstGeom>
+            <a:noFill/>
+          </p:spPr>
+          <p:txBody>
+            <a:bodyPr wrap="square" rtlCol="0">
+              <a:spAutoFit/>
+            </a:bodyPr>
+            <a:lstStyle/>
+            <a:p>
+              <a:pPr algn="ctr"/>
+              <a:r>
+                <a:rPr lang="sv-SE" dirty="0" smtClean="0"/>
+                <a:t>=</a:t>
+              </a:r>
+              <a:endParaRPr lang="en-GB" dirty="0"/>
+            </a:p>
+          </p:txBody>
+        </p:sp>
+        <p:pic>
+          <p:nvPicPr>
+            <p:cNvPr id="37" name="Picture 2"/>
+            <p:cNvPicPr>
+              <a:picLocks noChangeAspect="1" noChangeArrowheads="1"/>
+            </p:cNvPicPr>
+            <p:nvPr/>
+          </p:nvPicPr>
+          <p:blipFill>
+            <a:blip r:embed="rId10" cstate="print">
+              <a:extLst>
+                <a:ext uri="{28A0092B-C50C-407E-A947-70E740481C1C}">
+                  <a14:useLocalDpi xmlns:a14="http://schemas.microsoft.com/office/drawing/2010/main" val="0"/>
+                </a:ext>
+              </a:extLst>
+            </a:blip>
+            <a:srcRect/>
+            <a:stretch>
+              <a:fillRect/>
+            </a:stretch>
+          </p:blipFill>
+          <p:spPr bwMode="auto">
+            <a:xfrm>
+              <a:off x="14976933" y="7488213"/>
+              <a:ext cx="3670453" cy="4583543"/>
+            </a:xfrm>
+            <a:prstGeom prst="rect">
+              <a:avLst/>
+            </a:prstGeom>
+            <a:noFill/>
+            <a:ln>
+              <a:noFill/>
+            </a:ln>
+            <a:effectLst/>
+            <a:extLst>
+              <a:ext uri="{909E8E84-426E-40DD-AFC4-6F175D3DCCD1}">
+                <a14:hiddenFill xmlns:a14="http://schemas.microsoft.com/office/drawing/2010/main">
+                  <a:solidFill>
+                    <a:schemeClr val="accent1"/>
+                  </a:solidFill>
+                </a14:hiddenFill>
+              </a:ext>
+              <a:ext uri="{91240B29-F687-4F45-9708-019B960494DF}">
+                <a14:hiddenLine xmlns:a14="http://schemas.microsoft.com/office/drawing/2010/main" w="9525">
+                  <a:solidFill>
+                    <a:schemeClr val="tx1"/>
+                  </a:solidFill>
+                  <a:miter lim="800000"/>
+                  <a:headEnd/>
+                  <a:tailEnd/>
+                </a14:hiddenLine>
+              </a:ext>
+              <a:ext uri="{AF507438-7753-43E0-B8FC-AC1667EBCBE1}">
+                <a14:hiddenEffects xmlns:a14="http://schemas.microsoft.com/office/drawing/2010/main">
+                  <a:effectLst>
+                    <a:outerShdw dist="35921" dir="2700000" algn="ctr" rotWithShape="0">
+                      <a:schemeClr val="bg2"/>
+                    </a:outerShdw>
+                  </a:effectLst>
+                </a14:hiddenEffects>
+              </a:ext>
+            </a:extLst>
+          </p:spPr>
+        </p:pic>
+      </p:grpSp>
       <p:sp>
         <p:nvSpPr>
-          <p:cNvPr id="9" name="Right Arrow 8"/>
+          <p:cNvPr id="42" name="Rounded Rectangle 41"/>
           <p:cNvSpPr/>
           <p:nvPr/>
         </p:nvSpPr>
         <p:spPr bwMode="auto">
           <a:xfrm>
-            <a:off x="19010337" y="9843861"/>
-            <a:ext cx="792088" cy="720080"/>
+            <a:off x="14771705" y="2804700"/>
+            <a:ext cx="17262240" cy="8888923"/>
           </a:xfrm>
-          <a:prstGeom prst="rightArrow">
-            <a:avLst/>
+          <a:prstGeom prst="roundRect">
+            <a:avLst>
+              <a:gd name="adj" fmla="val 4188"/>
+            </a:avLst>
           </a:prstGeom>
           <a:solidFill>
-            <a:schemeClr val="tx1"/>
+            <a:schemeClr val="bg1">
+              <a:lumMod val="95000"/>
+            </a:schemeClr>
           </a:solidFill>
-          <a:ln>
-            <a:noFill/>
-          </a:ln>
-          <a:effectLst/>
-          <a:extLst/>
+          <a:ln w="76200"/>
         </p:spPr>
+        <p:style>
+          <a:lnRef idx="2">
+            <a:schemeClr val="dk1"/>
+          </a:lnRef>
+          <a:fillRef idx="1">
+            <a:schemeClr val="lt1"/>
+          </a:fillRef>
+          <a:effectRef idx="0">
+            <a:schemeClr val="dk1"/>
+          </a:effectRef>
+          <a:fontRef idx="minor">
+            <a:schemeClr val="dk1"/>
+          </a:fontRef>
+        </p:style>
         <p:txBody>
-          <a:bodyPr vert="horz" wrap="square" lIns="457200" tIns="228600" rIns="457200" bIns="228600" numCol="1" rtlCol="0" anchor="t" anchorCtr="0" compatLnSpc="1">
+          <a:bodyPr vert="horz" wrap="square" lIns="144000" tIns="72000" rIns="144000" bIns="72000" numCol="1" rtlCol="0" anchor="t" anchorCtr="0" compatLnSpc="1">
             <a:prstTxWarp prst="textNoShape">
               <a:avLst/>
             </a:prstTxWarp>
           </a:bodyPr>
           <a:lstStyle/>
           <a:p>
-            <a:pPr marL="0" marR="0" indent="0" algn="l" defTabSz="914400" rtl="0" eaLnBrk="1" fontAlgn="base" latinLnBrk="0" hangingPunct="1">
+            <a:pPr marL="0" marR="0" indent="0" defTabSz="914400" rtl="0" eaLnBrk="1" fontAlgn="base" latinLnBrk="0" hangingPunct="1">
               <a:lnSpc>
                 <a:spcPct val="100000"/>
               </a:lnSpc>
@@ -6676,14 +7769,10 @@
               <a:buNone/>
               <a:tabLst/>
             </a:pPr>
-            <a:endParaRPr kumimoji="0" lang="en-GB" sz="4600" b="0" i="0" u="none" strike="noStrike" cap="none" normalizeH="0" baseline="0" smtClean="0">
-              <a:ln>
-                <a:noFill/>
-              </a:ln>
+            <a:endParaRPr lang="sv-SE" sz="3200" dirty="0" smtClean="0">
               <a:solidFill>
                 <a:srgbClr val="000000"/>
               </a:solidFill>
-              <a:effectLst/>
               <a:latin typeface="Arial" charset="0"/>
             </a:endParaRPr>
           </a:p>
@@ -6691,14 +7780,690 @@
       </p:sp>
       <p:sp>
         <p:nvSpPr>
-          <p:cNvPr id="10" name="TextBox 9"/>
+          <p:cNvPr id="43" name="TextBox 42"/>
           <p:cNvSpPr txBox="1"/>
           <p:nvPr/>
         </p:nvSpPr>
         <p:spPr>
           <a:xfrm>
-            <a:off x="20183699" y="9178659"/>
-            <a:ext cx="2787078" cy="800219"/>
+            <a:off x="21804006" y="2231629"/>
+            <a:ext cx="3759315" cy="800219"/>
+          </a:xfrm>
+          <a:prstGeom prst="rect">
+            <a:avLst/>
+          </a:prstGeom>
+          <a:solidFill>
+            <a:srgbClr val="B40000"/>
+          </a:solidFill>
+          <a:ln w="57150">
+            <a:solidFill>
+              <a:schemeClr val="tx1"/>
+            </a:solidFill>
+          </a:ln>
+        </p:spPr>
+        <p:txBody>
+          <a:bodyPr wrap="square" rtlCol="0">
+            <a:spAutoFit/>
+          </a:bodyPr>
+          <a:lstStyle/>
+          <a:p>
+            <a:pPr algn="ctr"/>
+            <a:r>
+              <a:rPr lang="sv-SE" b="1" dirty="0" smtClean="0">
+                <a:solidFill>
+                  <a:schemeClr val="accent3"/>
+                </a:solidFill>
+              </a:rPr>
+              <a:t>Models</a:t>
+            </a:r>
+            <a:endParaRPr lang="en-GB" b="1" dirty="0">
+              <a:solidFill>
+                <a:schemeClr val="accent3"/>
+              </a:solidFill>
+            </a:endParaRPr>
+          </a:p>
+        </p:txBody>
+      </p:sp>
+      <p:graphicFrame>
+        <p:nvGraphicFramePr>
+          <p:cNvPr id="50" name="Table 49"/>
+          <p:cNvGraphicFramePr>
+            <a:graphicFrameLocks noGrp="1"/>
+          </p:cNvGraphicFramePr>
+          <p:nvPr>
+            <p:extLst>
+              <p:ext uri="{D42A27DB-BD31-4B8C-83A1-F6EECF244321}">
+                <p14:modId xmlns:p14="http://schemas.microsoft.com/office/powerpoint/2010/main" val="1413515343"/>
+              </p:ext>
+            </p:extLst>
+          </p:nvPr>
+        </p:nvGraphicFramePr>
+        <p:xfrm>
+          <a:off x="15144784" y="3095725"/>
+          <a:ext cx="1523385" cy="1395431"/>
+        </p:xfrm>
+        <a:graphic>
+          <a:graphicData uri="http://schemas.openxmlformats.org/drawingml/2006/table">
+            <a:tbl>
+              <a:tblPr firstRow="1" bandRow="1">
+                <a:tableStyleId>{5940675A-B579-460E-94D1-54222C63F5DA}</a:tableStyleId>
+              </a:tblPr>
+              <a:tblGrid>
+                <a:gridCol w="507795"/>
+                <a:gridCol w="507795"/>
+                <a:gridCol w="507795"/>
+              </a:tblGrid>
+              <a:tr h="405741">
+                <a:tc>
+                  <a:txBody>
+                    <a:bodyPr/>
+                    <a:lstStyle/>
+                    <a:p>
+                      <a:pPr algn="ctr"/>
+                      <a:r>
+                        <a:rPr lang="sv-SE" sz="2400" b="1" dirty="0" smtClean="0"/>
+                        <a:t>1</a:t>
+                      </a:r>
+                      <a:endParaRPr lang="en-GB" sz="2400" b="1" dirty="0"/>
+                    </a:p>
+                  </a:txBody>
+                  <a:tcPr>
+                    <a:solidFill>
+                      <a:schemeClr val="bg1"/>
+                    </a:solidFill>
+                  </a:tcPr>
+                </a:tc>
+                <a:tc>
+                  <a:txBody>
+                    <a:bodyPr/>
+                    <a:lstStyle/>
+                    <a:p>
+                      <a:pPr algn="ctr"/>
+                      <a:r>
+                        <a:rPr lang="sv-SE" sz="2400" b="1" dirty="0" smtClean="0"/>
+                        <a:t>1</a:t>
+                      </a:r>
+                      <a:endParaRPr lang="en-GB" sz="2400" b="1" dirty="0"/>
+                    </a:p>
+                  </a:txBody>
+                  <a:tcPr>
+                    <a:solidFill>
+                      <a:schemeClr val="bg1"/>
+                    </a:solidFill>
+                  </a:tcPr>
+                </a:tc>
+                <a:tc>
+                  <a:txBody>
+                    <a:bodyPr/>
+                    <a:lstStyle/>
+                    <a:p>
+                      <a:pPr algn="ctr"/>
+                      <a:r>
+                        <a:rPr lang="sv-SE" sz="2400" b="1" dirty="0" smtClean="0"/>
+                        <a:t>0</a:t>
+                      </a:r>
+                      <a:endParaRPr lang="en-GB" sz="2400" b="1" dirty="0"/>
+                    </a:p>
+                  </a:txBody>
+                  <a:tcPr>
+                    <a:solidFill>
+                      <a:schemeClr val="bg1"/>
+                    </a:solidFill>
+                  </a:tcPr>
+                </a:tc>
+              </a:tr>
+              <a:tr h="405741">
+                <a:tc>
+                  <a:txBody>
+                    <a:bodyPr/>
+                    <a:lstStyle/>
+                    <a:p>
+                      <a:pPr algn="ctr"/>
+                      <a:r>
+                        <a:rPr lang="sv-SE" sz="2400" b="1" dirty="0" smtClean="0"/>
+                        <a:t>0</a:t>
+                      </a:r>
+                      <a:endParaRPr lang="en-GB" sz="2400" b="1" dirty="0"/>
+                    </a:p>
+                  </a:txBody>
+                  <a:tcPr>
+                    <a:solidFill>
+                      <a:schemeClr val="bg1"/>
+                    </a:solidFill>
+                  </a:tcPr>
+                </a:tc>
+                <a:tc>
+                  <a:txBody>
+                    <a:bodyPr/>
+                    <a:lstStyle/>
+                    <a:p>
+                      <a:pPr algn="ctr"/>
+                      <a:r>
+                        <a:rPr lang="sv-SE" sz="2400" b="1" dirty="0" smtClean="0"/>
+                        <a:t>1</a:t>
+                      </a:r>
+                      <a:endParaRPr lang="en-GB" sz="2400" b="1" dirty="0"/>
+                    </a:p>
+                  </a:txBody>
+                  <a:tcPr>
+                    <a:solidFill>
+                      <a:schemeClr val="bg1"/>
+                    </a:solidFill>
+                  </a:tcPr>
+                </a:tc>
+                <a:tc>
+                  <a:txBody>
+                    <a:bodyPr/>
+                    <a:lstStyle/>
+                    <a:p>
+                      <a:pPr algn="ctr"/>
+                      <a:r>
+                        <a:rPr lang="sv-SE" sz="2400" b="1" dirty="0" smtClean="0"/>
+                        <a:t>0</a:t>
+                      </a:r>
+                      <a:endParaRPr lang="en-GB" sz="2400" b="1" dirty="0"/>
+                    </a:p>
+                  </a:txBody>
+                  <a:tcPr>
+                    <a:solidFill>
+                      <a:schemeClr val="bg1"/>
+                    </a:solidFill>
+                  </a:tcPr>
+                </a:tc>
+              </a:tr>
+              <a:tr h="481031">
+                <a:tc>
+                  <a:txBody>
+                    <a:bodyPr/>
+                    <a:lstStyle/>
+                    <a:p>
+                      <a:pPr algn="ctr"/>
+                      <a:r>
+                        <a:rPr lang="sv-SE" sz="2400" b="1" dirty="0" smtClean="0"/>
+                        <a:t>-1</a:t>
+                      </a:r>
+                      <a:endParaRPr lang="en-GB" sz="2400" b="1" dirty="0"/>
+                    </a:p>
+                  </a:txBody>
+                  <a:tcPr>
+                    <a:solidFill>
+                      <a:schemeClr val="bg1"/>
+                    </a:solidFill>
+                  </a:tcPr>
+                </a:tc>
+                <a:tc>
+                  <a:txBody>
+                    <a:bodyPr/>
+                    <a:lstStyle/>
+                    <a:p>
+                      <a:pPr algn="ctr"/>
+                      <a:r>
+                        <a:rPr lang="sv-SE" sz="2400" b="1" dirty="0" smtClean="0"/>
+                        <a:t>-1</a:t>
+                      </a:r>
+                      <a:endParaRPr lang="en-GB" sz="2400" b="1" dirty="0"/>
+                    </a:p>
+                  </a:txBody>
+                  <a:tcPr>
+                    <a:solidFill>
+                      <a:schemeClr val="bg1"/>
+                    </a:solidFill>
+                  </a:tcPr>
+                </a:tc>
+                <a:tc>
+                  <a:txBody>
+                    <a:bodyPr/>
+                    <a:lstStyle/>
+                    <a:p>
+                      <a:pPr algn="ctr"/>
+                      <a:r>
+                        <a:rPr lang="sv-SE" sz="2400" b="1" dirty="0" smtClean="0"/>
+                        <a:t>0</a:t>
+                      </a:r>
+                      <a:endParaRPr lang="en-GB" sz="2400" b="1" dirty="0"/>
+                    </a:p>
+                  </a:txBody>
+                  <a:tcPr>
+                    <a:solidFill>
+                      <a:schemeClr val="bg1"/>
+                    </a:solidFill>
+                  </a:tcPr>
+                </a:tc>
+              </a:tr>
+            </a:tbl>
+          </a:graphicData>
+        </a:graphic>
+      </p:graphicFrame>
+      <p:graphicFrame>
+        <p:nvGraphicFramePr>
+          <p:cNvPr id="51" name="Table 50"/>
+          <p:cNvGraphicFramePr>
+            <a:graphicFrameLocks noGrp="1"/>
+          </p:cNvGraphicFramePr>
+          <p:nvPr>
+            <p:extLst>
+              <p:ext uri="{D42A27DB-BD31-4B8C-83A1-F6EECF244321}">
+                <p14:modId xmlns:p14="http://schemas.microsoft.com/office/powerpoint/2010/main" val="2721866786"/>
+              </p:ext>
+            </p:extLst>
+          </p:nvPr>
+        </p:nvGraphicFramePr>
+        <p:xfrm>
+          <a:off x="16051376" y="3807018"/>
+          <a:ext cx="1523385" cy="1395431"/>
+        </p:xfrm>
+        <a:graphic>
+          <a:graphicData uri="http://schemas.openxmlformats.org/drawingml/2006/table">
+            <a:tbl>
+              <a:tblPr firstRow="1" bandRow="1">
+                <a:tableStyleId>{5940675A-B579-460E-94D1-54222C63F5DA}</a:tableStyleId>
+              </a:tblPr>
+              <a:tblGrid>
+                <a:gridCol w="507795"/>
+                <a:gridCol w="507795"/>
+                <a:gridCol w="507795"/>
+              </a:tblGrid>
+              <a:tr h="405741">
+                <a:tc>
+                  <a:txBody>
+                    <a:bodyPr/>
+                    <a:lstStyle/>
+                    <a:p>
+                      <a:pPr algn="ctr"/>
+                      <a:r>
+                        <a:rPr lang="sv-SE" sz="2400" b="1" dirty="0" smtClean="0"/>
+                        <a:t>0</a:t>
+                      </a:r>
+                      <a:endParaRPr lang="en-GB" sz="2400" b="1" dirty="0"/>
+                    </a:p>
+                  </a:txBody>
+                  <a:tcPr>
+                    <a:solidFill>
+                      <a:schemeClr val="bg1"/>
+                    </a:solidFill>
+                  </a:tcPr>
+                </a:tc>
+                <a:tc>
+                  <a:txBody>
+                    <a:bodyPr/>
+                    <a:lstStyle/>
+                    <a:p>
+                      <a:pPr algn="ctr"/>
+                      <a:r>
+                        <a:rPr lang="sv-SE" sz="2400" b="1" dirty="0" smtClean="0"/>
+                        <a:t>0</a:t>
+                      </a:r>
+                      <a:endParaRPr lang="en-GB" sz="2400" b="1" dirty="0"/>
+                    </a:p>
+                  </a:txBody>
+                  <a:tcPr>
+                    <a:solidFill>
+                      <a:schemeClr val="bg1"/>
+                    </a:solidFill>
+                  </a:tcPr>
+                </a:tc>
+                <a:tc>
+                  <a:txBody>
+                    <a:bodyPr/>
+                    <a:lstStyle/>
+                    <a:p>
+                      <a:pPr algn="ctr"/>
+                      <a:r>
+                        <a:rPr lang="sv-SE" sz="2400" b="1" dirty="0" smtClean="0"/>
+                        <a:t>1</a:t>
+                      </a:r>
+                      <a:endParaRPr lang="en-GB" sz="2400" b="1" dirty="0"/>
+                    </a:p>
+                  </a:txBody>
+                  <a:tcPr>
+                    <a:solidFill>
+                      <a:schemeClr val="bg1"/>
+                    </a:solidFill>
+                  </a:tcPr>
+                </a:tc>
+              </a:tr>
+              <a:tr h="405741">
+                <a:tc>
+                  <a:txBody>
+                    <a:bodyPr/>
+                    <a:lstStyle/>
+                    <a:p>
+                      <a:pPr algn="ctr"/>
+                      <a:r>
+                        <a:rPr lang="sv-SE" sz="2400" b="1" dirty="0" smtClean="0"/>
+                        <a:t>-1</a:t>
+                      </a:r>
+                      <a:endParaRPr lang="en-GB" sz="2400" b="1" dirty="0"/>
+                    </a:p>
+                  </a:txBody>
+                  <a:tcPr>
+                    <a:solidFill>
+                      <a:schemeClr val="bg1"/>
+                    </a:solidFill>
+                  </a:tcPr>
+                </a:tc>
+                <a:tc>
+                  <a:txBody>
+                    <a:bodyPr/>
+                    <a:lstStyle/>
+                    <a:p>
+                      <a:pPr algn="ctr"/>
+                      <a:r>
+                        <a:rPr lang="sv-SE" sz="2400" b="1" dirty="0" smtClean="0"/>
+                        <a:t>0</a:t>
+                      </a:r>
+                      <a:endParaRPr lang="en-GB" sz="2400" b="1" dirty="0"/>
+                    </a:p>
+                  </a:txBody>
+                  <a:tcPr>
+                    <a:solidFill>
+                      <a:schemeClr val="bg1"/>
+                    </a:solidFill>
+                  </a:tcPr>
+                </a:tc>
+                <a:tc>
+                  <a:txBody>
+                    <a:bodyPr/>
+                    <a:lstStyle/>
+                    <a:p>
+                      <a:pPr algn="ctr"/>
+                      <a:r>
+                        <a:rPr lang="sv-SE" sz="2400" b="1" dirty="0" smtClean="0"/>
+                        <a:t>1</a:t>
+                      </a:r>
+                      <a:endParaRPr lang="en-GB" sz="2400" b="1" dirty="0"/>
+                    </a:p>
+                  </a:txBody>
+                  <a:tcPr>
+                    <a:solidFill>
+                      <a:schemeClr val="bg1"/>
+                    </a:solidFill>
+                  </a:tcPr>
+                </a:tc>
+              </a:tr>
+              <a:tr h="481031">
+                <a:tc>
+                  <a:txBody>
+                    <a:bodyPr/>
+                    <a:lstStyle/>
+                    <a:p>
+                      <a:pPr algn="ctr"/>
+                      <a:r>
+                        <a:rPr lang="sv-SE" sz="2400" b="1" dirty="0" smtClean="0"/>
+                        <a:t>1</a:t>
+                      </a:r>
+                      <a:endParaRPr lang="en-GB" sz="2400" b="1" dirty="0"/>
+                    </a:p>
+                  </a:txBody>
+                  <a:tcPr>
+                    <a:solidFill>
+                      <a:schemeClr val="bg1"/>
+                    </a:solidFill>
+                  </a:tcPr>
+                </a:tc>
+                <a:tc>
+                  <a:txBody>
+                    <a:bodyPr/>
+                    <a:lstStyle/>
+                    <a:p>
+                      <a:pPr algn="ctr"/>
+                      <a:r>
+                        <a:rPr lang="sv-SE" sz="2400" b="1" dirty="0" smtClean="0"/>
+                        <a:t>-1</a:t>
+                      </a:r>
+                      <a:endParaRPr lang="en-GB" sz="2400" b="1" dirty="0"/>
+                    </a:p>
+                  </a:txBody>
+                  <a:tcPr>
+                    <a:solidFill>
+                      <a:schemeClr val="bg1"/>
+                    </a:solidFill>
+                  </a:tcPr>
+                </a:tc>
+                <a:tc>
+                  <a:txBody>
+                    <a:bodyPr/>
+                    <a:lstStyle/>
+                    <a:p>
+                      <a:pPr algn="ctr"/>
+                      <a:r>
+                        <a:rPr lang="sv-SE" sz="2400" b="1" dirty="0" smtClean="0"/>
+                        <a:t>0</a:t>
+                      </a:r>
+                      <a:endParaRPr lang="en-GB" sz="2400" b="1" dirty="0"/>
+                    </a:p>
+                  </a:txBody>
+                  <a:tcPr>
+                    <a:solidFill>
+                      <a:schemeClr val="bg1"/>
+                    </a:solidFill>
+                  </a:tcPr>
+                </a:tc>
+              </a:tr>
+            </a:tbl>
+          </a:graphicData>
+        </a:graphic>
+      </p:graphicFrame>
+      <p:graphicFrame>
+        <p:nvGraphicFramePr>
+          <p:cNvPr id="52" name="Table 51"/>
+          <p:cNvGraphicFramePr>
+            <a:graphicFrameLocks noGrp="1"/>
+          </p:cNvGraphicFramePr>
+          <p:nvPr>
+            <p:extLst>
+              <p:ext uri="{D42A27DB-BD31-4B8C-83A1-F6EECF244321}">
+                <p14:modId xmlns:p14="http://schemas.microsoft.com/office/powerpoint/2010/main" val="2959834193"/>
+              </p:ext>
+            </p:extLst>
+          </p:nvPr>
+        </p:nvGraphicFramePr>
+        <p:xfrm>
+          <a:off x="16478840" y="4095050"/>
+          <a:ext cx="1523385" cy="1395431"/>
+        </p:xfrm>
+        <a:graphic>
+          <a:graphicData uri="http://schemas.openxmlformats.org/drawingml/2006/table">
+            <a:tbl>
+              <a:tblPr firstRow="1" bandRow="1">
+                <a:tableStyleId>{5940675A-B579-460E-94D1-54222C63F5DA}</a:tableStyleId>
+              </a:tblPr>
+              <a:tblGrid>
+                <a:gridCol w="507795"/>
+                <a:gridCol w="507795"/>
+                <a:gridCol w="507795"/>
+              </a:tblGrid>
+              <a:tr h="405741">
+                <a:tc>
+                  <a:txBody>
+                    <a:bodyPr/>
+                    <a:lstStyle/>
+                    <a:p>
+                      <a:pPr algn="ctr"/>
+                      <a:r>
+                        <a:rPr lang="sv-SE" sz="2400" b="1" dirty="0" smtClean="0"/>
+                        <a:t>0</a:t>
+                      </a:r>
+                      <a:endParaRPr lang="en-GB" sz="2400" b="1" dirty="0"/>
+                    </a:p>
+                  </a:txBody>
+                  <a:tcPr>
+                    <a:solidFill>
+                      <a:schemeClr val="bg1"/>
+                    </a:solidFill>
+                  </a:tcPr>
+                </a:tc>
+                <a:tc>
+                  <a:txBody>
+                    <a:bodyPr/>
+                    <a:lstStyle/>
+                    <a:p>
+                      <a:pPr algn="ctr"/>
+                      <a:r>
+                        <a:rPr lang="sv-SE" sz="2400" b="1" dirty="0" smtClean="0"/>
+                        <a:t>1</a:t>
+                      </a:r>
+                      <a:endParaRPr lang="en-GB" sz="2400" b="1" dirty="0"/>
+                    </a:p>
+                  </a:txBody>
+                  <a:tcPr>
+                    <a:solidFill>
+                      <a:schemeClr val="bg1"/>
+                    </a:solidFill>
+                  </a:tcPr>
+                </a:tc>
+                <a:tc>
+                  <a:txBody>
+                    <a:bodyPr/>
+                    <a:lstStyle/>
+                    <a:p>
+                      <a:pPr algn="ctr"/>
+                      <a:r>
+                        <a:rPr lang="sv-SE" sz="2400" b="1" dirty="0" smtClean="0"/>
+                        <a:t>0</a:t>
+                      </a:r>
+                      <a:endParaRPr lang="en-GB" sz="2400" b="1" dirty="0"/>
+                    </a:p>
+                  </a:txBody>
+                  <a:tcPr>
+                    <a:solidFill>
+                      <a:schemeClr val="bg1"/>
+                    </a:solidFill>
+                  </a:tcPr>
+                </a:tc>
+              </a:tr>
+              <a:tr h="405741">
+                <a:tc>
+                  <a:txBody>
+                    <a:bodyPr/>
+                    <a:lstStyle/>
+                    <a:p>
+                      <a:pPr algn="ctr"/>
+                      <a:r>
+                        <a:rPr lang="sv-SE" sz="2400" b="1" dirty="0" smtClean="0"/>
+                        <a:t>0</a:t>
+                      </a:r>
+                      <a:endParaRPr lang="en-GB" sz="2400" b="1" dirty="0"/>
+                    </a:p>
+                  </a:txBody>
+                  <a:tcPr>
+                    <a:solidFill>
+                      <a:schemeClr val="bg1"/>
+                    </a:solidFill>
+                  </a:tcPr>
+                </a:tc>
+                <a:tc>
+                  <a:txBody>
+                    <a:bodyPr/>
+                    <a:lstStyle/>
+                    <a:p>
+                      <a:pPr algn="ctr"/>
+                      <a:r>
+                        <a:rPr lang="sv-SE" sz="2400" b="1" dirty="0" smtClean="0"/>
+                        <a:t>0</a:t>
+                      </a:r>
+                      <a:endParaRPr lang="en-GB" sz="2400" b="1" dirty="0"/>
+                    </a:p>
+                  </a:txBody>
+                  <a:tcPr>
+                    <a:solidFill>
+                      <a:schemeClr val="bg1"/>
+                    </a:solidFill>
+                  </a:tcPr>
+                </a:tc>
+                <a:tc>
+                  <a:txBody>
+                    <a:bodyPr/>
+                    <a:lstStyle/>
+                    <a:p>
+                      <a:pPr algn="ctr"/>
+                      <a:r>
+                        <a:rPr lang="sv-SE" sz="2400" b="1" dirty="0" smtClean="0"/>
+                        <a:t>1</a:t>
+                      </a:r>
+                      <a:endParaRPr lang="en-GB" sz="2400" b="1" dirty="0"/>
+                    </a:p>
+                  </a:txBody>
+                  <a:tcPr>
+                    <a:solidFill>
+                      <a:schemeClr val="bg1"/>
+                    </a:solidFill>
+                  </a:tcPr>
+                </a:tc>
+              </a:tr>
+              <a:tr h="481031">
+                <a:tc>
+                  <a:txBody>
+                    <a:bodyPr/>
+                    <a:lstStyle/>
+                    <a:p>
+                      <a:pPr algn="ctr"/>
+                      <a:r>
+                        <a:rPr lang="sv-SE" sz="2400" b="1" dirty="0" smtClean="0"/>
+                        <a:t>0</a:t>
+                      </a:r>
+                      <a:endParaRPr lang="en-GB" sz="2400" b="1" dirty="0"/>
+                    </a:p>
+                  </a:txBody>
+                  <a:tcPr>
+                    <a:solidFill>
+                      <a:schemeClr val="bg1"/>
+                    </a:solidFill>
+                  </a:tcPr>
+                </a:tc>
+                <a:tc>
+                  <a:txBody>
+                    <a:bodyPr/>
+                    <a:lstStyle/>
+                    <a:p>
+                      <a:pPr algn="ctr"/>
+                      <a:r>
+                        <a:rPr lang="sv-SE" sz="2400" b="1" dirty="0" smtClean="0"/>
+                        <a:t>-1</a:t>
+                      </a:r>
+                      <a:endParaRPr lang="en-GB" sz="2400" b="1" dirty="0"/>
+                    </a:p>
+                  </a:txBody>
+                  <a:tcPr>
+                    <a:solidFill>
+                      <a:schemeClr val="bg1"/>
+                    </a:solidFill>
+                  </a:tcPr>
+                </a:tc>
+                <a:tc>
+                  <a:txBody>
+                    <a:bodyPr/>
+                    <a:lstStyle/>
+                    <a:p>
+                      <a:pPr algn="ctr"/>
+                      <a:r>
+                        <a:rPr lang="sv-SE" sz="2400" b="1" dirty="0" smtClean="0"/>
+                        <a:t>0</a:t>
+                      </a:r>
+                      <a:endParaRPr lang="en-GB" sz="2400" b="1" dirty="0"/>
+                    </a:p>
+                  </a:txBody>
+                  <a:tcPr>
+                    <a:solidFill>
+                      <a:schemeClr val="bg1"/>
+                    </a:solidFill>
+                  </a:tcPr>
+                </a:tc>
+              </a:tr>
+            </a:tbl>
+          </a:graphicData>
+        </a:graphic>
+      </p:graphicFrame>
+      <p:sp>
+        <p:nvSpPr>
+          <p:cNvPr id="13" name="TextBox 12"/>
+          <p:cNvSpPr txBox="1"/>
+          <p:nvPr/>
+        </p:nvSpPr>
+        <p:spPr>
+          <a:xfrm>
+            <a:off x="24266921" y="3167733"/>
+            <a:ext cx="7704856" cy="2529923"/>
           </a:xfrm>
           <a:prstGeom prst="rect">
             <a:avLst/>
@@ -6712,8 +8477,36 @@
           <a:lstStyle/>
           <a:p>
             <a:r>
-              <a:rPr lang="sv-SE" dirty="0" smtClean="0"/>
-              <a:t>00110100</a:t>
+              <a:rPr lang="en-GB" sz="3600" dirty="0" smtClean="0"/>
+              <a:t>Model 1, </a:t>
+            </a:r>
+            <a:r>
+              <a:rPr lang="en-GB" sz="3600" dirty="0" err="1" smtClean="0"/>
+              <a:t>Juefei</a:t>
+            </a:r>
+            <a:r>
+              <a:rPr lang="en-GB" sz="3600" dirty="0" smtClean="0"/>
+              <a:t>-Xu et al.:</a:t>
+            </a:r>
+          </a:p>
+          <a:p>
+            <a:pPr marL="685800" indent="-685800">
+              <a:buFont typeface="Arial" panose="020B0604020202020204" pitchFamily="34" charset="0"/>
+              <a:buChar char="•"/>
+            </a:pPr>
+            <a:r>
+              <a:rPr lang="en-GB" sz="3600" dirty="0" smtClean="0"/>
+              <a:t>Randomly initialized fixed ±1 filters</a:t>
+            </a:r>
+          </a:p>
+          <a:p>
+            <a:pPr marL="685800" indent="-685800">
+              <a:buFont typeface="Arial" panose="020B0604020202020204" pitchFamily="34" charset="0"/>
+              <a:buChar char="•"/>
+            </a:pPr>
+            <a:r>
+              <a:rPr lang="en-GB" sz="3600" dirty="0" smtClean="0"/>
+              <a:t>Linear sum to create feature map</a:t>
             </a:r>
             <a:endParaRPr lang="en-GB" dirty="0"/>
           </a:p>
@@ -6721,14 +8514,14 @@
       </p:sp>
       <p:sp>
         <p:nvSpPr>
-          <p:cNvPr id="40" name="TextBox 39"/>
+          <p:cNvPr id="53" name="TextBox 52"/>
           <p:cNvSpPr txBox="1"/>
           <p:nvPr/>
         </p:nvSpPr>
         <p:spPr>
           <a:xfrm>
-            <a:off x="20183699" y="10514873"/>
-            <a:ext cx="2787078" cy="800219"/>
+            <a:off x="24266921" y="5999618"/>
+            <a:ext cx="7704856" cy="2640723"/>
           </a:xfrm>
           <a:prstGeom prst="rect">
             <a:avLst/>
@@ -6742,8 +8535,38 @@
           <a:lstStyle/>
           <a:p>
             <a:r>
-              <a:rPr lang="sv-SE" dirty="0" smtClean="0"/>
-              <a:t>00001101</a:t>
+              <a:rPr lang="en-GB" sz="3600" dirty="0" smtClean="0"/>
+              <a:t>Model 2, Li et al.:</a:t>
+            </a:r>
+          </a:p>
+          <a:p>
+            <a:pPr marL="685800" indent="-685800">
+              <a:buFont typeface="Arial" panose="020B0604020202020204" pitchFamily="34" charset="0"/>
+              <a:buChar char="•"/>
+            </a:pPr>
+            <a:r>
+              <a:rPr lang="en-GB" sz="3600" dirty="0" smtClean="0"/>
+              <a:t>8 fixed difference filters</a:t>
+            </a:r>
+          </a:p>
+          <a:p>
+            <a:pPr marL="685800" indent="-685800">
+              <a:buFont typeface="Arial" panose="020B0604020202020204" pitchFamily="34" charset="0"/>
+              <a:buChar char="•"/>
+            </a:pPr>
+            <a:r>
+              <a:rPr lang="en-GB" sz="3600" dirty="0" smtClean="0"/>
+              <a:t>Sigmoid activation</a:t>
+            </a:r>
+          </a:p>
+          <a:p>
+            <a:pPr marL="685800" indent="-685800">
+              <a:buFont typeface="Arial" panose="020B0604020202020204" pitchFamily="34" charset="0"/>
+              <a:buChar char="•"/>
+            </a:pPr>
+            <a:r>
+              <a:rPr lang="en-GB" sz="3600" dirty="0" smtClean="0"/>
+              <a:t>Histogram of gated sum</a:t>
             </a:r>
             <a:endParaRPr lang="en-GB" dirty="0"/>
           </a:p>
@@ -6751,14 +8574,14 @@
       </p:sp>
       <p:sp>
         <p:nvSpPr>
-          <p:cNvPr id="39" name="TextBox 38"/>
+          <p:cNvPr id="54" name="TextBox 53"/>
           <p:cNvSpPr txBox="1"/>
           <p:nvPr/>
         </p:nvSpPr>
         <p:spPr>
           <a:xfrm>
-            <a:off x="21202899" y="9858670"/>
-            <a:ext cx="615750" cy="800219"/>
+            <a:off x="24266920" y="9112687"/>
+            <a:ext cx="7704857" cy="1975926"/>
           </a:xfrm>
           <a:prstGeom prst="rect">
             <a:avLst/>
@@ -6771,93 +8594,266 @@
           </a:bodyPr>
           <a:lstStyle/>
           <a:p>
-            <a:pPr algn="ctr"/>
-            <a:r>
-              <a:rPr lang="sv-SE" dirty="0" smtClean="0"/>
-              <a:t>=</a:t>
-            </a:r>
-            <a:endParaRPr lang="en-GB" dirty="0"/>
-          </a:p>
-        </p:txBody>
-      </p:sp>
-      <p:sp>
-        <p:nvSpPr>
-          <p:cNvPr id="41" name="TextBox 40"/>
-          <p:cNvSpPr txBox="1"/>
-          <p:nvPr/>
-        </p:nvSpPr>
-        <p:spPr>
-          <a:xfrm>
-            <a:off x="23978889" y="3811268"/>
-            <a:ext cx="7777893" cy="5189113"/>
-          </a:xfrm>
-          <a:prstGeom prst="rect">
-            <a:avLst/>
-          </a:prstGeom>
-          <a:noFill/>
-        </p:spPr>
-        <p:txBody>
-          <a:bodyPr wrap="square" rtlCol="0">
-            <a:spAutoFit/>
-          </a:bodyPr>
-          <a:lstStyle/>
-          <a:p>
-            <a:r>
-              <a:rPr lang="sv-SE" sz="3600" dirty="0" smtClean="0"/>
-              <a:t>Three </a:t>
-            </a:r>
-            <a:r>
-              <a:rPr lang="sv-SE" sz="3600" dirty="0" smtClean="0"/>
-              <a:t>recently published </a:t>
-            </a:r>
-            <a:r>
-              <a:rPr lang="sv-SE" sz="3600" dirty="0" smtClean="0"/>
-              <a:t>LBP based </a:t>
-            </a:r>
-            <a:r>
-              <a:rPr lang="sv-SE" sz="3600" dirty="0" smtClean="0"/>
-              <a:t>architectures were </a:t>
-            </a:r>
-            <a:r>
-              <a:rPr lang="sv-SE" sz="3600" dirty="0" smtClean="0"/>
-              <a:t>implemented in this project, where the first two use LBPs directly in some form whereas the third model uses slightly different filters that share many properties with LBPs. [2] [3] [4]</a:t>
-            </a:r>
-            <a:endParaRPr lang="sv-SE" sz="3600" dirty="0"/>
-          </a:p>
-          <a:p>
-            <a:r>
-              <a:rPr lang="sv-SE" sz="3600" dirty="0" smtClean="0"/>
-              <a:t>Two conventional CNNs </a:t>
-            </a:r>
-            <a:r>
-              <a:rPr lang="sv-SE" sz="3600" dirty="0" smtClean="0"/>
-              <a:t>were </a:t>
-            </a:r>
-            <a:r>
-              <a:rPr lang="sv-SE" sz="3600" dirty="0" smtClean="0"/>
-              <a:t>used for benchmarking, Resnet and VGG. </a:t>
-            </a:r>
-            <a:endParaRPr lang="en-GB" sz="3600" dirty="0"/>
+            <a:r>
+              <a:rPr lang="en-GB" sz="3600" dirty="0" smtClean="0"/>
+              <a:t>Model 3, Marcos et al.:</a:t>
+            </a:r>
+          </a:p>
+          <a:p>
+            <a:pPr marL="685800" indent="-685800">
+              <a:buFont typeface="Arial" panose="020B0604020202020204" pitchFamily="34" charset="0"/>
+              <a:buChar char="•"/>
+            </a:pPr>
+            <a:r>
+              <a:rPr lang="en-GB" sz="3600" dirty="0" smtClean="0"/>
+              <a:t>Rotational groups of filters</a:t>
+            </a:r>
+          </a:p>
+          <a:p>
+            <a:pPr marL="685800" indent="-685800">
+              <a:buFont typeface="Arial" panose="020B0604020202020204" pitchFamily="34" charset="0"/>
+              <a:buChar char="•"/>
+            </a:pPr>
+            <a:r>
+              <a:rPr lang="en-GB" sz="3600" dirty="0" smtClean="0"/>
+              <a:t>2D vector field outputs</a:t>
+            </a:r>
           </a:p>
         </p:txBody>
       </p:sp>
       <p:graphicFrame>
         <p:nvGraphicFramePr>
-          <p:cNvPr id="44" name="Table 43"/>
+          <p:cNvPr id="55" name="Chart 54"/>
+          <p:cNvGraphicFramePr>
+            <a:graphicFrameLocks/>
+          </p:cNvGraphicFramePr>
+          <p:nvPr>
+            <p:extLst>
+              <p:ext uri="{D42A27DB-BD31-4B8C-83A1-F6EECF244321}">
+                <p14:modId xmlns:p14="http://schemas.microsoft.com/office/powerpoint/2010/main" val="911122551"/>
+              </p:ext>
+            </p:extLst>
+          </p:nvPr>
+        </p:nvGraphicFramePr>
+        <p:xfrm>
+          <a:off x="21431970" y="6419597"/>
+          <a:ext cx="2638425" cy="2192253"/>
+        </p:xfrm>
+        <a:graphic>
+          <a:graphicData uri="http://schemas.openxmlformats.org/drawingml/2006/chart">
+            <c:chart xmlns:c="http://schemas.openxmlformats.org/drawingml/2006/chart" xmlns:r="http://schemas.openxmlformats.org/officeDocument/2006/relationships" r:id="rId11"/>
+          </a:graphicData>
+        </a:graphic>
+      </p:graphicFrame>
+      <mc:AlternateContent xmlns:mc="http://schemas.openxmlformats.org/markup-compatibility/2006">
+        <mc:Choice xmlns:a14="http://schemas.microsoft.com/office/drawing/2010/main" Requires="a14">
+          <p:sp>
+            <p:nvSpPr>
+              <p:cNvPr id="56" name="TextBox 55"/>
+              <p:cNvSpPr txBox="1"/>
+              <p:nvPr/>
+            </p:nvSpPr>
+            <p:spPr>
+              <a:xfrm>
+                <a:off x="18866321" y="3599781"/>
+                <a:ext cx="1938902" cy="1476173"/>
+              </a:xfrm>
+              <a:prstGeom prst="rect">
+                <a:avLst/>
+              </a:prstGeom>
+              <a:noFill/>
+            </p:spPr>
+            <p:txBody>
+              <a:bodyPr wrap="square" rtlCol="0">
+                <a:spAutoFit/>
+              </a:bodyPr>
+              <a:lstStyle/>
+              <a:p>
+                <a:pPr/>
+                <a14:m>
+                  <m:oMathPara xmlns:m="http://schemas.openxmlformats.org/officeDocument/2006/math">
+                    <m:oMathParaPr>
+                      <m:jc m:val="centerGroup"/>
+                    </m:oMathParaPr>
+                    <m:oMath xmlns:m="http://schemas.openxmlformats.org/officeDocument/2006/math">
+                      <m:nary>
+                        <m:naryPr>
+                          <m:chr m:val="∑"/>
+                          <m:ctrlPr>
+                            <a:rPr lang="pt-BR" sz="3200" i="1" smtClean="0">
+                              <a:latin typeface="Cambria Math"/>
+                            </a:rPr>
+                          </m:ctrlPr>
+                        </m:naryPr>
+                        <m:sub>
+                          <m:r>
+                            <a:rPr lang="pt-BR" sz="3200" i="1" smtClean="0">
+                              <a:latin typeface="Cambria Math"/>
+                            </a:rPr>
+                            <m:t>𝑘</m:t>
+                          </m:r>
+                          <m:r>
+                            <a:rPr lang="pt-BR" sz="3200" i="1" smtClean="0">
+                              <a:latin typeface="Cambria Math"/>
+                            </a:rPr>
+                            <m:t>=0</m:t>
+                          </m:r>
+                        </m:sub>
+                        <m:sup>
+                          <m:r>
+                            <a:rPr lang="pt-BR" sz="3200" i="1" smtClean="0">
+                              <a:latin typeface="Cambria Math"/>
+                            </a:rPr>
+                            <m:t>𝑛</m:t>
+                          </m:r>
+                          <m:r>
+                            <a:rPr lang="en-GB" sz="3200" b="0" i="1" smtClean="0">
+                              <a:latin typeface="Cambria Math"/>
+                            </a:rPr>
+                            <m:t>−1</m:t>
+                          </m:r>
+                        </m:sup>
+                        <m:e>
+                          <m:sSub>
+                            <m:sSubPr>
+                              <m:ctrlPr>
+                                <a:rPr lang="en-GB" sz="3200" b="0" i="1" smtClean="0">
+                                  <a:latin typeface="Cambria Math"/>
+                                </a:rPr>
+                              </m:ctrlPr>
+                            </m:sSubPr>
+                            <m:e>
+                              <m:r>
+                                <a:rPr lang="en-GB" sz="3200" b="0" i="1" smtClean="0">
+                                  <a:latin typeface="Cambria Math"/>
+                                </a:rPr>
+                                <m:t>𝑣</m:t>
+                              </m:r>
+                            </m:e>
+                            <m:sub>
+                              <m:r>
+                                <a:rPr lang="en-GB" sz="3200" b="0" i="1" smtClean="0">
+                                  <a:latin typeface="Cambria Math"/>
+                                </a:rPr>
+                                <m:t>𝑘</m:t>
+                              </m:r>
+                            </m:sub>
+                          </m:sSub>
+                          <m:r>
+                            <a:rPr lang="pt-BR" sz="3200" i="1" smtClean="0">
+                              <a:latin typeface="Cambria Math"/>
+                              <a:ea typeface="Cambria Math"/>
+                            </a:rPr>
+                            <m:t>𝜎</m:t>
+                          </m:r>
+                          <m:r>
+                            <a:rPr lang="en-GB" sz="3200" b="0" i="1" smtClean="0">
+                              <a:latin typeface="Cambria Math"/>
+                              <a:ea typeface="Cambria Math"/>
+                            </a:rPr>
+                            <m:t>(</m:t>
+                          </m:r>
+                          <m:sSub>
+                            <m:sSubPr>
+                              <m:ctrlPr>
+                                <a:rPr lang="en-GB" sz="3200" b="0" i="1" smtClean="0">
+                                  <a:latin typeface="Cambria Math"/>
+                                  <a:ea typeface="Cambria Math"/>
+                                </a:rPr>
+                              </m:ctrlPr>
+                            </m:sSubPr>
+                            <m:e>
+                              <m:r>
+                                <a:rPr lang="en-GB" sz="3200" b="0" i="1" smtClean="0">
+                                  <a:latin typeface="Cambria Math"/>
+                                  <a:ea typeface="Cambria Math"/>
+                                </a:rPr>
+                                <m:t>𝑓</m:t>
+                              </m:r>
+                            </m:e>
+                            <m:sub>
+                              <m:r>
+                                <a:rPr lang="en-GB" sz="3200" b="0" i="1" smtClean="0">
+                                  <a:latin typeface="Cambria Math"/>
+                                  <a:ea typeface="Cambria Math"/>
+                                </a:rPr>
+                                <m:t>𝑘</m:t>
+                              </m:r>
+                            </m:sub>
+                          </m:sSub>
+                          <m:r>
+                            <a:rPr lang="en-GB" sz="3200" b="0" i="1" smtClean="0">
+                              <a:latin typeface="Cambria Math"/>
+                              <a:ea typeface="Cambria Math"/>
+                            </a:rPr>
+                            <m:t>)</m:t>
+                          </m:r>
+                        </m:e>
+                      </m:nary>
+                    </m:oMath>
+                  </m:oMathPara>
+                </a14:m>
+                <a:endParaRPr lang="en-GB" sz="3200" dirty="0"/>
+              </a:p>
+            </p:txBody>
+          </p:sp>
+        </mc:Choice>
+        <mc:Fallback>
+          <p:sp>
+            <p:nvSpPr>
+              <p:cNvPr id="56" name="TextBox 55"/>
+              <p:cNvSpPr txBox="1">
+                <a:spLocks noRot="1" noChangeAspect="1" noMove="1" noResize="1" noEditPoints="1" noAdjustHandles="1" noChangeArrowheads="1" noChangeShapeType="1" noTextEdit="1"/>
+              </p:cNvSpPr>
+              <p:nvPr/>
+            </p:nvSpPr>
+            <p:spPr>
+              <a:xfrm>
+                <a:off x="18866321" y="3599781"/>
+                <a:ext cx="1938902" cy="1476173"/>
+              </a:xfrm>
+              <a:prstGeom prst="rect">
+                <a:avLst/>
+              </a:prstGeom>
+              <a:blipFill rotWithShape="1">
+                <a:blip r:embed="rId12"/>
+                <a:stretch>
+                  <a:fillRect r="-7547"/>
+                </a:stretch>
+              </a:blipFill>
+            </p:spPr>
+            <p:txBody>
+              <a:bodyPr/>
+              <a:lstStyle/>
+              <a:p>
+                <a:r>
+                  <a:rPr lang="en-GB">
+                    <a:noFill/>
+                  </a:rPr>
+                  <a:t> </a:t>
+                </a:r>
+              </a:p>
+            </p:txBody>
+          </p:sp>
+        </mc:Fallback>
+      </mc:AlternateContent>
+      <p:graphicFrame>
+        <p:nvGraphicFramePr>
+          <p:cNvPr id="57" name="Table 56"/>
           <p:cNvGraphicFramePr>
             <a:graphicFrameLocks noGrp="1"/>
           </p:cNvGraphicFramePr>
           <p:nvPr>
             <p:extLst>
               <p:ext uri="{D42A27DB-BD31-4B8C-83A1-F6EECF244321}">
-                <p14:modId xmlns:p14="http://schemas.microsoft.com/office/powerpoint/2010/main" val="1605349125"/>
+                <p14:modId xmlns:p14="http://schemas.microsoft.com/office/powerpoint/2010/main" val="3286833907"/>
               </p:ext>
             </p:extLst>
           </p:nvPr>
         </p:nvGraphicFramePr>
         <p:xfrm>
-          <a:off x="24043704" y="11941208"/>
-          <a:ext cx="7444798" cy="7209309"/>
+          <a:off x="21680065" y="3455765"/>
+          <a:ext cx="2082800" cy="1850896"/>
         </p:xfrm>
         <a:graphic>
           <a:graphicData uri="http://schemas.openxmlformats.org/drawingml/2006/table">
@@ -6866,70 +8862,28 @@
                 <a:tableStyleId>{5940675A-B579-460E-94D1-54222C63F5DA}</a:tableStyleId>
               </a:tblPr>
               <a:tblGrid>
-                <a:gridCol w="2527816"/>
-                <a:gridCol w="2435383"/>
-                <a:gridCol w="2481599"/>
+                <a:gridCol w="208280"/>
+                <a:gridCol w="208280"/>
+                <a:gridCol w="208280"/>
+                <a:gridCol w="208280"/>
+                <a:gridCol w="208280"/>
+                <a:gridCol w="208280"/>
+                <a:gridCol w="208280"/>
+                <a:gridCol w="208280"/>
+                <a:gridCol w="208280"/>
+                <a:gridCol w="208280"/>
               </a:tblGrid>
-              <a:tr h="1135182">
+              <a:tr h="231362">
                 <a:tc>
                   <a:txBody>
                     <a:bodyPr/>
                     <a:lstStyle/>
                     <a:p>
                       <a:pPr algn="ctr"/>
-                      <a:r>
-                        <a:rPr lang="sv-SE" sz="4000" dirty="0" smtClean="0"/>
-                        <a:t>Model</a:t>
-                      </a:r>
-                      <a:endParaRPr lang="en-GB" sz="4000" dirty="0"/>
-                    </a:p>
-                  </a:txBody>
-                  <a:tcPr marL="82307" marR="82307" anchor="ctr">
-                    <a:lnL w="12700" cap="flat" cmpd="sng" algn="ctr">
-                      <a:solidFill>
-                        <a:schemeClr val="tx1"/>
-                      </a:solidFill>
-                      <a:prstDash val="solid"/>
-                      <a:round/>
-                      <a:headEnd type="none" w="med" len="med"/>
-                      <a:tailEnd type="none" w="med" len="med"/>
-                    </a:lnL>
-                    <a:lnR w="76200" cap="flat" cmpd="sng" algn="ctr">
-                      <a:solidFill>
-                        <a:schemeClr val="tx1"/>
-                      </a:solidFill>
-                      <a:prstDash val="solid"/>
-                      <a:round/>
-                      <a:headEnd type="none" w="med" len="med"/>
-                      <a:tailEnd type="none" w="med" len="med"/>
-                    </a:lnR>
-                    <a:lnT w="12700" cap="flat" cmpd="sng" algn="ctr">
-                      <a:solidFill>
-                        <a:schemeClr val="tx1"/>
-                      </a:solidFill>
-                      <a:prstDash val="solid"/>
-                      <a:round/>
-                      <a:headEnd type="none" w="med" len="med"/>
-                      <a:tailEnd type="none" w="med" len="med"/>
-                    </a:lnT>
-                    <a:lnB w="76200" cap="flat" cmpd="sng" algn="ctr">
-                      <a:solidFill>
-                        <a:schemeClr val="tx1"/>
-                      </a:solidFill>
-                      <a:prstDash val="solid"/>
-                      <a:round/>
-                      <a:headEnd type="none" w="med" len="med"/>
-                      <a:tailEnd type="none" w="med" len="med"/>
-                    </a:lnB>
-                    <a:lnTlToBr w="12700" cmpd="sng">
-                      <a:noFill/>
-                      <a:prstDash val="solid"/>
-                    </a:lnTlToBr>
-                    <a:lnBlToTr w="12700" cmpd="sng">
-                      <a:noFill/>
-                      <a:prstDash val="solid"/>
-                    </a:lnBlToTr>
-                  </a:tcPr>
+                      <a:endParaRPr lang="en-GB" sz="800" b="1" dirty="0"/>
+                    </a:p>
+                  </a:txBody>
+                  <a:tcPr/>
                 </a:tc>
                 <a:tc>
                   <a:txBody>
@@ -6937,59 +8891,10 @@
                     <a:lstStyle/>
                     <a:p>
                       <a:pPr algn="ctr"/>
-                      <a:r>
-                        <a:rPr lang="sv-SE" sz="4000" dirty="0" smtClean="0"/>
-                        <a:t>Accuracy</a:t>
-                      </a:r>
-                      <a:endParaRPr lang="en-GB" sz="4000" dirty="0"/>
-                    </a:p>
-                  </a:txBody>
-                  <a:tcPr marL="82307" marR="82307" anchor="ctr">
-                    <a:lnL w="76200" cap="flat" cmpd="sng" algn="ctr">
-                      <a:solidFill>
-                        <a:schemeClr val="tx1"/>
-                      </a:solidFill>
-                      <a:prstDash val="solid"/>
-                      <a:round/>
-                      <a:headEnd type="none" w="med" len="med"/>
-                      <a:tailEnd type="none" w="med" len="med"/>
-                    </a:lnL>
-                    <a:lnR w="12700" cap="flat" cmpd="sng" algn="ctr">
-                      <a:solidFill>
-                        <a:schemeClr val="tx1"/>
-                      </a:solidFill>
-                      <a:prstDash val="solid"/>
-                      <a:round/>
-                      <a:headEnd type="none" w="med" len="med"/>
-                      <a:tailEnd type="none" w="med" len="med"/>
-                    </a:lnR>
-                    <a:lnT w="12700" cap="flat" cmpd="sng" algn="ctr">
-                      <a:solidFill>
-                        <a:schemeClr val="tx1"/>
-                      </a:solidFill>
-                      <a:prstDash val="solid"/>
-                      <a:round/>
-                      <a:headEnd type="none" w="med" len="med"/>
-                      <a:tailEnd type="none" w="med" len="med"/>
-                    </a:lnT>
-                    <a:lnB w="76200" cap="flat" cmpd="sng" algn="ctr">
-                      <a:solidFill>
-                        <a:schemeClr val="tx1"/>
-                      </a:solidFill>
-                      <a:prstDash val="solid"/>
-                      <a:round/>
-                      <a:headEnd type="none" w="med" len="med"/>
-                      <a:tailEnd type="none" w="med" len="med"/>
-                    </a:lnB>
-                    <a:lnTlToBr w="12700" cmpd="sng">
-                      <a:noFill/>
-                      <a:prstDash val="solid"/>
-                    </a:lnTlToBr>
-                    <a:lnBlToTr w="12700" cmpd="sng">
-                      <a:noFill/>
-                      <a:prstDash val="solid"/>
-                    </a:lnBlToTr>
-                  </a:tcPr>
+                      <a:endParaRPr lang="en-GB" sz="800" b="1" dirty="0"/>
+                    </a:p>
+                  </a:txBody>
+                  <a:tcPr/>
                 </a:tc>
                 <a:tc>
                   <a:txBody>
@@ -6997,150 +8902,100 @@
                     <a:lstStyle/>
                     <a:p>
                       <a:pPr algn="ctr"/>
-                      <a:r>
-                        <a:rPr lang="sv-SE" sz="4000" dirty="0" smtClean="0"/>
-                        <a:t>F-Score</a:t>
-                      </a:r>
-                      <a:endParaRPr lang="en-GB" sz="4000" dirty="0"/>
-                    </a:p>
-                  </a:txBody>
-                  <a:tcPr marL="82307" marR="82307" anchor="ctr">
-                    <a:lnL w="12700" cap="flat" cmpd="sng" algn="ctr">
-                      <a:solidFill>
-                        <a:schemeClr val="tx1"/>
-                      </a:solidFill>
-                      <a:prstDash val="solid"/>
-                      <a:round/>
-                      <a:headEnd type="none" w="med" len="med"/>
-                      <a:tailEnd type="none" w="med" len="med"/>
-                    </a:lnL>
-                    <a:lnR w="12700" cap="flat" cmpd="sng" algn="ctr">
-                      <a:solidFill>
-                        <a:schemeClr val="tx1"/>
-                      </a:solidFill>
-                      <a:prstDash val="solid"/>
-                      <a:round/>
-                      <a:headEnd type="none" w="med" len="med"/>
-                      <a:tailEnd type="none" w="med" len="med"/>
-                    </a:lnR>
-                    <a:lnT w="12700" cap="flat" cmpd="sng" algn="ctr">
-                      <a:solidFill>
-                        <a:schemeClr val="tx1"/>
-                      </a:solidFill>
-                      <a:prstDash val="solid"/>
-                      <a:round/>
-                      <a:headEnd type="none" w="med" len="med"/>
-                      <a:tailEnd type="none" w="med" len="med"/>
-                    </a:lnT>
-                    <a:lnB w="76200" cap="flat" cmpd="sng" algn="ctr">
-                      <a:solidFill>
-                        <a:schemeClr val="tx1"/>
-                      </a:solidFill>
-                      <a:prstDash val="solid"/>
-                      <a:round/>
-                      <a:headEnd type="none" w="med" len="med"/>
-                      <a:tailEnd type="none" w="med" len="med"/>
-                    </a:lnB>
-                    <a:lnTlToBr w="12700" cmpd="sng">
-                      <a:noFill/>
-                      <a:prstDash val="solid"/>
-                    </a:lnTlToBr>
-                    <a:lnBlToTr w="12700" cmpd="sng">
-                      <a:noFill/>
-                      <a:prstDash val="solid"/>
-                    </a:lnBlToTr>
-                  </a:tcPr>
+                      <a:endParaRPr lang="en-GB" sz="800" b="1" dirty="0"/>
+                    </a:p>
+                  </a:txBody>
+                  <a:tcPr/>
+                </a:tc>
+                <a:tc>
+                  <a:txBody>
+                    <a:bodyPr/>
+                    <a:lstStyle/>
+                    <a:p>
+                      <a:pPr algn="ctr"/>
+                      <a:endParaRPr lang="en-GB" sz="800" b="1" dirty="0"/>
+                    </a:p>
+                  </a:txBody>
+                  <a:tcPr/>
+                </a:tc>
+                <a:tc>
+                  <a:txBody>
+                    <a:bodyPr/>
+                    <a:lstStyle/>
+                    <a:p>
+                      <a:pPr algn="ctr"/>
+                      <a:endParaRPr lang="en-GB" sz="800" b="1" dirty="0"/>
+                    </a:p>
+                  </a:txBody>
+                  <a:tcPr/>
+                </a:tc>
+                <a:tc>
+                  <a:txBody>
+                    <a:bodyPr/>
+                    <a:lstStyle/>
+                    <a:p>
+                      <a:pPr algn="ctr"/>
+                      <a:endParaRPr lang="en-GB" sz="800" b="1" dirty="0"/>
+                    </a:p>
+                  </a:txBody>
+                  <a:tcPr/>
+                </a:tc>
+                <a:tc>
+                  <a:txBody>
+                    <a:bodyPr/>
+                    <a:lstStyle/>
+                    <a:p>
+                      <a:pPr algn="ctr"/>
+                      <a:endParaRPr lang="en-GB" sz="800" b="1" dirty="0"/>
+                    </a:p>
+                  </a:txBody>
+                  <a:tcPr/>
+                </a:tc>
+                <a:tc>
+                  <a:txBody>
+                    <a:bodyPr/>
+                    <a:lstStyle/>
+                    <a:p>
+                      <a:pPr algn="ctr"/>
+                      <a:endParaRPr lang="en-GB" sz="800" b="1" dirty="0"/>
+                    </a:p>
+                  </a:txBody>
+                  <a:tcPr/>
+                </a:tc>
+                <a:tc>
+                  <a:txBody>
+                    <a:bodyPr/>
+                    <a:lstStyle/>
+                    <a:p>
+                      <a:pPr algn="ctr"/>
+                      <a:endParaRPr lang="en-GB" sz="800" b="1" dirty="0"/>
+                    </a:p>
+                  </a:txBody>
+                  <a:tcPr/>
+                </a:tc>
+                <a:tc>
+                  <a:txBody>
+                    <a:bodyPr/>
+                    <a:lstStyle/>
+                    <a:p>
+                      <a:pPr algn="ctr"/>
+                      <a:endParaRPr lang="en-GB" sz="800" b="1" dirty="0"/>
+                    </a:p>
+                  </a:txBody>
+                  <a:tcPr/>
                 </a:tc>
               </a:tr>
-              <a:tr h="1150949">
-                <a:tc>
-                  <a:txBody>
-                    <a:bodyPr/>
-                    <a:lstStyle/>
-                    <a:p>
-                      <a:r>
-                        <a:rPr lang="sv-SE" sz="4000" dirty="0" smtClean="0"/>
-                        <a:t>Juefei-Xu </a:t>
-                      </a:r>
-                      <a:r>
-                        <a:rPr lang="sv-SE" sz="4000" dirty="0" smtClean="0"/>
-                        <a:t>[2]</a:t>
-                      </a:r>
-                      <a:endParaRPr lang="en-GB" sz="4000" dirty="0"/>
-                    </a:p>
-                  </a:txBody>
-                  <a:tcPr marL="82307" marR="82307" anchor="ctr">
-                    <a:lnR w="76200" cap="flat" cmpd="sng" algn="ctr">
-                      <a:solidFill>
-                        <a:schemeClr val="tx1"/>
-                      </a:solidFill>
-                      <a:prstDash val="solid"/>
-                      <a:round/>
-                      <a:headEnd type="none" w="med" len="med"/>
-                      <a:tailEnd type="none" w="med" len="med"/>
-                    </a:lnR>
-                    <a:lnT w="76200" cap="flat" cmpd="sng" algn="ctr">
-                      <a:solidFill>
-                        <a:schemeClr val="tx1"/>
-                      </a:solidFill>
-                      <a:prstDash val="solid"/>
-                      <a:round/>
-                      <a:headEnd type="none" w="med" len="med"/>
-                      <a:tailEnd type="none" w="med" len="med"/>
-                    </a:lnT>
-                    <a:lnB w="38100" cap="flat" cmpd="sng" algn="ctr">
-                      <a:solidFill>
-                        <a:schemeClr val="tx1"/>
-                      </a:solidFill>
-                      <a:prstDash val="sysDot"/>
-                      <a:round/>
-                      <a:headEnd type="none" w="med" len="med"/>
-                      <a:tailEnd type="none" w="med" len="med"/>
-                    </a:lnB>
-                  </a:tcPr>
-                </a:tc>
+              <a:tr h="231362">
                 <a:tc>
                   <a:txBody>
                     <a:bodyPr/>
                     <a:lstStyle/>
                     <a:p>
                       <a:pPr algn="ctr"/>
-                      <a:r>
-                        <a:rPr lang="sv-SE" sz="4000" b="1" dirty="0" smtClean="0"/>
-                        <a:t>81.03</a:t>
-                      </a:r>
-                      <a:endParaRPr lang="en-GB" sz="4000" b="1" dirty="0"/>
-                    </a:p>
-                  </a:txBody>
-                  <a:tcPr marL="82307" marR="82307" anchor="ctr">
-                    <a:lnL w="76200" cap="flat" cmpd="sng" algn="ctr">
-                      <a:solidFill>
-                        <a:schemeClr val="tx1"/>
-                      </a:solidFill>
-                      <a:prstDash val="solid"/>
-                      <a:round/>
-                      <a:headEnd type="none" w="med" len="med"/>
-                      <a:tailEnd type="none" w="med" len="med"/>
-                    </a:lnL>
-                    <a:lnT w="76200" cap="flat" cmpd="sng" algn="ctr">
-                      <a:solidFill>
-                        <a:schemeClr val="tx1"/>
-                      </a:solidFill>
-                      <a:prstDash val="solid"/>
-                      <a:round/>
-                      <a:headEnd type="none" w="med" len="med"/>
-                      <a:tailEnd type="none" w="med" len="med"/>
-                    </a:lnT>
-                    <a:lnB w="38100" cap="flat" cmpd="sng" algn="ctr">
-                      <a:solidFill>
-                        <a:schemeClr val="tx1"/>
-                      </a:solidFill>
-                      <a:prstDash val="sysDot"/>
-                      <a:round/>
-                      <a:headEnd type="none" w="med" len="med"/>
-                      <a:tailEnd type="none" w="med" len="med"/>
-                    </a:lnB>
-                  </a:tcPr>
+                      <a:endParaRPr lang="en-GB" sz="800" b="1" dirty="0"/>
+                    </a:p>
+                  </a:txBody>
+                  <a:tcPr/>
                 </a:tc>
                 <a:tc>
                   <a:txBody>
@@ -7148,120 +9003,111 @@
                     <a:lstStyle/>
                     <a:p>
                       <a:pPr algn="ctr"/>
-                      <a:r>
-                        <a:rPr lang="sv-SE" sz="4000" b="1" dirty="0" smtClean="0"/>
-                        <a:t>84.85</a:t>
-                      </a:r>
-                      <a:endParaRPr lang="en-GB" sz="4000" b="1" dirty="0"/>
-                    </a:p>
-                  </a:txBody>
-                  <a:tcPr marL="82307" marR="82307" anchor="ctr">
-                    <a:lnT w="76200" cap="flat" cmpd="sng" algn="ctr">
-                      <a:solidFill>
-                        <a:schemeClr val="tx1"/>
-                      </a:solidFill>
-                      <a:prstDash val="solid"/>
-                      <a:round/>
-                      <a:headEnd type="none" w="med" len="med"/>
-                      <a:tailEnd type="none" w="med" len="med"/>
-                    </a:lnT>
-                    <a:lnB w="38100" cap="flat" cmpd="sng" algn="ctr">
-                      <a:solidFill>
-                        <a:schemeClr val="tx1"/>
-                      </a:solidFill>
-                      <a:prstDash val="sysDot"/>
-                      <a:round/>
-                      <a:headEnd type="none" w="med" len="med"/>
-                      <a:tailEnd type="none" w="med" len="med"/>
-                    </a:lnB>
-                  </a:tcPr>
+                      <a:endParaRPr lang="en-GB" sz="800" b="1" dirty="0"/>
+                    </a:p>
+                  </a:txBody>
+                  <a:tcPr/>
+                </a:tc>
+                <a:tc>
+                  <a:txBody>
+                    <a:bodyPr/>
+                    <a:lstStyle/>
+                    <a:p>
+                      <a:pPr algn="ctr"/>
+                      <a:endParaRPr lang="en-GB" sz="800" b="1" dirty="0"/>
+                    </a:p>
+                  </a:txBody>
+                  <a:tcPr/>
+                </a:tc>
+                <a:tc>
+                  <a:txBody>
+                    <a:bodyPr/>
+                    <a:lstStyle/>
+                    <a:p>
+                      <a:pPr algn="ctr"/>
+                      <a:endParaRPr lang="en-GB" sz="800" b="1" dirty="0"/>
+                    </a:p>
+                  </a:txBody>
+                  <a:tcPr/>
+                </a:tc>
+                <a:tc>
+                  <a:txBody>
+                    <a:bodyPr/>
+                    <a:lstStyle/>
+                    <a:p>
+                      <a:pPr algn="ctr"/>
+                      <a:endParaRPr lang="en-GB" sz="800" b="1" dirty="0"/>
+                    </a:p>
+                  </a:txBody>
+                  <a:tcPr/>
+                </a:tc>
+                <a:tc>
+                  <a:txBody>
+                    <a:bodyPr/>
+                    <a:lstStyle/>
+                    <a:p>
+                      <a:pPr algn="ctr"/>
+                      <a:endParaRPr lang="en-GB" sz="800" b="1" dirty="0"/>
+                    </a:p>
+                  </a:txBody>
+                  <a:tcPr/>
+                </a:tc>
+                <a:tc>
+                  <a:txBody>
+                    <a:bodyPr/>
+                    <a:lstStyle/>
+                    <a:p>
+                      <a:pPr algn="ctr"/>
+                      <a:endParaRPr lang="en-GB" sz="800" b="1" dirty="0"/>
+                    </a:p>
+                  </a:txBody>
+                  <a:tcPr/>
+                </a:tc>
+                <a:tc>
+                  <a:txBody>
+                    <a:bodyPr/>
+                    <a:lstStyle/>
+                    <a:p>
+                      <a:pPr algn="ctr"/>
+                      <a:endParaRPr lang="en-GB" sz="800" b="1" dirty="0"/>
+                    </a:p>
+                  </a:txBody>
+                  <a:tcPr/>
+                </a:tc>
+                <a:tc>
+                  <a:txBody>
+                    <a:bodyPr/>
+                    <a:lstStyle/>
+                    <a:p>
+                      <a:pPr algn="ctr"/>
+                      <a:endParaRPr lang="en-GB" sz="800" b="1" dirty="0"/>
+                    </a:p>
+                  </a:txBody>
+                  <a:tcPr/>
+                </a:tc>
+                <a:tc>
+                  <a:txBody>
+                    <a:bodyPr/>
+                    <a:lstStyle/>
+                    <a:p>
+                      <a:pPr algn="ctr"/>
+                      <a:endParaRPr lang="en-GB" sz="800" b="1" dirty="0"/>
+                    </a:p>
+                  </a:txBody>
+                  <a:tcPr/>
                 </a:tc>
               </a:tr>
-              <a:tr h="1150949">
-                <a:tc>
-                  <a:txBody>
-                    <a:bodyPr/>
-                    <a:lstStyle/>
-                    <a:p>
-                      <a:r>
-                        <a:rPr lang="sv-SE" sz="4000" dirty="0" smtClean="0"/>
-                        <a:t>Li [3]</a:t>
-                      </a:r>
-                      <a:endParaRPr lang="en-GB" sz="4000" dirty="0"/>
-                    </a:p>
-                  </a:txBody>
-                  <a:tcPr marL="82307" marR="82307" anchor="ctr">
-                    <a:lnR w="76200" cap="flat" cmpd="sng" algn="ctr">
-                      <a:solidFill>
-                        <a:schemeClr val="tx1"/>
-                      </a:solidFill>
-                      <a:prstDash val="solid"/>
-                      <a:round/>
-                      <a:headEnd type="none" w="med" len="med"/>
-                      <a:tailEnd type="none" w="med" len="med"/>
-                    </a:lnR>
-                    <a:lnT w="38100" cap="flat" cmpd="sng" algn="ctr">
-                      <a:solidFill>
-                        <a:schemeClr val="tx1"/>
-                      </a:solidFill>
-                      <a:prstDash val="sysDot"/>
-                      <a:round/>
-                      <a:headEnd type="none" w="med" len="med"/>
-                      <a:tailEnd type="none" w="med" len="med"/>
-                    </a:lnT>
-                    <a:lnB w="38100" cap="flat" cmpd="sng" algn="ctr">
-                      <a:solidFill>
-                        <a:schemeClr val="tx1"/>
-                      </a:solidFill>
-                      <a:prstDash val="sysDot"/>
-                      <a:round/>
-                      <a:headEnd type="none" w="med" len="med"/>
-                      <a:tailEnd type="none" w="med" len="med"/>
-                    </a:lnB>
-                  </a:tcPr>
-                </a:tc>
+              <a:tr h="231362">
                 <a:tc>
                   <a:txBody>
                     <a:bodyPr/>
                     <a:lstStyle/>
                     <a:p>
                       <a:pPr algn="ctr"/>
-                      <a:r>
-                        <a:rPr lang="sv-SE" sz="4000" b="1" dirty="0" smtClean="0"/>
-                        <a:t>78.57</a:t>
-                      </a:r>
-                      <a:endParaRPr lang="en-GB" sz="4000" b="1" dirty="0"/>
-                    </a:p>
-                  </a:txBody>
-                  <a:tcPr marL="82307" marR="82307" anchor="ctr">
-                    <a:lnL w="76200" cap="flat" cmpd="sng" algn="ctr">
-                      <a:solidFill>
-                        <a:schemeClr val="tx1"/>
-                      </a:solidFill>
-                      <a:prstDash val="solid"/>
-                      <a:round/>
-                      <a:headEnd type="none" w="med" len="med"/>
-                      <a:tailEnd type="none" w="med" len="med"/>
-                    </a:lnL>
-                    <a:lnT w="38100" cap="flat" cmpd="sng" algn="ctr">
-                      <a:solidFill>
-                        <a:schemeClr val="tx1"/>
-                      </a:solidFill>
-                      <a:prstDash val="sysDot"/>
-                      <a:round/>
-                      <a:headEnd type="none" w="med" len="med"/>
-                      <a:tailEnd type="none" w="med" len="med"/>
-                    </a:lnT>
-                    <a:lnB w="38100" cap="flat" cmpd="sng" algn="ctr">
-                      <a:solidFill>
-                        <a:schemeClr val="tx1"/>
-                      </a:solidFill>
-                      <a:prstDash val="sysDot"/>
-                      <a:round/>
-                      <a:headEnd type="none" w="med" len="med"/>
-                      <a:tailEnd type="none" w="med" len="med"/>
-                    </a:lnB>
-                  </a:tcPr>
+                      <a:endParaRPr lang="en-GB" sz="800" b="1" dirty="0"/>
+                    </a:p>
+                  </a:txBody>
+                  <a:tcPr/>
                 </a:tc>
                 <a:tc>
                   <a:txBody>
@@ -7269,129 +9115,111 @@
                     <a:lstStyle/>
                     <a:p>
                       <a:pPr algn="ctr"/>
-                      <a:r>
-                        <a:rPr lang="sv-SE" sz="4000" b="1" dirty="0" smtClean="0"/>
-                        <a:t>83.02</a:t>
-                      </a:r>
-                      <a:endParaRPr lang="en-GB" sz="4000" b="1" dirty="0"/>
-                    </a:p>
-                  </a:txBody>
-                  <a:tcPr marL="82307" marR="82307" anchor="ctr">
-                    <a:lnT w="38100" cap="flat" cmpd="sng" algn="ctr">
-                      <a:solidFill>
-                        <a:schemeClr val="tx1"/>
-                      </a:solidFill>
-                      <a:prstDash val="sysDot"/>
-                      <a:round/>
-                      <a:headEnd type="none" w="med" len="med"/>
-                      <a:tailEnd type="none" w="med" len="med"/>
-                    </a:lnT>
-                    <a:lnB w="38100" cap="flat" cmpd="sng" algn="ctr">
-                      <a:solidFill>
-                        <a:schemeClr val="tx1"/>
-                      </a:solidFill>
-                      <a:prstDash val="sysDot"/>
-                      <a:round/>
-                      <a:headEnd type="none" w="med" len="med"/>
-                      <a:tailEnd type="none" w="med" len="med"/>
-                    </a:lnB>
-                  </a:tcPr>
+                      <a:endParaRPr lang="en-GB" sz="800" b="1" dirty="0"/>
+                    </a:p>
+                  </a:txBody>
+                  <a:tcPr/>
+                </a:tc>
+                <a:tc>
+                  <a:txBody>
+                    <a:bodyPr/>
+                    <a:lstStyle/>
+                    <a:p>
+                      <a:pPr algn="ctr"/>
+                      <a:endParaRPr lang="en-GB" sz="800" b="1" dirty="0"/>
+                    </a:p>
+                  </a:txBody>
+                  <a:tcPr/>
+                </a:tc>
+                <a:tc>
+                  <a:txBody>
+                    <a:bodyPr/>
+                    <a:lstStyle/>
+                    <a:p>
+                      <a:pPr algn="ctr"/>
+                      <a:endParaRPr lang="en-GB" sz="800" b="1" dirty="0"/>
+                    </a:p>
+                  </a:txBody>
+                  <a:tcPr/>
+                </a:tc>
+                <a:tc>
+                  <a:txBody>
+                    <a:bodyPr/>
+                    <a:lstStyle/>
+                    <a:p>
+                      <a:pPr algn="ctr"/>
+                      <a:endParaRPr lang="en-GB" sz="800" b="1" dirty="0"/>
+                    </a:p>
+                  </a:txBody>
+                  <a:tcPr/>
+                </a:tc>
+                <a:tc>
+                  <a:txBody>
+                    <a:bodyPr/>
+                    <a:lstStyle/>
+                    <a:p>
+                      <a:pPr algn="ctr"/>
+                      <a:endParaRPr lang="en-GB" sz="800" b="1" dirty="0"/>
+                    </a:p>
+                  </a:txBody>
+                  <a:tcPr/>
+                </a:tc>
+                <a:tc>
+                  <a:txBody>
+                    <a:bodyPr/>
+                    <a:lstStyle/>
+                    <a:p>
+                      <a:pPr algn="ctr"/>
+                      <a:endParaRPr lang="en-GB" sz="800" b="1" dirty="0"/>
+                    </a:p>
+                  </a:txBody>
+                  <a:tcPr/>
+                </a:tc>
+                <a:tc>
+                  <a:txBody>
+                    <a:bodyPr/>
+                    <a:lstStyle/>
+                    <a:p>
+                      <a:pPr algn="ctr"/>
+                      <a:endParaRPr lang="en-GB" sz="800" b="1" dirty="0"/>
+                    </a:p>
+                  </a:txBody>
+                  <a:tcPr/>
+                </a:tc>
+                <a:tc>
+                  <a:txBody>
+                    <a:bodyPr/>
+                    <a:lstStyle/>
+                    <a:p>
+                      <a:pPr algn="ctr"/>
+                      <a:endParaRPr lang="en-GB" sz="800" b="1" dirty="0"/>
+                    </a:p>
+                  </a:txBody>
+                  <a:tcPr/>
+                </a:tc>
+                <a:tc>
+                  <a:txBody>
+                    <a:bodyPr/>
+                    <a:lstStyle/>
+                    <a:p>
+                      <a:pPr algn="ctr"/>
+                      <a:endParaRPr lang="en-GB" sz="800" b="1" dirty="0"/>
+                    </a:p>
+                  </a:txBody>
+                  <a:tcPr/>
                 </a:tc>
               </a:tr>
-              <a:tr h="1150949">
-                <a:tc>
-                  <a:txBody>
-                    <a:bodyPr/>
-                    <a:lstStyle/>
-                    <a:p>
-                      <a:r>
-                        <a:rPr lang="sv-SE" sz="4000" dirty="0" smtClean="0"/>
-                        <a:t>Marcos [4]</a:t>
-                      </a:r>
-                      <a:endParaRPr lang="en-GB" sz="4000" dirty="0"/>
-                    </a:p>
-                  </a:txBody>
-                  <a:tcPr marL="82307" marR="82307" anchor="ctr">
-                    <a:lnL w="12700" cap="flat" cmpd="sng" algn="ctr">
-                      <a:solidFill>
-                        <a:schemeClr val="tx1"/>
-                      </a:solidFill>
-                      <a:prstDash val="solid"/>
-                      <a:round/>
-                      <a:headEnd type="none" w="med" len="med"/>
-                      <a:tailEnd type="none" w="med" len="med"/>
-                    </a:lnL>
-                    <a:lnR w="76200" cap="flat" cmpd="sng" algn="ctr">
-                      <a:solidFill>
-                        <a:schemeClr val="tx1"/>
-                      </a:solidFill>
-                      <a:prstDash val="solid"/>
-                      <a:round/>
-                      <a:headEnd type="none" w="med" len="med"/>
-                      <a:tailEnd type="none" w="med" len="med"/>
-                    </a:lnR>
-                    <a:lnT w="38100" cap="flat" cmpd="sng" algn="ctr">
-                      <a:solidFill>
-                        <a:schemeClr val="tx1"/>
-                      </a:solidFill>
-                      <a:prstDash val="sysDot"/>
-                      <a:round/>
-                      <a:headEnd type="none" w="med" len="med"/>
-                      <a:tailEnd type="none" w="med" len="med"/>
-                    </a:lnT>
-                    <a:lnB w="38100" cap="flat" cmpd="sng" algn="ctr">
-                      <a:solidFill>
-                        <a:schemeClr val="tx1"/>
-                      </a:solidFill>
-                      <a:prstDash val="solid"/>
-                      <a:round/>
-                      <a:headEnd type="none" w="med" len="med"/>
-                      <a:tailEnd type="none" w="med" len="med"/>
-                    </a:lnB>
-                  </a:tcPr>
-                </a:tc>
+              <a:tr h="231362">
                 <a:tc>
                   <a:txBody>
                     <a:bodyPr/>
                     <a:lstStyle/>
                     <a:p>
                       <a:pPr algn="ctr"/>
-                      <a:r>
-                        <a:rPr lang="sv-SE" sz="4000" b="1" dirty="0" smtClean="0"/>
-                        <a:t>55.91</a:t>
-                      </a:r>
-                      <a:endParaRPr lang="en-GB" sz="4000" b="1" dirty="0"/>
-                    </a:p>
-                  </a:txBody>
-                  <a:tcPr marL="82307" marR="82307" anchor="ctr">
-                    <a:lnL w="76200" cap="flat" cmpd="sng" algn="ctr">
-                      <a:solidFill>
-                        <a:schemeClr val="tx1"/>
-                      </a:solidFill>
-                      <a:prstDash val="solid"/>
-                      <a:round/>
-                      <a:headEnd type="none" w="med" len="med"/>
-                      <a:tailEnd type="none" w="med" len="med"/>
-                    </a:lnL>
-                    <a:lnT w="38100" cap="flat" cmpd="sng" algn="ctr">
-                      <a:solidFill>
-                        <a:schemeClr val="tx1"/>
-                      </a:solidFill>
-                      <a:prstDash val="sysDot"/>
-                      <a:round/>
-                      <a:headEnd type="none" w="med" len="med"/>
-                      <a:tailEnd type="none" w="med" len="med"/>
-                    </a:lnT>
-                    <a:lnB w="38100" cap="flat" cmpd="sng" algn="ctr">
-                      <a:solidFill>
-                        <a:schemeClr val="tx1"/>
-                      </a:solidFill>
-                      <a:prstDash val="solid"/>
-                      <a:round/>
-                      <a:headEnd type="none" w="med" len="med"/>
-                      <a:tailEnd type="none" w="med" len="med"/>
-                    </a:lnB>
-                  </a:tcPr>
+                      <a:endParaRPr lang="en-GB" sz="800" b="1" dirty="0"/>
+                    </a:p>
+                  </a:txBody>
+                  <a:tcPr/>
                 </a:tc>
                 <a:tc>
                   <a:txBody>
@@ -7399,120 +9227,111 @@
                     <a:lstStyle/>
                     <a:p>
                       <a:pPr algn="ctr"/>
-                      <a:r>
-                        <a:rPr lang="sv-SE" sz="4000" b="1" dirty="0" smtClean="0"/>
-                        <a:t>66.80</a:t>
-                      </a:r>
-                      <a:endParaRPr lang="en-GB" sz="4000" b="1" dirty="0"/>
-                    </a:p>
-                  </a:txBody>
-                  <a:tcPr marL="82307" marR="82307" anchor="ctr">
-                    <a:lnT w="38100" cap="flat" cmpd="sng" algn="ctr">
-                      <a:solidFill>
-                        <a:schemeClr val="tx1"/>
-                      </a:solidFill>
-                      <a:prstDash val="sysDot"/>
-                      <a:round/>
-                      <a:headEnd type="none" w="med" len="med"/>
-                      <a:tailEnd type="none" w="med" len="med"/>
-                    </a:lnT>
-                    <a:lnB w="38100" cap="flat" cmpd="sng" algn="ctr">
-                      <a:solidFill>
-                        <a:schemeClr val="tx1"/>
-                      </a:solidFill>
-                      <a:prstDash val="solid"/>
-                      <a:round/>
-                      <a:headEnd type="none" w="med" len="med"/>
-                      <a:tailEnd type="none" w="med" len="med"/>
-                    </a:lnB>
-                  </a:tcPr>
+                      <a:endParaRPr lang="en-GB" sz="800" b="1" dirty="0"/>
+                    </a:p>
+                  </a:txBody>
+                  <a:tcPr/>
+                </a:tc>
+                <a:tc>
+                  <a:txBody>
+                    <a:bodyPr/>
+                    <a:lstStyle/>
+                    <a:p>
+                      <a:pPr algn="ctr"/>
+                      <a:endParaRPr lang="en-GB" sz="800" b="1" dirty="0"/>
+                    </a:p>
+                  </a:txBody>
+                  <a:tcPr/>
+                </a:tc>
+                <a:tc>
+                  <a:txBody>
+                    <a:bodyPr/>
+                    <a:lstStyle/>
+                    <a:p>
+                      <a:pPr algn="ctr"/>
+                      <a:endParaRPr lang="en-GB" sz="800" b="1" dirty="0"/>
+                    </a:p>
+                  </a:txBody>
+                  <a:tcPr/>
+                </a:tc>
+                <a:tc>
+                  <a:txBody>
+                    <a:bodyPr/>
+                    <a:lstStyle/>
+                    <a:p>
+                      <a:pPr algn="ctr"/>
+                      <a:endParaRPr lang="en-GB" sz="800" b="1" dirty="0"/>
+                    </a:p>
+                  </a:txBody>
+                  <a:tcPr/>
+                </a:tc>
+                <a:tc>
+                  <a:txBody>
+                    <a:bodyPr/>
+                    <a:lstStyle/>
+                    <a:p>
+                      <a:pPr algn="ctr"/>
+                      <a:endParaRPr lang="en-GB" sz="800" b="1" dirty="0"/>
+                    </a:p>
+                  </a:txBody>
+                  <a:tcPr/>
+                </a:tc>
+                <a:tc>
+                  <a:txBody>
+                    <a:bodyPr/>
+                    <a:lstStyle/>
+                    <a:p>
+                      <a:pPr algn="ctr"/>
+                      <a:endParaRPr lang="en-GB" sz="800" b="1" dirty="0"/>
+                    </a:p>
+                  </a:txBody>
+                  <a:tcPr/>
+                </a:tc>
+                <a:tc>
+                  <a:txBody>
+                    <a:bodyPr/>
+                    <a:lstStyle/>
+                    <a:p>
+                      <a:pPr algn="ctr"/>
+                      <a:endParaRPr lang="en-GB" sz="800" b="1" dirty="0"/>
+                    </a:p>
+                  </a:txBody>
+                  <a:tcPr/>
+                </a:tc>
+                <a:tc>
+                  <a:txBody>
+                    <a:bodyPr/>
+                    <a:lstStyle/>
+                    <a:p>
+                      <a:pPr algn="ctr"/>
+                      <a:endParaRPr lang="en-GB" sz="800" b="1" dirty="0"/>
+                    </a:p>
+                  </a:txBody>
+                  <a:tcPr/>
+                </a:tc>
+                <a:tc>
+                  <a:txBody>
+                    <a:bodyPr/>
+                    <a:lstStyle/>
+                    <a:p>
+                      <a:pPr algn="ctr"/>
+                      <a:endParaRPr lang="en-GB" sz="800" b="1" dirty="0"/>
+                    </a:p>
+                  </a:txBody>
+                  <a:tcPr/>
                 </a:tc>
               </a:tr>
-              <a:tr h="1150949">
-                <a:tc>
-                  <a:txBody>
-                    <a:bodyPr/>
-                    <a:lstStyle/>
-                    <a:p>
-                      <a:r>
-                        <a:rPr lang="sv-SE" sz="4000" dirty="0" smtClean="0"/>
-                        <a:t>ResNet</a:t>
-                      </a:r>
-                      <a:endParaRPr lang="en-GB" sz="4000" dirty="0"/>
-                    </a:p>
-                  </a:txBody>
-                  <a:tcPr marL="82307" marR="82307" anchor="ctr">
-                    <a:lnR w="76200" cap="flat" cmpd="sng" algn="ctr">
-                      <a:solidFill>
-                        <a:schemeClr val="tx1"/>
-                      </a:solidFill>
-                      <a:prstDash val="solid"/>
-                      <a:round/>
-                      <a:headEnd type="none" w="med" len="med"/>
-                      <a:tailEnd type="none" w="med" len="med"/>
-                    </a:lnR>
-                    <a:lnT w="38100" cap="flat" cmpd="sng" algn="ctr">
-                      <a:solidFill>
-                        <a:schemeClr val="tx1"/>
-                      </a:solidFill>
-                      <a:prstDash val="solid"/>
-                      <a:round/>
-                      <a:headEnd type="none" w="med" len="med"/>
-                      <a:tailEnd type="none" w="med" len="med"/>
-                    </a:lnT>
-                    <a:lnB w="38100" cap="flat" cmpd="sng" algn="ctr">
-                      <a:solidFill>
-                        <a:schemeClr val="tx1"/>
-                      </a:solidFill>
-                      <a:prstDash val="sysDot"/>
-                      <a:round/>
-                      <a:headEnd type="none" w="med" len="med"/>
-                      <a:tailEnd type="none" w="med" len="med"/>
-                    </a:lnB>
-                  </a:tcPr>
-                </a:tc>
+              <a:tr h="231362">
                 <a:tc>
                   <a:txBody>
                     <a:bodyPr/>
                     <a:lstStyle/>
                     <a:p>
                       <a:pPr algn="ctr"/>
-                      <a:r>
-                        <a:rPr lang="sv-SE" sz="4000" b="1" dirty="0" smtClean="0"/>
-                        <a:t>78.34</a:t>
-                      </a:r>
-                      <a:endParaRPr lang="en-GB" sz="4000" b="1" dirty="0"/>
-                    </a:p>
-                  </a:txBody>
-                  <a:tcPr marL="82307" marR="82307" anchor="ctr">
-                    <a:lnL w="76200" cap="flat" cmpd="sng" algn="ctr">
-                      <a:solidFill>
-                        <a:schemeClr val="tx1"/>
-                      </a:solidFill>
-                      <a:prstDash val="solid"/>
-                      <a:round/>
-                      <a:headEnd type="none" w="med" len="med"/>
-                      <a:tailEnd type="none" w="med" len="med"/>
-                    </a:lnL>
-                    <a:lnT w="38100" cap="flat" cmpd="sng" algn="ctr">
-                      <a:solidFill>
-                        <a:schemeClr val="tx1"/>
-                      </a:solidFill>
-                      <a:prstDash val="solid"/>
-                      <a:round/>
-                      <a:headEnd type="none" w="med" len="med"/>
-                      <a:tailEnd type="none" w="med" len="med"/>
-                    </a:lnT>
-                    <a:lnB w="38100" cap="flat" cmpd="sng" algn="ctr">
-                      <a:solidFill>
-                        <a:schemeClr val="tx1"/>
-                      </a:solidFill>
-                      <a:prstDash val="sysDot"/>
-                      <a:round/>
-                      <a:headEnd type="none" w="med" len="med"/>
-                      <a:tailEnd type="none" w="med" len="med"/>
-                    </a:lnB>
-                  </a:tcPr>
+                      <a:endParaRPr lang="en-GB" sz="800" b="1" dirty="0"/>
+                    </a:p>
+                  </a:txBody>
+                  <a:tcPr/>
                 </a:tc>
                 <a:tc>
                   <a:txBody>
@@ -7520,110 +9339,111 @@
                     <a:lstStyle/>
                     <a:p>
                       <a:pPr algn="ctr"/>
-                      <a:r>
-                        <a:rPr lang="sv-SE" sz="4000" b="1" dirty="0" smtClean="0"/>
-                        <a:t>75.51</a:t>
-                      </a:r>
-                      <a:endParaRPr lang="en-GB" sz="4000" b="1" dirty="0"/>
-                    </a:p>
-                  </a:txBody>
-                  <a:tcPr marL="82307" marR="82307" anchor="ctr">
-                    <a:lnT w="38100" cap="flat" cmpd="sng" algn="ctr">
-                      <a:solidFill>
-                        <a:schemeClr val="tx1"/>
-                      </a:solidFill>
-                      <a:prstDash val="solid"/>
-                      <a:round/>
-                      <a:headEnd type="none" w="med" len="med"/>
-                      <a:tailEnd type="none" w="med" len="med"/>
-                    </a:lnT>
-                    <a:lnB w="38100" cap="flat" cmpd="sng" algn="ctr">
-                      <a:solidFill>
-                        <a:schemeClr val="tx1"/>
-                      </a:solidFill>
-                      <a:prstDash val="sysDot"/>
-                      <a:round/>
-                      <a:headEnd type="none" w="med" len="med"/>
-                      <a:tailEnd type="none" w="med" len="med"/>
-                    </a:lnB>
-                  </a:tcPr>
+                      <a:endParaRPr lang="en-GB" sz="800" b="1" dirty="0"/>
+                    </a:p>
+                  </a:txBody>
+                  <a:tcPr/>
+                </a:tc>
+                <a:tc>
+                  <a:txBody>
+                    <a:bodyPr/>
+                    <a:lstStyle/>
+                    <a:p>
+                      <a:pPr algn="ctr"/>
+                      <a:endParaRPr lang="en-GB" sz="800" b="1" dirty="0"/>
+                    </a:p>
+                  </a:txBody>
+                  <a:tcPr/>
+                </a:tc>
+                <a:tc>
+                  <a:txBody>
+                    <a:bodyPr/>
+                    <a:lstStyle/>
+                    <a:p>
+                      <a:pPr algn="ctr"/>
+                      <a:endParaRPr lang="en-GB" sz="800" b="1" dirty="0"/>
+                    </a:p>
+                  </a:txBody>
+                  <a:tcPr/>
+                </a:tc>
+                <a:tc>
+                  <a:txBody>
+                    <a:bodyPr/>
+                    <a:lstStyle/>
+                    <a:p>
+                      <a:pPr algn="ctr"/>
+                      <a:endParaRPr lang="en-GB" sz="800" b="1" dirty="0"/>
+                    </a:p>
+                  </a:txBody>
+                  <a:tcPr/>
+                </a:tc>
+                <a:tc>
+                  <a:txBody>
+                    <a:bodyPr/>
+                    <a:lstStyle/>
+                    <a:p>
+                      <a:pPr algn="ctr"/>
+                      <a:endParaRPr lang="en-GB" sz="800" b="1" dirty="0"/>
+                    </a:p>
+                  </a:txBody>
+                  <a:tcPr/>
+                </a:tc>
+                <a:tc>
+                  <a:txBody>
+                    <a:bodyPr/>
+                    <a:lstStyle/>
+                    <a:p>
+                      <a:pPr algn="ctr"/>
+                      <a:endParaRPr lang="en-GB" sz="800" b="1" dirty="0"/>
+                    </a:p>
+                  </a:txBody>
+                  <a:tcPr/>
+                </a:tc>
+                <a:tc>
+                  <a:txBody>
+                    <a:bodyPr/>
+                    <a:lstStyle/>
+                    <a:p>
+                      <a:pPr algn="ctr"/>
+                      <a:endParaRPr lang="en-GB" sz="800" b="1" dirty="0"/>
+                    </a:p>
+                  </a:txBody>
+                  <a:tcPr/>
+                </a:tc>
+                <a:tc>
+                  <a:txBody>
+                    <a:bodyPr/>
+                    <a:lstStyle/>
+                    <a:p>
+                      <a:pPr algn="ctr"/>
+                      <a:endParaRPr lang="en-GB" sz="800" b="1" dirty="0"/>
+                    </a:p>
+                  </a:txBody>
+                  <a:tcPr/>
+                </a:tc>
+                <a:tc>
+                  <a:txBody>
+                    <a:bodyPr/>
+                    <a:lstStyle/>
+                    <a:p>
+                      <a:pPr algn="ctr"/>
+                      <a:endParaRPr lang="en-GB" sz="800" b="1" dirty="0"/>
+                    </a:p>
+                  </a:txBody>
+                  <a:tcPr/>
                 </a:tc>
               </a:tr>
-              <a:tr h="1150949">
-                <a:tc>
-                  <a:txBody>
-                    <a:bodyPr/>
-                    <a:lstStyle/>
-                    <a:p>
-                      <a:r>
-                        <a:rPr lang="sv-SE" sz="4000" dirty="0" smtClean="0"/>
-                        <a:t>VGG</a:t>
-                      </a:r>
-                      <a:endParaRPr lang="en-GB" sz="4000" dirty="0"/>
-                    </a:p>
-                  </a:txBody>
-                  <a:tcPr marL="82307" marR="82307" anchor="ctr">
-                    <a:lnR w="76200" cap="flat" cmpd="sng" algn="ctr">
-                      <a:solidFill>
-                        <a:schemeClr val="tx1"/>
-                      </a:solidFill>
-                      <a:prstDash val="solid"/>
-                      <a:round/>
-                      <a:headEnd type="none" w="med" len="med"/>
-                      <a:tailEnd type="none" w="med" len="med"/>
-                    </a:lnR>
-                    <a:lnT w="38100" cap="flat" cmpd="sng" algn="ctr">
-                      <a:solidFill>
-                        <a:schemeClr val="tx1"/>
-                      </a:solidFill>
-                      <a:prstDash val="sysDot"/>
-                      <a:round/>
-                      <a:headEnd type="none" w="med" len="med"/>
-                      <a:tailEnd type="none" w="med" len="med"/>
-                    </a:lnT>
-                  </a:tcPr>
-                </a:tc>
+              <a:tr h="231362">
                 <a:tc>
                   <a:txBody>
                     <a:bodyPr/>
                     <a:lstStyle/>
                     <a:p>
                       <a:pPr algn="ctr"/>
-                      <a:r>
-                        <a:rPr lang="en-GB" sz="4000" b="1" i="0" kern="1200" dirty="0" smtClean="0">
-                          <a:solidFill>
-                            <a:schemeClr val="tx1"/>
-                          </a:solidFill>
-                          <a:effectLst/>
-                          <a:latin typeface="+mn-lt"/>
-                          <a:ea typeface="+mn-ea"/>
-                          <a:cs typeface="+mn-cs"/>
-                        </a:rPr>
-                        <a:t>80.66</a:t>
-                      </a:r>
-                      <a:endParaRPr lang="en-GB" sz="4000" b="1" dirty="0"/>
-                    </a:p>
-                  </a:txBody>
-                  <a:tcPr marL="82307" marR="82307" anchor="ctr">
-                    <a:lnL w="76200" cap="flat" cmpd="sng" algn="ctr">
-                      <a:solidFill>
-                        <a:schemeClr val="tx1"/>
-                      </a:solidFill>
-                      <a:prstDash val="solid"/>
-                      <a:round/>
-                      <a:headEnd type="none" w="med" len="med"/>
-                      <a:tailEnd type="none" w="med" len="med"/>
-                    </a:lnL>
-                    <a:lnT w="38100" cap="flat" cmpd="sng" algn="ctr">
-                      <a:solidFill>
-                        <a:schemeClr val="tx1"/>
-                      </a:solidFill>
-                      <a:prstDash val="sysDot"/>
-                      <a:round/>
-                      <a:headEnd type="none" w="med" len="med"/>
-                      <a:tailEnd type="none" w="med" len="med"/>
-                    </a:lnT>
-                  </a:tcPr>
+                      <a:endParaRPr lang="en-GB" sz="800" b="1" dirty="0"/>
+                    </a:p>
+                  </a:txBody>
+                  <a:tcPr/>
                 </a:tc>
                 <a:tc>
                   <a:txBody>
@@ -7631,97 +9451,1057 @@
                     <a:lstStyle/>
                     <a:p>
                       <a:pPr algn="ctr"/>
-                      <a:r>
-                        <a:rPr lang="sv-SE" sz="4000" b="1" dirty="0" smtClean="0"/>
-                        <a:t>77.68</a:t>
-                      </a:r>
-                      <a:endParaRPr lang="en-GB" sz="4000" b="1" dirty="0"/>
-                    </a:p>
-                  </a:txBody>
-                  <a:tcPr marL="82307" marR="82307" anchor="ctr">
-                    <a:lnT w="38100" cap="flat" cmpd="sng" algn="ctr">
-                      <a:solidFill>
-                        <a:schemeClr val="tx1"/>
-                      </a:solidFill>
-                      <a:prstDash val="sysDot"/>
-                      <a:round/>
-                      <a:headEnd type="none" w="med" len="med"/>
-                      <a:tailEnd type="none" w="med" len="med"/>
-                    </a:lnT>
-                  </a:tcPr>
+                      <a:endParaRPr lang="en-GB" sz="800" b="1" dirty="0"/>
+                    </a:p>
+                  </a:txBody>
+                  <a:tcPr/>
+                </a:tc>
+                <a:tc>
+                  <a:txBody>
+                    <a:bodyPr/>
+                    <a:lstStyle/>
+                    <a:p>
+                      <a:pPr algn="ctr"/>
+                      <a:endParaRPr lang="en-GB" sz="800" b="1" dirty="0"/>
+                    </a:p>
+                  </a:txBody>
+                  <a:tcPr/>
+                </a:tc>
+                <a:tc>
+                  <a:txBody>
+                    <a:bodyPr/>
+                    <a:lstStyle/>
+                    <a:p>
+                      <a:pPr algn="ctr"/>
+                      <a:endParaRPr lang="en-GB" sz="800" b="1" dirty="0"/>
+                    </a:p>
+                  </a:txBody>
+                  <a:tcPr/>
+                </a:tc>
+                <a:tc>
+                  <a:txBody>
+                    <a:bodyPr/>
+                    <a:lstStyle/>
+                    <a:p>
+                      <a:pPr algn="ctr"/>
+                      <a:endParaRPr lang="en-GB" sz="800" b="1" dirty="0"/>
+                    </a:p>
+                  </a:txBody>
+                  <a:tcPr/>
+                </a:tc>
+                <a:tc>
+                  <a:txBody>
+                    <a:bodyPr/>
+                    <a:lstStyle/>
+                    <a:p>
+                      <a:pPr algn="ctr"/>
+                      <a:endParaRPr lang="en-GB" sz="800" b="1" dirty="0"/>
+                    </a:p>
+                  </a:txBody>
+                  <a:tcPr/>
+                </a:tc>
+                <a:tc>
+                  <a:txBody>
+                    <a:bodyPr/>
+                    <a:lstStyle/>
+                    <a:p>
+                      <a:pPr algn="ctr"/>
+                      <a:endParaRPr lang="en-GB" sz="800" b="1" dirty="0"/>
+                    </a:p>
+                  </a:txBody>
+                  <a:tcPr/>
+                </a:tc>
+                <a:tc>
+                  <a:txBody>
+                    <a:bodyPr/>
+                    <a:lstStyle/>
+                    <a:p>
+                      <a:pPr algn="ctr"/>
+                      <a:endParaRPr lang="en-GB" sz="800" b="1" dirty="0"/>
+                    </a:p>
+                  </a:txBody>
+                  <a:tcPr/>
+                </a:tc>
+                <a:tc>
+                  <a:txBody>
+                    <a:bodyPr/>
+                    <a:lstStyle/>
+                    <a:p>
+                      <a:pPr algn="ctr"/>
+                      <a:endParaRPr lang="en-GB" sz="800" b="1" dirty="0"/>
+                    </a:p>
+                  </a:txBody>
+                  <a:tcPr/>
+                </a:tc>
+                <a:tc>
+                  <a:txBody>
+                    <a:bodyPr/>
+                    <a:lstStyle/>
+                    <a:p>
+                      <a:pPr algn="ctr"/>
+                      <a:endParaRPr lang="en-GB" sz="800" b="1" dirty="0"/>
+                    </a:p>
+                  </a:txBody>
+                  <a:tcPr/>
+                </a:tc>
+              </a:tr>
+              <a:tr h="231362">
+                <a:tc>
+                  <a:txBody>
+                    <a:bodyPr/>
+                    <a:lstStyle/>
+                    <a:p>
+                      <a:pPr algn="ctr"/>
+                      <a:endParaRPr lang="en-GB" sz="800" b="1" dirty="0"/>
+                    </a:p>
+                  </a:txBody>
+                  <a:tcPr/>
+                </a:tc>
+                <a:tc>
+                  <a:txBody>
+                    <a:bodyPr/>
+                    <a:lstStyle/>
+                    <a:p>
+                      <a:pPr algn="ctr"/>
+                      <a:endParaRPr lang="en-GB" sz="800" b="1" dirty="0"/>
+                    </a:p>
+                  </a:txBody>
+                  <a:tcPr/>
+                </a:tc>
+                <a:tc>
+                  <a:txBody>
+                    <a:bodyPr/>
+                    <a:lstStyle/>
+                    <a:p>
+                      <a:pPr algn="ctr"/>
+                      <a:endParaRPr lang="en-GB" sz="800" b="1" dirty="0"/>
+                    </a:p>
+                  </a:txBody>
+                  <a:tcPr/>
+                </a:tc>
+                <a:tc>
+                  <a:txBody>
+                    <a:bodyPr/>
+                    <a:lstStyle/>
+                    <a:p>
+                      <a:pPr algn="ctr"/>
+                      <a:endParaRPr lang="en-GB" sz="800" b="1" dirty="0"/>
+                    </a:p>
+                  </a:txBody>
+                  <a:tcPr/>
+                </a:tc>
+                <a:tc>
+                  <a:txBody>
+                    <a:bodyPr/>
+                    <a:lstStyle/>
+                    <a:p>
+                      <a:pPr algn="ctr"/>
+                      <a:endParaRPr lang="en-GB" sz="800" b="1" dirty="0"/>
+                    </a:p>
+                  </a:txBody>
+                  <a:tcPr/>
+                </a:tc>
+                <a:tc>
+                  <a:txBody>
+                    <a:bodyPr/>
+                    <a:lstStyle/>
+                    <a:p>
+                      <a:pPr algn="ctr"/>
+                      <a:endParaRPr lang="en-GB" sz="800" b="1" dirty="0"/>
+                    </a:p>
+                  </a:txBody>
+                  <a:tcPr/>
+                </a:tc>
+                <a:tc>
+                  <a:txBody>
+                    <a:bodyPr/>
+                    <a:lstStyle/>
+                    <a:p>
+                      <a:pPr algn="ctr"/>
+                      <a:endParaRPr lang="en-GB" sz="800" b="1" dirty="0"/>
+                    </a:p>
+                  </a:txBody>
+                  <a:tcPr/>
+                </a:tc>
+                <a:tc>
+                  <a:txBody>
+                    <a:bodyPr/>
+                    <a:lstStyle/>
+                    <a:p>
+                      <a:pPr algn="ctr"/>
+                      <a:endParaRPr lang="en-GB" sz="800" b="1" dirty="0"/>
+                    </a:p>
+                  </a:txBody>
+                  <a:tcPr/>
+                </a:tc>
+                <a:tc>
+                  <a:txBody>
+                    <a:bodyPr/>
+                    <a:lstStyle/>
+                    <a:p>
+                      <a:pPr algn="ctr"/>
+                      <a:endParaRPr lang="en-GB" sz="800" b="1" dirty="0"/>
+                    </a:p>
+                  </a:txBody>
+                  <a:tcPr/>
+                </a:tc>
+                <a:tc>
+                  <a:txBody>
+                    <a:bodyPr/>
+                    <a:lstStyle/>
+                    <a:p>
+                      <a:pPr algn="ctr"/>
+                      <a:endParaRPr lang="en-GB" sz="800" b="1" dirty="0"/>
+                    </a:p>
+                  </a:txBody>
+                  <a:tcPr/>
+                </a:tc>
+              </a:tr>
+              <a:tr h="231362">
+                <a:tc>
+                  <a:txBody>
+                    <a:bodyPr/>
+                    <a:lstStyle/>
+                    <a:p>
+                      <a:pPr algn="ctr"/>
+                      <a:endParaRPr lang="en-GB" sz="800" b="1" dirty="0"/>
+                    </a:p>
+                  </a:txBody>
+                  <a:tcPr/>
+                </a:tc>
+                <a:tc>
+                  <a:txBody>
+                    <a:bodyPr/>
+                    <a:lstStyle/>
+                    <a:p>
+                      <a:pPr algn="ctr"/>
+                      <a:endParaRPr lang="en-GB" sz="800" b="1" dirty="0"/>
+                    </a:p>
+                  </a:txBody>
+                  <a:tcPr/>
+                </a:tc>
+                <a:tc>
+                  <a:txBody>
+                    <a:bodyPr/>
+                    <a:lstStyle/>
+                    <a:p>
+                      <a:pPr algn="ctr"/>
+                      <a:endParaRPr lang="en-GB" sz="800" b="1" dirty="0"/>
+                    </a:p>
+                  </a:txBody>
+                  <a:tcPr/>
+                </a:tc>
+                <a:tc>
+                  <a:txBody>
+                    <a:bodyPr/>
+                    <a:lstStyle/>
+                    <a:p>
+                      <a:pPr algn="ctr"/>
+                      <a:endParaRPr lang="en-GB" sz="800" b="1" dirty="0"/>
+                    </a:p>
+                  </a:txBody>
+                  <a:tcPr/>
+                </a:tc>
+                <a:tc>
+                  <a:txBody>
+                    <a:bodyPr/>
+                    <a:lstStyle/>
+                    <a:p>
+                      <a:pPr algn="ctr"/>
+                      <a:endParaRPr lang="en-GB" sz="800" b="1" dirty="0"/>
+                    </a:p>
+                  </a:txBody>
+                  <a:tcPr/>
+                </a:tc>
+                <a:tc>
+                  <a:txBody>
+                    <a:bodyPr/>
+                    <a:lstStyle/>
+                    <a:p>
+                      <a:pPr algn="ctr"/>
+                      <a:endParaRPr lang="en-GB" sz="800" b="1" dirty="0"/>
+                    </a:p>
+                  </a:txBody>
+                  <a:tcPr/>
+                </a:tc>
+                <a:tc>
+                  <a:txBody>
+                    <a:bodyPr/>
+                    <a:lstStyle/>
+                    <a:p>
+                      <a:pPr algn="ctr"/>
+                      <a:endParaRPr lang="en-GB" sz="800" b="1" dirty="0"/>
+                    </a:p>
+                  </a:txBody>
+                  <a:tcPr/>
+                </a:tc>
+                <a:tc>
+                  <a:txBody>
+                    <a:bodyPr/>
+                    <a:lstStyle/>
+                    <a:p>
+                      <a:pPr algn="ctr"/>
+                      <a:endParaRPr lang="en-GB" sz="800" b="1" dirty="0"/>
+                    </a:p>
+                  </a:txBody>
+                  <a:tcPr/>
+                </a:tc>
+                <a:tc>
+                  <a:txBody>
+                    <a:bodyPr/>
+                    <a:lstStyle/>
+                    <a:p>
+                      <a:pPr algn="ctr"/>
+                      <a:endParaRPr lang="en-GB" sz="800" b="1" dirty="0"/>
+                    </a:p>
+                  </a:txBody>
+                  <a:tcPr/>
+                </a:tc>
+                <a:tc>
+                  <a:txBody>
+                    <a:bodyPr/>
+                    <a:lstStyle/>
+                    <a:p>
+                      <a:pPr algn="ctr"/>
+                      <a:endParaRPr lang="en-GB" sz="800" b="1" dirty="0"/>
+                    </a:p>
+                  </a:txBody>
+                  <a:tcPr/>
                 </a:tc>
               </a:tr>
             </a:tbl>
           </a:graphicData>
         </a:graphic>
       </p:graphicFrame>
-      <p:sp>
-        <p:nvSpPr>
-          <p:cNvPr id="46" name="TextBox 45"/>
-          <p:cNvSpPr txBox="1"/>
+      <p:graphicFrame>
+        <p:nvGraphicFramePr>
+          <p:cNvPr id="58" name="Table 57"/>
+          <p:cNvGraphicFramePr>
+            <a:graphicFrameLocks noGrp="1"/>
+          </p:cNvGraphicFramePr>
+          <p:nvPr>
+            <p:extLst>
+              <p:ext uri="{D42A27DB-BD31-4B8C-83A1-F6EECF244321}">
+                <p14:modId xmlns:p14="http://schemas.microsoft.com/office/powerpoint/2010/main" val="1391258482"/>
+              </p:ext>
+            </p:extLst>
+          </p:nvPr>
+        </p:nvGraphicFramePr>
+        <p:xfrm>
+          <a:off x="15086184" y="6085191"/>
+          <a:ext cx="1523385" cy="1395431"/>
+        </p:xfrm>
+        <a:graphic>
+          <a:graphicData uri="http://schemas.openxmlformats.org/drawingml/2006/table">
+            <a:tbl>
+              <a:tblPr firstRow="1" bandRow="1">
+                <a:tableStyleId>{5940675A-B579-460E-94D1-54222C63F5DA}</a:tableStyleId>
+              </a:tblPr>
+              <a:tblGrid>
+                <a:gridCol w="507795"/>
+                <a:gridCol w="507795"/>
+                <a:gridCol w="507795"/>
+              </a:tblGrid>
+              <a:tr h="405741">
+                <a:tc>
+                  <a:txBody>
+                    <a:bodyPr/>
+                    <a:lstStyle/>
+                    <a:p>
+                      <a:pPr algn="ctr"/>
+                      <a:r>
+                        <a:rPr lang="sv-SE" sz="2400" b="1" dirty="0" smtClean="0"/>
+                        <a:t>0</a:t>
+                      </a:r>
+                      <a:endParaRPr lang="en-GB" sz="2400" b="1" dirty="0"/>
+                    </a:p>
+                  </a:txBody>
+                  <a:tcPr>
+                    <a:solidFill>
+                      <a:schemeClr val="bg1"/>
+                    </a:solidFill>
+                  </a:tcPr>
+                </a:tc>
+                <a:tc>
+                  <a:txBody>
+                    <a:bodyPr/>
+                    <a:lstStyle/>
+                    <a:p>
+                      <a:pPr algn="ctr"/>
+                      <a:r>
+                        <a:rPr lang="en-GB" sz="2400" b="1" dirty="0" smtClean="0"/>
+                        <a:t>0</a:t>
+                      </a:r>
+                      <a:endParaRPr lang="en-GB" sz="2400" b="1" dirty="0"/>
+                    </a:p>
+                  </a:txBody>
+                  <a:tcPr>
+                    <a:solidFill>
+                      <a:schemeClr val="bg1"/>
+                    </a:solidFill>
+                  </a:tcPr>
+                </a:tc>
+                <a:tc>
+                  <a:txBody>
+                    <a:bodyPr/>
+                    <a:lstStyle/>
+                    <a:p>
+                      <a:pPr algn="ctr"/>
+                      <a:r>
+                        <a:rPr lang="sv-SE" sz="2400" b="1" dirty="0" smtClean="0"/>
+                        <a:t>0</a:t>
+                      </a:r>
+                      <a:endParaRPr lang="en-GB" sz="2400" b="1" dirty="0"/>
+                    </a:p>
+                  </a:txBody>
+                  <a:tcPr>
+                    <a:solidFill>
+                      <a:schemeClr val="bg1"/>
+                    </a:solidFill>
+                  </a:tcPr>
+                </a:tc>
+              </a:tr>
+              <a:tr h="405741">
+                <a:tc>
+                  <a:txBody>
+                    <a:bodyPr/>
+                    <a:lstStyle/>
+                    <a:p>
+                      <a:pPr algn="ctr"/>
+                      <a:r>
+                        <a:rPr lang="sv-SE" sz="2400" b="1" dirty="0" smtClean="0"/>
+                        <a:t>1</a:t>
+                      </a:r>
+                      <a:endParaRPr lang="en-GB" sz="2400" b="1" dirty="0"/>
+                    </a:p>
+                  </a:txBody>
+                  <a:tcPr>
+                    <a:solidFill>
+                      <a:schemeClr val="bg1"/>
+                    </a:solidFill>
+                  </a:tcPr>
+                </a:tc>
+                <a:tc>
+                  <a:txBody>
+                    <a:bodyPr/>
+                    <a:lstStyle/>
+                    <a:p>
+                      <a:pPr algn="ctr"/>
+                      <a:r>
+                        <a:rPr lang="sv-SE" sz="2400" b="1" dirty="0" smtClean="0"/>
+                        <a:t>-1</a:t>
+                      </a:r>
+                      <a:endParaRPr lang="en-GB" sz="2400" b="1" dirty="0"/>
+                    </a:p>
+                  </a:txBody>
+                  <a:tcPr>
+                    <a:solidFill>
+                      <a:schemeClr val="bg1"/>
+                    </a:solidFill>
+                  </a:tcPr>
+                </a:tc>
+                <a:tc>
+                  <a:txBody>
+                    <a:bodyPr/>
+                    <a:lstStyle/>
+                    <a:p>
+                      <a:pPr algn="ctr"/>
+                      <a:r>
+                        <a:rPr lang="sv-SE" sz="2400" b="1" dirty="0" smtClean="0"/>
+                        <a:t>0</a:t>
+                      </a:r>
+                      <a:endParaRPr lang="en-GB" sz="2400" b="1" dirty="0"/>
+                    </a:p>
+                  </a:txBody>
+                  <a:tcPr>
+                    <a:solidFill>
+                      <a:schemeClr val="bg1"/>
+                    </a:solidFill>
+                  </a:tcPr>
+                </a:tc>
+              </a:tr>
+              <a:tr h="481031">
+                <a:tc>
+                  <a:txBody>
+                    <a:bodyPr/>
+                    <a:lstStyle/>
+                    <a:p>
+                      <a:pPr algn="ctr"/>
+                      <a:r>
+                        <a:rPr lang="sv-SE" sz="2400" b="1" dirty="0" smtClean="0"/>
+                        <a:t>0</a:t>
+                      </a:r>
+                      <a:endParaRPr lang="en-GB" sz="2400" b="1" dirty="0"/>
+                    </a:p>
+                  </a:txBody>
+                  <a:tcPr>
+                    <a:solidFill>
+                      <a:schemeClr val="bg1"/>
+                    </a:solidFill>
+                  </a:tcPr>
+                </a:tc>
+                <a:tc>
+                  <a:txBody>
+                    <a:bodyPr/>
+                    <a:lstStyle/>
+                    <a:p>
+                      <a:pPr algn="ctr"/>
+                      <a:r>
+                        <a:rPr lang="en-GB" sz="2400" b="1" dirty="0" smtClean="0"/>
+                        <a:t>0</a:t>
+                      </a:r>
+                      <a:endParaRPr lang="en-GB" sz="2400" b="1" dirty="0"/>
+                    </a:p>
+                  </a:txBody>
+                  <a:tcPr>
+                    <a:solidFill>
+                      <a:schemeClr val="bg1"/>
+                    </a:solidFill>
+                  </a:tcPr>
+                </a:tc>
+                <a:tc>
+                  <a:txBody>
+                    <a:bodyPr/>
+                    <a:lstStyle/>
+                    <a:p>
+                      <a:pPr algn="ctr"/>
+                      <a:r>
+                        <a:rPr lang="sv-SE" sz="2400" b="1" dirty="0" smtClean="0"/>
+                        <a:t>0</a:t>
+                      </a:r>
+                      <a:endParaRPr lang="en-GB" sz="2400" b="1" dirty="0"/>
+                    </a:p>
+                  </a:txBody>
+                  <a:tcPr>
+                    <a:solidFill>
+                      <a:schemeClr val="bg1"/>
+                    </a:solidFill>
+                  </a:tcPr>
+                </a:tc>
+              </a:tr>
+            </a:tbl>
+          </a:graphicData>
+        </a:graphic>
+      </p:graphicFrame>
+      <p:graphicFrame>
+        <p:nvGraphicFramePr>
+          <p:cNvPr id="59" name="Table 58"/>
+          <p:cNvGraphicFramePr>
+            <a:graphicFrameLocks noGrp="1"/>
+          </p:cNvGraphicFramePr>
+          <p:nvPr>
+            <p:extLst>
+              <p:ext uri="{D42A27DB-BD31-4B8C-83A1-F6EECF244321}">
+                <p14:modId xmlns:p14="http://schemas.microsoft.com/office/powerpoint/2010/main" val="66524870"/>
+              </p:ext>
+            </p:extLst>
+          </p:nvPr>
+        </p:nvGraphicFramePr>
+        <p:xfrm>
+          <a:off x="15992776" y="6796484"/>
+          <a:ext cx="1523385" cy="1395431"/>
+        </p:xfrm>
+        <a:graphic>
+          <a:graphicData uri="http://schemas.openxmlformats.org/drawingml/2006/table">
+            <a:tbl>
+              <a:tblPr firstRow="1" bandRow="1">
+                <a:tableStyleId>{5940675A-B579-460E-94D1-54222C63F5DA}</a:tableStyleId>
+              </a:tblPr>
+              <a:tblGrid>
+                <a:gridCol w="507795"/>
+                <a:gridCol w="507795"/>
+                <a:gridCol w="507795"/>
+              </a:tblGrid>
+              <a:tr h="405741">
+                <a:tc>
+                  <a:txBody>
+                    <a:bodyPr/>
+                    <a:lstStyle/>
+                    <a:p>
+                      <a:pPr algn="ctr"/>
+                      <a:r>
+                        <a:rPr lang="sv-SE" sz="2400" b="1" dirty="0" smtClean="0"/>
+                        <a:t>0</a:t>
+                      </a:r>
+                      <a:endParaRPr lang="en-GB" sz="2400" b="1" dirty="0"/>
+                    </a:p>
+                  </a:txBody>
+                  <a:tcPr>
+                    <a:solidFill>
+                      <a:schemeClr val="bg1"/>
+                    </a:solidFill>
+                  </a:tcPr>
+                </a:tc>
+                <a:tc>
+                  <a:txBody>
+                    <a:bodyPr/>
+                    <a:lstStyle/>
+                    <a:p>
+                      <a:pPr algn="ctr"/>
+                      <a:r>
+                        <a:rPr lang="sv-SE" sz="2400" b="1" dirty="0" smtClean="0"/>
+                        <a:t>1</a:t>
+                      </a:r>
+                      <a:endParaRPr lang="en-GB" sz="2400" b="1" dirty="0"/>
+                    </a:p>
+                  </a:txBody>
+                  <a:tcPr>
+                    <a:solidFill>
+                      <a:schemeClr val="bg1"/>
+                    </a:solidFill>
+                  </a:tcPr>
+                </a:tc>
+                <a:tc>
+                  <a:txBody>
+                    <a:bodyPr/>
+                    <a:lstStyle/>
+                    <a:p>
+                      <a:pPr algn="ctr"/>
+                      <a:r>
+                        <a:rPr lang="sv-SE" sz="2400" b="1" dirty="0" smtClean="0"/>
+                        <a:t>0</a:t>
+                      </a:r>
+                      <a:endParaRPr lang="en-GB" sz="2400" b="1" dirty="0"/>
+                    </a:p>
+                  </a:txBody>
+                  <a:tcPr>
+                    <a:solidFill>
+                      <a:schemeClr val="bg1"/>
+                    </a:solidFill>
+                  </a:tcPr>
+                </a:tc>
+              </a:tr>
+              <a:tr h="405741">
+                <a:tc>
+                  <a:txBody>
+                    <a:bodyPr/>
+                    <a:lstStyle/>
+                    <a:p>
+                      <a:pPr algn="ctr"/>
+                      <a:r>
+                        <a:rPr lang="sv-SE" sz="2400" b="1" dirty="0" smtClean="0"/>
+                        <a:t>0</a:t>
+                      </a:r>
+                      <a:endParaRPr lang="en-GB" sz="2400" b="1" dirty="0"/>
+                    </a:p>
+                  </a:txBody>
+                  <a:tcPr>
+                    <a:solidFill>
+                      <a:schemeClr val="bg1"/>
+                    </a:solidFill>
+                  </a:tcPr>
+                </a:tc>
+                <a:tc>
+                  <a:txBody>
+                    <a:bodyPr/>
+                    <a:lstStyle/>
+                    <a:p>
+                      <a:pPr algn="ctr"/>
+                      <a:r>
+                        <a:rPr lang="sv-SE" sz="2400" b="1" dirty="0" smtClean="0"/>
+                        <a:t>0</a:t>
+                      </a:r>
+                      <a:endParaRPr lang="en-GB" sz="2400" b="1" dirty="0"/>
+                    </a:p>
+                  </a:txBody>
+                  <a:tcPr>
+                    <a:solidFill>
+                      <a:schemeClr val="bg1"/>
+                    </a:solidFill>
+                  </a:tcPr>
+                </a:tc>
+                <a:tc>
+                  <a:txBody>
+                    <a:bodyPr/>
+                    <a:lstStyle/>
+                    <a:p>
+                      <a:pPr algn="ctr"/>
+                      <a:r>
+                        <a:rPr lang="sv-SE" sz="2400" b="1" dirty="0" smtClean="0"/>
+                        <a:t>1</a:t>
+                      </a:r>
+                      <a:endParaRPr lang="en-GB" sz="2400" b="1" dirty="0"/>
+                    </a:p>
+                  </a:txBody>
+                  <a:tcPr>
+                    <a:solidFill>
+                      <a:schemeClr val="bg1"/>
+                    </a:solidFill>
+                  </a:tcPr>
+                </a:tc>
+              </a:tr>
+              <a:tr h="481031">
+                <a:tc>
+                  <a:txBody>
+                    <a:bodyPr/>
+                    <a:lstStyle/>
+                    <a:p>
+                      <a:pPr algn="ctr"/>
+                      <a:r>
+                        <a:rPr lang="sv-SE" sz="2400" b="1" dirty="0" smtClean="0"/>
+                        <a:t>0</a:t>
+                      </a:r>
+                    </a:p>
+                  </a:txBody>
+                  <a:tcPr>
+                    <a:solidFill>
+                      <a:schemeClr val="bg1"/>
+                    </a:solidFill>
+                  </a:tcPr>
+                </a:tc>
+                <a:tc>
+                  <a:txBody>
+                    <a:bodyPr/>
+                    <a:lstStyle/>
+                    <a:p>
+                      <a:pPr algn="ctr"/>
+                      <a:r>
+                        <a:rPr lang="sv-SE" sz="2400" b="1" dirty="0" smtClean="0"/>
+                        <a:t>-1</a:t>
+                      </a:r>
+                      <a:endParaRPr lang="en-GB" sz="2400" b="1" dirty="0"/>
+                    </a:p>
+                  </a:txBody>
+                  <a:tcPr>
+                    <a:solidFill>
+                      <a:schemeClr val="bg1"/>
+                    </a:solidFill>
+                  </a:tcPr>
+                </a:tc>
+                <a:tc>
+                  <a:txBody>
+                    <a:bodyPr/>
+                    <a:lstStyle/>
+                    <a:p>
+                      <a:pPr algn="ctr"/>
+                      <a:r>
+                        <a:rPr lang="sv-SE" sz="2400" b="1" dirty="0" smtClean="0"/>
+                        <a:t>0</a:t>
+                      </a:r>
+                      <a:endParaRPr lang="en-GB" sz="2400" b="1" dirty="0"/>
+                    </a:p>
+                  </a:txBody>
+                  <a:tcPr>
+                    <a:solidFill>
+                      <a:schemeClr val="bg1"/>
+                    </a:solidFill>
+                  </a:tcPr>
+                </a:tc>
+              </a:tr>
+            </a:tbl>
+          </a:graphicData>
+        </a:graphic>
+      </p:graphicFrame>
+      <p:graphicFrame>
+        <p:nvGraphicFramePr>
+          <p:cNvPr id="60" name="Table 59"/>
+          <p:cNvGraphicFramePr>
+            <a:graphicFrameLocks noGrp="1"/>
+          </p:cNvGraphicFramePr>
+          <p:nvPr>
+            <p:extLst>
+              <p:ext uri="{D42A27DB-BD31-4B8C-83A1-F6EECF244321}">
+                <p14:modId xmlns:p14="http://schemas.microsoft.com/office/powerpoint/2010/main" val="385899699"/>
+              </p:ext>
+            </p:extLst>
+          </p:nvPr>
+        </p:nvGraphicFramePr>
+        <p:xfrm>
+          <a:off x="16420240" y="7084516"/>
+          <a:ext cx="1523385" cy="1395431"/>
+        </p:xfrm>
+        <a:graphic>
+          <a:graphicData uri="http://schemas.openxmlformats.org/drawingml/2006/table">
+            <a:tbl>
+              <a:tblPr firstRow="1" bandRow="1">
+                <a:tableStyleId>{5940675A-B579-460E-94D1-54222C63F5DA}</a:tableStyleId>
+              </a:tblPr>
+              <a:tblGrid>
+                <a:gridCol w="507795"/>
+                <a:gridCol w="507795"/>
+                <a:gridCol w="507795"/>
+              </a:tblGrid>
+              <a:tr h="405741">
+                <a:tc>
+                  <a:txBody>
+                    <a:bodyPr/>
+                    <a:lstStyle/>
+                    <a:p>
+                      <a:pPr algn="ctr"/>
+                      <a:r>
+                        <a:rPr lang="sv-SE" sz="2400" b="1" dirty="0" smtClean="0"/>
+                        <a:t>1</a:t>
+                      </a:r>
+                      <a:endParaRPr lang="en-GB" sz="2400" b="1" dirty="0"/>
+                    </a:p>
+                  </a:txBody>
+                  <a:tcPr>
+                    <a:solidFill>
+                      <a:schemeClr val="bg1"/>
+                    </a:solidFill>
+                  </a:tcPr>
+                </a:tc>
+                <a:tc>
+                  <a:txBody>
+                    <a:bodyPr/>
+                    <a:lstStyle/>
+                    <a:p>
+                      <a:pPr algn="ctr"/>
+                      <a:r>
+                        <a:rPr lang="sv-SE" sz="2400" b="1" dirty="0" smtClean="0"/>
+                        <a:t>0</a:t>
+                      </a:r>
+                      <a:endParaRPr lang="en-GB" sz="2400" b="1" dirty="0"/>
+                    </a:p>
+                  </a:txBody>
+                  <a:tcPr>
+                    <a:solidFill>
+                      <a:schemeClr val="bg1"/>
+                    </a:solidFill>
+                  </a:tcPr>
+                </a:tc>
+                <a:tc>
+                  <a:txBody>
+                    <a:bodyPr/>
+                    <a:lstStyle/>
+                    <a:p>
+                      <a:pPr algn="ctr"/>
+                      <a:r>
+                        <a:rPr lang="sv-SE" sz="2400" b="1" dirty="0" smtClean="0"/>
+                        <a:t>0</a:t>
+                      </a:r>
+                      <a:endParaRPr lang="en-GB" sz="2400" b="1" dirty="0"/>
+                    </a:p>
+                  </a:txBody>
+                  <a:tcPr>
+                    <a:solidFill>
+                      <a:schemeClr val="bg1"/>
+                    </a:solidFill>
+                  </a:tcPr>
+                </a:tc>
+              </a:tr>
+              <a:tr h="405741">
+                <a:tc>
+                  <a:txBody>
+                    <a:bodyPr/>
+                    <a:lstStyle/>
+                    <a:p>
+                      <a:pPr algn="ctr"/>
+                      <a:r>
+                        <a:rPr lang="sv-SE" sz="2400" b="1" dirty="0" smtClean="0"/>
+                        <a:t>0</a:t>
+                      </a:r>
+                      <a:endParaRPr lang="en-GB" sz="2400" b="1" dirty="0"/>
+                    </a:p>
+                  </a:txBody>
+                  <a:tcPr>
+                    <a:solidFill>
+                      <a:schemeClr val="bg1"/>
+                    </a:solidFill>
+                  </a:tcPr>
+                </a:tc>
+                <a:tc>
+                  <a:txBody>
+                    <a:bodyPr/>
+                    <a:lstStyle/>
+                    <a:p>
+                      <a:pPr algn="ctr"/>
+                      <a:r>
+                        <a:rPr lang="sv-SE" sz="2400" b="1" dirty="0" smtClean="0"/>
+                        <a:t>-1</a:t>
+                      </a:r>
+                      <a:endParaRPr lang="en-GB" sz="2400" b="1" dirty="0"/>
+                    </a:p>
+                  </a:txBody>
+                  <a:tcPr>
+                    <a:solidFill>
+                      <a:schemeClr val="bg1"/>
+                    </a:solidFill>
+                  </a:tcPr>
+                </a:tc>
+                <a:tc>
+                  <a:txBody>
+                    <a:bodyPr/>
+                    <a:lstStyle/>
+                    <a:p>
+                      <a:pPr algn="ctr"/>
+                      <a:r>
+                        <a:rPr lang="sv-SE" sz="2400" b="1" dirty="0" smtClean="0"/>
+                        <a:t>0</a:t>
+                      </a:r>
+                      <a:endParaRPr lang="en-GB" sz="2400" b="1" dirty="0"/>
+                    </a:p>
+                  </a:txBody>
+                  <a:tcPr>
+                    <a:solidFill>
+                      <a:schemeClr val="bg1"/>
+                    </a:solidFill>
+                  </a:tcPr>
+                </a:tc>
+              </a:tr>
+              <a:tr h="481031">
+                <a:tc>
+                  <a:txBody>
+                    <a:bodyPr/>
+                    <a:lstStyle/>
+                    <a:p>
+                      <a:pPr algn="ctr"/>
+                      <a:r>
+                        <a:rPr lang="sv-SE" sz="2400" b="1" dirty="0" smtClean="0"/>
+                        <a:t>0</a:t>
+                      </a:r>
+                      <a:endParaRPr lang="en-GB" sz="2400" b="1" dirty="0"/>
+                    </a:p>
+                  </a:txBody>
+                  <a:tcPr>
+                    <a:solidFill>
+                      <a:schemeClr val="bg1"/>
+                    </a:solidFill>
+                  </a:tcPr>
+                </a:tc>
+                <a:tc>
+                  <a:txBody>
+                    <a:bodyPr/>
+                    <a:lstStyle/>
+                    <a:p>
+                      <a:pPr algn="ctr"/>
+                      <a:r>
+                        <a:rPr lang="sv-SE" sz="2400" b="1" dirty="0" smtClean="0"/>
+                        <a:t>0</a:t>
+                      </a:r>
+                      <a:endParaRPr lang="en-GB" sz="2400" b="1" dirty="0"/>
+                    </a:p>
+                  </a:txBody>
+                  <a:tcPr>
+                    <a:solidFill>
+                      <a:schemeClr val="bg1"/>
+                    </a:solidFill>
+                  </a:tcPr>
+                </a:tc>
+                <a:tc>
+                  <a:txBody>
+                    <a:bodyPr/>
+                    <a:lstStyle/>
+                    <a:p>
+                      <a:pPr algn="ctr"/>
+                      <a:r>
+                        <a:rPr lang="sv-SE" sz="2400" b="1" dirty="0" smtClean="0"/>
+                        <a:t>0</a:t>
+                      </a:r>
+                      <a:endParaRPr lang="en-GB" sz="2400" b="1" dirty="0"/>
+                    </a:p>
+                  </a:txBody>
+                  <a:tcPr>
+                    <a:solidFill>
+                      <a:schemeClr val="bg1"/>
+                    </a:solidFill>
+                  </a:tcPr>
+                </a:tc>
+              </a:tr>
+            </a:tbl>
+          </a:graphicData>
+        </a:graphic>
+      </p:graphicFrame>
+      <p:cxnSp>
+        <p:nvCxnSpPr>
+          <p:cNvPr id="15" name="Straight Connector 14"/>
+          <p:cNvCxnSpPr/>
           <p:nvPr/>
-        </p:nvSpPr>
-        <p:spPr>
+        </p:nvCxnSpPr>
+        <p:spPr bwMode="auto">
           <a:xfrm>
-            <a:off x="23978889" y="19069999"/>
-            <a:ext cx="7992887" cy="2603790"/>
+            <a:off x="14771705" y="5832029"/>
+            <a:ext cx="17200072" cy="0"/>
           </a:xfrm>
-          <a:prstGeom prst="rect">
+          <a:prstGeom prst="line">
             <a:avLst/>
           </a:prstGeom>
           <a:noFill/>
+          <a:ln w="76200" cap="flat" cmpd="sng" algn="ctr">
+            <a:solidFill>
+              <a:schemeClr val="tx1"/>
+            </a:solidFill>
+            <a:prstDash val="dash"/>
+            <a:round/>
+            <a:headEnd type="none" w="med" len="med"/>
+            <a:tailEnd type="none" w="med" len="med"/>
+          </a:ln>
+          <a:effectLst/>
+          <a:extLst>
+            <a:ext uri="{909E8E84-426E-40DD-AFC4-6F175D3DCCD1}">
+              <a14:hiddenFill xmlns:a14="http://schemas.microsoft.com/office/drawing/2010/main">
+                <a:solidFill>
+                  <a:schemeClr val="accent1"/>
+                </a:solidFill>
+              </a14:hiddenFill>
+            </a:ext>
+            <a:ext uri="{AF507438-7753-43E0-B8FC-AC1667EBCBE1}">
+              <a14:hiddenEffects xmlns:a14="http://schemas.microsoft.com/office/drawing/2010/main">
+                <a:effectLst>
+                  <a:outerShdw dist="35921" dir="2700000" algn="ctr" rotWithShape="0">
+                    <a:schemeClr val="bg2"/>
+                  </a:outerShdw>
+                </a:effectLst>
+              </a14:hiddenEffects>
+            </a:ext>
+          </a:extLst>
         </p:spPr>
-        <p:txBody>
-          <a:bodyPr wrap="square" rtlCol="0">
-            <a:spAutoFit/>
-          </a:bodyPr>
-          <a:lstStyle/>
-          <a:p>
-            <a:endParaRPr lang="sv-SE" sz="700" dirty="0" smtClean="0"/>
-          </a:p>
-          <a:p>
-            <a:r>
-              <a:rPr lang="sv-SE" sz="3600" dirty="0" smtClean="0"/>
-              <a:t>Juefei-Xu, </a:t>
-            </a:r>
-            <a:r>
-              <a:rPr lang="sv-SE" sz="3600" dirty="0" smtClean="0"/>
-              <a:t>Li, and Marcos </a:t>
-            </a:r>
-            <a:r>
-              <a:rPr lang="sv-SE" sz="3600" dirty="0" smtClean="0"/>
-              <a:t>are the </a:t>
-            </a:r>
-            <a:r>
-              <a:rPr lang="sv-SE" sz="3600" dirty="0" smtClean="0"/>
-              <a:t>three LBP architechtures used in this project. </a:t>
-            </a:r>
-            <a:r>
-              <a:rPr lang="sv-SE" sz="3600" smtClean="0"/>
-              <a:t>ResNet </a:t>
-            </a:r>
-            <a:r>
-              <a:rPr lang="sv-SE" sz="3600" dirty="0" smtClean="0"/>
-              <a:t>and VGG are benchmark </a:t>
-            </a:r>
-            <a:r>
-              <a:rPr lang="sv-SE" sz="3600" dirty="0" smtClean="0"/>
-              <a:t>CNNs [1]. </a:t>
-            </a:r>
-            <a:endParaRPr lang="en-GB" sz="3600" dirty="0"/>
-          </a:p>
-        </p:txBody>
-      </p:sp>
+      </p:cxnSp>
+      <p:cxnSp>
+        <p:nvCxnSpPr>
+          <p:cNvPr id="61" name="Straight Connector 60"/>
+          <p:cNvCxnSpPr/>
+          <p:nvPr/>
+        </p:nvCxnSpPr>
+        <p:spPr bwMode="auto">
+          <a:xfrm>
+            <a:off x="14771705" y="8856365"/>
+            <a:ext cx="17200072" cy="0"/>
+          </a:xfrm>
+          <a:prstGeom prst="line">
+            <a:avLst/>
+          </a:prstGeom>
+          <a:noFill/>
+          <a:ln w="76200" cap="flat" cmpd="sng" algn="ctr">
+            <a:solidFill>
+              <a:schemeClr val="tx1"/>
+            </a:solidFill>
+            <a:prstDash val="dash"/>
+            <a:round/>
+            <a:headEnd type="none" w="med" len="med"/>
+            <a:tailEnd type="none" w="med" len="med"/>
+          </a:ln>
+          <a:effectLst/>
+          <a:extLst>
+            <a:ext uri="{909E8E84-426E-40DD-AFC4-6F175D3DCCD1}">
+              <a14:hiddenFill xmlns:a14="http://schemas.microsoft.com/office/drawing/2010/main">
+                <a:solidFill>
+                  <a:schemeClr val="accent1"/>
+                </a:solidFill>
+              </a14:hiddenFill>
+            </a:ext>
+            <a:ext uri="{AF507438-7753-43E0-B8FC-AC1667EBCBE1}">
+              <a14:hiddenEffects xmlns:a14="http://schemas.microsoft.com/office/drawing/2010/main">
+                <a:effectLst>
+                  <a:outerShdw dist="35921" dir="2700000" algn="ctr" rotWithShape="0">
+                    <a:schemeClr val="bg2"/>
+                  </a:outerShdw>
+                </a:effectLst>
+              </a14:hiddenEffects>
+            </a:ext>
+          </a:extLst>
+        </p:spPr>
+      </p:cxnSp>
       <p:pic>
         <p:nvPicPr>
-          <p:cNvPr id="37" name="Picture 2"/>
+          <p:cNvPr id="1026" name="Picture 2"/>
           <p:cNvPicPr>
             <a:picLocks noChangeAspect="1" noChangeArrowheads="1"/>
           </p:cNvPicPr>
           <p:nvPr/>
         </p:nvPicPr>
         <p:blipFill>
-          <a:blip r:embed="rId10" cstate="print">
+          <a:blip r:embed="rId13" cstate="print">
             <a:extLst>
               <a:ext uri="{28A0092B-C50C-407E-A947-70E740481C1C}">
                 <a14:useLocalDpi xmlns:a14="http://schemas.microsoft.com/office/drawing/2010/main" val="0"/>
@@ -7735,8 +10515,384 @@
         </p:blipFill>
         <p:spPr bwMode="auto">
           <a:xfrm>
-            <a:off x="14976933" y="8280301"/>
-            <a:ext cx="3670453" cy="4583543"/>
+            <a:off x="18686758" y="6826094"/>
+            <a:ext cx="2298027" cy="1381362"/>
+          </a:xfrm>
+          <a:prstGeom prst="rect">
+            <a:avLst/>
+          </a:prstGeom>
+          <a:noFill/>
+          <a:ln>
+            <a:noFill/>
+          </a:ln>
+          <a:effectLst/>
+          <a:extLst>
+            <a:ext uri="{909E8E84-426E-40DD-AFC4-6F175D3DCCD1}">
+              <a14:hiddenFill xmlns:a14="http://schemas.microsoft.com/office/drawing/2010/main">
+                <a:solidFill>
+                  <a:schemeClr val="accent1"/>
+                </a:solidFill>
+              </a14:hiddenFill>
+            </a:ext>
+            <a:ext uri="{91240B29-F687-4F45-9708-019B960494DF}">
+              <a14:hiddenLine xmlns:a14="http://schemas.microsoft.com/office/drawing/2010/main" w="9525">
+                <a:solidFill>
+                  <a:schemeClr val="tx1"/>
+                </a:solidFill>
+                <a:miter lim="800000"/>
+                <a:headEnd/>
+                <a:tailEnd/>
+              </a14:hiddenLine>
+            </a:ext>
+            <a:ext uri="{AF507438-7753-43E0-B8FC-AC1667EBCBE1}">
+              <a14:hiddenEffects xmlns:a14="http://schemas.microsoft.com/office/drawing/2010/main">
+                <a:effectLst>
+                  <a:outerShdw dist="35921" dir="2700000" algn="ctr" rotWithShape="0">
+                    <a:schemeClr val="bg2"/>
+                  </a:outerShdw>
+                </a:effectLst>
+              </a14:hiddenEffects>
+            </a:ext>
+          </a:extLst>
+        </p:spPr>
+      </p:pic>
+      <p:pic>
+        <p:nvPicPr>
+          <p:cNvPr id="100" name="Picture 99"/>
+          <p:cNvPicPr>
+            <a:picLocks noChangeAspect="1"/>
+          </p:cNvPicPr>
+          <p:nvPr/>
+        </p:nvPicPr>
+        <p:blipFill rotWithShape="1">
+          <a:blip r:embed="rId14">
+            <a:extLst>
+              <a:ext uri="{28A0092B-C50C-407E-A947-70E740481C1C}">
+                <a14:useLocalDpi xmlns:a14="http://schemas.microsoft.com/office/drawing/2010/main" val="0"/>
+              </a:ext>
+            </a:extLst>
+          </a:blip>
+          <a:srcRect t="-1" r="40333" b="45730"/>
+          <a:stretch/>
+        </p:blipFill>
+        <p:spPr>
+          <a:xfrm>
+            <a:off x="21674633" y="9288413"/>
+            <a:ext cx="2153101" cy="1950693"/>
+          </a:xfrm>
+          <a:prstGeom prst="rect">
+            <a:avLst/>
+          </a:prstGeom>
+          <a:solidFill>
+            <a:schemeClr val="tx2">
+              <a:lumMod val="40000"/>
+              <a:lumOff val="60000"/>
+              <a:alpha val="82000"/>
+            </a:schemeClr>
+          </a:solidFill>
+          <a:ln w="38100">
+            <a:solidFill>
+              <a:schemeClr val="tx1"/>
+            </a:solidFill>
+          </a:ln>
+        </p:spPr>
+      </p:pic>
+      <p:grpSp>
+        <p:nvGrpSpPr>
+          <p:cNvPr id="102" name="Group 101"/>
+          <p:cNvGrpSpPr/>
+          <p:nvPr/>
+        </p:nvGrpSpPr>
+        <p:grpSpPr>
+          <a:xfrm>
+            <a:off x="18686758" y="9299886"/>
+            <a:ext cx="2100683" cy="2042299"/>
+            <a:chOff x="19052967" y="18120191"/>
+            <a:chExt cx="4608095" cy="4480023"/>
+          </a:xfrm>
+        </p:grpSpPr>
+        <p:pic>
+          <p:nvPicPr>
+            <p:cNvPr id="103" name="Picture 4"/>
+            <p:cNvPicPr>
+              <a:picLocks noChangeAspect="1" noChangeArrowheads="1"/>
+            </p:cNvPicPr>
+            <p:nvPr/>
+          </p:nvPicPr>
+          <p:blipFill>
+            <a:blip r:embed="rId15" cstate="print">
+              <a:extLst>
+                <a:ext uri="{28A0092B-C50C-407E-A947-70E740481C1C}">
+                  <a14:useLocalDpi xmlns:a14="http://schemas.microsoft.com/office/drawing/2010/main" val="0"/>
+                </a:ext>
+              </a:extLst>
+            </a:blip>
+            <a:srcRect/>
+            <a:stretch>
+              <a:fillRect/>
+            </a:stretch>
+          </p:blipFill>
+          <p:spPr bwMode="auto">
+            <a:xfrm>
+              <a:off x="19052967" y="18120191"/>
+              <a:ext cx="2981325" cy="2974975"/>
+            </a:xfrm>
+            <a:prstGeom prst="rect">
+              <a:avLst/>
+            </a:prstGeom>
+            <a:noFill/>
+            <a:ln>
+              <a:noFill/>
+            </a:ln>
+            <a:effectLst/>
+            <a:extLst>
+              <a:ext uri="{909E8E84-426E-40DD-AFC4-6F175D3DCCD1}">
+                <a14:hiddenFill xmlns:a14="http://schemas.microsoft.com/office/drawing/2010/main">
+                  <a:solidFill>
+                    <a:schemeClr val="accent1"/>
+                  </a:solidFill>
+                </a14:hiddenFill>
+              </a:ext>
+              <a:ext uri="{91240B29-F687-4F45-9708-019B960494DF}">
+                <a14:hiddenLine xmlns:a14="http://schemas.microsoft.com/office/drawing/2010/main" w="9525">
+                  <a:solidFill>
+                    <a:schemeClr val="tx1"/>
+                  </a:solidFill>
+                  <a:miter lim="800000"/>
+                  <a:headEnd/>
+                  <a:tailEnd/>
+                </a14:hiddenLine>
+              </a:ext>
+              <a:ext uri="{AF507438-7753-43E0-B8FC-AC1667EBCBE1}">
+                <a14:hiddenEffects xmlns:a14="http://schemas.microsoft.com/office/drawing/2010/main">
+                  <a:effectLst>
+                    <a:outerShdw dist="35921" dir="2700000" algn="ctr" rotWithShape="0">
+                      <a:schemeClr val="bg2"/>
+                    </a:outerShdw>
+                  </a:effectLst>
+                </a14:hiddenEffects>
+              </a:ext>
+            </a:extLst>
+          </p:spPr>
+        </p:pic>
+        <p:pic>
+          <p:nvPicPr>
+            <p:cNvPr id="104" name="Picture 3"/>
+            <p:cNvPicPr>
+              <a:picLocks noChangeAspect="1" noChangeArrowheads="1"/>
+            </p:cNvPicPr>
+            <p:nvPr/>
+          </p:nvPicPr>
+          <p:blipFill>
+            <a:blip r:embed="rId16" cstate="print">
+              <a:extLst>
+                <a:ext uri="{28A0092B-C50C-407E-A947-70E740481C1C}">
+                  <a14:useLocalDpi xmlns:a14="http://schemas.microsoft.com/office/drawing/2010/main" val="0"/>
+                </a:ext>
+              </a:extLst>
+            </a:blip>
+            <a:srcRect/>
+            <a:stretch>
+              <a:fillRect/>
+            </a:stretch>
+          </p:blipFill>
+          <p:spPr bwMode="auto">
+            <a:xfrm rot="1200000">
+              <a:off x="19683475" y="18426897"/>
+              <a:ext cx="2974975" cy="2968625"/>
+            </a:xfrm>
+            <a:prstGeom prst="rect">
+              <a:avLst/>
+            </a:prstGeom>
+            <a:noFill/>
+            <a:ln>
+              <a:noFill/>
+            </a:ln>
+            <a:effectLst/>
+            <a:extLst>
+              <a:ext uri="{909E8E84-426E-40DD-AFC4-6F175D3DCCD1}">
+                <a14:hiddenFill xmlns:a14="http://schemas.microsoft.com/office/drawing/2010/main">
+                  <a:solidFill>
+                    <a:schemeClr val="accent1"/>
+                  </a:solidFill>
+                </a14:hiddenFill>
+              </a:ext>
+              <a:ext uri="{91240B29-F687-4F45-9708-019B960494DF}">
+                <a14:hiddenLine xmlns:a14="http://schemas.microsoft.com/office/drawing/2010/main" w="9525">
+                  <a:solidFill>
+                    <a:schemeClr val="tx1"/>
+                  </a:solidFill>
+                  <a:miter lim="800000"/>
+                  <a:headEnd/>
+                  <a:tailEnd/>
+                </a14:hiddenLine>
+              </a:ext>
+              <a:ext uri="{AF507438-7753-43E0-B8FC-AC1667EBCBE1}">
+                <a14:hiddenEffects xmlns:a14="http://schemas.microsoft.com/office/drawing/2010/main">
+                  <a:effectLst>
+                    <a:outerShdw dist="35921" dir="2700000" algn="ctr" rotWithShape="0">
+                      <a:schemeClr val="bg2"/>
+                    </a:outerShdw>
+                  </a:effectLst>
+                </a14:hiddenEffects>
+              </a:ext>
+            </a:extLst>
+          </p:spPr>
+        </p:pic>
+        <p:pic>
+          <p:nvPicPr>
+            <p:cNvPr id="105" name="Picture 3"/>
+            <p:cNvPicPr>
+              <a:picLocks noChangeAspect="1" noChangeArrowheads="1"/>
+            </p:cNvPicPr>
+            <p:nvPr/>
+          </p:nvPicPr>
+          <p:blipFill>
+            <a:blip r:embed="rId16" cstate="print">
+              <a:extLst>
+                <a:ext uri="{28A0092B-C50C-407E-A947-70E740481C1C}">
+                  <a14:useLocalDpi xmlns:a14="http://schemas.microsoft.com/office/drawing/2010/main" val="0"/>
+                </a:ext>
+              </a:extLst>
+            </a:blip>
+            <a:srcRect/>
+            <a:stretch>
+              <a:fillRect/>
+            </a:stretch>
+          </p:blipFill>
+          <p:spPr bwMode="auto">
+            <a:xfrm rot="2400000">
+              <a:off x="20442928" y="18919811"/>
+              <a:ext cx="2974975" cy="2968625"/>
+            </a:xfrm>
+            <a:prstGeom prst="rect">
+              <a:avLst/>
+            </a:prstGeom>
+            <a:noFill/>
+            <a:ln>
+              <a:noFill/>
+            </a:ln>
+            <a:effectLst/>
+            <a:extLst>
+              <a:ext uri="{909E8E84-426E-40DD-AFC4-6F175D3DCCD1}">
+                <a14:hiddenFill xmlns:a14="http://schemas.microsoft.com/office/drawing/2010/main">
+                  <a:solidFill>
+                    <a:schemeClr val="accent1"/>
+                  </a:solidFill>
+                </a14:hiddenFill>
+              </a:ext>
+              <a:ext uri="{91240B29-F687-4F45-9708-019B960494DF}">
+                <a14:hiddenLine xmlns:a14="http://schemas.microsoft.com/office/drawing/2010/main" w="9525">
+                  <a:solidFill>
+                    <a:schemeClr val="tx1"/>
+                  </a:solidFill>
+                  <a:miter lim="800000"/>
+                  <a:headEnd/>
+                  <a:tailEnd/>
+                </a14:hiddenLine>
+              </a:ext>
+              <a:ext uri="{AF507438-7753-43E0-B8FC-AC1667EBCBE1}">
+                <a14:hiddenEffects xmlns:a14="http://schemas.microsoft.com/office/drawing/2010/main">
+                  <a:effectLst>
+                    <a:outerShdw dist="35921" dir="2700000" algn="ctr" rotWithShape="0">
+                      <a:schemeClr val="bg2"/>
+                    </a:outerShdw>
+                  </a:effectLst>
+                </a14:hiddenEffects>
+              </a:ext>
+            </a:extLst>
+          </p:spPr>
+        </p:pic>
+        <p:pic>
+          <p:nvPicPr>
+            <p:cNvPr id="106" name="Picture 3"/>
+            <p:cNvPicPr>
+              <a:picLocks noChangeAspect="1" noChangeArrowheads="1"/>
+            </p:cNvPicPr>
+            <p:nvPr/>
+          </p:nvPicPr>
+          <p:blipFill>
+            <a:blip r:embed="rId16" cstate="print">
+              <a:extLst>
+                <a:ext uri="{28A0092B-C50C-407E-A947-70E740481C1C}">
+                  <a14:useLocalDpi xmlns:a14="http://schemas.microsoft.com/office/drawing/2010/main" val="0"/>
+                </a:ext>
+              </a:extLst>
+            </a:blip>
+            <a:srcRect/>
+            <a:stretch>
+              <a:fillRect/>
+            </a:stretch>
+          </p:blipFill>
+          <p:spPr bwMode="auto">
+            <a:xfrm rot="3600000">
+              <a:off x="20689262" y="19628414"/>
+              <a:ext cx="2974975" cy="2968625"/>
+            </a:xfrm>
+            <a:prstGeom prst="rect">
+              <a:avLst/>
+            </a:prstGeom>
+            <a:noFill/>
+            <a:ln>
+              <a:noFill/>
+            </a:ln>
+            <a:effectLst/>
+            <a:extLst>
+              <a:ext uri="{909E8E84-426E-40DD-AFC4-6F175D3DCCD1}">
+                <a14:hiddenFill xmlns:a14="http://schemas.microsoft.com/office/drawing/2010/main">
+                  <a:solidFill>
+                    <a:schemeClr val="accent1"/>
+                  </a:solidFill>
+                </a14:hiddenFill>
+              </a:ext>
+              <a:ext uri="{91240B29-F687-4F45-9708-019B960494DF}">
+                <a14:hiddenLine xmlns:a14="http://schemas.microsoft.com/office/drawing/2010/main" w="9525">
+                  <a:solidFill>
+                    <a:schemeClr val="tx1"/>
+                  </a:solidFill>
+                  <a:miter lim="800000"/>
+                  <a:headEnd/>
+                  <a:tailEnd/>
+                </a14:hiddenLine>
+              </a:ext>
+              <a:ext uri="{AF507438-7753-43E0-B8FC-AC1667EBCBE1}">
+                <a14:hiddenEffects xmlns:a14="http://schemas.microsoft.com/office/drawing/2010/main">
+                  <a:effectLst>
+                    <a:outerShdw dist="35921" dir="2700000" algn="ctr" rotWithShape="0">
+                      <a:schemeClr val="bg2"/>
+                    </a:outerShdw>
+                  </a:effectLst>
+                </a14:hiddenEffects>
+              </a:ext>
+            </a:extLst>
+          </p:spPr>
+        </p:pic>
+      </p:grpSp>
+      <p:pic>
+        <p:nvPicPr>
+          <p:cNvPr id="1027" name="Picture 3"/>
+          <p:cNvPicPr>
+            <a:picLocks noChangeAspect="1" noChangeArrowheads="1"/>
+          </p:cNvPicPr>
+          <p:nvPr/>
+        </p:nvPicPr>
+        <p:blipFill>
+          <a:blip r:embed="rId17" cstate="print">
+            <a:extLst>
+              <a:ext uri="{28A0092B-C50C-407E-A947-70E740481C1C}">
+                <a14:useLocalDpi xmlns:a14="http://schemas.microsoft.com/office/drawing/2010/main" val="0"/>
+              </a:ext>
+            </a:extLst>
+          </a:blip>
+          <a:srcRect/>
+          <a:stretch>
+            <a:fillRect/>
+          </a:stretch>
+        </p:blipFill>
+        <p:spPr bwMode="auto">
+          <a:xfrm>
+            <a:off x="15509773" y="9296647"/>
+            <a:ext cx="2002894" cy="1998628"/>
           </a:xfrm>
           <a:prstGeom prst="rect">
             <a:avLst/>
@@ -9876,13 +13032,13 @@
           <p:nvPr>
             <p:extLst>
               <p:ext uri="{D42A27DB-BD31-4B8C-83A1-F6EECF244321}">
-                <p14:modId xmlns:p14="http://schemas.microsoft.com/office/powerpoint/2010/main" val="1691522350"/>
+                <p14:modId xmlns:p14="http://schemas.microsoft.com/office/powerpoint/2010/main" val="2206955082"/>
               </p:ext>
             </p:extLst>
           </p:nvPr>
         </p:nvGraphicFramePr>
         <p:xfrm>
-          <a:off x="19305562" y="10085980"/>
+          <a:off x="16994113" y="10512553"/>
           <a:ext cx="9009390" cy="9433045"/>
         </p:xfrm>
         <a:graphic>
@@ -11095,7 +14251,7 @@
         </p:nvSpPr>
         <p:spPr bwMode="auto">
           <a:xfrm>
-            <a:off x="23225060" y="14262438"/>
+            <a:off x="20913611" y="14689011"/>
             <a:ext cx="1010758" cy="1013330"/>
           </a:xfrm>
           <a:prstGeom prst="ellipse">
@@ -11157,7 +14313,7 @@
         </p:nvSpPr>
         <p:spPr bwMode="auto">
           <a:xfrm>
-            <a:off x="23142070" y="10590033"/>
+            <a:off x="20830621" y="11016606"/>
             <a:ext cx="1086077" cy="1013330"/>
           </a:xfrm>
           <a:prstGeom prst="ellipse">
@@ -11219,7 +14375,7 @@
         </p:nvSpPr>
         <p:spPr bwMode="auto">
           <a:xfrm>
-            <a:off x="23149741" y="18186877"/>
+            <a:off x="20838292" y="18613450"/>
             <a:ext cx="1086077" cy="1013330"/>
           </a:xfrm>
           <a:prstGeom prst="ellipse">
@@ -11281,7 +14437,7 @@
         </p:nvSpPr>
         <p:spPr bwMode="auto">
           <a:xfrm>
-            <a:off x="26755549" y="14339664"/>
+            <a:off x="24444100" y="14766237"/>
             <a:ext cx="1086077" cy="1013330"/>
           </a:xfrm>
           <a:prstGeom prst="ellipse">
@@ -11345,7 +14501,7 @@
         </p:nvSpPr>
         <p:spPr bwMode="auto">
           <a:xfrm>
-            <a:off x="19577202" y="14334449"/>
+            <a:off x="17265753" y="14761022"/>
             <a:ext cx="1086077" cy="1013330"/>
           </a:xfrm>
           <a:prstGeom prst="ellipse">
@@ -11407,7 +14563,7 @@
         </p:nvSpPr>
         <p:spPr bwMode="auto">
           <a:xfrm>
-            <a:off x="20614255" y="11670153"/>
+            <a:off x="18302806" y="12096726"/>
             <a:ext cx="1086077" cy="1013330"/>
           </a:xfrm>
           <a:prstGeom prst="ellipse">
@@ -11469,7 +14625,7 @@
         </p:nvSpPr>
         <p:spPr bwMode="auto">
           <a:xfrm>
-            <a:off x="25718497" y="11742161"/>
+            <a:off x="23407048" y="12168734"/>
             <a:ext cx="1086077" cy="1013330"/>
           </a:xfrm>
           <a:prstGeom prst="ellipse">
@@ -11531,7 +14687,7 @@
         </p:nvSpPr>
         <p:spPr bwMode="auto">
           <a:xfrm>
-            <a:off x="20533235" y="16998745"/>
+            <a:off x="18221786" y="17425318"/>
             <a:ext cx="1086077" cy="1013330"/>
           </a:xfrm>
           <a:prstGeom prst="ellipse">
@@ -11593,7 +14749,7 @@
         </p:nvSpPr>
         <p:spPr bwMode="auto">
           <a:xfrm>
-            <a:off x="25799517" y="16998745"/>
+            <a:off x="23488068" y="17425318"/>
             <a:ext cx="1086077" cy="1013330"/>
           </a:xfrm>
           <a:prstGeom prst="ellipse">
@@ -11655,7 +14811,7 @@
         </p:nvSpPr>
         <p:spPr>
           <a:xfrm>
-            <a:off x="19370377" y="19779180"/>
+            <a:off x="17058928" y="20205753"/>
             <a:ext cx="8620498" cy="1107996"/>
           </a:xfrm>
           <a:prstGeom prst="rect">
@@ -11701,7 +14857,7 @@
         </p:blipFill>
         <p:spPr bwMode="auto">
           <a:xfrm>
-            <a:off x="12058073" y="1706018"/>
+            <a:off x="26859209" y="10598442"/>
             <a:ext cx="5149290" cy="6430267"/>
           </a:xfrm>
           <a:prstGeom prst="rect">
@@ -11746,6 +14902,194 @@
     <p:extLst>
       <p:ext uri="{BB962C8B-B14F-4D97-AF65-F5344CB8AC3E}">
         <p14:creationId xmlns:p14="http://schemas.microsoft.com/office/powerpoint/2010/main" val="1460295004"/>
+      </p:ext>
+    </p:extLst>
+  </p:cSld>
+  <p:clrMapOvr>
+    <a:masterClrMapping/>
+  </p:clrMapOvr>
+  <p:timing>
+    <p:tnLst>
+      <p:par>
+        <p:cTn id="1" dur="indefinite" restart="never" nodeType="tmRoot"/>
+      </p:par>
+    </p:tnLst>
+  </p:timing>
+</p:sld>
+</file>
+
+<file path=ppt/slides/slide3.xml><?xml version="1.0" encoding="utf-8"?>
+<p:sld xmlns:a="http://schemas.openxmlformats.org/drawingml/2006/main" xmlns:r="http://schemas.openxmlformats.org/officeDocument/2006/relationships" xmlns:p="http://schemas.openxmlformats.org/presentationml/2006/main">
+  <p:cSld>
+    <p:spTree>
+      <p:nvGrpSpPr>
+        <p:cNvPr id="1" name=""/>
+        <p:cNvGrpSpPr/>
+        <p:nvPr/>
+      </p:nvGrpSpPr>
+      <p:grpSpPr>
+        <a:xfrm>
+          <a:off x="0" y="0"/>
+          <a:ext cx="0" cy="0"/>
+          <a:chOff x="0" y="0"/>
+          <a:chExt cx="0" cy="0"/>
+        </a:xfrm>
+      </p:grpSpPr>
+      <p:sp>
+        <p:nvSpPr>
+          <p:cNvPr id="4" name="TextBox 3"/>
+          <p:cNvSpPr txBox="1"/>
+          <p:nvPr/>
+        </p:nvSpPr>
+        <p:spPr>
+          <a:xfrm>
+            <a:off x="5905994" y="3107993"/>
+            <a:ext cx="22602738" cy="10716924"/>
+          </a:xfrm>
+          <a:prstGeom prst="rect">
+            <a:avLst/>
+          </a:prstGeom>
+          <a:noFill/>
+        </p:spPr>
+        <p:txBody>
+          <a:bodyPr wrap="square" rtlCol="0">
+            <a:normAutofit fontScale="92500" lnSpcReduction="20000"/>
+          </a:bodyPr>
+          <a:lstStyle/>
+          <a:p>
+            <a:r>
+              <a:rPr lang="sv-SE" sz="4300" b="1" dirty="0" smtClean="0"/>
+              <a:t>Old Background text: </a:t>
+            </a:r>
+          </a:p>
+          <a:p>
+            <a:r>
+              <a:rPr lang="sv-SE" sz="4300" i="1" dirty="0" smtClean="0"/>
+              <a:t>Early </a:t>
+            </a:r>
+            <a:r>
+              <a:rPr lang="sv-SE" sz="4300" i="1" dirty="0"/>
+              <a:t>detection of cancer plays a major role in reducing cancer mortality. With deep convolutional neural networks, it is becoming possible to automatically classify cell images as either healthy or cancerous, a task previously done manually by highly trained professionals. </a:t>
+            </a:r>
+          </a:p>
+          <a:p>
+            <a:endParaRPr lang="sv-SE" sz="1300" i="1" dirty="0"/>
+          </a:p>
+          <a:p>
+            <a:r>
+              <a:rPr lang="sv-SE" sz="4300" i="1" dirty="0"/>
+              <a:t>Local binary patterns are very good at identifying textures, which has been hypothesized to be of importance in cell classification. In this project three recent LBP based networks are tuned and compared to conventional network architectures</a:t>
+            </a:r>
+            <a:r>
+              <a:rPr lang="sv-SE" sz="3900" i="1" dirty="0" smtClean="0"/>
+              <a:t>.</a:t>
+            </a:r>
+          </a:p>
+          <a:p>
+            <a:endParaRPr lang="sv-SE" sz="4000" i="1" dirty="0" smtClean="0"/>
+          </a:p>
+          <a:p>
+            <a:r>
+              <a:rPr lang="sv-SE" sz="4000" b="1" dirty="0" smtClean="0"/>
+              <a:t>Removed text re LBPs</a:t>
+            </a:r>
+            <a:endParaRPr lang="sv-SE" sz="4000" b="1" dirty="0"/>
+          </a:p>
+          <a:p>
+            <a:pPr marL="571500" indent="-571500">
+              <a:buFont typeface="Arial" panose="020B0604020202020204" pitchFamily="34" charset="0"/>
+              <a:buChar char="•"/>
+            </a:pPr>
+            <a:r>
+              <a:rPr lang="sv-SE" sz="4000" i="1" dirty="0"/>
+              <a:t>Group patterns which are rotationally </a:t>
+            </a:r>
+            <a:r>
+              <a:rPr lang="sv-SE" sz="4000" i="1" dirty="0" smtClean="0"/>
+              <a:t>similar</a:t>
+            </a:r>
+            <a:endParaRPr lang="sv-SE" sz="4000" i="1" dirty="0"/>
+          </a:p>
+          <a:p>
+            <a:pPr marL="571500" indent="-571500">
+              <a:buFont typeface="Arial" panose="020B0604020202020204" pitchFamily="34" charset="0"/>
+              <a:buChar char="•"/>
+            </a:pPr>
+            <a:endParaRPr lang="sv-SE" sz="300" i="1" dirty="0"/>
+          </a:p>
+          <a:p>
+            <a:pPr marL="571500" indent="-571500">
+              <a:buFont typeface="Arial" panose="020B0604020202020204" pitchFamily="34" charset="0"/>
+              <a:buChar char="•"/>
+            </a:pPr>
+            <a:r>
+              <a:rPr lang="sv-SE" sz="4000" i="1" dirty="0"/>
+              <a:t>Translate binary string to pattern </a:t>
+            </a:r>
+            <a:r>
+              <a:rPr lang="sv-SE" sz="4000" i="1" dirty="0" smtClean="0"/>
+              <a:t>index		</a:t>
+            </a:r>
+            <a:endParaRPr lang="sv-SE" sz="4000" i="1" dirty="0"/>
+          </a:p>
+          <a:p>
+            <a:pPr marL="571500" indent="-571500">
+              <a:buFont typeface="Arial" panose="020B0604020202020204" pitchFamily="34" charset="0"/>
+              <a:buChar char="•"/>
+            </a:pPr>
+            <a:r>
+              <a:rPr lang="sv-SE" sz="4000" i="1" dirty="0"/>
+              <a:t>Distribution of patterns can be used to classify </a:t>
+            </a:r>
+            <a:r>
+              <a:rPr lang="sv-SE" sz="4000" i="1" dirty="0" smtClean="0"/>
+              <a:t>textures</a:t>
+            </a:r>
+          </a:p>
+          <a:p>
+            <a:pPr marL="571500" indent="-571500">
+              <a:buFont typeface="Arial" panose="020B0604020202020204" pitchFamily="34" charset="0"/>
+              <a:buChar char="•"/>
+            </a:pPr>
+            <a:endParaRPr lang="sv-SE" sz="4000" i="1" dirty="0"/>
+          </a:p>
+          <a:p>
+            <a:r>
+              <a:rPr lang="sv-SE" sz="4000" b="1" dirty="0" smtClean="0"/>
+              <a:t>Removed text re models</a:t>
+            </a:r>
+          </a:p>
+          <a:p>
+            <a:r>
+              <a:rPr lang="sv-SE" sz="4000" i="1" dirty="0"/>
+              <a:t>Three recently published LBP based architectures were implemented in this project, where the first two use LBPs directly in some form whereas the third model uses slightly different filters that share many properties with LBPs. [3] [4] [5]</a:t>
+            </a:r>
+          </a:p>
+          <a:p>
+            <a:r>
+              <a:rPr lang="sv-SE" sz="4000" i="1" dirty="0"/>
+              <a:t>Two conventional CNNs were used for benchmarking, Resnet and VGG. </a:t>
+            </a:r>
+            <a:endParaRPr lang="en-GB" sz="4000" i="1" dirty="0"/>
+          </a:p>
+          <a:p>
+            <a:endParaRPr lang="sv-SE" sz="4000" b="1" dirty="0"/>
+          </a:p>
+          <a:p>
+            <a:endParaRPr lang="sv-SE" sz="4400" i="1" dirty="0" smtClean="0"/>
+          </a:p>
+          <a:p>
+            <a:endParaRPr lang="sv-SE" sz="4400" i="1" dirty="0"/>
+          </a:p>
+          <a:p>
+            <a:endParaRPr lang="en-GB" dirty="0"/>
+          </a:p>
+        </p:txBody>
+      </p:sp>
+    </p:spTree>
+    <p:extLst>
+      <p:ext uri="{BB962C8B-B14F-4D97-AF65-F5344CB8AC3E}">
+        <p14:creationId xmlns:p14="http://schemas.microsoft.com/office/powerpoint/2010/main" val="1262940732"/>
       </p:ext>
     </p:extLst>
   </p:cSld>

--- a/Presentation_material/poster.pptx
+++ b/Presentation_material/poster.pptx
@@ -145,6 +145,12 @@
 </p:presentation>
 </file>
 
+<file path=ppt/commentAuthors.xml><?xml version="1.0" encoding="utf-8"?>
+<p:cmAuthorLst xmlns:a="http://schemas.openxmlformats.org/drawingml/2006/main" xmlns:r="http://schemas.openxmlformats.org/officeDocument/2006/relationships" xmlns:p="http://schemas.openxmlformats.org/presentationml/2006/main">
+  <p:cmAuthor id="0" name="Natasa Sladoje" initials="NS" lastIdx="13" clrIdx="0"/>
+</p:cmAuthorLst>
+</file>
+
 <file path=ppt/charts/chart1.xml><?xml version="1.0" encoding="utf-8"?>
 <c:chartSpace xmlns:c="http://schemas.openxmlformats.org/drawingml/2006/chart" xmlns:a="http://schemas.openxmlformats.org/drawingml/2006/main" xmlns:r="http://schemas.openxmlformats.org/officeDocument/2006/relationships">
   <c:date1904 val="0"/>
@@ -250,11 +256,11 @@
           <c:showBubbleSize val="0"/>
         </c:dLbls>
         <c:gapWidth val="150"/>
-        <c:axId val="277228032"/>
-        <c:axId val="249778112"/>
+        <c:axId val="174775808"/>
+        <c:axId val="167186944"/>
       </c:barChart>
       <c:catAx>
-        <c:axId val="277228032"/>
+        <c:axId val="174775808"/>
         <c:scaling>
           <c:orientation val="minMax"/>
         </c:scaling>
@@ -263,7 +269,17 @@
         <c:majorTickMark val="out"/>
         <c:minorTickMark val="none"/>
         <c:tickLblPos val="nextTo"/>
-        <c:crossAx val="249778112"/>
+        <c:txPr>
+          <a:bodyPr/>
+          <a:lstStyle/>
+          <a:p>
+            <a:pPr>
+              <a:defRPr lang="en-GB"/>
+            </a:pPr>
+            <a:endParaRPr lang="en-US"/>
+          </a:p>
+        </c:txPr>
+        <c:crossAx val="167186944"/>
         <c:crosses val="autoZero"/>
         <c:auto val="1"/>
         <c:lblAlgn val="ctr"/>
@@ -271,7 +287,7 @@
         <c:noMultiLvlLbl val="0"/>
       </c:catAx>
       <c:valAx>
-        <c:axId val="249778112"/>
+        <c:axId val="167186944"/>
         <c:scaling>
           <c:orientation val="minMax"/>
         </c:scaling>
@@ -282,7 +298,17 @@
         <c:majorTickMark val="out"/>
         <c:minorTickMark val="none"/>
         <c:tickLblPos val="nextTo"/>
-        <c:crossAx val="277228032"/>
+        <c:txPr>
+          <a:bodyPr/>
+          <a:lstStyle/>
+          <a:p>
+            <a:pPr>
+              <a:defRPr lang="en-GB"/>
+            </a:pPr>
+            <a:endParaRPr lang="en-US"/>
+          </a:p>
+        </c:txPr>
+        <c:crossAx val="174775808"/>
         <c:crosses val="autoZero"/>
         <c:crossBetween val="between"/>
       </c:valAx>
@@ -300,6 +326,730 @@
     <c:autoUpdate val="0"/>
   </c:externalData>
 </c:chartSpace>
+</file>
+
+<file path=ppt/charts/chart2.xml><?xml version="1.0" encoding="utf-8"?>
+<c:chartSpace xmlns:c="http://schemas.openxmlformats.org/drawingml/2006/chart" xmlns:a="http://schemas.openxmlformats.org/drawingml/2006/main" xmlns:r="http://schemas.openxmlformats.org/officeDocument/2006/relationships">
+  <c:date1904 val="0"/>
+  <c:lang val="en-GB"/>
+  <c:roundedCorners val="0"/>
+  <mc:AlternateContent xmlns:mc="http://schemas.openxmlformats.org/markup-compatibility/2006">
+    <mc:Choice xmlns:c14="http://schemas.microsoft.com/office/drawing/2007/8/2/chart" Requires="c14">
+      <c14:style val="102"/>
+    </mc:Choice>
+    <mc:Fallback>
+      <c:style val="2"/>
+    </mc:Fallback>
+  </mc:AlternateContent>
+  <c:chart>
+    <c:autoTitleDeleted val="1"/>
+    <c:plotArea>
+      <c:layout/>
+      <c:scatterChart>
+        <c:scatterStyle val="lineMarker"/>
+        <c:varyColors val="0"/>
+        <c:ser>
+          <c:idx val="1"/>
+          <c:order val="0"/>
+          <c:tx>
+            <c:strRef>
+              <c:f>Sheet1!$B$1</c:f>
+              <c:strCache>
+                <c:ptCount val="1"/>
+                <c:pt idx="0">
+                  <c:v>y</c:v>
+                </c:pt>
+              </c:strCache>
+            </c:strRef>
+          </c:tx>
+          <c:spPr>
+            <a:ln w="44450">
+              <a:solidFill>
+                <a:schemeClr val="tx1"/>
+              </a:solidFill>
+            </a:ln>
+          </c:spPr>
+          <c:marker>
+            <c:symbol val="none"/>
+          </c:marker>
+          <c:xVal>
+            <c:numRef>
+              <c:f>Sheet1!$A$20:$A$25</c:f>
+              <c:numCache>
+                <c:formatCode>General</c:formatCode>
+                <c:ptCount val="6"/>
+                <c:pt idx="0">
+                  <c:v>1</c:v>
+                </c:pt>
+                <c:pt idx="1">
+                  <c:v>2</c:v>
+                </c:pt>
+                <c:pt idx="2">
+                  <c:v>2.5</c:v>
+                </c:pt>
+                <c:pt idx="3">
+                  <c:v>3</c:v>
+                </c:pt>
+                <c:pt idx="4">
+                  <c:v>4</c:v>
+                </c:pt>
+                <c:pt idx="5">
+                  <c:v>5</c:v>
+                </c:pt>
+              </c:numCache>
+            </c:numRef>
+          </c:xVal>
+          <c:yVal>
+            <c:numRef>
+              <c:f>Sheet1!$B$20:$B$25</c:f>
+              <c:numCache>
+                <c:formatCode>General</c:formatCode>
+                <c:ptCount val="6"/>
+                <c:pt idx="0">
+                  <c:v>0</c:v>
+                </c:pt>
+                <c:pt idx="1">
+                  <c:v>0</c:v>
+                </c:pt>
+                <c:pt idx="2">
+                  <c:v>2</c:v>
+                </c:pt>
+                <c:pt idx="3">
+                  <c:v>0</c:v>
+                </c:pt>
+                <c:pt idx="4">
+                  <c:v>0</c:v>
+                </c:pt>
+                <c:pt idx="5">
+                  <c:v>0</c:v>
+                </c:pt>
+              </c:numCache>
+            </c:numRef>
+          </c:yVal>
+          <c:smooth val="0"/>
+        </c:ser>
+        <c:dLbls>
+          <c:showLegendKey val="0"/>
+          <c:showVal val="0"/>
+          <c:showCatName val="0"/>
+          <c:showSerName val="0"/>
+          <c:showPercent val="0"/>
+          <c:showBubbleSize val="0"/>
+        </c:dLbls>
+        <c:axId val="151245888"/>
+        <c:axId val="151247040"/>
+      </c:scatterChart>
+      <c:valAx>
+        <c:axId val="151245888"/>
+        <c:scaling>
+          <c:orientation val="minMax"/>
+          <c:max val="4"/>
+          <c:min val="0"/>
+        </c:scaling>
+        <c:delete val="0"/>
+        <c:axPos val="b"/>
+        <c:numFmt formatCode="General" sourceLinked="1"/>
+        <c:majorTickMark val="none"/>
+        <c:minorTickMark val="none"/>
+        <c:tickLblPos val="nextTo"/>
+        <c:spPr>
+          <a:ln w="12700"/>
+        </c:spPr>
+        <c:crossAx val="151247040"/>
+        <c:crosses val="autoZero"/>
+        <c:crossBetween val="midCat"/>
+      </c:valAx>
+      <c:valAx>
+        <c:axId val="151247040"/>
+        <c:scaling>
+          <c:orientation val="minMax"/>
+          <c:max val="2"/>
+        </c:scaling>
+        <c:delete val="0"/>
+        <c:axPos val="l"/>
+        <c:numFmt formatCode="General" sourceLinked="1"/>
+        <c:majorTickMark val="none"/>
+        <c:minorTickMark val="none"/>
+        <c:tickLblPos val="nextTo"/>
+        <c:crossAx val="151245888"/>
+        <c:crosses val="autoZero"/>
+        <c:crossBetween val="midCat"/>
+        <c:majorUnit val="1"/>
+      </c:valAx>
+    </c:plotArea>
+    <c:plotVisOnly val="1"/>
+    <c:dispBlanksAs val="gap"/>
+    <c:showDLblsOverMax val="0"/>
+  </c:chart>
+  <c:spPr>
+    <a:solidFill>
+      <a:schemeClr val="bg1"/>
+    </a:solidFill>
+    <a:ln>
+      <a:solidFill>
+        <a:schemeClr val="tx1">
+          <a:tint val="75000"/>
+          <a:shade val="95000"/>
+          <a:satMod val="105000"/>
+        </a:schemeClr>
+      </a:solidFill>
+    </a:ln>
+  </c:spPr>
+  <c:externalData r:id="rId1">
+    <c:autoUpdate val="0"/>
+  </c:externalData>
+</c:chartSpace>
+</file>
+
+<file path=ppt/charts/chart3.xml><?xml version="1.0" encoding="utf-8"?>
+<c:chartSpace xmlns:c="http://schemas.openxmlformats.org/drawingml/2006/chart" xmlns:a="http://schemas.openxmlformats.org/drawingml/2006/main" xmlns:r="http://schemas.openxmlformats.org/officeDocument/2006/relationships">
+  <c:date1904 val="0"/>
+  <c:lang val="en-GB"/>
+  <c:roundedCorners val="0"/>
+  <mc:AlternateContent xmlns:mc="http://schemas.openxmlformats.org/markup-compatibility/2006">
+    <mc:Choice xmlns:c14="http://schemas.microsoft.com/office/drawing/2007/8/2/chart" Requires="c14">
+      <c14:style val="102"/>
+    </mc:Choice>
+    <mc:Fallback>
+      <c:style val="2"/>
+    </mc:Fallback>
+  </mc:AlternateContent>
+  <c:chart>
+    <c:autoTitleDeleted val="1"/>
+    <c:plotArea>
+      <c:layout/>
+      <c:scatterChart>
+        <c:scatterStyle val="lineMarker"/>
+        <c:varyColors val="0"/>
+        <c:ser>
+          <c:idx val="1"/>
+          <c:order val="0"/>
+          <c:tx>
+            <c:strRef>
+              <c:f>Sheet1!$B$1</c:f>
+              <c:strCache>
+                <c:ptCount val="1"/>
+                <c:pt idx="0">
+                  <c:v>y</c:v>
+                </c:pt>
+              </c:strCache>
+            </c:strRef>
+          </c:tx>
+          <c:spPr>
+            <a:ln w="44450">
+              <a:solidFill>
+                <a:schemeClr val="tx1"/>
+              </a:solidFill>
+            </a:ln>
+          </c:spPr>
+          <c:marker>
+            <c:symbol val="none"/>
+          </c:marker>
+          <c:xVal>
+            <c:numRef>
+              <c:f>Sheet1!$A$11:$A$16</c:f>
+              <c:numCache>
+                <c:formatCode>General</c:formatCode>
+                <c:ptCount val="6"/>
+                <c:pt idx="0">
+                  <c:v>0</c:v>
+                </c:pt>
+                <c:pt idx="1">
+                  <c:v>1</c:v>
+                </c:pt>
+                <c:pt idx="2">
+                  <c:v>1.5</c:v>
+                </c:pt>
+                <c:pt idx="3">
+                  <c:v>2</c:v>
+                </c:pt>
+                <c:pt idx="4">
+                  <c:v>3</c:v>
+                </c:pt>
+                <c:pt idx="5">
+                  <c:v>4</c:v>
+                </c:pt>
+              </c:numCache>
+            </c:numRef>
+          </c:xVal>
+          <c:yVal>
+            <c:numRef>
+              <c:f>Sheet1!$B$11:$B$16</c:f>
+              <c:numCache>
+                <c:formatCode>General</c:formatCode>
+                <c:ptCount val="6"/>
+                <c:pt idx="0">
+                  <c:v>0</c:v>
+                </c:pt>
+                <c:pt idx="1">
+                  <c:v>0</c:v>
+                </c:pt>
+                <c:pt idx="2">
+                  <c:v>2</c:v>
+                </c:pt>
+                <c:pt idx="3">
+                  <c:v>0</c:v>
+                </c:pt>
+                <c:pt idx="4">
+                  <c:v>0</c:v>
+                </c:pt>
+                <c:pt idx="5">
+                  <c:v>0</c:v>
+                </c:pt>
+              </c:numCache>
+            </c:numRef>
+          </c:yVal>
+          <c:smooth val="0"/>
+        </c:ser>
+        <c:dLbls>
+          <c:showLegendKey val="0"/>
+          <c:showVal val="0"/>
+          <c:showCatName val="0"/>
+          <c:showSerName val="0"/>
+          <c:showPercent val="0"/>
+          <c:showBubbleSize val="0"/>
+        </c:dLbls>
+        <c:axId val="151248192"/>
+        <c:axId val="167183488"/>
+      </c:scatterChart>
+      <c:valAx>
+        <c:axId val="151248192"/>
+        <c:scaling>
+          <c:orientation val="minMax"/>
+          <c:max val="4"/>
+          <c:min val="0"/>
+        </c:scaling>
+        <c:delete val="0"/>
+        <c:axPos val="b"/>
+        <c:numFmt formatCode="General" sourceLinked="1"/>
+        <c:majorTickMark val="none"/>
+        <c:minorTickMark val="none"/>
+        <c:tickLblPos val="nextTo"/>
+        <c:spPr>
+          <a:ln w="12700"/>
+        </c:spPr>
+        <c:crossAx val="167183488"/>
+        <c:crosses val="autoZero"/>
+        <c:crossBetween val="midCat"/>
+      </c:valAx>
+      <c:valAx>
+        <c:axId val="167183488"/>
+        <c:scaling>
+          <c:orientation val="minMax"/>
+          <c:max val="2"/>
+        </c:scaling>
+        <c:delete val="0"/>
+        <c:axPos val="l"/>
+        <c:numFmt formatCode="General" sourceLinked="1"/>
+        <c:majorTickMark val="none"/>
+        <c:minorTickMark val="none"/>
+        <c:tickLblPos val="nextTo"/>
+        <c:crossAx val="151248192"/>
+        <c:crosses val="autoZero"/>
+        <c:crossBetween val="midCat"/>
+        <c:majorUnit val="1"/>
+      </c:valAx>
+    </c:plotArea>
+    <c:plotVisOnly val="1"/>
+    <c:dispBlanksAs val="gap"/>
+    <c:showDLblsOverMax val="0"/>
+  </c:chart>
+  <c:spPr>
+    <a:solidFill>
+      <a:schemeClr val="bg1"/>
+    </a:solidFill>
+    <a:ln>
+      <a:solidFill>
+        <a:schemeClr val="tx1">
+          <a:tint val="75000"/>
+          <a:shade val="95000"/>
+          <a:satMod val="105000"/>
+        </a:schemeClr>
+      </a:solidFill>
+    </a:ln>
+  </c:spPr>
+  <c:externalData r:id="rId1">
+    <c:autoUpdate val="0"/>
+  </c:externalData>
+</c:chartSpace>
+</file>
+
+<file path=ppt/charts/chart4.xml><?xml version="1.0" encoding="utf-8"?>
+<c:chartSpace xmlns:c="http://schemas.openxmlformats.org/drawingml/2006/chart" xmlns:a="http://schemas.openxmlformats.org/drawingml/2006/main" xmlns:r="http://schemas.openxmlformats.org/officeDocument/2006/relationships">
+  <c:date1904 val="0"/>
+  <c:lang val="en-GB"/>
+  <c:roundedCorners val="0"/>
+  <mc:AlternateContent xmlns:mc="http://schemas.openxmlformats.org/markup-compatibility/2006">
+    <mc:Choice xmlns:c14="http://schemas.microsoft.com/office/drawing/2007/8/2/chart" Requires="c14">
+      <c14:style val="102"/>
+    </mc:Choice>
+    <mc:Fallback>
+      <c:style val="2"/>
+    </mc:Fallback>
+  </mc:AlternateContent>
+  <c:chart>
+    <c:autoTitleDeleted val="1"/>
+    <c:plotArea>
+      <c:layout/>
+      <c:scatterChart>
+        <c:scatterStyle val="lineMarker"/>
+        <c:varyColors val="0"/>
+        <c:ser>
+          <c:idx val="1"/>
+          <c:order val="0"/>
+          <c:tx>
+            <c:strRef>
+              <c:f>Sheet1!$B$1</c:f>
+              <c:strCache>
+                <c:ptCount val="1"/>
+                <c:pt idx="0">
+                  <c:v>y</c:v>
+                </c:pt>
+              </c:strCache>
+            </c:strRef>
+          </c:tx>
+          <c:spPr>
+            <a:ln w="44450">
+              <a:solidFill>
+                <a:schemeClr val="tx1"/>
+              </a:solidFill>
+            </a:ln>
+          </c:spPr>
+          <c:marker>
+            <c:symbol val="none"/>
+          </c:marker>
+          <c:xVal>
+            <c:numRef>
+              <c:f>Sheet1!$A$2:$A$7</c:f>
+              <c:numCache>
+                <c:formatCode>General</c:formatCode>
+                <c:ptCount val="6"/>
+                <c:pt idx="0">
+                  <c:v>-1</c:v>
+                </c:pt>
+                <c:pt idx="1">
+                  <c:v>0</c:v>
+                </c:pt>
+                <c:pt idx="2">
+                  <c:v>0.5</c:v>
+                </c:pt>
+                <c:pt idx="3">
+                  <c:v>1</c:v>
+                </c:pt>
+                <c:pt idx="4">
+                  <c:v>2</c:v>
+                </c:pt>
+                <c:pt idx="5">
+                  <c:v>3</c:v>
+                </c:pt>
+              </c:numCache>
+            </c:numRef>
+          </c:xVal>
+          <c:yVal>
+            <c:numRef>
+              <c:f>Sheet1!$B$2:$B$7</c:f>
+              <c:numCache>
+                <c:formatCode>General</c:formatCode>
+                <c:ptCount val="6"/>
+                <c:pt idx="0">
+                  <c:v>0</c:v>
+                </c:pt>
+                <c:pt idx="1">
+                  <c:v>0</c:v>
+                </c:pt>
+                <c:pt idx="2">
+                  <c:v>2</c:v>
+                </c:pt>
+                <c:pt idx="3">
+                  <c:v>0</c:v>
+                </c:pt>
+                <c:pt idx="4">
+                  <c:v>0</c:v>
+                </c:pt>
+                <c:pt idx="5">
+                  <c:v>0</c:v>
+                </c:pt>
+              </c:numCache>
+            </c:numRef>
+          </c:yVal>
+          <c:smooth val="0"/>
+        </c:ser>
+        <c:dLbls>
+          <c:showLegendKey val="0"/>
+          <c:showVal val="0"/>
+          <c:showCatName val="0"/>
+          <c:showSerName val="0"/>
+          <c:showPercent val="0"/>
+          <c:showBubbleSize val="0"/>
+        </c:dLbls>
+        <c:axId val="151243584"/>
+        <c:axId val="151240704"/>
+      </c:scatterChart>
+      <c:valAx>
+        <c:axId val="151243584"/>
+        <c:scaling>
+          <c:orientation val="minMax"/>
+          <c:max val="4"/>
+          <c:min val="0"/>
+        </c:scaling>
+        <c:delete val="0"/>
+        <c:axPos val="b"/>
+        <c:numFmt formatCode="General" sourceLinked="1"/>
+        <c:majorTickMark val="none"/>
+        <c:minorTickMark val="none"/>
+        <c:tickLblPos val="nextTo"/>
+        <c:spPr>
+          <a:ln w="12700"/>
+        </c:spPr>
+        <c:crossAx val="151240704"/>
+        <c:crosses val="autoZero"/>
+        <c:crossBetween val="midCat"/>
+      </c:valAx>
+      <c:valAx>
+        <c:axId val="151240704"/>
+        <c:scaling>
+          <c:orientation val="minMax"/>
+          <c:max val="2"/>
+        </c:scaling>
+        <c:delete val="0"/>
+        <c:axPos val="l"/>
+        <c:numFmt formatCode="General" sourceLinked="1"/>
+        <c:majorTickMark val="none"/>
+        <c:minorTickMark val="none"/>
+        <c:tickLblPos val="nextTo"/>
+        <c:crossAx val="151243584"/>
+        <c:crosses val="autoZero"/>
+        <c:crossBetween val="midCat"/>
+        <c:majorUnit val="1"/>
+      </c:valAx>
+    </c:plotArea>
+    <c:plotVisOnly val="1"/>
+    <c:dispBlanksAs val="gap"/>
+    <c:showDLblsOverMax val="0"/>
+  </c:chart>
+  <c:spPr>
+    <a:solidFill>
+      <a:schemeClr val="bg1"/>
+    </a:solidFill>
+    <a:ln>
+      <a:solidFill>
+        <a:schemeClr val="tx1">
+          <a:tint val="75000"/>
+          <a:shade val="95000"/>
+          <a:satMod val="105000"/>
+        </a:schemeClr>
+      </a:solidFill>
+    </a:ln>
+  </c:spPr>
+  <c:externalData r:id="rId1">
+    <c:autoUpdate val="0"/>
+  </c:externalData>
+</c:chartSpace>
+</file>
+
+<file path=ppt/charts/chart5.xml><?xml version="1.0" encoding="utf-8"?>
+<c:chartSpace xmlns:c="http://schemas.openxmlformats.org/drawingml/2006/chart" xmlns:a="http://schemas.openxmlformats.org/drawingml/2006/main" xmlns:r="http://schemas.openxmlformats.org/officeDocument/2006/relationships">
+  <c:date1904 val="0"/>
+  <c:lang val="en-GB"/>
+  <c:roundedCorners val="0"/>
+  <mc:AlternateContent xmlns:mc="http://schemas.openxmlformats.org/markup-compatibility/2006">
+    <mc:Choice xmlns:c14="http://schemas.microsoft.com/office/drawing/2007/8/2/chart" Requires="c14">
+      <c14:style val="102"/>
+    </mc:Choice>
+    <mc:Fallback>
+      <c:style val="2"/>
+    </mc:Fallback>
+  </mc:AlternateContent>
+  <c:chart>
+    <c:title>
+      <c:tx>
+        <c:rich>
+          <a:bodyPr/>
+          <a:lstStyle/>
+          <a:p>
+            <a:pPr>
+              <a:defRPr/>
+            </a:pPr>
+            <a:r>
+              <a:rPr lang="en-US" dirty="0"/>
+              <a:t>Performance measured by F</a:t>
+            </a:r>
+            <a:r>
+              <a:rPr lang="en-US" baseline="-25000" dirty="0"/>
+              <a:t>1</a:t>
+            </a:r>
+            <a:r>
+              <a:rPr lang="en-US" dirty="0"/>
+              <a:t>-Score</a:t>
+            </a:r>
+          </a:p>
+        </c:rich>
+      </c:tx>
+      <c:layout/>
+      <c:overlay val="0"/>
+    </c:title>
+    <c:autoTitleDeleted val="0"/>
+    <c:plotArea>
+      <c:layout/>
+      <c:barChart>
+        <c:barDir val="col"/>
+        <c:grouping val="clustered"/>
+        <c:varyColors val="0"/>
+        <c:ser>
+          <c:idx val="0"/>
+          <c:order val="0"/>
+          <c:tx>
+            <c:strRef>
+              <c:f>Sheet1!$Q$2</c:f>
+              <c:strCache>
+                <c:ptCount val="1"/>
+                <c:pt idx="0">
+                  <c:v>F1-Score</c:v>
+                </c:pt>
+              </c:strCache>
+            </c:strRef>
+          </c:tx>
+          <c:spPr>
+            <a:solidFill>
+              <a:srgbClr val="B40000"/>
+            </a:solidFill>
+          </c:spPr>
+          <c:invertIfNegative val="0"/>
+          <c:cat>
+            <c:strRef>
+              <c:f>Sheet1!$O$3:$O$7</c:f>
+              <c:strCache>
+                <c:ptCount val="5"/>
+                <c:pt idx="0">
+                  <c:v>Juefei-Xu</c:v>
+                </c:pt>
+                <c:pt idx="1">
+                  <c:v>Li</c:v>
+                </c:pt>
+                <c:pt idx="2">
+                  <c:v>Marcos</c:v>
+                </c:pt>
+                <c:pt idx="3">
+                  <c:v>ResNet</c:v>
+                </c:pt>
+                <c:pt idx="4">
+                  <c:v>VGG</c:v>
+                </c:pt>
+              </c:strCache>
+            </c:strRef>
+          </c:cat>
+          <c:val>
+            <c:numRef>
+              <c:f>Sheet1!$Q$3:$Q$7</c:f>
+              <c:numCache>
+                <c:formatCode>General</c:formatCode>
+                <c:ptCount val="5"/>
+                <c:pt idx="0">
+                  <c:v>84.85</c:v>
+                </c:pt>
+                <c:pt idx="1">
+                  <c:v>83.02</c:v>
+                </c:pt>
+                <c:pt idx="2">
+                  <c:v>66.8</c:v>
+                </c:pt>
+                <c:pt idx="3">
+                  <c:v>75.510000000000005</c:v>
+                </c:pt>
+                <c:pt idx="4">
+                  <c:v>77.680000000000007</c:v>
+                </c:pt>
+              </c:numCache>
+            </c:numRef>
+          </c:val>
+        </c:ser>
+        <c:dLbls>
+          <c:showLegendKey val="0"/>
+          <c:showVal val="0"/>
+          <c:showCatName val="0"/>
+          <c:showSerName val="0"/>
+          <c:showPercent val="0"/>
+          <c:showBubbleSize val="0"/>
+        </c:dLbls>
+        <c:gapWidth val="100"/>
+        <c:axId val="160927232"/>
+        <c:axId val="195670528"/>
+      </c:barChart>
+      <c:catAx>
+        <c:axId val="160927232"/>
+        <c:scaling>
+          <c:orientation val="minMax"/>
+        </c:scaling>
+        <c:delete val="0"/>
+        <c:axPos val="b"/>
+        <c:majorTickMark val="out"/>
+        <c:minorTickMark val="none"/>
+        <c:tickLblPos val="nextTo"/>
+        <c:crossAx val="195670528"/>
+        <c:crosses val="autoZero"/>
+        <c:auto val="1"/>
+        <c:lblAlgn val="ctr"/>
+        <c:lblOffset val="100"/>
+        <c:noMultiLvlLbl val="0"/>
+      </c:catAx>
+      <c:valAx>
+        <c:axId val="195670528"/>
+        <c:scaling>
+          <c:orientation val="minMax"/>
+        </c:scaling>
+        <c:delete val="0"/>
+        <c:axPos val="l"/>
+        <c:majorGridlines/>
+        <c:numFmt formatCode="General" sourceLinked="1"/>
+        <c:majorTickMark val="out"/>
+        <c:minorTickMark val="none"/>
+        <c:tickLblPos val="nextTo"/>
+        <c:crossAx val="160927232"/>
+        <c:crosses val="autoZero"/>
+        <c:crossBetween val="between"/>
+      </c:valAx>
+    </c:plotArea>
+    <c:plotVisOnly val="1"/>
+    <c:dispBlanksAs val="gap"/>
+    <c:showDLblsOverMax val="0"/>
+  </c:chart>
+  <c:txPr>
+    <a:bodyPr/>
+    <a:lstStyle/>
+    <a:p>
+      <a:pPr>
+        <a:defRPr sz="2400" baseline="0"/>
+      </a:pPr>
+      <a:endParaRPr lang="en-US"/>
+    </a:p>
+  </c:txPr>
+  <c:externalData r:id="rId1">
+    <c:autoUpdate val="0"/>
+  </c:externalData>
+</c:chartSpace>
+</file>
+
+<file path=ppt/comments/comment1.xml><?xml version="1.0" encoding="utf-8"?>
+<p:cmLst xmlns:a="http://schemas.openxmlformats.org/drawingml/2006/main" xmlns:r="http://schemas.openxmlformats.org/officeDocument/2006/relationships" xmlns:p="http://schemas.openxmlformats.org/presentationml/2006/main">
+  <p:cm authorId="0" dt="2018-12-23T20:47:39.315" idx="6">
+    <p:pos x="14912" y="3216"/>
+    <p:text>This is not very informativce</p:text>
+  </p:cm>
+  <p:cm authorId="0" dt="2018-12-23T20:47:58.486" idx="7">
+    <p:pos x="13106" y="2268"/>
+    <p:text>This is missing something</p:text>
+  </p:cm>
+  <p:cm authorId="0" dt="2018-12-23T20:52:35.737" idx="11">
+    <p:pos x="10" y="10"/>
+    <p:text>
+Nice work!
+I think it looks much better now, and I believe that the su´ggested small changes can improve it even futrther.  </p:text>
+  </p:cm>
+  <p:cm authorId="0" dt="2018-12-23T20:53:24.298" idx="13">
+    <p:pos x="11032" y="5856"/>
+    <p:text>Not very informative</p:text>
+  </p:cm>
+</p:cmLst>
 </file>
 
 <file path=ppt/handoutMasters/handoutMaster1.xml><?xml version="1.0" encoding="utf-8"?>
@@ -4554,141 +5304,14 @@
       </p:grpSpPr>
       <p:sp>
         <p:nvSpPr>
-          <p:cNvPr id="19458" name="Rectangle 2"/>
-          <p:cNvSpPr>
-            <a:spLocks noGrp="1" noChangeArrowheads="1"/>
-          </p:cNvSpPr>
-          <p:nvPr>
-            <p:ph type="title"/>
-          </p:nvPr>
-        </p:nvSpPr>
-        <p:spPr>
-          <a:xfrm>
-            <a:off x="6350205" y="-144635"/>
-            <a:ext cx="25220773" cy="2801937"/>
-          </a:xfrm>
-          <a:ln w="76200">
-            <a:noFill/>
-            <a:prstDash val="sysDot"/>
-          </a:ln>
-        </p:spPr>
-        <p:txBody>
-          <a:bodyPr/>
-          <a:lstStyle/>
-          <a:p>
-            <a:pPr algn="ctr"/>
-            <a:r>
-              <a:rPr lang="en-US" sz="11000" dirty="0" smtClean="0">
-                <a:solidFill>
-                  <a:schemeClr val="tx1"/>
-                </a:solidFill>
-              </a:rPr>
-              <a:t>Detecting Cancer with Texture</a:t>
-            </a:r>
-            <a:endParaRPr lang="en-US" sz="11000" dirty="0">
-              <a:solidFill>
-                <a:schemeClr val="tx1"/>
-              </a:solidFill>
-            </a:endParaRPr>
-          </a:p>
-        </p:txBody>
-      </p:sp>
-      <p:sp>
-        <p:nvSpPr>
-          <p:cNvPr id="6" name="Rounded Rectangle 5"/>
+          <p:cNvPr id="42" name="Rounded Rectangle 41"/>
           <p:cNvSpPr/>
           <p:nvPr/>
         </p:nvSpPr>
         <p:spPr bwMode="auto">
           <a:xfrm>
-            <a:off x="7142201" y="5904037"/>
-            <a:ext cx="8101972" cy="11665296"/>
-          </a:xfrm>
-          <a:prstGeom prst="roundRect">
-            <a:avLst/>
-          </a:prstGeom>
-          <a:noFill/>
-          <a:ln>
-            <a:noFill/>
-          </a:ln>
-          <a:effectLst/>
-          <a:extLst>
-            <a:ext uri="{909E8E84-426E-40DD-AFC4-6F175D3DCCD1}">
-              <a14:hiddenFill xmlns:a14="http://schemas.microsoft.com/office/drawing/2010/main">
-                <a:solidFill>
-                  <a:schemeClr val="accent1"/>
-                </a:solidFill>
-              </a14:hiddenFill>
-            </a:ext>
-            <a:ext uri="{91240B29-F687-4F45-9708-019B960494DF}">
-              <a14:hiddenLine xmlns:a14="http://schemas.microsoft.com/office/drawing/2010/main" w="9525" cap="flat" cmpd="sng" algn="ctr">
-                <a:solidFill>
-                  <a:schemeClr val="tx1"/>
-                </a:solidFill>
-                <a:prstDash val="solid"/>
-                <a:round/>
-                <a:headEnd type="none" w="med" len="med"/>
-                <a:tailEnd type="none" w="med" len="med"/>
-              </a14:hiddenLine>
-            </a:ext>
-            <a:ext uri="{AF507438-7753-43E0-B8FC-AC1667EBCBE1}">
-              <a14:hiddenEffects xmlns:a14="http://schemas.microsoft.com/office/drawing/2010/main">
-                <a:effectLst>
-                  <a:outerShdw dist="35921" dir="2700000" algn="ctr" rotWithShape="0">
-                    <a:schemeClr val="bg2"/>
-                  </a:outerShdw>
-                </a:effectLst>
-              </a14:hiddenEffects>
-            </a:ext>
-          </a:extLst>
-        </p:spPr>
-        <p:txBody>
-          <a:bodyPr vert="horz" wrap="square" lIns="457200" tIns="228600" rIns="457200" bIns="228600" numCol="1" rtlCol="0" anchor="t" anchorCtr="0" compatLnSpc="1">
-            <a:prstTxWarp prst="textNoShape">
-              <a:avLst/>
-            </a:prstTxWarp>
-          </a:bodyPr>
-          <a:lstStyle/>
-          <a:p>
-            <a:pPr marL="0" marR="0" indent="0" algn="l" defTabSz="914400" rtl="0" eaLnBrk="1" fontAlgn="base" latinLnBrk="0" hangingPunct="1">
-              <a:lnSpc>
-                <a:spcPct val="100000"/>
-              </a:lnSpc>
-              <a:spcBef>
-                <a:spcPct val="20000"/>
-              </a:spcBef>
-              <a:spcAft>
-                <a:spcPct val="0"/>
-              </a:spcAft>
-              <a:buClrTx/>
-              <a:buSzTx/>
-              <a:buFontTx/>
-              <a:buNone/>
-              <a:tabLst/>
-            </a:pPr>
-            <a:endParaRPr kumimoji="0" lang="en-GB" sz="4600" b="0" i="0" u="none" strike="noStrike" cap="none" normalizeH="0" baseline="0" smtClean="0">
-              <a:ln>
-                <a:noFill/>
-              </a:ln>
-              <a:solidFill>
-                <a:srgbClr val="000000"/>
-              </a:solidFill>
-              <a:effectLst/>
-              <a:latin typeface="Arial" charset="0"/>
-            </a:endParaRPr>
-          </a:p>
-        </p:txBody>
-      </p:sp>
-      <p:sp>
-        <p:nvSpPr>
-          <p:cNvPr id="7" name="Rounded Rectangle 6"/>
-          <p:cNvSpPr/>
-          <p:nvPr/>
-        </p:nvSpPr>
-        <p:spPr bwMode="auto">
-          <a:xfrm>
-            <a:off x="5400825" y="2850756"/>
-            <a:ext cx="8784975" cy="8885929"/>
+            <a:off x="13992225" y="2612036"/>
+            <a:ext cx="18041720" cy="9969043"/>
           </a:xfrm>
           <a:prstGeom prst="roundRect">
             <a:avLst>
@@ -4724,10 +5347,127 @@
           </a:bodyPr>
           <a:lstStyle/>
           <a:p>
+            <a:pPr marL="0" marR="0" indent="0" defTabSz="914400" rtl="0" eaLnBrk="1" fontAlgn="base" latinLnBrk="0" hangingPunct="1">
+              <a:lnSpc>
+                <a:spcPct val="100000"/>
+              </a:lnSpc>
+              <a:spcBef>
+                <a:spcPct val="20000"/>
+              </a:spcBef>
+              <a:spcAft>
+                <a:spcPct val="0"/>
+              </a:spcAft>
+              <a:buClrTx/>
+              <a:buSzTx/>
+              <a:buFontTx/>
+              <a:buNone/>
+              <a:tabLst/>
+            </a:pPr>
+            <a:endParaRPr lang="sv-SE" sz="3200" dirty="0" smtClean="0">
+              <a:solidFill>
+                <a:srgbClr val="000000"/>
+              </a:solidFill>
+              <a:latin typeface="Arial" charset="0"/>
+            </a:endParaRPr>
+          </a:p>
+        </p:txBody>
+      </p:sp>
+      <p:sp>
+        <p:nvSpPr>
+          <p:cNvPr id="19458" name="Rectangle 2"/>
+          <p:cNvSpPr>
+            <a:spLocks noGrp="1" noChangeArrowheads="1"/>
+          </p:cNvSpPr>
+          <p:nvPr>
+            <p:ph type="title"/>
+          </p:nvPr>
+        </p:nvSpPr>
+        <p:spPr>
+          <a:xfrm>
+            <a:off x="6350205" y="-277019"/>
+            <a:ext cx="25220773" cy="2801937"/>
+          </a:xfrm>
+          <a:ln w="76200">
+            <a:noFill/>
+            <a:prstDash val="sysDot"/>
+          </a:ln>
+        </p:spPr>
+        <p:txBody>
+          <a:bodyPr/>
+          <a:lstStyle/>
+          <a:p>
+            <a:pPr algn="ctr"/>
+            <a:r>
+              <a:rPr lang="en-US" sz="8800" dirty="0" smtClean="0">
+                <a:solidFill>
+                  <a:schemeClr val="tx1"/>
+                </a:solidFill>
+              </a:rPr>
+              <a:t>Detecting Cancer using Texture Classification</a:t>
+            </a:r>
+            <a:endParaRPr lang="en-US" sz="11000" dirty="0">
+              <a:solidFill>
+                <a:schemeClr val="tx1"/>
+              </a:solidFill>
+            </a:endParaRPr>
+          </a:p>
+        </p:txBody>
+      </p:sp>
+      <p:sp>
+        <p:nvSpPr>
+          <p:cNvPr id="7" name="Rounded Rectangle 6"/>
+          <p:cNvSpPr/>
+          <p:nvPr/>
+        </p:nvSpPr>
+        <p:spPr bwMode="auto">
+          <a:xfrm>
+            <a:off x="5400826" y="2561490"/>
+            <a:ext cx="8093322" cy="9969043"/>
+          </a:xfrm>
+          <a:prstGeom prst="roundRect">
+            <a:avLst>
+              <a:gd name="adj" fmla="val 4188"/>
+            </a:avLst>
+          </a:prstGeom>
+          <a:solidFill>
+            <a:schemeClr val="bg1">
+              <a:lumMod val="95000"/>
+            </a:schemeClr>
+          </a:solidFill>
+          <a:ln w="76200"/>
+        </p:spPr>
+        <p:style>
+          <a:lnRef idx="2">
+            <a:schemeClr val="dk1"/>
+          </a:lnRef>
+          <a:fillRef idx="1">
+            <a:schemeClr val="lt1"/>
+          </a:fillRef>
+          <a:effectRef idx="0">
+            <a:schemeClr val="dk1"/>
+          </a:effectRef>
+          <a:fontRef idx="minor">
+            <a:schemeClr val="dk1"/>
+          </a:fontRef>
+        </p:style>
+        <p:txBody>
+          <a:bodyPr vert="horz" wrap="square" lIns="144000" tIns="72000" rIns="144000" bIns="72000" numCol="1" rtlCol="0" anchor="t" anchorCtr="0" compatLnSpc="1">
+            <a:prstTxWarp prst="textNoShape">
+              <a:avLst/>
+            </a:prstTxWarp>
+          </a:bodyPr>
+          <a:lstStyle/>
+          <a:p>
             <a:endParaRPr lang="sv-SE" sz="2400" dirty="0" smtClean="0"/>
           </a:p>
           <a:p>
             <a:pPr marL="571500" indent="-571500">
+              <a:spcBef>
+                <a:spcPts val="900"/>
+              </a:spcBef>
+              <a:spcAft>
+                <a:spcPts val="200"/>
+              </a:spcAft>
               <a:buFont typeface="Arial" panose="020B0604020202020204" pitchFamily="34" charset="0"/>
               <a:buChar char="•"/>
             </a:pPr>
@@ -4742,6 +5482,12 @@
           </a:p>
           <a:p>
             <a:pPr marL="571500" indent="-571500">
+              <a:spcBef>
+                <a:spcPts val="900"/>
+              </a:spcBef>
+              <a:spcAft>
+                <a:spcPts val="200"/>
+              </a:spcAft>
               <a:buFont typeface="Arial" panose="020B0604020202020204" pitchFamily="34" charset="0"/>
               <a:buChar char="•"/>
             </a:pPr>
@@ -4760,6 +5506,12 @@
           </a:p>
           <a:p>
             <a:pPr marL="571500" indent="-571500">
+              <a:spcBef>
+                <a:spcPts val="900"/>
+              </a:spcBef>
+              <a:spcAft>
+                <a:spcPts val="200"/>
+              </a:spcAft>
               <a:buFont typeface="Arial" panose="020B0604020202020204" pitchFamily="34" charset="0"/>
               <a:buChar char="•"/>
             </a:pPr>
@@ -4770,6 +5522,12 @@
           </a:p>
           <a:p>
             <a:pPr marL="1028700" lvl="1" indent="-571500">
+              <a:spcBef>
+                <a:spcPts val="900"/>
+              </a:spcBef>
+              <a:spcAft>
+                <a:spcPts val="200"/>
+              </a:spcAft>
               <a:buFont typeface="Wingdings" panose="05000000000000000000" pitchFamily="2" charset="2"/>
               <a:buChar char="Ø"/>
             </a:pPr>
@@ -4793,6 +5551,12 @@
           </a:p>
           <a:p>
             <a:pPr marL="1028700" lvl="1" indent="-571500">
+              <a:spcBef>
+                <a:spcPts val="900"/>
+              </a:spcBef>
+              <a:spcAft>
+                <a:spcPts val="200"/>
+              </a:spcAft>
               <a:buFont typeface="Wingdings" panose="05000000000000000000" pitchFamily="2" charset="2"/>
               <a:buChar char="Ø"/>
             </a:pPr>
@@ -4816,6 +5580,12 @@
           </a:p>
           <a:p>
             <a:pPr marL="1028700" lvl="1" indent="-571500">
+              <a:spcBef>
+                <a:spcPts val="900"/>
+              </a:spcBef>
+              <a:spcAft>
+                <a:spcPts val="200"/>
+              </a:spcAft>
               <a:buFont typeface="Wingdings" panose="05000000000000000000" pitchFamily="2" charset="2"/>
               <a:buChar char="Ø"/>
             </a:pPr>
@@ -4826,6 +5596,12 @@
           </a:p>
           <a:p>
             <a:pPr marL="571500" indent="-571500">
+              <a:spcBef>
+                <a:spcPts val="900"/>
+              </a:spcBef>
+              <a:spcAft>
+                <a:spcPts val="200"/>
+              </a:spcAft>
               <a:buFont typeface="Arial" panose="020B0604020202020204" pitchFamily="34" charset="0"/>
               <a:buChar char="•"/>
             </a:pPr>
@@ -4877,7 +5653,7 @@
         </p:nvSpPr>
         <p:spPr bwMode="auto">
           <a:xfrm>
-            <a:off x="8438517" y="14481120"/>
+            <a:off x="8438517" y="15425253"/>
             <a:ext cx="5055630" cy="3744416"/>
           </a:xfrm>
           <a:prstGeom prst="roundRect">
@@ -4963,8 +5739,8 @@
         </p:nvSpPr>
         <p:spPr>
           <a:xfrm>
-            <a:off x="7762692" y="2447653"/>
-            <a:ext cx="4061241" cy="800219"/>
+            <a:off x="7176159" y="2167333"/>
+            <a:ext cx="4542657" cy="800219"/>
           </a:xfrm>
           <a:prstGeom prst="rect">
             <a:avLst/>
@@ -4991,7 +5767,7 @@
                   <a:schemeClr val="accent3"/>
                 </a:solidFill>
               </a:rPr>
-              <a:t>Overview</a:t>
+              <a:t>Project Goals</a:t>
             </a:r>
             <a:endParaRPr lang="en-GB" b="1" dirty="0">
               <a:solidFill>
@@ -5003,16 +5779,16 @@
       </p:sp>
       <p:grpSp>
         <p:nvGrpSpPr>
-          <p:cNvPr id="4" name="Group 3"/>
+          <p:cNvPr id="70" name="Group 69"/>
           <p:cNvGrpSpPr/>
           <p:nvPr/>
         </p:nvGrpSpPr>
         <p:grpSpPr>
           <a:xfrm>
-            <a:off x="14689857" y="12157322"/>
-            <a:ext cx="8784975" cy="9434430"/>
-            <a:chOff x="5400825" y="12455383"/>
-            <a:chExt cx="8784975" cy="9434430"/>
+            <a:off x="13992226" y="13011514"/>
+            <a:ext cx="9525000" cy="9434430"/>
+            <a:chOff x="13992226" y="13011514"/>
+            <a:chExt cx="9525000" cy="9434430"/>
           </a:xfrm>
         </p:grpSpPr>
         <p:sp>
@@ -5023,8 +5799,8 @@
           </p:nvSpPr>
           <p:spPr bwMode="auto">
             <a:xfrm>
-              <a:off x="5400825" y="12872009"/>
-              <a:ext cx="8784975" cy="9017804"/>
+              <a:off x="13992226" y="13428140"/>
+              <a:ext cx="9525000" cy="9017804"/>
             </a:xfrm>
             <a:prstGeom prst="roundRect">
               <a:avLst>
@@ -5093,8 +5869,8 @@
           </p:nvSpPr>
           <p:spPr>
             <a:xfrm>
-              <a:off x="8762596" y="12455383"/>
-              <a:ext cx="1944473" cy="800219"/>
+              <a:off x="17618953" y="13011514"/>
+              <a:ext cx="2128397" cy="800219"/>
             </a:xfrm>
             <a:prstGeom prst="rect">
               <a:avLst/>
@@ -5140,8 +5916,8 @@
         </p:nvSpPr>
         <p:spPr>
           <a:xfrm>
-            <a:off x="14905882" y="13032829"/>
-            <a:ext cx="8784975" cy="4339650"/>
+            <a:off x="14297026" y="13976962"/>
+            <a:ext cx="9393832" cy="4339650"/>
           </a:xfrm>
           <a:prstGeom prst="rect">
             <a:avLst/>
@@ -5219,7 +5995,7 @@
         </p:nvGrpSpPr>
         <p:grpSpPr>
           <a:xfrm>
-            <a:off x="15394642" y="16985058"/>
+            <a:off x="15022498" y="17929191"/>
             <a:ext cx="7504127" cy="4472707"/>
             <a:chOff x="15394642" y="16985058"/>
             <a:chExt cx="7504127" cy="4472707"/>
@@ -5622,8 +6398,8 @@
         </p:nvSpPr>
         <p:spPr bwMode="auto">
           <a:xfrm>
-            <a:off x="23978889" y="12640850"/>
-            <a:ext cx="7992888" cy="8962313"/>
+            <a:off x="23978889" y="13428141"/>
+            <a:ext cx="7992888" cy="9032174"/>
           </a:xfrm>
           <a:prstGeom prst="roundRect">
             <a:avLst>
@@ -5692,7 +6468,7 @@
         </p:nvSpPr>
         <p:spPr>
           <a:xfrm>
-            <a:off x="26095676" y="12240740"/>
+            <a:off x="26095676" y="13011513"/>
             <a:ext cx="3759315" cy="800219"/>
           </a:xfrm>
           <a:prstGeom prst="rect">
@@ -5915,8 +6691,8 @@
         </p:nvSpPr>
         <p:spPr bwMode="auto">
           <a:xfrm>
-            <a:off x="5400825" y="22177845"/>
-            <a:ext cx="26578145" cy="2736304"/>
+            <a:off x="5400825" y="22811581"/>
+            <a:ext cx="26578145" cy="2102568"/>
           </a:xfrm>
           <a:prstGeom prst="roundRect">
             <a:avLst>
@@ -5968,40 +6744,303 @@
               <a:t>  </a:t>
             </a:r>
             <a:r>
+              <a:rPr lang="en-GB" sz="2030" dirty="0" smtClean="0"/>
+              <a:t>H </a:t>
+            </a:r>
+            <a:r>
+              <a:rPr lang="en-GB" sz="2030" dirty="0" err="1"/>
+              <a:t>Wieslander</a:t>
+            </a:r>
+            <a:r>
+              <a:rPr lang="en-GB" sz="2030" dirty="0"/>
+              <a:t>, </a:t>
+            </a:r>
+            <a:r>
+              <a:rPr lang="en-GB" sz="2030" dirty="0" smtClean="0"/>
+              <a:t>G </a:t>
+            </a:r>
+            <a:r>
+              <a:rPr lang="en-GB" sz="2030" dirty="0" err="1"/>
+              <a:t>Forslid</a:t>
+            </a:r>
+            <a:r>
+              <a:rPr lang="en-GB" sz="2030" dirty="0"/>
+              <a:t>, </a:t>
+            </a:r>
+            <a:r>
+              <a:rPr lang="en-GB" sz="2030" dirty="0" smtClean="0"/>
+              <a:t>E </a:t>
+            </a:r>
+            <a:r>
+              <a:rPr lang="en-GB" sz="2030" dirty="0" err="1"/>
+              <a:t>Bengtsson</a:t>
+            </a:r>
+            <a:r>
+              <a:rPr lang="en-GB" sz="2030" dirty="0"/>
+              <a:t>, </a:t>
+            </a:r>
+            <a:r>
+              <a:rPr lang="en-GB" sz="2030" dirty="0" smtClean="0"/>
+              <a:t>C </a:t>
+            </a:r>
+            <a:r>
               <a:rPr lang="en-GB" sz="2030" dirty="0" err="1" smtClean="0"/>
-              <a:t>Håkan</a:t>
+              <a:t>Wählby</a:t>
+            </a:r>
+            <a:r>
+              <a:rPr lang="en-GB" sz="2030" dirty="0" smtClean="0"/>
+              <a:t>, J Hirsch, C </a:t>
+            </a:r>
+            <a:r>
+              <a:rPr lang="en-GB" sz="2030" dirty="0" err="1" smtClean="0"/>
+              <a:t>Runow</a:t>
+            </a:r>
+            <a:r>
+              <a:rPr lang="en-GB" sz="2030" dirty="0" smtClean="0"/>
+              <a:t> Stark, S </a:t>
+            </a:r>
+            <a:r>
+              <a:rPr lang="en-GB" sz="2030" dirty="0" err="1"/>
+              <a:t>Kecheril</a:t>
+            </a:r>
+            <a:r>
+              <a:rPr lang="en-GB" sz="2030" dirty="0"/>
+              <a:t> </a:t>
+            </a:r>
+            <a:r>
+              <a:rPr lang="en-GB" sz="2030" dirty="0" err="1"/>
+              <a:t>Sadanandan</a:t>
+            </a:r>
+            <a:r>
+              <a:rPr lang="en-GB" sz="2030" dirty="0"/>
+              <a:t>. Deep convolutional neural networks </a:t>
+            </a:r>
+            <a:r>
+              <a:rPr lang="en-GB" sz="2030" dirty="0" smtClean="0"/>
+              <a:t>for detecting </a:t>
+            </a:r>
+            <a:r>
+              <a:rPr lang="en-GB" sz="2030" dirty="0"/>
+              <a:t>cellular changes due to malignancy. </a:t>
+            </a:r>
+            <a:r>
+              <a:rPr lang="en-GB" sz="2030" dirty="0" smtClean="0"/>
+              <a:t>In </a:t>
+            </a:r>
+            <a:r>
+              <a:rPr lang="en-GB" sz="2030" i="1" dirty="0" smtClean="0"/>
+              <a:t>CVPR</a:t>
+            </a:r>
+            <a:r>
+              <a:rPr lang="en-GB" sz="2030" dirty="0" smtClean="0"/>
+              <a:t>, pages 82–89</a:t>
+            </a:r>
+            <a:r>
+              <a:rPr lang="en-GB" sz="2030" dirty="0"/>
+              <a:t>, 2017</a:t>
+            </a:r>
+          </a:p>
+          <a:p>
+            <a:r>
+              <a:rPr lang="fi-FI" sz="2030" dirty="0" smtClean="0"/>
+              <a:t>[2]   T Ojala</a:t>
+            </a:r>
+            <a:r>
+              <a:rPr lang="fi-FI" sz="2030" dirty="0"/>
+              <a:t>, </a:t>
+            </a:r>
+            <a:r>
+              <a:rPr lang="fi-FI" sz="2030" dirty="0" smtClean="0"/>
+              <a:t>M </a:t>
+            </a:r>
+            <a:r>
+              <a:rPr lang="fi-FI" sz="2030" dirty="0"/>
+              <a:t>Pietikainen, </a:t>
+            </a:r>
+            <a:r>
+              <a:rPr lang="fi-FI" sz="2030" dirty="0" smtClean="0"/>
+              <a:t>T </a:t>
+            </a:r>
+            <a:r>
+              <a:rPr lang="fi-FI" sz="2030" dirty="0"/>
+              <a:t>Maenpaa. Multiresolution </a:t>
+            </a:r>
+            <a:r>
+              <a:rPr lang="en-GB" sz="2030" dirty="0" err="1"/>
+              <a:t>gray</a:t>
+            </a:r>
+            <a:r>
+              <a:rPr lang="en-GB" sz="2030" dirty="0"/>
+              <a:t>-scale and rotation invariant texture classification with local binary patterns</a:t>
+            </a:r>
+            <a:r>
+              <a:rPr lang="en-GB" sz="2030" dirty="0" smtClean="0"/>
+              <a:t>.</a:t>
+            </a:r>
+            <a:r>
+              <a:rPr lang="en-GB" sz="2030" i="1" dirty="0" smtClean="0"/>
+              <a:t> </a:t>
+            </a:r>
+            <a:r>
+              <a:rPr lang="en-GB" sz="2030" i="1" dirty="0"/>
+              <a:t>IEEE Transactions on </a:t>
+            </a:r>
+            <a:r>
+              <a:rPr lang="en-GB" sz="2030" i="1" dirty="0" smtClean="0"/>
+              <a:t>PAMI</a:t>
+            </a:r>
+            <a:r>
+              <a:rPr lang="en-GB" sz="2030" dirty="0" smtClean="0"/>
+              <a:t>, 24(7</a:t>
+            </a:r>
+            <a:r>
+              <a:rPr lang="en-GB" sz="2030" dirty="0"/>
+              <a:t>):971–987, 2002</a:t>
+            </a:r>
+            <a:r>
+              <a:rPr lang="en-GB" sz="2030" dirty="0" smtClean="0"/>
+              <a:t>.</a:t>
+            </a:r>
+            <a:endParaRPr lang="en-GB" sz="2030" dirty="0"/>
+          </a:p>
+          <a:p>
+            <a:r>
+              <a:rPr lang="en-GB" sz="2030" dirty="0" smtClean="0"/>
+              <a:t>[3]   F </a:t>
+            </a:r>
+            <a:r>
+              <a:rPr lang="en-GB" sz="2030" dirty="0" err="1" smtClean="0"/>
+              <a:t>Juefei</a:t>
+            </a:r>
+            <a:r>
+              <a:rPr lang="en-GB" sz="2030" dirty="0" smtClean="0"/>
+              <a:t>-Xu</a:t>
+            </a:r>
+            <a:r>
+              <a:rPr lang="en-GB" sz="2030" dirty="0"/>
+              <a:t>, </a:t>
+            </a:r>
+            <a:r>
+              <a:rPr lang="en-GB" sz="2030" dirty="0" smtClean="0"/>
+              <a:t>V </a:t>
+            </a:r>
+            <a:r>
+              <a:rPr lang="en-GB" sz="2030" dirty="0" err="1"/>
+              <a:t>Boddeti</a:t>
+            </a:r>
+            <a:r>
+              <a:rPr lang="en-GB" sz="2030" dirty="0"/>
+              <a:t>, </a:t>
+            </a:r>
+            <a:r>
+              <a:rPr lang="en-GB" sz="2030" dirty="0" smtClean="0"/>
+              <a:t>M </a:t>
+            </a:r>
+            <a:r>
+              <a:rPr lang="en-GB" sz="2030" dirty="0" err="1"/>
+              <a:t>Savvides</a:t>
+            </a:r>
+            <a:r>
+              <a:rPr lang="en-GB" sz="2030" dirty="0"/>
+              <a:t>. </a:t>
+            </a:r>
+            <a:r>
+              <a:rPr lang="en-GB" sz="2030" dirty="0" smtClean="0"/>
+              <a:t>Local binary </a:t>
+            </a:r>
+            <a:r>
+              <a:rPr lang="en-GB" sz="2030" dirty="0"/>
+              <a:t>convolutional neural networks. </a:t>
+            </a:r>
+            <a:r>
+              <a:rPr lang="en-GB" sz="2030" dirty="0" smtClean="0"/>
+              <a:t>In </a:t>
+            </a:r>
+            <a:r>
+              <a:rPr lang="en-GB" sz="2030" i="1" dirty="0" smtClean="0"/>
+              <a:t>CVPR,</a:t>
             </a:r>
             <a:r>
               <a:rPr lang="en-GB" sz="2030" dirty="0" smtClean="0"/>
               <a:t> </a:t>
             </a:r>
             <a:r>
-              <a:rPr lang="en-GB" sz="2030" dirty="0" err="1"/>
-              <a:t>Wieslander</a:t>
-            </a:r>
-            <a:r>
               <a:rPr lang="en-GB" sz="2030" dirty="0"/>
-              <a:t>, Gustav </a:t>
-            </a:r>
-            <a:r>
-              <a:rPr lang="en-GB" sz="2030" dirty="0" err="1"/>
-              <a:t>Forslid</a:t>
+              <a:t>volume </a:t>
+            </a:r>
+            <a:r>
+              <a:rPr lang="en-GB" sz="2030" dirty="0" smtClean="0"/>
+              <a:t>1, 2017.</a:t>
+            </a:r>
+          </a:p>
+          <a:p>
+            <a:r>
+              <a:rPr lang="en-GB" sz="2030" dirty="0" smtClean="0"/>
+              <a:t>[4]   L </a:t>
+            </a:r>
+            <a:r>
+              <a:rPr lang="en-GB" sz="2030" dirty="0"/>
+              <a:t>Li, </a:t>
+            </a:r>
+            <a:r>
+              <a:rPr lang="en-GB" sz="2030" dirty="0" smtClean="0"/>
+              <a:t>X </a:t>
+            </a:r>
+            <a:r>
+              <a:rPr lang="en-GB" sz="2030" dirty="0"/>
+              <a:t>Feng, </a:t>
+            </a:r>
+            <a:r>
+              <a:rPr lang="en-GB" sz="2030" dirty="0" smtClean="0"/>
+              <a:t>Z </a:t>
+            </a:r>
+            <a:r>
+              <a:rPr lang="en-GB" sz="2030" dirty="0"/>
+              <a:t>Xia, </a:t>
+            </a:r>
+            <a:r>
+              <a:rPr lang="en-GB" sz="2030" dirty="0" smtClean="0"/>
+              <a:t>X Jiang</a:t>
             </a:r>
             <a:r>
               <a:rPr lang="en-GB" sz="2030" dirty="0"/>
               <a:t>, </a:t>
             </a:r>
             <a:r>
-              <a:rPr lang="en-GB" sz="2030" dirty="0" err="1"/>
-              <a:t>Ewert</a:t>
+              <a:rPr lang="en-GB" sz="2030" dirty="0" smtClean="0"/>
+              <a:t>A </a:t>
+            </a:r>
+            <a:r>
+              <a:rPr lang="en-GB" sz="2030" dirty="0" err="1" smtClean="0"/>
+              <a:t>Hadid</a:t>
+            </a:r>
+            <a:r>
+              <a:rPr lang="en-GB" sz="2030" dirty="0" smtClean="0"/>
+              <a:t>. Face </a:t>
             </a:r>
             <a:r>
               <a:rPr lang="en-GB" sz="2030" dirty="0"/>
-              <a:t> </a:t>
-            </a:r>
-            <a:r>
-              <a:rPr lang="en-GB" sz="2030" dirty="0" err="1"/>
-              <a:t>Bengtsson</a:t>
+              <a:t>spoofing detection with local binary pattern </a:t>
+            </a:r>
+            <a:r>
+              <a:rPr lang="en-GB" sz="2030" dirty="0" smtClean="0"/>
+              <a:t>network. </a:t>
+            </a:r>
+            <a:r>
+              <a:rPr lang="en-GB" sz="2030" i="1" dirty="0" smtClean="0"/>
+              <a:t>Journal </a:t>
+            </a:r>
+            <a:r>
+              <a:rPr lang="en-GB" sz="2030" i="1" dirty="0"/>
+              <a:t>of Visual Communication and Image </a:t>
+            </a:r>
+            <a:r>
+              <a:rPr lang="en-GB" sz="2030" i="1" dirty="0" smtClean="0"/>
+              <a:t>Representation</a:t>
+            </a:r>
+            <a:r>
+              <a:rPr lang="en-GB" sz="2030" dirty="0" smtClean="0"/>
+              <a:t>, 54:182–192</a:t>
             </a:r>
             <a:r>
               <a:rPr lang="en-GB" sz="2030" dirty="0"/>
@@ -6009,290 +7048,29 @@
             </a:r>
             <a:r>
               <a:rPr lang="en-GB" sz="2030" dirty="0" smtClean="0"/>
-              <a:t>Carolina </a:t>
+              <a:t>2018.</a:t>
+            </a:r>
+          </a:p>
+          <a:p>
+            <a:r>
+              <a:rPr lang="sv-SE" sz="2030" dirty="0" smtClean="0"/>
+              <a:t>[5]   </a:t>
+            </a:r>
+            <a:r>
+              <a:rPr lang="en-GB" sz="2030" dirty="0" smtClean="0"/>
+              <a:t>D </a:t>
+            </a:r>
+            <a:r>
+              <a:rPr lang="en-GB" sz="2030" dirty="0"/>
+              <a:t>Marcos, </a:t>
+            </a:r>
+            <a:r>
+              <a:rPr lang="en-GB" sz="2030" dirty="0" smtClean="0"/>
+              <a:t>M </a:t>
             </a:r>
             <a:r>
               <a:rPr lang="en-GB" sz="2030" dirty="0" err="1" smtClean="0"/>
-              <a:t>Wählby</a:t>
-            </a:r>
-            <a:r>
-              <a:rPr lang="en-GB" sz="2030" dirty="0" smtClean="0"/>
-              <a:t>, Jan-Michael Hirsch, Christina </a:t>
-            </a:r>
-            <a:r>
-              <a:rPr lang="en-GB" sz="2030" dirty="0" err="1" smtClean="0"/>
-              <a:t>Runow</a:t>
-            </a:r>
-            <a:r>
-              <a:rPr lang="en-GB" sz="2030" dirty="0" smtClean="0"/>
-              <a:t> Stark, and </a:t>
-            </a:r>
-            <a:r>
-              <a:rPr lang="en-GB" sz="2030" dirty="0" err="1" smtClean="0"/>
-              <a:t>Sajith</a:t>
-            </a:r>
-            <a:r>
-              <a:rPr lang="en-GB" sz="2030" dirty="0" smtClean="0"/>
-              <a:t> </a:t>
-            </a:r>
-            <a:r>
-              <a:rPr lang="en-GB" sz="2030" dirty="0" err="1"/>
-              <a:t>Kecheril</a:t>
-            </a:r>
-            <a:r>
-              <a:rPr lang="en-GB" sz="2030" dirty="0"/>
-              <a:t> </a:t>
-            </a:r>
-            <a:r>
-              <a:rPr lang="en-GB" sz="2030" dirty="0" err="1"/>
-              <a:t>Sadanandan</a:t>
-            </a:r>
-            <a:r>
-              <a:rPr lang="en-GB" sz="2030" dirty="0"/>
-              <a:t>. Deep convolutional neural networks </a:t>
-            </a:r>
-            <a:r>
-              <a:rPr lang="en-GB" sz="2030" dirty="0" smtClean="0"/>
-              <a:t>for detecting </a:t>
-            </a:r>
-            <a:r>
-              <a:rPr lang="en-GB" sz="2030" dirty="0"/>
-              <a:t>cellular changes due to malignancy. </a:t>
-            </a:r>
-            <a:r>
-              <a:rPr lang="en-GB" sz="2030" dirty="0" smtClean="0"/>
-              <a:t>In </a:t>
-            </a:r>
-            <a:r>
-              <a:rPr lang="en-GB" sz="2030" i="1" dirty="0" smtClean="0"/>
-              <a:t>Proceedings </a:t>
-            </a:r>
-            <a:r>
-              <a:rPr lang="en-GB" sz="2030" i="1" dirty="0"/>
-              <a:t>of </a:t>
-            </a:r>
-            <a:r>
-              <a:rPr lang="en-GB" sz="2030" i="1" dirty="0" smtClean="0"/>
-              <a:t>the IEEE </a:t>
-            </a:r>
-            <a:r>
-              <a:rPr lang="en-GB" sz="2030" i="1" dirty="0"/>
-              <a:t>Conference on Computer Vision and Pattern </a:t>
-            </a:r>
-            <a:r>
-              <a:rPr lang="en-GB" sz="2030" i="1" dirty="0" smtClean="0"/>
-              <a:t>Recognition</a:t>
-            </a:r>
-            <a:r>
-              <a:rPr lang="en-GB" sz="2030" dirty="0" smtClean="0"/>
-              <a:t>, pages 82–89</a:t>
-            </a:r>
-            <a:r>
-              <a:rPr lang="en-GB" sz="2030" dirty="0"/>
-              <a:t>, 2017</a:t>
-            </a:r>
-          </a:p>
-          <a:p>
-            <a:r>
-              <a:rPr lang="fi-FI" sz="2030" dirty="0" smtClean="0"/>
-              <a:t>[2]   Timo </a:t>
-            </a:r>
-            <a:r>
-              <a:rPr lang="fi-FI" sz="2030" dirty="0"/>
-              <a:t>Ojala, Matti Pietikainen, and Topi Maenpaa. Multiresolution </a:t>
-            </a:r>
-            <a:r>
-              <a:rPr lang="en-GB" sz="2030" dirty="0" err="1"/>
-              <a:t>gray</a:t>
-            </a:r>
-            <a:r>
-              <a:rPr lang="en-GB" sz="2030" dirty="0"/>
-              <a:t>-scale and rotation invariant texture classification with local binary patterns</a:t>
-            </a:r>
-            <a:r>
-              <a:rPr lang="en-GB" sz="2030" dirty="0" smtClean="0"/>
-              <a:t>.</a:t>
-            </a:r>
-            <a:r>
-              <a:rPr lang="en-GB" sz="2030" i="1" dirty="0" smtClean="0"/>
-              <a:t> </a:t>
-            </a:r>
-            <a:r>
-              <a:rPr lang="en-GB" sz="2030" i="1" dirty="0"/>
-              <a:t>IEEE Transactions on pattern analysis and </a:t>
-            </a:r>
-            <a:r>
-              <a:rPr lang="en-GB" sz="2030" i="1" dirty="0" smtClean="0"/>
-              <a:t>machine intelligence</a:t>
-            </a:r>
-            <a:r>
-              <a:rPr lang="en-GB" sz="2030" dirty="0" smtClean="0"/>
-              <a:t>, 24(7</a:t>
-            </a:r>
-            <a:r>
-              <a:rPr lang="en-GB" sz="2030" dirty="0"/>
-              <a:t>):971–987, 2002</a:t>
-            </a:r>
-            <a:r>
-              <a:rPr lang="en-GB" sz="2030" dirty="0" smtClean="0"/>
-              <a:t>.</a:t>
-            </a:r>
-            <a:endParaRPr lang="en-GB" sz="2030" dirty="0"/>
-          </a:p>
-          <a:p>
-            <a:r>
-              <a:rPr lang="en-GB" sz="2030" dirty="0" smtClean="0"/>
-              <a:t>[3]   Felix </a:t>
-            </a:r>
-            <a:r>
-              <a:rPr lang="en-GB" sz="2030" dirty="0" err="1"/>
-              <a:t>Juefei</a:t>
-            </a:r>
-            <a:r>
-              <a:rPr lang="en-GB" sz="2030" dirty="0"/>
-              <a:t>-Xu, Vishnu Naresh </a:t>
-            </a:r>
-            <a:r>
-              <a:rPr lang="en-GB" sz="2030" dirty="0" err="1"/>
-              <a:t>Boddeti</a:t>
-            </a:r>
-            <a:r>
-              <a:rPr lang="en-GB" sz="2030" dirty="0"/>
-              <a:t>, and </a:t>
-            </a:r>
-            <a:r>
-              <a:rPr lang="en-GB" sz="2030" dirty="0" err="1"/>
-              <a:t>Marios</a:t>
-            </a:r>
-            <a:r>
-              <a:rPr lang="en-GB" sz="2030" dirty="0"/>
-              <a:t> </a:t>
-            </a:r>
-            <a:r>
-              <a:rPr lang="en-GB" sz="2030" dirty="0" err="1"/>
-              <a:t>Savvides</a:t>
-            </a:r>
-            <a:r>
-              <a:rPr lang="en-GB" sz="2030" dirty="0"/>
-              <a:t>. </a:t>
-            </a:r>
-            <a:r>
-              <a:rPr lang="en-GB" sz="2030" dirty="0" smtClean="0"/>
-              <a:t>Local binary </a:t>
-            </a:r>
-            <a:r>
-              <a:rPr lang="en-GB" sz="2030" dirty="0"/>
-              <a:t>convolutional neural networks. </a:t>
-            </a:r>
-            <a:r>
-              <a:rPr lang="en-GB" sz="2030" dirty="0" smtClean="0"/>
-              <a:t>In </a:t>
-            </a:r>
-            <a:r>
-              <a:rPr lang="en-GB" sz="2030" i="1" dirty="0" smtClean="0"/>
-              <a:t>Computer </a:t>
-            </a:r>
-            <a:r>
-              <a:rPr lang="en-GB" sz="2030" i="1" dirty="0"/>
-              <a:t>Vision and </a:t>
-            </a:r>
-            <a:r>
-              <a:rPr lang="en-GB" sz="2030" i="1" dirty="0" smtClean="0"/>
-              <a:t>Pattern Recognition </a:t>
-            </a:r>
-            <a:r>
-              <a:rPr lang="en-GB" sz="2030" i="1" dirty="0"/>
-              <a:t>(CVPR), 2017 IEEE Conference </a:t>
-            </a:r>
-            <a:r>
-              <a:rPr lang="en-GB" sz="2030" i="1" dirty="0" smtClean="0"/>
-              <a:t>on,</a:t>
-            </a:r>
-            <a:r>
-              <a:rPr lang="en-GB" sz="2030" dirty="0" smtClean="0"/>
-              <a:t> </a:t>
-            </a:r>
-            <a:r>
-              <a:rPr lang="en-GB" sz="2030" dirty="0"/>
-              <a:t>volume 1. IEEE</a:t>
-            </a:r>
-            <a:r>
-              <a:rPr lang="en-GB" sz="2030" dirty="0" smtClean="0"/>
-              <a:t>, 2017.</a:t>
-            </a:r>
-          </a:p>
-          <a:p>
-            <a:r>
-              <a:rPr lang="en-GB" sz="2030" dirty="0" smtClean="0"/>
-              <a:t>[4]   Lei </a:t>
-            </a:r>
-            <a:r>
-              <a:rPr lang="en-GB" sz="2030" dirty="0"/>
-              <a:t>Li, </a:t>
-            </a:r>
-            <a:r>
-              <a:rPr lang="en-GB" sz="2030" dirty="0" err="1"/>
-              <a:t>Xiaoyi</a:t>
-            </a:r>
-            <a:r>
-              <a:rPr lang="en-GB" sz="2030" dirty="0"/>
-              <a:t> Feng, </a:t>
-            </a:r>
-            <a:r>
-              <a:rPr lang="en-GB" sz="2030" dirty="0" err="1"/>
-              <a:t>Zhaoqiang</a:t>
-            </a:r>
-            <a:r>
-              <a:rPr lang="en-GB" sz="2030" dirty="0"/>
-              <a:t> Xia, </a:t>
-            </a:r>
-            <a:r>
-              <a:rPr lang="en-GB" sz="2030" dirty="0" err="1"/>
-              <a:t>Xiaoyue</a:t>
-            </a:r>
-            <a:r>
-              <a:rPr lang="en-GB" sz="2030" dirty="0"/>
-              <a:t> Jiang, and </a:t>
-            </a:r>
-            <a:r>
-              <a:rPr lang="en-GB" sz="2030" dirty="0" err="1" smtClean="0"/>
-              <a:t>Abdenour</a:t>
-            </a:r>
-            <a:r>
-              <a:rPr lang="en-GB" sz="2030" dirty="0" smtClean="0"/>
-              <a:t> </a:t>
-            </a:r>
-            <a:r>
-              <a:rPr lang="en-GB" sz="2030" dirty="0" err="1" smtClean="0"/>
-              <a:t>Hadid</a:t>
-            </a:r>
-            <a:r>
-              <a:rPr lang="en-GB" sz="2030" dirty="0" smtClean="0"/>
-              <a:t>. Face </a:t>
-            </a:r>
-            <a:r>
-              <a:rPr lang="en-GB" sz="2030" dirty="0"/>
-              <a:t>spoofing detection with local binary pattern </a:t>
-            </a:r>
-            <a:r>
-              <a:rPr lang="en-GB" sz="2030" dirty="0" smtClean="0"/>
-              <a:t>network. </a:t>
-            </a:r>
-            <a:r>
-              <a:rPr lang="en-GB" sz="2030" i="1" dirty="0" smtClean="0"/>
-              <a:t>Journal </a:t>
-            </a:r>
-            <a:r>
-              <a:rPr lang="en-GB" sz="2030" i="1" dirty="0"/>
-              <a:t>of Visual Communication and Image </a:t>
-            </a:r>
-            <a:r>
-              <a:rPr lang="en-GB" sz="2030" i="1" dirty="0" smtClean="0"/>
-              <a:t>Representation</a:t>
-            </a:r>
-            <a:r>
-              <a:rPr lang="en-GB" sz="2030" dirty="0" smtClean="0"/>
-              <a:t>, 54:182–192</a:t>
+              <a:t>Volpi</a:t>
             </a:r>
             <a:r>
               <a:rPr lang="en-GB" sz="2030" dirty="0"/>
@@ -6300,29 +7078,7 @@
             </a:r>
             <a:r>
               <a:rPr lang="en-GB" sz="2030" dirty="0" smtClean="0"/>
-              <a:t>2018.</a:t>
-            </a:r>
-          </a:p>
-          <a:p>
-            <a:r>
-              <a:rPr lang="sv-SE" sz="2030" dirty="0" smtClean="0"/>
-              <a:t>[5]   </a:t>
-            </a:r>
-            <a:r>
-              <a:rPr lang="en-GB" sz="2030" dirty="0" smtClean="0"/>
-              <a:t>Diego </a:t>
-            </a:r>
-            <a:r>
-              <a:rPr lang="en-GB" sz="2030" dirty="0"/>
-              <a:t>Marcos, Michele </a:t>
-            </a:r>
-            <a:r>
-              <a:rPr lang="en-GB" sz="2030" dirty="0" err="1"/>
-              <a:t>Volpi</a:t>
-            </a:r>
-            <a:r>
-              <a:rPr lang="en-GB" sz="2030" dirty="0"/>
-              <a:t>, Nikos </a:t>
+              <a:t>N </a:t>
             </a:r>
             <a:r>
               <a:rPr lang="en-GB" sz="2030" dirty="0" err="1"/>
@@ -6330,15 +7086,11 @@
             </a:r>
             <a:r>
               <a:rPr lang="en-GB" sz="2030" dirty="0"/>
-              <a:t>, and </a:t>
-            </a:r>
-            <a:r>
-              <a:rPr lang="en-GB" sz="2030" dirty="0" err="1"/>
-              <a:t>Devis</a:t>
-            </a:r>
-            <a:r>
-              <a:rPr lang="en-GB" sz="2030" dirty="0"/>
-              <a:t> </a:t>
+              <a:t>, </a:t>
+            </a:r>
+            <a:r>
+              <a:rPr lang="en-GB" sz="2030" dirty="0" smtClean="0"/>
+              <a:t>D </a:t>
             </a:r>
             <a:r>
               <a:rPr lang="en-GB" sz="2030" dirty="0" err="1" smtClean="0"/>
@@ -6395,14 +7147,14 @@
           <p:nvPr>
             <p:extLst>
               <p:ext uri="{D42A27DB-BD31-4B8C-83A1-F6EECF244321}">
-                <p14:modId xmlns:p14="http://schemas.microsoft.com/office/powerpoint/2010/main" val="527411289"/>
+                <p14:modId xmlns:p14="http://schemas.microsoft.com/office/powerpoint/2010/main" val="2108574443"/>
               </p:ext>
             </p:extLst>
           </p:nvPr>
         </p:nvGraphicFramePr>
         <p:xfrm>
-          <a:off x="24043705" y="13569449"/>
-          <a:ext cx="7928072" cy="7590551"/>
+          <a:off x="24043705" y="18468181"/>
+          <a:ext cx="7928072" cy="3922682"/>
         </p:xfrm>
         <a:graphic>
           <a:graphicData uri="http://schemas.openxmlformats.org/drawingml/2006/table">
@@ -6415,7 +7167,7 @@
                 <a:gridCol w="2711253"/>
                 <a:gridCol w="2402664"/>
               </a:tblGrid>
-              <a:tr h="1222287">
+              <a:tr h="631659">
                 <a:tc>
                   <a:txBody>
                     <a:bodyPr/>
@@ -6423,10 +7175,10 @@
                     <a:p>
                       <a:pPr algn="ctr"/>
                       <a:r>
-                        <a:rPr lang="sv-SE" sz="4000" dirty="0" smtClean="0"/>
+                        <a:rPr lang="sv-SE" sz="2800" dirty="0" smtClean="0"/>
                         <a:t>Model</a:t>
                       </a:r>
-                      <a:endParaRPr lang="en-GB" sz="4000" dirty="0"/>
+                      <a:endParaRPr lang="en-GB" sz="2800" dirty="0"/>
                     </a:p>
                   </a:txBody>
                   <a:tcPr marL="82307" marR="82307" anchor="ctr">
@@ -6479,10 +7231,10 @@
                     <a:p>
                       <a:pPr algn="ctr"/>
                       <a:r>
-                        <a:rPr lang="sv-SE" sz="4000" dirty="0" smtClean="0"/>
+                        <a:rPr lang="sv-SE" sz="2800" dirty="0" smtClean="0"/>
                         <a:t>Accuracy</a:t>
                       </a:r>
-                      <a:endParaRPr lang="en-GB" sz="4000" dirty="0"/>
+                      <a:endParaRPr lang="en-GB" sz="2800" dirty="0"/>
                     </a:p>
                   </a:txBody>
                   <a:tcPr marL="82307" marR="82307" anchor="ctr">
@@ -6537,10 +7289,18 @@
                     <a:p>
                       <a:pPr algn="ctr"/>
                       <a:r>
-                        <a:rPr lang="sv-SE" sz="4000" dirty="0" smtClean="0"/>
-                        <a:t>F-Score</a:t>
+                        <a:rPr lang="sv-SE" sz="2800" dirty="0" smtClean="0"/>
+                        <a:t>F</a:t>
                       </a:r>
-                      <a:endParaRPr lang="en-GB" sz="4000" dirty="0"/>
+                      <a:r>
+                        <a:rPr lang="sv-SE" sz="2800" baseline="-25000" dirty="0" smtClean="0"/>
+                        <a:t>1</a:t>
+                      </a:r>
+                      <a:r>
+                        <a:rPr lang="sv-SE" sz="2800" dirty="0" smtClean="0"/>
+                        <a:t>-Score</a:t>
+                      </a:r>
+                      <a:endParaRPr lang="en-GB" sz="2800" dirty="0"/>
                     </a:p>
                   </a:txBody>
                   <a:tcPr marL="82307" marR="82307" anchor="ctr">
@@ -6587,7 +7347,7 @@
                   </a:tcPr>
                 </a:tc>
               </a:tr>
-              <a:tr h="1411208">
+              <a:tr h="729291">
                 <a:tc>
                   <a:txBody>
                     <a:bodyPr/>
@@ -6595,14 +7355,10 @@
                     <a:p>
                       <a:pPr algn="ctr"/>
                       <a:r>
-                        <a:rPr lang="sv-SE" sz="4000" dirty="0" smtClean="0"/>
-                        <a:t>Juefei-Xu </a:t>
+                        <a:rPr lang="sv-SE" sz="2800" dirty="0" smtClean="0"/>
+                        <a:t>Juefei-Xu [3]</a:t>
                       </a:r>
-                      <a:r>
-                        <a:rPr lang="sv-SE" sz="4000" dirty="0" smtClean="0"/>
-                        <a:t>[3]</a:t>
-                      </a:r>
-                      <a:endParaRPr lang="en-GB" sz="4000" dirty="0"/>
+                      <a:endParaRPr lang="en-GB" sz="2800" dirty="0"/>
                     </a:p>
                   </a:txBody>
                   <a:tcPr marL="82307" marR="82307" anchor="ctr">
@@ -6649,10 +7405,10 @@
                     <a:p>
                       <a:pPr algn="ctr"/>
                       <a:r>
-                        <a:rPr lang="sv-SE" sz="4000" b="1" dirty="0" smtClean="0"/>
+                        <a:rPr lang="sv-SE" sz="2800" b="1" dirty="0" smtClean="0"/>
                         <a:t>81.03</a:t>
                       </a:r>
-                      <a:endParaRPr lang="en-GB" sz="4000" b="1" dirty="0"/>
+                      <a:endParaRPr lang="en-GB" sz="2800" b="1" dirty="0"/>
                     </a:p>
                   </a:txBody>
                   <a:tcPr marL="82307" marR="82307" anchor="ctr">
@@ -6692,10 +7448,10 @@
                     <a:p>
                       <a:pPr algn="ctr"/>
                       <a:r>
-                        <a:rPr lang="sv-SE" sz="4000" b="1" dirty="0" smtClean="0"/>
+                        <a:rPr lang="sv-SE" sz="2800" b="1" dirty="0" smtClean="0"/>
                         <a:t>84.85</a:t>
                       </a:r>
-                      <a:endParaRPr lang="en-GB" sz="4000" b="1" dirty="0"/>
+                      <a:endParaRPr lang="en-GB" sz="2800" b="1" dirty="0"/>
                     </a:p>
                   </a:txBody>
                   <a:tcPr marL="82307" marR="82307" anchor="ctr">
@@ -6727,7 +7483,7 @@
                   </a:tcPr>
                 </a:tc>
               </a:tr>
-              <a:tr h="1239264">
+              <a:tr h="640433">
                 <a:tc>
                   <a:txBody>
                     <a:bodyPr/>
@@ -6735,14 +7491,10 @@
                     <a:p>
                       <a:pPr algn="ctr"/>
                       <a:r>
-                        <a:rPr lang="sv-SE" sz="4000" dirty="0" smtClean="0"/>
-                        <a:t>Li </a:t>
+                        <a:rPr lang="sv-SE" sz="2800" dirty="0" smtClean="0"/>
+                        <a:t>Li [4]</a:t>
                       </a:r>
-                      <a:r>
-                        <a:rPr lang="sv-SE" sz="4000" dirty="0" smtClean="0"/>
-                        <a:t>[4]</a:t>
-                      </a:r>
-                      <a:endParaRPr lang="en-GB" sz="4000" dirty="0"/>
+                      <a:endParaRPr lang="en-GB" sz="2800" dirty="0"/>
                     </a:p>
                   </a:txBody>
                   <a:tcPr marL="82307" marR="82307" anchor="ctr">
@@ -6789,10 +7541,10 @@
                     <a:p>
                       <a:pPr algn="ctr"/>
                       <a:r>
-                        <a:rPr lang="sv-SE" sz="4000" b="1" dirty="0" smtClean="0"/>
+                        <a:rPr lang="sv-SE" sz="2800" b="1" dirty="0" smtClean="0"/>
                         <a:t>78.57</a:t>
                       </a:r>
-                      <a:endParaRPr lang="en-GB" sz="4000" b="1" dirty="0"/>
+                      <a:endParaRPr lang="en-GB" sz="2800" b="1" dirty="0"/>
                     </a:p>
                   </a:txBody>
                   <a:tcPr marL="82307" marR="82307" anchor="ctr">
@@ -6832,10 +7584,10 @@
                     <a:p>
                       <a:pPr algn="ctr"/>
                       <a:r>
-                        <a:rPr lang="sv-SE" sz="4000" b="1" dirty="0" smtClean="0"/>
+                        <a:rPr lang="sv-SE" sz="2800" b="1" dirty="0" smtClean="0"/>
                         <a:t>83.02</a:t>
                       </a:r>
-                      <a:endParaRPr lang="en-GB" sz="4000" b="1" dirty="0"/>
+                      <a:endParaRPr lang="en-GB" sz="2800" b="1" dirty="0"/>
                     </a:p>
                   </a:txBody>
                   <a:tcPr marL="82307" marR="82307" anchor="ctr">
@@ -6867,7 +7619,7 @@
                   </a:tcPr>
                 </a:tc>
               </a:tr>
-              <a:tr h="1239264">
+              <a:tr h="640433">
                 <a:tc>
                   <a:txBody>
                     <a:bodyPr/>
@@ -6875,14 +7627,10 @@
                     <a:p>
                       <a:pPr algn="ctr"/>
                       <a:r>
-                        <a:rPr lang="sv-SE" sz="4000" dirty="0" smtClean="0"/>
-                        <a:t>Marcos </a:t>
+                        <a:rPr lang="sv-SE" sz="2800" dirty="0" smtClean="0"/>
+                        <a:t>Marcos [5]</a:t>
                       </a:r>
-                      <a:r>
-                        <a:rPr lang="sv-SE" sz="4000" dirty="0" smtClean="0"/>
-                        <a:t>[5]</a:t>
-                      </a:r>
-                      <a:endParaRPr lang="en-GB" sz="4000" dirty="0"/>
+                      <a:endParaRPr lang="en-GB" sz="2800" dirty="0"/>
                     </a:p>
                   </a:txBody>
                   <a:tcPr marL="82307" marR="82307" anchor="ctr">
@@ -6929,10 +7677,10 @@
                     <a:p>
                       <a:pPr algn="ctr"/>
                       <a:r>
-                        <a:rPr lang="sv-SE" sz="4000" b="1" dirty="0" smtClean="0"/>
+                        <a:rPr lang="sv-SE" sz="2800" b="1" dirty="0" smtClean="0"/>
                         <a:t>55.91</a:t>
                       </a:r>
-                      <a:endParaRPr lang="en-GB" sz="4000" b="1" dirty="0"/>
+                      <a:endParaRPr lang="en-GB" sz="2800" b="1" dirty="0"/>
                     </a:p>
                   </a:txBody>
                   <a:tcPr marL="82307" marR="82307" anchor="ctr">
@@ -6972,10 +7720,10 @@
                     <a:p>
                       <a:pPr algn="ctr"/>
                       <a:r>
-                        <a:rPr lang="sv-SE" sz="4000" b="1" dirty="0" smtClean="0"/>
+                        <a:rPr lang="sv-SE" sz="2800" b="1" dirty="0" smtClean="0"/>
                         <a:t>66.80</a:t>
                       </a:r>
-                      <a:endParaRPr lang="en-GB" sz="4000" b="1" dirty="0"/>
+                      <a:endParaRPr lang="en-GB" sz="2800" b="1" dirty="0"/>
                     </a:p>
                   </a:txBody>
                   <a:tcPr marL="82307" marR="82307" anchor="ctr">
@@ -7007,7 +7755,7 @@
                   </a:tcPr>
                 </a:tc>
               </a:tr>
-              <a:tr h="1239264">
+              <a:tr h="640433">
                 <a:tc>
                   <a:txBody>
                     <a:bodyPr/>
@@ -7015,10 +7763,10 @@
                     <a:p>
                       <a:pPr algn="ctr"/>
                       <a:r>
-                        <a:rPr lang="sv-SE" sz="4000" dirty="0" smtClean="0"/>
+                        <a:rPr lang="sv-SE" sz="2800" dirty="0" smtClean="0"/>
                         <a:t>ResNet</a:t>
                       </a:r>
-                      <a:endParaRPr lang="en-GB" sz="4000" dirty="0"/>
+                      <a:endParaRPr lang="en-GB" sz="2800" dirty="0"/>
                     </a:p>
                   </a:txBody>
                   <a:tcPr marL="82307" marR="82307" anchor="ctr">
@@ -7065,10 +7813,10 @@
                     <a:p>
                       <a:pPr algn="ctr"/>
                       <a:r>
-                        <a:rPr lang="sv-SE" sz="4000" b="1" dirty="0" smtClean="0"/>
+                        <a:rPr lang="sv-SE" sz="2800" b="1" dirty="0" smtClean="0"/>
                         <a:t>78.34</a:t>
                       </a:r>
-                      <a:endParaRPr lang="en-GB" sz="4000" b="1" dirty="0"/>
+                      <a:endParaRPr lang="en-GB" sz="2800" b="1" dirty="0"/>
                     </a:p>
                   </a:txBody>
                   <a:tcPr marL="82307" marR="82307" anchor="ctr">
@@ -7108,10 +7856,10 @@
                     <a:p>
                       <a:pPr algn="ctr"/>
                       <a:r>
-                        <a:rPr lang="sv-SE" sz="4000" b="1" dirty="0" smtClean="0"/>
+                        <a:rPr lang="sv-SE" sz="2800" b="1" dirty="0" smtClean="0"/>
                         <a:t>75.51</a:t>
                       </a:r>
-                      <a:endParaRPr lang="en-GB" sz="4000" b="1" dirty="0"/>
+                      <a:endParaRPr lang="en-GB" sz="2800" b="1" dirty="0"/>
                     </a:p>
                   </a:txBody>
                   <a:tcPr marL="82307" marR="82307" anchor="ctr">
@@ -7143,7 +7891,7 @@
                   </a:tcPr>
                 </a:tc>
               </a:tr>
-              <a:tr h="1239264">
+              <a:tr h="640433">
                 <a:tc>
                   <a:txBody>
                     <a:bodyPr/>
@@ -7151,10 +7899,10 @@
                     <a:p>
                       <a:pPr algn="ctr"/>
                       <a:r>
-                        <a:rPr lang="sv-SE" sz="4000" dirty="0" smtClean="0"/>
+                        <a:rPr lang="sv-SE" sz="2800" dirty="0" smtClean="0"/>
                         <a:t>VGG</a:t>
                       </a:r>
-                      <a:endParaRPr lang="en-GB" sz="4000" dirty="0"/>
+                      <a:endParaRPr lang="en-GB" sz="2800" dirty="0"/>
                     </a:p>
                   </a:txBody>
                   <a:tcPr marL="82307" marR="82307" anchor="ctr">
@@ -7199,7 +7947,7 @@
                     <a:p>
                       <a:pPr algn="ctr"/>
                       <a:r>
-                        <a:rPr lang="en-GB" sz="4000" b="1" i="0" kern="1200" dirty="0" smtClean="0">
+                        <a:rPr lang="en-GB" sz="2800" b="1" i="0" kern="1200" dirty="0" smtClean="0">
                           <a:solidFill>
                             <a:schemeClr val="tx1"/>
                           </a:solidFill>
@@ -7210,7 +7958,7 @@
                         </a:rPr>
                         <a:t>80.66</a:t>
                       </a:r>
-                      <a:endParaRPr lang="en-GB" sz="4000" b="1" dirty="0"/>
+                      <a:endParaRPr lang="en-GB" sz="2800" b="1" dirty="0"/>
                     </a:p>
                   </a:txBody>
                   <a:tcPr marL="82307" marR="82307" anchor="ctr">
@@ -7248,10 +7996,10 @@
                     <a:p>
                       <a:pPr algn="ctr"/>
                       <a:r>
-                        <a:rPr lang="sv-SE" sz="4000" b="1" dirty="0" smtClean="0"/>
+                        <a:rPr lang="sv-SE" sz="2800" b="1" dirty="0" smtClean="0"/>
                         <a:t>77.68</a:t>
                       </a:r>
-                      <a:endParaRPr lang="en-GB" sz="4000" b="1" dirty="0"/>
+                      <a:endParaRPr lang="en-GB" sz="2800" b="1" dirty="0"/>
                     </a:p>
                   </a:txBody>
                   <a:tcPr marL="82307" marR="82307" anchor="ctr">
@@ -7285,439 +8033,16 @@
           </a:graphicData>
         </a:graphic>
       </p:graphicFrame>
-      <p:grpSp>
-        <p:nvGrpSpPr>
-          <p:cNvPr id="12" name="Group 11"/>
-          <p:cNvGrpSpPr/>
-          <p:nvPr/>
-        </p:nvGrpSpPr>
-        <p:grpSpPr>
-          <a:xfrm>
-            <a:off x="5400825" y="12267360"/>
-            <a:ext cx="8784976" cy="9295287"/>
-            <a:chOff x="14545841" y="2800056"/>
-            <a:chExt cx="8784976" cy="9295287"/>
-          </a:xfrm>
-        </p:grpSpPr>
-        <p:sp>
-          <p:nvSpPr>
-            <p:cNvPr id="18" name="Rounded Rectangle 17"/>
-            <p:cNvSpPr/>
-            <p:nvPr/>
-          </p:nvSpPr>
-          <p:spPr bwMode="auto">
-            <a:xfrm>
-              <a:off x="14545841" y="3209414"/>
-              <a:ext cx="8784976" cy="8885929"/>
-            </a:xfrm>
-            <a:prstGeom prst="roundRect">
-              <a:avLst>
-                <a:gd name="adj" fmla="val 4188"/>
-              </a:avLst>
-            </a:prstGeom>
-            <a:solidFill>
-              <a:schemeClr val="bg1">
-                <a:lumMod val="95000"/>
-              </a:schemeClr>
-            </a:solidFill>
-            <a:ln w="76200"/>
-          </p:spPr>
-          <p:style>
-            <a:lnRef idx="2">
-              <a:schemeClr val="dk1"/>
-            </a:lnRef>
-            <a:fillRef idx="1">
-              <a:schemeClr val="lt1"/>
-            </a:fillRef>
-            <a:effectRef idx="0">
-              <a:schemeClr val="dk1"/>
-            </a:effectRef>
-            <a:fontRef idx="minor">
-              <a:schemeClr val="dk1"/>
-            </a:fontRef>
-          </p:style>
-          <p:txBody>
-            <a:bodyPr vert="horz" wrap="square" lIns="144000" tIns="72000" rIns="144000" bIns="72000" numCol="1" rtlCol="0" anchor="t" anchorCtr="0" compatLnSpc="1">
-              <a:prstTxWarp prst="textNoShape">
-                <a:avLst/>
-              </a:prstTxWarp>
-            </a:bodyPr>
-            <a:lstStyle/>
-            <a:p>
-              <a:pPr marL="0" marR="0" indent="0" defTabSz="914400" rtl="0" eaLnBrk="1" fontAlgn="base" latinLnBrk="0" hangingPunct="1">
-                <a:lnSpc>
-                  <a:spcPct val="100000"/>
-                </a:lnSpc>
-                <a:spcBef>
-                  <a:spcPct val="20000"/>
-                </a:spcBef>
-                <a:spcAft>
-                  <a:spcPct val="0"/>
-                </a:spcAft>
-                <a:buClrTx/>
-                <a:buSzTx/>
-                <a:buFontTx/>
-                <a:buNone/>
-                <a:tabLst/>
-              </a:pPr>
-              <a:endParaRPr lang="sv-SE" sz="2400" dirty="0" smtClean="0">
-                <a:solidFill>
-                  <a:srgbClr val="000000"/>
-                </a:solidFill>
-                <a:latin typeface="Arial" charset="0"/>
-              </a:endParaRPr>
-            </a:p>
-            <a:p>
-              <a:pPr marL="571500" indent="-571500">
-                <a:buFont typeface="Arial" panose="020B0604020202020204" pitchFamily="34" charset="0"/>
-                <a:buChar char="•"/>
-              </a:pPr>
-              <a:r>
-                <a:rPr lang="sv-SE" sz="3600" dirty="0" smtClean="0"/>
-                <a:t>LBPs [2] </a:t>
-              </a:r>
-              <a:r>
-                <a:rPr lang="sv-SE" sz="3600" dirty="0" smtClean="0"/>
-                <a:t>are </a:t>
-              </a:r>
-              <a:r>
-                <a:rPr lang="sv-SE" sz="3600" dirty="0"/>
-                <a:t>powerful texture </a:t>
-              </a:r>
-              <a:r>
-                <a:rPr lang="sv-SE" sz="3600" dirty="0" smtClean="0"/>
-                <a:t>classifiers</a:t>
-              </a:r>
-            </a:p>
-            <a:p>
-              <a:pPr marL="571500" indent="-571500">
-                <a:buFont typeface="Arial" panose="020B0604020202020204" pitchFamily="34" charset="0"/>
-                <a:buChar char="•"/>
-              </a:pPr>
-              <a:r>
-                <a:rPr lang="sv-SE" sz="3600" dirty="0" smtClean="0"/>
-                <a:t>Compare intensities of </a:t>
-              </a:r>
-              <a:r>
-                <a:rPr lang="sv-SE" sz="3600" dirty="0" smtClean="0"/>
-                <a:t>P </a:t>
-              </a:r>
-              <a:r>
-                <a:rPr lang="sv-SE" sz="3600" dirty="0"/>
-                <a:t>points </a:t>
-              </a:r>
-              <a:r>
-                <a:rPr lang="sv-SE" sz="3600" dirty="0" smtClean="0"/>
-                <a:t>surrounding center </a:t>
-              </a:r>
-              <a:r>
-                <a:rPr lang="sv-SE" sz="3600" dirty="0"/>
-                <a:t>pixel </a:t>
-              </a:r>
-              <a:r>
-                <a:rPr lang="sv-SE" sz="3600" dirty="0" smtClean="0"/>
-                <a:t>at </a:t>
-              </a:r>
-              <a:r>
-                <a:rPr lang="sv-SE" sz="3600" dirty="0" smtClean="0"/>
-                <a:t>radius </a:t>
-              </a:r>
-              <a:r>
-                <a:rPr lang="sv-SE" sz="3600" dirty="0" smtClean="0"/>
-                <a:t>R</a:t>
-              </a:r>
-              <a:endParaRPr lang="sv-SE" sz="3600" dirty="0" smtClean="0"/>
-            </a:p>
-            <a:p>
-              <a:pPr marL="571500" indent="-571500">
-                <a:buFont typeface="Arial" panose="020B0604020202020204" pitchFamily="34" charset="0"/>
-                <a:buChar char="•"/>
-              </a:pPr>
-              <a:r>
-                <a:rPr lang="sv-SE" sz="3600" dirty="0" smtClean="0"/>
-                <a:t>Record either a 1 or a 0 depending which value is greater</a:t>
-              </a:r>
-            </a:p>
-            <a:p>
-              <a:endParaRPr lang="sv-SE" sz="3600" dirty="0" smtClean="0"/>
-            </a:p>
-            <a:p>
-              <a:endParaRPr lang="sv-SE" sz="3600" dirty="0"/>
-            </a:p>
-          </p:txBody>
-        </p:sp>
-        <p:sp>
-          <p:nvSpPr>
-            <p:cNvPr id="19" name="TextBox 18"/>
-            <p:cNvSpPr txBox="1"/>
-            <p:nvPr/>
-          </p:nvSpPr>
-          <p:spPr>
-            <a:xfrm>
-              <a:off x="15350494" y="2800056"/>
-              <a:ext cx="7175670" cy="800219"/>
-            </a:xfrm>
-            <a:prstGeom prst="rect">
-              <a:avLst/>
-            </a:prstGeom>
-            <a:solidFill>
-              <a:srgbClr val="B40000"/>
-            </a:solidFill>
-            <a:ln w="57150">
-              <a:solidFill>
-                <a:schemeClr val="tx1"/>
-              </a:solidFill>
-            </a:ln>
-          </p:spPr>
-          <p:txBody>
-            <a:bodyPr wrap="square" rtlCol="0">
-              <a:spAutoFit/>
-            </a:bodyPr>
-            <a:lstStyle/>
-            <a:p>
-              <a:pPr algn="ctr"/>
-              <a:r>
-                <a:rPr lang="sv-SE" b="1" dirty="0" smtClean="0">
-                  <a:solidFill>
-                    <a:schemeClr val="accent3"/>
-                  </a:solidFill>
-                </a:rPr>
-                <a:t>Local Binary Patterns</a:t>
-              </a:r>
-              <a:endParaRPr lang="en-GB" b="1" dirty="0">
-                <a:solidFill>
-                  <a:schemeClr val="accent3"/>
-                </a:solidFill>
-              </a:endParaRPr>
-            </a:p>
-          </p:txBody>
-        </p:sp>
-        <p:sp>
-          <p:nvSpPr>
-            <p:cNvPr id="9" name="Right Arrow 8"/>
-            <p:cNvSpPr/>
-            <p:nvPr/>
-          </p:nvSpPr>
-          <p:spPr bwMode="auto">
-            <a:xfrm>
-              <a:off x="19010337" y="9016349"/>
-              <a:ext cx="792088" cy="720080"/>
-            </a:xfrm>
-            <a:prstGeom prst="rightArrow">
-              <a:avLst/>
-            </a:prstGeom>
-            <a:solidFill>
-              <a:schemeClr val="tx1"/>
-            </a:solidFill>
-            <a:ln>
-              <a:noFill/>
-            </a:ln>
-            <a:effectLst/>
-            <a:extLst/>
-          </p:spPr>
-          <p:txBody>
-            <a:bodyPr vert="horz" wrap="square" lIns="457200" tIns="228600" rIns="457200" bIns="228600" numCol="1" rtlCol="0" anchor="t" anchorCtr="0" compatLnSpc="1">
-              <a:prstTxWarp prst="textNoShape">
-                <a:avLst/>
-              </a:prstTxWarp>
-            </a:bodyPr>
-            <a:lstStyle/>
-            <a:p>
-              <a:pPr marL="0" marR="0" indent="0" algn="l" defTabSz="914400" rtl="0" eaLnBrk="1" fontAlgn="base" latinLnBrk="0" hangingPunct="1">
-                <a:lnSpc>
-                  <a:spcPct val="100000"/>
-                </a:lnSpc>
-                <a:spcBef>
-                  <a:spcPct val="20000"/>
-                </a:spcBef>
-                <a:spcAft>
-                  <a:spcPct val="0"/>
-                </a:spcAft>
-                <a:buClrTx/>
-                <a:buSzTx/>
-                <a:buFontTx/>
-                <a:buNone/>
-                <a:tabLst/>
-              </a:pPr>
-              <a:endParaRPr kumimoji="0" lang="en-GB" sz="4600" b="0" i="0" u="none" strike="noStrike" cap="none" normalizeH="0" baseline="0" smtClean="0">
-                <a:ln>
-                  <a:noFill/>
-                </a:ln>
-                <a:solidFill>
-                  <a:srgbClr val="000000"/>
-                </a:solidFill>
-                <a:effectLst/>
-                <a:latin typeface="Arial" charset="0"/>
-              </a:endParaRPr>
-            </a:p>
-          </p:txBody>
-        </p:sp>
-        <p:sp>
-          <p:nvSpPr>
-            <p:cNvPr id="10" name="TextBox 9"/>
-            <p:cNvSpPr txBox="1"/>
-            <p:nvPr/>
-          </p:nvSpPr>
-          <p:spPr>
-            <a:xfrm>
-              <a:off x="20183699" y="8351147"/>
-              <a:ext cx="2787078" cy="800219"/>
-            </a:xfrm>
-            <a:prstGeom prst="rect">
-              <a:avLst/>
-            </a:prstGeom>
-            <a:noFill/>
-          </p:spPr>
-          <p:txBody>
-            <a:bodyPr wrap="square" rtlCol="0">
-              <a:spAutoFit/>
-            </a:bodyPr>
-            <a:lstStyle/>
-            <a:p>
-              <a:r>
-                <a:rPr lang="sv-SE" dirty="0" smtClean="0"/>
-                <a:t>00110100</a:t>
-              </a:r>
-              <a:endParaRPr lang="en-GB" dirty="0"/>
-            </a:p>
-          </p:txBody>
-        </p:sp>
-        <p:sp>
-          <p:nvSpPr>
-            <p:cNvPr id="40" name="TextBox 39"/>
-            <p:cNvSpPr txBox="1"/>
-            <p:nvPr/>
-          </p:nvSpPr>
-          <p:spPr>
-            <a:xfrm>
-              <a:off x="20183699" y="9687361"/>
-              <a:ext cx="2787078" cy="800219"/>
-            </a:xfrm>
-            <a:prstGeom prst="rect">
-              <a:avLst/>
-            </a:prstGeom>
-            <a:noFill/>
-          </p:spPr>
-          <p:txBody>
-            <a:bodyPr wrap="square" rtlCol="0">
-              <a:spAutoFit/>
-            </a:bodyPr>
-            <a:lstStyle/>
-            <a:p>
-              <a:r>
-                <a:rPr lang="sv-SE" dirty="0" smtClean="0"/>
-                <a:t>00001101</a:t>
-              </a:r>
-              <a:endParaRPr lang="en-GB" dirty="0"/>
-            </a:p>
-          </p:txBody>
-        </p:sp>
-        <p:sp>
-          <p:nvSpPr>
-            <p:cNvPr id="39" name="TextBox 38"/>
-            <p:cNvSpPr txBox="1"/>
-            <p:nvPr/>
-          </p:nvSpPr>
-          <p:spPr>
-            <a:xfrm>
-              <a:off x="21202899" y="9031158"/>
-              <a:ext cx="615750" cy="800219"/>
-            </a:xfrm>
-            <a:prstGeom prst="rect">
-              <a:avLst/>
-            </a:prstGeom>
-            <a:noFill/>
-          </p:spPr>
-          <p:txBody>
-            <a:bodyPr wrap="square" rtlCol="0">
-              <a:spAutoFit/>
-            </a:bodyPr>
-            <a:lstStyle/>
-            <a:p>
-              <a:pPr algn="ctr"/>
-              <a:r>
-                <a:rPr lang="sv-SE" dirty="0" smtClean="0"/>
-                <a:t>=</a:t>
-              </a:r>
-              <a:endParaRPr lang="en-GB" dirty="0"/>
-            </a:p>
-          </p:txBody>
-        </p:sp>
-        <p:pic>
-          <p:nvPicPr>
-            <p:cNvPr id="37" name="Picture 2"/>
-            <p:cNvPicPr>
-              <a:picLocks noChangeAspect="1" noChangeArrowheads="1"/>
-            </p:cNvPicPr>
-            <p:nvPr/>
-          </p:nvPicPr>
-          <p:blipFill>
-            <a:blip r:embed="rId10" cstate="print">
-              <a:extLst>
-                <a:ext uri="{28A0092B-C50C-407E-A947-70E740481C1C}">
-                  <a14:useLocalDpi xmlns:a14="http://schemas.microsoft.com/office/drawing/2010/main" val="0"/>
-                </a:ext>
-              </a:extLst>
-            </a:blip>
-            <a:srcRect/>
-            <a:stretch>
-              <a:fillRect/>
-            </a:stretch>
-          </p:blipFill>
-          <p:spPr bwMode="auto">
-            <a:xfrm>
-              <a:off x="14976933" y="7488213"/>
-              <a:ext cx="3670453" cy="4583543"/>
-            </a:xfrm>
-            <a:prstGeom prst="rect">
-              <a:avLst/>
-            </a:prstGeom>
-            <a:noFill/>
-            <a:ln>
-              <a:noFill/>
-            </a:ln>
-            <a:effectLst/>
-            <a:extLst>
-              <a:ext uri="{909E8E84-426E-40DD-AFC4-6F175D3DCCD1}">
-                <a14:hiddenFill xmlns:a14="http://schemas.microsoft.com/office/drawing/2010/main">
-                  <a:solidFill>
-                    <a:schemeClr val="accent1"/>
-                  </a:solidFill>
-                </a14:hiddenFill>
-              </a:ext>
-              <a:ext uri="{91240B29-F687-4F45-9708-019B960494DF}">
-                <a14:hiddenLine xmlns:a14="http://schemas.microsoft.com/office/drawing/2010/main" w="9525">
-                  <a:solidFill>
-                    <a:schemeClr val="tx1"/>
-                  </a:solidFill>
-                  <a:miter lim="800000"/>
-                  <a:headEnd/>
-                  <a:tailEnd/>
-                </a14:hiddenLine>
-              </a:ext>
-              <a:ext uri="{AF507438-7753-43E0-B8FC-AC1667EBCBE1}">
-                <a14:hiddenEffects xmlns:a14="http://schemas.microsoft.com/office/drawing/2010/main">
-                  <a:effectLst>
-                    <a:outerShdw dist="35921" dir="2700000" algn="ctr" rotWithShape="0">
-                      <a:schemeClr val="bg2"/>
-                    </a:outerShdw>
-                  </a:effectLst>
-                </a14:hiddenEffects>
-              </a:ext>
-            </a:extLst>
-          </p:spPr>
-        </p:pic>
-      </p:grpSp>
       <p:sp>
         <p:nvSpPr>
-          <p:cNvPr id="42" name="Rounded Rectangle 41"/>
+          <p:cNvPr id="18" name="Rounded Rectangle 17"/>
           <p:cNvSpPr/>
           <p:nvPr/>
         </p:nvSpPr>
         <p:spPr bwMode="auto">
           <a:xfrm>
-            <a:off x="14771705" y="2804700"/>
-            <a:ext cx="17262240" cy="8888923"/>
+            <a:off x="5400825" y="13429680"/>
+            <a:ext cx="8093323" cy="9077101"/>
           </a:xfrm>
           <a:prstGeom prst="roundRect">
             <a:avLst>
@@ -7769,25 +8094,98 @@
               <a:buNone/>
               <a:tabLst/>
             </a:pPr>
-            <a:endParaRPr lang="sv-SE" sz="3200" dirty="0" smtClean="0">
+            <a:endParaRPr lang="sv-SE" sz="2400" dirty="0" smtClean="0">
               <a:solidFill>
                 <a:srgbClr val="000000"/>
               </a:solidFill>
               <a:latin typeface="Arial" charset="0"/>
             </a:endParaRPr>
           </a:p>
+          <a:p>
+            <a:pPr marL="571500" indent="-571500">
+              <a:buFont typeface="Arial" panose="020B0604020202020204" pitchFamily="34" charset="0"/>
+              <a:buChar char="•"/>
+            </a:pPr>
+            <a:r>
+              <a:rPr lang="sv-SE" sz="3600" dirty="0" smtClean="0"/>
+              <a:t>LBPs [2] are </a:t>
+            </a:r>
+            <a:r>
+              <a:rPr lang="sv-SE" sz="3600" dirty="0"/>
+              <a:t>powerful texture </a:t>
+            </a:r>
+            <a:r>
+              <a:rPr lang="sv-SE" sz="3600" dirty="0" smtClean="0"/>
+              <a:t>classifiers</a:t>
+            </a:r>
+          </a:p>
+          <a:p>
+            <a:pPr marL="571500" indent="-571500">
+              <a:buFont typeface="Arial" panose="020B0604020202020204" pitchFamily="34" charset="0"/>
+              <a:buChar char="•"/>
+            </a:pPr>
+            <a:r>
+              <a:rPr lang="en-GB" sz="3600" dirty="0" smtClean="0"/>
+              <a:t>Use intensity level of central pixel to threshold </a:t>
+            </a:r>
+            <a:r>
+              <a:rPr lang="en-GB" sz="3600" dirty="0"/>
+              <a:t>intensity values of P points surrounding </a:t>
+            </a:r>
+            <a:r>
+              <a:rPr lang="en-GB" sz="3600" dirty="0" smtClean="0"/>
+              <a:t>it at </a:t>
+            </a:r>
+            <a:r>
+              <a:rPr lang="en-GB" sz="3600" dirty="0"/>
+              <a:t>radius </a:t>
+            </a:r>
+            <a:r>
+              <a:rPr lang="en-GB" sz="3600" dirty="0" smtClean="0"/>
+              <a:t>R</a:t>
+            </a:r>
+          </a:p>
+          <a:p>
+            <a:pPr marL="571500" indent="-571500">
+              <a:buFont typeface="Arial" panose="020B0604020202020204" pitchFamily="34" charset="0"/>
+              <a:buChar char="•"/>
+            </a:pPr>
+            <a:r>
+              <a:rPr lang="en-GB" sz="3600" dirty="0" smtClean="0"/>
+              <a:t>Binary string gives pattern index</a:t>
+            </a:r>
+            <a:endParaRPr lang="en-GB" sz="3600" dirty="0" smtClean="0"/>
+          </a:p>
+          <a:p>
+            <a:pPr marL="571500" indent="-571500">
+              <a:buFont typeface="Arial" panose="020B0604020202020204" pitchFamily="34" charset="0"/>
+              <a:buChar char="•"/>
+            </a:pPr>
+            <a:r>
+              <a:rPr lang="en-GB" sz="3600" dirty="0" smtClean="0"/>
+              <a:t>Rotational equivalents </a:t>
+            </a:r>
+            <a:r>
+              <a:rPr lang="en-GB" sz="3600" dirty="0" smtClean="0"/>
+              <a:t>may be combined</a:t>
+            </a:r>
+            <a:endParaRPr lang="sv-SE" sz="3600" dirty="0" smtClean="0"/>
+          </a:p>
+          <a:p>
+            <a:endParaRPr lang="sv-SE" sz="3600" dirty="0"/>
+          </a:p>
         </p:txBody>
       </p:sp>
       <p:sp>
         <p:nvSpPr>
-          <p:cNvPr id="43" name="TextBox 42"/>
+          <p:cNvPr id="19" name="TextBox 18"/>
           <p:cNvSpPr txBox="1"/>
           <p:nvPr/>
         </p:nvSpPr>
         <p:spPr>
           <a:xfrm>
-            <a:off x="21804006" y="2231629"/>
-            <a:ext cx="3759315" cy="800219"/>
+            <a:off x="6205478" y="13011515"/>
+            <a:ext cx="6491347" cy="817435"/>
           </a:xfrm>
           <a:prstGeom prst="rect">
             <a:avLst/>
@@ -7814,7 +8212,208 @@
                   <a:schemeClr val="accent3"/>
                 </a:solidFill>
               </a:rPr>
-              <a:t>Models</a:t>
+              <a:t>Local Binary Patterns</a:t>
+            </a:r>
+            <a:endParaRPr lang="en-GB" b="1" dirty="0">
+              <a:solidFill>
+                <a:schemeClr val="accent3"/>
+              </a:solidFill>
+            </a:endParaRPr>
+          </a:p>
+        </p:txBody>
+      </p:sp>
+      <p:sp>
+        <p:nvSpPr>
+          <p:cNvPr id="10" name="TextBox 9"/>
+          <p:cNvSpPr txBox="1"/>
+          <p:nvPr/>
+        </p:nvSpPr>
+        <p:spPr>
+          <a:xfrm>
+            <a:off x="10976547" y="19582492"/>
+            <a:ext cx="2787078" cy="660236"/>
+          </a:xfrm>
+          <a:prstGeom prst="rect">
+            <a:avLst/>
+          </a:prstGeom>
+          <a:noFill/>
+        </p:spPr>
+        <p:txBody>
+          <a:bodyPr wrap="square" rtlCol="0">
+            <a:spAutoFit/>
+          </a:bodyPr>
+          <a:lstStyle/>
+          <a:p>
+            <a:r>
+              <a:rPr lang="sv-SE" sz="3600" dirty="0" smtClean="0"/>
+              <a:t>11101001</a:t>
+            </a:r>
+            <a:endParaRPr lang="en-GB" dirty="0"/>
+          </a:p>
+        </p:txBody>
+      </p:sp>
+      <p:sp>
+        <p:nvSpPr>
+          <p:cNvPr id="40" name="TextBox 39"/>
+          <p:cNvSpPr txBox="1"/>
+          <p:nvPr/>
+        </p:nvSpPr>
+        <p:spPr>
+          <a:xfrm>
+            <a:off x="10976547" y="20947453"/>
+            <a:ext cx="2787078" cy="660236"/>
+          </a:xfrm>
+          <a:prstGeom prst="rect">
+            <a:avLst/>
+          </a:prstGeom>
+          <a:noFill/>
+        </p:spPr>
+        <p:txBody>
+          <a:bodyPr wrap="square" rtlCol="0">
+            <a:spAutoFit/>
+          </a:bodyPr>
+          <a:lstStyle/>
+          <a:p>
+            <a:r>
+              <a:rPr lang="sv-SE" sz="3600" dirty="0" smtClean="0"/>
+              <a:t>00111101</a:t>
+            </a:r>
+            <a:endParaRPr lang="en-GB" dirty="0"/>
+          </a:p>
+        </p:txBody>
+      </p:sp>
+      <p:sp>
+        <p:nvSpPr>
+          <p:cNvPr id="39" name="TextBox 38"/>
+          <p:cNvSpPr txBox="1"/>
+          <p:nvPr/>
+        </p:nvSpPr>
+        <p:spPr>
+          <a:xfrm>
+            <a:off x="11708185" y="20208101"/>
+            <a:ext cx="615750" cy="660236"/>
+          </a:xfrm>
+          <a:prstGeom prst="rect">
+            <a:avLst/>
+          </a:prstGeom>
+          <a:noFill/>
+        </p:spPr>
+        <p:txBody>
+          <a:bodyPr wrap="square" rtlCol="0">
+            <a:spAutoFit/>
+          </a:bodyPr>
+          <a:lstStyle/>
+          <a:p>
+            <a:pPr algn="ctr"/>
+            <a:r>
+              <a:rPr lang="sv-SE" sz="3600" dirty="0" smtClean="0"/>
+              <a:t>=</a:t>
+            </a:r>
+            <a:endParaRPr lang="en-GB" dirty="0"/>
+          </a:p>
+        </p:txBody>
+      </p:sp>
+      <p:pic>
+        <p:nvPicPr>
+          <p:cNvPr id="37" name="Picture 2"/>
+          <p:cNvPicPr>
+            <a:picLocks noChangeAspect="1" noChangeArrowheads="1"/>
+          </p:cNvPicPr>
+          <p:nvPr/>
+        </p:nvPicPr>
+        <p:blipFill>
+          <a:blip r:embed="rId10" cstate="print">
+            <a:extLst>
+              <a:ext uri="{28A0092B-C50C-407E-A947-70E740481C1C}">
+                <a14:useLocalDpi xmlns:a14="http://schemas.microsoft.com/office/drawing/2010/main" val="0"/>
+              </a:ext>
+            </a:extLst>
+          </a:blip>
+          <a:srcRect/>
+          <a:stretch>
+            <a:fillRect/>
+          </a:stretch>
+        </p:blipFill>
+        <p:spPr bwMode="auto">
+          <a:xfrm>
+            <a:off x="6448425" y="19194285"/>
+            <a:ext cx="2596745" cy="3312496"/>
+          </a:xfrm>
+          <a:prstGeom prst="rect">
+            <a:avLst/>
+          </a:prstGeom>
+          <a:noFill/>
+          <a:ln>
+            <a:noFill/>
+          </a:ln>
+          <a:effectLst/>
+          <a:extLst>
+            <a:ext uri="{909E8E84-426E-40DD-AFC4-6F175D3DCCD1}">
+              <a14:hiddenFill xmlns:a14="http://schemas.microsoft.com/office/drawing/2010/main">
+                <a:solidFill>
+                  <a:schemeClr val="accent1"/>
+                </a:solidFill>
+              </a14:hiddenFill>
+            </a:ext>
+            <a:ext uri="{91240B29-F687-4F45-9708-019B960494DF}">
+              <a14:hiddenLine xmlns:a14="http://schemas.microsoft.com/office/drawing/2010/main" w="9525">
+                <a:solidFill>
+                  <a:schemeClr val="tx1"/>
+                </a:solidFill>
+                <a:miter lim="800000"/>
+                <a:headEnd/>
+                <a:tailEnd/>
+              </a14:hiddenLine>
+            </a:ext>
+            <a:ext uri="{AF507438-7753-43E0-B8FC-AC1667EBCBE1}">
+              <a14:hiddenEffects xmlns:a14="http://schemas.microsoft.com/office/drawing/2010/main">
+                <a:effectLst>
+                  <a:outerShdw dist="35921" dir="2700000" algn="ctr" rotWithShape="0">
+                    <a:schemeClr val="bg2"/>
+                  </a:outerShdw>
+                </a:effectLst>
+              </a14:hiddenEffects>
+            </a:ext>
+          </a:extLst>
+        </p:spPr>
+      </p:pic>
+      <p:sp>
+        <p:nvSpPr>
+          <p:cNvPr id="43" name="TextBox 42"/>
+          <p:cNvSpPr txBox="1"/>
+          <p:nvPr/>
+        </p:nvSpPr>
+        <p:spPr>
+          <a:xfrm>
+            <a:off x="20332557" y="2161381"/>
+            <a:ext cx="5470668" cy="800219"/>
+          </a:xfrm>
+          <a:prstGeom prst="rect">
+            <a:avLst/>
+          </a:prstGeom>
+          <a:solidFill>
+            <a:srgbClr val="B40000"/>
+          </a:solidFill>
+          <a:ln w="57150">
+            <a:solidFill>
+              <a:schemeClr val="tx1"/>
+            </a:solidFill>
+          </a:ln>
+        </p:spPr>
+        <p:txBody>
+          <a:bodyPr wrap="square" rtlCol="0">
+            <a:spAutoFit/>
+          </a:bodyPr>
+          <a:lstStyle/>
+          <a:p>
+            <a:pPr algn="ctr"/>
+            <a:r>
+              <a:rPr lang="sv-SE" b="1" dirty="0" smtClean="0">
+                <a:solidFill>
+                  <a:schemeClr val="accent3"/>
+                </a:solidFill>
+              </a:rPr>
+              <a:t>Three CNN Models</a:t>
             </a:r>
             <a:endParaRPr lang="en-GB" b="1" dirty="0">
               <a:solidFill>
@@ -7833,13 +8432,13 @@
           <p:nvPr>
             <p:extLst>
               <p:ext uri="{D42A27DB-BD31-4B8C-83A1-F6EECF244321}">
-                <p14:modId xmlns:p14="http://schemas.microsoft.com/office/powerpoint/2010/main" val="1413515343"/>
+                <p14:modId xmlns:p14="http://schemas.microsoft.com/office/powerpoint/2010/main" val="3155598792"/>
               </p:ext>
             </p:extLst>
           </p:nvPr>
         </p:nvGraphicFramePr>
         <p:xfrm>
-          <a:off x="15144784" y="3095725"/>
+          <a:off x="15807940" y="2909494"/>
           <a:ext cx="1523385" cy="1395431"/>
         </p:xfrm>
         <a:graphic>
@@ -8043,13 +8642,13 @@
           <p:nvPr>
             <p:extLst>
               <p:ext uri="{D42A27DB-BD31-4B8C-83A1-F6EECF244321}">
-                <p14:modId xmlns:p14="http://schemas.microsoft.com/office/powerpoint/2010/main" val="2721866786"/>
+                <p14:modId xmlns:p14="http://schemas.microsoft.com/office/powerpoint/2010/main" val="3087670669"/>
               </p:ext>
             </p:extLst>
           </p:nvPr>
         </p:nvGraphicFramePr>
         <p:xfrm>
-          <a:off x="16051376" y="3807018"/>
+          <a:off x="15046247" y="3664730"/>
           <a:ext cx="1523385" cy="1395431"/>
         </p:xfrm>
         <a:graphic>
@@ -8253,13 +8852,13 @@
           <p:nvPr>
             <p:extLst>
               <p:ext uri="{D42A27DB-BD31-4B8C-83A1-F6EECF244321}">
-                <p14:modId xmlns:p14="http://schemas.microsoft.com/office/powerpoint/2010/main" val="2959834193"/>
+                <p14:modId xmlns:p14="http://schemas.microsoft.com/office/powerpoint/2010/main" val="2437771119"/>
               </p:ext>
             </p:extLst>
           </p:nvPr>
         </p:nvGraphicFramePr>
         <p:xfrm>
-          <a:off x="16478840" y="4095050"/>
+          <a:off x="14449950" y="4089565"/>
           <a:ext cx="1523385" cy="1395431"/>
         </p:xfrm>
         <a:graphic>
@@ -8462,7 +9061,7 @@
         </p:nvSpPr>
         <p:spPr>
           <a:xfrm>
-            <a:off x="24266921" y="3167733"/>
+            <a:off x="24329288" y="3097485"/>
             <a:ext cx="7704856" cy="2529923"/>
           </a:xfrm>
           <a:prstGeom prst="rect">
@@ -8496,7 +9095,7 @@
             </a:pPr>
             <a:r>
               <a:rPr lang="en-GB" sz="3600" dirty="0" smtClean="0"/>
-              <a:t>Randomly initialized fixed ±1 filters</a:t>
+              <a:t>Fixed random  ±1 filters</a:t>
             </a:r>
           </a:p>
           <a:p>
@@ -8506,7 +9105,7 @@
             </a:pPr>
             <a:r>
               <a:rPr lang="en-GB" sz="3600" dirty="0" smtClean="0"/>
-              <a:t>Linear sum to create feature map</a:t>
+              <a:t>Weighted linear sum to create feature map</a:t>
             </a:r>
             <a:endParaRPr lang="en-GB" dirty="0"/>
           </a:p>
@@ -8520,8 +9119,8 @@
         </p:nvSpPr>
         <p:spPr>
           <a:xfrm>
-            <a:off x="24266921" y="5999618"/>
-            <a:ext cx="7704856" cy="2640723"/>
+            <a:off x="24329288" y="5824933"/>
+            <a:ext cx="7704856" cy="3305520"/>
           </a:xfrm>
           <a:prstGeom prst="rect">
             <a:avLst/>
@@ -8556,7 +9155,7 @@
             </a:pPr>
             <a:r>
               <a:rPr lang="en-GB" sz="3600" dirty="0" smtClean="0"/>
-              <a:t>Sigmoid activation</a:t>
+              <a:t>Sum of sigmoid activations</a:t>
             </a:r>
           </a:p>
           <a:p>
@@ -8566,7 +9165,17 @@
             </a:pPr>
             <a:r>
               <a:rPr lang="en-GB" sz="3600" dirty="0" smtClean="0"/>
-              <a:t>Histogram of gated sum</a:t>
+              <a:t>8 Gating functions applied to sum</a:t>
+            </a:r>
+          </a:p>
+          <a:p>
+            <a:pPr marL="685800" indent="-685800">
+              <a:buFont typeface="Arial" panose="020B0604020202020204" pitchFamily="34" charset="0"/>
+              <a:buChar char="•"/>
+            </a:pPr>
+            <a:r>
+              <a:rPr lang="en-GB" sz="3600" dirty="0" smtClean="0"/>
+              <a:t>Histogram of results</a:t>
             </a:r>
             <a:endParaRPr lang="en-GB" dirty="0"/>
           </a:p>
@@ -8580,8 +9189,8 @@
         </p:nvSpPr>
         <p:spPr>
           <a:xfrm>
-            <a:off x="24266920" y="9112687"/>
-            <a:ext cx="7704857" cy="1975926"/>
+            <a:off x="24329288" y="9406333"/>
+            <a:ext cx="7649681" cy="3083921"/>
           </a:xfrm>
           <a:prstGeom prst="rect">
             <a:avLst/>
@@ -8606,7 +9215,11 @@
             </a:pPr>
             <a:r>
               <a:rPr lang="en-GB" sz="3600" dirty="0" smtClean="0"/>
-              <a:t>Rotational groups of filters</a:t>
+              <a:t>CNN filters modified for vector input, plus </a:t>
+            </a:r>
+            <a:r>
+              <a:rPr lang="en-GB" sz="3600" dirty="0" smtClean="0"/>
+              <a:t>rotational copies</a:t>
             </a:r>
           </a:p>
           <a:p>
@@ -8616,8 +9229,17 @@
             </a:pPr>
             <a:r>
               <a:rPr lang="en-GB" sz="3600" dirty="0" smtClean="0"/>
-              <a:t>2D vector field outputs</a:t>
-            </a:r>
+              <a:t>Activation magnitude &amp; direction forms 2D </a:t>
+            </a:r>
+            <a:r>
+              <a:rPr lang="en-GB" sz="3600" dirty="0" smtClean="0"/>
+              <a:t>vector field </a:t>
+            </a:r>
+            <a:r>
+              <a:rPr lang="en-GB" sz="3600" dirty="0" smtClean="0"/>
+              <a:t>output</a:t>
+            </a:r>
+            <a:endParaRPr lang="en-GB" sz="3600" dirty="0" smtClean="0"/>
           </a:p>
         </p:txBody>
       </p:sp>
@@ -8630,13 +9252,13 @@
           <p:nvPr>
             <p:extLst>
               <p:ext uri="{D42A27DB-BD31-4B8C-83A1-F6EECF244321}">
-                <p14:modId xmlns:p14="http://schemas.microsoft.com/office/powerpoint/2010/main" val="911122551"/>
+                <p14:modId xmlns:p14="http://schemas.microsoft.com/office/powerpoint/2010/main" val="1868031597"/>
               </p:ext>
             </p:extLst>
           </p:nvPr>
         </p:nvGraphicFramePr>
         <p:xfrm>
-          <a:off x="21431970" y="6419597"/>
+          <a:off x="21450074" y="6381566"/>
           <a:ext cx="2638425" cy="2192253"/>
         </p:xfrm>
         <a:graphic>
@@ -8655,7 +9277,7 @@
             </p:nvSpPr>
             <p:spPr>
               <a:xfrm>
-                <a:off x="18866321" y="3599781"/>
+                <a:off x="18606523" y="3529533"/>
                 <a:ext cx="1938902" cy="1476173"/>
               </a:xfrm>
               <a:prstGeom prst="rect">
@@ -8809,7 +9431,7 @@
             </p:nvSpPr>
             <p:spPr>
               <a:xfrm>
-                <a:off x="18866321" y="3599781"/>
+                <a:off x="18606523" y="3529533"/>
                 <a:ext cx="1938902" cy="1476173"/>
               </a:xfrm>
               <a:prstGeom prst="rect">
@@ -8818,7 +9440,7 @@
               <a:blipFill rotWithShape="1">
                 <a:blip r:embed="rId12"/>
                 <a:stretch>
-                  <a:fillRect r="-7547"/>
+                  <a:fillRect r="-7862"/>
                 </a:stretch>
               </a:blipFill>
             </p:spPr>
@@ -8839,942 +9461,6 @@
       </mc:AlternateContent>
       <p:graphicFrame>
         <p:nvGraphicFramePr>
-          <p:cNvPr id="57" name="Table 56"/>
-          <p:cNvGraphicFramePr>
-            <a:graphicFrameLocks noGrp="1"/>
-          </p:cNvGraphicFramePr>
-          <p:nvPr>
-            <p:extLst>
-              <p:ext uri="{D42A27DB-BD31-4B8C-83A1-F6EECF244321}">
-                <p14:modId xmlns:p14="http://schemas.microsoft.com/office/powerpoint/2010/main" val="3286833907"/>
-              </p:ext>
-            </p:extLst>
-          </p:nvPr>
-        </p:nvGraphicFramePr>
-        <p:xfrm>
-          <a:off x="21680065" y="3455765"/>
-          <a:ext cx="2082800" cy="1850896"/>
-        </p:xfrm>
-        <a:graphic>
-          <a:graphicData uri="http://schemas.openxmlformats.org/drawingml/2006/table">
-            <a:tbl>
-              <a:tblPr firstRow="1" bandRow="1">
-                <a:tableStyleId>{5940675A-B579-460E-94D1-54222C63F5DA}</a:tableStyleId>
-              </a:tblPr>
-              <a:tblGrid>
-                <a:gridCol w="208280"/>
-                <a:gridCol w="208280"/>
-                <a:gridCol w="208280"/>
-                <a:gridCol w="208280"/>
-                <a:gridCol w="208280"/>
-                <a:gridCol w="208280"/>
-                <a:gridCol w="208280"/>
-                <a:gridCol w="208280"/>
-                <a:gridCol w="208280"/>
-                <a:gridCol w="208280"/>
-              </a:tblGrid>
-              <a:tr h="231362">
-                <a:tc>
-                  <a:txBody>
-                    <a:bodyPr/>
-                    <a:lstStyle/>
-                    <a:p>
-                      <a:pPr algn="ctr"/>
-                      <a:endParaRPr lang="en-GB" sz="800" b="1" dirty="0"/>
-                    </a:p>
-                  </a:txBody>
-                  <a:tcPr/>
-                </a:tc>
-                <a:tc>
-                  <a:txBody>
-                    <a:bodyPr/>
-                    <a:lstStyle/>
-                    <a:p>
-                      <a:pPr algn="ctr"/>
-                      <a:endParaRPr lang="en-GB" sz="800" b="1" dirty="0"/>
-                    </a:p>
-                  </a:txBody>
-                  <a:tcPr/>
-                </a:tc>
-                <a:tc>
-                  <a:txBody>
-                    <a:bodyPr/>
-                    <a:lstStyle/>
-                    <a:p>
-                      <a:pPr algn="ctr"/>
-                      <a:endParaRPr lang="en-GB" sz="800" b="1" dirty="0"/>
-                    </a:p>
-                  </a:txBody>
-                  <a:tcPr/>
-                </a:tc>
-                <a:tc>
-                  <a:txBody>
-                    <a:bodyPr/>
-                    <a:lstStyle/>
-                    <a:p>
-                      <a:pPr algn="ctr"/>
-                      <a:endParaRPr lang="en-GB" sz="800" b="1" dirty="0"/>
-                    </a:p>
-                  </a:txBody>
-                  <a:tcPr/>
-                </a:tc>
-                <a:tc>
-                  <a:txBody>
-                    <a:bodyPr/>
-                    <a:lstStyle/>
-                    <a:p>
-                      <a:pPr algn="ctr"/>
-                      <a:endParaRPr lang="en-GB" sz="800" b="1" dirty="0"/>
-                    </a:p>
-                  </a:txBody>
-                  <a:tcPr/>
-                </a:tc>
-                <a:tc>
-                  <a:txBody>
-                    <a:bodyPr/>
-                    <a:lstStyle/>
-                    <a:p>
-                      <a:pPr algn="ctr"/>
-                      <a:endParaRPr lang="en-GB" sz="800" b="1" dirty="0"/>
-                    </a:p>
-                  </a:txBody>
-                  <a:tcPr/>
-                </a:tc>
-                <a:tc>
-                  <a:txBody>
-                    <a:bodyPr/>
-                    <a:lstStyle/>
-                    <a:p>
-                      <a:pPr algn="ctr"/>
-                      <a:endParaRPr lang="en-GB" sz="800" b="1" dirty="0"/>
-                    </a:p>
-                  </a:txBody>
-                  <a:tcPr/>
-                </a:tc>
-                <a:tc>
-                  <a:txBody>
-                    <a:bodyPr/>
-                    <a:lstStyle/>
-                    <a:p>
-                      <a:pPr algn="ctr"/>
-                      <a:endParaRPr lang="en-GB" sz="800" b="1" dirty="0"/>
-                    </a:p>
-                  </a:txBody>
-                  <a:tcPr/>
-                </a:tc>
-                <a:tc>
-                  <a:txBody>
-                    <a:bodyPr/>
-                    <a:lstStyle/>
-                    <a:p>
-                      <a:pPr algn="ctr"/>
-                      <a:endParaRPr lang="en-GB" sz="800" b="1" dirty="0"/>
-                    </a:p>
-                  </a:txBody>
-                  <a:tcPr/>
-                </a:tc>
-                <a:tc>
-                  <a:txBody>
-                    <a:bodyPr/>
-                    <a:lstStyle/>
-                    <a:p>
-                      <a:pPr algn="ctr"/>
-                      <a:endParaRPr lang="en-GB" sz="800" b="1" dirty="0"/>
-                    </a:p>
-                  </a:txBody>
-                  <a:tcPr/>
-                </a:tc>
-              </a:tr>
-              <a:tr h="231362">
-                <a:tc>
-                  <a:txBody>
-                    <a:bodyPr/>
-                    <a:lstStyle/>
-                    <a:p>
-                      <a:pPr algn="ctr"/>
-                      <a:endParaRPr lang="en-GB" sz="800" b="1" dirty="0"/>
-                    </a:p>
-                  </a:txBody>
-                  <a:tcPr/>
-                </a:tc>
-                <a:tc>
-                  <a:txBody>
-                    <a:bodyPr/>
-                    <a:lstStyle/>
-                    <a:p>
-                      <a:pPr algn="ctr"/>
-                      <a:endParaRPr lang="en-GB" sz="800" b="1" dirty="0"/>
-                    </a:p>
-                  </a:txBody>
-                  <a:tcPr/>
-                </a:tc>
-                <a:tc>
-                  <a:txBody>
-                    <a:bodyPr/>
-                    <a:lstStyle/>
-                    <a:p>
-                      <a:pPr algn="ctr"/>
-                      <a:endParaRPr lang="en-GB" sz="800" b="1" dirty="0"/>
-                    </a:p>
-                  </a:txBody>
-                  <a:tcPr/>
-                </a:tc>
-                <a:tc>
-                  <a:txBody>
-                    <a:bodyPr/>
-                    <a:lstStyle/>
-                    <a:p>
-                      <a:pPr algn="ctr"/>
-                      <a:endParaRPr lang="en-GB" sz="800" b="1" dirty="0"/>
-                    </a:p>
-                  </a:txBody>
-                  <a:tcPr/>
-                </a:tc>
-                <a:tc>
-                  <a:txBody>
-                    <a:bodyPr/>
-                    <a:lstStyle/>
-                    <a:p>
-                      <a:pPr algn="ctr"/>
-                      <a:endParaRPr lang="en-GB" sz="800" b="1" dirty="0"/>
-                    </a:p>
-                  </a:txBody>
-                  <a:tcPr/>
-                </a:tc>
-                <a:tc>
-                  <a:txBody>
-                    <a:bodyPr/>
-                    <a:lstStyle/>
-                    <a:p>
-                      <a:pPr algn="ctr"/>
-                      <a:endParaRPr lang="en-GB" sz="800" b="1" dirty="0"/>
-                    </a:p>
-                  </a:txBody>
-                  <a:tcPr/>
-                </a:tc>
-                <a:tc>
-                  <a:txBody>
-                    <a:bodyPr/>
-                    <a:lstStyle/>
-                    <a:p>
-                      <a:pPr algn="ctr"/>
-                      <a:endParaRPr lang="en-GB" sz="800" b="1" dirty="0"/>
-                    </a:p>
-                  </a:txBody>
-                  <a:tcPr/>
-                </a:tc>
-                <a:tc>
-                  <a:txBody>
-                    <a:bodyPr/>
-                    <a:lstStyle/>
-                    <a:p>
-                      <a:pPr algn="ctr"/>
-                      <a:endParaRPr lang="en-GB" sz="800" b="1" dirty="0"/>
-                    </a:p>
-                  </a:txBody>
-                  <a:tcPr/>
-                </a:tc>
-                <a:tc>
-                  <a:txBody>
-                    <a:bodyPr/>
-                    <a:lstStyle/>
-                    <a:p>
-                      <a:pPr algn="ctr"/>
-                      <a:endParaRPr lang="en-GB" sz="800" b="1" dirty="0"/>
-                    </a:p>
-                  </a:txBody>
-                  <a:tcPr/>
-                </a:tc>
-                <a:tc>
-                  <a:txBody>
-                    <a:bodyPr/>
-                    <a:lstStyle/>
-                    <a:p>
-                      <a:pPr algn="ctr"/>
-                      <a:endParaRPr lang="en-GB" sz="800" b="1" dirty="0"/>
-                    </a:p>
-                  </a:txBody>
-                  <a:tcPr/>
-                </a:tc>
-              </a:tr>
-              <a:tr h="231362">
-                <a:tc>
-                  <a:txBody>
-                    <a:bodyPr/>
-                    <a:lstStyle/>
-                    <a:p>
-                      <a:pPr algn="ctr"/>
-                      <a:endParaRPr lang="en-GB" sz="800" b="1" dirty="0"/>
-                    </a:p>
-                  </a:txBody>
-                  <a:tcPr/>
-                </a:tc>
-                <a:tc>
-                  <a:txBody>
-                    <a:bodyPr/>
-                    <a:lstStyle/>
-                    <a:p>
-                      <a:pPr algn="ctr"/>
-                      <a:endParaRPr lang="en-GB" sz="800" b="1" dirty="0"/>
-                    </a:p>
-                  </a:txBody>
-                  <a:tcPr/>
-                </a:tc>
-                <a:tc>
-                  <a:txBody>
-                    <a:bodyPr/>
-                    <a:lstStyle/>
-                    <a:p>
-                      <a:pPr algn="ctr"/>
-                      <a:endParaRPr lang="en-GB" sz="800" b="1" dirty="0"/>
-                    </a:p>
-                  </a:txBody>
-                  <a:tcPr/>
-                </a:tc>
-                <a:tc>
-                  <a:txBody>
-                    <a:bodyPr/>
-                    <a:lstStyle/>
-                    <a:p>
-                      <a:pPr algn="ctr"/>
-                      <a:endParaRPr lang="en-GB" sz="800" b="1" dirty="0"/>
-                    </a:p>
-                  </a:txBody>
-                  <a:tcPr/>
-                </a:tc>
-                <a:tc>
-                  <a:txBody>
-                    <a:bodyPr/>
-                    <a:lstStyle/>
-                    <a:p>
-                      <a:pPr algn="ctr"/>
-                      <a:endParaRPr lang="en-GB" sz="800" b="1" dirty="0"/>
-                    </a:p>
-                  </a:txBody>
-                  <a:tcPr/>
-                </a:tc>
-                <a:tc>
-                  <a:txBody>
-                    <a:bodyPr/>
-                    <a:lstStyle/>
-                    <a:p>
-                      <a:pPr algn="ctr"/>
-                      <a:endParaRPr lang="en-GB" sz="800" b="1" dirty="0"/>
-                    </a:p>
-                  </a:txBody>
-                  <a:tcPr/>
-                </a:tc>
-                <a:tc>
-                  <a:txBody>
-                    <a:bodyPr/>
-                    <a:lstStyle/>
-                    <a:p>
-                      <a:pPr algn="ctr"/>
-                      <a:endParaRPr lang="en-GB" sz="800" b="1" dirty="0"/>
-                    </a:p>
-                  </a:txBody>
-                  <a:tcPr/>
-                </a:tc>
-                <a:tc>
-                  <a:txBody>
-                    <a:bodyPr/>
-                    <a:lstStyle/>
-                    <a:p>
-                      <a:pPr algn="ctr"/>
-                      <a:endParaRPr lang="en-GB" sz="800" b="1" dirty="0"/>
-                    </a:p>
-                  </a:txBody>
-                  <a:tcPr/>
-                </a:tc>
-                <a:tc>
-                  <a:txBody>
-                    <a:bodyPr/>
-                    <a:lstStyle/>
-                    <a:p>
-                      <a:pPr algn="ctr"/>
-                      <a:endParaRPr lang="en-GB" sz="800" b="1" dirty="0"/>
-                    </a:p>
-                  </a:txBody>
-                  <a:tcPr/>
-                </a:tc>
-                <a:tc>
-                  <a:txBody>
-                    <a:bodyPr/>
-                    <a:lstStyle/>
-                    <a:p>
-                      <a:pPr algn="ctr"/>
-                      <a:endParaRPr lang="en-GB" sz="800" b="1" dirty="0"/>
-                    </a:p>
-                  </a:txBody>
-                  <a:tcPr/>
-                </a:tc>
-              </a:tr>
-              <a:tr h="231362">
-                <a:tc>
-                  <a:txBody>
-                    <a:bodyPr/>
-                    <a:lstStyle/>
-                    <a:p>
-                      <a:pPr algn="ctr"/>
-                      <a:endParaRPr lang="en-GB" sz="800" b="1" dirty="0"/>
-                    </a:p>
-                  </a:txBody>
-                  <a:tcPr/>
-                </a:tc>
-                <a:tc>
-                  <a:txBody>
-                    <a:bodyPr/>
-                    <a:lstStyle/>
-                    <a:p>
-                      <a:pPr algn="ctr"/>
-                      <a:endParaRPr lang="en-GB" sz="800" b="1" dirty="0"/>
-                    </a:p>
-                  </a:txBody>
-                  <a:tcPr/>
-                </a:tc>
-                <a:tc>
-                  <a:txBody>
-                    <a:bodyPr/>
-                    <a:lstStyle/>
-                    <a:p>
-                      <a:pPr algn="ctr"/>
-                      <a:endParaRPr lang="en-GB" sz="800" b="1" dirty="0"/>
-                    </a:p>
-                  </a:txBody>
-                  <a:tcPr/>
-                </a:tc>
-                <a:tc>
-                  <a:txBody>
-                    <a:bodyPr/>
-                    <a:lstStyle/>
-                    <a:p>
-                      <a:pPr algn="ctr"/>
-                      <a:endParaRPr lang="en-GB" sz="800" b="1" dirty="0"/>
-                    </a:p>
-                  </a:txBody>
-                  <a:tcPr/>
-                </a:tc>
-                <a:tc>
-                  <a:txBody>
-                    <a:bodyPr/>
-                    <a:lstStyle/>
-                    <a:p>
-                      <a:pPr algn="ctr"/>
-                      <a:endParaRPr lang="en-GB" sz="800" b="1" dirty="0"/>
-                    </a:p>
-                  </a:txBody>
-                  <a:tcPr/>
-                </a:tc>
-                <a:tc>
-                  <a:txBody>
-                    <a:bodyPr/>
-                    <a:lstStyle/>
-                    <a:p>
-                      <a:pPr algn="ctr"/>
-                      <a:endParaRPr lang="en-GB" sz="800" b="1" dirty="0"/>
-                    </a:p>
-                  </a:txBody>
-                  <a:tcPr/>
-                </a:tc>
-                <a:tc>
-                  <a:txBody>
-                    <a:bodyPr/>
-                    <a:lstStyle/>
-                    <a:p>
-                      <a:pPr algn="ctr"/>
-                      <a:endParaRPr lang="en-GB" sz="800" b="1" dirty="0"/>
-                    </a:p>
-                  </a:txBody>
-                  <a:tcPr/>
-                </a:tc>
-                <a:tc>
-                  <a:txBody>
-                    <a:bodyPr/>
-                    <a:lstStyle/>
-                    <a:p>
-                      <a:pPr algn="ctr"/>
-                      <a:endParaRPr lang="en-GB" sz="800" b="1" dirty="0"/>
-                    </a:p>
-                  </a:txBody>
-                  <a:tcPr/>
-                </a:tc>
-                <a:tc>
-                  <a:txBody>
-                    <a:bodyPr/>
-                    <a:lstStyle/>
-                    <a:p>
-                      <a:pPr algn="ctr"/>
-                      <a:endParaRPr lang="en-GB" sz="800" b="1" dirty="0"/>
-                    </a:p>
-                  </a:txBody>
-                  <a:tcPr/>
-                </a:tc>
-                <a:tc>
-                  <a:txBody>
-                    <a:bodyPr/>
-                    <a:lstStyle/>
-                    <a:p>
-                      <a:pPr algn="ctr"/>
-                      <a:endParaRPr lang="en-GB" sz="800" b="1" dirty="0"/>
-                    </a:p>
-                  </a:txBody>
-                  <a:tcPr/>
-                </a:tc>
-              </a:tr>
-              <a:tr h="231362">
-                <a:tc>
-                  <a:txBody>
-                    <a:bodyPr/>
-                    <a:lstStyle/>
-                    <a:p>
-                      <a:pPr algn="ctr"/>
-                      <a:endParaRPr lang="en-GB" sz="800" b="1" dirty="0"/>
-                    </a:p>
-                  </a:txBody>
-                  <a:tcPr/>
-                </a:tc>
-                <a:tc>
-                  <a:txBody>
-                    <a:bodyPr/>
-                    <a:lstStyle/>
-                    <a:p>
-                      <a:pPr algn="ctr"/>
-                      <a:endParaRPr lang="en-GB" sz="800" b="1" dirty="0"/>
-                    </a:p>
-                  </a:txBody>
-                  <a:tcPr/>
-                </a:tc>
-                <a:tc>
-                  <a:txBody>
-                    <a:bodyPr/>
-                    <a:lstStyle/>
-                    <a:p>
-                      <a:pPr algn="ctr"/>
-                      <a:endParaRPr lang="en-GB" sz="800" b="1" dirty="0"/>
-                    </a:p>
-                  </a:txBody>
-                  <a:tcPr/>
-                </a:tc>
-                <a:tc>
-                  <a:txBody>
-                    <a:bodyPr/>
-                    <a:lstStyle/>
-                    <a:p>
-                      <a:pPr algn="ctr"/>
-                      <a:endParaRPr lang="en-GB" sz="800" b="1" dirty="0"/>
-                    </a:p>
-                  </a:txBody>
-                  <a:tcPr/>
-                </a:tc>
-                <a:tc>
-                  <a:txBody>
-                    <a:bodyPr/>
-                    <a:lstStyle/>
-                    <a:p>
-                      <a:pPr algn="ctr"/>
-                      <a:endParaRPr lang="en-GB" sz="800" b="1" dirty="0"/>
-                    </a:p>
-                  </a:txBody>
-                  <a:tcPr/>
-                </a:tc>
-                <a:tc>
-                  <a:txBody>
-                    <a:bodyPr/>
-                    <a:lstStyle/>
-                    <a:p>
-                      <a:pPr algn="ctr"/>
-                      <a:endParaRPr lang="en-GB" sz="800" b="1" dirty="0"/>
-                    </a:p>
-                  </a:txBody>
-                  <a:tcPr/>
-                </a:tc>
-                <a:tc>
-                  <a:txBody>
-                    <a:bodyPr/>
-                    <a:lstStyle/>
-                    <a:p>
-                      <a:pPr algn="ctr"/>
-                      <a:endParaRPr lang="en-GB" sz="800" b="1" dirty="0"/>
-                    </a:p>
-                  </a:txBody>
-                  <a:tcPr/>
-                </a:tc>
-                <a:tc>
-                  <a:txBody>
-                    <a:bodyPr/>
-                    <a:lstStyle/>
-                    <a:p>
-                      <a:pPr algn="ctr"/>
-                      <a:endParaRPr lang="en-GB" sz="800" b="1" dirty="0"/>
-                    </a:p>
-                  </a:txBody>
-                  <a:tcPr/>
-                </a:tc>
-                <a:tc>
-                  <a:txBody>
-                    <a:bodyPr/>
-                    <a:lstStyle/>
-                    <a:p>
-                      <a:pPr algn="ctr"/>
-                      <a:endParaRPr lang="en-GB" sz="800" b="1" dirty="0"/>
-                    </a:p>
-                  </a:txBody>
-                  <a:tcPr/>
-                </a:tc>
-                <a:tc>
-                  <a:txBody>
-                    <a:bodyPr/>
-                    <a:lstStyle/>
-                    <a:p>
-                      <a:pPr algn="ctr"/>
-                      <a:endParaRPr lang="en-GB" sz="800" b="1" dirty="0"/>
-                    </a:p>
-                  </a:txBody>
-                  <a:tcPr/>
-                </a:tc>
-              </a:tr>
-              <a:tr h="231362">
-                <a:tc>
-                  <a:txBody>
-                    <a:bodyPr/>
-                    <a:lstStyle/>
-                    <a:p>
-                      <a:pPr algn="ctr"/>
-                      <a:endParaRPr lang="en-GB" sz="800" b="1" dirty="0"/>
-                    </a:p>
-                  </a:txBody>
-                  <a:tcPr/>
-                </a:tc>
-                <a:tc>
-                  <a:txBody>
-                    <a:bodyPr/>
-                    <a:lstStyle/>
-                    <a:p>
-                      <a:pPr algn="ctr"/>
-                      <a:endParaRPr lang="en-GB" sz="800" b="1" dirty="0"/>
-                    </a:p>
-                  </a:txBody>
-                  <a:tcPr/>
-                </a:tc>
-                <a:tc>
-                  <a:txBody>
-                    <a:bodyPr/>
-                    <a:lstStyle/>
-                    <a:p>
-                      <a:pPr algn="ctr"/>
-                      <a:endParaRPr lang="en-GB" sz="800" b="1" dirty="0"/>
-                    </a:p>
-                  </a:txBody>
-                  <a:tcPr/>
-                </a:tc>
-                <a:tc>
-                  <a:txBody>
-                    <a:bodyPr/>
-                    <a:lstStyle/>
-                    <a:p>
-                      <a:pPr algn="ctr"/>
-                      <a:endParaRPr lang="en-GB" sz="800" b="1" dirty="0"/>
-                    </a:p>
-                  </a:txBody>
-                  <a:tcPr/>
-                </a:tc>
-                <a:tc>
-                  <a:txBody>
-                    <a:bodyPr/>
-                    <a:lstStyle/>
-                    <a:p>
-                      <a:pPr algn="ctr"/>
-                      <a:endParaRPr lang="en-GB" sz="800" b="1" dirty="0"/>
-                    </a:p>
-                  </a:txBody>
-                  <a:tcPr/>
-                </a:tc>
-                <a:tc>
-                  <a:txBody>
-                    <a:bodyPr/>
-                    <a:lstStyle/>
-                    <a:p>
-                      <a:pPr algn="ctr"/>
-                      <a:endParaRPr lang="en-GB" sz="800" b="1" dirty="0"/>
-                    </a:p>
-                  </a:txBody>
-                  <a:tcPr/>
-                </a:tc>
-                <a:tc>
-                  <a:txBody>
-                    <a:bodyPr/>
-                    <a:lstStyle/>
-                    <a:p>
-                      <a:pPr algn="ctr"/>
-                      <a:endParaRPr lang="en-GB" sz="800" b="1" dirty="0"/>
-                    </a:p>
-                  </a:txBody>
-                  <a:tcPr/>
-                </a:tc>
-                <a:tc>
-                  <a:txBody>
-                    <a:bodyPr/>
-                    <a:lstStyle/>
-                    <a:p>
-                      <a:pPr algn="ctr"/>
-                      <a:endParaRPr lang="en-GB" sz="800" b="1" dirty="0"/>
-                    </a:p>
-                  </a:txBody>
-                  <a:tcPr/>
-                </a:tc>
-                <a:tc>
-                  <a:txBody>
-                    <a:bodyPr/>
-                    <a:lstStyle/>
-                    <a:p>
-                      <a:pPr algn="ctr"/>
-                      <a:endParaRPr lang="en-GB" sz="800" b="1" dirty="0"/>
-                    </a:p>
-                  </a:txBody>
-                  <a:tcPr/>
-                </a:tc>
-                <a:tc>
-                  <a:txBody>
-                    <a:bodyPr/>
-                    <a:lstStyle/>
-                    <a:p>
-                      <a:pPr algn="ctr"/>
-                      <a:endParaRPr lang="en-GB" sz="800" b="1" dirty="0"/>
-                    </a:p>
-                  </a:txBody>
-                  <a:tcPr/>
-                </a:tc>
-              </a:tr>
-              <a:tr h="231362">
-                <a:tc>
-                  <a:txBody>
-                    <a:bodyPr/>
-                    <a:lstStyle/>
-                    <a:p>
-                      <a:pPr algn="ctr"/>
-                      <a:endParaRPr lang="en-GB" sz="800" b="1" dirty="0"/>
-                    </a:p>
-                  </a:txBody>
-                  <a:tcPr/>
-                </a:tc>
-                <a:tc>
-                  <a:txBody>
-                    <a:bodyPr/>
-                    <a:lstStyle/>
-                    <a:p>
-                      <a:pPr algn="ctr"/>
-                      <a:endParaRPr lang="en-GB" sz="800" b="1" dirty="0"/>
-                    </a:p>
-                  </a:txBody>
-                  <a:tcPr/>
-                </a:tc>
-                <a:tc>
-                  <a:txBody>
-                    <a:bodyPr/>
-                    <a:lstStyle/>
-                    <a:p>
-                      <a:pPr algn="ctr"/>
-                      <a:endParaRPr lang="en-GB" sz="800" b="1" dirty="0"/>
-                    </a:p>
-                  </a:txBody>
-                  <a:tcPr/>
-                </a:tc>
-                <a:tc>
-                  <a:txBody>
-                    <a:bodyPr/>
-                    <a:lstStyle/>
-                    <a:p>
-                      <a:pPr algn="ctr"/>
-                      <a:endParaRPr lang="en-GB" sz="800" b="1" dirty="0"/>
-                    </a:p>
-                  </a:txBody>
-                  <a:tcPr/>
-                </a:tc>
-                <a:tc>
-                  <a:txBody>
-                    <a:bodyPr/>
-                    <a:lstStyle/>
-                    <a:p>
-                      <a:pPr algn="ctr"/>
-                      <a:endParaRPr lang="en-GB" sz="800" b="1" dirty="0"/>
-                    </a:p>
-                  </a:txBody>
-                  <a:tcPr/>
-                </a:tc>
-                <a:tc>
-                  <a:txBody>
-                    <a:bodyPr/>
-                    <a:lstStyle/>
-                    <a:p>
-                      <a:pPr algn="ctr"/>
-                      <a:endParaRPr lang="en-GB" sz="800" b="1" dirty="0"/>
-                    </a:p>
-                  </a:txBody>
-                  <a:tcPr/>
-                </a:tc>
-                <a:tc>
-                  <a:txBody>
-                    <a:bodyPr/>
-                    <a:lstStyle/>
-                    <a:p>
-                      <a:pPr algn="ctr"/>
-                      <a:endParaRPr lang="en-GB" sz="800" b="1" dirty="0"/>
-                    </a:p>
-                  </a:txBody>
-                  <a:tcPr/>
-                </a:tc>
-                <a:tc>
-                  <a:txBody>
-                    <a:bodyPr/>
-                    <a:lstStyle/>
-                    <a:p>
-                      <a:pPr algn="ctr"/>
-                      <a:endParaRPr lang="en-GB" sz="800" b="1" dirty="0"/>
-                    </a:p>
-                  </a:txBody>
-                  <a:tcPr/>
-                </a:tc>
-                <a:tc>
-                  <a:txBody>
-                    <a:bodyPr/>
-                    <a:lstStyle/>
-                    <a:p>
-                      <a:pPr algn="ctr"/>
-                      <a:endParaRPr lang="en-GB" sz="800" b="1" dirty="0"/>
-                    </a:p>
-                  </a:txBody>
-                  <a:tcPr/>
-                </a:tc>
-                <a:tc>
-                  <a:txBody>
-                    <a:bodyPr/>
-                    <a:lstStyle/>
-                    <a:p>
-                      <a:pPr algn="ctr"/>
-                      <a:endParaRPr lang="en-GB" sz="800" b="1" dirty="0"/>
-                    </a:p>
-                  </a:txBody>
-                  <a:tcPr/>
-                </a:tc>
-              </a:tr>
-              <a:tr h="231362">
-                <a:tc>
-                  <a:txBody>
-                    <a:bodyPr/>
-                    <a:lstStyle/>
-                    <a:p>
-                      <a:pPr algn="ctr"/>
-                      <a:endParaRPr lang="en-GB" sz="800" b="1" dirty="0"/>
-                    </a:p>
-                  </a:txBody>
-                  <a:tcPr/>
-                </a:tc>
-                <a:tc>
-                  <a:txBody>
-                    <a:bodyPr/>
-                    <a:lstStyle/>
-                    <a:p>
-                      <a:pPr algn="ctr"/>
-                      <a:endParaRPr lang="en-GB" sz="800" b="1" dirty="0"/>
-                    </a:p>
-                  </a:txBody>
-                  <a:tcPr/>
-                </a:tc>
-                <a:tc>
-                  <a:txBody>
-                    <a:bodyPr/>
-                    <a:lstStyle/>
-                    <a:p>
-                      <a:pPr algn="ctr"/>
-                      <a:endParaRPr lang="en-GB" sz="800" b="1" dirty="0"/>
-                    </a:p>
-                  </a:txBody>
-                  <a:tcPr/>
-                </a:tc>
-                <a:tc>
-                  <a:txBody>
-                    <a:bodyPr/>
-                    <a:lstStyle/>
-                    <a:p>
-                      <a:pPr algn="ctr"/>
-                      <a:endParaRPr lang="en-GB" sz="800" b="1" dirty="0"/>
-                    </a:p>
-                  </a:txBody>
-                  <a:tcPr/>
-                </a:tc>
-                <a:tc>
-                  <a:txBody>
-                    <a:bodyPr/>
-                    <a:lstStyle/>
-                    <a:p>
-                      <a:pPr algn="ctr"/>
-                      <a:endParaRPr lang="en-GB" sz="800" b="1" dirty="0"/>
-                    </a:p>
-                  </a:txBody>
-                  <a:tcPr/>
-                </a:tc>
-                <a:tc>
-                  <a:txBody>
-                    <a:bodyPr/>
-                    <a:lstStyle/>
-                    <a:p>
-                      <a:pPr algn="ctr"/>
-                      <a:endParaRPr lang="en-GB" sz="800" b="1" dirty="0"/>
-                    </a:p>
-                  </a:txBody>
-                  <a:tcPr/>
-                </a:tc>
-                <a:tc>
-                  <a:txBody>
-                    <a:bodyPr/>
-                    <a:lstStyle/>
-                    <a:p>
-                      <a:pPr algn="ctr"/>
-                      <a:endParaRPr lang="en-GB" sz="800" b="1" dirty="0"/>
-                    </a:p>
-                  </a:txBody>
-                  <a:tcPr/>
-                </a:tc>
-                <a:tc>
-                  <a:txBody>
-                    <a:bodyPr/>
-                    <a:lstStyle/>
-                    <a:p>
-                      <a:pPr algn="ctr"/>
-                      <a:endParaRPr lang="en-GB" sz="800" b="1" dirty="0"/>
-                    </a:p>
-                  </a:txBody>
-                  <a:tcPr/>
-                </a:tc>
-                <a:tc>
-                  <a:txBody>
-                    <a:bodyPr/>
-                    <a:lstStyle/>
-                    <a:p>
-                      <a:pPr algn="ctr"/>
-                      <a:endParaRPr lang="en-GB" sz="800" b="1" dirty="0"/>
-                    </a:p>
-                  </a:txBody>
-                  <a:tcPr/>
-                </a:tc>
-                <a:tc>
-                  <a:txBody>
-                    <a:bodyPr/>
-                    <a:lstStyle/>
-                    <a:p>
-                      <a:pPr algn="ctr"/>
-                      <a:endParaRPr lang="en-GB" sz="800" b="1" dirty="0"/>
-                    </a:p>
-                  </a:txBody>
-                  <a:tcPr/>
-                </a:tc>
-              </a:tr>
-            </a:tbl>
-          </a:graphicData>
-        </a:graphic>
-      </p:graphicFrame>
-      <p:graphicFrame>
-        <p:nvGraphicFramePr>
           <p:cNvPr id="58" name="Table 57"/>
           <p:cNvGraphicFramePr>
             <a:graphicFrameLocks noGrp="1"/>
@@ -9782,13 +9468,13 @@
           <p:nvPr>
             <p:extLst>
               <p:ext uri="{D42A27DB-BD31-4B8C-83A1-F6EECF244321}">
-                <p14:modId xmlns:p14="http://schemas.microsoft.com/office/powerpoint/2010/main" val="1391258482"/>
+                <p14:modId xmlns:p14="http://schemas.microsoft.com/office/powerpoint/2010/main" val="1418887217"/>
               </p:ext>
             </p:extLst>
           </p:nvPr>
         </p:nvGraphicFramePr>
         <p:xfrm>
-          <a:off x="15086184" y="6085191"/>
+          <a:off x="15866663" y="6026717"/>
           <a:ext cx="1523385" cy="1395431"/>
         </p:xfrm>
         <a:graphic>
@@ -9992,13 +9678,13 @@
           <p:nvPr>
             <p:extLst>
               <p:ext uri="{D42A27DB-BD31-4B8C-83A1-F6EECF244321}">
-                <p14:modId xmlns:p14="http://schemas.microsoft.com/office/powerpoint/2010/main" val="66524870"/>
+                <p14:modId xmlns:p14="http://schemas.microsoft.com/office/powerpoint/2010/main" val="891054711"/>
               </p:ext>
             </p:extLst>
           </p:nvPr>
         </p:nvGraphicFramePr>
         <p:xfrm>
-          <a:off x="15992776" y="6796484"/>
+          <a:off x="15022498" y="6881490"/>
           <a:ext cx="1523385" cy="1395431"/>
         </p:xfrm>
         <a:graphic>
@@ -10118,7 +9804,7 @@
                       <a:pPr algn="ctr"/>
                       <a:r>
                         <a:rPr lang="sv-SE" sz="2400" b="1" dirty="0" smtClean="0"/>
-                        <a:t>1</a:t>
+                        <a:t>0</a:t>
                       </a:r>
                       <a:endParaRPr lang="en-GB" sz="2400" b="1" dirty="0"/>
                     </a:p>
@@ -10201,13 +9887,13 @@
           <p:nvPr>
             <p:extLst>
               <p:ext uri="{D42A27DB-BD31-4B8C-83A1-F6EECF244321}">
-                <p14:modId xmlns:p14="http://schemas.microsoft.com/office/powerpoint/2010/main" val="385899699"/>
+                <p14:modId xmlns:p14="http://schemas.microsoft.com/office/powerpoint/2010/main" val="3501790421"/>
               </p:ext>
             </p:extLst>
           </p:nvPr>
         </p:nvGraphicFramePr>
         <p:xfrm>
-          <a:off x="16420240" y="7084516"/>
+          <a:off x="14434711" y="7317411"/>
           <a:ext cx="1523385" cy="1395431"/>
         </p:xfrm>
         <a:graphic>
@@ -10410,8 +10096,8 @@
         </p:nvCxnSpPr>
         <p:spPr bwMode="auto">
           <a:xfrm>
-            <a:off x="14771705" y="5832029"/>
-            <a:ext cx="17200072" cy="0"/>
+            <a:off x="14162106" y="5824933"/>
+            <a:ext cx="17809671" cy="0"/>
           </a:xfrm>
           <a:prstGeom prst="line">
             <a:avLst/>
@@ -10455,8 +10141,8 @@
         </p:nvCxnSpPr>
         <p:spPr bwMode="auto">
           <a:xfrm>
-            <a:off x="14771705" y="8856365"/>
-            <a:ext cx="17200072" cy="0"/>
+            <a:off x="14162106" y="9253933"/>
+            <a:ext cx="17809671" cy="0"/>
           </a:xfrm>
           <a:prstGeom prst="line">
             <a:avLst/>
@@ -10494,70 +10180,6 @@
       </p:cxnSp>
       <p:pic>
         <p:nvPicPr>
-          <p:cNvPr id="1026" name="Picture 2"/>
-          <p:cNvPicPr>
-            <a:picLocks noChangeAspect="1" noChangeArrowheads="1"/>
-          </p:cNvPicPr>
-          <p:nvPr/>
-        </p:nvPicPr>
-        <p:blipFill>
-          <a:blip r:embed="rId13" cstate="print">
-            <a:extLst>
-              <a:ext uri="{28A0092B-C50C-407E-A947-70E740481C1C}">
-                <a14:useLocalDpi xmlns:a14="http://schemas.microsoft.com/office/drawing/2010/main" val="0"/>
-              </a:ext>
-            </a:extLst>
-          </a:blip>
-          <a:srcRect/>
-          <a:stretch>
-            <a:fillRect/>
-          </a:stretch>
-        </p:blipFill>
-        <p:spPr bwMode="auto">
-          <a:xfrm>
-            <a:off x="18686758" y="6826094"/>
-            <a:ext cx="2298027" cy="1381362"/>
-          </a:xfrm>
-          <a:prstGeom prst="rect">
-            <a:avLst/>
-          </a:prstGeom>
-          <a:noFill/>
-          <a:ln>
-            <a:noFill/>
-          </a:ln>
-          <a:effectLst/>
-          <a:extLst>
-            <a:ext uri="{909E8E84-426E-40DD-AFC4-6F175D3DCCD1}">
-              <a14:hiddenFill xmlns:a14="http://schemas.microsoft.com/office/drawing/2010/main">
-                <a:solidFill>
-                  <a:schemeClr val="accent1"/>
-                </a:solidFill>
-              </a14:hiddenFill>
-            </a:ext>
-            <a:ext uri="{91240B29-F687-4F45-9708-019B960494DF}">
-              <a14:hiddenLine xmlns:a14="http://schemas.microsoft.com/office/drawing/2010/main" w="9525">
-                <a:solidFill>
-                  <a:schemeClr val="tx1"/>
-                </a:solidFill>
-                <a:miter lim="800000"/>
-                <a:headEnd/>
-                <a:tailEnd/>
-              </a14:hiddenLine>
-            </a:ext>
-            <a:ext uri="{AF507438-7753-43E0-B8FC-AC1667EBCBE1}">
-              <a14:hiddenEffects xmlns:a14="http://schemas.microsoft.com/office/drawing/2010/main">
-                <a:effectLst>
-                  <a:outerShdw dist="35921" dir="2700000" algn="ctr" rotWithShape="0">
-                    <a:schemeClr val="bg2"/>
-                  </a:outerShdw>
-                </a:effectLst>
-              </a14:hiddenEffects>
-            </a:ext>
-          </a:extLst>
-        </p:spPr>
-      </p:pic>
-      <p:pic>
-        <p:nvPicPr>
           <p:cNvPr id="100" name="Picture 99"/>
           <p:cNvPicPr>
             <a:picLocks noChangeAspect="1"/>
@@ -10565,7 +10187,7 @@
           <p:nvPr/>
         </p:nvPicPr>
         <p:blipFill rotWithShape="1">
-          <a:blip r:embed="rId14">
+          <a:blip r:embed="rId13">
             <a:extLst>
               <a:ext uri="{28A0092B-C50C-407E-A947-70E740481C1C}">
                 <a14:useLocalDpi xmlns:a14="http://schemas.microsoft.com/office/drawing/2010/main" val="0"/>
@@ -10577,7 +10199,7 @@
         </p:blipFill>
         <p:spPr>
           <a:xfrm>
-            <a:off x="21674633" y="9288413"/>
+            <a:off x="21897525" y="9711133"/>
             <a:ext cx="2153101" cy="1950693"/>
           </a:xfrm>
           <a:prstGeom prst="rect">
@@ -10605,7 +10227,7 @@
         </p:nvGrpSpPr>
         <p:grpSpPr>
           <a:xfrm>
-            <a:off x="18686758" y="9299886"/>
+            <a:off x="18216142" y="9726234"/>
             <a:ext cx="2100683" cy="2042299"/>
             <a:chOff x="19052967" y="18120191"/>
             <a:chExt cx="4608095" cy="4480023"/>
@@ -10620,7 +10242,7 @@
             <p:nvPr/>
           </p:nvPicPr>
           <p:blipFill>
-            <a:blip r:embed="rId15" cstate="print">
+            <a:blip r:embed="rId14" cstate="print">
               <a:extLst>
                 <a:ext uri="{28A0092B-C50C-407E-A947-70E740481C1C}">
                   <a14:useLocalDpi xmlns:a14="http://schemas.microsoft.com/office/drawing/2010/main" val="0"/>
@@ -10684,7 +10306,7 @@
             <p:nvPr/>
           </p:nvPicPr>
           <p:blipFill>
-            <a:blip r:embed="rId16" cstate="print">
+            <a:blip r:embed="rId15" cstate="print">
               <a:extLst>
                 <a:ext uri="{28A0092B-C50C-407E-A947-70E740481C1C}">
                   <a14:useLocalDpi xmlns:a14="http://schemas.microsoft.com/office/drawing/2010/main" val="0"/>
@@ -10748,7 +10370,7 @@
             <p:nvPr/>
           </p:nvPicPr>
           <p:blipFill>
-            <a:blip r:embed="rId16" cstate="print">
+            <a:blip r:embed="rId15" cstate="print">
               <a:extLst>
                 <a:ext uri="{28A0092B-C50C-407E-A947-70E740481C1C}">
                   <a14:useLocalDpi xmlns:a14="http://schemas.microsoft.com/office/drawing/2010/main" val="0"/>
@@ -10812,7 +10434,7 @@
             <p:nvPr/>
           </p:nvPicPr>
           <p:blipFill>
-            <a:blip r:embed="rId16" cstate="print">
+            <a:blip r:embed="rId15" cstate="print">
               <a:extLst>
                 <a:ext uri="{28A0092B-C50C-407E-A947-70E740481C1C}">
                   <a14:useLocalDpi xmlns:a14="http://schemas.microsoft.com/office/drawing/2010/main" val="0"/>
@@ -10877,7 +10499,7 @@
           <p:nvPr/>
         </p:nvPicPr>
         <p:blipFill>
-          <a:blip r:embed="rId17" cstate="print">
+          <a:blip r:embed="rId16" cstate="print">
             <a:extLst>
               <a:ext uri="{28A0092B-C50C-407E-A947-70E740481C1C}">
                 <a14:useLocalDpi xmlns:a14="http://schemas.microsoft.com/office/drawing/2010/main" val="0"/>
@@ -10891,7 +10513,7 @@
         </p:blipFill>
         <p:spPr bwMode="auto">
           <a:xfrm>
-            <a:off x="15509773" y="9296647"/>
+            <a:off x="14806493" y="9722995"/>
             <a:ext cx="2002894" cy="1998628"/>
           </a:xfrm>
           <a:prstGeom prst="rect">
@@ -10932,6 +10554,1263 @@
           </a:extLst>
         </p:spPr>
       </p:pic>
+      <p:sp>
+        <p:nvSpPr>
+          <p:cNvPr id="12" name="Striped Right Arrow 11"/>
+          <p:cNvSpPr/>
+          <p:nvPr/>
+        </p:nvSpPr>
+        <p:spPr bwMode="auto">
+          <a:xfrm>
+            <a:off x="17747788" y="4037948"/>
+            <a:ext cx="587837" cy="457200"/>
+          </a:xfrm>
+          <a:prstGeom prst="stripedRightArrow">
+            <a:avLst/>
+          </a:prstGeom>
+          <a:solidFill>
+            <a:schemeClr val="accent4"/>
+          </a:solidFill>
+          <a:ln>
+            <a:noFill/>
+          </a:ln>
+          <a:effectLst/>
+          <a:extLst/>
+        </p:spPr>
+        <p:txBody>
+          <a:bodyPr vert="horz" wrap="square" lIns="457200" tIns="228600" rIns="457200" bIns="228600" numCol="1" rtlCol="0" anchor="t" anchorCtr="0" compatLnSpc="1">
+            <a:prstTxWarp prst="textNoShape">
+              <a:avLst/>
+            </a:prstTxWarp>
+          </a:bodyPr>
+          <a:lstStyle/>
+          <a:p>
+            <a:pPr marL="0" marR="0" indent="0" algn="l" defTabSz="914400" rtl="0" eaLnBrk="1" fontAlgn="base" latinLnBrk="0" hangingPunct="1">
+              <a:lnSpc>
+                <a:spcPct val="100000"/>
+              </a:lnSpc>
+              <a:spcBef>
+                <a:spcPct val="20000"/>
+              </a:spcBef>
+              <a:spcAft>
+                <a:spcPct val="0"/>
+              </a:spcAft>
+              <a:buClrTx/>
+              <a:buSzTx/>
+              <a:buFontTx/>
+              <a:buNone/>
+              <a:tabLst/>
+            </a:pPr>
+            <a:endParaRPr kumimoji="0" lang="en-GB" sz="4600" b="0" i="0" u="none" strike="noStrike" cap="none" normalizeH="0" baseline="0" smtClean="0">
+              <a:ln>
+                <a:noFill/>
+              </a:ln>
+              <a:solidFill>
+                <a:srgbClr val="000000"/>
+              </a:solidFill>
+              <a:effectLst/>
+              <a:latin typeface="Arial" charset="0"/>
+            </a:endParaRPr>
+          </a:p>
+        </p:txBody>
+      </p:sp>
+      <p:sp>
+        <p:nvSpPr>
+          <p:cNvPr id="66" name="Striped Right Arrow 65"/>
+          <p:cNvSpPr/>
+          <p:nvPr/>
+        </p:nvSpPr>
+        <p:spPr bwMode="auto">
+          <a:xfrm>
+            <a:off x="21096102" y="4039019"/>
+            <a:ext cx="592323" cy="457200"/>
+          </a:xfrm>
+          <a:prstGeom prst="stripedRightArrow">
+            <a:avLst/>
+          </a:prstGeom>
+          <a:solidFill>
+            <a:schemeClr val="accent4"/>
+          </a:solidFill>
+          <a:ln>
+            <a:noFill/>
+          </a:ln>
+          <a:effectLst/>
+          <a:extLst/>
+        </p:spPr>
+        <p:txBody>
+          <a:bodyPr vert="horz" wrap="square" lIns="457200" tIns="228600" rIns="457200" bIns="228600" numCol="1" rtlCol="0" anchor="t" anchorCtr="0" compatLnSpc="1">
+            <a:prstTxWarp prst="textNoShape">
+              <a:avLst/>
+            </a:prstTxWarp>
+          </a:bodyPr>
+          <a:lstStyle/>
+          <a:p>
+            <a:pPr marL="0" marR="0" indent="0" algn="l" defTabSz="914400" rtl="0" eaLnBrk="1" fontAlgn="base" latinLnBrk="0" hangingPunct="1">
+              <a:lnSpc>
+                <a:spcPct val="100000"/>
+              </a:lnSpc>
+              <a:spcBef>
+                <a:spcPct val="20000"/>
+              </a:spcBef>
+              <a:spcAft>
+                <a:spcPct val="0"/>
+              </a:spcAft>
+              <a:buClrTx/>
+              <a:buSzTx/>
+              <a:buFontTx/>
+              <a:buNone/>
+              <a:tabLst/>
+            </a:pPr>
+            <a:endParaRPr kumimoji="0" lang="en-GB" sz="4600" b="0" i="0" u="none" strike="noStrike" cap="none" normalizeH="0" baseline="0" smtClean="0">
+              <a:ln>
+                <a:noFill/>
+              </a:ln>
+              <a:solidFill>
+                <a:srgbClr val="000000"/>
+              </a:solidFill>
+              <a:effectLst/>
+              <a:latin typeface="Arial" charset="0"/>
+            </a:endParaRPr>
+          </a:p>
+        </p:txBody>
+      </p:sp>
+      <p:pic>
+        <p:nvPicPr>
+          <p:cNvPr id="14" name="Picture 2"/>
+          <p:cNvPicPr>
+            <a:picLocks noChangeAspect="1" noChangeArrowheads="1"/>
+          </p:cNvPicPr>
+          <p:nvPr/>
+        </p:nvPicPr>
+        <p:blipFill>
+          <a:blip r:embed="rId17">
+            <a:extLst>
+              <a:ext uri="{28A0092B-C50C-407E-A947-70E740481C1C}">
+                <a14:useLocalDpi xmlns:a14="http://schemas.microsoft.com/office/drawing/2010/main" val="0"/>
+              </a:ext>
+            </a:extLst>
+          </a:blip>
+          <a:srcRect/>
+          <a:stretch>
+            <a:fillRect/>
+          </a:stretch>
+        </p:blipFill>
+        <p:spPr bwMode="auto">
+          <a:xfrm>
+            <a:off x="22145625" y="3599407"/>
+            <a:ext cx="1462529" cy="1318165"/>
+          </a:xfrm>
+          <a:prstGeom prst="rect">
+            <a:avLst/>
+          </a:prstGeom>
+          <a:solidFill>
+            <a:schemeClr val="bg1"/>
+          </a:solidFill>
+          <a:ln>
+            <a:noFill/>
+          </a:ln>
+          <a:effectLst/>
+        </p:spPr>
+      </p:pic>
+      <p:grpSp>
+        <p:nvGrpSpPr>
+          <p:cNvPr id="46" name="Group 45"/>
+          <p:cNvGrpSpPr/>
+          <p:nvPr/>
+        </p:nvGrpSpPr>
+        <p:grpSpPr>
+          <a:xfrm>
+            <a:off x="22026258" y="4758133"/>
+            <a:ext cx="1719567" cy="228600"/>
+            <a:chOff x="21416658" y="4904581"/>
+            <a:chExt cx="1719567" cy="228600"/>
+          </a:xfrm>
+        </p:grpSpPr>
+        <p:sp>
+          <p:nvSpPr>
+            <p:cNvPr id="20" name="Pentagon 19"/>
+            <p:cNvSpPr/>
+            <p:nvPr/>
+          </p:nvSpPr>
+          <p:spPr bwMode="auto">
+            <a:xfrm flipH="1">
+              <a:off x="21416658" y="4904581"/>
+              <a:ext cx="1004869" cy="228600"/>
+            </a:xfrm>
+            <a:prstGeom prst="homePlate">
+              <a:avLst/>
+            </a:prstGeom>
+            <a:solidFill>
+              <a:srgbClr val="CC0000"/>
+            </a:solidFill>
+            <a:ln>
+              <a:noFill/>
+            </a:ln>
+            <a:effectLst/>
+            <a:extLst/>
+          </p:spPr>
+          <p:txBody>
+            <a:bodyPr vert="horz" wrap="square" lIns="457200" tIns="228600" rIns="457200" bIns="228600" numCol="1" rtlCol="0" anchor="t" anchorCtr="0" compatLnSpc="1">
+              <a:prstTxWarp prst="textNoShape">
+                <a:avLst/>
+              </a:prstTxWarp>
+            </a:bodyPr>
+            <a:lstStyle/>
+            <a:p>
+              <a:pPr marL="0" marR="0" indent="0" algn="l" defTabSz="914400" rtl="0" eaLnBrk="1" fontAlgn="base" latinLnBrk="0" hangingPunct="1">
+                <a:lnSpc>
+                  <a:spcPct val="100000"/>
+                </a:lnSpc>
+                <a:spcBef>
+                  <a:spcPct val="20000"/>
+                </a:spcBef>
+                <a:spcAft>
+                  <a:spcPct val="0"/>
+                </a:spcAft>
+                <a:buClrTx/>
+                <a:buSzTx/>
+                <a:buFontTx/>
+                <a:buNone/>
+                <a:tabLst/>
+              </a:pPr>
+              <a:endParaRPr kumimoji="0" lang="en-GB" sz="4600" b="0" i="0" u="none" strike="noStrike" cap="none" normalizeH="0" baseline="0" smtClean="0">
+                <a:ln>
+                  <a:noFill/>
+                </a:ln>
+                <a:solidFill>
+                  <a:srgbClr val="000000"/>
+                </a:solidFill>
+                <a:effectLst/>
+                <a:latin typeface="Arial" charset="0"/>
+              </a:endParaRPr>
+            </a:p>
+          </p:txBody>
+        </p:sp>
+        <p:sp>
+          <p:nvSpPr>
+            <p:cNvPr id="68" name="Pentagon 67"/>
+            <p:cNvSpPr/>
+            <p:nvPr/>
+          </p:nvSpPr>
+          <p:spPr bwMode="auto">
+            <a:xfrm>
+              <a:off x="22421528" y="4904581"/>
+              <a:ext cx="714697" cy="228600"/>
+            </a:xfrm>
+            <a:prstGeom prst="homePlate">
+              <a:avLst/>
+            </a:prstGeom>
+            <a:solidFill>
+              <a:srgbClr val="CC0000"/>
+            </a:solidFill>
+            <a:ln>
+              <a:noFill/>
+            </a:ln>
+            <a:effectLst/>
+            <a:extLst/>
+          </p:spPr>
+          <p:txBody>
+            <a:bodyPr vert="horz" wrap="square" lIns="457200" tIns="228600" rIns="457200" bIns="228600" numCol="1" rtlCol="0" anchor="t" anchorCtr="0" compatLnSpc="1">
+              <a:prstTxWarp prst="textNoShape">
+                <a:avLst/>
+              </a:prstTxWarp>
+            </a:bodyPr>
+            <a:lstStyle/>
+            <a:p>
+              <a:pPr marL="0" marR="0" indent="0" algn="l" defTabSz="914400" rtl="0" eaLnBrk="1" fontAlgn="base" latinLnBrk="0" hangingPunct="1">
+                <a:lnSpc>
+                  <a:spcPct val="100000"/>
+                </a:lnSpc>
+                <a:spcBef>
+                  <a:spcPct val="20000"/>
+                </a:spcBef>
+                <a:spcAft>
+                  <a:spcPct val="0"/>
+                </a:spcAft>
+                <a:buClrTx/>
+                <a:buSzTx/>
+                <a:buFontTx/>
+                <a:buNone/>
+                <a:tabLst/>
+              </a:pPr>
+              <a:endParaRPr kumimoji="0" lang="en-GB" sz="4600" b="0" i="0" u="none" strike="noStrike" cap="none" normalizeH="0" baseline="0" smtClean="0">
+                <a:ln>
+                  <a:noFill/>
+                </a:ln>
+                <a:solidFill>
+                  <a:srgbClr val="000000"/>
+                </a:solidFill>
+                <a:effectLst/>
+                <a:latin typeface="Arial" charset="0"/>
+              </a:endParaRPr>
+            </a:p>
+          </p:txBody>
+        </p:sp>
+      </p:grpSp>
+      <p:sp>
+        <p:nvSpPr>
+          <p:cNvPr id="21" name="TextBox 20"/>
+          <p:cNvSpPr txBox="1"/>
+          <p:nvPr/>
+        </p:nvSpPr>
+        <p:spPr>
+          <a:xfrm>
+            <a:off x="22064961" y="4709734"/>
+            <a:ext cx="1833264" cy="307777"/>
+          </a:xfrm>
+          <a:prstGeom prst="rect">
+            <a:avLst/>
+          </a:prstGeom>
+          <a:noFill/>
+        </p:spPr>
+        <p:txBody>
+          <a:bodyPr wrap="square" rtlCol="0">
+            <a:spAutoFit/>
+          </a:bodyPr>
+          <a:lstStyle/>
+          <a:p>
+            <a:r>
+              <a:rPr lang="en-GB" sz="1400" dirty="0" smtClean="0">
+                <a:solidFill>
+                  <a:schemeClr val="bg1"/>
+                </a:solidFill>
+              </a:rPr>
+              <a:t>Output feature map</a:t>
+            </a:r>
+            <a:endParaRPr lang="en-GB" sz="4800" dirty="0">
+              <a:solidFill>
+                <a:schemeClr val="bg1"/>
+              </a:solidFill>
+            </a:endParaRPr>
+          </a:p>
+        </p:txBody>
+      </p:sp>
+      <p:sp>
+        <p:nvSpPr>
+          <p:cNvPr id="45" name="Freeform 44"/>
+          <p:cNvSpPr/>
+          <p:nvPr/>
+        </p:nvSpPr>
+        <p:spPr bwMode="auto">
+          <a:xfrm flipH="1">
+            <a:off x="17421220" y="5005707"/>
+            <a:ext cx="4997095" cy="621702"/>
+          </a:xfrm>
+          <a:custGeom>
+            <a:avLst/>
+            <a:gdLst>
+              <a:gd name="connsiteX0" fmla="*/ 0 w 10229850"/>
+              <a:gd name="connsiteY0" fmla="*/ 0 h 1372279"/>
+              <a:gd name="connsiteX1" fmla="*/ 2057400 w 10229850"/>
+              <a:gd name="connsiteY1" fmla="*/ 1371600 h 1372279"/>
+              <a:gd name="connsiteX2" fmla="*/ 10229850 w 10229850"/>
+              <a:gd name="connsiteY2" fmla="*/ 200025 h 1372279"/>
+              <a:gd name="connsiteX3" fmla="*/ 10229850 w 10229850"/>
+              <a:gd name="connsiteY3" fmla="*/ 200025 h 1372279"/>
+            </a:gdLst>
+            <a:ahLst/>
+            <a:cxnLst>
+              <a:cxn ang="0">
+                <a:pos x="connsiteX0" y="connsiteY0"/>
+              </a:cxn>
+              <a:cxn ang="0">
+                <a:pos x="connsiteX1" y="connsiteY1"/>
+              </a:cxn>
+              <a:cxn ang="0">
+                <a:pos x="connsiteX2" y="connsiteY2"/>
+              </a:cxn>
+              <a:cxn ang="0">
+                <a:pos x="connsiteX3" y="connsiteY3"/>
+              </a:cxn>
+            </a:cxnLst>
+            <a:rect l="l" t="t" r="r" b="b"/>
+            <a:pathLst>
+              <a:path w="10229850" h="1372279">
+                <a:moveTo>
+                  <a:pt x="0" y="0"/>
+                </a:moveTo>
+                <a:cubicBezTo>
+                  <a:pt x="176212" y="669131"/>
+                  <a:pt x="352425" y="1338263"/>
+                  <a:pt x="2057400" y="1371600"/>
+                </a:cubicBezTo>
+                <a:cubicBezTo>
+                  <a:pt x="3762375" y="1404937"/>
+                  <a:pt x="10229850" y="200025"/>
+                  <a:pt x="10229850" y="200025"/>
+                </a:cubicBezTo>
+                <a:lnTo>
+                  <a:pt x="10229850" y="200025"/>
+                </a:lnTo>
+              </a:path>
+            </a:pathLst>
+          </a:custGeom>
+          <a:noFill/>
+          <a:ln w="63500">
+            <a:solidFill>
+              <a:schemeClr val="tx1"/>
+            </a:solidFill>
+            <a:tailEnd type="arrow" w="lg" len="lg"/>
+          </a:ln>
+          <a:effectLst/>
+          <a:extLst/>
+        </p:spPr>
+        <p:txBody>
+          <a:bodyPr vert="horz" wrap="square" lIns="457200" tIns="228600" rIns="457200" bIns="228600" numCol="1" rtlCol="0" anchor="t" anchorCtr="0" compatLnSpc="1">
+            <a:prstTxWarp prst="textNoShape">
+              <a:avLst/>
+            </a:prstTxWarp>
+          </a:bodyPr>
+          <a:lstStyle/>
+          <a:p>
+            <a:pPr marL="0" marR="0" indent="0" algn="l" defTabSz="914400" rtl="0" eaLnBrk="1" fontAlgn="base" latinLnBrk="0" hangingPunct="1">
+              <a:lnSpc>
+                <a:spcPct val="100000"/>
+              </a:lnSpc>
+              <a:spcBef>
+                <a:spcPct val="20000"/>
+              </a:spcBef>
+              <a:spcAft>
+                <a:spcPct val="0"/>
+              </a:spcAft>
+              <a:buClrTx/>
+              <a:buSzTx/>
+              <a:buFontTx/>
+              <a:buNone/>
+              <a:tabLst/>
+            </a:pPr>
+            <a:endParaRPr kumimoji="0" lang="en-GB" sz="4600" b="0" i="0" u="none" strike="noStrike" cap="none" normalizeH="0" baseline="0" smtClean="0">
+              <a:ln>
+                <a:noFill/>
+              </a:ln>
+              <a:solidFill>
+                <a:srgbClr val="000000"/>
+              </a:solidFill>
+              <a:effectLst/>
+              <a:latin typeface="Arial" charset="0"/>
+            </a:endParaRPr>
+          </a:p>
+        </p:txBody>
+      </p:sp>
+      <p:sp>
+        <p:nvSpPr>
+          <p:cNvPr id="76" name="Striped Right Arrow 75"/>
+          <p:cNvSpPr/>
+          <p:nvPr/>
+        </p:nvSpPr>
+        <p:spPr bwMode="auto">
+          <a:xfrm>
+            <a:off x="20867502" y="7632492"/>
+            <a:ext cx="592323" cy="457200"/>
+          </a:xfrm>
+          <a:prstGeom prst="stripedRightArrow">
+            <a:avLst/>
+          </a:prstGeom>
+          <a:solidFill>
+            <a:schemeClr val="accent4"/>
+          </a:solidFill>
+          <a:ln>
+            <a:noFill/>
+          </a:ln>
+          <a:effectLst/>
+          <a:extLst/>
+        </p:spPr>
+        <p:txBody>
+          <a:bodyPr vert="horz" wrap="square" lIns="457200" tIns="228600" rIns="457200" bIns="228600" numCol="1" rtlCol="0" anchor="t" anchorCtr="0" compatLnSpc="1">
+            <a:prstTxWarp prst="textNoShape">
+              <a:avLst/>
+            </a:prstTxWarp>
+          </a:bodyPr>
+          <a:lstStyle/>
+          <a:p>
+            <a:pPr marL="0" marR="0" indent="0" algn="l" defTabSz="914400" rtl="0" eaLnBrk="1" fontAlgn="base" latinLnBrk="0" hangingPunct="1">
+              <a:lnSpc>
+                <a:spcPct val="100000"/>
+              </a:lnSpc>
+              <a:spcBef>
+                <a:spcPct val="20000"/>
+              </a:spcBef>
+              <a:spcAft>
+                <a:spcPct val="0"/>
+              </a:spcAft>
+              <a:buClrTx/>
+              <a:buSzTx/>
+              <a:buFontTx/>
+              <a:buNone/>
+              <a:tabLst/>
+            </a:pPr>
+            <a:endParaRPr kumimoji="0" lang="en-GB" sz="4600" b="0" i="0" u="none" strike="noStrike" cap="none" normalizeH="0" baseline="0" smtClean="0">
+              <a:ln>
+                <a:noFill/>
+              </a:ln>
+              <a:solidFill>
+                <a:srgbClr val="000000"/>
+              </a:solidFill>
+              <a:effectLst/>
+              <a:latin typeface="Arial" charset="0"/>
+            </a:endParaRPr>
+          </a:p>
+        </p:txBody>
+      </p:sp>
+      <p:graphicFrame>
+        <p:nvGraphicFramePr>
+          <p:cNvPr id="85" name="Chart 84"/>
+          <p:cNvGraphicFramePr>
+            <a:graphicFrameLocks/>
+          </p:cNvGraphicFramePr>
+          <p:nvPr>
+            <p:extLst>
+              <p:ext uri="{D42A27DB-BD31-4B8C-83A1-F6EECF244321}">
+                <p14:modId xmlns:p14="http://schemas.microsoft.com/office/powerpoint/2010/main" val="608541202"/>
+              </p:ext>
+            </p:extLst>
+          </p:nvPr>
+        </p:nvGraphicFramePr>
+        <p:xfrm>
+          <a:off x="18818237" y="6663133"/>
+          <a:ext cx="1955788" cy="906973"/>
+        </p:xfrm>
+        <a:graphic>
+          <a:graphicData uri="http://schemas.openxmlformats.org/drawingml/2006/chart">
+            <c:chart xmlns:c="http://schemas.openxmlformats.org/drawingml/2006/chart" xmlns:r="http://schemas.openxmlformats.org/officeDocument/2006/relationships" r:id="rId18"/>
+          </a:graphicData>
+        </a:graphic>
+      </p:graphicFrame>
+      <p:graphicFrame>
+        <p:nvGraphicFramePr>
+          <p:cNvPr id="86" name="Chart 85"/>
+          <p:cNvGraphicFramePr>
+            <a:graphicFrameLocks/>
+          </p:cNvGraphicFramePr>
+          <p:nvPr>
+            <p:extLst>
+              <p:ext uri="{D42A27DB-BD31-4B8C-83A1-F6EECF244321}">
+                <p14:modId xmlns:p14="http://schemas.microsoft.com/office/powerpoint/2010/main" val="3166192350"/>
+              </p:ext>
+            </p:extLst>
+          </p:nvPr>
+        </p:nvGraphicFramePr>
+        <p:xfrm>
+          <a:off x="18731345" y="7068266"/>
+          <a:ext cx="1955788" cy="906973"/>
+        </p:xfrm>
+        <a:graphic>
+          <a:graphicData uri="http://schemas.openxmlformats.org/drawingml/2006/chart">
+            <c:chart xmlns:c="http://schemas.openxmlformats.org/drawingml/2006/chart" xmlns:r="http://schemas.openxmlformats.org/officeDocument/2006/relationships" r:id="rId19"/>
+          </a:graphicData>
+        </a:graphic>
+      </p:graphicFrame>
+      <p:graphicFrame>
+        <p:nvGraphicFramePr>
+          <p:cNvPr id="84" name="Chart 83"/>
+          <p:cNvGraphicFramePr>
+            <a:graphicFrameLocks/>
+          </p:cNvGraphicFramePr>
+          <p:nvPr>
+            <p:extLst>
+              <p:ext uri="{D42A27DB-BD31-4B8C-83A1-F6EECF244321}">
+                <p14:modId xmlns:p14="http://schemas.microsoft.com/office/powerpoint/2010/main" val="2149008851"/>
+              </p:ext>
+            </p:extLst>
+          </p:nvPr>
+        </p:nvGraphicFramePr>
+        <p:xfrm>
+          <a:off x="18558665" y="7525466"/>
+          <a:ext cx="1955788" cy="906973"/>
+        </p:xfrm>
+        <a:graphic>
+          <a:graphicData uri="http://schemas.openxmlformats.org/drawingml/2006/chart">
+            <c:chart xmlns:c="http://schemas.openxmlformats.org/drawingml/2006/chart" xmlns:r="http://schemas.openxmlformats.org/officeDocument/2006/relationships" r:id="rId20"/>
+          </a:graphicData>
+        </a:graphic>
+      </p:graphicFrame>
+      <p:sp>
+        <p:nvSpPr>
+          <p:cNvPr id="87" name="Striped Right Arrow 86"/>
+          <p:cNvSpPr/>
+          <p:nvPr/>
+        </p:nvSpPr>
+        <p:spPr bwMode="auto">
+          <a:xfrm>
+            <a:off x="17819502" y="7729933"/>
+            <a:ext cx="592323" cy="457200"/>
+          </a:xfrm>
+          <a:prstGeom prst="stripedRightArrow">
+            <a:avLst/>
+          </a:prstGeom>
+          <a:solidFill>
+            <a:schemeClr val="accent4"/>
+          </a:solidFill>
+          <a:ln>
+            <a:noFill/>
+          </a:ln>
+          <a:effectLst/>
+          <a:extLst/>
+        </p:spPr>
+        <p:txBody>
+          <a:bodyPr vert="horz" wrap="square" lIns="457200" tIns="228600" rIns="457200" bIns="228600" numCol="1" rtlCol="0" anchor="t" anchorCtr="0" compatLnSpc="1">
+            <a:prstTxWarp prst="textNoShape">
+              <a:avLst/>
+            </a:prstTxWarp>
+          </a:bodyPr>
+          <a:lstStyle/>
+          <a:p>
+            <a:pPr marL="0" marR="0" indent="0" algn="l" defTabSz="914400" rtl="0" eaLnBrk="1" fontAlgn="base" latinLnBrk="0" hangingPunct="1">
+              <a:lnSpc>
+                <a:spcPct val="100000"/>
+              </a:lnSpc>
+              <a:spcBef>
+                <a:spcPct val="20000"/>
+              </a:spcBef>
+              <a:spcAft>
+                <a:spcPct val="0"/>
+              </a:spcAft>
+              <a:buClrTx/>
+              <a:buSzTx/>
+              <a:buFontTx/>
+              <a:buNone/>
+              <a:tabLst/>
+            </a:pPr>
+            <a:endParaRPr kumimoji="0" lang="en-GB" sz="4600" b="0" i="0" u="none" strike="noStrike" cap="none" normalizeH="0" baseline="0" smtClean="0">
+              <a:ln>
+                <a:noFill/>
+              </a:ln>
+              <a:solidFill>
+                <a:srgbClr val="000000"/>
+              </a:solidFill>
+              <a:effectLst/>
+              <a:latin typeface="Arial" charset="0"/>
+            </a:endParaRPr>
+          </a:p>
+        </p:txBody>
+      </p:sp>
+      <mc:AlternateContent xmlns:mc="http://schemas.openxmlformats.org/markup-compatibility/2006">
+        <mc:Choice xmlns:a14="http://schemas.microsoft.com/office/drawing/2010/main" Requires="a14">
+          <p:sp>
+            <p:nvSpPr>
+              <p:cNvPr id="49" name="TextBox 48"/>
+              <p:cNvSpPr txBox="1"/>
+              <p:nvPr/>
+            </p:nvSpPr>
+            <p:spPr>
+              <a:xfrm>
+                <a:off x="16887825" y="7484232"/>
+                <a:ext cx="693774" cy="830997"/>
+              </a:xfrm>
+              <a:prstGeom prst="rect">
+                <a:avLst/>
+              </a:prstGeom>
+              <a:noFill/>
+            </p:spPr>
+            <p:txBody>
+              <a:bodyPr wrap="square" rtlCol="0">
+                <a:spAutoFit/>
+              </a:bodyPr>
+              <a:lstStyle/>
+              <a:p>
+                <a14:m>
+                  <m:oMathPara xmlns:m="http://schemas.openxmlformats.org/officeDocument/2006/math">
+                    <m:oMathParaPr>
+                      <m:jc m:val="centerGroup"/>
+                    </m:oMathParaPr>
+                    <m:oMath xmlns:m="http://schemas.openxmlformats.org/officeDocument/2006/math">
+                      <m:r>
+                        <a:rPr lang="en-GB" sz="4800" i="1">
+                          <a:latin typeface="Cambria Math"/>
+                        </a:rPr>
+                        <m:t>∑</m:t>
+                      </m:r>
+                    </m:oMath>
+                  </m:oMathPara>
+                </a14:m>
+                <a:endParaRPr lang="en-GB" dirty="0"/>
+              </a:p>
+            </p:txBody>
+          </p:sp>
+        </mc:Choice>
+        <mc:Fallback>
+          <p:sp>
+            <p:nvSpPr>
+              <p:cNvPr id="49" name="TextBox 48"/>
+              <p:cNvSpPr txBox="1">
+                <a:spLocks noRot="1" noChangeAspect="1" noMove="1" noResize="1" noEditPoints="1" noAdjustHandles="1" noChangeArrowheads="1" noChangeShapeType="1" noTextEdit="1"/>
+              </p:cNvSpPr>
+              <p:nvPr/>
+            </p:nvSpPr>
+            <p:spPr>
+              <a:xfrm>
+                <a:off x="16887825" y="7484232"/>
+                <a:ext cx="693774" cy="830997"/>
+              </a:xfrm>
+              <a:prstGeom prst="rect">
+                <a:avLst/>
+              </a:prstGeom>
+              <a:blipFill rotWithShape="1">
+                <a:blip r:embed="rId21"/>
+                <a:stretch>
+                  <a:fillRect/>
+                </a:stretch>
+              </a:blipFill>
+            </p:spPr>
+            <p:txBody>
+              <a:bodyPr/>
+              <a:lstStyle/>
+              <a:p>
+                <a:r>
+                  <a:rPr lang="en-GB">
+                    <a:noFill/>
+                  </a:rPr>
+                  <a:t> </a:t>
+                </a:r>
+              </a:p>
+            </p:txBody>
+          </p:sp>
+        </mc:Fallback>
+      </mc:AlternateContent>
+      <p:sp>
+        <p:nvSpPr>
+          <p:cNvPr id="69" name="TextBox 68"/>
+          <p:cNvSpPr txBox="1"/>
+          <p:nvPr/>
+        </p:nvSpPr>
+        <p:spPr>
+          <a:xfrm>
+            <a:off x="15172552" y="2961600"/>
+            <a:ext cx="530998" cy="584775"/>
+          </a:xfrm>
+          <a:prstGeom prst="rect">
+            <a:avLst/>
+          </a:prstGeom>
+          <a:noFill/>
+        </p:spPr>
+        <p:txBody>
+          <a:bodyPr wrap="square" rtlCol="0">
+            <a:spAutoFit/>
+          </a:bodyPr>
+          <a:lstStyle/>
+          <a:p>
+            <a:r>
+              <a:rPr lang="en-GB" sz="3200" dirty="0" smtClean="0"/>
+              <a:t>…</a:t>
+            </a:r>
+            <a:endParaRPr lang="en-GB" dirty="0"/>
+          </a:p>
+        </p:txBody>
+      </p:sp>
+      <p:sp>
+        <p:nvSpPr>
+          <p:cNvPr id="91" name="TextBox 90"/>
+          <p:cNvSpPr txBox="1"/>
+          <p:nvPr/>
+        </p:nvSpPr>
+        <p:spPr>
+          <a:xfrm>
+            <a:off x="15257892" y="6205933"/>
+            <a:ext cx="530998" cy="584775"/>
+          </a:xfrm>
+          <a:prstGeom prst="rect">
+            <a:avLst/>
+          </a:prstGeom>
+          <a:noFill/>
+        </p:spPr>
+        <p:txBody>
+          <a:bodyPr wrap="square" rtlCol="0">
+            <a:spAutoFit/>
+          </a:bodyPr>
+          <a:lstStyle/>
+          <a:p>
+            <a:r>
+              <a:rPr lang="en-GB" sz="3200" dirty="0" smtClean="0"/>
+              <a:t>…</a:t>
+            </a:r>
+            <a:endParaRPr lang="en-GB" dirty="0"/>
+          </a:p>
+        </p:txBody>
+      </p:sp>
+      <p:grpSp>
+        <p:nvGrpSpPr>
+          <p:cNvPr id="93" name="Group 92"/>
+          <p:cNvGrpSpPr/>
+          <p:nvPr/>
+        </p:nvGrpSpPr>
+        <p:grpSpPr>
+          <a:xfrm>
+            <a:off x="21840825" y="11654130"/>
+            <a:ext cx="2229299" cy="282126"/>
+            <a:chOff x="21416658" y="4904581"/>
+            <a:chExt cx="1719567" cy="228600"/>
+          </a:xfrm>
+        </p:grpSpPr>
+        <p:sp>
+          <p:nvSpPr>
+            <p:cNvPr id="95" name="Pentagon 94"/>
+            <p:cNvSpPr/>
+            <p:nvPr/>
+          </p:nvSpPr>
+          <p:spPr bwMode="auto">
+            <a:xfrm flipH="1">
+              <a:off x="21416658" y="4904581"/>
+              <a:ext cx="1004869" cy="228600"/>
+            </a:xfrm>
+            <a:prstGeom prst="homePlate">
+              <a:avLst/>
+            </a:prstGeom>
+            <a:solidFill>
+              <a:srgbClr val="CC0000"/>
+            </a:solidFill>
+            <a:ln>
+              <a:noFill/>
+            </a:ln>
+            <a:effectLst/>
+            <a:extLst/>
+          </p:spPr>
+          <p:txBody>
+            <a:bodyPr vert="horz" wrap="square" lIns="457200" tIns="228600" rIns="457200" bIns="228600" numCol="1" rtlCol="0" anchor="t" anchorCtr="0" compatLnSpc="1">
+              <a:prstTxWarp prst="textNoShape">
+                <a:avLst/>
+              </a:prstTxWarp>
+            </a:bodyPr>
+            <a:lstStyle/>
+            <a:p>
+              <a:pPr marL="0" marR="0" indent="0" algn="l" defTabSz="914400" rtl="0" eaLnBrk="1" fontAlgn="base" latinLnBrk="0" hangingPunct="1">
+                <a:lnSpc>
+                  <a:spcPct val="100000"/>
+                </a:lnSpc>
+                <a:spcBef>
+                  <a:spcPct val="20000"/>
+                </a:spcBef>
+                <a:spcAft>
+                  <a:spcPct val="0"/>
+                </a:spcAft>
+                <a:buClrTx/>
+                <a:buSzTx/>
+                <a:buFontTx/>
+                <a:buNone/>
+                <a:tabLst/>
+              </a:pPr>
+              <a:endParaRPr kumimoji="0" lang="en-GB" sz="4600" b="0" i="0" u="none" strike="noStrike" cap="none" normalizeH="0" baseline="0" smtClean="0">
+                <a:ln>
+                  <a:noFill/>
+                </a:ln>
+                <a:solidFill>
+                  <a:srgbClr val="000000"/>
+                </a:solidFill>
+                <a:effectLst/>
+                <a:latin typeface="Arial" charset="0"/>
+              </a:endParaRPr>
+            </a:p>
+          </p:txBody>
+        </p:sp>
+        <p:sp>
+          <p:nvSpPr>
+            <p:cNvPr id="96" name="Pentagon 95"/>
+            <p:cNvSpPr/>
+            <p:nvPr/>
+          </p:nvSpPr>
+          <p:spPr bwMode="auto">
+            <a:xfrm>
+              <a:off x="22421528" y="4904581"/>
+              <a:ext cx="714697" cy="228600"/>
+            </a:xfrm>
+            <a:prstGeom prst="homePlate">
+              <a:avLst/>
+            </a:prstGeom>
+            <a:solidFill>
+              <a:srgbClr val="CC0000"/>
+            </a:solidFill>
+            <a:ln>
+              <a:noFill/>
+            </a:ln>
+            <a:effectLst/>
+            <a:extLst/>
+          </p:spPr>
+          <p:txBody>
+            <a:bodyPr vert="horz" wrap="square" lIns="457200" tIns="228600" rIns="457200" bIns="228600" numCol="1" rtlCol="0" anchor="t" anchorCtr="0" compatLnSpc="1">
+              <a:prstTxWarp prst="textNoShape">
+                <a:avLst/>
+              </a:prstTxWarp>
+            </a:bodyPr>
+            <a:lstStyle/>
+            <a:p>
+              <a:pPr marL="0" marR="0" indent="0" algn="l" defTabSz="914400" rtl="0" eaLnBrk="1" fontAlgn="base" latinLnBrk="0" hangingPunct="1">
+                <a:lnSpc>
+                  <a:spcPct val="100000"/>
+                </a:lnSpc>
+                <a:spcBef>
+                  <a:spcPct val="20000"/>
+                </a:spcBef>
+                <a:spcAft>
+                  <a:spcPct val="0"/>
+                </a:spcAft>
+                <a:buClrTx/>
+                <a:buSzTx/>
+                <a:buFontTx/>
+                <a:buNone/>
+                <a:tabLst/>
+              </a:pPr>
+              <a:endParaRPr kumimoji="0" lang="en-GB" sz="4600" b="0" i="0" u="none" strike="noStrike" cap="none" normalizeH="0" baseline="0" smtClean="0">
+                <a:ln>
+                  <a:noFill/>
+                </a:ln>
+                <a:solidFill>
+                  <a:srgbClr val="000000"/>
+                </a:solidFill>
+                <a:effectLst/>
+                <a:latin typeface="Arial" charset="0"/>
+              </a:endParaRPr>
+            </a:p>
+          </p:txBody>
+        </p:sp>
+      </p:grpSp>
+      <p:sp>
+        <p:nvSpPr>
+          <p:cNvPr id="94" name="TextBox 93"/>
+          <p:cNvSpPr txBox="1"/>
+          <p:nvPr/>
+        </p:nvSpPr>
+        <p:spPr>
+          <a:xfrm>
+            <a:off x="22212076" y="11619322"/>
+            <a:ext cx="1914749" cy="307777"/>
+          </a:xfrm>
+          <a:prstGeom prst="rect">
+            <a:avLst/>
+          </a:prstGeom>
+          <a:noFill/>
+        </p:spPr>
+        <p:txBody>
+          <a:bodyPr wrap="square" rtlCol="0">
+            <a:spAutoFit/>
+          </a:bodyPr>
+          <a:lstStyle/>
+          <a:p>
+            <a:r>
+              <a:rPr lang="en-GB" sz="1400" dirty="0" smtClean="0">
+                <a:solidFill>
+                  <a:schemeClr val="bg1"/>
+                </a:solidFill>
+              </a:rPr>
+              <a:t>Output vector map</a:t>
+            </a:r>
+            <a:endParaRPr lang="en-GB" sz="4800" dirty="0">
+              <a:solidFill>
+                <a:schemeClr val="bg1"/>
+              </a:solidFill>
+            </a:endParaRPr>
+          </a:p>
+        </p:txBody>
+      </p:sp>
+      <p:sp>
+        <p:nvSpPr>
+          <p:cNvPr id="97" name="Striped Right Arrow 96"/>
+          <p:cNvSpPr/>
+          <p:nvPr/>
+        </p:nvSpPr>
+        <p:spPr bwMode="auto">
+          <a:xfrm>
+            <a:off x="17125058" y="10493709"/>
+            <a:ext cx="592323" cy="457200"/>
+          </a:xfrm>
+          <a:prstGeom prst="stripedRightArrow">
+            <a:avLst/>
+          </a:prstGeom>
+          <a:solidFill>
+            <a:schemeClr val="accent4"/>
+          </a:solidFill>
+          <a:ln>
+            <a:noFill/>
+          </a:ln>
+          <a:effectLst/>
+          <a:extLst/>
+        </p:spPr>
+        <p:txBody>
+          <a:bodyPr vert="horz" wrap="square" lIns="457200" tIns="228600" rIns="457200" bIns="228600" numCol="1" rtlCol="0" anchor="t" anchorCtr="0" compatLnSpc="1">
+            <a:prstTxWarp prst="textNoShape">
+              <a:avLst/>
+            </a:prstTxWarp>
+          </a:bodyPr>
+          <a:lstStyle/>
+          <a:p>
+            <a:pPr marL="0" marR="0" indent="0" algn="l" defTabSz="914400" rtl="0" eaLnBrk="1" fontAlgn="base" latinLnBrk="0" hangingPunct="1">
+              <a:lnSpc>
+                <a:spcPct val="100000"/>
+              </a:lnSpc>
+              <a:spcBef>
+                <a:spcPct val="20000"/>
+              </a:spcBef>
+              <a:spcAft>
+                <a:spcPct val="0"/>
+              </a:spcAft>
+              <a:buClrTx/>
+              <a:buSzTx/>
+              <a:buFontTx/>
+              <a:buNone/>
+              <a:tabLst/>
+            </a:pPr>
+            <a:endParaRPr kumimoji="0" lang="en-GB" sz="4600" b="0" i="0" u="none" strike="noStrike" cap="none" normalizeH="0" baseline="0" smtClean="0">
+              <a:ln>
+                <a:noFill/>
+              </a:ln>
+              <a:solidFill>
+                <a:srgbClr val="000000"/>
+              </a:solidFill>
+              <a:effectLst/>
+              <a:latin typeface="Arial" charset="0"/>
+            </a:endParaRPr>
+          </a:p>
+        </p:txBody>
+      </p:sp>
+      <p:sp>
+        <p:nvSpPr>
+          <p:cNvPr id="98" name="Striped Right Arrow 97"/>
+          <p:cNvSpPr/>
+          <p:nvPr/>
+        </p:nvSpPr>
+        <p:spPr bwMode="auto">
+          <a:xfrm>
+            <a:off x="20867502" y="10483390"/>
+            <a:ext cx="592323" cy="457200"/>
+          </a:xfrm>
+          <a:prstGeom prst="stripedRightArrow">
+            <a:avLst/>
+          </a:prstGeom>
+          <a:solidFill>
+            <a:schemeClr val="accent4"/>
+          </a:solidFill>
+          <a:ln>
+            <a:noFill/>
+          </a:ln>
+          <a:effectLst/>
+          <a:extLst/>
+        </p:spPr>
+        <p:txBody>
+          <a:bodyPr vert="horz" wrap="square" lIns="457200" tIns="228600" rIns="457200" bIns="228600" numCol="1" rtlCol="0" anchor="t" anchorCtr="0" compatLnSpc="1">
+            <a:prstTxWarp prst="textNoShape">
+              <a:avLst/>
+            </a:prstTxWarp>
+          </a:bodyPr>
+          <a:lstStyle/>
+          <a:p>
+            <a:pPr marL="0" marR="0" indent="0" algn="l" defTabSz="914400" rtl="0" eaLnBrk="1" fontAlgn="base" latinLnBrk="0" hangingPunct="1">
+              <a:lnSpc>
+                <a:spcPct val="100000"/>
+              </a:lnSpc>
+              <a:spcBef>
+                <a:spcPct val="20000"/>
+              </a:spcBef>
+              <a:spcAft>
+                <a:spcPct val="0"/>
+              </a:spcAft>
+              <a:buClrTx/>
+              <a:buSzTx/>
+              <a:buFontTx/>
+              <a:buNone/>
+              <a:tabLst/>
+            </a:pPr>
+            <a:endParaRPr kumimoji="0" lang="en-GB" sz="4600" b="0" i="0" u="none" strike="noStrike" cap="none" normalizeH="0" baseline="0" smtClean="0">
+              <a:ln>
+                <a:noFill/>
+              </a:ln>
+              <a:solidFill>
+                <a:srgbClr val="000000"/>
+              </a:solidFill>
+              <a:effectLst/>
+              <a:latin typeface="Arial" charset="0"/>
+            </a:endParaRPr>
+          </a:p>
+        </p:txBody>
+      </p:sp>
+      <p:sp>
+        <p:nvSpPr>
+          <p:cNvPr id="99" name="Freeform 98"/>
+          <p:cNvSpPr/>
+          <p:nvPr/>
+        </p:nvSpPr>
+        <p:spPr bwMode="auto">
+          <a:xfrm flipH="1">
+            <a:off x="16996127" y="11936256"/>
+            <a:ext cx="5215947" cy="502754"/>
+          </a:xfrm>
+          <a:custGeom>
+            <a:avLst/>
+            <a:gdLst>
+              <a:gd name="connsiteX0" fmla="*/ 0 w 10229850"/>
+              <a:gd name="connsiteY0" fmla="*/ 0 h 1372279"/>
+              <a:gd name="connsiteX1" fmla="*/ 2057400 w 10229850"/>
+              <a:gd name="connsiteY1" fmla="*/ 1371600 h 1372279"/>
+              <a:gd name="connsiteX2" fmla="*/ 10229850 w 10229850"/>
+              <a:gd name="connsiteY2" fmla="*/ 200025 h 1372279"/>
+              <a:gd name="connsiteX3" fmla="*/ 10229850 w 10229850"/>
+              <a:gd name="connsiteY3" fmla="*/ 200025 h 1372279"/>
+            </a:gdLst>
+            <a:ahLst/>
+            <a:cxnLst>
+              <a:cxn ang="0">
+                <a:pos x="connsiteX0" y="connsiteY0"/>
+              </a:cxn>
+              <a:cxn ang="0">
+                <a:pos x="connsiteX1" y="connsiteY1"/>
+              </a:cxn>
+              <a:cxn ang="0">
+                <a:pos x="connsiteX2" y="connsiteY2"/>
+              </a:cxn>
+              <a:cxn ang="0">
+                <a:pos x="connsiteX3" y="connsiteY3"/>
+              </a:cxn>
+            </a:cxnLst>
+            <a:rect l="l" t="t" r="r" b="b"/>
+            <a:pathLst>
+              <a:path w="10229850" h="1372279">
+                <a:moveTo>
+                  <a:pt x="0" y="0"/>
+                </a:moveTo>
+                <a:cubicBezTo>
+                  <a:pt x="176212" y="669131"/>
+                  <a:pt x="352425" y="1338263"/>
+                  <a:pt x="2057400" y="1371600"/>
+                </a:cubicBezTo>
+                <a:cubicBezTo>
+                  <a:pt x="3762375" y="1404937"/>
+                  <a:pt x="10229850" y="200025"/>
+                  <a:pt x="10229850" y="200025"/>
+                </a:cubicBezTo>
+                <a:lnTo>
+                  <a:pt x="10229850" y="200025"/>
+                </a:lnTo>
+              </a:path>
+            </a:pathLst>
+          </a:custGeom>
+          <a:noFill/>
+          <a:ln w="63500">
+            <a:solidFill>
+              <a:schemeClr val="tx1"/>
+            </a:solidFill>
+            <a:tailEnd type="arrow" w="lg" len="lg"/>
+          </a:ln>
+          <a:effectLst/>
+          <a:extLst/>
+        </p:spPr>
+        <p:txBody>
+          <a:bodyPr vert="horz" wrap="square" lIns="457200" tIns="228600" rIns="457200" bIns="228600" numCol="1" rtlCol="0" anchor="t" anchorCtr="0" compatLnSpc="1">
+            <a:prstTxWarp prst="textNoShape">
+              <a:avLst/>
+            </a:prstTxWarp>
+          </a:bodyPr>
+          <a:lstStyle/>
+          <a:p>
+            <a:pPr marL="0" marR="0" indent="0" algn="l" defTabSz="914400" rtl="0" eaLnBrk="1" fontAlgn="base" latinLnBrk="0" hangingPunct="1">
+              <a:lnSpc>
+                <a:spcPct val="100000"/>
+              </a:lnSpc>
+              <a:spcBef>
+                <a:spcPct val="20000"/>
+              </a:spcBef>
+              <a:spcAft>
+                <a:spcPct val="0"/>
+              </a:spcAft>
+              <a:buClrTx/>
+              <a:buSzTx/>
+              <a:buFontTx/>
+              <a:buNone/>
+              <a:tabLst/>
+            </a:pPr>
+            <a:endParaRPr kumimoji="0" lang="en-GB" sz="4600" b="0" i="0" u="none" strike="noStrike" cap="none" normalizeH="0" baseline="0" smtClean="0">
+              <a:ln>
+                <a:noFill/>
+              </a:ln>
+              <a:solidFill>
+                <a:srgbClr val="000000"/>
+              </a:solidFill>
+              <a:effectLst/>
+              <a:latin typeface="Arial" charset="0"/>
+            </a:endParaRPr>
+          </a:p>
+        </p:txBody>
+      </p:sp>
+      <p:sp>
+        <p:nvSpPr>
+          <p:cNvPr id="101" name="Striped Right Arrow 100"/>
+          <p:cNvSpPr/>
+          <p:nvPr/>
+        </p:nvSpPr>
+        <p:spPr bwMode="auto">
+          <a:xfrm>
+            <a:off x="9725024" y="20262950"/>
+            <a:ext cx="692205" cy="680338"/>
+          </a:xfrm>
+          <a:prstGeom prst="stripedRightArrow">
+            <a:avLst/>
+          </a:prstGeom>
+          <a:solidFill>
+            <a:schemeClr val="accent4"/>
+          </a:solidFill>
+          <a:ln>
+            <a:noFill/>
+          </a:ln>
+          <a:effectLst/>
+          <a:extLst/>
+        </p:spPr>
+        <p:txBody>
+          <a:bodyPr vert="horz" wrap="square" lIns="457200" tIns="228600" rIns="457200" bIns="228600" numCol="1" rtlCol="0" anchor="t" anchorCtr="0" compatLnSpc="1">
+            <a:prstTxWarp prst="textNoShape">
+              <a:avLst/>
+            </a:prstTxWarp>
+          </a:bodyPr>
+          <a:lstStyle/>
+          <a:p>
+            <a:pPr marL="0" marR="0" indent="0" algn="l" defTabSz="914400" rtl="0" eaLnBrk="1" fontAlgn="base" latinLnBrk="0" hangingPunct="1">
+              <a:lnSpc>
+                <a:spcPct val="100000"/>
+              </a:lnSpc>
+              <a:spcBef>
+                <a:spcPct val="20000"/>
+              </a:spcBef>
+              <a:spcAft>
+                <a:spcPct val="0"/>
+              </a:spcAft>
+              <a:buClrTx/>
+              <a:buSzTx/>
+              <a:buFontTx/>
+              <a:buNone/>
+              <a:tabLst/>
+            </a:pPr>
+            <a:endParaRPr kumimoji="0" lang="en-GB" sz="4600" b="0" i="0" u="none" strike="noStrike" cap="none" normalizeH="0" baseline="0" smtClean="0">
+              <a:ln>
+                <a:noFill/>
+              </a:ln>
+              <a:solidFill>
+                <a:srgbClr val="000000"/>
+              </a:solidFill>
+              <a:effectLst/>
+              <a:latin typeface="Arial" charset="0"/>
+            </a:endParaRPr>
+          </a:p>
+        </p:txBody>
+      </p:sp>
+      <p:graphicFrame>
+        <p:nvGraphicFramePr>
+          <p:cNvPr id="107" name="Chart 106"/>
+          <p:cNvGraphicFramePr>
+            <a:graphicFrameLocks/>
+          </p:cNvGraphicFramePr>
+          <p:nvPr>
+            <p:extLst>
+              <p:ext uri="{D42A27DB-BD31-4B8C-83A1-F6EECF244321}">
+                <p14:modId xmlns:p14="http://schemas.microsoft.com/office/powerpoint/2010/main" val="2872391765"/>
+              </p:ext>
+            </p:extLst>
+          </p:nvPr>
+        </p:nvGraphicFramePr>
+        <p:xfrm>
+          <a:off x="24050626" y="13976962"/>
+          <a:ext cx="7921151" cy="4186420"/>
+        </p:xfrm>
+        <a:graphic>
+          <a:graphicData uri="http://schemas.openxmlformats.org/drawingml/2006/chart">
+            <c:chart xmlns:c="http://schemas.openxmlformats.org/drawingml/2006/chart" xmlns:r="http://schemas.openxmlformats.org/officeDocument/2006/relationships" r:id="rId22"/>
+          </a:graphicData>
+        </a:graphic>
+      </p:graphicFrame>
     </p:spTree>
   </p:cSld>
   <p:clrMapOvr>
@@ -14859,6 +15738,1006 @@
           <a:xfrm>
             <a:off x="26859209" y="10598442"/>
             <a:ext cx="5149290" cy="6430267"/>
+          </a:xfrm>
+          <a:prstGeom prst="rect">
+            <a:avLst/>
+          </a:prstGeom>
+          <a:noFill/>
+          <a:ln>
+            <a:noFill/>
+          </a:ln>
+          <a:effectLst/>
+          <a:extLst>
+            <a:ext uri="{909E8E84-426E-40DD-AFC4-6F175D3DCCD1}">
+              <a14:hiddenFill xmlns:a14="http://schemas.microsoft.com/office/drawing/2010/main">
+                <a:solidFill>
+                  <a:schemeClr val="accent1"/>
+                </a:solidFill>
+              </a14:hiddenFill>
+            </a:ext>
+            <a:ext uri="{91240B29-F687-4F45-9708-019B960494DF}">
+              <a14:hiddenLine xmlns:a14="http://schemas.microsoft.com/office/drawing/2010/main" w="9525">
+                <a:solidFill>
+                  <a:schemeClr val="tx1"/>
+                </a:solidFill>
+                <a:miter lim="800000"/>
+                <a:headEnd/>
+                <a:tailEnd/>
+              </a14:hiddenLine>
+            </a:ext>
+            <a:ext uri="{AF507438-7753-43E0-B8FC-AC1667EBCBE1}">
+              <a14:hiddenEffects xmlns:a14="http://schemas.microsoft.com/office/drawing/2010/main">
+                <a:effectLst>
+                  <a:outerShdw dist="35921" dir="2700000" algn="ctr" rotWithShape="0">
+                    <a:schemeClr val="bg2"/>
+                  </a:outerShdw>
+                </a:effectLst>
+              </a14:hiddenEffects>
+            </a:ext>
+          </a:extLst>
+        </p:spPr>
+      </p:pic>
+      <p:graphicFrame>
+        <p:nvGraphicFramePr>
+          <p:cNvPr id="36" name="Table 35"/>
+          <p:cNvGraphicFramePr>
+            <a:graphicFrameLocks noGrp="1"/>
+          </p:cNvGraphicFramePr>
+          <p:nvPr>
+            <p:extLst>
+              <p:ext uri="{D42A27DB-BD31-4B8C-83A1-F6EECF244321}">
+                <p14:modId xmlns:p14="http://schemas.microsoft.com/office/powerpoint/2010/main" val="4157837274"/>
+              </p:ext>
+            </p:extLst>
+          </p:nvPr>
+        </p:nvGraphicFramePr>
+        <p:xfrm>
+          <a:off x="21445305" y="3167729"/>
+          <a:ext cx="2082800" cy="1878856"/>
+        </p:xfrm>
+        <a:graphic>
+          <a:graphicData uri="http://schemas.openxmlformats.org/drawingml/2006/table">
+            <a:tbl>
+              <a:tblPr firstRow="1" bandRow="1">
+                <a:tableStyleId>{5940675A-B579-460E-94D1-54222C63F5DA}</a:tableStyleId>
+              </a:tblPr>
+              <a:tblGrid>
+                <a:gridCol w="208280"/>
+                <a:gridCol w="208280"/>
+                <a:gridCol w="208280"/>
+                <a:gridCol w="208280"/>
+                <a:gridCol w="208280"/>
+                <a:gridCol w="208280"/>
+                <a:gridCol w="208280"/>
+                <a:gridCol w="208280"/>
+                <a:gridCol w="208280"/>
+                <a:gridCol w="208280"/>
+              </a:tblGrid>
+              <a:tr h="234857">
+                <a:tc>
+                  <a:txBody>
+                    <a:bodyPr/>
+                    <a:lstStyle/>
+                    <a:p>
+                      <a:pPr algn="ctr"/>
+                      <a:endParaRPr lang="en-GB" sz="100" b="1" dirty="0"/>
+                    </a:p>
+                  </a:txBody>
+                  <a:tcPr/>
+                </a:tc>
+                <a:tc>
+                  <a:txBody>
+                    <a:bodyPr/>
+                    <a:lstStyle/>
+                    <a:p>
+                      <a:pPr algn="ctr"/>
+                      <a:endParaRPr lang="en-GB" sz="100" b="1" dirty="0"/>
+                    </a:p>
+                  </a:txBody>
+                  <a:tcPr/>
+                </a:tc>
+                <a:tc>
+                  <a:txBody>
+                    <a:bodyPr/>
+                    <a:lstStyle/>
+                    <a:p>
+                      <a:pPr algn="ctr"/>
+                      <a:endParaRPr lang="en-GB" sz="100" b="1" dirty="0"/>
+                    </a:p>
+                  </a:txBody>
+                  <a:tcPr/>
+                </a:tc>
+                <a:tc>
+                  <a:txBody>
+                    <a:bodyPr/>
+                    <a:lstStyle/>
+                    <a:p>
+                      <a:pPr algn="ctr"/>
+                      <a:endParaRPr lang="en-GB" sz="100" b="1" dirty="0"/>
+                    </a:p>
+                  </a:txBody>
+                  <a:tcPr/>
+                </a:tc>
+                <a:tc>
+                  <a:txBody>
+                    <a:bodyPr/>
+                    <a:lstStyle/>
+                    <a:p>
+                      <a:pPr algn="ctr"/>
+                      <a:endParaRPr lang="en-GB" sz="100" b="1" dirty="0"/>
+                    </a:p>
+                  </a:txBody>
+                  <a:tcPr/>
+                </a:tc>
+                <a:tc>
+                  <a:txBody>
+                    <a:bodyPr/>
+                    <a:lstStyle/>
+                    <a:p>
+                      <a:pPr algn="ctr"/>
+                      <a:endParaRPr lang="en-GB" sz="100" b="1" dirty="0"/>
+                    </a:p>
+                  </a:txBody>
+                  <a:tcPr/>
+                </a:tc>
+                <a:tc>
+                  <a:txBody>
+                    <a:bodyPr/>
+                    <a:lstStyle/>
+                    <a:p>
+                      <a:pPr algn="ctr"/>
+                      <a:endParaRPr lang="en-GB" sz="100" b="1" dirty="0"/>
+                    </a:p>
+                  </a:txBody>
+                  <a:tcPr/>
+                </a:tc>
+                <a:tc>
+                  <a:txBody>
+                    <a:bodyPr/>
+                    <a:lstStyle/>
+                    <a:p>
+                      <a:pPr algn="ctr"/>
+                      <a:endParaRPr lang="en-GB" sz="100" b="1" dirty="0"/>
+                    </a:p>
+                  </a:txBody>
+                  <a:tcPr/>
+                </a:tc>
+                <a:tc>
+                  <a:txBody>
+                    <a:bodyPr/>
+                    <a:lstStyle/>
+                    <a:p>
+                      <a:pPr algn="ctr"/>
+                      <a:endParaRPr lang="en-GB" sz="100" b="1" dirty="0"/>
+                    </a:p>
+                  </a:txBody>
+                  <a:tcPr/>
+                </a:tc>
+                <a:tc>
+                  <a:txBody>
+                    <a:bodyPr/>
+                    <a:lstStyle/>
+                    <a:p>
+                      <a:pPr algn="ctr"/>
+                      <a:endParaRPr lang="en-GB" sz="100" b="1" dirty="0"/>
+                    </a:p>
+                  </a:txBody>
+                  <a:tcPr/>
+                </a:tc>
+              </a:tr>
+              <a:tr h="234857">
+                <a:tc>
+                  <a:txBody>
+                    <a:bodyPr/>
+                    <a:lstStyle/>
+                    <a:p>
+                      <a:pPr algn="ctr"/>
+                      <a:endParaRPr lang="en-GB" sz="100" b="1" dirty="0"/>
+                    </a:p>
+                  </a:txBody>
+                  <a:tcPr/>
+                </a:tc>
+                <a:tc>
+                  <a:txBody>
+                    <a:bodyPr/>
+                    <a:lstStyle/>
+                    <a:p>
+                      <a:pPr algn="ctr"/>
+                      <a:endParaRPr lang="en-GB" sz="100" b="1" dirty="0"/>
+                    </a:p>
+                  </a:txBody>
+                  <a:tcPr/>
+                </a:tc>
+                <a:tc>
+                  <a:txBody>
+                    <a:bodyPr/>
+                    <a:lstStyle/>
+                    <a:p>
+                      <a:pPr algn="ctr"/>
+                      <a:endParaRPr lang="en-GB" sz="100" b="1" dirty="0"/>
+                    </a:p>
+                  </a:txBody>
+                  <a:tcPr/>
+                </a:tc>
+                <a:tc>
+                  <a:txBody>
+                    <a:bodyPr/>
+                    <a:lstStyle/>
+                    <a:p>
+                      <a:pPr algn="ctr"/>
+                      <a:endParaRPr lang="en-GB" sz="100" b="1" dirty="0"/>
+                    </a:p>
+                  </a:txBody>
+                  <a:tcPr/>
+                </a:tc>
+                <a:tc>
+                  <a:txBody>
+                    <a:bodyPr/>
+                    <a:lstStyle/>
+                    <a:p>
+                      <a:pPr algn="ctr"/>
+                      <a:endParaRPr lang="en-GB" sz="100" b="1" dirty="0"/>
+                    </a:p>
+                  </a:txBody>
+                  <a:tcPr/>
+                </a:tc>
+                <a:tc>
+                  <a:txBody>
+                    <a:bodyPr/>
+                    <a:lstStyle/>
+                    <a:p>
+                      <a:pPr algn="ctr"/>
+                      <a:endParaRPr lang="en-GB" sz="100" b="1" dirty="0"/>
+                    </a:p>
+                  </a:txBody>
+                  <a:tcPr/>
+                </a:tc>
+                <a:tc>
+                  <a:txBody>
+                    <a:bodyPr/>
+                    <a:lstStyle/>
+                    <a:p>
+                      <a:pPr algn="ctr"/>
+                      <a:endParaRPr lang="en-GB" sz="100" b="1" dirty="0"/>
+                    </a:p>
+                  </a:txBody>
+                  <a:tcPr/>
+                </a:tc>
+                <a:tc>
+                  <a:txBody>
+                    <a:bodyPr/>
+                    <a:lstStyle/>
+                    <a:p>
+                      <a:pPr algn="ctr"/>
+                      <a:endParaRPr lang="en-GB" sz="100" b="1" dirty="0"/>
+                    </a:p>
+                  </a:txBody>
+                  <a:tcPr/>
+                </a:tc>
+                <a:tc>
+                  <a:txBody>
+                    <a:bodyPr/>
+                    <a:lstStyle/>
+                    <a:p>
+                      <a:pPr algn="ctr"/>
+                      <a:endParaRPr lang="en-GB" sz="100" b="1" dirty="0"/>
+                    </a:p>
+                  </a:txBody>
+                  <a:tcPr/>
+                </a:tc>
+                <a:tc>
+                  <a:txBody>
+                    <a:bodyPr/>
+                    <a:lstStyle/>
+                    <a:p>
+                      <a:pPr algn="ctr"/>
+                      <a:endParaRPr lang="en-GB" sz="100" b="1" dirty="0"/>
+                    </a:p>
+                  </a:txBody>
+                  <a:tcPr/>
+                </a:tc>
+              </a:tr>
+              <a:tr h="234857">
+                <a:tc>
+                  <a:txBody>
+                    <a:bodyPr/>
+                    <a:lstStyle/>
+                    <a:p>
+                      <a:pPr algn="ctr"/>
+                      <a:endParaRPr lang="en-GB" sz="100" b="1" dirty="0"/>
+                    </a:p>
+                  </a:txBody>
+                  <a:tcPr/>
+                </a:tc>
+                <a:tc>
+                  <a:txBody>
+                    <a:bodyPr/>
+                    <a:lstStyle/>
+                    <a:p>
+                      <a:pPr algn="ctr"/>
+                      <a:endParaRPr lang="en-GB" sz="100" b="1" dirty="0"/>
+                    </a:p>
+                  </a:txBody>
+                  <a:tcPr/>
+                </a:tc>
+                <a:tc>
+                  <a:txBody>
+                    <a:bodyPr/>
+                    <a:lstStyle/>
+                    <a:p>
+                      <a:pPr algn="ctr"/>
+                      <a:endParaRPr lang="en-GB" sz="100" b="1" dirty="0"/>
+                    </a:p>
+                  </a:txBody>
+                  <a:tcPr/>
+                </a:tc>
+                <a:tc>
+                  <a:txBody>
+                    <a:bodyPr/>
+                    <a:lstStyle/>
+                    <a:p>
+                      <a:pPr algn="ctr"/>
+                      <a:endParaRPr lang="en-GB" sz="100" b="1" dirty="0"/>
+                    </a:p>
+                  </a:txBody>
+                  <a:tcPr/>
+                </a:tc>
+                <a:tc>
+                  <a:txBody>
+                    <a:bodyPr/>
+                    <a:lstStyle/>
+                    <a:p>
+                      <a:pPr algn="ctr"/>
+                      <a:endParaRPr lang="en-GB" sz="100" b="1" dirty="0"/>
+                    </a:p>
+                  </a:txBody>
+                  <a:tcPr/>
+                </a:tc>
+                <a:tc>
+                  <a:txBody>
+                    <a:bodyPr/>
+                    <a:lstStyle/>
+                    <a:p>
+                      <a:pPr algn="ctr"/>
+                      <a:endParaRPr lang="en-GB" sz="100" b="1" dirty="0"/>
+                    </a:p>
+                  </a:txBody>
+                  <a:tcPr/>
+                </a:tc>
+                <a:tc>
+                  <a:txBody>
+                    <a:bodyPr/>
+                    <a:lstStyle/>
+                    <a:p>
+                      <a:pPr algn="ctr"/>
+                      <a:endParaRPr lang="en-GB" sz="100" b="1" dirty="0"/>
+                    </a:p>
+                  </a:txBody>
+                  <a:tcPr/>
+                </a:tc>
+                <a:tc>
+                  <a:txBody>
+                    <a:bodyPr/>
+                    <a:lstStyle/>
+                    <a:p>
+                      <a:pPr algn="ctr"/>
+                      <a:endParaRPr lang="en-GB" sz="100" b="1" dirty="0"/>
+                    </a:p>
+                  </a:txBody>
+                  <a:tcPr/>
+                </a:tc>
+                <a:tc>
+                  <a:txBody>
+                    <a:bodyPr/>
+                    <a:lstStyle/>
+                    <a:p>
+                      <a:pPr algn="ctr"/>
+                      <a:endParaRPr lang="en-GB" sz="100" b="1" dirty="0"/>
+                    </a:p>
+                  </a:txBody>
+                  <a:tcPr/>
+                </a:tc>
+                <a:tc>
+                  <a:txBody>
+                    <a:bodyPr/>
+                    <a:lstStyle/>
+                    <a:p>
+                      <a:pPr algn="ctr"/>
+                      <a:endParaRPr lang="en-GB" sz="100" b="1" dirty="0"/>
+                    </a:p>
+                  </a:txBody>
+                  <a:tcPr/>
+                </a:tc>
+              </a:tr>
+              <a:tr h="234857">
+                <a:tc>
+                  <a:txBody>
+                    <a:bodyPr/>
+                    <a:lstStyle/>
+                    <a:p>
+                      <a:pPr algn="ctr"/>
+                      <a:endParaRPr lang="en-GB" sz="100" b="1" dirty="0"/>
+                    </a:p>
+                  </a:txBody>
+                  <a:tcPr/>
+                </a:tc>
+                <a:tc>
+                  <a:txBody>
+                    <a:bodyPr/>
+                    <a:lstStyle/>
+                    <a:p>
+                      <a:pPr algn="ctr"/>
+                      <a:endParaRPr lang="en-GB" sz="100" b="1" dirty="0"/>
+                    </a:p>
+                  </a:txBody>
+                  <a:tcPr/>
+                </a:tc>
+                <a:tc>
+                  <a:txBody>
+                    <a:bodyPr/>
+                    <a:lstStyle/>
+                    <a:p>
+                      <a:pPr algn="ctr"/>
+                      <a:endParaRPr lang="en-GB" sz="100" b="1" dirty="0"/>
+                    </a:p>
+                  </a:txBody>
+                  <a:tcPr/>
+                </a:tc>
+                <a:tc>
+                  <a:txBody>
+                    <a:bodyPr/>
+                    <a:lstStyle/>
+                    <a:p>
+                      <a:pPr algn="ctr"/>
+                      <a:endParaRPr lang="en-GB" sz="100" b="1" dirty="0"/>
+                    </a:p>
+                  </a:txBody>
+                  <a:tcPr/>
+                </a:tc>
+                <a:tc>
+                  <a:txBody>
+                    <a:bodyPr/>
+                    <a:lstStyle/>
+                    <a:p>
+                      <a:pPr algn="ctr"/>
+                      <a:endParaRPr lang="en-GB" sz="100" b="1" dirty="0"/>
+                    </a:p>
+                  </a:txBody>
+                  <a:tcPr/>
+                </a:tc>
+                <a:tc>
+                  <a:txBody>
+                    <a:bodyPr/>
+                    <a:lstStyle/>
+                    <a:p>
+                      <a:pPr algn="ctr"/>
+                      <a:endParaRPr lang="en-GB" sz="100" b="1" dirty="0"/>
+                    </a:p>
+                  </a:txBody>
+                  <a:tcPr/>
+                </a:tc>
+                <a:tc>
+                  <a:txBody>
+                    <a:bodyPr/>
+                    <a:lstStyle/>
+                    <a:p>
+                      <a:pPr algn="ctr"/>
+                      <a:endParaRPr lang="en-GB" sz="100" b="1" dirty="0"/>
+                    </a:p>
+                  </a:txBody>
+                  <a:tcPr/>
+                </a:tc>
+                <a:tc>
+                  <a:txBody>
+                    <a:bodyPr/>
+                    <a:lstStyle/>
+                    <a:p>
+                      <a:pPr algn="ctr"/>
+                      <a:endParaRPr lang="en-GB" sz="100" b="1" dirty="0"/>
+                    </a:p>
+                  </a:txBody>
+                  <a:tcPr/>
+                </a:tc>
+                <a:tc>
+                  <a:txBody>
+                    <a:bodyPr/>
+                    <a:lstStyle/>
+                    <a:p>
+                      <a:pPr algn="ctr"/>
+                      <a:endParaRPr lang="en-GB" sz="100" b="1" dirty="0"/>
+                    </a:p>
+                  </a:txBody>
+                  <a:tcPr/>
+                </a:tc>
+                <a:tc>
+                  <a:txBody>
+                    <a:bodyPr/>
+                    <a:lstStyle/>
+                    <a:p>
+                      <a:pPr algn="ctr"/>
+                      <a:endParaRPr lang="en-GB" sz="100" b="1" dirty="0"/>
+                    </a:p>
+                  </a:txBody>
+                  <a:tcPr/>
+                </a:tc>
+              </a:tr>
+              <a:tr h="234857">
+                <a:tc>
+                  <a:txBody>
+                    <a:bodyPr/>
+                    <a:lstStyle/>
+                    <a:p>
+                      <a:pPr algn="ctr"/>
+                      <a:endParaRPr lang="en-GB" sz="100" b="1" dirty="0"/>
+                    </a:p>
+                  </a:txBody>
+                  <a:tcPr/>
+                </a:tc>
+                <a:tc>
+                  <a:txBody>
+                    <a:bodyPr/>
+                    <a:lstStyle/>
+                    <a:p>
+                      <a:pPr algn="ctr"/>
+                      <a:endParaRPr lang="en-GB" sz="100" b="1" dirty="0"/>
+                    </a:p>
+                  </a:txBody>
+                  <a:tcPr/>
+                </a:tc>
+                <a:tc>
+                  <a:txBody>
+                    <a:bodyPr/>
+                    <a:lstStyle/>
+                    <a:p>
+                      <a:pPr algn="ctr"/>
+                      <a:endParaRPr lang="en-GB" sz="100" b="1" dirty="0"/>
+                    </a:p>
+                  </a:txBody>
+                  <a:tcPr/>
+                </a:tc>
+                <a:tc>
+                  <a:txBody>
+                    <a:bodyPr/>
+                    <a:lstStyle/>
+                    <a:p>
+                      <a:pPr algn="ctr"/>
+                      <a:endParaRPr lang="en-GB" sz="100" b="1" dirty="0"/>
+                    </a:p>
+                  </a:txBody>
+                  <a:tcPr/>
+                </a:tc>
+                <a:tc>
+                  <a:txBody>
+                    <a:bodyPr/>
+                    <a:lstStyle/>
+                    <a:p>
+                      <a:pPr algn="ctr"/>
+                      <a:endParaRPr lang="en-GB" sz="100" b="1" dirty="0"/>
+                    </a:p>
+                  </a:txBody>
+                  <a:tcPr/>
+                </a:tc>
+                <a:tc>
+                  <a:txBody>
+                    <a:bodyPr/>
+                    <a:lstStyle/>
+                    <a:p>
+                      <a:pPr algn="ctr"/>
+                      <a:endParaRPr lang="en-GB" sz="100" b="1" dirty="0"/>
+                    </a:p>
+                  </a:txBody>
+                  <a:tcPr/>
+                </a:tc>
+                <a:tc>
+                  <a:txBody>
+                    <a:bodyPr/>
+                    <a:lstStyle/>
+                    <a:p>
+                      <a:pPr algn="ctr"/>
+                      <a:endParaRPr lang="en-GB" sz="100" b="1" dirty="0"/>
+                    </a:p>
+                  </a:txBody>
+                  <a:tcPr/>
+                </a:tc>
+                <a:tc>
+                  <a:txBody>
+                    <a:bodyPr/>
+                    <a:lstStyle/>
+                    <a:p>
+                      <a:pPr algn="ctr"/>
+                      <a:endParaRPr lang="en-GB" sz="100" b="1" dirty="0"/>
+                    </a:p>
+                  </a:txBody>
+                  <a:tcPr/>
+                </a:tc>
+                <a:tc>
+                  <a:txBody>
+                    <a:bodyPr/>
+                    <a:lstStyle/>
+                    <a:p>
+                      <a:pPr algn="ctr"/>
+                      <a:endParaRPr lang="en-GB" sz="100" b="1" dirty="0"/>
+                    </a:p>
+                  </a:txBody>
+                  <a:tcPr/>
+                </a:tc>
+                <a:tc>
+                  <a:txBody>
+                    <a:bodyPr/>
+                    <a:lstStyle/>
+                    <a:p>
+                      <a:pPr algn="ctr"/>
+                      <a:endParaRPr lang="en-GB" sz="100" b="1" dirty="0"/>
+                    </a:p>
+                  </a:txBody>
+                  <a:tcPr/>
+                </a:tc>
+              </a:tr>
+              <a:tr h="234857">
+                <a:tc>
+                  <a:txBody>
+                    <a:bodyPr/>
+                    <a:lstStyle/>
+                    <a:p>
+                      <a:pPr algn="ctr"/>
+                      <a:endParaRPr lang="en-GB" sz="100" b="1" dirty="0"/>
+                    </a:p>
+                  </a:txBody>
+                  <a:tcPr/>
+                </a:tc>
+                <a:tc>
+                  <a:txBody>
+                    <a:bodyPr/>
+                    <a:lstStyle/>
+                    <a:p>
+                      <a:pPr algn="ctr"/>
+                      <a:endParaRPr lang="en-GB" sz="100" b="1" dirty="0"/>
+                    </a:p>
+                  </a:txBody>
+                  <a:tcPr/>
+                </a:tc>
+                <a:tc>
+                  <a:txBody>
+                    <a:bodyPr/>
+                    <a:lstStyle/>
+                    <a:p>
+                      <a:pPr algn="ctr"/>
+                      <a:endParaRPr lang="en-GB" sz="100" b="1" dirty="0"/>
+                    </a:p>
+                  </a:txBody>
+                  <a:tcPr/>
+                </a:tc>
+                <a:tc>
+                  <a:txBody>
+                    <a:bodyPr/>
+                    <a:lstStyle/>
+                    <a:p>
+                      <a:pPr algn="ctr"/>
+                      <a:endParaRPr lang="en-GB" sz="100" b="1" dirty="0"/>
+                    </a:p>
+                  </a:txBody>
+                  <a:tcPr/>
+                </a:tc>
+                <a:tc>
+                  <a:txBody>
+                    <a:bodyPr/>
+                    <a:lstStyle/>
+                    <a:p>
+                      <a:pPr algn="ctr"/>
+                      <a:endParaRPr lang="en-GB" sz="100" b="1" dirty="0"/>
+                    </a:p>
+                  </a:txBody>
+                  <a:tcPr/>
+                </a:tc>
+                <a:tc>
+                  <a:txBody>
+                    <a:bodyPr/>
+                    <a:lstStyle/>
+                    <a:p>
+                      <a:pPr algn="ctr"/>
+                      <a:endParaRPr lang="en-GB" sz="100" b="1" dirty="0"/>
+                    </a:p>
+                  </a:txBody>
+                  <a:tcPr/>
+                </a:tc>
+                <a:tc>
+                  <a:txBody>
+                    <a:bodyPr/>
+                    <a:lstStyle/>
+                    <a:p>
+                      <a:pPr algn="ctr"/>
+                      <a:endParaRPr lang="en-GB" sz="100" b="1" dirty="0"/>
+                    </a:p>
+                  </a:txBody>
+                  <a:tcPr/>
+                </a:tc>
+                <a:tc>
+                  <a:txBody>
+                    <a:bodyPr/>
+                    <a:lstStyle/>
+                    <a:p>
+                      <a:pPr algn="ctr"/>
+                      <a:endParaRPr lang="en-GB" sz="100" b="1" dirty="0"/>
+                    </a:p>
+                  </a:txBody>
+                  <a:tcPr/>
+                </a:tc>
+                <a:tc>
+                  <a:txBody>
+                    <a:bodyPr/>
+                    <a:lstStyle/>
+                    <a:p>
+                      <a:pPr algn="ctr"/>
+                      <a:endParaRPr lang="en-GB" sz="100" b="1" dirty="0"/>
+                    </a:p>
+                  </a:txBody>
+                  <a:tcPr/>
+                </a:tc>
+                <a:tc>
+                  <a:txBody>
+                    <a:bodyPr/>
+                    <a:lstStyle/>
+                    <a:p>
+                      <a:pPr algn="ctr"/>
+                      <a:endParaRPr lang="en-GB" sz="100" b="1" dirty="0"/>
+                    </a:p>
+                  </a:txBody>
+                  <a:tcPr/>
+                </a:tc>
+              </a:tr>
+              <a:tr h="234857">
+                <a:tc>
+                  <a:txBody>
+                    <a:bodyPr/>
+                    <a:lstStyle/>
+                    <a:p>
+                      <a:pPr algn="ctr"/>
+                      <a:endParaRPr lang="en-GB" sz="100" b="1" dirty="0"/>
+                    </a:p>
+                  </a:txBody>
+                  <a:tcPr/>
+                </a:tc>
+                <a:tc>
+                  <a:txBody>
+                    <a:bodyPr/>
+                    <a:lstStyle/>
+                    <a:p>
+                      <a:pPr algn="ctr"/>
+                      <a:endParaRPr lang="en-GB" sz="100" b="1" dirty="0"/>
+                    </a:p>
+                  </a:txBody>
+                  <a:tcPr/>
+                </a:tc>
+                <a:tc>
+                  <a:txBody>
+                    <a:bodyPr/>
+                    <a:lstStyle/>
+                    <a:p>
+                      <a:pPr algn="ctr"/>
+                      <a:endParaRPr lang="en-GB" sz="100" b="1" dirty="0"/>
+                    </a:p>
+                  </a:txBody>
+                  <a:tcPr/>
+                </a:tc>
+                <a:tc>
+                  <a:txBody>
+                    <a:bodyPr/>
+                    <a:lstStyle/>
+                    <a:p>
+                      <a:pPr algn="ctr"/>
+                      <a:endParaRPr lang="en-GB" sz="100" b="1" dirty="0"/>
+                    </a:p>
+                  </a:txBody>
+                  <a:tcPr/>
+                </a:tc>
+                <a:tc>
+                  <a:txBody>
+                    <a:bodyPr/>
+                    <a:lstStyle/>
+                    <a:p>
+                      <a:pPr algn="ctr"/>
+                      <a:endParaRPr lang="en-GB" sz="100" b="1" dirty="0"/>
+                    </a:p>
+                  </a:txBody>
+                  <a:tcPr/>
+                </a:tc>
+                <a:tc>
+                  <a:txBody>
+                    <a:bodyPr/>
+                    <a:lstStyle/>
+                    <a:p>
+                      <a:pPr algn="ctr"/>
+                      <a:endParaRPr lang="en-GB" sz="100" b="1" dirty="0"/>
+                    </a:p>
+                  </a:txBody>
+                  <a:tcPr/>
+                </a:tc>
+                <a:tc>
+                  <a:txBody>
+                    <a:bodyPr/>
+                    <a:lstStyle/>
+                    <a:p>
+                      <a:pPr algn="ctr"/>
+                      <a:endParaRPr lang="en-GB" sz="100" b="1" dirty="0"/>
+                    </a:p>
+                  </a:txBody>
+                  <a:tcPr/>
+                </a:tc>
+                <a:tc>
+                  <a:txBody>
+                    <a:bodyPr/>
+                    <a:lstStyle/>
+                    <a:p>
+                      <a:pPr algn="ctr"/>
+                      <a:endParaRPr lang="en-GB" sz="100" b="1" dirty="0"/>
+                    </a:p>
+                  </a:txBody>
+                  <a:tcPr/>
+                </a:tc>
+                <a:tc>
+                  <a:txBody>
+                    <a:bodyPr/>
+                    <a:lstStyle/>
+                    <a:p>
+                      <a:pPr algn="ctr"/>
+                      <a:endParaRPr lang="en-GB" sz="100" b="1" dirty="0"/>
+                    </a:p>
+                  </a:txBody>
+                  <a:tcPr/>
+                </a:tc>
+                <a:tc>
+                  <a:txBody>
+                    <a:bodyPr/>
+                    <a:lstStyle/>
+                    <a:p>
+                      <a:pPr algn="ctr"/>
+                      <a:endParaRPr lang="en-GB" sz="100" b="1" dirty="0"/>
+                    </a:p>
+                  </a:txBody>
+                  <a:tcPr/>
+                </a:tc>
+              </a:tr>
+              <a:tr h="234857">
+                <a:tc>
+                  <a:txBody>
+                    <a:bodyPr/>
+                    <a:lstStyle/>
+                    <a:p>
+                      <a:pPr algn="ctr"/>
+                      <a:endParaRPr lang="en-GB" sz="100" b="1" dirty="0"/>
+                    </a:p>
+                  </a:txBody>
+                  <a:tcPr/>
+                </a:tc>
+                <a:tc>
+                  <a:txBody>
+                    <a:bodyPr/>
+                    <a:lstStyle/>
+                    <a:p>
+                      <a:pPr algn="ctr"/>
+                      <a:endParaRPr lang="en-GB" sz="100" b="1" dirty="0"/>
+                    </a:p>
+                  </a:txBody>
+                  <a:tcPr/>
+                </a:tc>
+                <a:tc>
+                  <a:txBody>
+                    <a:bodyPr/>
+                    <a:lstStyle/>
+                    <a:p>
+                      <a:pPr algn="ctr"/>
+                      <a:endParaRPr lang="en-GB" sz="100" b="1" dirty="0"/>
+                    </a:p>
+                  </a:txBody>
+                  <a:tcPr/>
+                </a:tc>
+                <a:tc>
+                  <a:txBody>
+                    <a:bodyPr/>
+                    <a:lstStyle/>
+                    <a:p>
+                      <a:pPr algn="ctr"/>
+                      <a:endParaRPr lang="en-GB" sz="100" b="1" dirty="0"/>
+                    </a:p>
+                  </a:txBody>
+                  <a:tcPr/>
+                </a:tc>
+                <a:tc>
+                  <a:txBody>
+                    <a:bodyPr/>
+                    <a:lstStyle/>
+                    <a:p>
+                      <a:pPr algn="ctr"/>
+                      <a:endParaRPr lang="en-GB" sz="100" b="1" dirty="0"/>
+                    </a:p>
+                  </a:txBody>
+                  <a:tcPr/>
+                </a:tc>
+                <a:tc>
+                  <a:txBody>
+                    <a:bodyPr/>
+                    <a:lstStyle/>
+                    <a:p>
+                      <a:pPr algn="ctr"/>
+                      <a:endParaRPr lang="en-GB" sz="100" b="1" dirty="0"/>
+                    </a:p>
+                  </a:txBody>
+                  <a:tcPr/>
+                </a:tc>
+                <a:tc>
+                  <a:txBody>
+                    <a:bodyPr/>
+                    <a:lstStyle/>
+                    <a:p>
+                      <a:pPr algn="ctr"/>
+                      <a:endParaRPr lang="en-GB" sz="100" b="1" dirty="0"/>
+                    </a:p>
+                  </a:txBody>
+                  <a:tcPr/>
+                </a:tc>
+                <a:tc>
+                  <a:txBody>
+                    <a:bodyPr/>
+                    <a:lstStyle/>
+                    <a:p>
+                      <a:pPr algn="ctr"/>
+                      <a:endParaRPr lang="en-GB" sz="100" b="1" dirty="0"/>
+                    </a:p>
+                  </a:txBody>
+                  <a:tcPr/>
+                </a:tc>
+                <a:tc>
+                  <a:txBody>
+                    <a:bodyPr/>
+                    <a:lstStyle/>
+                    <a:p>
+                      <a:pPr algn="ctr"/>
+                      <a:endParaRPr lang="en-GB" sz="100" b="1" dirty="0"/>
+                    </a:p>
+                  </a:txBody>
+                  <a:tcPr/>
+                </a:tc>
+                <a:tc>
+                  <a:txBody>
+                    <a:bodyPr/>
+                    <a:lstStyle/>
+                    <a:p>
+                      <a:pPr algn="ctr"/>
+                      <a:endParaRPr lang="en-GB" sz="100" b="1" dirty="0"/>
+                    </a:p>
+                  </a:txBody>
+                  <a:tcPr/>
+                </a:tc>
+              </a:tr>
+            </a:tbl>
+          </a:graphicData>
+        </a:graphic>
+      </p:graphicFrame>
+      <p:pic>
+        <p:nvPicPr>
+          <p:cNvPr id="37" name="Picture 2"/>
+          <p:cNvPicPr>
+            <a:picLocks noChangeAspect="1" noChangeArrowheads="1"/>
+          </p:cNvPicPr>
+          <p:nvPr/>
+        </p:nvPicPr>
+        <p:blipFill>
+          <a:blip r:embed="rId3" cstate="print">
+            <a:extLst>
+              <a:ext uri="{28A0092B-C50C-407E-A947-70E740481C1C}">
+                <a14:useLocalDpi xmlns:a14="http://schemas.microsoft.com/office/drawing/2010/main" val="0"/>
+              </a:ext>
+            </a:extLst>
+          </a:blip>
+          <a:srcRect/>
+          <a:stretch>
+            <a:fillRect/>
+          </a:stretch>
+        </p:blipFill>
+        <p:spPr bwMode="auto">
+          <a:xfrm>
+            <a:off x="18323598" y="7571581"/>
+            <a:ext cx="2298027" cy="1381362"/>
           </a:xfrm>
           <a:prstGeom prst="rect">
             <a:avLst/>
@@ -15329,54 +17208,16 @@
   <a:objectDefaults>
     <a:spDef>
       <a:spPr bwMode="auto">
-        <a:xfrm>
-          <a:off x="0" y="0"/>
-          <a:ext cx="1" cy="1"/>
-        </a:xfrm>
-        <a:custGeom>
-          <a:avLst/>
-          <a:gdLst/>
-          <a:ahLst/>
-          <a:cxnLst/>
-          <a:rect l="0" t="0" r="0" b="0"/>
-          <a:pathLst/>
-        </a:custGeom>
-        <a:noFill/>
+        <a:solidFill>
+          <a:schemeClr val="accent4"/>
+        </a:solidFill>
         <a:ln>
           <a:noFill/>
         </a:ln>
         <a:effectLst/>
-        <a:extLst>
-          <a:ext uri="{909E8E84-426E-40DD-AFC4-6F175D3DCCD1}">
-            <a14:hiddenFill xmlns:a14="http://schemas.microsoft.com/office/drawing/2010/main">
-              <a:solidFill>
-                <a:schemeClr val="accent1"/>
-              </a:solidFill>
-            </a14:hiddenFill>
-          </a:ext>
-          <a:ext uri="{91240B29-F687-4F45-9708-019B960494DF}">
-            <a14:hiddenLine xmlns:a14="http://schemas.microsoft.com/office/drawing/2010/main" w="9525" cap="flat" cmpd="sng" algn="ctr">
-              <a:solidFill>
-                <a:schemeClr val="tx1"/>
-              </a:solidFill>
-              <a:prstDash val="solid"/>
-              <a:round/>
-              <a:headEnd type="none" w="med" len="med"/>
-              <a:tailEnd type="none" w="med" len="med"/>
-            </a14:hiddenLine>
-          </a:ext>
-          <a:ext uri="{AF507438-7753-43E0-B8FC-AC1667EBCBE1}">
-            <a14:hiddenEffects xmlns:a14="http://schemas.microsoft.com/office/drawing/2010/main">
-              <a:effectLst>
-                <a:outerShdw dist="35921" dir="2700000" algn="ctr" rotWithShape="0">
-                  <a:schemeClr val="bg2"/>
-                </a:outerShdw>
-              </a:effectLst>
-            </a14:hiddenEffects>
-          </a:ext>
-        </a:extLst>
+        <a:extLst/>
       </a:spPr>
-      <a:bodyPr vert="horz" wrap="square" lIns="457200" tIns="228600" rIns="457200" bIns="228600" numCol="1" anchor="t" anchorCtr="0" compatLnSpc="1">
+      <a:bodyPr vert="horz" wrap="square" lIns="457200" tIns="228600" rIns="457200" bIns="228600" numCol="1" rtlCol="0" anchor="t" anchorCtr="0" compatLnSpc="1">
         <a:prstTxWarp prst="textNoShape">
           <a:avLst/>
         </a:prstTxWarp>
@@ -15397,7 +17238,7 @@
           <a:buFontTx/>
           <a:buNone/>
           <a:tabLst/>
-          <a:defRPr kumimoji="0" lang="sv-SE" sz="4600" b="0" i="0" u="none" strike="noStrike" cap="none" normalizeH="0" baseline="0" smtClean="0">
+          <a:defRPr kumimoji="0" sz="4600" b="0" i="0" u="none" strike="noStrike" cap="none" normalizeH="0" baseline="0" smtClean="0">
             <a:ln>
               <a:noFill/>
             </a:ln>

--- a/Presentation_material/poster.pptx
+++ b/Presentation_material/poster.pptx
@@ -255,11 +255,11 @@
           <c:showBubbleSize val="0"/>
         </c:dLbls>
         <c:gapWidth val="150"/>
-        <c:axId val="162717056"/>
-        <c:axId val="175550464"/>
+        <c:axId val="118861184"/>
+        <c:axId val="120091776"/>
       </c:barChart>
       <c:catAx>
-        <c:axId val="162717056"/>
+        <c:axId val="118861184"/>
         <c:scaling>
           <c:orientation val="minMax"/>
         </c:scaling>
@@ -278,7 +278,7 @@
             <a:endParaRPr lang="en-US"/>
           </a:p>
         </c:txPr>
-        <c:crossAx val="175550464"/>
+        <c:crossAx val="120091776"/>
         <c:crosses val="autoZero"/>
         <c:auto val="1"/>
         <c:lblAlgn val="ctr"/>
@@ -286,7 +286,7 @@
         <c:noMultiLvlLbl val="0"/>
       </c:catAx>
       <c:valAx>
-        <c:axId val="175550464"/>
+        <c:axId val="120091776"/>
         <c:scaling>
           <c:orientation val="minMax"/>
         </c:scaling>
@@ -307,7 +307,7 @@
             <a:endParaRPr lang="en-US"/>
           </a:p>
         </c:txPr>
-        <c:crossAx val="162717056"/>
+        <c:crossAx val="118861184"/>
         <c:crosses val="autoZero"/>
         <c:crossBetween val="between"/>
       </c:valAx>
@@ -435,11 +435,11 @@
           <c:showPercent val="0"/>
           <c:showBubbleSize val="0"/>
         </c:dLbls>
-        <c:axId val="163330688"/>
-        <c:axId val="163361152"/>
+        <c:axId val="121736192"/>
+        <c:axId val="121754368"/>
       </c:scatterChart>
       <c:valAx>
-        <c:axId val="163330688"/>
+        <c:axId val="121736192"/>
         <c:scaling>
           <c:orientation val="minMax"/>
           <c:max val="4"/>
@@ -454,12 +454,12 @@
         <c:spPr>
           <a:ln w="12700"/>
         </c:spPr>
-        <c:crossAx val="163361152"/>
+        <c:crossAx val="121754368"/>
         <c:crosses val="autoZero"/>
         <c:crossBetween val="midCat"/>
       </c:valAx>
       <c:valAx>
-        <c:axId val="163361152"/>
+        <c:axId val="121754368"/>
         <c:scaling>
           <c:orientation val="minMax"/>
           <c:max val="2"/>
@@ -470,7 +470,7 @@
         <c:majorTickMark val="none"/>
         <c:minorTickMark val="none"/>
         <c:tickLblPos val="nextTo"/>
-        <c:crossAx val="163330688"/>
+        <c:crossAx val="121736192"/>
         <c:crosses val="autoZero"/>
         <c:crossBetween val="midCat"/>
         <c:majorUnit val="1"/>
@@ -608,11 +608,11 @@
           <c:showPercent val="0"/>
           <c:showBubbleSize val="0"/>
         </c:dLbls>
-        <c:axId val="163376512"/>
-        <c:axId val="167531648"/>
+        <c:axId val="121782272"/>
+        <c:axId val="121783808"/>
       </c:scatterChart>
       <c:valAx>
-        <c:axId val="163376512"/>
+        <c:axId val="121782272"/>
         <c:scaling>
           <c:orientation val="minMax"/>
           <c:max val="4"/>
@@ -627,12 +627,12 @@
         <c:spPr>
           <a:ln w="12700"/>
         </c:spPr>
-        <c:crossAx val="167531648"/>
+        <c:crossAx val="121783808"/>
         <c:crosses val="autoZero"/>
         <c:crossBetween val="midCat"/>
       </c:valAx>
       <c:valAx>
-        <c:axId val="167531648"/>
+        <c:axId val="121783808"/>
         <c:scaling>
           <c:orientation val="minMax"/>
           <c:max val="2"/>
@@ -643,7 +643,7 @@
         <c:majorTickMark val="none"/>
         <c:minorTickMark val="none"/>
         <c:tickLblPos val="nextTo"/>
-        <c:crossAx val="163376512"/>
+        <c:crossAx val="121782272"/>
         <c:crosses val="autoZero"/>
         <c:crossBetween val="midCat"/>
         <c:majorUnit val="1"/>
@@ -781,11 +781,11 @@
           <c:showPercent val="0"/>
           <c:showBubbleSize val="0"/>
         </c:dLbls>
-        <c:axId val="167555456"/>
-        <c:axId val="167556992"/>
+        <c:axId val="121803520"/>
+        <c:axId val="121805056"/>
       </c:scatterChart>
       <c:valAx>
-        <c:axId val="167555456"/>
+        <c:axId val="121803520"/>
         <c:scaling>
           <c:orientation val="minMax"/>
           <c:max val="4"/>
@@ -800,12 +800,12 @@
         <c:spPr>
           <a:ln w="12700"/>
         </c:spPr>
-        <c:crossAx val="167556992"/>
+        <c:crossAx val="121805056"/>
         <c:crosses val="autoZero"/>
         <c:crossBetween val="midCat"/>
       </c:valAx>
       <c:valAx>
-        <c:axId val="167556992"/>
+        <c:axId val="121805056"/>
         <c:scaling>
           <c:orientation val="minMax"/>
           <c:max val="2"/>
@@ -816,7 +816,7 @@
         <c:majorTickMark val="none"/>
         <c:minorTickMark val="none"/>
         <c:tickLblPos val="nextTo"/>
-        <c:crossAx val="167555456"/>
+        <c:crossAx val="121803520"/>
         <c:crosses val="autoZero"/>
         <c:crossBetween val="midCat"/>
         <c:majorUnit val="1"/>
@@ -971,11 +971,11 @@
           <c:showBubbleSize val="0"/>
         </c:dLbls>
         <c:gapWidth val="100"/>
-        <c:axId val="170140800"/>
-        <c:axId val="170142336"/>
+        <c:axId val="122165504"/>
+        <c:axId val="122167296"/>
       </c:barChart>
       <c:catAx>
-        <c:axId val="170140800"/>
+        <c:axId val="122165504"/>
         <c:scaling>
           <c:orientation val="minMax"/>
         </c:scaling>
@@ -984,7 +984,7 @@
         <c:majorTickMark val="out"/>
         <c:minorTickMark val="none"/>
         <c:tickLblPos val="nextTo"/>
-        <c:crossAx val="170142336"/>
+        <c:crossAx val="122167296"/>
         <c:crosses val="autoZero"/>
         <c:auto val="1"/>
         <c:lblAlgn val="ctr"/>
@@ -992,7 +992,7 @@
         <c:noMultiLvlLbl val="0"/>
       </c:catAx>
       <c:valAx>
-        <c:axId val="170142336"/>
+        <c:axId val="122167296"/>
         <c:scaling>
           <c:orientation val="minMax"/>
         </c:scaling>
@@ -1003,7 +1003,7 @@
         <c:majorTickMark val="out"/>
         <c:minorTickMark val="none"/>
         <c:tickLblPos val="nextTo"/>
-        <c:crossAx val="170140800"/>
+        <c:crossAx val="122165504"/>
         <c:crosses val="autoZero"/>
         <c:crossBetween val="between"/>
       </c:valAx>
@@ -5286,8 +5286,8 @@
         </p:nvSpPr>
         <p:spPr bwMode="auto">
           <a:xfrm>
-            <a:off x="5794191" y="10848182"/>
-            <a:ext cx="20285259" cy="11701944"/>
+            <a:off x="5734050" y="10771981"/>
+            <a:ext cx="20285259" cy="12115800"/>
           </a:xfrm>
           <a:prstGeom prst="roundRect">
             <a:avLst>
@@ -5397,7 +5397,7 @@
         </p:nvSpPr>
         <p:spPr bwMode="auto">
           <a:xfrm>
-            <a:off x="5794191" y="2479334"/>
+            <a:off x="5794191" y="2403134"/>
             <a:ext cx="10299886" cy="7759247"/>
           </a:xfrm>
           <a:prstGeom prst="roundRect">
@@ -5473,11 +5473,7 @@
             </a:r>
             <a:r>
               <a:rPr lang="en-GB" sz="3200" dirty="0" smtClean="0"/>
-              <a:t>on </a:t>
-            </a:r>
-            <a:r>
-              <a:rPr lang="en-GB" sz="3200" dirty="0" smtClean="0"/>
-              <a:t>performance </a:t>
+              <a:t>on performance </a:t>
             </a:r>
             <a:r>
               <a:rPr lang="en-GB" sz="3200" dirty="0"/>
@@ -5641,7 +5637,7 @@
         </p:nvSpPr>
         <p:spPr>
           <a:xfrm>
-            <a:off x="7973512" y="2085181"/>
+            <a:off x="7973512" y="2008981"/>
             <a:ext cx="4725979" cy="800219"/>
           </a:xfrm>
           <a:prstGeom prst="rect">
@@ -5687,7 +5683,7 @@
         </p:nvSpPr>
         <p:spPr bwMode="auto">
           <a:xfrm>
-            <a:off x="26643212" y="10848181"/>
+            <a:off x="26643212" y="10771981"/>
             <a:ext cx="8880987" cy="11612134"/>
           </a:xfrm>
           <a:prstGeom prst="roundRect">
@@ -5757,7 +5753,7 @@
         </p:nvSpPr>
         <p:spPr>
           <a:xfrm>
-            <a:off x="29130512" y="10505162"/>
+            <a:off x="29130512" y="10428962"/>
             <a:ext cx="4177017" cy="800219"/>
           </a:xfrm>
           <a:prstGeom prst="rect">
@@ -5980,7 +5976,7 @@
         </p:nvSpPr>
         <p:spPr bwMode="auto">
           <a:xfrm>
-            <a:off x="6000918" y="22811581"/>
+            <a:off x="6000918" y="22887781"/>
             <a:ext cx="29531271" cy="2102568"/>
           </a:xfrm>
           <a:prstGeom prst="roundRect">
@@ -6436,13 +6432,13 @@
           <p:nvPr>
             <p:extLst>
               <p:ext uri="{D42A27DB-BD31-4B8C-83A1-F6EECF244321}">
-                <p14:modId xmlns:p14="http://schemas.microsoft.com/office/powerpoint/2010/main" val="201551280"/>
+                <p14:modId xmlns:p14="http://schemas.microsoft.com/office/powerpoint/2010/main" val="117940841"/>
               </p:ext>
             </p:extLst>
           </p:nvPr>
         </p:nvGraphicFramePr>
         <p:xfrm>
-          <a:off x="26715229" y="17698974"/>
+          <a:off x="26715229" y="17622774"/>
           <a:ext cx="8808969" cy="4691889"/>
         </p:xfrm>
         <a:graphic>
@@ -7330,7 +7326,7 @@
         </p:nvSpPr>
         <p:spPr>
           <a:xfrm>
-            <a:off x="13986807" y="10520124"/>
+            <a:off x="13986807" y="10390981"/>
             <a:ext cx="6078520" cy="800219"/>
           </a:xfrm>
           <a:prstGeom prst="rect">
@@ -7377,13 +7373,13 @@
           <p:nvPr>
             <p:extLst>
               <p:ext uri="{D42A27DB-BD31-4B8C-83A1-F6EECF244321}">
-                <p14:modId xmlns:p14="http://schemas.microsoft.com/office/powerpoint/2010/main" val="4065635576"/>
+                <p14:modId xmlns:p14="http://schemas.microsoft.com/office/powerpoint/2010/main" val="1631255502"/>
               </p:ext>
             </p:extLst>
           </p:nvPr>
         </p:nvGraphicFramePr>
         <p:xfrm>
-          <a:off x="8365073" y="11381581"/>
+          <a:off x="10632167" y="11641538"/>
           <a:ext cx="1692651" cy="1395431"/>
         </p:xfrm>
         <a:graphic>
@@ -7587,13 +7583,13 @@
           <p:nvPr>
             <p:extLst>
               <p:ext uri="{D42A27DB-BD31-4B8C-83A1-F6EECF244321}">
-                <p14:modId xmlns:p14="http://schemas.microsoft.com/office/powerpoint/2010/main" val="1327559024"/>
+                <p14:modId xmlns:p14="http://schemas.microsoft.com/office/powerpoint/2010/main" val="989895637"/>
               </p:ext>
             </p:extLst>
           </p:nvPr>
         </p:nvGraphicFramePr>
         <p:xfrm>
-          <a:off x="7518746" y="12136818"/>
+          <a:off x="9978001" y="12396775"/>
           <a:ext cx="1692651" cy="1395431"/>
         </p:xfrm>
         <a:graphic>
@@ -7797,13 +7793,13 @@
           <p:nvPr>
             <p:extLst>
               <p:ext uri="{D42A27DB-BD31-4B8C-83A1-F6EECF244321}">
-                <p14:modId xmlns:p14="http://schemas.microsoft.com/office/powerpoint/2010/main" val="1614573606"/>
+                <p14:modId xmlns:p14="http://schemas.microsoft.com/office/powerpoint/2010/main" val="4196312660"/>
               </p:ext>
             </p:extLst>
           </p:nvPr>
         </p:nvGraphicFramePr>
         <p:xfrm>
-          <a:off x="6856195" y="12561655"/>
+          <a:off x="9467850" y="12821612"/>
           <a:ext cx="1692651" cy="1395431"/>
         </p:xfrm>
         <a:graphic>
@@ -8006,7 +8002,7 @@
         </p:nvSpPr>
         <p:spPr>
           <a:xfrm>
-            <a:off x="19145250" y="11569572"/>
+            <a:off x="19145250" y="11738034"/>
             <a:ext cx="6705600" cy="2259080"/>
           </a:xfrm>
           <a:prstGeom prst="rect">
@@ -8064,7 +8060,7 @@
         </p:nvSpPr>
         <p:spPr>
           <a:xfrm>
-            <a:off x="19145250" y="14341439"/>
+            <a:off x="19145250" y="14509901"/>
             <a:ext cx="6705599" cy="3440942"/>
           </a:xfrm>
           <a:prstGeom prst="rect">
@@ -8134,7 +8130,7 @@
         </p:nvSpPr>
         <p:spPr>
           <a:xfrm>
-            <a:off x="19145250" y="18087181"/>
+            <a:off x="19145250" y="18255643"/>
             <a:ext cx="6705599" cy="4327338"/>
           </a:xfrm>
           <a:prstGeom prst="rect">
@@ -8183,7 +8179,6 @@
               <a:rPr lang="en-GB" sz="3200" dirty="0" smtClean="0"/>
               <a:t>Activation magnitude &amp; direction forms 2D vector field output</a:t>
             </a:r>
-            <a:endParaRPr lang="en-GB" sz="3200" dirty="0" smtClean="0"/>
           </a:p>
         </p:txBody>
       </p:sp>
@@ -8196,13 +8191,13 @@
           <p:nvPr>
             <p:extLst>
               <p:ext uri="{D42A27DB-BD31-4B8C-83A1-F6EECF244321}">
-                <p14:modId xmlns:p14="http://schemas.microsoft.com/office/powerpoint/2010/main" val="1669252693"/>
+                <p14:modId xmlns:p14="http://schemas.microsoft.com/office/powerpoint/2010/main" val="2954131646"/>
               </p:ext>
             </p:extLst>
           </p:nvPr>
         </p:nvGraphicFramePr>
         <p:xfrm>
-          <a:off x="14765867" y="15070101"/>
+          <a:off x="15908867" y="15238563"/>
           <a:ext cx="2931583" cy="2192253"/>
         </p:xfrm>
         <a:graphic>
@@ -8211,8 +8206,8 @@
           </a:graphicData>
         </a:graphic>
       </p:graphicFrame>
-      <mc:AlternateContent xmlns:mc="http://schemas.openxmlformats.org/markup-compatibility/2006">
-        <mc:Choice xmlns:a14="http://schemas.microsoft.com/office/drawing/2010/main" Requires="a14">
+      <mc:AlternateContent xmlns:mc="http://schemas.openxmlformats.org/markup-compatibility/2006" xmlns:a14="http://schemas.microsoft.com/office/drawing/2010/main">
+        <mc:Choice Requires="a14">
           <p:sp>
             <p:nvSpPr>
               <p:cNvPr id="56" name="TextBox 55"/>
@@ -8221,7 +8216,7 @@
             </p:nvSpPr>
             <p:spPr>
               <a:xfrm>
-                <a:off x="11474607" y="12001620"/>
+                <a:off x="13333314" y="12170082"/>
                 <a:ext cx="2154336" cy="1476173"/>
               </a:xfrm>
               <a:prstGeom prst="rect">
@@ -8364,7 +8359,7 @@
             </p:txBody>
           </p:sp>
         </mc:Choice>
-        <mc:Fallback>
+        <mc:Fallback xmlns="">
           <p:sp>
             <p:nvSpPr>
               <p:cNvPr id="56" name="TextBox 55"/>
@@ -8375,7 +8370,7 @@
             </p:nvSpPr>
             <p:spPr>
               <a:xfrm>
-                <a:off x="11474607" y="12001620"/>
+                <a:off x="13333314" y="12170082"/>
                 <a:ext cx="2154336" cy="1476173"/>
               </a:xfrm>
               <a:prstGeom prst="rect">
@@ -8412,13 +8407,13 @@
           <p:nvPr>
             <p:extLst>
               <p:ext uri="{D42A27DB-BD31-4B8C-83A1-F6EECF244321}">
-                <p14:modId xmlns:p14="http://schemas.microsoft.com/office/powerpoint/2010/main" val="999749977"/>
+                <p14:modId xmlns:p14="http://schemas.microsoft.com/office/powerpoint/2010/main" val="3793320096"/>
               </p:ext>
             </p:extLst>
           </p:nvPr>
         </p:nvGraphicFramePr>
         <p:xfrm>
-          <a:off x="8562075" y="14715255"/>
+          <a:off x="10211802" y="15020055"/>
           <a:ext cx="1692651" cy="1395431"/>
         </p:xfrm>
         <a:graphic>
@@ -8622,13 +8617,13 @@
           <p:nvPr>
             <p:extLst>
               <p:ext uri="{D42A27DB-BD31-4B8C-83A1-F6EECF244321}">
-                <p14:modId xmlns:p14="http://schemas.microsoft.com/office/powerpoint/2010/main" val="1153713577"/>
+                <p14:modId xmlns:p14="http://schemas.microsoft.com/office/powerpoint/2010/main" val="3481615646"/>
               </p:ext>
             </p:extLst>
           </p:nvPr>
         </p:nvGraphicFramePr>
         <p:xfrm>
-          <a:off x="7624115" y="15570024"/>
+          <a:off x="9663746" y="15874824"/>
           <a:ext cx="1692651" cy="1395431"/>
         </p:xfrm>
         <a:graphic>
@@ -8831,13 +8826,13 @@
           <p:nvPr>
             <p:extLst>
               <p:ext uri="{D42A27DB-BD31-4B8C-83A1-F6EECF244321}">
-                <p14:modId xmlns:p14="http://schemas.microsoft.com/office/powerpoint/2010/main" val="2638821235"/>
+                <p14:modId xmlns:p14="http://schemas.microsoft.com/office/powerpoint/2010/main" val="1039049031"/>
               </p:ext>
             </p:extLst>
           </p:nvPr>
         </p:nvGraphicFramePr>
         <p:xfrm>
-          <a:off x="6971019" y="16005950"/>
+          <a:off x="9315450" y="16310750"/>
           <a:ext cx="1692651" cy="1395431"/>
         </p:xfrm>
         <a:graphic>
@@ -9040,7 +9035,7 @@
         </p:nvCxnSpPr>
         <p:spPr bwMode="auto">
           <a:xfrm>
-            <a:off x="5886450" y="14297019"/>
+            <a:off x="5886450" y="14465481"/>
             <a:ext cx="19964400" cy="0"/>
           </a:xfrm>
           <a:prstGeom prst="line">
@@ -9085,7 +9080,7 @@
         </p:nvSpPr>
         <p:spPr bwMode="auto">
           <a:xfrm>
-            <a:off x="10520459" y="12510034"/>
+            <a:off x="12624699" y="12678496"/>
             <a:ext cx="653151" cy="457200"/>
           </a:xfrm>
           <a:prstGeom prst="stripedRightArrow">
@@ -9145,7 +9140,7 @@
         </p:nvSpPr>
         <p:spPr bwMode="auto">
           <a:xfrm>
-            <a:off x="14240807" y="12511105"/>
+            <a:off x="15640050" y="12679567"/>
             <a:ext cx="658137" cy="457200"/>
           </a:xfrm>
           <a:prstGeom prst="stripedRightArrow">
@@ -9220,7 +9215,7 @@
         </p:blipFill>
         <p:spPr bwMode="auto">
           <a:xfrm>
-            <a:off x="15389044" y="11569572"/>
+            <a:off x="16455844" y="11738034"/>
             <a:ext cx="2274355" cy="1844873"/>
           </a:xfrm>
           <a:prstGeom prst="rect">
@@ -9243,7 +9238,7 @@
         </p:nvGrpSpPr>
         <p:grpSpPr>
           <a:xfrm>
-            <a:off x="15389652" y="13514925"/>
+            <a:off x="16456452" y="13683387"/>
             <a:ext cx="2409881" cy="381256"/>
             <a:chOff x="21416658" y="4904581"/>
             <a:chExt cx="1719567" cy="228600"/>
@@ -9378,7 +9373,7 @@
         </p:nvSpPr>
         <p:spPr>
           <a:xfrm>
-            <a:off x="15543322" y="13526849"/>
+            <a:off x="16610122" y="13695311"/>
             <a:ext cx="2306528" cy="369332"/>
           </a:xfrm>
           <a:prstGeom prst="rect">
@@ -9415,9 +9410,9 @@
           <p:nvPr/>
         </p:nvSpPr>
         <p:spPr bwMode="auto">
-          <a:xfrm flipH="1">
-            <a:off x="10234329" y="13621522"/>
-            <a:ext cx="5024721" cy="350859"/>
+          <a:xfrm rot="21355972" flipH="1">
+            <a:off x="11997072" y="13855411"/>
+            <a:ext cx="4331992" cy="350859"/>
           </a:xfrm>
           <a:custGeom>
             <a:avLst/>
@@ -9523,7 +9518,7 @@
         </p:nvSpPr>
         <p:spPr bwMode="auto">
           <a:xfrm>
-            <a:off x="14118563" y="16321026"/>
+            <a:off x="15261563" y="16334581"/>
             <a:ext cx="658137" cy="457200"/>
           </a:xfrm>
           <a:prstGeom prst="stripedRightArrow">
@@ -9584,14 +9579,14 @@
           <p:nvPr>
             <p:extLst>
               <p:ext uri="{D42A27DB-BD31-4B8C-83A1-F6EECF244321}">
-                <p14:modId xmlns:p14="http://schemas.microsoft.com/office/powerpoint/2010/main" val="632036912"/>
+                <p14:modId xmlns:p14="http://schemas.microsoft.com/office/powerpoint/2010/main" val="1708998225"/>
               </p:ext>
             </p:extLst>
           </p:nvPr>
         </p:nvGraphicFramePr>
         <p:xfrm>
-          <a:off x="11841601" y="15351669"/>
-          <a:ext cx="2173099" cy="906973"/>
+          <a:off x="13526850" y="15488955"/>
+          <a:ext cx="1656000" cy="906973"/>
         </p:xfrm>
         <a:graphic>
           <a:graphicData uri="http://schemas.openxmlformats.org/drawingml/2006/chart">
@@ -9608,14 +9603,14 @@
           <p:nvPr>
             <p:extLst>
               <p:ext uri="{D42A27DB-BD31-4B8C-83A1-F6EECF244321}">
-                <p14:modId xmlns:p14="http://schemas.microsoft.com/office/powerpoint/2010/main" val="2083978296"/>
+                <p14:modId xmlns:p14="http://schemas.microsoft.com/office/powerpoint/2010/main" val="3363093089"/>
               </p:ext>
             </p:extLst>
           </p:nvPr>
         </p:nvGraphicFramePr>
         <p:xfrm>
-          <a:off x="11745054" y="15756802"/>
-          <a:ext cx="2173099" cy="906973"/>
+          <a:off x="13263491" y="15958649"/>
+          <a:ext cx="1656000" cy="906973"/>
         </p:xfrm>
         <a:graphic>
           <a:graphicData uri="http://schemas.openxmlformats.org/drawingml/2006/chart">
@@ -9631,7 +9626,7 @@
         </p:nvCxnSpPr>
         <p:spPr bwMode="auto">
           <a:xfrm>
-            <a:off x="5886450" y="17858581"/>
+            <a:off x="5886450" y="18027043"/>
             <a:ext cx="19964400" cy="0"/>
           </a:xfrm>
           <a:prstGeom prst="line">
@@ -9677,14 +9672,14 @@
           <p:nvPr>
             <p:extLst>
               <p:ext uri="{D42A27DB-BD31-4B8C-83A1-F6EECF244321}">
-                <p14:modId xmlns:p14="http://schemas.microsoft.com/office/powerpoint/2010/main" val="2437069405"/>
+                <p14:modId xmlns:p14="http://schemas.microsoft.com/office/powerpoint/2010/main" val="1561958754"/>
               </p:ext>
             </p:extLst>
           </p:nvPr>
         </p:nvGraphicFramePr>
         <p:xfrm>
-          <a:off x="11553189" y="16214005"/>
-          <a:ext cx="2173099" cy="906973"/>
+          <a:off x="12945188" y="16418208"/>
+          <a:ext cx="1656000" cy="906973"/>
         </p:xfrm>
         <a:graphic>
           <a:graphicData uri="http://schemas.openxmlformats.org/drawingml/2006/chart">
@@ -9700,8 +9695,8 @@
         </p:nvSpPr>
         <p:spPr bwMode="auto">
           <a:xfrm>
-            <a:off x="10731896" y="16418467"/>
-            <a:ext cx="658137" cy="457200"/>
+            <a:off x="12211050" y="16105981"/>
+            <a:ext cx="533400" cy="457200"/>
           </a:xfrm>
           <a:prstGeom prst="stripedRightArrow">
             <a:avLst/>
@@ -9762,7 +9757,7 @@
             </p:nvSpPr>
             <p:spPr>
               <a:xfrm>
-                <a:off x="9696698" y="16172767"/>
+                <a:off x="11440190" y="16477567"/>
                 <a:ext cx="770860" cy="830997"/>
               </a:xfrm>
               <a:prstGeom prst="rect">
@@ -9808,7 +9803,7 @@
             </p:nvSpPr>
             <p:spPr>
               <a:xfrm>
-                <a:off x="9696698" y="16172767"/>
+                <a:off x="11440190" y="16477567"/>
                 <a:ext cx="770860" cy="830997"/>
               </a:xfrm>
               <a:prstGeom prst="rect">
@@ -9844,7 +9839,7 @@
         </p:nvSpPr>
         <p:spPr>
           <a:xfrm>
-            <a:off x="7659085" y="11433687"/>
+            <a:off x="9926179" y="11693644"/>
             <a:ext cx="589999" cy="584775"/>
           </a:xfrm>
           <a:prstGeom prst="rect">
@@ -9874,7 +9869,7 @@
         </p:nvSpPr>
         <p:spPr>
           <a:xfrm>
-            <a:off x="7885662" y="14894472"/>
+            <a:off x="9535389" y="15199272"/>
             <a:ext cx="589999" cy="584775"/>
           </a:xfrm>
           <a:prstGeom prst="rect">
@@ -9905,13 +9900,13 @@
           <p:nvPr>
             <p:extLst>
               <p:ext uri="{D42A27DB-BD31-4B8C-83A1-F6EECF244321}">
-                <p14:modId xmlns:p14="http://schemas.microsoft.com/office/powerpoint/2010/main" val="1425674987"/>
+                <p14:modId xmlns:p14="http://schemas.microsoft.com/office/powerpoint/2010/main" val="2994214989"/>
               </p:ext>
             </p:extLst>
           </p:nvPr>
         </p:nvGraphicFramePr>
         <p:xfrm>
-          <a:off x="26722921" y="11991181"/>
+          <a:off x="26722921" y="11914981"/>
           <a:ext cx="8801279" cy="5048183"/>
         </p:xfrm>
         <a:graphic>
@@ -9928,7 +9923,7 @@
         </p:nvSpPr>
         <p:spPr bwMode="auto">
           <a:xfrm>
-            <a:off x="20122878" y="4557062"/>
+            <a:off x="20122878" y="4480862"/>
             <a:ext cx="5259651" cy="3744416"/>
           </a:xfrm>
           <a:prstGeom prst="roundRect">
@@ -10014,7 +10009,7 @@
         </p:nvGrpSpPr>
         <p:grpSpPr>
           <a:xfrm>
-            <a:off x="26643212" y="2143323"/>
+            <a:off x="26643212" y="2067123"/>
             <a:ext cx="8920828" cy="8095258"/>
             <a:chOff x="13992226" y="13011514"/>
             <a:chExt cx="9525000" cy="9434430"/>
@@ -10145,7 +10140,7 @@
         </p:nvSpPr>
         <p:spPr>
           <a:xfrm>
-            <a:off x="27014956" y="3108772"/>
+            <a:off x="27014956" y="3032572"/>
             <a:ext cx="8240552" cy="3933384"/>
           </a:xfrm>
           <a:prstGeom prst="rect">
@@ -10224,7 +10219,7 @@
         </p:nvGrpSpPr>
         <p:grpSpPr>
           <a:xfrm>
-            <a:off x="27527250" y="6657181"/>
+            <a:off x="27527250" y="6580981"/>
             <a:ext cx="6934200" cy="3189987"/>
             <a:chOff x="15394642" y="16985058"/>
             <a:chExt cx="7504127" cy="4472707"/>
@@ -10627,7 +10622,7 @@
         </p:nvSpPr>
         <p:spPr bwMode="auto">
           <a:xfrm>
-            <a:off x="16747666" y="2561492"/>
+            <a:off x="16747666" y="2485292"/>
             <a:ext cx="9331784" cy="7677089"/>
           </a:xfrm>
           <a:prstGeom prst="roundRect">
@@ -10765,7 +10760,7 @@
         </p:nvSpPr>
         <p:spPr>
           <a:xfrm>
-            <a:off x="17641723" y="2143329"/>
+            <a:off x="17641723" y="2067129"/>
             <a:ext cx="6753307" cy="800219"/>
           </a:xfrm>
           <a:prstGeom prst="rect">
@@ -10811,7 +10806,7 @@
         </p:nvSpPr>
         <p:spPr>
           <a:xfrm>
-            <a:off x="22576796" y="7314292"/>
+            <a:off x="22576796" y="7238092"/>
             <a:ext cx="2899551" cy="660236"/>
           </a:xfrm>
           <a:prstGeom prst="rect">
@@ -10841,7 +10836,7 @@
         </p:nvSpPr>
         <p:spPr>
           <a:xfrm>
-            <a:off x="22576796" y="8679253"/>
+            <a:off x="22576796" y="8603053"/>
             <a:ext cx="2899551" cy="660236"/>
           </a:xfrm>
           <a:prstGeom prst="rect">
@@ -10871,7 +10866,7 @@
         </p:nvSpPr>
         <p:spPr>
           <a:xfrm>
-            <a:off x="23389725" y="7939901"/>
+            <a:off x="23389725" y="7863701"/>
             <a:ext cx="640599" cy="660236"/>
           </a:xfrm>
           <a:prstGeom prst="rect">
@@ -10917,7 +10912,7 @@
         </p:blipFill>
         <p:spPr bwMode="auto">
           <a:xfrm>
-            <a:off x="17911665" y="6926085"/>
+            <a:off x="17911665" y="6849885"/>
             <a:ext cx="2701536" cy="3312496"/>
           </a:xfrm>
           <a:prstGeom prst="rect">
@@ -10966,7 +10961,7 @@
         </p:nvSpPr>
         <p:spPr bwMode="auto">
           <a:xfrm>
-            <a:off x="21552330" y="7994750"/>
+            <a:off x="21552330" y="7918550"/>
             <a:ext cx="720139" cy="680338"/>
           </a:xfrm>
           <a:prstGeom prst="stripedRightArrow">
@@ -11039,7 +11034,7 @@
         </p:blipFill>
         <p:spPr>
           <a:xfrm>
-            <a:off x="15884582" y="18620581"/>
+            <a:off x="15884582" y="18789043"/>
             <a:ext cx="2392334" cy="2209800"/>
           </a:xfrm>
           <a:prstGeom prst="rect">
@@ -11067,7 +11062,7 @@
         </p:nvGrpSpPr>
         <p:grpSpPr>
           <a:xfrm>
-            <a:off x="15906251" y="21058981"/>
+            <a:off x="15906251" y="21227443"/>
             <a:ext cx="2476999" cy="425155"/>
             <a:chOff x="21416658" y="4904581"/>
             <a:chExt cx="1719567" cy="228600"/>
@@ -11202,7 +11197,7 @@
         </p:nvSpPr>
         <p:spPr>
           <a:xfrm>
-            <a:off x="16179424" y="21056222"/>
+            <a:off x="16179424" y="21224684"/>
             <a:ext cx="2127499" cy="369332"/>
           </a:xfrm>
           <a:prstGeom prst="rect">
@@ -11240,7 +11235,7 @@
         </p:nvSpPr>
         <p:spPr bwMode="auto">
           <a:xfrm>
-            <a:off x="15058113" y="19534981"/>
+            <a:off x="15058113" y="19703443"/>
             <a:ext cx="658137" cy="457200"/>
           </a:xfrm>
           <a:prstGeom prst="stripedRightArrow">
@@ -11300,8 +11295,8 @@
         </p:nvGrpSpPr>
         <p:grpSpPr>
           <a:xfrm>
-            <a:off x="6115050" y="21093783"/>
-            <a:ext cx="2476999" cy="381727"/>
+            <a:off x="6184777" y="21262245"/>
+            <a:ext cx="2292474" cy="381727"/>
             <a:chOff x="21416658" y="4904581"/>
             <a:chExt cx="1719567" cy="228600"/>
           </a:xfrm>
@@ -11435,7 +11430,7 @@
         </p:nvSpPr>
         <p:spPr>
           <a:xfrm>
-            <a:off x="6267450" y="21058981"/>
+            <a:off x="6267450" y="21227443"/>
             <a:ext cx="2127499" cy="369332"/>
           </a:xfrm>
           <a:prstGeom prst="rect">
@@ -11474,7 +11469,7 @@
         </p:nvGrpSpPr>
         <p:grpSpPr>
           <a:xfrm>
-            <a:off x="11939959" y="21592381"/>
+            <a:off x="11939959" y="21760843"/>
             <a:ext cx="2585644" cy="443151"/>
             <a:chOff x="21416658" y="4904581"/>
             <a:chExt cx="1719567" cy="228600"/>
@@ -11609,7 +11604,7 @@
         </p:nvSpPr>
         <p:spPr>
           <a:xfrm>
-            <a:off x="12005200" y="21622046"/>
+            <a:off x="12005200" y="21790508"/>
             <a:ext cx="2520402" cy="369332"/>
           </a:xfrm>
           <a:prstGeom prst="rect">
@@ -11662,7 +11657,7 @@
         </p:blipFill>
         <p:spPr>
           <a:xfrm>
-            <a:off x="6184777" y="18696781"/>
+            <a:off x="6184777" y="18865243"/>
             <a:ext cx="2292473" cy="2292473"/>
           </a:xfrm>
           <a:prstGeom prst="rect">
@@ -11693,7 +11688,7 @@
         </p:blipFill>
         <p:spPr bwMode="auto">
           <a:xfrm>
-            <a:off x="12211050" y="18213983"/>
+            <a:off x="12211050" y="18382445"/>
             <a:ext cx="2314552" cy="3302198"/>
           </a:xfrm>
           <a:prstGeom prst="rect">
@@ -11757,7 +11752,7 @@
         </p:blipFill>
         <p:spPr bwMode="auto">
           <a:xfrm>
-            <a:off x="9908113" y="18914377"/>
+            <a:off x="9908113" y="19082839"/>
             <a:ext cx="1585107" cy="1582858"/>
           </a:xfrm>
           <a:prstGeom prst="rect">
@@ -11806,7 +11801,7 @@
         </p:nvSpPr>
         <p:spPr bwMode="auto">
           <a:xfrm>
-            <a:off x="8705850" y="19534981"/>
+            <a:off x="8705850" y="19703443"/>
             <a:ext cx="658137" cy="457200"/>
           </a:xfrm>
           <a:prstGeom prst="stripedRightArrow">
@@ -11866,7 +11861,7 @@
         </p:nvCxnSpPr>
         <p:spPr bwMode="auto">
           <a:xfrm>
-            <a:off x="11677650" y="19705806"/>
+            <a:off x="11677650" y="19874268"/>
             <a:ext cx="457200" cy="0"/>
           </a:xfrm>
           <a:prstGeom prst="straightConnector1">
@@ -11911,7 +11906,7 @@
         </p:nvGrpSpPr>
         <p:grpSpPr>
           <a:xfrm>
-            <a:off x="9772650" y="20583784"/>
+            <a:off x="9772650" y="20752246"/>
             <a:ext cx="1981200" cy="443151"/>
             <a:chOff x="21416658" y="4904581"/>
             <a:chExt cx="1719567" cy="228600"/>
@@ -12046,7 +12041,7 @@
         </p:nvSpPr>
         <p:spPr>
           <a:xfrm>
-            <a:off x="9908114" y="20613449"/>
+            <a:off x="9908114" y="20781911"/>
             <a:ext cx="1693336" cy="369332"/>
           </a:xfrm>
           <a:prstGeom prst="rect">
@@ -12085,7 +12080,7 @@
         </p:nvSpPr>
         <p:spPr bwMode="auto">
           <a:xfrm>
-            <a:off x="9564942" y="18163381"/>
+            <a:off x="9564942" y="18331843"/>
             <a:ext cx="5236908" cy="4078711"/>
           </a:xfrm>
           <a:prstGeom prst="roundRect">
@@ -12138,6 +12133,534 @@
           </a:p>
         </p:txBody>
       </p:sp>
+      <p:sp>
+        <p:nvSpPr>
+          <p:cNvPr id="104" name="Striped Right Arrow 103"/>
+          <p:cNvSpPr/>
+          <p:nvPr/>
+        </p:nvSpPr>
+        <p:spPr bwMode="auto">
+          <a:xfrm>
+            <a:off x="8657313" y="12600781"/>
+            <a:ext cx="658137" cy="457200"/>
+          </a:xfrm>
+          <a:prstGeom prst="stripedRightArrow">
+            <a:avLst/>
+          </a:prstGeom>
+          <a:solidFill>
+            <a:schemeClr val="accent4"/>
+          </a:solidFill>
+          <a:ln>
+            <a:noFill/>
+          </a:ln>
+          <a:effectLst/>
+          <a:extLst/>
+        </p:spPr>
+        <p:txBody>
+          <a:bodyPr vert="horz" wrap="square" lIns="457200" tIns="228600" rIns="457200" bIns="228600" numCol="1" rtlCol="0" anchor="t" anchorCtr="0" compatLnSpc="1">
+            <a:prstTxWarp prst="textNoShape">
+              <a:avLst/>
+            </a:prstTxWarp>
+          </a:bodyPr>
+          <a:lstStyle/>
+          <a:p>
+            <a:pPr marL="0" marR="0" indent="0" algn="l" defTabSz="914400" rtl="0" eaLnBrk="1" fontAlgn="base" latinLnBrk="0" hangingPunct="1">
+              <a:lnSpc>
+                <a:spcPct val="100000"/>
+              </a:lnSpc>
+              <a:spcBef>
+                <a:spcPct val="20000"/>
+              </a:spcBef>
+              <a:spcAft>
+                <a:spcPct val="0"/>
+              </a:spcAft>
+              <a:buClrTx/>
+              <a:buSzTx/>
+              <a:buFontTx/>
+              <a:buNone/>
+              <a:tabLst/>
+            </a:pPr>
+            <a:endParaRPr kumimoji="0" lang="en-GB" sz="4600" b="0" i="0" u="none" strike="noStrike" cap="none" normalizeH="0" baseline="0" smtClean="0">
+              <a:ln>
+                <a:noFill/>
+              </a:ln>
+              <a:solidFill>
+                <a:srgbClr val="000000"/>
+              </a:solidFill>
+              <a:effectLst/>
+              <a:latin typeface="Arial" charset="0"/>
+            </a:endParaRPr>
+          </a:p>
+        </p:txBody>
+      </p:sp>
+      <p:pic>
+        <p:nvPicPr>
+          <p:cNvPr id="3" name="Picture 2"/>
+          <p:cNvPicPr>
+            <a:picLocks noChangeAspect="1"/>
+          </p:cNvPicPr>
+          <p:nvPr/>
+        </p:nvPicPr>
+        <p:blipFill>
+          <a:blip r:embed="rId23">
+            <a:extLst>
+              <a:ext uri="{28A0092B-C50C-407E-A947-70E740481C1C}">
+                <a14:useLocalDpi xmlns:a14="http://schemas.microsoft.com/office/drawing/2010/main" val="0"/>
+              </a:ext>
+            </a:extLst>
+          </a:blip>
+          <a:stretch>
+            <a:fillRect/>
+          </a:stretch>
+        </p:blipFill>
+        <p:spPr>
+          <a:xfrm>
+            <a:off x="6184777" y="11362001"/>
+            <a:ext cx="2293200" cy="2293200"/>
+          </a:xfrm>
+          <a:prstGeom prst="rect">
+            <a:avLst/>
+          </a:prstGeom>
+        </p:spPr>
+      </p:pic>
+      <p:grpSp>
+        <p:nvGrpSpPr>
+          <p:cNvPr id="103" name="Group 102"/>
+          <p:cNvGrpSpPr/>
+          <p:nvPr/>
+        </p:nvGrpSpPr>
+        <p:grpSpPr>
+          <a:xfrm>
+            <a:off x="6184776" y="17287282"/>
+            <a:ext cx="2292474" cy="381727"/>
+            <a:chOff x="21416658" y="4904581"/>
+            <a:chExt cx="1719567" cy="228600"/>
+          </a:xfrm>
+        </p:grpSpPr>
+        <p:sp>
+          <p:nvSpPr>
+            <p:cNvPr id="105" name="Pentagon 104"/>
+            <p:cNvSpPr/>
+            <p:nvPr/>
+          </p:nvSpPr>
+          <p:spPr bwMode="auto">
+            <a:xfrm flipH="1">
+              <a:off x="21416658" y="4904581"/>
+              <a:ext cx="1004869" cy="228600"/>
+            </a:xfrm>
+            <a:prstGeom prst="homePlate">
+              <a:avLst/>
+            </a:prstGeom>
+            <a:solidFill>
+              <a:srgbClr val="CC0000"/>
+            </a:solidFill>
+            <a:ln>
+              <a:noFill/>
+            </a:ln>
+            <a:effectLst/>
+            <a:extLst/>
+          </p:spPr>
+          <p:txBody>
+            <a:bodyPr vert="horz" wrap="square" lIns="457200" tIns="228600" rIns="457200" bIns="228600" numCol="1" rtlCol="0" anchor="t" anchorCtr="0" compatLnSpc="1">
+              <a:prstTxWarp prst="textNoShape">
+                <a:avLst/>
+              </a:prstTxWarp>
+            </a:bodyPr>
+            <a:lstStyle/>
+            <a:p>
+              <a:pPr marL="0" marR="0" indent="0" algn="l" defTabSz="914400" rtl="0" eaLnBrk="1" fontAlgn="base" latinLnBrk="0" hangingPunct="1">
+                <a:lnSpc>
+                  <a:spcPct val="100000"/>
+                </a:lnSpc>
+                <a:spcBef>
+                  <a:spcPct val="20000"/>
+                </a:spcBef>
+                <a:spcAft>
+                  <a:spcPct val="0"/>
+                </a:spcAft>
+                <a:buClrTx/>
+                <a:buSzTx/>
+                <a:buFontTx/>
+                <a:buNone/>
+                <a:tabLst/>
+              </a:pPr>
+              <a:endParaRPr kumimoji="0" lang="en-GB" sz="4600" b="0" i="0" u="none" strike="noStrike" cap="none" normalizeH="0" baseline="0" smtClean="0">
+                <a:ln>
+                  <a:noFill/>
+                </a:ln>
+                <a:solidFill>
+                  <a:srgbClr val="000000"/>
+                </a:solidFill>
+                <a:effectLst/>
+                <a:latin typeface="Arial" charset="0"/>
+              </a:endParaRPr>
+            </a:p>
+          </p:txBody>
+        </p:sp>
+        <p:sp>
+          <p:nvSpPr>
+            <p:cNvPr id="106" name="Pentagon 105"/>
+            <p:cNvSpPr/>
+            <p:nvPr/>
+          </p:nvSpPr>
+          <p:spPr bwMode="auto">
+            <a:xfrm>
+              <a:off x="22421528" y="4904581"/>
+              <a:ext cx="714697" cy="228600"/>
+            </a:xfrm>
+            <a:prstGeom prst="homePlate">
+              <a:avLst/>
+            </a:prstGeom>
+            <a:solidFill>
+              <a:srgbClr val="CC0000"/>
+            </a:solidFill>
+            <a:ln>
+              <a:noFill/>
+            </a:ln>
+            <a:effectLst/>
+            <a:extLst/>
+          </p:spPr>
+          <p:txBody>
+            <a:bodyPr vert="horz" wrap="square" lIns="457200" tIns="228600" rIns="457200" bIns="228600" numCol="1" rtlCol="0" anchor="t" anchorCtr="0" compatLnSpc="1">
+              <a:prstTxWarp prst="textNoShape">
+                <a:avLst/>
+              </a:prstTxWarp>
+            </a:bodyPr>
+            <a:lstStyle/>
+            <a:p>
+              <a:pPr marL="0" marR="0" indent="0" algn="l" defTabSz="914400" rtl="0" eaLnBrk="1" fontAlgn="base" latinLnBrk="0" hangingPunct="1">
+                <a:lnSpc>
+                  <a:spcPct val="100000"/>
+                </a:lnSpc>
+                <a:spcBef>
+                  <a:spcPct val="20000"/>
+                </a:spcBef>
+                <a:spcAft>
+                  <a:spcPct val="0"/>
+                </a:spcAft>
+                <a:buClrTx/>
+                <a:buSzTx/>
+                <a:buFontTx/>
+                <a:buNone/>
+                <a:tabLst/>
+              </a:pPr>
+              <a:endParaRPr kumimoji="0" lang="en-GB" sz="4600" b="0" i="0" u="none" strike="noStrike" cap="none" normalizeH="0" baseline="0" smtClean="0">
+                <a:ln>
+                  <a:noFill/>
+                </a:ln>
+                <a:solidFill>
+                  <a:srgbClr val="000000"/>
+                </a:solidFill>
+                <a:effectLst/>
+                <a:latin typeface="Arial" charset="0"/>
+              </a:endParaRPr>
+            </a:p>
+          </p:txBody>
+        </p:sp>
+      </p:grpSp>
+      <p:sp>
+        <p:nvSpPr>
+          <p:cNvPr id="126" name="TextBox 125"/>
+          <p:cNvSpPr txBox="1"/>
+          <p:nvPr/>
+        </p:nvSpPr>
+        <p:spPr>
+          <a:xfrm>
+            <a:off x="6267449" y="17252480"/>
+            <a:ext cx="2127499" cy="369332"/>
+          </a:xfrm>
+          <a:prstGeom prst="rect">
+            <a:avLst/>
+          </a:prstGeom>
+          <a:noFill/>
+        </p:spPr>
+        <p:txBody>
+          <a:bodyPr wrap="square" rtlCol="0">
+            <a:spAutoFit/>
+          </a:bodyPr>
+          <a:lstStyle/>
+          <a:p>
+            <a:pPr algn="ctr"/>
+            <a:r>
+              <a:rPr lang="en-GB" sz="1800" dirty="0" smtClean="0">
+                <a:solidFill>
+                  <a:schemeClr val="bg1"/>
+                </a:solidFill>
+              </a:rPr>
+              <a:t>Input image</a:t>
+            </a:r>
+            <a:endParaRPr lang="en-GB" sz="1800" dirty="0">
+              <a:solidFill>
+                <a:schemeClr val="bg1"/>
+              </a:solidFill>
+            </a:endParaRPr>
+          </a:p>
+        </p:txBody>
+      </p:sp>
+      <p:grpSp>
+        <p:nvGrpSpPr>
+          <p:cNvPr id="136" name="Group 135"/>
+          <p:cNvGrpSpPr/>
+          <p:nvPr/>
+        </p:nvGrpSpPr>
+        <p:grpSpPr>
+          <a:xfrm>
+            <a:off x="6147789" y="13743054"/>
+            <a:ext cx="2292474" cy="381727"/>
+            <a:chOff x="21416658" y="4904581"/>
+            <a:chExt cx="1719567" cy="228600"/>
+          </a:xfrm>
+        </p:grpSpPr>
+        <p:sp>
+          <p:nvSpPr>
+            <p:cNvPr id="137" name="Pentagon 136"/>
+            <p:cNvSpPr/>
+            <p:nvPr/>
+          </p:nvSpPr>
+          <p:spPr bwMode="auto">
+            <a:xfrm flipH="1">
+              <a:off x="21416658" y="4904581"/>
+              <a:ext cx="1004869" cy="228600"/>
+            </a:xfrm>
+            <a:prstGeom prst="homePlate">
+              <a:avLst/>
+            </a:prstGeom>
+            <a:solidFill>
+              <a:srgbClr val="CC0000"/>
+            </a:solidFill>
+            <a:ln>
+              <a:noFill/>
+            </a:ln>
+            <a:effectLst/>
+            <a:extLst/>
+          </p:spPr>
+          <p:txBody>
+            <a:bodyPr vert="horz" wrap="square" lIns="457200" tIns="228600" rIns="457200" bIns="228600" numCol="1" rtlCol="0" anchor="t" anchorCtr="0" compatLnSpc="1">
+              <a:prstTxWarp prst="textNoShape">
+                <a:avLst/>
+              </a:prstTxWarp>
+            </a:bodyPr>
+            <a:lstStyle/>
+            <a:p>
+              <a:pPr marL="0" marR="0" indent="0" algn="l" defTabSz="914400" rtl="0" eaLnBrk="1" fontAlgn="base" latinLnBrk="0" hangingPunct="1">
+                <a:lnSpc>
+                  <a:spcPct val="100000"/>
+                </a:lnSpc>
+                <a:spcBef>
+                  <a:spcPct val="20000"/>
+                </a:spcBef>
+                <a:spcAft>
+                  <a:spcPct val="0"/>
+                </a:spcAft>
+                <a:buClrTx/>
+                <a:buSzTx/>
+                <a:buFontTx/>
+                <a:buNone/>
+                <a:tabLst/>
+              </a:pPr>
+              <a:endParaRPr kumimoji="0" lang="en-GB" sz="4600" b="0" i="0" u="none" strike="noStrike" cap="none" normalizeH="0" baseline="0" smtClean="0">
+                <a:ln>
+                  <a:noFill/>
+                </a:ln>
+                <a:solidFill>
+                  <a:srgbClr val="000000"/>
+                </a:solidFill>
+                <a:effectLst/>
+                <a:latin typeface="Arial" charset="0"/>
+              </a:endParaRPr>
+            </a:p>
+          </p:txBody>
+        </p:sp>
+        <p:sp>
+          <p:nvSpPr>
+            <p:cNvPr id="138" name="Pentagon 137"/>
+            <p:cNvSpPr/>
+            <p:nvPr/>
+          </p:nvSpPr>
+          <p:spPr bwMode="auto">
+            <a:xfrm>
+              <a:off x="22421528" y="4904581"/>
+              <a:ext cx="714697" cy="228600"/>
+            </a:xfrm>
+            <a:prstGeom prst="homePlate">
+              <a:avLst/>
+            </a:prstGeom>
+            <a:solidFill>
+              <a:srgbClr val="CC0000"/>
+            </a:solidFill>
+            <a:ln>
+              <a:noFill/>
+            </a:ln>
+            <a:effectLst/>
+            <a:extLst/>
+          </p:spPr>
+          <p:txBody>
+            <a:bodyPr vert="horz" wrap="square" lIns="457200" tIns="228600" rIns="457200" bIns="228600" numCol="1" rtlCol="0" anchor="t" anchorCtr="0" compatLnSpc="1">
+              <a:prstTxWarp prst="textNoShape">
+                <a:avLst/>
+              </a:prstTxWarp>
+            </a:bodyPr>
+            <a:lstStyle/>
+            <a:p>
+              <a:pPr marL="0" marR="0" indent="0" algn="l" defTabSz="914400" rtl="0" eaLnBrk="1" fontAlgn="base" latinLnBrk="0" hangingPunct="1">
+                <a:lnSpc>
+                  <a:spcPct val="100000"/>
+                </a:lnSpc>
+                <a:spcBef>
+                  <a:spcPct val="20000"/>
+                </a:spcBef>
+                <a:spcAft>
+                  <a:spcPct val="0"/>
+                </a:spcAft>
+                <a:buClrTx/>
+                <a:buSzTx/>
+                <a:buFontTx/>
+                <a:buNone/>
+                <a:tabLst/>
+              </a:pPr>
+              <a:endParaRPr kumimoji="0" lang="en-GB" sz="4600" b="0" i="0" u="none" strike="noStrike" cap="none" normalizeH="0" baseline="0" smtClean="0">
+                <a:ln>
+                  <a:noFill/>
+                </a:ln>
+                <a:solidFill>
+                  <a:srgbClr val="000000"/>
+                </a:solidFill>
+                <a:effectLst/>
+                <a:latin typeface="Arial" charset="0"/>
+              </a:endParaRPr>
+            </a:p>
+          </p:txBody>
+        </p:sp>
+      </p:grpSp>
+      <p:sp>
+        <p:nvSpPr>
+          <p:cNvPr id="139" name="TextBox 138"/>
+          <p:cNvSpPr txBox="1"/>
+          <p:nvPr/>
+        </p:nvSpPr>
+        <p:spPr>
+          <a:xfrm>
+            <a:off x="6230462" y="13708252"/>
+            <a:ext cx="2127499" cy="369332"/>
+          </a:xfrm>
+          <a:prstGeom prst="rect">
+            <a:avLst/>
+          </a:prstGeom>
+          <a:noFill/>
+        </p:spPr>
+        <p:txBody>
+          <a:bodyPr wrap="square" rtlCol="0">
+            <a:spAutoFit/>
+          </a:bodyPr>
+          <a:lstStyle/>
+          <a:p>
+            <a:pPr algn="ctr"/>
+            <a:r>
+              <a:rPr lang="en-GB" sz="1800" dirty="0" smtClean="0">
+                <a:solidFill>
+                  <a:schemeClr val="bg1"/>
+                </a:solidFill>
+              </a:rPr>
+              <a:t>Input image</a:t>
+            </a:r>
+            <a:endParaRPr lang="en-GB" sz="1800" dirty="0">
+              <a:solidFill>
+                <a:schemeClr val="bg1"/>
+              </a:solidFill>
+            </a:endParaRPr>
+          </a:p>
+        </p:txBody>
+      </p:sp>
+      <p:sp>
+        <p:nvSpPr>
+          <p:cNvPr id="140" name="Striped Right Arrow 139"/>
+          <p:cNvSpPr/>
+          <p:nvPr/>
+        </p:nvSpPr>
+        <p:spPr bwMode="auto">
+          <a:xfrm>
+            <a:off x="8613995" y="15908448"/>
+            <a:ext cx="549056" cy="457200"/>
+          </a:xfrm>
+          <a:prstGeom prst="stripedRightArrow">
+            <a:avLst/>
+          </a:prstGeom>
+          <a:solidFill>
+            <a:schemeClr val="accent4"/>
+          </a:solidFill>
+          <a:ln>
+            <a:noFill/>
+          </a:ln>
+          <a:effectLst/>
+          <a:extLst/>
+        </p:spPr>
+        <p:txBody>
+          <a:bodyPr vert="horz" wrap="square" lIns="457200" tIns="228600" rIns="457200" bIns="228600" numCol="1" rtlCol="0" anchor="t" anchorCtr="0" compatLnSpc="1">
+            <a:prstTxWarp prst="textNoShape">
+              <a:avLst/>
+            </a:prstTxWarp>
+          </a:bodyPr>
+          <a:lstStyle/>
+          <a:p>
+            <a:pPr marL="0" marR="0" indent="0" algn="l" defTabSz="914400" rtl="0" eaLnBrk="1" fontAlgn="base" latinLnBrk="0" hangingPunct="1">
+              <a:lnSpc>
+                <a:spcPct val="100000"/>
+              </a:lnSpc>
+              <a:spcBef>
+                <a:spcPct val="20000"/>
+              </a:spcBef>
+              <a:spcAft>
+                <a:spcPct val="0"/>
+              </a:spcAft>
+              <a:buClrTx/>
+              <a:buSzTx/>
+              <a:buFontTx/>
+              <a:buNone/>
+              <a:tabLst/>
+            </a:pPr>
+            <a:endParaRPr kumimoji="0" lang="en-GB" sz="4600" b="0" i="0" u="none" strike="noStrike" cap="none" normalizeH="0" baseline="0" smtClean="0">
+              <a:ln>
+                <a:noFill/>
+              </a:ln>
+              <a:solidFill>
+                <a:srgbClr val="000000"/>
+              </a:solidFill>
+              <a:effectLst/>
+              <a:latin typeface="Arial" charset="0"/>
+            </a:endParaRPr>
+          </a:p>
+        </p:txBody>
+      </p:sp>
+      <p:pic>
+        <p:nvPicPr>
+          <p:cNvPr id="2" name="Picture 1"/>
+          <p:cNvPicPr>
+            <a:picLocks noChangeAspect="1"/>
+          </p:cNvPicPr>
+          <p:nvPr/>
+        </p:nvPicPr>
+        <p:blipFill>
+          <a:blip r:embed="rId24">
+            <a:extLst>
+              <a:ext uri="{28A0092B-C50C-407E-A947-70E740481C1C}">
+                <a14:useLocalDpi xmlns:a14="http://schemas.microsoft.com/office/drawing/2010/main" val="0"/>
+              </a:ext>
+            </a:extLst>
+          </a:blip>
+          <a:stretch>
+            <a:fillRect/>
+          </a:stretch>
+        </p:blipFill>
+        <p:spPr>
+          <a:xfrm>
+            <a:off x="6147789" y="14879581"/>
+            <a:ext cx="2293200" cy="2293200"/>
+          </a:xfrm>
+          <a:prstGeom prst="rect">
+            <a:avLst/>
+          </a:prstGeom>
+        </p:spPr>
+      </p:pic>
     </p:spTree>
   </p:cSld>
   <p:clrMapOvr>

--- a/Presentation_material/poster.pptx
+++ b/Presentation_material/poster.pptx
@@ -5287,7 +5287,7 @@
         <p:spPr bwMode="auto">
           <a:xfrm>
             <a:off x="5734050" y="10771981"/>
-            <a:ext cx="20285259" cy="12115800"/>
+            <a:ext cx="20345400" cy="11811000"/>
           </a:xfrm>
           <a:prstGeom prst="roundRect">
             <a:avLst>
@@ -5684,7 +5684,7 @@
         <p:spPr bwMode="auto">
           <a:xfrm>
             <a:off x="26643212" y="10771981"/>
-            <a:ext cx="8880987" cy="11612134"/>
+            <a:ext cx="8880987" cy="11811000"/>
           </a:xfrm>
           <a:prstGeom prst="roundRect">
             <a:avLst>
@@ -5976,8 +5976,8 @@
         </p:nvSpPr>
         <p:spPr bwMode="auto">
           <a:xfrm>
-            <a:off x="6000918" y="22887781"/>
-            <a:ext cx="29531271" cy="2102568"/>
+            <a:off x="5794192" y="22887781"/>
+            <a:ext cx="29737998" cy="2102568"/>
           </a:xfrm>
           <a:prstGeom prst="roundRect">
             <a:avLst>
@@ -7326,7 +7326,7 @@
         </p:nvSpPr>
         <p:spPr>
           <a:xfrm>
-            <a:off x="13986807" y="10390981"/>
+            <a:off x="13986807" y="10428962"/>
             <a:ext cx="6078520" cy="800219"/>
           </a:xfrm>
           <a:prstGeom prst="rect">
@@ -8130,7 +8130,7 @@
         </p:nvSpPr>
         <p:spPr>
           <a:xfrm>
-            <a:off x="19145250" y="18255643"/>
+            <a:off x="19145250" y="18179443"/>
             <a:ext cx="6705599" cy="4327338"/>
           </a:xfrm>
           <a:prstGeom prst="rect">
@@ -11469,7 +11469,7 @@
         </p:nvGrpSpPr>
         <p:grpSpPr>
           <a:xfrm>
-            <a:off x="11939959" y="21760843"/>
+            <a:off x="11939959" y="21770379"/>
             <a:ext cx="2585644" cy="443151"/>
             <a:chOff x="21416658" y="4904581"/>
             <a:chExt cx="1719567" cy="228600"/>
@@ -11604,7 +11604,7 @@
         </p:nvSpPr>
         <p:spPr>
           <a:xfrm>
-            <a:off x="12005200" y="21790508"/>
+            <a:off x="12005200" y="21800044"/>
             <a:ext cx="2520402" cy="369332"/>
           </a:xfrm>
           <a:prstGeom prst="rect">
@@ -11688,7 +11688,7 @@
         </p:blipFill>
         <p:spPr bwMode="auto">
           <a:xfrm>
-            <a:off x="12211050" y="18382445"/>
+            <a:off x="12211050" y="18391981"/>
             <a:ext cx="2314552" cy="3302198"/>
           </a:xfrm>
           <a:prstGeom prst="rect">
@@ -11752,7 +11752,7 @@
         </p:blipFill>
         <p:spPr bwMode="auto">
           <a:xfrm>
-            <a:off x="9908113" y="19082839"/>
+            <a:off x="9908113" y="19092375"/>
             <a:ext cx="1585107" cy="1582858"/>
           </a:xfrm>
           <a:prstGeom prst="rect">
@@ -11861,7 +11861,7 @@
         </p:nvCxnSpPr>
         <p:spPr bwMode="auto">
           <a:xfrm>
-            <a:off x="11677650" y="19874268"/>
+            <a:off x="11677650" y="19883804"/>
             <a:ext cx="457200" cy="0"/>
           </a:xfrm>
           <a:prstGeom prst="straightConnector1">
@@ -11906,7 +11906,7 @@
         </p:nvGrpSpPr>
         <p:grpSpPr>
           <a:xfrm>
-            <a:off x="9772650" y="20752246"/>
+            <a:off x="9772650" y="20761782"/>
             <a:ext cx="1981200" cy="443151"/>
             <a:chOff x="21416658" y="4904581"/>
             <a:chExt cx="1719567" cy="228600"/>
@@ -12041,7 +12041,7 @@
         </p:nvSpPr>
         <p:spPr>
           <a:xfrm>
-            <a:off x="9908114" y="20781911"/>
+            <a:off x="9908114" y="20791447"/>
             <a:ext cx="1693336" cy="369332"/>
           </a:xfrm>
           <a:prstGeom prst="rect">
@@ -12080,11 +12080,13 @@
         </p:nvSpPr>
         <p:spPr bwMode="auto">
           <a:xfrm>
-            <a:off x="9564942" y="18331843"/>
-            <a:ext cx="5236908" cy="4078711"/>
+            <a:off x="9564942" y="18391981"/>
+            <a:ext cx="5236908" cy="3909407"/>
           </a:xfrm>
           <a:prstGeom prst="roundRect">
-            <a:avLst/>
+            <a:avLst>
+              <a:gd name="adj" fmla="val 9772"/>
+            </a:avLst>
           </a:prstGeom>
           <a:noFill/>
           <a:ln w="38100">

--- a/Presentation_material/poster.pptx
+++ b/Presentation_material/poster.pptx
@@ -255,11 +255,11 @@
           <c:showBubbleSize val="0"/>
         </c:dLbls>
         <c:gapWidth val="150"/>
-        <c:axId val="118861184"/>
-        <c:axId val="120091776"/>
+        <c:axId val="230643584"/>
+        <c:axId val="234686336"/>
       </c:barChart>
       <c:catAx>
-        <c:axId val="118861184"/>
+        <c:axId val="230643584"/>
         <c:scaling>
           <c:orientation val="minMax"/>
         </c:scaling>
@@ -278,7 +278,7 @@
             <a:endParaRPr lang="en-US"/>
           </a:p>
         </c:txPr>
-        <c:crossAx val="120091776"/>
+        <c:crossAx val="234686336"/>
         <c:crosses val="autoZero"/>
         <c:auto val="1"/>
         <c:lblAlgn val="ctr"/>
@@ -286,7 +286,7 @@
         <c:noMultiLvlLbl val="0"/>
       </c:catAx>
       <c:valAx>
-        <c:axId val="120091776"/>
+        <c:axId val="234686336"/>
         <c:scaling>
           <c:orientation val="minMax"/>
         </c:scaling>
@@ -307,7 +307,7 @@
             <a:endParaRPr lang="en-US"/>
           </a:p>
         </c:txPr>
-        <c:crossAx val="118861184"/>
+        <c:crossAx val="230643584"/>
         <c:crosses val="autoZero"/>
         <c:crossBetween val="between"/>
       </c:valAx>
@@ -435,11 +435,11 @@
           <c:showPercent val="0"/>
           <c:showBubbleSize val="0"/>
         </c:dLbls>
-        <c:axId val="121736192"/>
-        <c:axId val="121754368"/>
+        <c:axId val="232632320"/>
+        <c:axId val="232633856"/>
       </c:scatterChart>
       <c:valAx>
-        <c:axId val="121736192"/>
+        <c:axId val="232632320"/>
         <c:scaling>
           <c:orientation val="minMax"/>
           <c:max val="4"/>
@@ -454,12 +454,12 @@
         <c:spPr>
           <a:ln w="12700"/>
         </c:spPr>
-        <c:crossAx val="121754368"/>
+        <c:crossAx val="232633856"/>
         <c:crosses val="autoZero"/>
         <c:crossBetween val="midCat"/>
       </c:valAx>
       <c:valAx>
-        <c:axId val="121754368"/>
+        <c:axId val="232633856"/>
         <c:scaling>
           <c:orientation val="minMax"/>
           <c:max val="2"/>
@@ -470,7 +470,7 @@
         <c:majorTickMark val="none"/>
         <c:minorTickMark val="none"/>
         <c:tickLblPos val="nextTo"/>
-        <c:crossAx val="121736192"/>
+        <c:crossAx val="232632320"/>
         <c:crosses val="autoZero"/>
         <c:crossBetween val="midCat"/>
         <c:majorUnit val="1"/>
@@ -608,11 +608,11 @@
           <c:showPercent val="0"/>
           <c:showBubbleSize val="0"/>
         </c:dLbls>
-        <c:axId val="121782272"/>
-        <c:axId val="121783808"/>
+        <c:axId val="232653568"/>
+        <c:axId val="232655104"/>
       </c:scatterChart>
       <c:valAx>
-        <c:axId val="121782272"/>
+        <c:axId val="232653568"/>
         <c:scaling>
           <c:orientation val="minMax"/>
           <c:max val="4"/>
@@ -627,12 +627,12 @@
         <c:spPr>
           <a:ln w="12700"/>
         </c:spPr>
-        <c:crossAx val="121783808"/>
+        <c:crossAx val="232655104"/>
         <c:crosses val="autoZero"/>
         <c:crossBetween val="midCat"/>
       </c:valAx>
       <c:valAx>
-        <c:axId val="121783808"/>
+        <c:axId val="232655104"/>
         <c:scaling>
           <c:orientation val="minMax"/>
           <c:max val="2"/>
@@ -643,7 +643,7 @@
         <c:majorTickMark val="none"/>
         <c:minorTickMark val="none"/>
         <c:tickLblPos val="nextTo"/>
-        <c:crossAx val="121782272"/>
+        <c:crossAx val="232653568"/>
         <c:crosses val="autoZero"/>
         <c:crossBetween val="midCat"/>
         <c:majorUnit val="1"/>
@@ -781,11 +781,11 @@
           <c:showPercent val="0"/>
           <c:showBubbleSize val="0"/>
         </c:dLbls>
-        <c:axId val="121803520"/>
-        <c:axId val="121805056"/>
+        <c:axId val="232670720"/>
+        <c:axId val="232672256"/>
       </c:scatterChart>
       <c:valAx>
-        <c:axId val="121803520"/>
+        <c:axId val="232670720"/>
         <c:scaling>
           <c:orientation val="minMax"/>
           <c:max val="4"/>
@@ -800,12 +800,12 @@
         <c:spPr>
           <a:ln w="12700"/>
         </c:spPr>
-        <c:crossAx val="121805056"/>
+        <c:crossAx val="232672256"/>
         <c:crosses val="autoZero"/>
         <c:crossBetween val="midCat"/>
       </c:valAx>
       <c:valAx>
-        <c:axId val="121805056"/>
+        <c:axId val="232672256"/>
         <c:scaling>
           <c:orientation val="minMax"/>
           <c:max val="2"/>
@@ -816,7 +816,7 @@
         <c:majorTickMark val="none"/>
         <c:minorTickMark val="none"/>
         <c:tickLblPos val="nextTo"/>
-        <c:crossAx val="121803520"/>
+        <c:crossAx val="232670720"/>
         <c:crosses val="autoZero"/>
         <c:crossBetween val="midCat"/>
         <c:majorUnit val="1"/>
@@ -971,11 +971,11 @@
           <c:showBubbleSize val="0"/>
         </c:dLbls>
         <c:gapWidth val="100"/>
-        <c:axId val="122165504"/>
-        <c:axId val="122167296"/>
+        <c:axId val="232704640"/>
+        <c:axId val="234361216"/>
       </c:barChart>
       <c:catAx>
-        <c:axId val="122165504"/>
+        <c:axId val="232704640"/>
         <c:scaling>
           <c:orientation val="minMax"/>
         </c:scaling>
@@ -984,7 +984,7 @@
         <c:majorTickMark val="out"/>
         <c:minorTickMark val="none"/>
         <c:tickLblPos val="nextTo"/>
-        <c:crossAx val="122167296"/>
+        <c:crossAx val="234361216"/>
         <c:crosses val="autoZero"/>
         <c:auto val="1"/>
         <c:lblAlgn val="ctr"/>
@@ -992,7 +992,7 @@
         <c:noMultiLvlLbl val="0"/>
       </c:catAx>
       <c:valAx>
-        <c:axId val="122167296"/>
+        <c:axId val="234361216"/>
         <c:scaling>
           <c:orientation val="minMax"/>
         </c:scaling>
@@ -1003,7 +1003,7 @@
         <c:majorTickMark val="out"/>
         <c:minorTickMark val="none"/>
         <c:tickLblPos val="nextTo"/>
-        <c:crossAx val="122165504"/>
+        <c:crossAx val="232704640"/>
         <c:crosses val="autoZero"/>
         <c:crossBetween val="between"/>
       </c:valAx>
@@ -6432,7 +6432,7 @@
           <p:nvPr>
             <p:extLst>
               <p:ext uri="{D42A27DB-BD31-4B8C-83A1-F6EECF244321}">
-                <p14:modId xmlns:p14="http://schemas.microsoft.com/office/powerpoint/2010/main" val="117940841"/>
+                <p14:modId xmlns:p14="http://schemas.microsoft.com/office/powerpoint/2010/main" val="3583044654"/>
               </p:ext>
             </p:extLst>
           </p:nvPr>
@@ -6827,7 +6827,7 @@
                       <a:pPr algn="ctr"/>
                       <a:r>
                         <a:rPr lang="sv-SE" sz="2800" b="1" dirty="0" smtClean="0"/>
-                        <a:t>78.57</a:t>
+                        <a:t>80.70</a:t>
                       </a:r>
                       <a:endParaRPr lang="en-GB" sz="2800" b="1" dirty="0"/>
                     </a:p>
@@ -6870,7 +6870,7 @@
                       <a:pPr algn="ctr"/>
                       <a:r>
                         <a:rPr lang="sv-SE" sz="2800" b="1" dirty="0" smtClean="0"/>
-                        <a:t>83.02</a:t>
+                        <a:t>84.30</a:t>
                       </a:r>
                       <a:endParaRPr lang="en-GB" sz="2800" b="1" dirty="0"/>
                     </a:p>
@@ -6963,7 +6963,7 @@
                       <a:pPr algn="ctr"/>
                       <a:r>
                         <a:rPr lang="sv-SE" sz="2800" b="1" dirty="0" smtClean="0"/>
-                        <a:t>55.91</a:t>
+                        <a:t>68.37</a:t>
                       </a:r>
                       <a:endParaRPr lang="en-GB" sz="2800" b="1" dirty="0"/>
                     </a:p>
@@ -7006,7 +7006,7 @@
                       <a:pPr algn="ctr"/>
                       <a:r>
                         <a:rPr lang="sv-SE" sz="2800" b="1" dirty="0" smtClean="0"/>
-                        <a:t>66.80</a:t>
+                        <a:t>74.41</a:t>
                       </a:r>
                       <a:endParaRPr lang="en-GB" sz="2800" b="1" dirty="0"/>
                     </a:p>
@@ -9747,8 +9747,8 @@
           </a:p>
         </p:txBody>
       </p:sp>
-      <mc:AlternateContent xmlns:mc="http://schemas.openxmlformats.org/markup-compatibility/2006">
-        <mc:Choice xmlns:a14="http://schemas.microsoft.com/office/drawing/2010/main" Requires="a14">
+      <mc:AlternateContent xmlns:mc="http://schemas.openxmlformats.org/markup-compatibility/2006" xmlns:a14="http://schemas.microsoft.com/office/drawing/2010/main">
+        <mc:Choice Requires="a14">
           <p:sp>
             <p:nvSpPr>
               <p:cNvPr id="49" name="TextBox 48"/>
@@ -9792,7 +9792,7 @@
             </p:txBody>
           </p:sp>
         </mc:Choice>
-        <mc:Fallback>
+        <mc:Fallback xmlns="">
           <p:sp>
             <p:nvSpPr>
               <p:cNvPr id="49" name="TextBox 48"/>

--- a/Presentation_material/poster.pptx
+++ b/Presentation_material/poster.pptx
@@ -914,6 +914,16 @@
             </a:solidFill>
           </c:spPr>
           <c:invertIfNegative val="0"/>
+          <c:dPt>
+            <c:idx val="0"/>
+            <c:invertIfNegative val="0"/>
+            <c:bubble3D val="0"/>
+            <c:spPr>
+              <a:solidFill>
+                <a:srgbClr val="FF0000"/>
+              </a:solidFill>
+            </c:spPr>
+          </c:dPt>
           <c:cat>
             <c:strRef>
               <c:f>Sheet1!$O$3:$O$7</c:f>
@@ -9900,7 +9910,7 @@
           <p:nvPr>
             <p:extLst>
               <p:ext uri="{D42A27DB-BD31-4B8C-83A1-F6EECF244321}">
-                <p14:modId xmlns:p14="http://schemas.microsoft.com/office/powerpoint/2010/main" val="2994214989"/>
+                <p14:modId xmlns:p14="http://schemas.microsoft.com/office/powerpoint/2010/main" val="1451990665"/>
               </p:ext>
             </p:extLst>
           </p:nvPr>
@@ -12663,6 +12673,51 @@
           </a:prstGeom>
         </p:spPr>
       </p:pic>
+      <p:cxnSp>
+        <p:nvCxnSpPr>
+          <p:cNvPr id="6" name="Straight Connector 5"/>
+          <p:cNvCxnSpPr/>
+          <p:nvPr/>
+        </p:nvCxnSpPr>
+        <p:spPr bwMode="auto">
+          <a:xfrm>
+            <a:off x="27376772" y="12888000"/>
+            <a:ext cx="7999078" cy="2587"/>
+          </a:xfrm>
+          <a:prstGeom prst="line">
+            <a:avLst/>
+          </a:prstGeom>
+          <a:noFill/>
+          <a:ln w="25400" cap="flat" cmpd="sng" algn="ctr">
+            <a:solidFill>
+              <a:schemeClr val="tx1"/>
+            </a:solidFill>
+            <a:prstDash val="dash"/>
+            <a:round/>
+            <a:headEnd type="none" w="med" len="med"/>
+            <a:tailEnd type="none" w="med" len="med"/>
+          </a:ln>
+          <a:effectLst/>
+          <a:extLst>
+            <a:ext uri="{909E8E84-426E-40DD-AFC4-6F175D3DCCD1}">
+              <a14:hiddenFill xmlns:a14="http://schemas.microsoft.com/office/drawing/2010/main">
+                <a:solidFill>
+                  <a:schemeClr val="accent1"/>
+                </a:solidFill>
+              </a14:hiddenFill>
+            </a:ext>
+            <a:ext uri="{AF507438-7753-43E0-B8FC-AC1667EBCBE1}">
+              <a14:hiddenEffects xmlns:a14="http://schemas.microsoft.com/office/drawing/2010/main">
+                <a:effectLst>
+                  <a:outerShdw dist="35921" dir="2700000" algn="ctr" rotWithShape="0">
+                    <a:schemeClr val="bg2"/>
+                  </a:outerShdw>
+                </a:effectLst>
+              </a14:hiddenEffects>
+            </a:ext>
+          </a:extLst>
+        </p:spPr>
+      </p:cxnSp>
     </p:spTree>
   </p:cSld>
   <p:clrMapOvr>

--- a/Presentation_material/poster.pptx
+++ b/Presentation_material/poster.pptx
@@ -255,11 +255,11 @@
           <c:showBubbleSize val="0"/>
         </c:dLbls>
         <c:gapWidth val="150"/>
-        <c:axId val="230643584"/>
-        <c:axId val="234686336"/>
+        <c:axId val="139179520"/>
+        <c:axId val="127304832"/>
       </c:barChart>
       <c:catAx>
-        <c:axId val="230643584"/>
+        <c:axId val="139179520"/>
         <c:scaling>
           <c:orientation val="minMax"/>
         </c:scaling>
@@ -273,12 +273,12 @@
           <a:lstStyle/>
           <a:p>
             <a:pPr>
-              <a:defRPr lang="en-GB"/>
+              <a:defRPr lang="en-GB" sz="1050"/>
             </a:pPr>
             <a:endParaRPr lang="en-US"/>
           </a:p>
         </c:txPr>
-        <c:crossAx val="234686336"/>
+        <c:crossAx val="127304832"/>
         <c:crosses val="autoZero"/>
         <c:auto val="1"/>
         <c:lblAlgn val="ctr"/>
@@ -286,28 +286,18 @@
         <c:noMultiLvlLbl val="0"/>
       </c:catAx>
       <c:valAx>
-        <c:axId val="234686336"/>
+        <c:axId val="127304832"/>
         <c:scaling>
           <c:orientation val="minMax"/>
         </c:scaling>
-        <c:delete val="0"/>
+        <c:delete val="1"/>
         <c:axPos val="l"/>
         <c:majorGridlines/>
         <c:numFmt formatCode="General" sourceLinked="1"/>
         <c:majorTickMark val="out"/>
         <c:minorTickMark val="none"/>
         <c:tickLblPos val="nextTo"/>
-        <c:txPr>
-          <a:bodyPr/>
-          <a:lstStyle/>
-          <a:p>
-            <a:pPr>
-              <a:defRPr lang="en-GB"/>
-            </a:pPr>
-            <a:endParaRPr lang="en-US"/>
-          </a:p>
-        </c:txPr>
-        <c:crossAx val="230643584"/>
+        <c:crossAx val="139179520"/>
         <c:crosses val="autoZero"/>
         <c:crossBetween val="between"/>
       </c:valAx>
@@ -315,6 +305,11 @@
         <a:solidFill>
           <a:schemeClr val="bg1"/>
         </a:solidFill>
+        <a:ln>
+          <a:solidFill>
+            <a:schemeClr val="bg2"/>
+          </a:solidFill>
+        </a:ln>
       </c:spPr>
     </c:plotArea>
     <c:plotVisOnly val="1"/>
@@ -435,11 +430,11 @@
           <c:showPercent val="0"/>
           <c:showBubbleSize val="0"/>
         </c:dLbls>
-        <c:axId val="232632320"/>
-        <c:axId val="232633856"/>
+        <c:axId val="127310592"/>
+        <c:axId val="127311168"/>
       </c:scatterChart>
       <c:valAx>
-        <c:axId val="232632320"/>
+        <c:axId val="127310592"/>
         <c:scaling>
           <c:orientation val="minMax"/>
           <c:max val="4"/>
@@ -454,12 +449,12 @@
         <c:spPr>
           <a:ln w="12700"/>
         </c:spPr>
-        <c:crossAx val="232633856"/>
+        <c:crossAx val="127311168"/>
         <c:crosses val="autoZero"/>
         <c:crossBetween val="midCat"/>
       </c:valAx>
       <c:valAx>
-        <c:axId val="232633856"/>
+        <c:axId val="127311168"/>
         <c:scaling>
           <c:orientation val="minMax"/>
           <c:max val="2"/>
@@ -470,7 +465,7 @@
         <c:majorTickMark val="none"/>
         <c:minorTickMark val="none"/>
         <c:tickLblPos val="nextTo"/>
-        <c:crossAx val="232632320"/>
+        <c:crossAx val="127310592"/>
         <c:crosses val="autoZero"/>
         <c:crossBetween val="midCat"/>
         <c:majorUnit val="1"/>
@@ -608,11 +603,11 @@
           <c:showPercent val="0"/>
           <c:showBubbleSize val="0"/>
         </c:dLbls>
-        <c:axId val="232653568"/>
-        <c:axId val="232655104"/>
+        <c:axId val="145163392"/>
+        <c:axId val="145163968"/>
       </c:scatterChart>
       <c:valAx>
-        <c:axId val="232653568"/>
+        <c:axId val="145163392"/>
         <c:scaling>
           <c:orientation val="minMax"/>
           <c:max val="4"/>
@@ -627,12 +622,12 @@
         <c:spPr>
           <a:ln w="12700"/>
         </c:spPr>
-        <c:crossAx val="232655104"/>
+        <c:crossAx val="145163968"/>
         <c:crosses val="autoZero"/>
         <c:crossBetween val="midCat"/>
       </c:valAx>
       <c:valAx>
-        <c:axId val="232655104"/>
+        <c:axId val="145163968"/>
         <c:scaling>
           <c:orientation val="minMax"/>
           <c:max val="2"/>
@@ -643,7 +638,7 @@
         <c:majorTickMark val="none"/>
         <c:minorTickMark val="none"/>
         <c:tickLblPos val="nextTo"/>
-        <c:crossAx val="232653568"/>
+        <c:crossAx val="145163392"/>
         <c:crosses val="autoZero"/>
         <c:crossBetween val="midCat"/>
         <c:majorUnit val="1"/>
@@ -781,11 +776,11 @@
           <c:showPercent val="0"/>
           <c:showBubbleSize val="0"/>
         </c:dLbls>
-        <c:axId val="232670720"/>
-        <c:axId val="232672256"/>
+        <c:axId val="145165696"/>
+        <c:axId val="145166272"/>
       </c:scatterChart>
       <c:valAx>
-        <c:axId val="232670720"/>
+        <c:axId val="145165696"/>
         <c:scaling>
           <c:orientation val="minMax"/>
           <c:max val="4"/>
@@ -800,12 +795,12 @@
         <c:spPr>
           <a:ln w="12700"/>
         </c:spPr>
-        <c:crossAx val="232672256"/>
+        <c:crossAx val="145166272"/>
         <c:crosses val="autoZero"/>
         <c:crossBetween val="midCat"/>
       </c:valAx>
       <c:valAx>
-        <c:axId val="232672256"/>
+        <c:axId val="145166272"/>
         <c:scaling>
           <c:orientation val="minMax"/>
           <c:max val="2"/>
@@ -816,7 +811,7 @@
         <c:majorTickMark val="none"/>
         <c:minorTickMark val="none"/>
         <c:tickLblPos val="nextTo"/>
-        <c:crossAx val="232670720"/>
+        <c:crossAx val="145165696"/>
         <c:crosses val="autoZero"/>
         <c:crossBetween val="midCat"/>
         <c:majorUnit val="1"/>
@@ -870,15 +865,23 @@
               <a:defRPr/>
             </a:pPr>
             <a:r>
-              <a:rPr lang="en-US" dirty="0"/>
-              <a:t>Performance measured by F</a:t>
-            </a:r>
-            <a:r>
-              <a:rPr lang="en-US" baseline="-25000" dirty="0"/>
+              <a:rPr lang="en-US" sz="2800" dirty="0"/>
+              <a:t>Performance</a:t>
+            </a:r>
+            <a:r>
+              <a:rPr lang="en-US" sz="2800" baseline="0" dirty="0"/>
+              <a:t> measured by </a:t>
+            </a:r>
+            <a:r>
+              <a:rPr lang="en-US" sz="2800" dirty="0"/>
+              <a:t>F</a:t>
+            </a:r>
+            <a:r>
+              <a:rPr lang="en-US" sz="2800" baseline="-25000" dirty="0"/>
               <a:t>1</a:t>
             </a:r>
             <a:r>
-              <a:rPr lang="en-US" dirty="0"/>
+              <a:rPr lang="en-US" sz="2800" dirty="0"/>
               <a:t>-Score</a:t>
             </a:r>
           </a:p>
@@ -910,7 +913,7 @@
           </c:tx>
           <c:spPr>
             <a:solidFill>
-              <a:srgbClr val="B40000"/>
+              <a:srgbClr val="7E0000"/>
             </a:solidFill>
           </c:spPr>
           <c:invertIfNegative val="0"/>
@@ -957,10 +960,10 @@
                   <c:v>84.85</c:v>
                 </c:pt>
                 <c:pt idx="1">
-                  <c:v>83.02</c:v>
+                  <c:v>84.3</c:v>
                 </c:pt>
                 <c:pt idx="2">
-                  <c:v>66.8</c:v>
+                  <c:v>74.41</c:v>
                 </c:pt>
                 <c:pt idx="3">
                   <c:v>75.510000000000005</c:v>
@@ -980,12 +983,12 @@
           <c:showPercent val="0"/>
           <c:showBubbleSize val="0"/>
         </c:dLbls>
-        <c:gapWidth val="100"/>
-        <c:axId val="232704640"/>
-        <c:axId val="234361216"/>
+        <c:gapWidth val="150"/>
+        <c:axId val="168633344"/>
+        <c:axId val="167598848"/>
       </c:barChart>
       <c:catAx>
-        <c:axId val="232704640"/>
+        <c:axId val="168633344"/>
         <c:scaling>
           <c:orientation val="minMax"/>
         </c:scaling>
@@ -994,7 +997,17 @@
         <c:majorTickMark val="out"/>
         <c:minorTickMark val="none"/>
         <c:tickLblPos val="nextTo"/>
-        <c:crossAx val="234361216"/>
+        <c:txPr>
+          <a:bodyPr/>
+          <a:lstStyle/>
+          <a:p>
+            <a:pPr>
+              <a:defRPr sz="2000"/>
+            </a:pPr>
+            <a:endParaRPr lang="en-US"/>
+          </a:p>
+        </c:txPr>
+        <c:crossAx val="167598848"/>
         <c:crosses val="autoZero"/>
         <c:auto val="1"/>
         <c:lblAlgn val="ctr"/>
@@ -1002,9 +1015,11 @@
         <c:noMultiLvlLbl val="0"/>
       </c:catAx>
       <c:valAx>
-        <c:axId val="234361216"/>
+        <c:axId val="167598848"/>
         <c:scaling>
           <c:orientation val="minMax"/>
+          <c:max val="100"/>
+          <c:min val="0"/>
         </c:scaling>
         <c:delete val="0"/>
         <c:axPos val="l"/>
@@ -1013,7 +1028,17 @@
         <c:majorTickMark val="out"/>
         <c:minorTickMark val="none"/>
         <c:tickLblPos val="nextTo"/>
-        <c:crossAx val="232704640"/>
+        <c:txPr>
+          <a:bodyPr/>
+          <a:lstStyle/>
+          <a:p>
+            <a:pPr>
+              <a:defRPr sz="1600"/>
+            </a:pPr>
+            <a:endParaRPr lang="en-US"/>
+          </a:p>
+        </c:txPr>
+        <c:crossAx val="168633344"/>
         <c:crosses val="autoZero"/>
         <c:crossBetween val="between"/>
       </c:valAx>
@@ -1022,16 +1047,6 @@
     <c:dispBlanksAs val="gap"/>
     <c:showDLblsOverMax val="0"/>
   </c:chart>
-  <c:txPr>
-    <a:bodyPr/>
-    <a:lstStyle/>
-    <a:p>
-      <a:pPr>
-        <a:defRPr sz="2400" baseline="0"/>
-      </a:pPr>
-      <a:endParaRPr lang="en-US"/>
-    </a:p>
-  </c:txPr>
   <c:externalData r:id="rId1">
     <c:autoUpdate val="0"/>
   </c:externalData>
@@ -1964,6 +1979,91 @@
     </a:lvl9pPr>
   </p:notesStyle>
 </p:notesMaster>
+</file>
+
+<file path=ppt/notesSlides/notesSlide1.xml><?xml version="1.0" encoding="utf-8"?>
+<p:notes xmlns:a="http://schemas.openxmlformats.org/drawingml/2006/main" xmlns:r="http://schemas.openxmlformats.org/officeDocument/2006/relationships" xmlns:p="http://schemas.openxmlformats.org/presentationml/2006/main">
+  <p:cSld>
+    <p:spTree>
+      <p:nvGrpSpPr>
+        <p:cNvPr id="1" name=""/>
+        <p:cNvGrpSpPr/>
+        <p:nvPr/>
+      </p:nvGrpSpPr>
+      <p:grpSpPr>
+        <a:xfrm>
+          <a:off x="0" y="0"/>
+          <a:ext cx="0" cy="0"/>
+          <a:chOff x="0" y="0"/>
+          <a:chExt cx="0" cy="0"/>
+        </a:xfrm>
+      </p:grpSpPr>
+      <p:sp>
+        <p:nvSpPr>
+          <p:cNvPr id="2" name="Slide Image Placeholder 1"/>
+          <p:cNvSpPr>
+            <a:spLocks noGrp="1" noRot="1" noChangeAspect="1"/>
+          </p:cNvSpPr>
+          <p:nvPr>
+            <p:ph type="sldImg"/>
+          </p:nvPr>
+        </p:nvSpPr>
+        <p:spPr/>
+      </p:sp>
+      <p:sp>
+        <p:nvSpPr>
+          <p:cNvPr id="3" name="Notes Placeholder 2"/>
+          <p:cNvSpPr>
+            <a:spLocks noGrp="1"/>
+          </p:cNvSpPr>
+          <p:nvPr>
+            <p:ph type="body" idx="1"/>
+          </p:nvPr>
+        </p:nvSpPr>
+        <p:spPr/>
+        <p:txBody>
+          <a:bodyPr/>
+          <a:lstStyle/>
+          <a:p>
+            <a:endParaRPr lang="en-GB" dirty="0"/>
+          </a:p>
+        </p:txBody>
+      </p:sp>
+      <p:sp>
+        <p:nvSpPr>
+          <p:cNvPr id="4" name="Slide Number Placeholder 3"/>
+          <p:cNvSpPr>
+            <a:spLocks noGrp="1"/>
+          </p:cNvSpPr>
+          <p:nvPr>
+            <p:ph type="sldNum" sz="quarter" idx="10"/>
+          </p:nvPr>
+        </p:nvSpPr>
+        <p:spPr/>
+        <p:txBody>
+          <a:bodyPr/>
+          <a:lstStyle/>
+          <a:p>
+            <a:fld id="{D7E90208-E907-46C8-BFC1-0B56738D93F3}" type="slidenum">
+              <a:rPr lang="sv-SE" smtClean="0"/>
+              <a:pPr/>
+              <a:t>1</a:t>
+            </a:fld>
+            <a:endParaRPr lang="sv-SE"/>
+          </a:p>
+        </p:txBody>
+      </p:sp>
+    </p:spTree>
+    <p:extLst>
+      <p:ext uri="{BB962C8B-B14F-4D97-AF65-F5344CB8AC3E}">
+        <p14:creationId xmlns:p14="http://schemas.microsoft.com/office/powerpoint/2010/main" val="809141049"/>
+      </p:ext>
+    </p:extLst>
+  </p:cSld>
+  <p:clrMapOvr>
+    <a:masterClrMapping/>
+  </p:clrMapOvr>
+</p:notes>
 </file>
 
 <file path=ppt/slideLayouts/slideLayout1.xml><?xml version="1.0" encoding="utf-8"?>
@@ -5296,8 +5396,8 @@
         </p:nvSpPr>
         <p:spPr bwMode="auto">
           <a:xfrm>
-            <a:off x="5734050" y="10771981"/>
-            <a:ext cx="20345400" cy="11811000"/>
+            <a:off x="5771200" y="10314782"/>
+            <a:ext cx="20345400" cy="12307310"/>
           </a:xfrm>
           <a:prstGeom prst="roundRect">
             <a:avLst>
@@ -5370,7 +5470,7 @@
         </p:nvSpPr>
         <p:spPr>
           <a:xfrm>
-            <a:off x="7055786" y="-277019"/>
+            <a:off x="6800850" y="-335756"/>
             <a:ext cx="28023081" cy="2801937"/>
           </a:xfrm>
           <a:ln w="76200">
@@ -5407,8 +5507,8 @@
         </p:nvSpPr>
         <p:spPr bwMode="auto">
           <a:xfrm>
-            <a:off x="5794191" y="2403134"/>
-            <a:ext cx="10299886" cy="7759247"/>
+            <a:off x="5794191" y="2313781"/>
+            <a:ext cx="9693460" cy="7457188"/>
           </a:xfrm>
           <a:prstGeom prst="roundRect">
             <a:avLst>
@@ -5444,15 +5544,20 @@
           </a:bodyPr>
           <a:lstStyle/>
           <a:p>
+            <a:pPr>
+              <a:spcBef>
+                <a:spcPts val="500"/>
+              </a:spcBef>
+            </a:pPr>
             <a:endParaRPr lang="sv-SE" sz="3200" dirty="0" smtClean="0"/>
           </a:p>
           <a:p>
             <a:pPr marL="571500" indent="-571500">
               <a:spcBef>
-                <a:spcPts val="900"/>
+                <a:spcPts val="700"/>
               </a:spcBef>
               <a:spcAft>
-                <a:spcPts val="200"/>
+                <a:spcPts val="0"/>
               </a:spcAft>
               <a:buFont typeface="Arial" panose="020B0604020202020204" pitchFamily="34" charset="0"/>
               <a:buChar char="•"/>
@@ -5469,10 +5574,10 @@
           <a:p>
             <a:pPr marL="571500" indent="-571500">
               <a:spcBef>
-                <a:spcPts val="900"/>
+                <a:spcPts val="700"/>
               </a:spcBef>
               <a:spcAft>
-                <a:spcPts val="200"/>
+                <a:spcPts val="0"/>
               </a:spcAft>
               <a:buFont typeface="Arial" panose="020B0604020202020204" pitchFamily="34" charset="0"/>
               <a:buChar char="•"/>
@@ -5493,10 +5598,10 @@
           <a:p>
             <a:pPr marL="571500" indent="-571500">
               <a:spcBef>
-                <a:spcPts val="900"/>
+                <a:spcPts val="700"/>
               </a:spcBef>
               <a:spcAft>
-                <a:spcPts val="200"/>
+                <a:spcPts val="0"/>
               </a:spcAft>
               <a:buFont typeface="Arial" panose="020B0604020202020204" pitchFamily="34" charset="0"/>
               <a:buChar char="•"/>
@@ -5507,12 +5612,12 @@
             </a:r>
           </a:p>
           <a:p>
-            <a:pPr marL="1028700" lvl="1" indent="-571500">
+            <a:pPr marL="1620000" lvl="1" indent="-571500">
               <a:spcBef>
-                <a:spcPts val="900"/>
+                <a:spcPts val="700"/>
               </a:spcBef>
               <a:spcAft>
-                <a:spcPts val="200"/>
+                <a:spcPts val="0"/>
               </a:spcAft>
               <a:buFont typeface="Wingdings" panose="05000000000000000000" pitchFamily="2" charset="2"/>
               <a:buChar char="Ø"/>
@@ -5536,12 +5641,12 @@
             <a:endParaRPr lang="sv-SE" sz="3200" dirty="0"/>
           </a:p>
           <a:p>
-            <a:pPr marL="1028700" lvl="1" indent="-571500">
+            <a:pPr marL="1620000" lvl="1" indent="-571500">
               <a:spcBef>
-                <a:spcPts val="900"/>
+                <a:spcPts val="700"/>
               </a:spcBef>
               <a:spcAft>
-                <a:spcPts val="200"/>
+                <a:spcPts val="0"/>
               </a:spcAft>
               <a:buFont typeface="Wingdings" panose="05000000000000000000" pitchFamily="2" charset="2"/>
               <a:buChar char="Ø"/>
@@ -5565,12 +5670,12 @@
             <a:endParaRPr lang="sv-SE" sz="3200" dirty="0"/>
           </a:p>
           <a:p>
-            <a:pPr marL="1028700" lvl="1" indent="-571500">
+            <a:pPr marL="1620000" lvl="1" indent="-571500">
               <a:spcBef>
-                <a:spcPts val="900"/>
+                <a:spcPts val="700"/>
               </a:spcBef>
               <a:spcAft>
-                <a:spcPts val="200"/>
+                <a:spcPts val="0"/>
               </a:spcAft>
               <a:buFont typeface="Wingdings" panose="05000000000000000000" pitchFamily="2" charset="2"/>
               <a:buChar char="Ø"/>
@@ -5583,10 +5688,10 @@
           <a:p>
             <a:pPr marL="571500" indent="-571500">
               <a:spcBef>
-                <a:spcPts val="900"/>
+                <a:spcPts val="700"/>
               </a:spcBef>
               <a:spcAft>
-                <a:spcPts val="200"/>
+                <a:spcPts val="0"/>
               </a:spcAft>
               <a:buFont typeface="Arial" panose="020B0604020202020204" pitchFamily="34" charset="0"/>
               <a:buChar char="•"/>
@@ -5619,7 +5724,7 @@
                 <a:spcPct val="100000"/>
               </a:lnSpc>
               <a:spcBef>
-                <a:spcPct val="20000"/>
+                <a:spcPts val="500"/>
               </a:spcBef>
               <a:spcAft>
                 <a:spcPct val="0"/>
@@ -5647,7 +5752,7 @@
         </p:nvSpPr>
         <p:spPr>
           <a:xfrm>
-            <a:off x="7973512" y="2008981"/>
+            <a:off x="8277932" y="2008981"/>
             <a:ext cx="4725979" cy="800219"/>
           </a:xfrm>
           <a:prstGeom prst="rect">
@@ -5693,8 +5798,8 @@
         </p:nvSpPr>
         <p:spPr bwMode="auto">
           <a:xfrm>
-            <a:off x="26643212" y="10771981"/>
-            <a:ext cx="8880987" cy="11811000"/>
+            <a:off x="26643212" y="10314782"/>
+            <a:ext cx="8880987" cy="12268199"/>
           </a:xfrm>
           <a:prstGeom prst="roundRect">
             <a:avLst>
@@ -5763,7 +5868,7 @@
         </p:nvSpPr>
         <p:spPr>
           <a:xfrm>
-            <a:off x="29130512" y="10428962"/>
+            <a:off x="28995197" y="10062867"/>
             <a:ext cx="4177017" cy="800219"/>
           </a:xfrm>
           <a:prstGeom prst="rect">
@@ -6442,13 +6547,13 @@
           <p:nvPr>
             <p:extLst>
               <p:ext uri="{D42A27DB-BD31-4B8C-83A1-F6EECF244321}">
-                <p14:modId xmlns:p14="http://schemas.microsoft.com/office/powerpoint/2010/main" val="3583044654"/>
+                <p14:modId xmlns:p14="http://schemas.microsoft.com/office/powerpoint/2010/main" val="1925370537"/>
               </p:ext>
             </p:extLst>
           </p:nvPr>
         </p:nvGraphicFramePr>
         <p:xfrm>
-          <a:off x="26715229" y="17622774"/>
+          <a:off x="26715229" y="17401381"/>
           <a:ext cx="8808969" cy="4691889"/>
         </p:xfrm>
         <a:graphic>
@@ -6526,8 +6631,12 @@
                     <a:p>
                       <a:pPr algn="ctr"/>
                       <a:r>
+                        <a:rPr lang="sv-SE" sz="2800" dirty="0" err="1" smtClean="0"/>
+                        <a:t>Accuracy</a:t>
+                      </a:r>
+                      <a:r>
                         <a:rPr lang="sv-SE" sz="2800" dirty="0" smtClean="0"/>
-                        <a:t>Accuracy</a:t>
+                        <a:t> (%)</a:t>
                       </a:r>
                       <a:endParaRPr lang="en-GB" sz="2800" dirty="0"/>
                     </a:p>
@@ -6593,7 +6702,7 @@
                       </a:r>
                       <a:r>
                         <a:rPr lang="sv-SE" sz="2800" dirty="0" smtClean="0"/>
-                        <a:t>-Score</a:t>
+                        <a:t>-Score (%)</a:t>
                       </a:r>
                       <a:endParaRPr lang="en-GB" sz="2800" dirty="0"/>
                     </a:p>
@@ -6650,8 +6759,16 @@
                     <a:p>
                       <a:pPr algn="ctr"/>
                       <a:r>
+                        <a:rPr lang="sv-SE" sz="2800" dirty="0" err="1" smtClean="0"/>
+                        <a:t>Juefei</a:t>
+                      </a:r>
+                      <a:r>
                         <a:rPr lang="sv-SE" sz="2800" dirty="0" smtClean="0"/>
-                        <a:t>Juefei-Xu [3]</a:t>
+                        <a:t>-Xu et al. </a:t>
+                      </a:r>
+                      <a:r>
+                        <a:rPr lang="sv-SE" sz="2800" dirty="0" smtClean="0"/>
+                        <a:t>[3]</a:t>
                       </a:r>
                       <a:endParaRPr lang="en-GB" sz="2800" dirty="0"/>
                     </a:p>
@@ -6787,7 +6904,11 @@
                       <a:pPr algn="ctr"/>
                       <a:r>
                         <a:rPr lang="sv-SE" sz="2800" dirty="0" smtClean="0"/>
-                        <a:t>Li [4]</a:t>
+                        <a:t>Li et al. </a:t>
+                      </a:r>
+                      <a:r>
+                        <a:rPr lang="sv-SE" sz="2800" dirty="0" smtClean="0"/>
+                        <a:t>[4]</a:t>
                       </a:r>
                       <a:endParaRPr lang="en-GB" sz="2800" dirty="0"/>
                     </a:p>
@@ -6923,7 +7044,11 @@
                       <a:pPr algn="ctr"/>
                       <a:r>
                         <a:rPr lang="sv-SE" sz="2800" dirty="0" smtClean="0"/>
-                        <a:t>Marcos [5]</a:t>
+                        <a:t>Marcos et al. </a:t>
+                      </a:r>
+                      <a:r>
+                        <a:rPr lang="sv-SE" sz="2800" dirty="0" smtClean="0"/>
+                        <a:t>[5]</a:t>
                       </a:r>
                       <a:endParaRPr lang="en-GB" sz="2800" dirty="0"/>
                     </a:p>
@@ -7336,7 +7461,7 @@
         </p:nvSpPr>
         <p:spPr>
           <a:xfrm>
-            <a:off x="13986807" y="10428962"/>
+            <a:off x="12904640" y="10062867"/>
             <a:ext cx="6078520" cy="800219"/>
           </a:xfrm>
           <a:prstGeom prst="rect">
@@ -7383,13 +7508,13 @@
           <p:nvPr>
             <p:extLst>
               <p:ext uri="{D42A27DB-BD31-4B8C-83A1-F6EECF244321}">
-                <p14:modId xmlns:p14="http://schemas.microsoft.com/office/powerpoint/2010/main" val="1631255502"/>
+                <p14:modId xmlns:p14="http://schemas.microsoft.com/office/powerpoint/2010/main" val="4200136477"/>
               </p:ext>
             </p:extLst>
           </p:nvPr>
         </p:nvGraphicFramePr>
         <p:xfrm>
-          <a:off x="10632167" y="11641538"/>
+          <a:off x="10289799" y="10695781"/>
           <a:ext cx="1692651" cy="1395431"/>
         </p:xfrm>
         <a:graphic>
@@ -7450,7 +7575,7 @@
                       <a:pPr algn="ctr"/>
                       <a:r>
                         <a:rPr lang="sv-SE" sz="2400" b="1" dirty="0" smtClean="0"/>
-                        <a:t>0</a:t>
+                        <a:t>-1</a:t>
                       </a:r>
                       <a:endParaRPr lang="en-GB" sz="2400" b="1" dirty="0"/>
                     </a:p>
@@ -7509,7 +7634,7 @@
                       <a:pPr algn="ctr"/>
                       <a:r>
                         <a:rPr lang="sv-SE" sz="2400" b="1" dirty="0" smtClean="0"/>
-                        <a:t>0</a:t>
+                        <a:t>-1</a:t>
                       </a:r>
                       <a:endParaRPr lang="en-GB" sz="2400" b="1" dirty="0"/>
                     </a:p>
@@ -7568,7 +7693,7 @@
                       <a:pPr algn="ctr"/>
                       <a:r>
                         <a:rPr lang="sv-SE" sz="2400" b="1" dirty="0" smtClean="0"/>
-                        <a:t>0</a:t>
+                        <a:t>1</a:t>
                       </a:r>
                       <a:endParaRPr lang="en-GB" sz="2400" b="1" dirty="0"/>
                     </a:p>
@@ -7593,13 +7718,13 @@
           <p:nvPr>
             <p:extLst>
               <p:ext uri="{D42A27DB-BD31-4B8C-83A1-F6EECF244321}">
-                <p14:modId xmlns:p14="http://schemas.microsoft.com/office/powerpoint/2010/main" val="989895637"/>
+                <p14:modId xmlns:p14="http://schemas.microsoft.com/office/powerpoint/2010/main" val="362133093"/>
               </p:ext>
             </p:extLst>
           </p:nvPr>
         </p:nvGraphicFramePr>
         <p:xfrm>
-          <a:off x="9978001" y="12396775"/>
+          <a:off x="9700665" y="11533329"/>
           <a:ext cx="1692651" cy="1395431"/>
         </p:xfrm>
         <a:graphic>
@@ -7622,7 +7747,7 @@
                       <a:pPr algn="ctr"/>
                       <a:r>
                         <a:rPr lang="sv-SE" sz="2400" b="1" dirty="0" smtClean="0"/>
-                        <a:t>0</a:t>
+                        <a:t>-1</a:t>
                       </a:r>
                       <a:endParaRPr lang="en-GB" sz="2400" b="1" dirty="0"/>
                     </a:p>
@@ -7803,13 +7928,13 @@
           <p:nvPr>
             <p:extLst>
               <p:ext uri="{D42A27DB-BD31-4B8C-83A1-F6EECF244321}">
-                <p14:modId xmlns:p14="http://schemas.microsoft.com/office/powerpoint/2010/main" val="4196312660"/>
+                <p14:modId xmlns:p14="http://schemas.microsoft.com/office/powerpoint/2010/main" val="3717548508"/>
               </p:ext>
             </p:extLst>
           </p:nvPr>
         </p:nvGraphicFramePr>
         <p:xfrm>
-          <a:off x="9467850" y="12821612"/>
+          <a:off x="9326436" y="11991054"/>
           <a:ext cx="1692651" cy="1395431"/>
         </p:xfrm>
         <a:graphic>
@@ -7832,7 +7957,7 @@
                       <a:pPr algn="ctr"/>
                       <a:r>
                         <a:rPr lang="sv-SE" sz="2400" b="1" dirty="0" smtClean="0"/>
-                        <a:t>0</a:t>
+                        <a:t>-1</a:t>
                       </a:r>
                       <a:endParaRPr lang="en-GB" sz="2400" b="1" dirty="0"/>
                     </a:p>
@@ -7870,7 +7995,7 @@
                       <a:pPr algn="ctr"/>
                       <a:r>
                         <a:rPr lang="sv-SE" sz="2400" b="1" dirty="0" smtClean="0"/>
-                        <a:t>0</a:t>
+                        <a:t>1</a:t>
                       </a:r>
                       <a:endParaRPr lang="en-GB" sz="2400" b="1" dirty="0"/>
                     </a:p>
@@ -7891,7 +8016,7 @@
                       <a:pPr algn="ctr"/>
                       <a:r>
                         <a:rPr lang="sv-SE" sz="2400" b="1" dirty="0" smtClean="0"/>
-                        <a:t>0</a:t>
+                        <a:t>1</a:t>
                       </a:r>
                       <a:endParaRPr lang="en-GB" sz="2400" b="1" dirty="0"/>
                     </a:p>
@@ -7910,7 +8035,7 @@
                       <a:pPr algn="ctr"/>
                       <a:r>
                         <a:rPr lang="sv-SE" sz="2400" b="1" dirty="0" smtClean="0"/>
-                        <a:t>0</a:t>
+                        <a:t>-1</a:t>
                       </a:r>
                       <a:endParaRPr lang="en-GB" sz="2400" b="1" dirty="0"/>
                     </a:p>
@@ -7950,7 +8075,7 @@
                       <a:pPr algn="ctr"/>
                       <a:r>
                         <a:rPr lang="sv-SE" sz="2400" b="1" dirty="0" smtClean="0"/>
-                        <a:t>0</a:t>
+                        <a:t>-1</a:t>
                       </a:r>
                       <a:endParaRPr lang="en-GB" sz="2400" b="1" dirty="0"/>
                     </a:p>
@@ -8004,16 +8129,274 @@
           </a:graphicData>
         </a:graphic>
       </p:graphicFrame>
+      <mc:AlternateContent xmlns:mc="http://schemas.openxmlformats.org/markup-compatibility/2006">
+        <mc:Choice xmlns:a14="http://schemas.microsoft.com/office/drawing/2010/main" Requires="a14">
+          <p:sp>
+            <p:nvSpPr>
+              <p:cNvPr id="13" name="TextBox 12"/>
+              <p:cNvSpPr txBox="1"/>
+              <p:nvPr/>
+            </p:nvSpPr>
+            <p:spPr>
+              <a:xfrm>
+                <a:off x="19262433" y="10858528"/>
+                <a:ext cx="6817017" cy="3342453"/>
+              </a:xfrm>
+              <a:prstGeom prst="rect">
+                <a:avLst/>
+              </a:prstGeom>
+              <a:noFill/>
+            </p:spPr>
+            <p:txBody>
+              <a:bodyPr wrap="square" rtlCol="0">
+                <a:spAutoFit/>
+              </a:bodyPr>
+              <a:lstStyle/>
+              <a:p>
+                <a:r>
+                  <a:rPr lang="en-GB" sz="3200" dirty="0" smtClean="0"/>
+                  <a:t>Model 1, </a:t>
+                </a:r>
+                <a:r>
+                  <a:rPr lang="en-GB" sz="3200" dirty="0" err="1" smtClean="0"/>
+                  <a:t>Juefei</a:t>
+                </a:r>
+                <a:r>
+                  <a:rPr lang="en-GB" sz="3200" dirty="0" smtClean="0"/>
+                  <a:t>-Xu et al.:</a:t>
+                </a:r>
+              </a:p>
+              <a:p>
+                <a:pPr marL="685800" indent="-685800">
+                  <a:buFont typeface="Arial" panose="020B0604020202020204" pitchFamily="34" charset="0"/>
+                  <a:buChar char="•"/>
+                </a:pPr>
+                <a:r>
+                  <a:rPr lang="en-GB" sz="3200" dirty="0" smtClean="0"/>
+                  <a:t>512 fixed </a:t>
+                </a:r>
+                <a:r>
+                  <a:rPr lang="en-GB" sz="3200" dirty="0" smtClean="0"/>
+                  <a:t>random </a:t>
+                </a:r>
+                <a:r>
+                  <a:rPr lang="en-GB" sz="3200" dirty="0" smtClean="0"/>
+                  <a:t>±</a:t>
+                </a:r>
+                <a:r>
+                  <a:rPr lang="en-GB" sz="3200" dirty="0" smtClean="0"/>
+                  <a:t>1 </a:t>
+                </a:r>
+                <a:r>
+                  <a:rPr lang="en-GB" sz="3200" dirty="0" smtClean="0"/>
+                  <a:t>filters </a:t>
+                </a:r>
+                <a14:m>
+                  <m:oMath xmlns:m="http://schemas.openxmlformats.org/officeDocument/2006/math">
+                    <m:sSub>
+                      <m:sSubPr>
+                        <m:ctrlPr>
+                          <a:rPr lang="en-GB" sz="3200" i="1">
+                            <a:latin typeface="Cambria Math"/>
+                          </a:rPr>
+                        </m:ctrlPr>
+                      </m:sSubPr>
+                      <m:e>
+                        <m:r>
+                          <a:rPr lang="en-GB" sz="3200" b="0" i="1" smtClean="0">
+                            <a:latin typeface="Cambria Math"/>
+                          </a:rPr>
+                          <m:t>𝑓</m:t>
+                        </m:r>
+                      </m:e>
+                      <m:sub>
+                        <m:r>
+                          <a:rPr lang="en-GB" sz="3200" i="1">
+                            <a:latin typeface="Cambria Math"/>
+                          </a:rPr>
+                          <m:t>𝑘</m:t>
+                        </m:r>
+                      </m:sub>
+                    </m:sSub>
+                  </m:oMath>
+                </a14:m>
+                <a:r>
+                  <a:rPr lang="en-GB" sz="3200" dirty="0" smtClean="0"/>
+                  <a:t>, 10% zeros</a:t>
+                </a:r>
+              </a:p>
+              <a:p>
+                <a:pPr marL="685800" indent="-685800">
+                  <a:buFont typeface="Arial" panose="020B0604020202020204" pitchFamily="34" charset="0"/>
+                  <a:buChar char="•"/>
+                </a:pPr>
+                <a:r>
+                  <a:rPr lang="en-GB" sz="3200" dirty="0" smtClean="0"/>
+                  <a:t>Rectified linear activation </a:t>
+                </a:r>
+                <a14:m>
+                  <m:oMath xmlns:m="http://schemas.openxmlformats.org/officeDocument/2006/math">
+                    <m:r>
+                      <a:rPr lang="pt-BR" sz="3200" i="1">
+                        <a:latin typeface="Cambria Math"/>
+                        <a:ea typeface="Cambria Math"/>
+                      </a:rPr>
+                      <m:t>𝜎</m:t>
+                    </m:r>
+                    <m:r>
+                      <a:rPr lang="en-GB" sz="3200" i="1">
+                        <a:latin typeface="Cambria Math"/>
+                        <a:ea typeface="Cambria Math"/>
+                      </a:rPr>
+                      <m:t>(</m:t>
+                    </m:r>
+                    <m:sSub>
+                      <m:sSubPr>
+                        <m:ctrlPr>
+                          <a:rPr lang="en-GB" sz="3200" i="1">
+                            <a:latin typeface="Cambria Math"/>
+                            <a:ea typeface="Cambria Math"/>
+                          </a:rPr>
+                        </m:ctrlPr>
+                      </m:sSubPr>
+                      <m:e>
+                        <m:r>
+                          <a:rPr lang="en-GB" sz="3200" i="1">
+                            <a:latin typeface="Cambria Math"/>
+                            <a:ea typeface="Cambria Math"/>
+                          </a:rPr>
+                          <m:t>𝑓</m:t>
+                        </m:r>
+                      </m:e>
+                      <m:sub>
+                        <m:r>
+                          <a:rPr lang="en-GB" sz="3200" i="1">
+                            <a:latin typeface="Cambria Math"/>
+                            <a:ea typeface="Cambria Math"/>
+                          </a:rPr>
+                          <m:t>𝑘</m:t>
+                        </m:r>
+                      </m:sub>
+                    </m:sSub>
+                    <m:r>
+                      <a:rPr lang="en-GB" sz="3200" i="1">
+                        <a:latin typeface="Cambria Math"/>
+                        <a:ea typeface="Cambria Math"/>
+                      </a:rPr>
+                      <m:t>)</m:t>
+                    </m:r>
+                  </m:oMath>
+                </a14:m>
+                <a:endParaRPr lang="en-GB" sz="3200" dirty="0" smtClean="0"/>
+              </a:p>
+              <a:p>
+                <a:pPr marL="685800" indent="-685800">
+                  <a:buFont typeface="Arial" panose="020B0604020202020204" pitchFamily="34" charset="0"/>
+                  <a:buChar char="•"/>
+                </a:pPr>
+                <a:r>
+                  <a:rPr lang="en-GB" sz="3200" dirty="0" smtClean="0"/>
+                  <a:t>Trainable weights </a:t>
+                </a:r>
+                <a14:m>
+                  <m:oMath xmlns:m="http://schemas.openxmlformats.org/officeDocument/2006/math">
+                    <m:sSub>
+                      <m:sSubPr>
+                        <m:ctrlPr>
+                          <a:rPr lang="en-GB" sz="3200" i="1">
+                            <a:latin typeface="Cambria Math"/>
+                          </a:rPr>
+                        </m:ctrlPr>
+                      </m:sSubPr>
+                      <m:e>
+                        <m:r>
+                          <a:rPr lang="en-GB" sz="3200" i="1">
+                            <a:latin typeface="Cambria Math"/>
+                          </a:rPr>
+                          <m:t>𝑣</m:t>
+                        </m:r>
+                      </m:e>
+                      <m:sub>
+                        <m:r>
+                          <a:rPr lang="en-GB" sz="3200" i="1">
+                            <a:latin typeface="Cambria Math"/>
+                          </a:rPr>
+                          <m:t>𝑘</m:t>
+                        </m:r>
+                      </m:sub>
+                    </m:sSub>
+                  </m:oMath>
+                </a14:m>
+                <a:r>
+                  <a:rPr lang="en-GB" sz="3200" dirty="0" smtClean="0"/>
+                  <a:t> used in </a:t>
+                </a:r>
+                <a:r>
+                  <a:rPr lang="en-GB" sz="3200" dirty="0" smtClean="0"/>
+                  <a:t>linear </a:t>
+                </a:r>
+                <a:r>
+                  <a:rPr lang="en-GB" sz="3200" dirty="0" smtClean="0"/>
+                  <a:t>sum to </a:t>
+                </a:r>
+                <a:r>
+                  <a:rPr lang="en-GB" sz="3200" dirty="0" smtClean="0"/>
+                  <a:t>create feature map</a:t>
+                </a:r>
+                <a:endParaRPr lang="en-GB" sz="3200" dirty="0"/>
+              </a:p>
+            </p:txBody>
+          </p:sp>
+        </mc:Choice>
+        <mc:Fallback>
+          <p:sp>
+            <p:nvSpPr>
+              <p:cNvPr id="13" name="TextBox 12"/>
+              <p:cNvSpPr txBox="1">
+                <a:spLocks noRot="1" noChangeAspect="1" noMove="1" noResize="1" noEditPoints="1" noAdjustHandles="1" noChangeArrowheads="1" noChangeShapeType="1" noTextEdit="1"/>
+              </p:cNvSpPr>
+              <p:nvPr/>
+            </p:nvSpPr>
+            <p:spPr>
+              <a:xfrm>
+                <a:off x="19262433" y="10858528"/>
+                <a:ext cx="6817017" cy="3342453"/>
+              </a:xfrm>
+              <a:prstGeom prst="rect">
+                <a:avLst/>
+              </a:prstGeom>
+              <a:blipFill rotWithShape="1">
+                <a:blip r:embed="rId3"/>
+                <a:stretch>
+                  <a:fillRect l="-2326" t="-2368" r="-805" b="-4918"/>
+                </a:stretch>
+              </a:blipFill>
+            </p:spPr>
+            <p:txBody>
+              <a:bodyPr/>
+              <a:lstStyle/>
+              <a:p>
+                <a:r>
+                  <a:rPr lang="en-GB">
+                    <a:noFill/>
+                  </a:rPr>
+                  <a:t> </a:t>
+                </a:r>
+              </a:p>
+            </p:txBody>
+          </p:sp>
+        </mc:Fallback>
+      </mc:AlternateContent>
       <p:sp>
         <p:nvSpPr>
-          <p:cNvPr id="13" name="TextBox 12"/>
+          <p:cNvPr id="53" name="TextBox 52"/>
           <p:cNvSpPr txBox="1"/>
           <p:nvPr/>
         </p:nvSpPr>
         <p:spPr>
           <a:xfrm>
-            <a:off x="19145250" y="11738034"/>
-            <a:ext cx="6705600" cy="2259080"/>
+            <a:off x="19394317" y="14570039"/>
+            <a:ext cx="6685132" cy="3440942"/>
           </a:xfrm>
           <a:prstGeom prst="rect">
             <a:avLst/>
@@ -8028,15 +8411,7 @@
           <a:p>
             <a:r>
               <a:rPr lang="en-GB" sz="3200" dirty="0" smtClean="0"/>
-              <a:t>Model 1, </a:t>
-            </a:r>
-            <a:r>
-              <a:rPr lang="en-GB" sz="3200" dirty="0" err="1" smtClean="0"/>
-              <a:t>Juefei</a:t>
-            </a:r>
-            <a:r>
-              <a:rPr lang="en-GB" sz="3200" dirty="0" smtClean="0"/>
-              <a:t>-Xu et al.:</a:t>
+              <a:t>Model 2, Li et al.:</a:t>
             </a:r>
           </a:p>
           <a:p>
@@ -8046,7 +8421,7 @@
             </a:pPr>
             <a:r>
               <a:rPr lang="en-GB" sz="3200" dirty="0" smtClean="0"/>
-              <a:t>Fixed random  ±1 filters</a:t>
+              <a:t>8 fixed difference filters</a:t>
             </a:r>
           </a:p>
           <a:p>
@@ -8056,7 +8431,27 @@
             </a:pPr>
             <a:r>
               <a:rPr lang="en-GB" sz="3200" dirty="0" smtClean="0"/>
-              <a:t>Weighted linear sum to create feature map</a:t>
+              <a:t>Sum of sigmoid activations</a:t>
+            </a:r>
+          </a:p>
+          <a:p>
+            <a:pPr marL="685800" indent="-685800">
+              <a:buFont typeface="Arial" panose="020B0604020202020204" pitchFamily="34" charset="0"/>
+              <a:buChar char="•"/>
+            </a:pPr>
+            <a:r>
+              <a:rPr lang="en-GB" sz="3200" dirty="0" smtClean="0"/>
+              <a:t>8 Gating functions applied to sum</a:t>
+            </a:r>
+          </a:p>
+          <a:p>
+            <a:pPr marL="685800" indent="-685800">
+              <a:buFont typeface="Arial" panose="020B0604020202020204" pitchFamily="34" charset="0"/>
+              <a:buChar char="•"/>
+            </a:pPr>
+            <a:r>
+              <a:rPr lang="en-GB" sz="3200" dirty="0" smtClean="0"/>
+              <a:t>Histogram of results</a:t>
             </a:r>
             <a:endParaRPr lang="en-GB" sz="3200" dirty="0"/>
           </a:p>
@@ -8064,14 +8459,14 @@
       </p:sp>
       <p:sp>
         <p:nvSpPr>
-          <p:cNvPr id="53" name="TextBox 52"/>
+          <p:cNvPr id="54" name="TextBox 53"/>
           <p:cNvSpPr txBox="1"/>
           <p:nvPr/>
         </p:nvSpPr>
         <p:spPr>
           <a:xfrm>
-            <a:off x="19145250" y="14509901"/>
-            <a:ext cx="6705599" cy="3440942"/>
+            <a:off x="19262432" y="18315781"/>
+            <a:ext cx="6817017" cy="4327338"/>
           </a:xfrm>
           <a:prstGeom prst="rect">
             <a:avLst/>
@@ -8084,111 +8479,55 @@
           </a:bodyPr>
           <a:lstStyle/>
           <a:p>
+            <a:pPr>
+              <a:spcBef>
+                <a:spcPts val="400"/>
+              </a:spcBef>
+            </a:pPr>
             <a:r>
               <a:rPr lang="en-GB" sz="3200" dirty="0" smtClean="0"/>
-              <a:t>Model 2, Li et al.:</a:t>
+              <a:t>Model 3, Marcos et al.:</a:t>
             </a:r>
           </a:p>
           <a:p>
             <a:pPr marL="685800" indent="-685800">
+              <a:spcBef>
+                <a:spcPts val="400"/>
+              </a:spcBef>
               <a:buFont typeface="Arial" panose="020B0604020202020204" pitchFamily="34" charset="0"/>
               <a:buChar char="•"/>
             </a:pPr>
             <a:r>
               <a:rPr lang="en-GB" sz="3200" dirty="0" smtClean="0"/>
-              <a:t>8 fixed difference filters</a:t>
+              <a:t>Stack of rotated filters, adapted for vector field input</a:t>
             </a:r>
           </a:p>
           <a:p>
             <a:pPr marL="685800" indent="-685800">
+              <a:spcBef>
+                <a:spcPts val="400"/>
+              </a:spcBef>
               <a:buFont typeface="Arial" panose="020B0604020202020204" pitchFamily="34" charset="0"/>
               <a:buChar char="•"/>
             </a:pPr>
             <a:r>
               <a:rPr lang="en-GB" sz="3200" dirty="0" smtClean="0"/>
-              <a:t>Sum of sigmoid activations</a:t>
+              <a:t>The output angle is given by the rotation of the filter with highest activation</a:t>
             </a:r>
           </a:p>
           <a:p>
             <a:pPr marL="685800" indent="-685800">
+              <a:spcBef>
+                <a:spcPts val="400"/>
+              </a:spcBef>
               <a:buFont typeface="Arial" panose="020B0604020202020204" pitchFamily="34" charset="0"/>
               <a:buChar char="•"/>
             </a:pPr>
             <a:r>
               <a:rPr lang="en-GB" sz="3200" dirty="0" smtClean="0"/>
-              <a:t>8 Gating functions applied to sum</a:t>
-            </a:r>
-          </a:p>
-          <a:p>
-            <a:pPr marL="685800" indent="-685800">
-              <a:buFont typeface="Arial" panose="020B0604020202020204" pitchFamily="34" charset="0"/>
-              <a:buChar char="•"/>
-            </a:pPr>
-            <a:r>
-              <a:rPr lang="en-GB" sz="3200" dirty="0" smtClean="0"/>
-              <a:t>Histogram of results</a:t>
-            </a:r>
-            <a:endParaRPr lang="en-GB" sz="3200" dirty="0"/>
-          </a:p>
-        </p:txBody>
-      </p:sp>
-      <p:sp>
-        <p:nvSpPr>
-          <p:cNvPr id="54" name="TextBox 53"/>
-          <p:cNvSpPr txBox="1"/>
-          <p:nvPr/>
-        </p:nvSpPr>
-        <p:spPr>
-          <a:xfrm>
-            <a:off x="19145250" y="18179443"/>
-            <a:ext cx="6705599" cy="4327338"/>
-          </a:xfrm>
-          <a:prstGeom prst="rect">
-            <a:avLst/>
-          </a:prstGeom>
-          <a:noFill/>
-        </p:spPr>
-        <p:txBody>
-          <a:bodyPr wrap="square" rtlCol="0">
-            <a:spAutoFit/>
-          </a:bodyPr>
-          <a:lstStyle/>
-          <a:p>
-            <a:r>
-              <a:rPr lang="en-GB" sz="3200" dirty="0" smtClean="0"/>
-              <a:t>Model 3, Marcos et al.:</a:t>
-            </a:r>
-          </a:p>
-          <a:p>
-            <a:pPr marL="685800" indent="-685800">
-              <a:buFont typeface="Arial" panose="020B0604020202020204" pitchFamily="34" charset="0"/>
-              <a:buChar char="•"/>
-            </a:pPr>
-            <a:r>
-              <a:rPr lang="en-GB" sz="3200" dirty="0" smtClean="0"/>
-              <a:t>Stack of rotated filters, adapted for vector field input.</a:t>
-            </a:r>
-          </a:p>
-          <a:p>
-            <a:pPr marL="685800" indent="-685800">
-              <a:buFont typeface="Arial" panose="020B0604020202020204" pitchFamily="34" charset="0"/>
-              <a:buChar char="•"/>
-            </a:pPr>
-            <a:r>
-              <a:rPr lang="sv-SE" sz="3200" dirty="0" smtClean="0"/>
-              <a:t>The output angle is given by the rotation of the filter with highest activation </a:t>
+              <a:t>Activation magnitude &amp; direction forms 2D vector field output</a:t>
             </a:r>
             <a:endParaRPr lang="en-GB" sz="3200" dirty="0" smtClean="0"/>
-          </a:p>
-          <a:p>
-            <a:pPr marL="685800" indent="-685800">
-              <a:buFont typeface="Arial" panose="020B0604020202020204" pitchFamily="34" charset="0"/>
-              <a:buChar char="•"/>
-            </a:pPr>
-            <a:r>
-              <a:rPr lang="en-GB" sz="3200" dirty="0" smtClean="0"/>
-              <a:t>Activation magnitude &amp; direction forms 2D vector field output</a:t>
-            </a:r>
           </a:p>
         </p:txBody>
       </p:sp>
@@ -8201,23 +8540,23 @@
           <p:nvPr>
             <p:extLst>
               <p:ext uri="{D42A27DB-BD31-4B8C-83A1-F6EECF244321}">
-                <p14:modId xmlns:p14="http://schemas.microsoft.com/office/powerpoint/2010/main" val="2954131646"/>
+                <p14:modId xmlns:p14="http://schemas.microsoft.com/office/powerpoint/2010/main" val="890477080"/>
               </p:ext>
             </p:extLst>
           </p:nvPr>
         </p:nvGraphicFramePr>
         <p:xfrm>
-          <a:off x="15908867" y="15238563"/>
-          <a:ext cx="2931583" cy="2192253"/>
+          <a:off x="16783049" y="14837398"/>
+          <a:ext cx="2430503" cy="2487688"/>
         </p:xfrm>
         <a:graphic>
           <a:graphicData uri="http://schemas.openxmlformats.org/drawingml/2006/chart">
-            <c:chart xmlns:c="http://schemas.openxmlformats.org/drawingml/2006/chart" xmlns:r="http://schemas.openxmlformats.org/officeDocument/2006/relationships" r:id="rId2"/>
+            <c:chart xmlns:c="http://schemas.openxmlformats.org/drawingml/2006/chart" xmlns:r="http://schemas.openxmlformats.org/officeDocument/2006/relationships" r:id="rId4"/>
           </a:graphicData>
         </a:graphic>
       </p:graphicFrame>
-      <mc:AlternateContent xmlns:mc="http://schemas.openxmlformats.org/markup-compatibility/2006" xmlns:a14="http://schemas.microsoft.com/office/drawing/2010/main">
-        <mc:Choice Requires="a14">
+      <mc:AlternateContent xmlns:mc="http://schemas.openxmlformats.org/markup-compatibility/2006">
+        <mc:Choice xmlns:a14="http://schemas.microsoft.com/office/drawing/2010/main" Requires="a14">
           <p:sp>
             <p:nvSpPr>
               <p:cNvPr id="56" name="TextBox 55"/>
@@ -8226,7 +8565,7 @@
             </p:nvSpPr>
             <p:spPr>
               <a:xfrm>
-                <a:off x="13333314" y="12170082"/>
+                <a:off x="13333314" y="11457781"/>
                 <a:ext cx="2154336" cy="1476173"/>
               </a:xfrm>
               <a:prstGeom prst="rect">
@@ -8369,7 +8708,7 @@
             </p:txBody>
           </p:sp>
         </mc:Choice>
-        <mc:Fallback xmlns="">
+        <mc:Fallback>
           <p:sp>
             <p:nvSpPr>
               <p:cNvPr id="56" name="TextBox 55"/>
@@ -8380,14 +8719,14 @@
             </p:nvSpPr>
             <p:spPr>
               <a:xfrm>
-                <a:off x="13333314" y="12170082"/>
+                <a:off x="13333314" y="11457781"/>
                 <a:ext cx="2154336" cy="1476173"/>
               </a:xfrm>
               <a:prstGeom prst="rect">
                 <a:avLst/>
               </a:prstGeom>
               <a:blipFill rotWithShape="1">
-                <a:blip r:embed="rId3"/>
+                <a:blip r:embed="rId5"/>
                 <a:stretch>
                   <a:fillRect/>
                 </a:stretch>
@@ -8417,13 +8756,13 @@
           <p:nvPr>
             <p:extLst>
               <p:ext uri="{D42A27DB-BD31-4B8C-83A1-F6EECF244321}">
-                <p14:modId xmlns:p14="http://schemas.microsoft.com/office/powerpoint/2010/main" val="3793320096"/>
+                <p14:modId xmlns:p14="http://schemas.microsoft.com/office/powerpoint/2010/main" val="3074748092"/>
               </p:ext>
             </p:extLst>
           </p:nvPr>
         </p:nvGraphicFramePr>
         <p:xfrm>
-          <a:off x="10211802" y="15020055"/>
+          <a:off x="11507202" y="14658181"/>
           <a:ext cx="1692651" cy="1395431"/>
         </p:xfrm>
         <a:graphic>
@@ -8627,13 +8966,13 @@
           <p:nvPr>
             <p:extLst>
               <p:ext uri="{D42A27DB-BD31-4B8C-83A1-F6EECF244321}">
-                <p14:modId xmlns:p14="http://schemas.microsoft.com/office/powerpoint/2010/main" val="3481615646"/>
+                <p14:modId xmlns:p14="http://schemas.microsoft.com/office/powerpoint/2010/main" val="564946320"/>
               </p:ext>
             </p:extLst>
           </p:nvPr>
         </p:nvGraphicFramePr>
         <p:xfrm>
-          <a:off x="9663746" y="15874824"/>
+          <a:off x="10959146" y="15512950"/>
           <a:ext cx="1692651" cy="1395431"/>
         </p:xfrm>
         <a:graphic>
@@ -8836,13 +9175,13 @@
           <p:nvPr>
             <p:extLst>
               <p:ext uri="{D42A27DB-BD31-4B8C-83A1-F6EECF244321}">
-                <p14:modId xmlns:p14="http://schemas.microsoft.com/office/powerpoint/2010/main" val="1039049031"/>
+                <p14:modId xmlns:p14="http://schemas.microsoft.com/office/powerpoint/2010/main" val="3888308847"/>
               </p:ext>
             </p:extLst>
           </p:nvPr>
         </p:nvGraphicFramePr>
         <p:xfrm>
-          <a:off x="9315450" y="16310750"/>
+          <a:off x="10610850" y="15948876"/>
           <a:ext cx="1692651" cy="1395431"/>
         </p:xfrm>
         <a:graphic>
@@ -9045,7 +9384,7 @@
         </p:nvCxnSpPr>
         <p:spPr bwMode="auto">
           <a:xfrm>
-            <a:off x="5886450" y="14465481"/>
+            <a:off x="5886450" y="14353381"/>
             <a:ext cx="19964400" cy="0"/>
           </a:xfrm>
           <a:prstGeom prst="line">
@@ -9090,8 +9429,8 @@
         </p:nvSpPr>
         <p:spPr bwMode="auto">
           <a:xfrm>
-            <a:off x="12624699" y="12678496"/>
-            <a:ext cx="653151" cy="457200"/>
+            <a:off x="12668250" y="11991181"/>
+            <a:ext cx="457200" cy="457200"/>
           </a:xfrm>
           <a:prstGeom prst="stripedRightArrow">
             <a:avLst/>
@@ -9150,8 +9489,8 @@
         </p:nvSpPr>
         <p:spPr bwMode="auto">
           <a:xfrm>
-            <a:off x="15640050" y="12679567"/>
-            <a:ext cx="658137" cy="457200"/>
+            <a:off x="15716250" y="11991181"/>
+            <a:ext cx="429537" cy="457200"/>
           </a:xfrm>
           <a:prstGeom prst="stripedRightArrow">
             <a:avLst/>
@@ -9211,7 +9550,7 @@
           <p:nvPr/>
         </p:nvPicPr>
         <p:blipFill>
-          <a:blip r:embed="rId4">
+          <a:blip r:embed="rId6">
             <a:extLst>
               <a:ext uri="{28A0092B-C50C-407E-A947-70E740481C1C}">
                 <a14:useLocalDpi xmlns:a14="http://schemas.microsoft.com/office/drawing/2010/main" val="0"/>
@@ -9225,8 +9564,8 @@
         </p:blipFill>
         <p:spPr bwMode="auto">
           <a:xfrm>
-            <a:off x="16455844" y="11738034"/>
-            <a:ext cx="2274355" cy="1844873"/>
+            <a:off x="16533922" y="11365508"/>
+            <a:ext cx="2154128" cy="1844873"/>
           </a:xfrm>
           <a:prstGeom prst="rect">
             <a:avLst/>
@@ -9242,134 +9581,203 @@
       </p:pic>
       <p:grpSp>
         <p:nvGrpSpPr>
-          <p:cNvPr id="46" name="Group 45"/>
+          <p:cNvPr id="4" name="Group 3"/>
           <p:cNvGrpSpPr/>
           <p:nvPr/>
         </p:nvGrpSpPr>
         <p:grpSpPr>
           <a:xfrm>
-            <a:off x="16456452" y="13683387"/>
-            <a:ext cx="2409881" cy="381256"/>
-            <a:chOff x="21416658" y="4904581"/>
-            <a:chExt cx="1719567" cy="228600"/>
+            <a:off x="16380252" y="13591125"/>
+            <a:ext cx="2460198" cy="381256"/>
+            <a:chOff x="16456452" y="13683387"/>
+            <a:chExt cx="2460198" cy="381256"/>
           </a:xfrm>
         </p:grpSpPr>
+        <p:grpSp>
+          <p:nvGrpSpPr>
+            <p:cNvPr id="46" name="Group 45"/>
+            <p:cNvGrpSpPr/>
+            <p:nvPr/>
+          </p:nvGrpSpPr>
+          <p:grpSpPr>
+            <a:xfrm>
+              <a:off x="16456452" y="13683387"/>
+              <a:ext cx="2409881" cy="381256"/>
+              <a:chOff x="21416658" y="4904581"/>
+              <a:chExt cx="1719567" cy="228600"/>
+            </a:xfrm>
+          </p:grpSpPr>
+          <p:sp>
+            <p:nvSpPr>
+              <p:cNvPr id="20" name="Pentagon 19"/>
+              <p:cNvSpPr/>
+              <p:nvPr/>
+            </p:nvSpPr>
+            <p:spPr bwMode="auto">
+              <a:xfrm flipH="1">
+                <a:off x="21416658" y="4904581"/>
+                <a:ext cx="1004869" cy="228600"/>
+              </a:xfrm>
+              <a:prstGeom prst="homePlate">
+                <a:avLst/>
+              </a:prstGeom>
+              <a:solidFill>
+                <a:srgbClr val="CC0000"/>
+              </a:solidFill>
+              <a:ln>
+                <a:noFill/>
+              </a:ln>
+              <a:effectLst/>
+              <a:extLst/>
+            </p:spPr>
+            <p:txBody>
+              <a:bodyPr vert="horz" wrap="square" lIns="457200" tIns="228600" rIns="457200" bIns="228600" numCol="1" rtlCol="0" anchor="t" anchorCtr="0" compatLnSpc="1">
+                <a:prstTxWarp prst="textNoShape">
+                  <a:avLst/>
+                </a:prstTxWarp>
+              </a:bodyPr>
+              <a:lstStyle/>
+              <a:p>
+                <a:pPr marL="0" marR="0" indent="0" algn="l" defTabSz="914400" rtl="0" eaLnBrk="1" fontAlgn="base" latinLnBrk="0" hangingPunct="1">
+                  <a:lnSpc>
+                    <a:spcPct val="100000"/>
+                  </a:lnSpc>
+                  <a:spcBef>
+                    <a:spcPct val="20000"/>
+                  </a:spcBef>
+                  <a:spcAft>
+                    <a:spcPct val="0"/>
+                  </a:spcAft>
+                  <a:buClrTx/>
+                  <a:buSzTx/>
+                  <a:buFontTx/>
+                  <a:buNone/>
+                  <a:tabLst/>
+                </a:pPr>
+                <a:endParaRPr kumimoji="0" lang="en-GB" sz="4600" b="0" i="0" u="none" strike="noStrike" cap="none" normalizeH="0" baseline="0" smtClean="0">
+                  <a:ln>
+                    <a:noFill/>
+                  </a:ln>
+                  <a:solidFill>
+                    <a:srgbClr val="000000"/>
+                  </a:solidFill>
+                  <a:effectLst/>
+                  <a:latin typeface="Arial" charset="0"/>
+                </a:endParaRPr>
+              </a:p>
+            </p:txBody>
+          </p:sp>
+          <p:sp>
+            <p:nvSpPr>
+              <p:cNvPr id="68" name="Pentagon 67"/>
+              <p:cNvSpPr/>
+              <p:nvPr/>
+            </p:nvSpPr>
+            <p:spPr bwMode="auto">
+              <a:xfrm>
+                <a:off x="22421528" y="4904581"/>
+                <a:ext cx="714697" cy="228600"/>
+              </a:xfrm>
+              <a:prstGeom prst="homePlate">
+                <a:avLst/>
+              </a:prstGeom>
+              <a:solidFill>
+                <a:srgbClr val="CC0000"/>
+              </a:solidFill>
+              <a:ln>
+                <a:noFill/>
+              </a:ln>
+              <a:effectLst/>
+              <a:extLst/>
+            </p:spPr>
+            <p:txBody>
+              <a:bodyPr vert="horz" wrap="square" lIns="457200" tIns="228600" rIns="457200" bIns="228600" numCol="1" rtlCol="0" anchor="t" anchorCtr="0" compatLnSpc="1">
+                <a:prstTxWarp prst="textNoShape">
+                  <a:avLst/>
+                </a:prstTxWarp>
+              </a:bodyPr>
+              <a:lstStyle/>
+              <a:p>
+                <a:pPr marL="0" marR="0" indent="0" algn="l" defTabSz="914400" rtl="0" eaLnBrk="1" fontAlgn="base" latinLnBrk="0" hangingPunct="1">
+                  <a:lnSpc>
+                    <a:spcPct val="100000"/>
+                  </a:lnSpc>
+                  <a:spcBef>
+                    <a:spcPct val="20000"/>
+                  </a:spcBef>
+                  <a:spcAft>
+                    <a:spcPct val="0"/>
+                  </a:spcAft>
+                  <a:buClrTx/>
+                  <a:buSzTx/>
+                  <a:buFontTx/>
+                  <a:buNone/>
+                  <a:tabLst/>
+                </a:pPr>
+                <a:endParaRPr kumimoji="0" lang="en-GB" sz="4600" b="0" i="0" u="none" strike="noStrike" cap="none" normalizeH="0" baseline="0" smtClean="0">
+                  <a:ln>
+                    <a:noFill/>
+                  </a:ln>
+                  <a:solidFill>
+                    <a:srgbClr val="000000"/>
+                  </a:solidFill>
+                  <a:effectLst/>
+                  <a:latin typeface="Arial" charset="0"/>
+                </a:endParaRPr>
+              </a:p>
+            </p:txBody>
+          </p:sp>
+        </p:grpSp>
         <p:sp>
           <p:nvSpPr>
-            <p:cNvPr id="20" name="Pentagon 19"/>
-            <p:cNvSpPr/>
+            <p:cNvPr id="21" name="TextBox 20"/>
+            <p:cNvSpPr txBox="1"/>
             <p:nvPr/>
           </p:nvSpPr>
-          <p:spPr bwMode="auto">
-            <a:xfrm flipH="1">
-              <a:off x="21416658" y="4904581"/>
-              <a:ext cx="1004869" cy="228600"/>
+          <p:spPr>
+            <a:xfrm>
+              <a:off x="16610122" y="13695311"/>
+              <a:ext cx="2306528" cy="369332"/>
             </a:xfrm>
-            <a:prstGeom prst="homePlate">
+            <a:prstGeom prst="rect">
               <a:avLst/>
             </a:prstGeom>
-            <a:solidFill>
-              <a:srgbClr val="CC0000"/>
-            </a:solidFill>
-            <a:ln>
-              <a:noFill/>
-            </a:ln>
-            <a:effectLst/>
-            <a:extLst/>
+            <a:noFill/>
           </p:spPr>
           <p:txBody>
-            <a:bodyPr vert="horz" wrap="square" lIns="457200" tIns="228600" rIns="457200" bIns="228600" numCol="1" rtlCol="0" anchor="t" anchorCtr="0" compatLnSpc="1">
-              <a:prstTxWarp prst="textNoShape">
-                <a:avLst/>
-              </a:prstTxWarp>
+            <a:bodyPr wrap="square" rtlCol="0">
+              <a:spAutoFit/>
             </a:bodyPr>
             <a:lstStyle/>
             <a:p>
-              <a:pPr marL="0" marR="0" indent="0" algn="l" defTabSz="914400" rtl="0" eaLnBrk="1" fontAlgn="base" latinLnBrk="0" hangingPunct="1">
-                <a:lnSpc>
-                  <a:spcPct val="100000"/>
-                </a:lnSpc>
-                <a:spcBef>
-                  <a:spcPct val="20000"/>
-                </a:spcBef>
-                <a:spcAft>
-                  <a:spcPct val="0"/>
-                </a:spcAft>
-                <a:buClrTx/>
-                <a:buSzTx/>
-                <a:buFontTx/>
-                <a:buNone/>
-                <a:tabLst/>
-              </a:pPr>
-              <a:endParaRPr kumimoji="0" lang="en-GB" sz="4600" b="0" i="0" u="none" strike="noStrike" cap="none" normalizeH="0" baseline="0" smtClean="0">
-                <a:ln>
-                  <a:noFill/>
-                </a:ln>
+              <a:r>
+                <a:rPr lang="en-GB" sz="1800" dirty="0" smtClean="0">
+                  <a:solidFill>
+                    <a:schemeClr val="bg1"/>
+                  </a:solidFill>
+                </a:rPr>
+                <a:t>Output </a:t>
+              </a:r>
+              <a:r>
+                <a:rPr lang="en-GB" sz="1800" dirty="0" smtClean="0">
+                  <a:solidFill>
+                    <a:schemeClr val="bg1"/>
+                  </a:solidFill>
+                </a:rPr>
+                <a:t>feature </a:t>
+              </a:r>
+              <a:r>
+                <a:rPr lang="en-GB" sz="1800" dirty="0" smtClean="0">
+                  <a:solidFill>
+                    <a:schemeClr val="bg1"/>
+                  </a:solidFill>
+                </a:rPr>
+                <a:t>map</a:t>
+              </a:r>
+              <a:endParaRPr lang="en-GB" sz="1800" dirty="0">
                 <a:solidFill>
-                  <a:srgbClr val="000000"/>
+                  <a:schemeClr val="bg1"/>
                 </a:solidFill>
-                <a:effectLst/>
-                <a:latin typeface="Arial" charset="0"/>
-              </a:endParaRPr>
-            </a:p>
-          </p:txBody>
-        </p:sp>
-        <p:sp>
-          <p:nvSpPr>
-            <p:cNvPr id="68" name="Pentagon 67"/>
-            <p:cNvSpPr/>
-            <p:nvPr/>
-          </p:nvSpPr>
-          <p:spPr bwMode="auto">
-            <a:xfrm>
-              <a:off x="22421528" y="4904581"/>
-              <a:ext cx="714697" cy="228600"/>
-            </a:xfrm>
-            <a:prstGeom prst="homePlate">
-              <a:avLst/>
-            </a:prstGeom>
-            <a:solidFill>
-              <a:srgbClr val="CC0000"/>
-            </a:solidFill>
-            <a:ln>
-              <a:noFill/>
-            </a:ln>
-            <a:effectLst/>
-            <a:extLst/>
-          </p:spPr>
-          <p:txBody>
-            <a:bodyPr vert="horz" wrap="square" lIns="457200" tIns="228600" rIns="457200" bIns="228600" numCol="1" rtlCol="0" anchor="t" anchorCtr="0" compatLnSpc="1">
-              <a:prstTxWarp prst="textNoShape">
-                <a:avLst/>
-              </a:prstTxWarp>
-            </a:bodyPr>
-            <a:lstStyle/>
-            <a:p>
-              <a:pPr marL="0" marR="0" indent="0" algn="l" defTabSz="914400" rtl="0" eaLnBrk="1" fontAlgn="base" latinLnBrk="0" hangingPunct="1">
-                <a:lnSpc>
-                  <a:spcPct val="100000"/>
-                </a:lnSpc>
-                <a:spcBef>
-                  <a:spcPct val="20000"/>
-                </a:spcBef>
-                <a:spcAft>
-                  <a:spcPct val="0"/>
-                </a:spcAft>
-                <a:buClrTx/>
-                <a:buSzTx/>
-                <a:buFontTx/>
-                <a:buNone/>
-                <a:tabLst/>
-              </a:pPr>
-              <a:endParaRPr kumimoji="0" lang="en-GB" sz="4600" b="0" i="0" u="none" strike="noStrike" cap="none" normalizeH="0" baseline="0" smtClean="0">
-                <a:ln>
-                  <a:noFill/>
-                </a:ln>
-                <a:solidFill>
-                  <a:srgbClr val="000000"/>
-                </a:solidFill>
-                <a:effectLst/>
-                <a:latin typeface="Arial" charset="0"/>
               </a:endParaRPr>
             </a:p>
           </p:txBody>
@@ -9377,108 +9785,23 @@
       </p:grpSp>
       <p:sp>
         <p:nvSpPr>
-          <p:cNvPr id="21" name="TextBox 20"/>
-          <p:cNvSpPr txBox="1"/>
-          <p:nvPr/>
-        </p:nvSpPr>
-        <p:spPr>
-          <a:xfrm>
-            <a:off x="16610122" y="13695311"/>
-            <a:ext cx="2306528" cy="369332"/>
-          </a:xfrm>
-          <a:prstGeom prst="rect">
-            <a:avLst/>
-          </a:prstGeom>
-          <a:noFill/>
-        </p:spPr>
-        <p:txBody>
-          <a:bodyPr wrap="square" rtlCol="0">
-            <a:spAutoFit/>
-          </a:bodyPr>
-          <a:lstStyle/>
-          <a:p>
-            <a:r>
-              <a:rPr lang="en-GB" sz="1800" dirty="0" smtClean="0">
-                <a:solidFill>
-                  <a:schemeClr val="bg1"/>
-                </a:solidFill>
-              </a:rPr>
-              <a:t>Output feature map</a:t>
-            </a:r>
-            <a:endParaRPr lang="en-GB" sz="1800" dirty="0">
-              <a:solidFill>
-                <a:schemeClr val="bg1"/>
-              </a:solidFill>
-            </a:endParaRPr>
-          </a:p>
-        </p:txBody>
-      </p:sp>
-      <p:sp>
-        <p:nvSpPr>
-          <p:cNvPr id="45" name="Freeform 44"/>
+          <p:cNvPr id="76" name="Striped Right Arrow 75"/>
           <p:cNvSpPr/>
           <p:nvPr/>
         </p:nvSpPr>
         <p:spPr bwMode="auto">
-          <a:xfrm rot="21355972" flipH="1">
-            <a:off x="11997072" y="13855411"/>
-            <a:ext cx="4331992" cy="350859"/>
+          <a:xfrm>
+            <a:off x="16351000" y="15496381"/>
+            <a:ext cx="432050" cy="457200"/>
           </a:xfrm>
-          <a:custGeom>
+          <a:prstGeom prst="stripedRightArrow">
             <a:avLst/>
-            <a:gdLst>
-              <a:gd name="connsiteX0" fmla="*/ 0 w 10229850"/>
-              <a:gd name="connsiteY0" fmla="*/ 0 h 1372279"/>
-              <a:gd name="connsiteX1" fmla="*/ 2057400 w 10229850"/>
-              <a:gd name="connsiteY1" fmla="*/ 1371600 h 1372279"/>
-              <a:gd name="connsiteX2" fmla="*/ 10229850 w 10229850"/>
-              <a:gd name="connsiteY2" fmla="*/ 200025 h 1372279"/>
-              <a:gd name="connsiteX3" fmla="*/ 10229850 w 10229850"/>
-              <a:gd name="connsiteY3" fmla="*/ 200025 h 1372279"/>
-            </a:gdLst>
-            <a:ahLst/>
-            <a:cxnLst>
-              <a:cxn ang="0">
-                <a:pos x="connsiteX0" y="connsiteY0"/>
-              </a:cxn>
-              <a:cxn ang="0">
-                <a:pos x="connsiteX1" y="connsiteY1"/>
-              </a:cxn>
-              <a:cxn ang="0">
-                <a:pos x="connsiteX2" y="connsiteY2"/>
-              </a:cxn>
-              <a:cxn ang="0">
-                <a:pos x="connsiteX3" y="connsiteY3"/>
-              </a:cxn>
-            </a:cxnLst>
-            <a:rect l="l" t="t" r="r" b="b"/>
-            <a:pathLst>
-              <a:path w="10229850" h="1372279">
-                <a:moveTo>
-                  <a:pt x="0" y="0"/>
-                </a:moveTo>
-                <a:cubicBezTo>
-                  <a:pt x="176212" y="669131"/>
-                  <a:pt x="352425" y="1338263"/>
-                  <a:pt x="2057400" y="1371600"/>
-                </a:cubicBezTo>
-                <a:cubicBezTo>
-                  <a:pt x="3762375" y="1404937"/>
-                  <a:pt x="10229850" y="200025"/>
-                  <a:pt x="10229850" y="200025"/>
-                </a:cubicBezTo>
-                <a:lnTo>
-                  <a:pt x="10229850" y="200025"/>
-                </a:lnTo>
-              </a:path>
-            </a:pathLst>
-          </a:custGeom>
-          <a:noFill/>
-          <a:ln w="63500">
-            <a:solidFill>
-              <a:schemeClr val="tx1"/>
-            </a:solidFill>
-            <a:tailEnd type="arrow" w="lg" len="lg"/>
+          </a:prstGeom>
+          <a:solidFill>
+            <a:schemeClr val="accent4"/>
+          </a:solidFill>
+          <a:ln>
+            <a:noFill/>
           </a:ln>
           <a:effectLst/>
           <a:extLst/>
@@ -9520,114 +9843,6 @@
           </a:p>
         </p:txBody>
       </p:sp>
-      <p:sp>
-        <p:nvSpPr>
-          <p:cNvPr id="76" name="Striped Right Arrow 75"/>
-          <p:cNvSpPr/>
-          <p:nvPr/>
-        </p:nvSpPr>
-        <p:spPr bwMode="auto">
-          <a:xfrm>
-            <a:off x="15261563" y="16334581"/>
-            <a:ext cx="658137" cy="457200"/>
-          </a:xfrm>
-          <a:prstGeom prst="stripedRightArrow">
-            <a:avLst/>
-          </a:prstGeom>
-          <a:solidFill>
-            <a:schemeClr val="accent4"/>
-          </a:solidFill>
-          <a:ln>
-            <a:noFill/>
-          </a:ln>
-          <a:effectLst/>
-          <a:extLst/>
-        </p:spPr>
-        <p:txBody>
-          <a:bodyPr vert="horz" wrap="square" lIns="457200" tIns="228600" rIns="457200" bIns="228600" numCol="1" rtlCol="0" anchor="t" anchorCtr="0" compatLnSpc="1">
-            <a:prstTxWarp prst="textNoShape">
-              <a:avLst/>
-            </a:prstTxWarp>
-          </a:bodyPr>
-          <a:lstStyle/>
-          <a:p>
-            <a:pPr marL="0" marR="0" indent="0" algn="l" defTabSz="914400" rtl="0" eaLnBrk="1" fontAlgn="base" latinLnBrk="0" hangingPunct="1">
-              <a:lnSpc>
-                <a:spcPct val="100000"/>
-              </a:lnSpc>
-              <a:spcBef>
-                <a:spcPct val="20000"/>
-              </a:spcBef>
-              <a:spcAft>
-                <a:spcPct val="0"/>
-              </a:spcAft>
-              <a:buClrTx/>
-              <a:buSzTx/>
-              <a:buFontTx/>
-              <a:buNone/>
-              <a:tabLst/>
-            </a:pPr>
-            <a:endParaRPr kumimoji="0" lang="en-GB" sz="4600" b="0" i="0" u="none" strike="noStrike" cap="none" normalizeH="0" baseline="0" smtClean="0">
-              <a:ln>
-                <a:noFill/>
-              </a:ln>
-              <a:solidFill>
-                <a:srgbClr val="000000"/>
-              </a:solidFill>
-              <a:effectLst/>
-              <a:latin typeface="Arial" charset="0"/>
-            </a:endParaRPr>
-          </a:p>
-        </p:txBody>
-      </p:sp>
-      <p:graphicFrame>
-        <p:nvGraphicFramePr>
-          <p:cNvPr id="85" name="Chart 84"/>
-          <p:cNvGraphicFramePr>
-            <a:graphicFrameLocks/>
-          </p:cNvGraphicFramePr>
-          <p:nvPr>
-            <p:extLst>
-              <p:ext uri="{D42A27DB-BD31-4B8C-83A1-F6EECF244321}">
-                <p14:modId xmlns:p14="http://schemas.microsoft.com/office/powerpoint/2010/main" val="1708998225"/>
-              </p:ext>
-            </p:extLst>
-          </p:nvPr>
-        </p:nvGraphicFramePr>
-        <p:xfrm>
-          <a:off x="13526850" y="15488955"/>
-          <a:ext cx="1656000" cy="906973"/>
-        </p:xfrm>
-        <a:graphic>
-          <a:graphicData uri="http://schemas.openxmlformats.org/drawingml/2006/chart">
-            <c:chart xmlns:c="http://schemas.openxmlformats.org/drawingml/2006/chart" xmlns:r="http://schemas.openxmlformats.org/officeDocument/2006/relationships" r:id="rId5"/>
-          </a:graphicData>
-        </a:graphic>
-      </p:graphicFrame>
-      <p:graphicFrame>
-        <p:nvGraphicFramePr>
-          <p:cNvPr id="86" name="Chart 85"/>
-          <p:cNvGraphicFramePr>
-            <a:graphicFrameLocks/>
-          </p:cNvGraphicFramePr>
-          <p:nvPr>
-            <p:extLst>
-              <p:ext uri="{D42A27DB-BD31-4B8C-83A1-F6EECF244321}">
-                <p14:modId xmlns:p14="http://schemas.microsoft.com/office/powerpoint/2010/main" val="3363093089"/>
-              </p:ext>
-            </p:extLst>
-          </p:nvPr>
-        </p:nvGraphicFramePr>
-        <p:xfrm>
-          <a:off x="13263491" y="15958649"/>
-          <a:ext cx="1656000" cy="906973"/>
-        </p:xfrm>
-        <a:graphic>
-          <a:graphicData uri="http://schemas.openxmlformats.org/drawingml/2006/chart">
-            <c:chart xmlns:c="http://schemas.openxmlformats.org/drawingml/2006/chart" xmlns:r="http://schemas.openxmlformats.org/officeDocument/2006/relationships" r:id="rId6"/>
-          </a:graphicData>
-        </a:graphic>
-      </p:graphicFrame>
       <p:cxnSp>
         <p:nvCxnSpPr>
           <p:cNvPr id="61" name="Straight Connector 60"/>
@@ -9636,7 +9851,7 @@
         </p:nvCxnSpPr>
         <p:spPr bwMode="auto">
           <a:xfrm>
-            <a:off x="5886450" y="18027043"/>
+            <a:off x="5886450" y="18239581"/>
             <a:ext cx="19964400" cy="0"/>
           </a:xfrm>
           <a:prstGeom prst="line">
@@ -9673,30 +9888,93 @@
           </a:extLst>
         </p:spPr>
       </p:cxnSp>
-      <p:graphicFrame>
-        <p:nvGraphicFramePr>
-          <p:cNvPr id="84" name="Chart 83"/>
-          <p:cNvGraphicFramePr>
-            <a:graphicFrameLocks/>
-          </p:cNvGraphicFramePr>
-          <p:nvPr>
-            <p:extLst>
-              <p:ext uri="{D42A27DB-BD31-4B8C-83A1-F6EECF244321}">
-                <p14:modId xmlns:p14="http://schemas.microsoft.com/office/powerpoint/2010/main" val="1561958754"/>
-              </p:ext>
-            </p:extLst>
-          </p:nvPr>
-        </p:nvGraphicFramePr>
-        <p:xfrm>
-          <a:off x="12945188" y="16418208"/>
-          <a:ext cx="1656000" cy="906973"/>
-        </p:xfrm>
-        <a:graphic>
-          <a:graphicData uri="http://schemas.openxmlformats.org/drawingml/2006/chart">
-            <c:chart xmlns:c="http://schemas.openxmlformats.org/drawingml/2006/chart" xmlns:r="http://schemas.openxmlformats.org/officeDocument/2006/relationships" r:id="rId7"/>
-          </a:graphicData>
-        </a:graphic>
-      </p:graphicFrame>
+      <p:grpSp>
+        <p:nvGrpSpPr>
+          <p:cNvPr id="9" name="Group 8"/>
+          <p:cNvGrpSpPr/>
+          <p:nvPr/>
+        </p:nvGrpSpPr>
+        <p:grpSpPr>
+          <a:xfrm>
+            <a:off x="13912600" y="15115381"/>
+            <a:ext cx="2237662" cy="1836226"/>
+            <a:chOff x="12342536" y="15267781"/>
+            <a:chExt cx="2237662" cy="1836226"/>
+          </a:xfrm>
+        </p:grpSpPr>
+        <p:graphicFrame>
+          <p:nvGraphicFramePr>
+            <p:cNvPr id="85" name="Chart 84"/>
+            <p:cNvGraphicFramePr>
+              <a:graphicFrameLocks/>
+            </p:cNvGraphicFramePr>
+            <p:nvPr>
+              <p:extLst>
+                <p:ext uri="{D42A27DB-BD31-4B8C-83A1-F6EECF244321}">
+                  <p14:modId xmlns:p14="http://schemas.microsoft.com/office/powerpoint/2010/main" val="2848493402"/>
+                </p:ext>
+              </p:extLst>
+            </p:nvPr>
+          </p:nvGraphicFramePr>
+          <p:xfrm>
+            <a:off x="12924198" y="15267781"/>
+            <a:ext cx="1656000" cy="906973"/>
+          </p:xfrm>
+          <a:graphic>
+            <a:graphicData uri="http://schemas.openxmlformats.org/drawingml/2006/chart">
+              <c:chart xmlns:c="http://schemas.openxmlformats.org/drawingml/2006/chart" xmlns:r="http://schemas.openxmlformats.org/officeDocument/2006/relationships" r:id="rId7"/>
+            </a:graphicData>
+          </a:graphic>
+        </p:graphicFrame>
+        <p:graphicFrame>
+          <p:nvGraphicFramePr>
+            <p:cNvPr id="86" name="Chart 85"/>
+            <p:cNvGraphicFramePr>
+              <a:graphicFrameLocks/>
+            </p:cNvGraphicFramePr>
+            <p:nvPr>
+              <p:extLst>
+                <p:ext uri="{D42A27DB-BD31-4B8C-83A1-F6EECF244321}">
+                  <p14:modId xmlns:p14="http://schemas.microsoft.com/office/powerpoint/2010/main" val="4265619070"/>
+                </p:ext>
+              </p:extLst>
+            </p:nvPr>
+          </p:nvGraphicFramePr>
+          <p:xfrm>
+            <a:off x="12660839" y="15737475"/>
+            <a:ext cx="1656000" cy="906973"/>
+          </p:xfrm>
+          <a:graphic>
+            <a:graphicData uri="http://schemas.openxmlformats.org/drawingml/2006/chart">
+              <c:chart xmlns:c="http://schemas.openxmlformats.org/drawingml/2006/chart" xmlns:r="http://schemas.openxmlformats.org/officeDocument/2006/relationships" r:id="rId8"/>
+            </a:graphicData>
+          </a:graphic>
+        </p:graphicFrame>
+        <p:graphicFrame>
+          <p:nvGraphicFramePr>
+            <p:cNvPr id="84" name="Chart 83"/>
+            <p:cNvGraphicFramePr>
+              <a:graphicFrameLocks/>
+            </p:cNvGraphicFramePr>
+            <p:nvPr>
+              <p:extLst>
+                <p:ext uri="{D42A27DB-BD31-4B8C-83A1-F6EECF244321}">
+                  <p14:modId xmlns:p14="http://schemas.microsoft.com/office/powerpoint/2010/main" val="2306556955"/>
+                </p:ext>
+              </p:extLst>
+            </p:nvPr>
+          </p:nvGraphicFramePr>
+          <p:xfrm>
+            <a:off x="12342536" y="16197034"/>
+            <a:ext cx="1656000" cy="906973"/>
+          </p:xfrm>
+          <a:graphic>
+            <a:graphicData uri="http://schemas.openxmlformats.org/drawingml/2006/chart">
+              <c:chart xmlns:c="http://schemas.openxmlformats.org/drawingml/2006/chart" xmlns:r="http://schemas.openxmlformats.org/officeDocument/2006/relationships" r:id="rId9"/>
+            </a:graphicData>
+          </a:graphic>
+        </p:graphicFrame>
+      </p:grpSp>
       <p:sp>
         <p:nvSpPr>
           <p:cNvPr id="87" name="Striped Right Arrow 86"/>
@@ -9705,8 +9983,8 @@
         </p:nvSpPr>
         <p:spPr bwMode="auto">
           <a:xfrm>
-            <a:off x="12211050" y="16105981"/>
-            <a:ext cx="533400" cy="457200"/>
+            <a:off x="13430250" y="15494959"/>
+            <a:ext cx="457200" cy="457200"/>
           </a:xfrm>
           <a:prstGeom prst="stripedRightArrow">
             <a:avLst/>
@@ -9757,8 +10035,8 @@
           </a:p>
         </p:txBody>
       </p:sp>
-      <mc:AlternateContent xmlns:mc="http://schemas.openxmlformats.org/markup-compatibility/2006" xmlns:a14="http://schemas.microsoft.com/office/drawing/2010/main">
-        <mc:Choice Requires="a14">
+      <mc:AlternateContent xmlns:mc="http://schemas.openxmlformats.org/markup-compatibility/2006">
+        <mc:Choice xmlns:a14="http://schemas.microsoft.com/office/drawing/2010/main" Requires="a14">
           <p:sp>
             <p:nvSpPr>
               <p:cNvPr id="49" name="TextBox 48"/>
@@ -9767,7 +10045,7 @@
             </p:nvSpPr>
             <p:spPr>
               <a:xfrm>
-                <a:off x="11440190" y="16477567"/>
+                <a:off x="12592050" y="16265584"/>
                 <a:ext cx="770860" cy="830997"/>
               </a:xfrm>
               <a:prstGeom prst="rect">
@@ -9802,7 +10080,7 @@
             </p:txBody>
           </p:sp>
         </mc:Choice>
-        <mc:Fallback xmlns="">
+        <mc:Fallback>
           <p:sp>
             <p:nvSpPr>
               <p:cNvPr id="49" name="TextBox 48"/>
@@ -9813,14 +10091,14 @@
             </p:nvSpPr>
             <p:spPr>
               <a:xfrm>
-                <a:off x="11440190" y="16477567"/>
+                <a:off x="12592050" y="16265584"/>
                 <a:ext cx="770860" cy="830997"/>
               </a:xfrm>
               <a:prstGeom prst="rect">
                 <a:avLst/>
               </a:prstGeom>
               <a:blipFill rotWithShape="1">
-                <a:blip r:embed="rId8"/>
+                <a:blip r:embed="rId10"/>
                 <a:stretch>
                   <a:fillRect/>
                 </a:stretch>
@@ -9849,7 +10127,7 @@
         </p:nvSpPr>
         <p:spPr>
           <a:xfrm>
-            <a:off x="9926179" y="11693644"/>
+            <a:off x="9546974" y="10863086"/>
             <a:ext cx="589999" cy="584775"/>
           </a:xfrm>
           <a:prstGeom prst="rect">
@@ -9879,7 +10157,7 @@
         </p:nvSpPr>
         <p:spPr>
           <a:xfrm>
-            <a:off x="9535389" y="15199272"/>
+            <a:off x="10830789" y="14837398"/>
             <a:ext cx="589999" cy="584775"/>
           </a:xfrm>
           <a:prstGeom prst="rect">
@@ -9901,30 +10179,6 @@
           </a:p>
         </p:txBody>
       </p:sp>
-      <p:graphicFrame>
-        <p:nvGraphicFramePr>
-          <p:cNvPr id="107" name="Chart 106"/>
-          <p:cNvGraphicFramePr>
-            <a:graphicFrameLocks/>
-          </p:cNvGraphicFramePr>
-          <p:nvPr>
-            <p:extLst>
-              <p:ext uri="{D42A27DB-BD31-4B8C-83A1-F6EECF244321}">
-                <p14:modId xmlns:p14="http://schemas.microsoft.com/office/powerpoint/2010/main" val="1451990665"/>
-              </p:ext>
-            </p:extLst>
-          </p:nvPr>
-        </p:nvGraphicFramePr>
-        <p:xfrm>
-          <a:off x="26722921" y="11914981"/>
-          <a:ext cx="8801279" cy="5048183"/>
-        </p:xfrm>
-        <a:graphic>
-          <a:graphicData uri="http://schemas.openxmlformats.org/drawingml/2006/chart">
-            <c:chart xmlns:c="http://schemas.openxmlformats.org/drawingml/2006/chart" xmlns:r="http://schemas.openxmlformats.org/officeDocument/2006/relationships" r:id="rId9"/>
-          </a:graphicData>
-        </a:graphic>
-      </p:graphicFrame>
       <p:sp>
         <p:nvSpPr>
           <p:cNvPr id="83" name="Rounded Rectangle 82"/>
@@ -10011,137 +10265,122 @@
           </a:p>
         </p:txBody>
       </p:sp>
-      <p:grpSp>
-        <p:nvGrpSpPr>
-          <p:cNvPr id="88" name="Group 87"/>
-          <p:cNvGrpSpPr/>
+      <p:sp>
+        <p:nvSpPr>
+          <p:cNvPr id="89" name="Rounded Rectangle 88"/>
+          <p:cNvSpPr/>
           <p:nvPr/>
-        </p:nvGrpSpPr>
-        <p:grpSpPr>
+        </p:nvSpPr>
+        <p:spPr bwMode="auto">
           <a:xfrm>
-            <a:off x="26643212" y="2067123"/>
-            <a:ext cx="8920828" cy="8095258"/>
-            <a:chOff x="13992226" y="13011514"/>
-            <a:chExt cx="9525000" cy="9434430"/>
+            <a:off x="26643212" y="2313782"/>
+            <a:ext cx="8920828" cy="7457188"/>
           </a:xfrm>
-        </p:grpSpPr>
-        <p:sp>
-          <p:nvSpPr>
-            <p:cNvPr id="89" name="Rounded Rectangle 88"/>
-            <p:cNvSpPr/>
-            <p:nvPr/>
-          </p:nvSpPr>
-          <p:spPr bwMode="auto">
-            <a:xfrm>
-              <a:off x="13992226" y="13428140"/>
-              <a:ext cx="9525000" cy="9017804"/>
-            </a:xfrm>
-            <a:prstGeom prst="roundRect">
-              <a:avLst>
-                <a:gd name="adj" fmla="val 4188"/>
-              </a:avLst>
-            </a:prstGeom>
+          <a:prstGeom prst="roundRect">
+            <a:avLst>
+              <a:gd name="adj" fmla="val 4188"/>
+            </a:avLst>
+          </a:prstGeom>
+          <a:solidFill>
+            <a:schemeClr val="bg1">
+              <a:lumMod val="95000"/>
+            </a:schemeClr>
+          </a:solidFill>
+          <a:ln w="76200"/>
+        </p:spPr>
+        <p:style>
+          <a:lnRef idx="2">
+            <a:schemeClr val="dk1"/>
+          </a:lnRef>
+          <a:fillRef idx="1">
+            <a:schemeClr val="lt1"/>
+          </a:fillRef>
+          <a:effectRef idx="0">
+            <a:schemeClr val="dk1"/>
+          </a:effectRef>
+          <a:fontRef idx="minor">
+            <a:schemeClr val="dk1"/>
+          </a:fontRef>
+        </p:style>
+        <p:txBody>
+          <a:bodyPr vert="horz" wrap="square" lIns="144000" tIns="72000" rIns="144000" bIns="72000" numCol="1" rtlCol="0" anchor="t" anchorCtr="0" compatLnSpc="1">
+            <a:prstTxWarp prst="textNoShape">
+              <a:avLst/>
+            </a:prstTxWarp>
+          </a:bodyPr>
+          <a:lstStyle/>
+          <a:p>
+            <a:pPr marL="0" marR="0" indent="0" defTabSz="914400" rtl="0" eaLnBrk="1" fontAlgn="base" latinLnBrk="0" hangingPunct="1">
+              <a:lnSpc>
+                <a:spcPct val="100000"/>
+              </a:lnSpc>
+              <a:spcBef>
+                <a:spcPct val="20000"/>
+              </a:spcBef>
+              <a:spcAft>
+                <a:spcPct val="0"/>
+              </a:spcAft>
+              <a:buClrTx/>
+              <a:buSzTx/>
+              <a:buFontTx/>
+              <a:buNone/>
+              <a:tabLst/>
+            </a:pPr>
+            <a:endParaRPr lang="sv-SE" sz="3200" dirty="0" smtClean="0">
+              <a:solidFill>
+                <a:srgbClr val="000000"/>
+              </a:solidFill>
+              <a:latin typeface="Arial" charset="0"/>
+            </a:endParaRPr>
+          </a:p>
+        </p:txBody>
+      </p:sp>
+      <p:sp>
+        <p:nvSpPr>
+          <p:cNvPr id="90" name="TextBox 89"/>
+          <p:cNvSpPr txBox="1"/>
+          <p:nvPr/>
+        </p:nvSpPr>
+        <p:spPr>
+          <a:xfrm>
+            <a:off x="30106930" y="2010000"/>
+            <a:ext cx="1993392" cy="799200"/>
+          </a:xfrm>
+          <a:prstGeom prst="rect">
+            <a:avLst/>
+          </a:prstGeom>
+          <a:solidFill>
+            <a:srgbClr val="B40000"/>
+          </a:solidFill>
+          <a:ln w="57150">
             <a:solidFill>
-              <a:schemeClr val="bg1">
-                <a:lumMod val="95000"/>
-              </a:schemeClr>
+              <a:schemeClr val="tx1"/>
             </a:solidFill>
-            <a:ln w="76200"/>
-          </p:spPr>
-          <p:style>
-            <a:lnRef idx="2">
-              <a:schemeClr val="dk1"/>
-            </a:lnRef>
-            <a:fillRef idx="1">
-              <a:schemeClr val="lt1"/>
-            </a:fillRef>
-            <a:effectRef idx="0">
-              <a:schemeClr val="dk1"/>
-            </a:effectRef>
-            <a:fontRef idx="minor">
-              <a:schemeClr val="dk1"/>
-            </a:fontRef>
-          </p:style>
-          <p:txBody>
-            <a:bodyPr vert="horz" wrap="square" lIns="144000" tIns="72000" rIns="144000" bIns="72000" numCol="1" rtlCol="0" anchor="t" anchorCtr="0" compatLnSpc="1">
-              <a:prstTxWarp prst="textNoShape">
-                <a:avLst/>
-              </a:prstTxWarp>
-            </a:bodyPr>
-            <a:lstStyle/>
-            <a:p>
-              <a:pPr marL="0" marR="0" indent="0" defTabSz="914400" rtl="0" eaLnBrk="1" fontAlgn="base" latinLnBrk="0" hangingPunct="1">
-                <a:lnSpc>
-                  <a:spcPct val="100000"/>
-                </a:lnSpc>
-                <a:spcBef>
-                  <a:spcPct val="20000"/>
-                </a:spcBef>
-                <a:spcAft>
-                  <a:spcPct val="0"/>
-                </a:spcAft>
-                <a:buClrTx/>
-                <a:buSzTx/>
-                <a:buFontTx/>
-                <a:buNone/>
-                <a:tabLst/>
-              </a:pPr>
-              <a:endParaRPr lang="sv-SE" sz="3200" dirty="0" smtClean="0">
-                <a:solidFill>
-                  <a:srgbClr val="000000"/>
-                </a:solidFill>
-                <a:latin typeface="Arial" charset="0"/>
-              </a:endParaRPr>
-            </a:p>
-          </p:txBody>
-        </p:sp>
-        <p:sp>
-          <p:nvSpPr>
-            <p:cNvPr id="90" name="TextBox 89"/>
-            <p:cNvSpPr txBox="1"/>
-            <p:nvPr/>
-          </p:nvSpPr>
-          <p:spPr>
-            <a:xfrm>
-              <a:off x="17618953" y="13011514"/>
-              <a:ext cx="2128397" cy="800219"/>
-            </a:xfrm>
-            <a:prstGeom prst="rect">
-              <a:avLst/>
-            </a:prstGeom>
-            <a:solidFill>
-              <a:srgbClr val="B40000"/>
-            </a:solidFill>
-            <a:ln w="57150">
-              <a:solidFill>
-                <a:schemeClr val="tx1"/>
-              </a:solidFill>
-            </a:ln>
-          </p:spPr>
-          <p:txBody>
-            <a:bodyPr wrap="square" rtlCol="0">
-              <a:spAutoFit/>
-            </a:bodyPr>
-            <a:lstStyle/>
-            <a:p>
-              <a:pPr algn="ctr"/>
-              <a:r>
-                <a:rPr lang="sv-SE" b="1" dirty="0" smtClean="0">
-                  <a:solidFill>
-                    <a:schemeClr val="accent3"/>
-                  </a:solidFill>
-                </a:rPr>
-                <a:t>Data</a:t>
-              </a:r>
-              <a:endParaRPr lang="en-GB" b="1" dirty="0">
+          </a:ln>
+        </p:spPr>
+        <p:txBody>
+          <a:bodyPr wrap="square" rtlCol="0">
+            <a:spAutoFit/>
+          </a:bodyPr>
+          <a:lstStyle/>
+          <a:p>
+            <a:pPr algn="ctr"/>
+            <a:r>
+              <a:rPr lang="sv-SE" b="1" dirty="0" smtClean="0">
                 <a:solidFill>
                   <a:schemeClr val="accent3"/>
                 </a:solidFill>
-              </a:endParaRPr>
-            </a:p>
-          </p:txBody>
-        </p:sp>
-      </p:grpSp>
+              </a:rPr>
+              <a:t>Data</a:t>
+            </a:r>
+            <a:endParaRPr lang="en-GB" b="1" dirty="0">
+              <a:solidFill>
+                <a:schemeClr val="accent3"/>
+              </a:solidFill>
+            </a:endParaRPr>
+          </a:p>
+        </p:txBody>
+      </p:sp>
       <p:sp>
         <p:nvSpPr>
           <p:cNvPr id="92" name="TextBox 91"/>
@@ -10150,8 +10389,8 @@
         </p:nvSpPr>
         <p:spPr>
           <a:xfrm>
-            <a:off x="27014956" y="3032572"/>
-            <a:ext cx="8240552" cy="3933384"/>
+            <a:off x="26841450" y="2694781"/>
+            <a:ext cx="8915399" cy="4157548"/>
           </a:xfrm>
           <a:prstGeom prst="rect">
             <a:avLst/>
@@ -10165,58 +10404,109 @@
           <a:lstStyle/>
           <a:p>
             <a:pPr marL="457200" indent="-457200">
+              <a:spcBef>
+                <a:spcPts val="700"/>
+              </a:spcBef>
               <a:buFont typeface="Arial" panose="020B0604020202020204" pitchFamily="34" charset="0"/>
               <a:buChar char="•"/>
             </a:pPr>
-            <a:r>
-              <a:rPr lang="en-GB" sz="3200" dirty="0" smtClean="0"/>
-              <a:t>6 patients, 3 with </a:t>
-            </a:r>
-            <a:r>
-              <a:rPr lang="en-GB" sz="3200" dirty="0"/>
-              <a:t>cancer and </a:t>
-            </a:r>
-            <a:r>
-              <a:rPr lang="en-GB" sz="3200" dirty="0" smtClean="0"/>
-              <a:t>3 healthy</a:t>
-            </a:r>
+            <a:endParaRPr lang="en-GB" sz="1100" dirty="0" smtClean="0"/>
           </a:p>
           <a:p>
             <a:pPr marL="457200" indent="-457200">
+              <a:spcBef>
+                <a:spcPts val="700"/>
+              </a:spcBef>
               <a:buFont typeface="Arial" panose="020B0604020202020204" pitchFamily="34" charset="0"/>
               <a:buChar char="•"/>
             </a:pPr>
             <a:r>
+              <a:rPr lang="en-GB" sz="3200" dirty="0" smtClean="0"/>
+              <a:t>6 </a:t>
+            </a:r>
+            <a:r>
+              <a:rPr lang="en-GB" sz="3200" dirty="0" smtClean="0"/>
+              <a:t>patients, 3 </a:t>
+            </a:r>
+            <a:r>
+              <a:rPr lang="en-GB" sz="3200" dirty="0" smtClean="0"/>
+              <a:t>with oral </a:t>
+            </a:r>
+            <a:r>
               <a:rPr lang="en-GB" sz="3200" dirty="0"/>
-              <a:t>10274 cell images, size </a:t>
+              <a:t>cancer and </a:t>
             </a:r>
             <a:r>
               <a:rPr lang="en-GB" sz="3200" dirty="0" smtClean="0"/>
-              <a:t>80x80</a:t>
+              <a:t>3 healthy</a:t>
             </a:r>
           </a:p>
           <a:p>
             <a:pPr marL="457200" indent="-457200">
+              <a:spcBef>
+                <a:spcPts val="700"/>
+              </a:spcBef>
               <a:buFont typeface="Arial" panose="020B0604020202020204" pitchFamily="34" charset="0"/>
               <a:buChar char="•"/>
             </a:pPr>
             <a:r>
               <a:rPr lang="en-GB" sz="3200" dirty="0" smtClean="0"/>
-              <a:t>Individual cells have been identified in samples from the patients’ mouths [1]</a:t>
+              <a:t>10k </a:t>
+            </a:r>
+            <a:r>
+              <a:rPr lang="en-GB" sz="3200" dirty="0" smtClean="0"/>
+              <a:t>cell images (80x80) </a:t>
+            </a:r>
+            <a:r>
+              <a:rPr lang="en-GB" sz="3200" dirty="0" smtClean="0"/>
+              <a:t>[1</a:t>
+            </a:r>
+            <a:r>
+              <a:rPr lang="en-GB" sz="3200" dirty="0"/>
+              <a:t>]</a:t>
             </a:r>
           </a:p>
           <a:p>
             <a:pPr marL="457200" indent="-457200">
+              <a:spcBef>
+                <a:spcPts val="700"/>
+              </a:spcBef>
               <a:buFont typeface="Arial" panose="020B0604020202020204" pitchFamily="34" charset="0"/>
               <a:buChar char="•"/>
             </a:pPr>
             <a:r>
               <a:rPr lang="en-GB" sz="3200" dirty="0" smtClean="0"/>
-              <a:t>Only patient diagnosis known, not individual cell classification</a:t>
+              <a:t>Only patient diagnosis </a:t>
+            </a:r>
+            <a:r>
+              <a:rPr lang="en-GB" sz="3200" dirty="0" smtClean="0"/>
+              <a:t>known, not individual cell </a:t>
+            </a:r>
+            <a:r>
+              <a:rPr lang="en-GB" sz="3200" dirty="0" smtClean="0"/>
+              <a:t>classification</a:t>
+            </a:r>
+          </a:p>
+          <a:p>
+            <a:pPr marL="457200" indent="-457200">
+              <a:spcBef>
+                <a:spcPts val="700"/>
+              </a:spcBef>
+              <a:buFont typeface="Arial" panose="020B0604020202020204" pitchFamily="34" charset="0"/>
+              <a:buChar char="•"/>
+            </a:pPr>
+            <a:r>
+              <a:rPr lang="en-GB" sz="3200" dirty="0" smtClean="0"/>
+              <a:t>Training and test data selected from different patients to avoid data leakage</a:t>
             </a:r>
             <a:endParaRPr lang="en-GB" sz="3200" dirty="0"/>
           </a:p>
           <a:p>
+            <a:pPr>
+              <a:spcBef>
+                <a:spcPts val="700"/>
+              </a:spcBef>
+            </a:pPr>
             <a:endParaRPr lang="en-GB" sz="3200" dirty="0"/>
           </a:p>
         </p:txBody>
@@ -10229,7 +10519,7 @@
         </p:nvGrpSpPr>
         <p:grpSpPr>
           <a:xfrm>
-            <a:off x="27527250" y="6580981"/>
+            <a:off x="27527250" y="6362794"/>
             <a:ext cx="6934200" cy="3189987"/>
             <a:chOff x="15394642" y="16985058"/>
             <a:chExt cx="7504127" cy="4472707"/>
@@ -10244,7 +10534,7 @@
             <p:nvPr/>
           </p:nvPicPr>
           <p:blipFill>
-            <a:blip r:embed="rId10">
+            <a:blip r:embed="rId11">
               <a:extLst>
                 <a:ext uri="{28A0092B-C50C-407E-A947-70E740481C1C}">
                   <a14:useLocalDpi xmlns:a14="http://schemas.microsoft.com/office/drawing/2010/main" val="0"/>
@@ -10285,7 +10575,7 @@
             <p:nvPr/>
           </p:nvPicPr>
           <p:blipFill>
-            <a:blip r:embed="rId11">
+            <a:blip r:embed="rId12">
               <a:extLst>
                 <a:ext uri="{28A0092B-C50C-407E-A947-70E740481C1C}">
                   <a14:useLocalDpi xmlns:a14="http://schemas.microsoft.com/office/drawing/2010/main" val="0"/>
@@ -10326,7 +10616,7 @@
             <p:nvPr/>
           </p:nvPicPr>
           <p:blipFill>
-            <a:blip r:embed="rId12">
+            <a:blip r:embed="rId13">
               <a:extLst>
                 <a:ext uri="{28A0092B-C50C-407E-A947-70E740481C1C}">
                   <a14:useLocalDpi xmlns:a14="http://schemas.microsoft.com/office/drawing/2010/main" val="0"/>
@@ -10398,7 +10688,7 @@
             <p:nvPr/>
           </p:nvPicPr>
           <p:blipFill>
-            <a:blip r:embed="rId13">
+            <a:blip r:embed="rId14">
               <a:extLst>
                 <a:ext uri="{28A0092B-C50C-407E-A947-70E740481C1C}">
                   <a14:useLocalDpi xmlns:a14="http://schemas.microsoft.com/office/drawing/2010/main" val="0"/>
@@ -10439,7 +10729,7 @@
             <p:nvPr/>
           </p:nvPicPr>
           <p:blipFill>
-            <a:blip r:embed="rId14">
+            <a:blip r:embed="rId15">
               <a:extLst>
                 <a:ext uri="{28A0092B-C50C-407E-A947-70E740481C1C}">
                   <a14:useLocalDpi xmlns:a14="http://schemas.microsoft.com/office/drawing/2010/main" val="0"/>
@@ -10480,7 +10770,7 @@
             <p:nvPr/>
           </p:nvPicPr>
           <p:blipFill>
-            <a:blip r:embed="rId15">
+            <a:blip r:embed="rId16">
               <a:extLst>
                 <a:ext uri="{28A0092B-C50C-407E-A947-70E740481C1C}">
                   <a14:useLocalDpi xmlns:a14="http://schemas.microsoft.com/office/drawing/2010/main" val="0"/>
@@ -10521,7 +10811,7 @@
             <p:nvPr/>
           </p:nvPicPr>
           <p:blipFill rotWithShape="1">
-            <a:blip r:embed="rId16">
+            <a:blip r:embed="rId17">
               <a:extLst>
                 <a:ext uri="{28A0092B-C50C-407E-A947-70E740481C1C}">
                   <a14:useLocalDpi xmlns:a14="http://schemas.microsoft.com/office/drawing/2010/main" val="0"/>
@@ -10591,7 +10881,7 @@
             <p:nvPr/>
           </p:nvPicPr>
           <p:blipFill>
-            <a:blip r:embed="rId17">
+            <a:blip r:embed="rId18">
               <a:extLst>
                 <a:ext uri="{28A0092B-C50C-407E-A947-70E740481C1C}">
                   <a14:useLocalDpi xmlns:a14="http://schemas.microsoft.com/office/drawing/2010/main" val="0"/>
@@ -10632,8 +10922,8 @@
         </p:nvSpPr>
         <p:spPr bwMode="auto">
           <a:xfrm>
-            <a:off x="16747666" y="2485292"/>
-            <a:ext cx="9331784" cy="7677089"/>
+            <a:off x="16097250" y="2313782"/>
+            <a:ext cx="9982200" cy="7457188"/>
           </a:xfrm>
           <a:prstGeom prst="roundRect">
             <a:avLst>
@@ -10674,7 +10964,7 @@
                 <a:spcPct val="100000"/>
               </a:lnSpc>
               <a:spcBef>
-                <a:spcPct val="20000"/>
+                <a:spcPts val="700"/>
               </a:spcBef>
               <a:spcAft>
                 <a:spcPct val="0"/>
@@ -10694,12 +10984,19 @@
           </a:p>
           <a:p>
             <a:pPr marL="571500" indent="-571500">
+              <a:spcBef>
+                <a:spcPts val="700"/>
+              </a:spcBef>
               <a:buFont typeface="Arial" panose="020B0604020202020204" pitchFamily="34" charset="0"/>
               <a:buChar char="•"/>
             </a:pPr>
             <a:r>
               <a:rPr lang="sv-SE" sz="3200" dirty="0" smtClean="0"/>
-              <a:t>LBPs [2] are </a:t>
+              <a:t>LBPs </a:t>
+            </a:r>
+            <a:r>
+              <a:rPr lang="sv-SE" sz="3200" dirty="0" smtClean="0"/>
+              <a:t>[2] are </a:t>
             </a:r>
             <a:r>
               <a:rPr lang="sv-SE" sz="3200" dirty="0"/>
@@ -10712,6 +11009,9 @@
           </a:p>
           <a:p>
             <a:pPr marL="571500" indent="-571500">
+              <a:spcBef>
+                <a:spcPts val="700"/>
+              </a:spcBef>
               <a:buFont typeface="Arial" panose="020B0604020202020204" pitchFamily="34" charset="0"/>
               <a:buChar char="•"/>
             </a:pPr>
@@ -10720,8 +11020,12 @@
               <a:t>Use intensity level of central pixel to threshold </a:t>
             </a:r>
             <a:r>
+              <a:rPr lang="en-GB" sz="3200" dirty="0" smtClean="0"/>
+              <a:t>values </a:t>
+            </a:r>
+            <a:r>
               <a:rPr lang="en-GB" sz="3200" dirty="0"/>
-              <a:t>intensity values of P points surrounding </a:t>
+              <a:t>of P points surrounding </a:t>
             </a:r>
             <a:r>
               <a:rPr lang="en-GB" sz="3200" dirty="0" smtClean="0"/>
@@ -10738,6 +11042,9 @@
           </a:p>
           <a:p>
             <a:pPr marL="571500" indent="-571500">
+              <a:spcBef>
+                <a:spcPts val="700"/>
+              </a:spcBef>
               <a:buFont typeface="Arial" panose="020B0604020202020204" pitchFamily="34" charset="0"/>
               <a:buChar char="•"/>
             </a:pPr>
@@ -10748,14 +11055,28 @@
           </a:p>
           <a:p>
             <a:pPr marL="571500" indent="-571500">
+              <a:spcBef>
+                <a:spcPts val="700"/>
+              </a:spcBef>
               <a:buFont typeface="Arial" panose="020B0604020202020204" pitchFamily="34" charset="0"/>
               <a:buChar char="•"/>
             </a:pPr>
             <a:r>
               <a:rPr lang="en-GB" sz="3200" dirty="0" smtClean="0"/>
-              <a:t>Rotational equivalents may be combined</a:t>
-            </a:r>
-            <a:endParaRPr lang="sv-SE" sz="3200" dirty="0" smtClean="0"/>
+              <a:t>Rotational </a:t>
+            </a:r>
+            <a:r>
+              <a:rPr lang="en-GB" sz="3200" dirty="0" smtClean="0"/>
+              <a:t>equivalents and </a:t>
+            </a:r>
+            <a:r>
+              <a:rPr lang="en-GB" sz="3200" dirty="0"/>
+              <a:t>least common (‘non-uniform’) patterns </a:t>
+            </a:r>
+            <a:r>
+              <a:rPr lang="en-GB" sz="3200" dirty="0" smtClean="0"/>
+              <a:t>are usually combined</a:t>
+            </a:r>
           </a:p>
           <a:p>
             <a:endParaRPr lang="sv-SE" sz="3200" dirty="0"/>
@@ -10770,7 +11091,7 @@
         </p:nvSpPr>
         <p:spPr>
           <a:xfrm>
-            <a:off x="17641723" y="2067129"/>
+            <a:off x="17711697" y="2008981"/>
             <a:ext cx="6753307" cy="800219"/>
           </a:xfrm>
           <a:prstGeom prst="rect">
@@ -10816,7 +11137,7 @@
         </p:nvSpPr>
         <p:spPr>
           <a:xfrm>
-            <a:off x="22576796" y="7238092"/>
+            <a:off x="23332299" y="7004940"/>
             <a:ext cx="2899551" cy="660236"/>
           </a:xfrm>
           <a:prstGeom prst="rect">
@@ -10830,6 +11151,7 @@
           </a:bodyPr>
           <a:lstStyle/>
           <a:p>
+            <a:pPr algn="ctr"/>
             <a:r>
               <a:rPr lang="sv-SE" sz="3600" dirty="0" smtClean="0"/>
               <a:t>11101001</a:t>
@@ -10846,7 +11168,7 @@
         </p:nvSpPr>
         <p:spPr>
           <a:xfrm>
-            <a:off x="22576796" y="8603053"/>
+            <a:off x="23332299" y="8268137"/>
             <a:ext cx="2899551" cy="660236"/>
           </a:xfrm>
           <a:prstGeom prst="rect">
@@ -10860,6 +11182,7 @@
           </a:bodyPr>
           <a:lstStyle/>
           <a:p>
+            <a:pPr algn="ctr"/>
             <a:r>
               <a:rPr lang="sv-SE" sz="3600" dirty="0" smtClean="0"/>
               <a:t>00111101</a:t>
@@ -10876,7 +11199,7 @@
         </p:nvSpPr>
         <p:spPr>
           <a:xfrm>
-            <a:off x="23389725" y="7863701"/>
+            <a:off x="24441754" y="7630549"/>
             <a:ext cx="640599" cy="660236"/>
           </a:xfrm>
           <a:prstGeom prst="rect">
@@ -10908,7 +11231,7 @@
           <p:nvPr/>
         </p:nvPicPr>
         <p:blipFill>
-          <a:blip r:embed="rId18" cstate="print">
+          <a:blip r:embed="rId19" cstate="print">
             <a:extLst>
               <a:ext uri="{28A0092B-C50C-407E-A947-70E740481C1C}">
                 <a14:useLocalDpi xmlns:a14="http://schemas.microsoft.com/office/drawing/2010/main" val="0"/>
@@ -10922,8 +11245,8 @@
         </p:blipFill>
         <p:spPr bwMode="auto">
           <a:xfrm>
-            <a:off x="17911665" y="6849885"/>
-            <a:ext cx="2701536" cy="3312496"/>
+            <a:off x="20294506" y="6664033"/>
+            <a:ext cx="2355944" cy="2888748"/>
           </a:xfrm>
           <a:prstGeom prst="rect">
             <a:avLst/>
@@ -10971,7 +11294,7 @@
         </p:nvSpPr>
         <p:spPr bwMode="auto">
           <a:xfrm>
-            <a:off x="21552330" y="7918550"/>
+            <a:off x="22997111" y="7630549"/>
             <a:ext cx="720139" cy="680338"/>
           </a:xfrm>
           <a:prstGeom prst="stripedRightArrow">
@@ -11032,7 +11355,7 @@
           <p:nvPr/>
         </p:nvPicPr>
         <p:blipFill rotWithShape="1">
-          <a:blip r:embed="rId19">
+          <a:blip r:embed="rId20">
             <a:extLst>
               <a:ext uri="{28A0092B-C50C-407E-A947-70E740481C1C}">
                 <a14:useLocalDpi xmlns:a14="http://schemas.microsoft.com/office/drawing/2010/main" val="0"/>
@@ -11044,7 +11367,7 @@
         </p:blipFill>
         <p:spPr>
           <a:xfrm>
-            <a:off x="15884582" y="18789043"/>
+            <a:off x="16542719" y="19077781"/>
             <a:ext cx="2392334" cy="2209800"/>
           </a:xfrm>
           <a:prstGeom prst="rect">
@@ -11066,97 +11389,1134 @@
       </p:pic>
       <p:grpSp>
         <p:nvGrpSpPr>
-          <p:cNvPr id="93" name="Group 92"/>
+          <p:cNvPr id="8" name="Group 7"/>
           <p:cNvGrpSpPr/>
           <p:nvPr/>
         </p:nvGrpSpPr>
         <p:grpSpPr>
           <a:xfrm>
-            <a:off x="15906251" y="21227443"/>
-            <a:ext cx="2476999" cy="425155"/>
-            <a:chOff x="21416658" y="4904581"/>
-            <a:chExt cx="1719567" cy="228600"/>
+            <a:off x="16478250" y="21469267"/>
+            <a:ext cx="2476999" cy="427914"/>
+            <a:chOff x="15677651" y="21224684"/>
+            <a:chExt cx="2476999" cy="427914"/>
           </a:xfrm>
         </p:grpSpPr>
+        <p:grpSp>
+          <p:nvGrpSpPr>
+            <p:cNvPr id="93" name="Group 92"/>
+            <p:cNvGrpSpPr/>
+            <p:nvPr/>
+          </p:nvGrpSpPr>
+          <p:grpSpPr>
+            <a:xfrm>
+              <a:off x="15677651" y="21227443"/>
+              <a:ext cx="2476999" cy="425155"/>
+              <a:chOff x="21416658" y="4904581"/>
+              <a:chExt cx="1719567" cy="228600"/>
+            </a:xfrm>
+          </p:grpSpPr>
+          <p:sp>
+            <p:nvSpPr>
+              <p:cNvPr id="95" name="Pentagon 94"/>
+              <p:cNvSpPr/>
+              <p:nvPr/>
+            </p:nvSpPr>
+            <p:spPr bwMode="auto">
+              <a:xfrm flipH="1">
+                <a:off x="21416658" y="4904581"/>
+                <a:ext cx="1004869" cy="228600"/>
+              </a:xfrm>
+              <a:prstGeom prst="homePlate">
+                <a:avLst/>
+              </a:prstGeom>
+              <a:solidFill>
+                <a:srgbClr val="CC0000"/>
+              </a:solidFill>
+              <a:ln>
+                <a:noFill/>
+              </a:ln>
+              <a:effectLst/>
+              <a:extLst/>
+            </p:spPr>
+            <p:txBody>
+              <a:bodyPr vert="horz" wrap="square" lIns="457200" tIns="228600" rIns="457200" bIns="228600" numCol="1" rtlCol="0" anchor="t" anchorCtr="0" compatLnSpc="1">
+                <a:prstTxWarp prst="textNoShape">
+                  <a:avLst/>
+                </a:prstTxWarp>
+              </a:bodyPr>
+              <a:lstStyle/>
+              <a:p>
+                <a:pPr marL="0" marR="0" indent="0" algn="l" defTabSz="914400" rtl="0" eaLnBrk="1" fontAlgn="base" latinLnBrk="0" hangingPunct="1">
+                  <a:lnSpc>
+                    <a:spcPct val="100000"/>
+                  </a:lnSpc>
+                  <a:spcBef>
+                    <a:spcPct val="20000"/>
+                  </a:spcBef>
+                  <a:spcAft>
+                    <a:spcPct val="0"/>
+                  </a:spcAft>
+                  <a:buClrTx/>
+                  <a:buSzTx/>
+                  <a:buFontTx/>
+                  <a:buNone/>
+                  <a:tabLst/>
+                </a:pPr>
+                <a:endParaRPr kumimoji="0" lang="en-GB" sz="4600" b="0" i="0" u="none" strike="noStrike" cap="none" normalizeH="0" baseline="0" smtClean="0">
+                  <a:ln>
+                    <a:noFill/>
+                  </a:ln>
+                  <a:solidFill>
+                    <a:srgbClr val="000000"/>
+                  </a:solidFill>
+                  <a:effectLst/>
+                  <a:latin typeface="Arial" charset="0"/>
+                </a:endParaRPr>
+              </a:p>
+            </p:txBody>
+          </p:sp>
+          <p:sp>
+            <p:nvSpPr>
+              <p:cNvPr id="96" name="Pentagon 95"/>
+              <p:cNvSpPr/>
+              <p:nvPr/>
+            </p:nvSpPr>
+            <p:spPr bwMode="auto">
+              <a:xfrm>
+                <a:off x="22421528" y="4904581"/>
+                <a:ext cx="714697" cy="228600"/>
+              </a:xfrm>
+              <a:prstGeom prst="homePlate">
+                <a:avLst/>
+              </a:prstGeom>
+              <a:solidFill>
+                <a:srgbClr val="CC0000"/>
+              </a:solidFill>
+              <a:ln>
+                <a:noFill/>
+              </a:ln>
+              <a:effectLst/>
+              <a:extLst/>
+            </p:spPr>
+            <p:txBody>
+              <a:bodyPr vert="horz" wrap="square" lIns="457200" tIns="228600" rIns="457200" bIns="228600" numCol="1" rtlCol="0" anchor="t" anchorCtr="0" compatLnSpc="1">
+                <a:prstTxWarp prst="textNoShape">
+                  <a:avLst/>
+                </a:prstTxWarp>
+              </a:bodyPr>
+              <a:lstStyle/>
+              <a:p>
+                <a:pPr marL="0" marR="0" indent="0" algn="l" defTabSz="914400" rtl="0" eaLnBrk="1" fontAlgn="base" latinLnBrk="0" hangingPunct="1">
+                  <a:lnSpc>
+                    <a:spcPct val="100000"/>
+                  </a:lnSpc>
+                  <a:spcBef>
+                    <a:spcPct val="20000"/>
+                  </a:spcBef>
+                  <a:spcAft>
+                    <a:spcPct val="0"/>
+                  </a:spcAft>
+                  <a:buClrTx/>
+                  <a:buSzTx/>
+                  <a:buFontTx/>
+                  <a:buNone/>
+                  <a:tabLst/>
+                </a:pPr>
+                <a:endParaRPr kumimoji="0" lang="en-GB" sz="4600" b="0" i="0" u="none" strike="noStrike" cap="none" normalizeH="0" baseline="0" smtClean="0">
+                  <a:ln>
+                    <a:noFill/>
+                  </a:ln>
+                  <a:solidFill>
+                    <a:srgbClr val="000000"/>
+                  </a:solidFill>
+                  <a:effectLst/>
+                  <a:latin typeface="Arial" charset="0"/>
+                </a:endParaRPr>
+              </a:p>
+            </p:txBody>
+          </p:sp>
+        </p:grpSp>
         <p:sp>
           <p:nvSpPr>
-            <p:cNvPr id="95" name="Pentagon 94"/>
-            <p:cNvSpPr/>
+            <p:cNvPr id="94" name="TextBox 93"/>
+            <p:cNvSpPr txBox="1"/>
             <p:nvPr/>
           </p:nvSpPr>
-          <p:spPr bwMode="auto">
-            <a:xfrm flipH="1">
-              <a:off x="21416658" y="4904581"/>
-              <a:ext cx="1004869" cy="228600"/>
+          <p:spPr>
+            <a:xfrm>
+              <a:off x="15944850" y="21224684"/>
+              <a:ext cx="2127499" cy="369332"/>
             </a:xfrm>
-            <a:prstGeom prst="homePlate">
+            <a:prstGeom prst="rect">
               <a:avLst/>
             </a:prstGeom>
-            <a:solidFill>
-              <a:srgbClr val="CC0000"/>
-            </a:solidFill>
+            <a:noFill/>
+          </p:spPr>
+          <p:txBody>
+            <a:bodyPr wrap="square" rtlCol="0">
+              <a:spAutoFit/>
+            </a:bodyPr>
+            <a:lstStyle/>
+            <a:p>
+              <a:r>
+                <a:rPr lang="en-GB" sz="1800" dirty="0" smtClean="0">
+                  <a:solidFill>
+                    <a:schemeClr val="bg1"/>
+                  </a:solidFill>
+                </a:rPr>
+                <a:t>Output vector map</a:t>
+              </a:r>
+              <a:endParaRPr lang="en-GB" sz="1800" dirty="0">
+                <a:solidFill>
+                  <a:schemeClr val="bg1"/>
+                </a:solidFill>
+              </a:endParaRPr>
+            </a:p>
+          </p:txBody>
+        </p:sp>
+      </p:grpSp>
+      <p:sp>
+        <p:nvSpPr>
+          <p:cNvPr id="98" name="Striped Right Arrow 97"/>
+          <p:cNvSpPr/>
+          <p:nvPr/>
+        </p:nvSpPr>
+        <p:spPr bwMode="auto">
+          <a:xfrm>
+            <a:off x="15558024" y="19992181"/>
+            <a:ext cx="539226" cy="457200"/>
+          </a:xfrm>
+          <a:prstGeom prst="stripedRightArrow">
+            <a:avLst/>
+          </a:prstGeom>
+          <a:solidFill>
+            <a:schemeClr val="accent4"/>
+          </a:solidFill>
+          <a:ln>
+            <a:noFill/>
+          </a:ln>
+          <a:effectLst/>
+          <a:extLst/>
+        </p:spPr>
+        <p:txBody>
+          <a:bodyPr vert="horz" wrap="square" lIns="457200" tIns="228600" rIns="457200" bIns="228600" numCol="1" rtlCol="0" anchor="t" anchorCtr="0" compatLnSpc="1">
+            <a:prstTxWarp prst="textNoShape">
+              <a:avLst/>
+            </a:prstTxWarp>
+          </a:bodyPr>
+          <a:lstStyle/>
+          <a:p>
+            <a:pPr marL="0" marR="0" indent="0" algn="l" defTabSz="914400" rtl="0" eaLnBrk="1" fontAlgn="base" latinLnBrk="0" hangingPunct="1">
+              <a:lnSpc>
+                <a:spcPct val="100000"/>
+              </a:lnSpc>
+              <a:spcBef>
+                <a:spcPct val="20000"/>
+              </a:spcBef>
+              <a:spcAft>
+                <a:spcPct val="0"/>
+              </a:spcAft>
+              <a:buClrTx/>
+              <a:buSzTx/>
+              <a:buFontTx/>
+              <a:buNone/>
+              <a:tabLst/>
+            </a:pPr>
+            <a:endParaRPr kumimoji="0" lang="en-GB" sz="4600" b="0" i="0" u="none" strike="noStrike" cap="none" normalizeH="0" baseline="0" smtClean="0">
+              <a:ln>
+                <a:noFill/>
+              </a:ln>
+              <a:solidFill>
+                <a:srgbClr val="000000"/>
+              </a:solidFill>
+              <a:effectLst/>
+              <a:latin typeface="Arial" charset="0"/>
+            </a:endParaRPr>
+          </a:p>
+        </p:txBody>
+      </p:sp>
+      <p:grpSp>
+        <p:nvGrpSpPr>
+          <p:cNvPr id="19" name="Group 18"/>
+          <p:cNvGrpSpPr/>
+          <p:nvPr/>
+        </p:nvGrpSpPr>
+        <p:grpSpPr>
+          <a:xfrm>
+            <a:off x="6115050" y="21490845"/>
+            <a:ext cx="2316079" cy="381727"/>
+            <a:chOff x="6161172" y="21490845"/>
+            <a:chExt cx="2316079" cy="381727"/>
+          </a:xfrm>
+        </p:grpSpPr>
+        <p:grpSp>
+          <p:nvGrpSpPr>
+            <p:cNvPr id="79" name="Group 78"/>
+            <p:cNvGrpSpPr/>
+            <p:nvPr/>
+          </p:nvGrpSpPr>
+          <p:grpSpPr>
+            <a:xfrm>
+              <a:off x="6184777" y="21490845"/>
+              <a:ext cx="2292474" cy="381727"/>
+              <a:chOff x="21416658" y="4904581"/>
+              <a:chExt cx="1719567" cy="228600"/>
+            </a:xfrm>
+          </p:grpSpPr>
+          <p:sp>
+            <p:nvSpPr>
+              <p:cNvPr id="80" name="Pentagon 79"/>
+              <p:cNvSpPr/>
+              <p:nvPr/>
+            </p:nvSpPr>
+            <p:spPr bwMode="auto">
+              <a:xfrm flipH="1">
+                <a:off x="21416658" y="4904581"/>
+                <a:ext cx="1004869" cy="228600"/>
+              </a:xfrm>
+              <a:prstGeom prst="homePlate">
+                <a:avLst/>
+              </a:prstGeom>
+              <a:solidFill>
+                <a:srgbClr val="CC0000"/>
+              </a:solidFill>
+              <a:ln>
+                <a:noFill/>
+              </a:ln>
+              <a:effectLst/>
+              <a:extLst/>
+            </p:spPr>
+            <p:txBody>
+              <a:bodyPr vert="horz" wrap="square" lIns="457200" tIns="228600" rIns="457200" bIns="228600" numCol="1" rtlCol="0" anchor="t" anchorCtr="0" compatLnSpc="1">
+                <a:prstTxWarp prst="textNoShape">
+                  <a:avLst/>
+                </a:prstTxWarp>
+              </a:bodyPr>
+              <a:lstStyle/>
+              <a:p>
+                <a:pPr marL="0" marR="0" indent="0" algn="l" defTabSz="914400" rtl="0" eaLnBrk="1" fontAlgn="base" latinLnBrk="0" hangingPunct="1">
+                  <a:lnSpc>
+                    <a:spcPct val="100000"/>
+                  </a:lnSpc>
+                  <a:spcBef>
+                    <a:spcPct val="20000"/>
+                  </a:spcBef>
+                  <a:spcAft>
+                    <a:spcPct val="0"/>
+                  </a:spcAft>
+                  <a:buClrTx/>
+                  <a:buSzTx/>
+                  <a:buFontTx/>
+                  <a:buNone/>
+                  <a:tabLst/>
+                </a:pPr>
+                <a:endParaRPr kumimoji="0" lang="en-GB" sz="4600" b="0" i="0" u="none" strike="noStrike" cap="none" normalizeH="0" baseline="0" smtClean="0">
+                  <a:ln>
+                    <a:noFill/>
+                  </a:ln>
+                  <a:solidFill>
+                    <a:srgbClr val="000000"/>
+                  </a:solidFill>
+                  <a:effectLst/>
+                  <a:latin typeface="Arial" charset="0"/>
+                </a:endParaRPr>
+              </a:p>
+            </p:txBody>
+          </p:sp>
+          <p:sp>
+            <p:nvSpPr>
+              <p:cNvPr id="81" name="Pentagon 80"/>
+              <p:cNvSpPr/>
+              <p:nvPr/>
+            </p:nvSpPr>
+            <p:spPr bwMode="auto">
+              <a:xfrm>
+                <a:off x="22421528" y="4904581"/>
+                <a:ext cx="714697" cy="228600"/>
+              </a:xfrm>
+              <a:prstGeom prst="homePlate">
+                <a:avLst/>
+              </a:prstGeom>
+              <a:solidFill>
+                <a:srgbClr val="CC0000"/>
+              </a:solidFill>
+              <a:ln>
+                <a:noFill/>
+              </a:ln>
+              <a:effectLst/>
+              <a:extLst/>
+            </p:spPr>
+            <p:txBody>
+              <a:bodyPr vert="horz" wrap="square" lIns="457200" tIns="228600" rIns="457200" bIns="228600" numCol="1" rtlCol="0" anchor="t" anchorCtr="0" compatLnSpc="1">
+                <a:prstTxWarp prst="textNoShape">
+                  <a:avLst/>
+                </a:prstTxWarp>
+              </a:bodyPr>
+              <a:lstStyle/>
+              <a:p>
+                <a:pPr marL="0" marR="0" indent="0" algn="l" defTabSz="914400" rtl="0" eaLnBrk="1" fontAlgn="base" latinLnBrk="0" hangingPunct="1">
+                  <a:lnSpc>
+                    <a:spcPct val="100000"/>
+                  </a:lnSpc>
+                  <a:spcBef>
+                    <a:spcPct val="20000"/>
+                  </a:spcBef>
+                  <a:spcAft>
+                    <a:spcPct val="0"/>
+                  </a:spcAft>
+                  <a:buClrTx/>
+                  <a:buSzTx/>
+                  <a:buFontTx/>
+                  <a:buNone/>
+                  <a:tabLst/>
+                </a:pPr>
+                <a:endParaRPr kumimoji="0" lang="en-GB" sz="4600" b="0" i="0" u="none" strike="noStrike" cap="none" normalizeH="0" baseline="0" smtClean="0">
+                  <a:ln>
+                    <a:noFill/>
+                  </a:ln>
+                  <a:solidFill>
+                    <a:srgbClr val="000000"/>
+                  </a:solidFill>
+                  <a:effectLst/>
+                  <a:latin typeface="Arial" charset="0"/>
+                </a:endParaRPr>
+              </a:p>
+            </p:txBody>
+          </p:sp>
+        </p:grpSp>
+        <p:sp>
+          <p:nvSpPr>
+            <p:cNvPr id="82" name="TextBox 81"/>
+            <p:cNvSpPr txBox="1"/>
+            <p:nvPr/>
+          </p:nvSpPr>
+          <p:spPr>
+            <a:xfrm>
+              <a:off x="6161172" y="21503240"/>
+              <a:ext cx="2278122" cy="369332"/>
+            </a:xfrm>
+            <a:prstGeom prst="rect">
+              <a:avLst/>
+            </a:prstGeom>
+            <a:noFill/>
+          </p:spPr>
+          <p:txBody>
+            <a:bodyPr wrap="square" rtlCol="0">
+              <a:spAutoFit/>
+            </a:bodyPr>
+            <a:lstStyle/>
+            <a:p>
+              <a:pPr algn="ctr"/>
+              <a:r>
+                <a:rPr lang="en-GB" sz="1800" dirty="0" smtClean="0">
+                  <a:solidFill>
+                    <a:schemeClr val="bg1"/>
+                  </a:solidFill>
+                </a:rPr>
+                <a:t>Input image</a:t>
+              </a:r>
+              <a:endParaRPr lang="en-GB" sz="1800" dirty="0">
+                <a:solidFill>
+                  <a:schemeClr val="bg1"/>
+                </a:solidFill>
+              </a:endParaRPr>
+            </a:p>
+          </p:txBody>
+        </p:sp>
+      </p:grpSp>
+      <p:pic>
+        <p:nvPicPr>
+          <p:cNvPr id="32" name="Picture 31"/>
+          <p:cNvPicPr>
+            <a:picLocks noChangeAspect="1"/>
+          </p:cNvPicPr>
+          <p:nvPr/>
+        </p:nvPicPr>
+        <p:blipFill>
+          <a:blip r:embed="rId21">
+            <a:extLst>
+              <a:ext uri="{28A0092B-C50C-407E-A947-70E740481C1C}">
+                <a14:useLocalDpi xmlns:a14="http://schemas.microsoft.com/office/drawing/2010/main" val="0"/>
+              </a:ext>
+            </a:extLst>
+          </a:blip>
+          <a:stretch>
+            <a:fillRect/>
+          </a:stretch>
+        </p:blipFill>
+        <p:spPr>
+          <a:xfrm>
+            <a:off x="6115050" y="19017643"/>
+            <a:ext cx="2292473" cy="2292473"/>
+          </a:xfrm>
+          <a:prstGeom prst="rect">
+            <a:avLst/>
+          </a:prstGeom>
+        </p:spPr>
+      </p:pic>
+      <p:sp>
+        <p:nvSpPr>
+          <p:cNvPr id="165" name="Striped Right Arrow 164"/>
+          <p:cNvSpPr/>
+          <p:nvPr/>
+        </p:nvSpPr>
+        <p:spPr bwMode="auto">
+          <a:xfrm>
+            <a:off x="8866911" y="20068381"/>
+            <a:ext cx="524739" cy="457200"/>
+          </a:xfrm>
+          <a:prstGeom prst="stripedRightArrow">
+            <a:avLst/>
+          </a:prstGeom>
+          <a:solidFill>
+            <a:schemeClr val="accent4"/>
+          </a:solidFill>
+          <a:ln>
+            <a:noFill/>
+          </a:ln>
+          <a:effectLst/>
+          <a:extLst/>
+        </p:spPr>
+        <p:txBody>
+          <a:bodyPr vert="horz" wrap="square" lIns="457200" tIns="228600" rIns="457200" bIns="228600" numCol="1" rtlCol="0" anchor="t" anchorCtr="0" compatLnSpc="1">
+            <a:prstTxWarp prst="textNoShape">
+              <a:avLst/>
+            </a:prstTxWarp>
+          </a:bodyPr>
+          <a:lstStyle/>
+          <a:p>
+            <a:pPr marL="0" marR="0" indent="0" algn="l" defTabSz="914400" rtl="0" eaLnBrk="1" fontAlgn="base" latinLnBrk="0" hangingPunct="1">
+              <a:lnSpc>
+                <a:spcPct val="100000"/>
+              </a:lnSpc>
+              <a:spcBef>
+                <a:spcPct val="20000"/>
+              </a:spcBef>
+              <a:spcAft>
+                <a:spcPct val="0"/>
+              </a:spcAft>
+              <a:buClrTx/>
+              <a:buSzTx/>
+              <a:buFontTx/>
+              <a:buNone/>
+              <a:tabLst/>
+            </a:pPr>
+            <a:endParaRPr kumimoji="0" lang="en-GB" sz="4600" b="0" i="0" u="none" strike="noStrike" cap="none" normalizeH="0" baseline="0" smtClean="0">
+              <a:ln>
+                <a:noFill/>
+              </a:ln>
+              <a:solidFill>
+                <a:srgbClr val="000000"/>
+              </a:solidFill>
+              <a:effectLst/>
+              <a:latin typeface="Arial" charset="0"/>
+            </a:endParaRPr>
+          </a:p>
+        </p:txBody>
+      </p:sp>
+      <p:grpSp>
+        <p:nvGrpSpPr>
+          <p:cNvPr id="26" name="Group 25"/>
+          <p:cNvGrpSpPr/>
+          <p:nvPr/>
+        </p:nvGrpSpPr>
+        <p:grpSpPr>
+          <a:xfrm>
+            <a:off x="9869742" y="18544381"/>
+            <a:ext cx="5236908" cy="3909407"/>
+            <a:chOff x="9793542" y="18544381"/>
+            <a:chExt cx="5236908" cy="3909407"/>
+          </a:xfrm>
+        </p:grpSpPr>
+        <p:grpSp>
+          <p:nvGrpSpPr>
+            <p:cNvPr id="23" name="Group 22"/>
+            <p:cNvGrpSpPr/>
+            <p:nvPr/>
+          </p:nvGrpSpPr>
+          <p:grpSpPr>
+            <a:xfrm>
+              <a:off x="12140006" y="21770379"/>
+              <a:ext cx="2591446" cy="443151"/>
+              <a:chOff x="12140006" y="21770379"/>
+              <a:chExt cx="2591446" cy="443151"/>
+            </a:xfrm>
+          </p:grpSpPr>
+          <p:grpSp>
+            <p:nvGrpSpPr>
+              <p:cNvPr id="128" name="Group 127"/>
+              <p:cNvGrpSpPr/>
+              <p:nvPr/>
+            </p:nvGrpSpPr>
+            <p:grpSpPr>
+              <a:xfrm>
+                <a:off x="12140006" y="21770379"/>
+                <a:ext cx="2585644" cy="443151"/>
+                <a:chOff x="21416658" y="4904581"/>
+                <a:chExt cx="1719567" cy="228600"/>
+              </a:xfrm>
+            </p:grpSpPr>
+            <p:sp>
+              <p:nvSpPr>
+                <p:cNvPr id="129" name="Pentagon 128"/>
+                <p:cNvSpPr/>
+                <p:nvPr/>
+              </p:nvSpPr>
+              <p:spPr bwMode="auto">
+                <a:xfrm flipH="1">
+                  <a:off x="21416658" y="4904581"/>
+                  <a:ext cx="1004869" cy="228600"/>
+                </a:xfrm>
+                <a:prstGeom prst="homePlate">
+                  <a:avLst/>
+                </a:prstGeom>
+                <a:solidFill>
+                  <a:srgbClr val="CC0000"/>
+                </a:solidFill>
+                <a:ln>
+                  <a:noFill/>
+                </a:ln>
+                <a:effectLst/>
+                <a:extLst/>
+              </p:spPr>
+              <p:txBody>
+                <a:bodyPr vert="horz" wrap="square" lIns="457200" tIns="228600" rIns="457200" bIns="228600" numCol="1" rtlCol="0" anchor="t" anchorCtr="0" compatLnSpc="1">
+                  <a:prstTxWarp prst="textNoShape">
+                    <a:avLst/>
+                  </a:prstTxWarp>
+                </a:bodyPr>
+                <a:lstStyle/>
+                <a:p>
+                  <a:pPr marL="0" marR="0" indent="0" algn="l" defTabSz="914400" rtl="0" eaLnBrk="1" fontAlgn="base" latinLnBrk="0" hangingPunct="1">
+                    <a:lnSpc>
+                      <a:spcPct val="100000"/>
+                    </a:lnSpc>
+                    <a:spcBef>
+                      <a:spcPct val="20000"/>
+                    </a:spcBef>
+                    <a:spcAft>
+                      <a:spcPct val="0"/>
+                    </a:spcAft>
+                    <a:buClrTx/>
+                    <a:buSzTx/>
+                    <a:buFontTx/>
+                    <a:buNone/>
+                    <a:tabLst/>
+                  </a:pPr>
+                  <a:endParaRPr kumimoji="0" lang="en-GB" sz="4600" b="0" i="0" u="none" strike="noStrike" cap="none" normalizeH="0" baseline="0" smtClean="0">
+                    <a:ln>
+                      <a:noFill/>
+                    </a:ln>
+                    <a:solidFill>
+                      <a:srgbClr val="000000"/>
+                    </a:solidFill>
+                    <a:effectLst/>
+                    <a:latin typeface="Arial" charset="0"/>
+                  </a:endParaRPr>
+                </a:p>
+              </p:txBody>
+            </p:sp>
+            <p:sp>
+              <p:nvSpPr>
+                <p:cNvPr id="130" name="Pentagon 129"/>
+                <p:cNvSpPr/>
+                <p:nvPr/>
+              </p:nvSpPr>
+              <p:spPr bwMode="auto">
+                <a:xfrm>
+                  <a:off x="22421528" y="4904581"/>
+                  <a:ext cx="714697" cy="228600"/>
+                </a:xfrm>
+                <a:prstGeom prst="homePlate">
+                  <a:avLst/>
+                </a:prstGeom>
+                <a:solidFill>
+                  <a:srgbClr val="CC0000"/>
+                </a:solidFill>
+                <a:ln>
+                  <a:noFill/>
+                </a:ln>
+                <a:effectLst/>
+                <a:extLst/>
+              </p:spPr>
+              <p:txBody>
+                <a:bodyPr vert="horz" wrap="square" lIns="457200" tIns="228600" rIns="457200" bIns="228600" numCol="1" rtlCol="0" anchor="t" anchorCtr="0" compatLnSpc="1">
+                  <a:prstTxWarp prst="textNoShape">
+                    <a:avLst/>
+                  </a:prstTxWarp>
+                </a:bodyPr>
+                <a:lstStyle/>
+                <a:p>
+                  <a:pPr marL="0" marR="0" indent="0" algn="l" defTabSz="914400" rtl="0" eaLnBrk="1" fontAlgn="base" latinLnBrk="0" hangingPunct="1">
+                    <a:lnSpc>
+                      <a:spcPct val="100000"/>
+                    </a:lnSpc>
+                    <a:spcBef>
+                      <a:spcPct val="20000"/>
+                    </a:spcBef>
+                    <a:spcAft>
+                      <a:spcPct val="0"/>
+                    </a:spcAft>
+                    <a:buClrTx/>
+                    <a:buSzTx/>
+                    <a:buFontTx/>
+                    <a:buNone/>
+                    <a:tabLst/>
+                  </a:pPr>
+                  <a:endParaRPr kumimoji="0" lang="en-GB" sz="4600" b="0" i="0" u="none" strike="noStrike" cap="none" normalizeH="0" baseline="0" smtClean="0">
+                    <a:ln>
+                      <a:noFill/>
+                    </a:ln>
+                    <a:solidFill>
+                      <a:srgbClr val="000000"/>
+                    </a:solidFill>
+                    <a:effectLst/>
+                    <a:latin typeface="Arial" charset="0"/>
+                  </a:endParaRPr>
+                </a:p>
+              </p:txBody>
+            </p:sp>
+          </p:grpSp>
+          <p:sp>
+            <p:nvSpPr>
+              <p:cNvPr id="131" name="TextBox 130"/>
+              <p:cNvSpPr txBox="1"/>
+              <p:nvPr/>
+            </p:nvSpPr>
+            <p:spPr>
+              <a:xfrm>
+                <a:off x="12211050" y="21820981"/>
+                <a:ext cx="2520402" cy="369332"/>
+              </a:xfrm>
+              <a:prstGeom prst="rect">
+                <a:avLst/>
+              </a:prstGeom>
+              <a:noFill/>
+            </p:spPr>
+            <p:txBody>
+              <a:bodyPr wrap="square" rtlCol="0">
+                <a:spAutoFit/>
+              </a:bodyPr>
+              <a:lstStyle/>
+              <a:p>
+                <a:pPr algn="ctr"/>
+                <a:r>
+                  <a:rPr lang="sv-SE" sz="1800" dirty="0" err="1" smtClean="0">
+                    <a:solidFill>
+                      <a:schemeClr val="bg1"/>
+                    </a:solidFill>
+                  </a:rPr>
+                  <a:t>Fixed</a:t>
+                </a:r>
+                <a:r>
+                  <a:rPr lang="sv-SE" sz="1800" dirty="0" smtClean="0">
+                    <a:solidFill>
+                      <a:schemeClr val="bg1"/>
+                    </a:solidFill>
+                  </a:rPr>
+                  <a:t> </a:t>
+                </a:r>
+                <a:r>
+                  <a:rPr lang="sv-SE" sz="1800" dirty="0" smtClean="0">
+                    <a:solidFill>
+                      <a:schemeClr val="bg1"/>
+                    </a:solidFill>
+                  </a:rPr>
+                  <a:t>rotated copies</a:t>
+                </a:r>
+                <a:endParaRPr lang="en-GB" sz="1800" dirty="0">
+                  <a:solidFill>
+                    <a:schemeClr val="bg1"/>
+                  </a:solidFill>
+                </a:endParaRPr>
+              </a:p>
+            </p:txBody>
+          </p:sp>
+        </p:grpSp>
+        <p:grpSp>
+          <p:nvGrpSpPr>
+            <p:cNvPr id="24" name="Group 23"/>
+            <p:cNvGrpSpPr/>
+            <p:nvPr/>
+          </p:nvGrpSpPr>
+          <p:grpSpPr>
+            <a:xfrm>
+              <a:off x="9925050" y="20996830"/>
+              <a:ext cx="1981200" cy="443151"/>
+              <a:chOff x="9972697" y="20761782"/>
+              <a:chExt cx="1981200" cy="443151"/>
+            </a:xfrm>
+          </p:grpSpPr>
+          <p:grpSp>
+            <p:nvGrpSpPr>
+              <p:cNvPr id="169" name="Group 168"/>
+              <p:cNvGrpSpPr/>
+              <p:nvPr/>
+            </p:nvGrpSpPr>
+            <p:grpSpPr>
+              <a:xfrm>
+                <a:off x="9972697" y="20761782"/>
+                <a:ext cx="1981200" cy="443151"/>
+                <a:chOff x="21416658" y="4904581"/>
+                <a:chExt cx="1719567" cy="228600"/>
+              </a:xfrm>
+            </p:grpSpPr>
+            <p:sp>
+              <p:nvSpPr>
+                <p:cNvPr id="170" name="Pentagon 169"/>
+                <p:cNvSpPr/>
+                <p:nvPr/>
+              </p:nvSpPr>
+              <p:spPr bwMode="auto">
+                <a:xfrm flipH="1">
+                  <a:off x="21416658" y="4904581"/>
+                  <a:ext cx="1004869" cy="228600"/>
+                </a:xfrm>
+                <a:prstGeom prst="homePlate">
+                  <a:avLst/>
+                </a:prstGeom>
+                <a:solidFill>
+                  <a:srgbClr val="CC0000"/>
+                </a:solidFill>
+                <a:ln>
+                  <a:noFill/>
+                </a:ln>
+                <a:effectLst/>
+                <a:extLst/>
+              </p:spPr>
+              <p:txBody>
+                <a:bodyPr vert="horz" wrap="square" lIns="457200" tIns="228600" rIns="457200" bIns="228600" numCol="1" rtlCol="0" anchor="t" anchorCtr="0" compatLnSpc="1">
+                  <a:prstTxWarp prst="textNoShape">
+                    <a:avLst/>
+                  </a:prstTxWarp>
+                </a:bodyPr>
+                <a:lstStyle/>
+                <a:p>
+                  <a:pPr marL="0" marR="0" indent="0" algn="l" defTabSz="914400" rtl="0" eaLnBrk="1" fontAlgn="base" latinLnBrk="0" hangingPunct="1">
+                    <a:lnSpc>
+                      <a:spcPct val="100000"/>
+                    </a:lnSpc>
+                    <a:spcBef>
+                      <a:spcPct val="20000"/>
+                    </a:spcBef>
+                    <a:spcAft>
+                      <a:spcPct val="0"/>
+                    </a:spcAft>
+                    <a:buClrTx/>
+                    <a:buSzTx/>
+                    <a:buFontTx/>
+                    <a:buNone/>
+                    <a:tabLst/>
+                  </a:pPr>
+                  <a:endParaRPr kumimoji="0" lang="en-GB" sz="4600" b="0" i="0" u="none" strike="noStrike" cap="none" normalizeH="0" baseline="0" smtClean="0">
+                    <a:ln>
+                      <a:noFill/>
+                    </a:ln>
+                    <a:solidFill>
+                      <a:srgbClr val="000000"/>
+                    </a:solidFill>
+                    <a:effectLst/>
+                    <a:latin typeface="Arial" charset="0"/>
+                  </a:endParaRPr>
+                </a:p>
+              </p:txBody>
+            </p:sp>
+            <p:sp>
+              <p:nvSpPr>
+                <p:cNvPr id="171" name="Pentagon 170"/>
+                <p:cNvSpPr/>
+                <p:nvPr/>
+              </p:nvSpPr>
+              <p:spPr bwMode="auto">
+                <a:xfrm>
+                  <a:off x="22421528" y="4904581"/>
+                  <a:ext cx="714697" cy="228600"/>
+                </a:xfrm>
+                <a:prstGeom prst="homePlate">
+                  <a:avLst/>
+                </a:prstGeom>
+                <a:solidFill>
+                  <a:srgbClr val="CC0000"/>
+                </a:solidFill>
+                <a:ln>
+                  <a:noFill/>
+                </a:ln>
+                <a:effectLst/>
+                <a:extLst/>
+              </p:spPr>
+              <p:txBody>
+                <a:bodyPr vert="horz" wrap="square" lIns="457200" tIns="228600" rIns="457200" bIns="228600" numCol="1" rtlCol="0" anchor="t" anchorCtr="0" compatLnSpc="1">
+                  <a:prstTxWarp prst="textNoShape">
+                    <a:avLst/>
+                  </a:prstTxWarp>
+                </a:bodyPr>
+                <a:lstStyle/>
+                <a:p>
+                  <a:pPr marL="0" marR="0" indent="0" algn="l" defTabSz="914400" rtl="0" eaLnBrk="1" fontAlgn="base" latinLnBrk="0" hangingPunct="1">
+                    <a:lnSpc>
+                      <a:spcPct val="100000"/>
+                    </a:lnSpc>
+                    <a:spcBef>
+                      <a:spcPct val="20000"/>
+                    </a:spcBef>
+                    <a:spcAft>
+                      <a:spcPct val="0"/>
+                    </a:spcAft>
+                    <a:buClrTx/>
+                    <a:buSzTx/>
+                    <a:buFontTx/>
+                    <a:buNone/>
+                    <a:tabLst/>
+                  </a:pPr>
+                  <a:endParaRPr kumimoji="0" lang="en-GB" sz="4600" b="0" i="0" u="none" strike="noStrike" cap="none" normalizeH="0" baseline="0" smtClean="0">
+                    <a:ln>
+                      <a:noFill/>
+                    </a:ln>
+                    <a:solidFill>
+                      <a:srgbClr val="000000"/>
+                    </a:solidFill>
+                    <a:effectLst/>
+                    <a:latin typeface="Arial" charset="0"/>
+                  </a:endParaRPr>
+                </a:p>
+              </p:txBody>
+            </p:sp>
+          </p:grpSp>
+          <p:sp>
+            <p:nvSpPr>
+              <p:cNvPr id="172" name="TextBox 171"/>
+              <p:cNvSpPr txBox="1"/>
+              <p:nvPr/>
+            </p:nvSpPr>
+            <p:spPr>
+              <a:xfrm>
+                <a:off x="10136714" y="20830381"/>
+                <a:ext cx="1693336" cy="369332"/>
+              </a:xfrm>
+              <a:prstGeom prst="rect">
+                <a:avLst/>
+              </a:prstGeom>
+              <a:noFill/>
+            </p:spPr>
+            <p:txBody>
+              <a:bodyPr wrap="square" rtlCol="0">
+                <a:spAutoFit/>
+              </a:bodyPr>
+              <a:lstStyle/>
+              <a:p>
+                <a:pPr algn="ctr"/>
+                <a:r>
+                  <a:rPr lang="sv-SE" sz="1800" dirty="0" smtClean="0">
+                    <a:solidFill>
+                      <a:schemeClr val="bg1"/>
+                    </a:solidFill>
+                  </a:rPr>
+                  <a:t>Trainable filter</a:t>
+                </a:r>
+                <a:endParaRPr lang="en-GB" sz="1800" dirty="0">
+                  <a:solidFill>
+                    <a:schemeClr val="bg1"/>
+                  </a:solidFill>
+                </a:endParaRPr>
+              </a:p>
+            </p:txBody>
+          </p:sp>
+        </p:grpSp>
+        <p:pic>
+          <p:nvPicPr>
+            <p:cNvPr id="159" name="Picture 2"/>
+            <p:cNvPicPr>
+              <a:picLocks noChangeAspect="1" noChangeArrowheads="1"/>
+            </p:cNvPicPr>
+            <p:nvPr/>
+          </p:nvPicPr>
+          <p:blipFill>
+            <a:blip r:embed="rId22" cstate="print">
+              <a:extLst>
+                <a:ext uri="{28A0092B-C50C-407E-A947-70E740481C1C}">
+                  <a14:useLocalDpi xmlns:a14="http://schemas.microsoft.com/office/drawing/2010/main" val="0"/>
+                </a:ext>
+              </a:extLst>
+            </a:blip>
+            <a:srcRect/>
+            <a:stretch>
+              <a:fillRect/>
+            </a:stretch>
+          </p:blipFill>
+          <p:spPr bwMode="auto">
+            <a:xfrm>
+              <a:off x="12439650" y="18544381"/>
+              <a:ext cx="2314552" cy="3302198"/>
+            </a:xfrm>
+            <a:prstGeom prst="rect">
+              <a:avLst/>
+            </a:prstGeom>
+            <a:noFill/>
             <a:ln>
               <a:noFill/>
             </a:ln>
             <a:effectLst/>
-            <a:extLst/>
+            <a:extLst>
+              <a:ext uri="{909E8E84-426E-40DD-AFC4-6F175D3DCCD1}">
+                <a14:hiddenFill xmlns:a14="http://schemas.microsoft.com/office/drawing/2010/main">
+                  <a:solidFill>
+                    <a:schemeClr val="accent1"/>
+                  </a:solidFill>
+                </a14:hiddenFill>
+              </a:ext>
+              <a:ext uri="{91240B29-F687-4F45-9708-019B960494DF}">
+                <a14:hiddenLine xmlns:a14="http://schemas.microsoft.com/office/drawing/2010/main" w="9525">
+                  <a:solidFill>
+                    <a:schemeClr val="tx1"/>
+                  </a:solidFill>
+                  <a:miter lim="800000"/>
+                  <a:headEnd/>
+                  <a:tailEnd/>
+                </a14:hiddenLine>
+              </a:ext>
+              <a:ext uri="{AF507438-7753-43E0-B8FC-AC1667EBCBE1}">
+                <a14:hiddenEffects xmlns:a14="http://schemas.microsoft.com/office/drawing/2010/main">
+                  <a:effectLst>
+                    <a:outerShdw dist="35921" dir="2700000" algn="ctr" rotWithShape="0">
+                      <a:schemeClr val="bg2"/>
+                    </a:outerShdw>
+                  </a:effectLst>
+                </a14:hiddenEffects>
+              </a:ext>
+            </a:extLst>
           </p:spPr>
-          <p:txBody>
-            <a:bodyPr vert="horz" wrap="square" lIns="457200" tIns="228600" rIns="457200" bIns="228600" numCol="1" rtlCol="0" anchor="t" anchorCtr="0" compatLnSpc="1">
-              <a:prstTxWarp prst="textNoShape">
-                <a:avLst/>
-              </a:prstTxWarp>
-            </a:bodyPr>
-            <a:lstStyle/>
-            <a:p>
-              <a:pPr marL="0" marR="0" indent="0" algn="l" defTabSz="914400" rtl="0" eaLnBrk="1" fontAlgn="base" latinLnBrk="0" hangingPunct="1">
-                <a:lnSpc>
-                  <a:spcPct val="100000"/>
-                </a:lnSpc>
-                <a:spcBef>
-                  <a:spcPct val="20000"/>
-                </a:spcBef>
-                <a:spcAft>
-                  <a:spcPct val="0"/>
-                </a:spcAft>
-                <a:buClrTx/>
-                <a:buSzTx/>
-                <a:buFontTx/>
-                <a:buNone/>
-                <a:tabLst/>
-              </a:pPr>
-              <a:endParaRPr kumimoji="0" lang="en-GB" sz="4600" b="0" i="0" u="none" strike="noStrike" cap="none" normalizeH="0" baseline="0" smtClean="0">
-                <a:ln>
-                  <a:noFill/>
-                </a:ln>
-                <a:solidFill>
-                  <a:srgbClr val="000000"/>
-                </a:solidFill>
-                <a:effectLst/>
-                <a:latin typeface="Arial" charset="0"/>
-              </a:endParaRPr>
-            </a:p>
-          </p:txBody>
-        </p:sp>
+        </p:pic>
+        <p:pic>
+          <p:nvPicPr>
+            <p:cNvPr id="1031" name="Picture 4"/>
+            <p:cNvPicPr>
+              <a:picLocks noChangeAspect="1" noChangeArrowheads="1"/>
+            </p:cNvPicPr>
+            <p:nvPr/>
+          </p:nvPicPr>
+          <p:blipFill>
+            <a:blip r:embed="rId23" cstate="print">
+              <a:extLst>
+                <a:ext uri="{28A0092B-C50C-407E-A947-70E740481C1C}">
+                  <a14:useLocalDpi xmlns:a14="http://schemas.microsoft.com/office/drawing/2010/main" val="0"/>
+                </a:ext>
+              </a:extLst>
+            </a:blip>
+            <a:srcRect/>
+            <a:stretch>
+              <a:fillRect/>
+            </a:stretch>
+          </p:blipFill>
+          <p:spPr bwMode="auto">
+            <a:xfrm>
+              <a:off x="10136713" y="19244775"/>
+              <a:ext cx="1585107" cy="1582858"/>
+            </a:xfrm>
+            <a:prstGeom prst="rect">
+              <a:avLst/>
+            </a:prstGeom>
+            <a:noFill/>
+            <a:ln>
+              <a:noFill/>
+            </a:ln>
+            <a:effectLst/>
+            <a:extLst>
+              <a:ext uri="{909E8E84-426E-40DD-AFC4-6F175D3DCCD1}">
+                <a14:hiddenFill xmlns:a14="http://schemas.microsoft.com/office/drawing/2010/main">
+                  <a:solidFill>
+                    <a:schemeClr val="accent1"/>
+                  </a:solidFill>
+                </a14:hiddenFill>
+              </a:ext>
+              <a:ext uri="{91240B29-F687-4F45-9708-019B960494DF}">
+                <a14:hiddenLine xmlns:a14="http://schemas.microsoft.com/office/drawing/2010/main" w="9525">
+                  <a:solidFill>
+                    <a:schemeClr val="tx1"/>
+                  </a:solidFill>
+                  <a:miter lim="800000"/>
+                  <a:headEnd/>
+                  <a:tailEnd/>
+                </a14:hiddenLine>
+              </a:ext>
+              <a:ext uri="{AF507438-7753-43E0-B8FC-AC1667EBCBE1}">
+                <a14:hiddenEffects xmlns:a14="http://schemas.microsoft.com/office/drawing/2010/main">
+                  <a:effectLst>
+                    <a:outerShdw dist="35921" dir="2700000" algn="ctr" rotWithShape="0">
+                      <a:schemeClr val="bg2"/>
+                    </a:outerShdw>
+                  </a:effectLst>
+                </a14:hiddenEffects>
+              </a:ext>
+            </a:extLst>
+          </p:spPr>
+        </p:pic>
+        <p:cxnSp>
+          <p:nvCxnSpPr>
+            <p:cNvPr id="1033" name="Straight Arrow Connector 1032"/>
+            <p:cNvCxnSpPr/>
+            <p:nvPr/>
+          </p:nvCxnSpPr>
+          <p:spPr bwMode="auto">
+            <a:xfrm>
+              <a:off x="11906250" y="20220781"/>
+              <a:ext cx="457200" cy="0"/>
+            </a:xfrm>
+            <a:prstGeom prst="straightConnector1">
+              <a:avLst/>
+            </a:prstGeom>
+            <a:noFill/>
+            <a:ln w="101600" cap="flat" cmpd="sng" algn="ctr">
+              <a:solidFill>
+                <a:srgbClr val="C00000"/>
+              </a:solidFill>
+              <a:prstDash val="solid"/>
+              <a:round/>
+              <a:headEnd type="none" w="med" len="med"/>
+              <a:tailEnd type="triangle" w="sm" len="sm"/>
+            </a:ln>
+            <a:effectLst/>
+            <a:extLst>
+              <a:ext uri="{909E8E84-426E-40DD-AFC4-6F175D3DCCD1}">
+                <a14:hiddenFill xmlns:a14="http://schemas.microsoft.com/office/drawing/2010/main">
+                  <a:solidFill>
+                    <a:schemeClr val="accent1"/>
+                  </a:solidFill>
+                </a14:hiddenFill>
+              </a:ext>
+              <a:ext uri="{AF507438-7753-43E0-B8FC-AC1667EBCBE1}">
+                <a14:hiddenEffects xmlns:a14="http://schemas.microsoft.com/office/drawing/2010/main">
+                  <a:effectLst>
+                    <a:outerShdw dist="35921" dir="2700000" algn="ctr" rotWithShape="0">
+                      <a:schemeClr val="bg2"/>
+                    </a:outerShdw>
+                  </a:effectLst>
+                </a14:hiddenEffects>
+              </a:ext>
+            </a:extLst>
+          </p:spPr>
+        </p:cxnSp>
         <p:sp>
           <p:nvSpPr>
-            <p:cNvPr id="96" name="Pentagon 95"/>
+            <p:cNvPr id="1035" name="Rounded Rectangle 1034"/>
             <p:cNvSpPr/>
             <p:nvPr/>
           </p:nvSpPr>
           <p:spPr bwMode="auto">
             <a:xfrm>
-              <a:off x="22421528" y="4904581"/>
-              <a:ext cx="714697" cy="228600"/>
+              <a:off x="9793542" y="18544381"/>
+              <a:ext cx="5236908" cy="3909407"/>
             </a:xfrm>
-            <a:prstGeom prst="homePlate">
-              <a:avLst/>
+            <a:prstGeom prst="roundRect">
+              <a:avLst>
+                <a:gd name="adj" fmla="val 9772"/>
+              </a:avLst>
             </a:prstGeom>
-            <a:solidFill>
-              <a:srgbClr val="CC0000"/>
-            </a:solidFill>
-            <a:ln>
-              <a:noFill/>
+            <a:noFill/>
+            <a:ln w="38100">
+              <a:solidFill>
+                <a:schemeClr val="tx1"/>
+              </a:solidFill>
+              <a:prstDash val="sysDot"/>
             </a:ln>
             <a:effectLst/>
             <a:extLst/>
@@ -11201,52 +12561,14 @@
       </p:grpSp>
       <p:sp>
         <p:nvSpPr>
-          <p:cNvPr id="94" name="TextBox 93"/>
-          <p:cNvSpPr txBox="1"/>
-          <p:nvPr/>
-        </p:nvSpPr>
-        <p:spPr>
-          <a:xfrm>
-            <a:off x="16179424" y="21224684"/>
-            <a:ext cx="2127499" cy="369332"/>
-          </a:xfrm>
-          <a:prstGeom prst="rect">
-            <a:avLst/>
-          </a:prstGeom>
-          <a:noFill/>
-        </p:spPr>
-        <p:txBody>
-          <a:bodyPr wrap="square" rtlCol="0">
-            <a:spAutoFit/>
-          </a:bodyPr>
-          <a:lstStyle/>
-          <a:p>
-            <a:r>
-              <a:rPr lang="en-GB" sz="1800" dirty="0" smtClean="0">
-                <a:solidFill>
-                  <a:schemeClr val="bg1"/>
-                </a:solidFill>
-              </a:rPr>
-              <a:t>Output vector map</a:t>
-            </a:r>
-            <a:endParaRPr lang="en-GB" sz="1800" dirty="0">
-              <a:solidFill>
-                <a:schemeClr val="bg1"/>
-              </a:solidFill>
-            </a:endParaRPr>
-          </a:p>
-        </p:txBody>
-      </p:sp>
-      <p:sp>
-        <p:nvSpPr>
-          <p:cNvPr id="98" name="Striped Right Arrow 97"/>
+          <p:cNvPr id="104" name="Striped Right Arrow 103"/>
           <p:cNvSpPr/>
           <p:nvPr/>
         </p:nvSpPr>
         <p:spPr bwMode="auto">
           <a:xfrm>
-            <a:off x="15058113" y="19703443"/>
-            <a:ext cx="658137" cy="457200"/>
+            <a:off x="8613995" y="11991181"/>
+            <a:ext cx="420923" cy="457200"/>
           </a:xfrm>
           <a:prstGeom prst="stripedRightArrow">
             <a:avLst/>
@@ -11297,364 +12619,16 @@
           </a:p>
         </p:txBody>
       </p:sp>
-      <p:grpSp>
-        <p:nvGrpSpPr>
-          <p:cNvPr id="79" name="Group 78"/>
-          <p:cNvGrpSpPr/>
-          <p:nvPr/>
-        </p:nvGrpSpPr>
-        <p:grpSpPr>
-          <a:xfrm>
-            <a:off x="6184777" y="21262245"/>
-            <a:ext cx="2292474" cy="381727"/>
-            <a:chOff x="21416658" y="4904581"/>
-            <a:chExt cx="1719567" cy="228600"/>
-          </a:xfrm>
-        </p:grpSpPr>
-        <p:sp>
-          <p:nvSpPr>
-            <p:cNvPr id="80" name="Pentagon 79"/>
-            <p:cNvSpPr/>
-            <p:nvPr/>
-          </p:nvSpPr>
-          <p:spPr bwMode="auto">
-            <a:xfrm flipH="1">
-              <a:off x="21416658" y="4904581"/>
-              <a:ext cx="1004869" cy="228600"/>
-            </a:xfrm>
-            <a:prstGeom prst="homePlate">
-              <a:avLst/>
-            </a:prstGeom>
-            <a:solidFill>
-              <a:srgbClr val="CC0000"/>
-            </a:solidFill>
-            <a:ln>
-              <a:noFill/>
-            </a:ln>
-            <a:effectLst/>
-            <a:extLst/>
-          </p:spPr>
-          <p:txBody>
-            <a:bodyPr vert="horz" wrap="square" lIns="457200" tIns="228600" rIns="457200" bIns="228600" numCol="1" rtlCol="0" anchor="t" anchorCtr="0" compatLnSpc="1">
-              <a:prstTxWarp prst="textNoShape">
-                <a:avLst/>
-              </a:prstTxWarp>
-            </a:bodyPr>
-            <a:lstStyle/>
-            <a:p>
-              <a:pPr marL="0" marR="0" indent="0" algn="l" defTabSz="914400" rtl="0" eaLnBrk="1" fontAlgn="base" latinLnBrk="0" hangingPunct="1">
-                <a:lnSpc>
-                  <a:spcPct val="100000"/>
-                </a:lnSpc>
-                <a:spcBef>
-                  <a:spcPct val="20000"/>
-                </a:spcBef>
-                <a:spcAft>
-                  <a:spcPct val="0"/>
-                </a:spcAft>
-                <a:buClrTx/>
-                <a:buSzTx/>
-                <a:buFontTx/>
-                <a:buNone/>
-                <a:tabLst/>
-              </a:pPr>
-              <a:endParaRPr kumimoji="0" lang="en-GB" sz="4600" b="0" i="0" u="none" strike="noStrike" cap="none" normalizeH="0" baseline="0" smtClean="0">
-                <a:ln>
-                  <a:noFill/>
-                </a:ln>
-                <a:solidFill>
-                  <a:srgbClr val="000000"/>
-                </a:solidFill>
-                <a:effectLst/>
-                <a:latin typeface="Arial" charset="0"/>
-              </a:endParaRPr>
-            </a:p>
-          </p:txBody>
-        </p:sp>
-        <p:sp>
-          <p:nvSpPr>
-            <p:cNvPr id="81" name="Pentagon 80"/>
-            <p:cNvSpPr/>
-            <p:nvPr/>
-          </p:nvSpPr>
-          <p:spPr bwMode="auto">
-            <a:xfrm>
-              <a:off x="22421528" y="4904581"/>
-              <a:ext cx="714697" cy="228600"/>
-            </a:xfrm>
-            <a:prstGeom prst="homePlate">
-              <a:avLst/>
-            </a:prstGeom>
-            <a:solidFill>
-              <a:srgbClr val="CC0000"/>
-            </a:solidFill>
-            <a:ln>
-              <a:noFill/>
-            </a:ln>
-            <a:effectLst/>
-            <a:extLst/>
-          </p:spPr>
-          <p:txBody>
-            <a:bodyPr vert="horz" wrap="square" lIns="457200" tIns="228600" rIns="457200" bIns="228600" numCol="1" rtlCol="0" anchor="t" anchorCtr="0" compatLnSpc="1">
-              <a:prstTxWarp prst="textNoShape">
-                <a:avLst/>
-              </a:prstTxWarp>
-            </a:bodyPr>
-            <a:lstStyle/>
-            <a:p>
-              <a:pPr marL="0" marR="0" indent="0" algn="l" defTabSz="914400" rtl="0" eaLnBrk="1" fontAlgn="base" latinLnBrk="0" hangingPunct="1">
-                <a:lnSpc>
-                  <a:spcPct val="100000"/>
-                </a:lnSpc>
-                <a:spcBef>
-                  <a:spcPct val="20000"/>
-                </a:spcBef>
-                <a:spcAft>
-                  <a:spcPct val="0"/>
-                </a:spcAft>
-                <a:buClrTx/>
-                <a:buSzTx/>
-                <a:buFontTx/>
-                <a:buNone/>
-                <a:tabLst/>
-              </a:pPr>
-              <a:endParaRPr kumimoji="0" lang="en-GB" sz="4600" b="0" i="0" u="none" strike="noStrike" cap="none" normalizeH="0" baseline="0" smtClean="0">
-                <a:ln>
-                  <a:noFill/>
-                </a:ln>
-                <a:solidFill>
-                  <a:srgbClr val="000000"/>
-                </a:solidFill>
-                <a:effectLst/>
-                <a:latin typeface="Arial" charset="0"/>
-              </a:endParaRPr>
-            </a:p>
-          </p:txBody>
-        </p:sp>
-      </p:grpSp>
-      <p:sp>
-        <p:nvSpPr>
-          <p:cNvPr id="82" name="TextBox 81"/>
-          <p:cNvSpPr txBox="1"/>
-          <p:nvPr/>
-        </p:nvSpPr>
-        <p:spPr>
-          <a:xfrm>
-            <a:off x="6267450" y="21227443"/>
-            <a:ext cx="2127499" cy="369332"/>
-          </a:xfrm>
-          <a:prstGeom prst="rect">
-            <a:avLst/>
-          </a:prstGeom>
-          <a:noFill/>
-        </p:spPr>
-        <p:txBody>
-          <a:bodyPr wrap="square" rtlCol="0">
-            <a:spAutoFit/>
-          </a:bodyPr>
-          <a:lstStyle/>
-          <a:p>
-            <a:pPr algn="ctr"/>
-            <a:r>
-              <a:rPr lang="en-GB" sz="1800" dirty="0" smtClean="0">
-                <a:solidFill>
-                  <a:schemeClr val="bg1"/>
-                </a:solidFill>
-              </a:rPr>
-              <a:t>Input image</a:t>
-            </a:r>
-            <a:endParaRPr lang="en-GB" sz="1800" dirty="0">
-              <a:solidFill>
-                <a:schemeClr val="bg1"/>
-              </a:solidFill>
-            </a:endParaRPr>
-          </a:p>
-        </p:txBody>
-      </p:sp>
-      <p:grpSp>
-        <p:nvGrpSpPr>
-          <p:cNvPr id="128" name="Group 127"/>
-          <p:cNvGrpSpPr/>
-          <p:nvPr/>
-        </p:nvGrpSpPr>
-        <p:grpSpPr>
-          <a:xfrm>
-            <a:off x="11939959" y="21770379"/>
-            <a:ext cx="2585644" cy="443151"/>
-            <a:chOff x="21416658" y="4904581"/>
-            <a:chExt cx="1719567" cy="228600"/>
-          </a:xfrm>
-        </p:grpSpPr>
-        <p:sp>
-          <p:nvSpPr>
-            <p:cNvPr id="129" name="Pentagon 128"/>
-            <p:cNvSpPr/>
-            <p:nvPr/>
-          </p:nvSpPr>
-          <p:spPr bwMode="auto">
-            <a:xfrm flipH="1">
-              <a:off x="21416658" y="4904581"/>
-              <a:ext cx="1004869" cy="228600"/>
-            </a:xfrm>
-            <a:prstGeom prst="homePlate">
-              <a:avLst/>
-            </a:prstGeom>
-            <a:solidFill>
-              <a:srgbClr val="CC0000"/>
-            </a:solidFill>
-            <a:ln>
-              <a:noFill/>
-            </a:ln>
-            <a:effectLst/>
-            <a:extLst/>
-          </p:spPr>
-          <p:txBody>
-            <a:bodyPr vert="horz" wrap="square" lIns="457200" tIns="228600" rIns="457200" bIns="228600" numCol="1" rtlCol="0" anchor="t" anchorCtr="0" compatLnSpc="1">
-              <a:prstTxWarp prst="textNoShape">
-                <a:avLst/>
-              </a:prstTxWarp>
-            </a:bodyPr>
-            <a:lstStyle/>
-            <a:p>
-              <a:pPr marL="0" marR="0" indent="0" algn="l" defTabSz="914400" rtl="0" eaLnBrk="1" fontAlgn="base" latinLnBrk="0" hangingPunct="1">
-                <a:lnSpc>
-                  <a:spcPct val="100000"/>
-                </a:lnSpc>
-                <a:spcBef>
-                  <a:spcPct val="20000"/>
-                </a:spcBef>
-                <a:spcAft>
-                  <a:spcPct val="0"/>
-                </a:spcAft>
-                <a:buClrTx/>
-                <a:buSzTx/>
-                <a:buFontTx/>
-                <a:buNone/>
-                <a:tabLst/>
-              </a:pPr>
-              <a:endParaRPr kumimoji="0" lang="en-GB" sz="4600" b="0" i="0" u="none" strike="noStrike" cap="none" normalizeH="0" baseline="0" smtClean="0">
-                <a:ln>
-                  <a:noFill/>
-                </a:ln>
-                <a:solidFill>
-                  <a:srgbClr val="000000"/>
-                </a:solidFill>
-                <a:effectLst/>
-                <a:latin typeface="Arial" charset="0"/>
-              </a:endParaRPr>
-            </a:p>
-          </p:txBody>
-        </p:sp>
-        <p:sp>
-          <p:nvSpPr>
-            <p:cNvPr id="130" name="Pentagon 129"/>
-            <p:cNvSpPr/>
-            <p:nvPr/>
-          </p:nvSpPr>
-          <p:spPr bwMode="auto">
-            <a:xfrm>
-              <a:off x="22421528" y="4904581"/>
-              <a:ext cx="714697" cy="228600"/>
-            </a:xfrm>
-            <a:prstGeom prst="homePlate">
-              <a:avLst/>
-            </a:prstGeom>
-            <a:solidFill>
-              <a:srgbClr val="CC0000"/>
-            </a:solidFill>
-            <a:ln>
-              <a:noFill/>
-            </a:ln>
-            <a:effectLst/>
-            <a:extLst/>
-          </p:spPr>
-          <p:txBody>
-            <a:bodyPr vert="horz" wrap="square" lIns="457200" tIns="228600" rIns="457200" bIns="228600" numCol="1" rtlCol="0" anchor="t" anchorCtr="0" compatLnSpc="1">
-              <a:prstTxWarp prst="textNoShape">
-                <a:avLst/>
-              </a:prstTxWarp>
-            </a:bodyPr>
-            <a:lstStyle/>
-            <a:p>
-              <a:pPr marL="0" marR="0" indent="0" algn="l" defTabSz="914400" rtl="0" eaLnBrk="1" fontAlgn="base" latinLnBrk="0" hangingPunct="1">
-                <a:lnSpc>
-                  <a:spcPct val="100000"/>
-                </a:lnSpc>
-                <a:spcBef>
-                  <a:spcPct val="20000"/>
-                </a:spcBef>
-                <a:spcAft>
-                  <a:spcPct val="0"/>
-                </a:spcAft>
-                <a:buClrTx/>
-                <a:buSzTx/>
-                <a:buFontTx/>
-                <a:buNone/>
-                <a:tabLst/>
-              </a:pPr>
-              <a:endParaRPr kumimoji="0" lang="en-GB" sz="4600" b="0" i="0" u="none" strike="noStrike" cap="none" normalizeH="0" baseline="0" smtClean="0">
-                <a:ln>
-                  <a:noFill/>
-                </a:ln>
-                <a:solidFill>
-                  <a:srgbClr val="000000"/>
-                </a:solidFill>
-                <a:effectLst/>
-                <a:latin typeface="Arial" charset="0"/>
-              </a:endParaRPr>
-            </a:p>
-          </p:txBody>
-        </p:sp>
-      </p:grpSp>
-      <p:sp>
-        <p:nvSpPr>
-          <p:cNvPr id="131" name="TextBox 130"/>
-          <p:cNvSpPr txBox="1"/>
-          <p:nvPr/>
-        </p:nvSpPr>
-        <p:spPr>
-          <a:xfrm>
-            <a:off x="12005200" y="21800044"/>
-            <a:ext cx="2520402" cy="369332"/>
-          </a:xfrm>
-          <a:prstGeom prst="rect">
-            <a:avLst/>
-          </a:prstGeom>
-          <a:noFill/>
-        </p:spPr>
-        <p:txBody>
-          <a:bodyPr wrap="square" rtlCol="0">
-            <a:spAutoFit/>
-          </a:bodyPr>
-          <a:lstStyle/>
-          <a:p>
-            <a:pPr algn="ctr"/>
-            <a:r>
-              <a:rPr lang="sv-SE" sz="1800" dirty="0" smtClean="0">
-                <a:solidFill>
-                  <a:schemeClr val="bg1"/>
-                </a:solidFill>
-              </a:rPr>
-              <a:t>fixed rotated copies</a:t>
-            </a:r>
-            <a:endParaRPr lang="en-GB" sz="1800" dirty="0">
-              <a:solidFill>
-                <a:schemeClr val="bg1"/>
-              </a:solidFill>
-            </a:endParaRPr>
-          </a:p>
-        </p:txBody>
-      </p:sp>
       <p:pic>
         <p:nvPicPr>
-          <p:cNvPr id="32" name="Picture 31"/>
+          <p:cNvPr id="3" name="Picture 2"/>
           <p:cNvPicPr>
             <a:picLocks noChangeAspect="1"/>
           </p:cNvPicPr>
           <p:nvPr/>
         </p:nvPicPr>
         <p:blipFill>
-          <a:blip r:embed="rId20">
+          <a:blip r:embed="rId24">
             <a:extLst>
               <a:ext uri="{28A0092B-C50C-407E-A947-70E740481C1C}">
                 <a14:useLocalDpi xmlns:a14="http://schemas.microsoft.com/office/drawing/2010/main" val="0"/>
@@ -11667,24 +12641,539 @@
         </p:blipFill>
         <p:spPr>
           <a:xfrm>
-            <a:off x="6184777" y="18865243"/>
-            <a:ext cx="2292473" cy="2292473"/>
+            <a:off x="6115050" y="11069581"/>
+            <a:ext cx="2293200" cy="2293200"/>
           </a:xfrm>
           <a:prstGeom prst="rect">
             <a:avLst/>
           </a:prstGeom>
         </p:spPr>
       </p:pic>
+      <p:grpSp>
+        <p:nvGrpSpPr>
+          <p:cNvPr id="18" name="Group 17"/>
+          <p:cNvGrpSpPr/>
+          <p:nvPr/>
+        </p:nvGrpSpPr>
+        <p:grpSpPr>
+          <a:xfrm>
+            <a:off x="6115050" y="13578730"/>
+            <a:ext cx="2292474" cy="381727"/>
+            <a:chOff x="6147789" y="13743054"/>
+            <a:chExt cx="2292474" cy="381727"/>
+          </a:xfrm>
+        </p:grpSpPr>
+        <p:grpSp>
+          <p:nvGrpSpPr>
+            <p:cNvPr id="136" name="Group 135"/>
+            <p:cNvGrpSpPr/>
+            <p:nvPr/>
+          </p:nvGrpSpPr>
+          <p:grpSpPr>
+            <a:xfrm>
+              <a:off x="6147789" y="13743054"/>
+              <a:ext cx="2292474" cy="381727"/>
+              <a:chOff x="21416658" y="4904581"/>
+              <a:chExt cx="1719567" cy="228600"/>
+            </a:xfrm>
+          </p:grpSpPr>
+          <p:sp>
+            <p:nvSpPr>
+              <p:cNvPr id="137" name="Pentagon 136"/>
+              <p:cNvSpPr/>
+              <p:nvPr/>
+            </p:nvSpPr>
+            <p:spPr bwMode="auto">
+              <a:xfrm flipH="1">
+                <a:off x="21416658" y="4904581"/>
+                <a:ext cx="1004869" cy="228600"/>
+              </a:xfrm>
+              <a:prstGeom prst="homePlate">
+                <a:avLst/>
+              </a:prstGeom>
+              <a:solidFill>
+                <a:srgbClr val="CC0000"/>
+              </a:solidFill>
+              <a:ln>
+                <a:noFill/>
+              </a:ln>
+              <a:effectLst/>
+              <a:extLst/>
+            </p:spPr>
+            <p:txBody>
+              <a:bodyPr vert="horz" wrap="square" lIns="457200" tIns="228600" rIns="457200" bIns="228600" numCol="1" rtlCol="0" anchor="t" anchorCtr="0" compatLnSpc="1">
+                <a:prstTxWarp prst="textNoShape">
+                  <a:avLst/>
+                </a:prstTxWarp>
+              </a:bodyPr>
+              <a:lstStyle/>
+              <a:p>
+                <a:pPr marL="0" marR="0" indent="0" algn="l" defTabSz="914400" rtl="0" eaLnBrk="1" fontAlgn="base" latinLnBrk="0" hangingPunct="1">
+                  <a:lnSpc>
+                    <a:spcPct val="100000"/>
+                  </a:lnSpc>
+                  <a:spcBef>
+                    <a:spcPct val="20000"/>
+                  </a:spcBef>
+                  <a:spcAft>
+                    <a:spcPct val="0"/>
+                  </a:spcAft>
+                  <a:buClrTx/>
+                  <a:buSzTx/>
+                  <a:buFontTx/>
+                  <a:buNone/>
+                  <a:tabLst/>
+                </a:pPr>
+                <a:endParaRPr kumimoji="0" lang="en-GB" sz="4600" b="0" i="0" u="none" strike="noStrike" cap="none" normalizeH="0" baseline="0" smtClean="0">
+                  <a:ln>
+                    <a:noFill/>
+                  </a:ln>
+                  <a:solidFill>
+                    <a:srgbClr val="000000"/>
+                  </a:solidFill>
+                  <a:effectLst/>
+                  <a:latin typeface="Arial" charset="0"/>
+                </a:endParaRPr>
+              </a:p>
+            </p:txBody>
+          </p:sp>
+          <p:sp>
+            <p:nvSpPr>
+              <p:cNvPr id="138" name="Pentagon 137"/>
+              <p:cNvSpPr/>
+              <p:nvPr/>
+            </p:nvSpPr>
+            <p:spPr bwMode="auto">
+              <a:xfrm>
+                <a:off x="22421528" y="4904581"/>
+                <a:ext cx="714697" cy="228600"/>
+              </a:xfrm>
+              <a:prstGeom prst="homePlate">
+                <a:avLst/>
+              </a:prstGeom>
+              <a:solidFill>
+                <a:srgbClr val="CC0000"/>
+              </a:solidFill>
+              <a:ln>
+                <a:noFill/>
+              </a:ln>
+              <a:effectLst/>
+              <a:extLst/>
+            </p:spPr>
+            <p:txBody>
+              <a:bodyPr vert="horz" wrap="square" lIns="457200" tIns="228600" rIns="457200" bIns="228600" numCol="1" rtlCol="0" anchor="t" anchorCtr="0" compatLnSpc="1">
+                <a:prstTxWarp prst="textNoShape">
+                  <a:avLst/>
+                </a:prstTxWarp>
+              </a:bodyPr>
+              <a:lstStyle/>
+              <a:p>
+                <a:pPr marL="0" marR="0" indent="0" algn="l" defTabSz="914400" rtl="0" eaLnBrk="1" fontAlgn="base" latinLnBrk="0" hangingPunct="1">
+                  <a:lnSpc>
+                    <a:spcPct val="100000"/>
+                  </a:lnSpc>
+                  <a:spcBef>
+                    <a:spcPct val="20000"/>
+                  </a:spcBef>
+                  <a:spcAft>
+                    <a:spcPct val="0"/>
+                  </a:spcAft>
+                  <a:buClrTx/>
+                  <a:buSzTx/>
+                  <a:buFontTx/>
+                  <a:buNone/>
+                  <a:tabLst/>
+                </a:pPr>
+                <a:endParaRPr kumimoji="0" lang="en-GB" sz="4600" b="0" i="0" u="none" strike="noStrike" cap="none" normalizeH="0" baseline="0" smtClean="0">
+                  <a:ln>
+                    <a:noFill/>
+                  </a:ln>
+                  <a:solidFill>
+                    <a:srgbClr val="000000"/>
+                  </a:solidFill>
+                  <a:effectLst/>
+                  <a:latin typeface="Arial" charset="0"/>
+                </a:endParaRPr>
+              </a:p>
+            </p:txBody>
+          </p:sp>
+        </p:grpSp>
+        <p:sp>
+          <p:nvSpPr>
+            <p:cNvPr id="139" name="TextBox 138"/>
+            <p:cNvSpPr txBox="1"/>
+            <p:nvPr/>
+          </p:nvSpPr>
+          <p:spPr>
+            <a:xfrm>
+              <a:off x="6202628" y="13748669"/>
+              <a:ext cx="2127499" cy="369332"/>
+            </a:xfrm>
+            <a:prstGeom prst="rect">
+              <a:avLst/>
+            </a:prstGeom>
+            <a:noFill/>
+          </p:spPr>
+          <p:txBody>
+            <a:bodyPr wrap="square" rtlCol="0">
+              <a:spAutoFit/>
+            </a:bodyPr>
+            <a:lstStyle/>
+            <a:p>
+              <a:pPr algn="ctr"/>
+              <a:r>
+                <a:rPr lang="en-GB" sz="1800" dirty="0" smtClean="0">
+                  <a:solidFill>
+                    <a:schemeClr val="bg1"/>
+                  </a:solidFill>
+                </a:rPr>
+                <a:t>Input image</a:t>
+              </a:r>
+              <a:endParaRPr lang="en-GB" sz="1800" dirty="0">
+                <a:solidFill>
+                  <a:schemeClr val="bg1"/>
+                </a:solidFill>
+              </a:endParaRPr>
+            </a:p>
+          </p:txBody>
+        </p:sp>
+      </p:grpSp>
+      <p:sp>
+        <p:nvSpPr>
+          <p:cNvPr id="140" name="Striped Right Arrow 139"/>
+          <p:cNvSpPr/>
+          <p:nvPr/>
+        </p:nvSpPr>
+        <p:spPr bwMode="auto">
+          <a:xfrm>
+            <a:off x="10113727" y="15496381"/>
+            <a:ext cx="420923" cy="457200"/>
+          </a:xfrm>
+          <a:prstGeom prst="stripedRightArrow">
+            <a:avLst/>
+          </a:prstGeom>
+          <a:solidFill>
+            <a:schemeClr val="accent4"/>
+          </a:solidFill>
+          <a:ln>
+            <a:noFill/>
+          </a:ln>
+          <a:effectLst/>
+          <a:extLst/>
+        </p:spPr>
+        <p:txBody>
+          <a:bodyPr vert="horz" wrap="square" lIns="457200" tIns="228600" rIns="457200" bIns="228600" numCol="1" rtlCol="0" anchor="t" anchorCtr="0" compatLnSpc="1">
+            <a:prstTxWarp prst="textNoShape">
+              <a:avLst/>
+            </a:prstTxWarp>
+          </a:bodyPr>
+          <a:lstStyle/>
+          <a:p>
+            <a:pPr marL="0" marR="0" indent="0" algn="l" defTabSz="914400" rtl="0" eaLnBrk="1" fontAlgn="base" latinLnBrk="0" hangingPunct="1">
+              <a:lnSpc>
+                <a:spcPct val="100000"/>
+              </a:lnSpc>
+              <a:spcBef>
+                <a:spcPct val="20000"/>
+              </a:spcBef>
+              <a:spcAft>
+                <a:spcPct val="0"/>
+              </a:spcAft>
+              <a:buClrTx/>
+              <a:buSzTx/>
+              <a:buFontTx/>
+              <a:buNone/>
+              <a:tabLst/>
+            </a:pPr>
+            <a:endParaRPr kumimoji="0" lang="en-GB" sz="4600" b="0" i="0" u="none" strike="noStrike" cap="none" normalizeH="0" baseline="0" smtClean="0">
+              <a:ln>
+                <a:noFill/>
+              </a:ln>
+              <a:solidFill>
+                <a:srgbClr val="000000"/>
+              </a:solidFill>
+              <a:effectLst/>
+              <a:latin typeface="Arial" charset="0"/>
+            </a:endParaRPr>
+          </a:p>
+        </p:txBody>
+      </p:sp>
       <p:pic>
         <p:nvPicPr>
-          <p:cNvPr id="159" name="Picture 2"/>
+          <p:cNvPr id="2" name="Picture 1"/>
+          <p:cNvPicPr>
+            <a:picLocks noChangeAspect="1"/>
+          </p:cNvPicPr>
+          <p:nvPr/>
+        </p:nvPicPr>
+        <p:blipFill>
+          <a:blip r:embed="rId25">
+            <a:extLst>
+              <a:ext uri="{28A0092B-C50C-407E-A947-70E740481C1C}">
+                <a14:useLocalDpi xmlns:a14="http://schemas.microsoft.com/office/drawing/2010/main" val="0"/>
+              </a:ext>
+            </a:extLst>
+          </a:blip>
+          <a:stretch>
+            <a:fillRect/>
+          </a:stretch>
+        </p:blipFill>
+        <p:spPr>
+          <a:xfrm>
+            <a:off x="6115050" y="14986238"/>
+            <a:ext cx="2258910" cy="2338848"/>
+          </a:xfrm>
+          <a:prstGeom prst="rect">
+            <a:avLst/>
+          </a:prstGeom>
+        </p:spPr>
+      </p:pic>
+      <mc:AlternateContent xmlns:mc="http://schemas.openxmlformats.org/markup-compatibility/2006">
+        <mc:Choice xmlns:a14="http://schemas.microsoft.com/office/drawing/2010/main" Requires="a14">
+          <p:sp>
+            <p:nvSpPr>
+              <p:cNvPr id="10" name="TextBox 9"/>
+              <p:cNvSpPr txBox="1"/>
+              <p:nvPr/>
+            </p:nvSpPr>
+            <p:spPr>
+              <a:xfrm>
+                <a:off x="10711228" y="12645770"/>
+                <a:ext cx="2415650" cy="822469"/>
+              </a:xfrm>
+              <a:prstGeom prst="rect">
+                <a:avLst/>
+              </a:prstGeom>
+              <a:noFill/>
+            </p:spPr>
+            <p:txBody>
+              <a:bodyPr wrap="square" rtlCol="0">
+                <a:spAutoFit/>
+              </a:bodyPr>
+              <a:lstStyle/>
+              <a:p>
+                <a14:m>
+                  <m:oMathPara xmlns:m="http://schemas.openxmlformats.org/officeDocument/2006/math">
+                    <m:oMathParaPr>
+                      <m:jc m:val="centerGroup"/>
+                    </m:oMathParaPr>
+                    <m:oMath xmlns:m="http://schemas.openxmlformats.org/officeDocument/2006/math">
+                      <m:r>
+                        <a:rPr lang="en-GB" sz="2400" i="1" smtClean="0">
+                          <a:latin typeface="Cambria Math"/>
+                          <a:ea typeface="Cambria Math"/>
+                        </a:rPr>
+                        <m:t>𝑓</m:t>
+                      </m:r>
+                      <m:r>
+                        <a:rPr lang="en-GB" sz="2400" b="0" i="1" baseline="-25000" smtClean="0">
+                          <a:latin typeface="Cambria Math"/>
+                          <a:ea typeface="Cambria Math"/>
+                        </a:rPr>
+                        <m:t>0</m:t>
+                      </m:r>
+                      <m:r>
+                        <a:rPr lang="en-GB" sz="2400" b="0" i="1" smtClean="0">
+                          <a:latin typeface="Cambria Math"/>
+                          <a:ea typeface="Cambria Math"/>
+                        </a:rPr>
+                        <m:t>,</m:t>
+                      </m:r>
+                      <m:r>
+                        <a:rPr lang="en-GB" sz="2400" i="1">
+                          <a:latin typeface="Cambria Math"/>
+                          <a:ea typeface="Cambria Math"/>
+                        </a:rPr>
+                        <m:t>𝑓</m:t>
+                      </m:r>
+                      <m:r>
+                        <a:rPr lang="en-GB" sz="2400" b="0" i="1" baseline="-25000" smtClean="0">
+                          <a:latin typeface="Cambria Math"/>
+                          <a:ea typeface="Cambria Math"/>
+                        </a:rPr>
+                        <m:t>1</m:t>
+                      </m:r>
+                      <m:r>
+                        <a:rPr lang="en-GB" sz="2400" b="0" i="1" smtClean="0">
+                          <a:latin typeface="Cambria Math"/>
+                          <a:ea typeface="Cambria Math"/>
+                        </a:rPr>
+                        <m:t>. </m:t>
+                      </m:r>
+                    </m:oMath>
+                  </m:oMathPara>
+                </a14:m>
+                <a:endParaRPr lang="en-GB" sz="2400" b="0" i="1" dirty="0" smtClean="0">
+                  <a:latin typeface="Cambria Math"/>
+                  <a:ea typeface="Cambria Math"/>
+                </a:endParaRPr>
+              </a:p>
+              <a:p>
+                <a14:m>
+                  <m:oMathPara xmlns:m="http://schemas.openxmlformats.org/officeDocument/2006/math">
+                    <m:oMathParaPr>
+                      <m:jc m:val="centerGroup"/>
+                    </m:oMathParaPr>
+                    <m:oMath xmlns:m="http://schemas.openxmlformats.org/officeDocument/2006/math">
+                      <m:r>
+                        <a:rPr lang="en-GB" sz="2400" b="0" i="1" smtClean="0">
+                          <a:latin typeface="Cambria Math"/>
+                          <a:ea typeface="Cambria Math"/>
+                        </a:rPr>
+                        <m:t>…</m:t>
+                      </m:r>
+                      <m:sSub>
+                        <m:sSubPr>
+                          <m:ctrlPr>
+                            <a:rPr lang="en-GB" sz="2400" i="1" smtClean="0">
+                              <a:latin typeface="Cambria Math"/>
+                              <a:ea typeface="Cambria Math"/>
+                            </a:rPr>
+                          </m:ctrlPr>
+                        </m:sSubPr>
+                        <m:e>
+                          <m:r>
+                            <a:rPr lang="en-GB" sz="2400" b="0" i="1" smtClean="0">
+                              <a:latin typeface="Cambria Math"/>
+                              <a:ea typeface="Cambria Math"/>
+                            </a:rPr>
+                            <m:t>𝑓</m:t>
+                          </m:r>
+                        </m:e>
+                        <m:sub>
+                          <m:r>
+                            <a:rPr lang="en-GB" sz="2400" b="0" i="1" smtClean="0">
+                              <a:latin typeface="Cambria Math"/>
+                              <a:ea typeface="Cambria Math"/>
+                            </a:rPr>
+                            <m:t>𝑛</m:t>
+                          </m:r>
+                          <m:r>
+                            <a:rPr lang="en-GB" sz="2400" b="0" i="1" smtClean="0">
+                              <a:latin typeface="Cambria Math"/>
+                              <a:ea typeface="Cambria Math"/>
+                            </a:rPr>
+                            <m:t>−1</m:t>
+                          </m:r>
+                        </m:sub>
+                      </m:sSub>
+                    </m:oMath>
+                  </m:oMathPara>
+                </a14:m>
+                <a:endParaRPr lang="en-GB" sz="2400" i="1" baseline="-25000" dirty="0"/>
+              </a:p>
+            </p:txBody>
+          </p:sp>
+        </mc:Choice>
+        <mc:Fallback>
+          <p:sp>
+            <p:nvSpPr>
+              <p:cNvPr id="10" name="TextBox 9"/>
+              <p:cNvSpPr txBox="1">
+                <a:spLocks noRot="1" noChangeAspect="1" noMove="1" noResize="1" noEditPoints="1" noAdjustHandles="1" noChangeArrowheads="1" noChangeShapeType="1" noTextEdit="1"/>
+              </p:cNvSpPr>
+              <p:nvPr/>
+            </p:nvSpPr>
+            <p:spPr>
+              <a:xfrm>
+                <a:off x="10711228" y="12645770"/>
+                <a:ext cx="2415650" cy="822469"/>
+              </a:xfrm>
+              <a:prstGeom prst="rect">
+                <a:avLst/>
+              </a:prstGeom>
+              <a:blipFill rotWithShape="1">
+                <a:blip r:embed="rId26"/>
+                <a:stretch>
+                  <a:fillRect b="-11111"/>
+                </a:stretch>
+              </a:blipFill>
+            </p:spPr>
+            <p:txBody>
+              <a:bodyPr/>
+              <a:lstStyle/>
+              <a:p>
+                <a:r>
+                  <a:rPr lang="en-GB">
+                    <a:noFill/>
+                  </a:rPr>
+                  <a:t> </a:t>
+                </a:r>
+              </a:p>
+            </p:txBody>
+          </p:sp>
+        </mc:Fallback>
+      </mc:AlternateContent>
+      <p:sp>
+        <p:nvSpPr>
+          <p:cNvPr id="127" name="Striped Right Arrow 126"/>
+          <p:cNvSpPr/>
+          <p:nvPr/>
+        </p:nvSpPr>
+        <p:spPr bwMode="auto">
+          <a:xfrm>
+            <a:off x="8020050" y="15496381"/>
+            <a:ext cx="420923" cy="457200"/>
+          </a:xfrm>
+          <a:prstGeom prst="stripedRightArrow">
+            <a:avLst/>
+          </a:prstGeom>
+          <a:solidFill>
+            <a:schemeClr val="accent4"/>
+          </a:solidFill>
+          <a:ln>
+            <a:noFill/>
+          </a:ln>
+          <a:effectLst/>
+          <a:extLst/>
+        </p:spPr>
+        <p:txBody>
+          <a:bodyPr vert="horz" wrap="square" lIns="457200" tIns="228600" rIns="457200" bIns="228600" numCol="1" rtlCol="0" anchor="t" anchorCtr="0" compatLnSpc="1">
+            <a:prstTxWarp prst="textNoShape">
+              <a:avLst/>
+            </a:prstTxWarp>
+          </a:bodyPr>
+          <a:lstStyle/>
+          <a:p>
+            <a:pPr marL="0" marR="0" indent="0" algn="l" defTabSz="914400" rtl="0" eaLnBrk="1" fontAlgn="base" latinLnBrk="0" hangingPunct="1">
+              <a:lnSpc>
+                <a:spcPct val="100000"/>
+              </a:lnSpc>
+              <a:spcBef>
+                <a:spcPct val="20000"/>
+              </a:spcBef>
+              <a:spcAft>
+                <a:spcPct val="0"/>
+              </a:spcAft>
+              <a:buClrTx/>
+              <a:buSzTx/>
+              <a:buFontTx/>
+              <a:buNone/>
+              <a:tabLst/>
+            </a:pPr>
+            <a:endParaRPr kumimoji="0" lang="en-GB" sz="4600" b="0" i="0" u="none" strike="noStrike" cap="none" normalizeH="0" baseline="0" smtClean="0">
+              <a:ln>
+                <a:noFill/>
+              </a:ln>
+              <a:solidFill>
+                <a:srgbClr val="000000"/>
+              </a:solidFill>
+              <a:effectLst/>
+              <a:latin typeface="Arial" charset="0"/>
+            </a:endParaRPr>
+          </a:p>
+        </p:txBody>
+      </p:sp>
+      <p:pic>
+        <p:nvPicPr>
+          <p:cNvPr id="1026" name="Picture 2"/>
           <p:cNvPicPr>
             <a:picLocks noChangeAspect="1" noChangeArrowheads="1"/>
           </p:cNvPicPr>
           <p:nvPr/>
         </p:nvPicPr>
         <p:blipFill>
-          <a:blip r:embed="rId21" cstate="print">
+          <a:blip r:embed="rId27" cstate="print">
             <a:extLst>
               <a:ext uri="{28A0092B-C50C-407E-A947-70E740481C1C}">
                 <a14:useLocalDpi xmlns:a14="http://schemas.microsoft.com/office/drawing/2010/main" val="0"/>
@@ -11698,8 +13187,8 @@
         </p:blipFill>
         <p:spPr bwMode="auto">
           <a:xfrm>
-            <a:off x="12211050" y="18391981"/>
-            <a:ext cx="2314552" cy="3302198"/>
+            <a:off x="8554986" y="15648911"/>
+            <a:ext cx="1674864" cy="1676175"/>
           </a:xfrm>
           <a:prstGeom prst="rect">
             <a:avLst/>
@@ -11739,320 +13228,1423 @@
           </a:extLst>
         </p:spPr>
       </p:pic>
-      <p:pic>
-        <p:nvPicPr>
-          <p:cNvPr id="1031" name="Picture 4"/>
-          <p:cNvPicPr>
-            <a:picLocks noChangeAspect="1" noChangeArrowheads="1"/>
-          </p:cNvPicPr>
-          <p:nvPr/>
-        </p:nvPicPr>
-        <p:blipFill>
-          <a:blip r:embed="rId22" cstate="print">
-            <a:extLst>
-              <a:ext uri="{28A0092B-C50C-407E-A947-70E740481C1C}">
-                <a14:useLocalDpi xmlns:a14="http://schemas.microsoft.com/office/drawing/2010/main" val="0"/>
-              </a:ext>
-            </a:extLst>
-          </a:blip>
-          <a:srcRect/>
-          <a:stretch>
-            <a:fillRect/>
-          </a:stretch>
-        </p:blipFill>
-        <p:spPr bwMode="auto">
-          <a:xfrm>
-            <a:off x="9908113" y="19092375"/>
-            <a:ext cx="1585107" cy="1582858"/>
-          </a:xfrm>
-          <a:prstGeom prst="rect">
-            <a:avLst/>
-          </a:prstGeom>
-          <a:noFill/>
-          <a:ln>
-            <a:noFill/>
-          </a:ln>
-          <a:effectLst/>
-          <a:extLst>
-            <a:ext uri="{909E8E84-426E-40DD-AFC4-6F175D3DCCD1}">
-              <a14:hiddenFill xmlns:a14="http://schemas.microsoft.com/office/drawing/2010/main">
-                <a:solidFill>
-                  <a:schemeClr val="accent1"/>
-                </a:solidFill>
-              </a14:hiddenFill>
-            </a:ext>
-            <a:ext uri="{91240B29-F687-4F45-9708-019B960494DF}">
-              <a14:hiddenLine xmlns:a14="http://schemas.microsoft.com/office/drawing/2010/main" w="9525">
-                <a:solidFill>
-                  <a:schemeClr val="tx1"/>
-                </a:solidFill>
-                <a:miter lim="800000"/>
-                <a:headEnd/>
-                <a:tailEnd/>
-              </a14:hiddenLine>
-            </a:ext>
-            <a:ext uri="{AF507438-7753-43E0-B8FC-AC1667EBCBE1}">
-              <a14:hiddenEffects xmlns:a14="http://schemas.microsoft.com/office/drawing/2010/main">
-                <a:effectLst>
-                  <a:outerShdw dist="35921" dir="2700000" algn="ctr" rotWithShape="0">
-                    <a:schemeClr val="bg2"/>
-                  </a:outerShdw>
-                </a:effectLst>
-              </a14:hiddenEffects>
-            </a:ext>
-          </a:extLst>
-        </p:spPr>
-      </p:pic>
-      <p:sp>
-        <p:nvSpPr>
-          <p:cNvPr id="165" name="Striped Right Arrow 164"/>
-          <p:cNvSpPr/>
-          <p:nvPr/>
-        </p:nvSpPr>
-        <p:spPr bwMode="auto">
-          <a:xfrm>
-            <a:off x="8705850" y="19703443"/>
-            <a:ext cx="658137" cy="457200"/>
-          </a:xfrm>
-          <a:prstGeom prst="stripedRightArrow">
-            <a:avLst/>
-          </a:prstGeom>
-          <a:solidFill>
-            <a:schemeClr val="accent4"/>
-          </a:solidFill>
-          <a:ln>
-            <a:noFill/>
-          </a:ln>
-          <a:effectLst/>
-          <a:extLst/>
-        </p:spPr>
-        <p:txBody>
-          <a:bodyPr vert="horz" wrap="square" lIns="457200" tIns="228600" rIns="457200" bIns="228600" numCol="1" rtlCol="0" anchor="t" anchorCtr="0" compatLnSpc="1">
-            <a:prstTxWarp prst="textNoShape">
-              <a:avLst/>
-            </a:prstTxWarp>
-          </a:bodyPr>
-          <a:lstStyle/>
-          <a:p>
-            <a:pPr marL="0" marR="0" indent="0" algn="l" defTabSz="914400" rtl="0" eaLnBrk="1" fontAlgn="base" latinLnBrk="0" hangingPunct="1">
-              <a:lnSpc>
-                <a:spcPct val="100000"/>
-              </a:lnSpc>
-              <a:spcBef>
-                <a:spcPct val="20000"/>
-              </a:spcBef>
-              <a:spcAft>
-                <a:spcPct val="0"/>
-              </a:spcAft>
-              <a:buClrTx/>
-              <a:buSzTx/>
-              <a:buFontTx/>
-              <a:buNone/>
-              <a:tabLst/>
-            </a:pPr>
-            <a:endParaRPr kumimoji="0" lang="en-GB" sz="4600" b="0" i="0" u="none" strike="noStrike" cap="none" normalizeH="0" baseline="0" smtClean="0">
-              <a:ln>
-                <a:noFill/>
-              </a:ln>
-              <a:solidFill>
-                <a:srgbClr val="000000"/>
-              </a:solidFill>
-              <a:effectLst/>
-              <a:latin typeface="Arial" charset="0"/>
-            </a:endParaRPr>
-          </a:p>
-        </p:txBody>
-      </p:sp>
-      <p:cxnSp>
-        <p:nvCxnSpPr>
-          <p:cNvPr id="1033" name="Straight Arrow Connector 1032"/>
-          <p:cNvCxnSpPr/>
-          <p:nvPr/>
-        </p:nvCxnSpPr>
-        <p:spPr bwMode="auto">
-          <a:xfrm>
-            <a:off x="11677650" y="19883804"/>
-            <a:ext cx="457200" cy="0"/>
-          </a:xfrm>
-          <a:prstGeom prst="straightConnector1">
-            <a:avLst/>
-          </a:prstGeom>
-          <a:noFill/>
-          <a:ln w="101600" cap="flat" cmpd="sng" algn="ctr">
-            <a:solidFill>
-              <a:srgbClr val="C00000"/>
-            </a:solidFill>
-            <a:prstDash val="solid"/>
-            <a:round/>
-            <a:headEnd type="none" w="med" len="med"/>
-            <a:tailEnd type="triangle" w="sm" len="sm"/>
-          </a:ln>
-          <a:effectLst/>
-          <a:extLst>
-            <a:ext uri="{909E8E84-426E-40DD-AFC4-6F175D3DCCD1}">
-              <a14:hiddenFill xmlns:a14="http://schemas.microsoft.com/office/drawing/2010/main">
-                <a:solidFill>
-                  <a:schemeClr val="accent1"/>
-                </a:solidFill>
-              </a14:hiddenFill>
-            </a:ext>
-            <a:ext uri="{AF507438-7753-43E0-B8FC-AC1667EBCBE1}">
-              <a14:hiddenEffects xmlns:a14="http://schemas.microsoft.com/office/drawing/2010/main">
-                <a:effectLst>
-                  <a:outerShdw dist="35921" dir="2700000" algn="ctr" rotWithShape="0">
-                    <a:schemeClr val="bg2"/>
-                  </a:outerShdw>
-                </a:effectLst>
-              </a14:hiddenEffects>
-            </a:ext>
-          </a:extLst>
-        </p:spPr>
-      </p:cxnSp>
       <p:grpSp>
         <p:nvGrpSpPr>
-          <p:cNvPr id="169" name="Group 168"/>
+          <p:cNvPr id="17" name="Group 16"/>
           <p:cNvGrpSpPr/>
           <p:nvPr/>
         </p:nvGrpSpPr>
         <p:grpSpPr>
           <a:xfrm>
-            <a:off x="9772650" y="20761782"/>
-            <a:ext cx="1981200" cy="443151"/>
-            <a:chOff x="21416658" y="4904581"/>
-            <a:chExt cx="1719567" cy="228600"/>
+            <a:off x="8452870" y="17553054"/>
+            <a:ext cx="1853180" cy="381727"/>
+            <a:chOff x="5794191" y="17400654"/>
+            <a:chExt cx="2292474" cy="381727"/>
           </a:xfrm>
         </p:grpSpPr>
+        <p:grpSp>
+          <p:nvGrpSpPr>
+            <p:cNvPr id="152" name="Group 151"/>
+            <p:cNvGrpSpPr/>
+            <p:nvPr/>
+          </p:nvGrpSpPr>
+          <p:grpSpPr>
+            <a:xfrm>
+              <a:off x="5794191" y="17400654"/>
+              <a:ext cx="2292474" cy="381727"/>
+              <a:chOff x="21416658" y="4904581"/>
+              <a:chExt cx="1719567" cy="228600"/>
+            </a:xfrm>
+          </p:grpSpPr>
+          <p:sp>
+            <p:nvSpPr>
+              <p:cNvPr id="153" name="Pentagon 152"/>
+              <p:cNvSpPr/>
+              <p:nvPr/>
+            </p:nvSpPr>
+            <p:spPr bwMode="auto">
+              <a:xfrm flipH="1">
+                <a:off x="21416658" y="4904581"/>
+                <a:ext cx="1004869" cy="228600"/>
+              </a:xfrm>
+              <a:prstGeom prst="homePlate">
+                <a:avLst/>
+              </a:prstGeom>
+              <a:solidFill>
+                <a:srgbClr val="CC0000"/>
+              </a:solidFill>
+              <a:ln>
+                <a:noFill/>
+              </a:ln>
+              <a:effectLst/>
+              <a:extLst/>
+            </p:spPr>
+            <p:txBody>
+              <a:bodyPr vert="horz" wrap="square" lIns="457200" tIns="228600" rIns="457200" bIns="228600" numCol="1" rtlCol="0" anchor="t" anchorCtr="0" compatLnSpc="1">
+                <a:prstTxWarp prst="textNoShape">
+                  <a:avLst/>
+                </a:prstTxWarp>
+              </a:bodyPr>
+              <a:lstStyle/>
+              <a:p>
+                <a:pPr marL="0" marR="0" indent="0" algn="l" defTabSz="914400" rtl="0" eaLnBrk="1" fontAlgn="base" latinLnBrk="0" hangingPunct="1">
+                  <a:lnSpc>
+                    <a:spcPct val="100000"/>
+                  </a:lnSpc>
+                  <a:spcBef>
+                    <a:spcPct val="20000"/>
+                  </a:spcBef>
+                  <a:spcAft>
+                    <a:spcPct val="0"/>
+                  </a:spcAft>
+                  <a:buClrTx/>
+                  <a:buSzTx/>
+                  <a:buFontTx/>
+                  <a:buNone/>
+                  <a:tabLst/>
+                </a:pPr>
+                <a:endParaRPr kumimoji="0" lang="en-GB" sz="4600" b="0" i="0" u="none" strike="noStrike" cap="none" normalizeH="0" baseline="0" smtClean="0">
+                  <a:ln>
+                    <a:noFill/>
+                  </a:ln>
+                  <a:solidFill>
+                    <a:srgbClr val="000000"/>
+                  </a:solidFill>
+                  <a:effectLst/>
+                  <a:latin typeface="Arial" charset="0"/>
+                </a:endParaRPr>
+              </a:p>
+            </p:txBody>
+          </p:sp>
+          <p:sp>
+            <p:nvSpPr>
+              <p:cNvPr id="154" name="Pentagon 153"/>
+              <p:cNvSpPr/>
+              <p:nvPr/>
+            </p:nvSpPr>
+            <p:spPr bwMode="auto">
+              <a:xfrm>
+                <a:off x="22421528" y="4904581"/>
+                <a:ext cx="714697" cy="228600"/>
+              </a:xfrm>
+              <a:prstGeom prst="homePlate">
+                <a:avLst/>
+              </a:prstGeom>
+              <a:solidFill>
+                <a:srgbClr val="CC0000"/>
+              </a:solidFill>
+              <a:ln>
+                <a:noFill/>
+              </a:ln>
+              <a:effectLst/>
+              <a:extLst/>
+            </p:spPr>
+            <p:txBody>
+              <a:bodyPr vert="horz" wrap="square" lIns="457200" tIns="228600" rIns="457200" bIns="228600" numCol="1" rtlCol="0" anchor="t" anchorCtr="0" compatLnSpc="1">
+                <a:prstTxWarp prst="textNoShape">
+                  <a:avLst/>
+                </a:prstTxWarp>
+              </a:bodyPr>
+              <a:lstStyle/>
+              <a:p>
+                <a:pPr marL="0" marR="0" indent="0" algn="l" defTabSz="914400" rtl="0" eaLnBrk="1" fontAlgn="base" latinLnBrk="0" hangingPunct="1">
+                  <a:lnSpc>
+                    <a:spcPct val="100000"/>
+                  </a:lnSpc>
+                  <a:spcBef>
+                    <a:spcPct val="20000"/>
+                  </a:spcBef>
+                  <a:spcAft>
+                    <a:spcPct val="0"/>
+                  </a:spcAft>
+                  <a:buClrTx/>
+                  <a:buSzTx/>
+                  <a:buFontTx/>
+                  <a:buNone/>
+                  <a:tabLst/>
+                </a:pPr>
+                <a:endParaRPr kumimoji="0" lang="en-GB" sz="4600" b="0" i="0" u="none" strike="noStrike" cap="none" normalizeH="0" baseline="0" smtClean="0">
+                  <a:ln>
+                    <a:noFill/>
+                  </a:ln>
+                  <a:solidFill>
+                    <a:srgbClr val="000000"/>
+                  </a:solidFill>
+                  <a:effectLst/>
+                  <a:latin typeface="Arial" charset="0"/>
+                </a:endParaRPr>
+              </a:p>
+            </p:txBody>
+          </p:sp>
+        </p:grpSp>
         <p:sp>
           <p:nvSpPr>
-            <p:cNvPr id="170" name="Pentagon 169"/>
-            <p:cNvSpPr/>
+            <p:cNvPr id="155" name="TextBox 154"/>
+            <p:cNvSpPr txBox="1"/>
             <p:nvPr/>
           </p:nvSpPr>
-          <p:spPr bwMode="auto">
-            <a:xfrm flipH="1">
-              <a:off x="21416658" y="4904581"/>
-              <a:ext cx="1004869" cy="228600"/>
+          <p:spPr>
+            <a:xfrm>
+              <a:off x="5794192" y="17400654"/>
+              <a:ext cx="2277448" cy="369332"/>
             </a:xfrm>
-            <a:prstGeom prst="homePlate">
+            <a:prstGeom prst="rect">
               <a:avLst/>
             </a:prstGeom>
-            <a:solidFill>
-              <a:srgbClr val="CC0000"/>
-            </a:solidFill>
-            <a:ln>
-              <a:noFill/>
-            </a:ln>
-            <a:effectLst/>
-            <a:extLst/>
+            <a:noFill/>
           </p:spPr>
           <p:txBody>
-            <a:bodyPr vert="horz" wrap="square" lIns="457200" tIns="228600" rIns="457200" bIns="228600" numCol="1" rtlCol="0" anchor="t" anchorCtr="0" compatLnSpc="1">
-              <a:prstTxWarp prst="textNoShape">
-                <a:avLst/>
-              </a:prstTxWarp>
+            <a:bodyPr wrap="square" rtlCol="0">
+              <a:spAutoFit/>
             </a:bodyPr>
             <a:lstStyle/>
             <a:p>
-              <a:pPr marL="0" marR="0" indent="0" algn="l" defTabSz="914400" rtl="0" eaLnBrk="1" fontAlgn="base" latinLnBrk="0" hangingPunct="1">
-                <a:lnSpc>
-                  <a:spcPct val="100000"/>
-                </a:lnSpc>
-                <a:spcBef>
-                  <a:spcPct val="20000"/>
-                </a:spcBef>
-                <a:spcAft>
-                  <a:spcPct val="0"/>
-                </a:spcAft>
-                <a:buClrTx/>
-                <a:buSzTx/>
-                <a:buFontTx/>
-                <a:buNone/>
-                <a:tabLst/>
-              </a:pPr>
-              <a:endParaRPr kumimoji="0" lang="en-GB" sz="4600" b="0" i="0" u="none" strike="noStrike" cap="none" normalizeH="0" baseline="0" smtClean="0">
-                <a:ln>
-                  <a:noFill/>
-                </a:ln>
+              <a:pPr algn="ctr"/>
+              <a:r>
+                <a:rPr lang="en-GB" sz="1800" dirty="0" smtClean="0">
+                  <a:solidFill>
+                    <a:schemeClr val="bg1"/>
+                  </a:solidFill>
+                </a:rPr>
+                <a:t>2x CNN layers</a:t>
+              </a:r>
+              <a:endParaRPr lang="en-GB" sz="1800" dirty="0">
                 <a:solidFill>
-                  <a:srgbClr val="000000"/>
+                  <a:schemeClr val="bg1"/>
                 </a:solidFill>
-                <a:effectLst/>
-                <a:latin typeface="Arial" charset="0"/>
-              </a:endParaRPr>
-            </a:p>
-          </p:txBody>
-        </p:sp>
-        <p:sp>
-          <p:nvSpPr>
-            <p:cNvPr id="171" name="Pentagon 170"/>
-            <p:cNvSpPr/>
-            <p:nvPr/>
-          </p:nvSpPr>
-          <p:spPr bwMode="auto">
-            <a:xfrm>
-              <a:off x="22421528" y="4904581"/>
-              <a:ext cx="714697" cy="228600"/>
-            </a:xfrm>
-            <a:prstGeom prst="homePlate">
-              <a:avLst/>
-            </a:prstGeom>
-            <a:solidFill>
-              <a:srgbClr val="CC0000"/>
-            </a:solidFill>
-            <a:ln>
-              <a:noFill/>
-            </a:ln>
-            <a:effectLst/>
-            <a:extLst/>
-          </p:spPr>
-          <p:txBody>
-            <a:bodyPr vert="horz" wrap="square" lIns="457200" tIns="228600" rIns="457200" bIns="228600" numCol="1" rtlCol="0" anchor="t" anchorCtr="0" compatLnSpc="1">
-              <a:prstTxWarp prst="textNoShape">
-                <a:avLst/>
-              </a:prstTxWarp>
-            </a:bodyPr>
-            <a:lstStyle/>
-            <a:p>
-              <a:pPr marL="0" marR="0" indent="0" algn="l" defTabSz="914400" rtl="0" eaLnBrk="1" fontAlgn="base" latinLnBrk="0" hangingPunct="1">
-                <a:lnSpc>
-                  <a:spcPct val="100000"/>
-                </a:lnSpc>
-                <a:spcBef>
-                  <a:spcPct val="20000"/>
-                </a:spcBef>
-                <a:spcAft>
-                  <a:spcPct val="0"/>
-                </a:spcAft>
-                <a:buClrTx/>
-                <a:buSzTx/>
-                <a:buFontTx/>
-                <a:buNone/>
-                <a:tabLst/>
-              </a:pPr>
-              <a:endParaRPr kumimoji="0" lang="en-GB" sz="4600" b="0" i="0" u="none" strike="noStrike" cap="none" normalizeH="0" baseline="0" smtClean="0">
-                <a:ln>
-                  <a:noFill/>
-                </a:ln>
-                <a:solidFill>
-                  <a:srgbClr val="000000"/>
-                </a:solidFill>
-                <a:effectLst/>
-                <a:latin typeface="Arial" charset="0"/>
               </a:endParaRPr>
             </a:p>
           </p:txBody>
         </p:sp>
       </p:grpSp>
+      <p:grpSp>
+        <p:nvGrpSpPr>
+          <p:cNvPr id="156" name="Group 155"/>
+          <p:cNvGrpSpPr/>
+          <p:nvPr/>
+        </p:nvGrpSpPr>
+        <p:grpSpPr>
+          <a:xfrm>
+            <a:off x="6202692" y="17555150"/>
+            <a:ext cx="2001199" cy="379631"/>
+            <a:chOff x="6147789" y="13743054"/>
+            <a:chExt cx="2292474" cy="381727"/>
+          </a:xfrm>
+        </p:grpSpPr>
+        <p:grpSp>
+          <p:nvGrpSpPr>
+            <p:cNvPr id="157" name="Group 156"/>
+            <p:cNvGrpSpPr/>
+            <p:nvPr/>
+          </p:nvGrpSpPr>
+          <p:grpSpPr>
+            <a:xfrm>
+              <a:off x="6147789" y="13743054"/>
+              <a:ext cx="2292474" cy="381727"/>
+              <a:chOff x="21416658" y="4904581"/>
+              <a:chExt cx="1719567" cy="228600"/>
+            </a:xfrm>
+          </p:grpSpPr>
+          <p:sp>
+            <p:nvSpPr>
+              <p:cNvPr id="160" name="Pentagon 159"/>
+              <p:cNvSpPr/>
+              <p:nvPr/>
+            </p:nvSpPr>
+            <p:spPr bwMode="auto">
+              <a:xfrm flipH="1">
+                <a:off x="21416658" y="4904581"/>
+                <a:ext cx="1004869" cy="228600"/>
+              </a:xfrm>
+              <a:prstGeom prst="homePlate">
+                <a:avLst/>
+              </a:prstGeom>
+              <a:solidFill>
+                <a:srgbClr val="CC0000"/>
+              </a:solidFill>
+              <a:ln>
+                <a:noFill/>
+              </a:ln>
+              <a:effectLst/>
+              <a:extLst/>
+            </p:spPr>
+            <p:txBody>
+              <a:bodyPr vert="horz" wrap="square" lIns="457200" tIns="228600" rIns="457200" bIns="228600" numCol="1" rtlCol="0" anchor="t" anchorCtr="0" compatLnSpc="1">
+                <a:prstTxWarp prst="textNoShape">
+                  <a:avLst/>
+                </a:prstTxWarp>
+              </a:bodyPr>
+              <a:lstStyle/>
+              <a:p>
+                <a:pPr marL="0" marR="0" indent="0" algn="l" defTabSz="914400" rtl="0" eaLnBrk="1" fontAlgn="base" latinLnBrk="0" hangingPunct="1">
+                  <a:lnSpc>
+                    <a:spcPct val="100000"/>
+                  </a:lnSpc>
+                  <a:spcBef>
+                    <a:spcPct val="20000"/>
+                  </a:spcBef>
+                  <a:spcAft>
+                    <a:spcPct val="0"/>
+                  </a:spcAft>
+                  <a:buClrTx/>
+                  <a:buSzTx/>
+                  <a:buFontTx/>
+                  <a:buNone/>
+                  <a:tabLst/>
+                </a:pPr>
+                <a:endParaRPr kumimoji="0" lang="en-GB" sz="4600" b="0" i="0" u="none" strike="noStrike" cap="none" normalizeH="0" baseline="0" smtClean="0">
+                  <a:ln>
+                    <a:noFill/>
+                  </a:ln>
+                  <a:solidFill>
+                    <a:srgbClr val="000000"/>
+                  </a:solidFill>
+                  <a:effectLst/>
+                  <a:latin typeface="Arial" charset="0"/>
+                </a:endParaRPr>
+              </a:p>
+            </p:txBody>
+          </p:sp>
+          <p:sp>
+            <p:nvSpPr>
+              <p:cNvPr id="161" name="Pentagon 160"/>
+              <p:cNvSpPr/>
+              <p:nvPr/>
+            </p:nvSpPr>
+            <p:spPr bwMode="auto">
+              <a:xfrm>
+                <a:off x="22421528" y="4904581"/>
+                <a:ext cx="714697" cy="228600"/>
+              </a:xfrm>
+              <a:prstGeom prst="homePlate">
+                <a:avLst/>
+              </a:prstGeom>
+              <a:solidFill>
+                <a:srgbClr val="CC0000"/>
+              </a:solidFill>
+              <a:ln>
+                <a:noFill/>
+              </a:ln>
+              <a:effectLst/>
+              <a:extLst/>
+            </p:spPr>
+            <p:txBody>
+              <a:bodyPr vert="horz" wrap="square" lIns="457200" tIns="228600" rIns="457200" bIns="228600" numCol="1" rtlCol="0" anchor="t" anchorCtr="0" compatLnSpc="1">
+                <a:prstTxWarp prst="textNoShape">
+                  <a:avLst/>
+                </a:prstTxWarp>
+              </a:bodyPr>
+              <a:lstStyle/>
+              <a:p>
+                <a:pPr marL="0" marR="0" indent="0" algn="l" defTabSz="914400" rtl="0" eaLnBrk="1" fontAlgn="base" latinLnBrk="0" hangingPunct="1">
+                  <a:lnSpc>
+                    <a:spcPct val="100000"/>
+                  </a:lnSpc>
+                  <a:spcBef>
+                    <a:spcPct val="20000"/>
+                  </a:spcBef>
+                  <a:spcAft>
+                    <a:spcPct val="0"/>
+                  </a:spcAft>
+                  <a:buClrTx/>
+                  <a:buSzTx/>
+                  <a:buFontTx/>
+                  <a:buNone/>
+                  <a:tabLst/>
+                </a:pPr>
+                <a:endParaRPr kumimoji="0" lang="en-GB" sz="4600" b="0" i="0" u="none" strike="noStrike" cap="none" normalizeH="0" baseline="0" smtClean="0">
+                  <a:ln>
+                    <a:noFill/>
+                  </a:ln>
+                  <a:solidFill>
+                    <a:srgbClr val="000000"/>
+                  </a:solidFill>
+                  <a:effectLst/>
+                  <a:latin typeface="Arial" charset="0"/>
+                </a:endParaRPr>
+              </a:p>
+            </p:txBody>
+          </p:sp>
+        </p:grpSp>
+        <p:sp>
+          <p:nvSpPr>
+            <p:cNvPr id="158" name="TextBox 157"/>
+            <p:cNvSpPr txBox="1"/>
+            <p:nvPr/>
+          </p:nvSpPr>
+          <p:spPr>
+            <a:xfrm>
+              <a:off x="6202628" y="13748669"/>
+              <a:ext cx="2127499" cy="369332"/>
+            </a:xfrm>
+            <a:prstGeom prst="rect">
+              <a:avLst/>
+            </a:prstGeom>
+            <a:noFill/>
+          </p:spPr>
+          <p:txBody>
+            <a:bodyPr wrap="square" rtlCol="0">
+              <a:spAutoFit/>
+            </a:bodyPr>
+            <a:lstStyle/>
+            <a:p>
+              <a:pPr algn="ctr"/>
+              <a:r>
+                <a:rPr lang="en-GB" sz="1800" dirty="0" smtClean="0">
+                  <a:solidFill>
+                    <a:schemeClr val="bg1"/>
+                  </a:solidFill>
+                </a:rPr>
+                <a:t>Input image</a:t>
+              </a:r>
+              <a:endParaRPr lang="en-GB" sz="1800" dirty="0">
+                <a:solidFill>
+                  <a:schemeClr val="bg1"/>
+                </a:solidFill>
+              </a:endParaRPr>
+            </a:p>
+          </p:txBody>
+        </p:sp>
+      </p:grpSp>
+      <p:grpSp>
+        <p:nvGrpSpPr>
+          <p:cNvPr id="162" name="Group 161"/>
+          <p:cNvGrpSpPr/>
+          <p:nvPr/>
+        </p:nvGrpSpPr>
+        <p:grpSpPr>
+          <a:xfrm>
+            <a:off x="16864289" y="17515681"/>
+            <a:ext cx="2357161" cy="647700"/>
+            <a:chOff x="5794191" y="17400654"/>
+            <a:chExt cx="2300180" cy="647700"/>
+          </a:xfrm>
+        </p:grpSpPr>
+        <p:grpSp>
+          <p:nvGrpSpPr>
+            <p:cNvPr id="163" name="Group 162"/>
+            <p:cNvGrpSpPr/>
+            <p:nvPr/>
+          </p:nvGrpSpPr>
+          <p:grpSpPr>
+            <a:xfrm>
+              <a:off x="5794191" y="17400654"/>
+              <a:ext cx="2292474" cy="381727"/>
+              <a:chOff x="21416658" y="4904581"/>
+              <a:chExt cx="1719567" cy="228600"/>
+            </a:xfrm>
+          </p:grpSpPr>
+          <p:sp>
+            <p:nvSpPr>
+              <p:cNvPr id="166" name="Pentagon 165"/>
+              <p:cNvSpPr/>
+              <p:nvPr/>
+            </p:nvSpPr>
+            <p:spPr bwMode="auto">
+              <a:xfrm flipH="1">
+                <a:off x="21416658" y="4904581"/>
+                <a:ext cx="1004869" cy="228600"/>
+              </a:xfrm>
+              <a:prstGeom prst="homePlate">
+                <a:avLst/>
+              </a:prstGeom>
+              <a:solidFill>
+                <a:srgbClr val="CC0000"/>
+              </a:solidFill>
+              <a:ln>
+                <a:noFill/>
+              </a:ln>
+              <a:effectLst/>
+              <a:extLst/>
+            </p:spPr>
+            <p:txBody>
+              <a:bodyPr vert="horz" wrap="square" lIns="457200" tIns="228600" rIns="457200" bIns="228600" numCol="1" rtlCol="0" anchor="t" anchorCtr="0" compatLnSpc="1">
+                <a:prstTxWarp prst="textNoShape">
+                  <a:avLst/>
+                </a:prstTxWarp>
+              </a:bodyPr>
+              <a:lstStyle/>
+              <a:p>
+                <a:pPr marL="0" marR="0" indent="0" algn="l" defTabSz="914400" rtl="0" eaLnBrk="1" fontAlgn="base" latinLnBrk="0" hangingPunct="1">
+                  <a:lnSpc>
+                    <a:spcPct val="100000"/>
+                  </a:lnSpc>
+                  <a:spcBef>
+                    <a:spcPct val="20000"/>
+                  </a:spcBef>
+                  <a:spcAft>
+                    <a:spcPct val="0"/>
+                  </a:spcAft>
+                  <a:buClrTx/>
+                  <a:buSzTx/>
+                  <a:buFontTx/>
+                  <a:buNone/>
+                  <a:tabLst/>
+                </a:pPr>
+                <a:endParaRPr kumimoji="0" lang="en-GB" sz="4600" b="0" i="0" u="none" strike="noStrike" cap="none" normalizeH="0" baseline="0" smtClean="0">
+                  <a:ln>
+                    <a:noFill/>
+                  </a:ln>
+                  <a:solidFill>
+                    <a:srgbClr val="000000"/>
+                  </a:solidFill>
+                  <a:effectLst/>
+                  <a:latin typeface="Arial" charset="0"/>
+                </a:endParaRPr>
+              </a:p>
+            </p:txBody>
+          </p:sp>
+          <p:sp>
+            <p:nvSpPr>
+              <p:cNvPr id="167" name="Pentagon 166"/>
+              <p:cNvSpPr/>
+              <p:nvPr/>
+            </p:nvSpPr>
+            <p:spPr bwMode="auto">
+              <a:xfrm>
+                <a:off x="22421528" y="4904581"/>
+                <a:ext cx="714697" cy="228600"/>
+              </a:xfrm>
+              <a:prstGeom prst="homePlate">
+                <a:avLst/>
+              </a:prstGeom>
+              <a:solidFill>
+                <a:srgbClr val="CC0000"/>
+              </a:solidFill>
+              <a:ln>
+                <a:noFill/>
+              </a:ln>
+              <a:effectLst/>
+              <a:extLst/>
+            </p:spPr>
+            <p:txBody>
+              <a:bodyPr vert="horz" wrap="square" lIns="457200" tIns="228600" rIns="457200" bIns="228600" numCol="1" rtlCol="0" anchor="t" anchorCtr="0" compatLnSpc="1">
+                <a:prstTxWarp prst="textNoShape">
+                  <a:avLst/>
+                </a:prstTxWarp>
+              </a:bodyPr>
+              <a:lstStyle/>
+              <a:p>
+                <a:pPr marL="0" marR="0" indent="0" algn="l" defTabSz="914400" rtl="0" eaLnBrk="1" fontAlgn="base" latinLnBrk="0" hangingPunct="1">
+                  <a:lnSpc>
+                    <a:spcPct val="100000"/>
+                  </a:lnSpc>
+                  <a:spcBef>
+                    <a:spcPct val="20000"/>
+                  </a:spcBef>
+                  <a:spcAft>
+                    <a:spcPct val="0"/>
+                  </a:spcAft>
+                  <a:buClrTx/>
+                  <a:buSzTx/>
+                  <a:buFontTx/>
+                  <a:buNone/>
+                  <a:tabLst/>
+                </a:pPr>
+                <a:endParaRPr kumimoji="0" lang="en-GB" sz="4600" b="0" i="0" u="none" strike="noStrike" cap="none" normalizeH="0" baseline="0" smtClean="0">
+                  <a:ln>
+                    <a:noFill/>
+                  </a:ln>
+                  <a:solidFill>
+                    <a:srgbClr val="000000"/>
+                  </a:solidFill>
+                  <a:effectLst/>
+                  <a:latin typeface="Arial" charset="0"/>
+                </a:endParaRPr>
+              </a:p>
+            </p:txBody>
+          </p:sp>
+        </p:grpSp>
+        <p:sp>
+          <p:nvSpPr>
+            <p:cNvPr id="164" name="TextBox 163"/>
+            <p:cNvSpPr txBox="1"/>
+            <p:nvPr/>
+          </p:nvSpPr>
+          <p:spPr>
+            <a:xfrm>
+              <a:off x="5816923" y="17402023"/>
+              <a:ext cx="2277448" cy="646331"/>
+            </a:xfrm>
+            <a:prstGeom prst="rect">
+              <a:avLst/>
+            </a:prstGeom>
+            <a:noFill/>
+          </p:spPr>
+          <p:txBody>
+            <a:bodyPr wrap="square" rtlCol="0">
+              <a:spAutoFit/>
+            </a:bodyPr>
+            <a:lstStyle/>
+            <a:p>
+              <a:pPr algn="ctr"/>
+              <a:r>
+                <a:rPr lang="en-GB" sz="1800" dirty="0" smtClean="0">
+                  <a:solidFill>
+                    <a:schemeClr val="bg1"/>
+                  </a:solidFill>
+                </a:rPr>
+                <a:t>Output histogram</a:t>
+              </a:r>
+              <a:endParaRPr lang="en-GB" sz="1800" dirty="0">
+                <a:solidFill>
+                  <a:schemeClr val="bg1"/>
+                </a:solidFill>
+              </a:endParaRPr>
+            </a:p>
+          </p:txBody>
+        </p:sp>
+      </p:grpSp>
+      <p:grpSp>
+        <p:nvGrpSpPr>
+          <p:cNvPr id="168" name="Group 167"/>
+          <p:cNvGrpSpPr/>
+          <p:nvPr/>
+        </p:nvGrpSpPr>
+        <p:grpSpPr>
+          <a:xfrm>
+            <a:off x="13277850" y="13579201"/>
+            <a:ext cx="2085245" cy="381256"/>
+            <a:chOff x="16456452" y="13683387"/>
+            <a:chExt cx="2460199" cy="381256"/>
+          </a:xfrm>
+        </p:grpSpPr>
+        <p:grpSp>
+          <p:nvGrpSpPr>
+            <p:cNvPr id="173" name="Group 172"/>
+            <p:cNvGrpSpPr/>
+            <p:nvPr/>
+          </p:nvGrpSpPr>
+          <p:grpSpPr>
+            <a:xfrm>
+              <a:off x="16456452" y="13683387"/>
+              <a:ext cx="2409881" cy="381256"/>
+              <a:chOff x="21416658" y="4904581"/>
+              <a:chExt cx="1719567" cy="228600"/>
+            </a:xfrm>
+          </p:grpSpPr>
+          <p:sp>
+            <p:nvSpPr>
+              <p:cNvPr id="175" name="Pentagon 174"/>
+              <p:cNvSpPr/>
+              <p:nvPr/>
+            </p:nvSpPr>
+            <p:spPr bwMode="auto">
+              <a:xfrm flipH="1">
+                <a:off x="21416658" y="4904581"/>
+                <a:ext cx="1004869" cy="228600"/>
+              </a:xfrm>
+              <a:prstGeom prst="homePlate">
+                <a:avLst/>
+              </a:prstGeom>
+              <a:solidFill>
+                <a:srgbClr val="CC0000"/>
+              </a:solidFill>
+              <a:ln>
+                <a:noFill/>
+              </a:ln>
+              <a:effectLst/>
+              <a:extLst/>
+            </p:spPr>
+            <p:txBody>
+              <a:bodyPr vert="horz" wrap="square" lIns="457200" tIns="228600" rIns="457200" bIns="228600" numCol="1" rtlCol="0" anchor="t" anchorCtr="0" compatLnSpc="1">
+                <a:prstTxWarp prst="textNoShape">
+                  <a:avLst/>
+                </a:prstTxWarp>
+              </a:bodyPr>
+              <a:lstStyle/>
+              <a:p>
+                <a:pPr marL="0" marR="0" indent="0" algn="l" defTabSz="914400" rtl="0" eaLnBrk="1" fontAlgn="base" latinLnBrk="0" hangingPunct="1">
+                  <a:lnSpc>
+                    <a:spcPct val="100000"/>
+                  </a:lnSpc>
+                  <a:spcBef>
+                    <a:spcPct val="20000"/>
+                  </a:spcBef>
+                  <a:spcAft>
+                    <a:spcPct val="0"/>
+                  </a:spcAft>
+                  <a:buClrTx/>
+                  <a:buSzTx/>
+                  <a:buFontTx/>
+                  <a:buNone/>
+                  <a:tabLst/>
+                </a:pPr>
+                <a:endParaRPr kumimoji="0" lang="en-GB" sz="4600" b="0" i="0" u="none" strike="noStrike" cap="none" normalizeH="0" baseline="0" smtClean="0">
+                  <a:ln>
+                    <a:noFill/>
+                  </a:ln>
+                  <a:solidFill>
+                    <a:srgbClr val="000000"/>
+                  </a:solidFill>
+                  <a:effectLst/>
+                  <a:latin typeface="Arial" charset="0"/>
+                </a:endParaRPr>
+              </a:p>
+            </p:txBody>
+          </p:sp>
+          <p:sp>
+            <p:nvSpPr>
+              <p:cNvPr id="176" name="Pentagon 175"/>
+              <p:cNvSpPr/>
+              <p:nvPr/>
+            </p:nvSpPr>
+            <p:spPr bwMode="auto">
+              <a:xfrm>
+                <a:off x="22421528" y="4904581"/>
+                <a:ext cx="714697" cy="228600"/>
+              </a:xfrm>
+              <a:prstGeom prst="homePlate">
+                <a:avLst/>
+              </a:prstGeom>
+              <a:solidFill>
+                <a:srgbClr val="CC0000"/>
+              </a:solidFill>
+              <a:ln>
+                <a:noFill/>
+              </a:ln>
+              <a:effectLst/>
+              <a:extLst/>
+            </p:spPr>
+            <p:txBody>
+              <a:bodyPr vert="horz" wrap="square" lIns="457200" tIns="228600" rIns="457200" bIns="228600" numCol="1" rtlCol="0" anchor="t" anchorCtr="0" compatLnSpc="1">
+                <a:prstTxWarp prst="textNoShape">
+                  <a:avLst/>
+                </a:prstTxWarp>
+              </a:bodyPr>
+              <a:lstStyle/>
+              <a:p>
+                <a:pPr marL="0" marR="0" indent="0" algn="l" defTabSz="914400" rtl="0" eaLnBrk="1" fontAlgn="base" latinLnBrk="0" hangingPunct="1">
+                  <a:lnSpc>
+                    <a:spcPct val="100000"/>
+                  </a:lnSpc>
+                  <a:spcBef>
+                    <a:spcPct val="20000"/>
+                  </a:spcBef>
+                  <a:spcAft>
+                    <a:spcPct val="0"/>
+                  </a:spcAft>
+                  <a:buClrTx/>
+                  <a:buSzTx/>
+                  <a:buFontTx/>
+                  <a:buNone/>
+                  <a:tabLst/>
+                </a:pPr>
+                <a:endParaRPr kumimoji="0" lang="en-GB" sz="4600" b="0" i="0" u="none" strike="noStrike" cap="none" normalizeH="0" baseline="0" smtClean="0">
+                  <a:ln>
+                    <a:noFill/>
+                  </a:ln>
+                  <a:solidFill>
+                    <a:srgbClr val="000000"/>
+                  </a:solidFill>
+                  <a:effectLst/>
+                  <a:latin typeface="Arial" charset="0"/>
+                </a:endParaRPr>
+              </a:p>
+            </p:txBody>
+          </p:sp>
+        </p:grpSp>
+        <p:sp>
+          <p:nvSpPr>
+            <p:cNvPr id="174" name="TextBox 173"/>
+            <p:cNvSpPr txBox="1"/>
+            <p:nvPr/>
+          </p:nvSpPr>
+          <p:spPr>
+            <a:xfrm>
+              <a:off x="16456453" y="13695311"/>
+              <a:ext cx="2460198" cy="369332"/>
+            </a:xfrm>
+            <a:prstGeom prst="rect">
+              <a:avLst/>
+            </a:prstGeom>
+            <a:noFill/>
+          </p:spPr>
+          <p:txBody>
+            <a:bodyPr wrap="square" rtlCol="0">
+              <a:spAutoFit/>
+            </a:bodyPr>
+            <a:lstStyle/>
+            <a:p>
+              <a:pPr algn="ctr"/>
+              <a:r>
+                <a:rPr lang="en-GB" sz="1800" dirty="0" smtClean="0">
+                  <a:solidFill>
+                    <a:schemeClr val="bg1"/>
+                  </a:solidFill>
+                </a:rPr>
+                <a:t>Weighted sum</a:t>
+              </a:r>
+              <a:endParaRPr lang="en-GB" sz="1800" dirty="0">
+                <a:solidFill>
+                  <a:schemeClr val="bg1"/>
+                </a:solidFill>
+              </a:endParaRPr>
+            </a:p>
+          </p:txBody>
+        </p:sp>
+      </p:grpSp>
+      <p:grpSp>
+        <p:nvGrpSpPr>
+          <p:cNvPr id="177" name="Group 176"/>
+          <p:cNvGrpSpPr/>
+          <p:nvPr/>
+        </p:nvGrpSpPr>
+        <p:grpSpPr>
+          <a:xfrm>
+            <a:off x="9897205" y="13567277"/>
+            <a:ext cx="2085245" cy="381256"/>
+            <a:chOff x="16456452" y="13683387"/>
+            <a:chExt cx="2460199" cy="381256"/>
+          </a:xfrm>
+        </p:grpSpPr>
+        <p:grpSp>
+          <p:nvGrpSpPr>
+            <p:cNvPr id="178" name="Group 177"/>
+            <p:cNvGrpSpPr/>
+            <p:nvPr/>
+          </p:nvGrpSpPr>
+          <p:grpSpPr>
+            <a:xfrm>
+              <a:off x="16456452" y="13683387"/>
+              <a:ext cx="2409881" cy="381256"/>
+              <a:chOff x="21416658" y="4904581"/>
+              <a:chExt cx="1719567" cy="228600"/>
+            </a:xfrm>
+          </p:grpSpPr>
+          <p:sp>
+            <p:nvSpPr>
+              <p:cNvPr id="180" name="Pentagon 179"/>
+              <p:cNvSpPr/>
+              <p:nvPr/>
+            </p:nvSpPr>
+            <p:spPr bwMode="auto">
+              <a:xfrm flipH="1">
+                <a:off x="21416658" y="4904581"/>
+                <a:ext cx="1004869" cy="228600"/>
+              </a:xfrm>
+              <a:prstGeom prst="homePlate">
+                <a:avLst/>
+              </a:prstGeom>
+              <a:solidFill>
+                <a:srgbClr val="CC0000"/>
+              </a:solidFill>
+              <a:ln>
+                <a:noFill/>
+              </a:ln>
+              <a:effectLst/>
+              <a:extLst/>
+            </p:spPr>
+            <p:txBody>
+              <a:bodyPr vert="horz" wrap="square" lIns="457200" tIns="228600" rIns="457200" bIns="228600" numCol="1" rtlCol="0" anchor="t" anchorCtr="0" compatLnSpc="1">
+                <a:prstTxWarp prst="textNoShape">
+                  <a:avLst/>
+                </a:prstTxWarp>
+              </a:bodyPr>
+              <a:lstStyle/>
+              <a:p>
+                <a:pPr marL="0" marR="0" indent="0" algn="l" defTabSz="914400" rtl="0" eaLnBrk="1" fontAlgn="base" latinLnBrk="0" hangingPunct="1">
+                  <a:lnSpc>
+                    <a:spcPct val="100000"/>
+                  </a:lnSpc>
+                  <a:spcBef>
+                    <a:spcPct val="20000"/>
+                  </a:spcBef>
+                  <a:spcAft>
+                    <a:spcPct val="0"/>
+                  </a:spcAft>
+                  <a:buClrTx/>
+                  <a:buSzTx/>
+                  <a:buFontTx/>
+                  <a:buNone/>
+                  <a:tabLst/>
+                </a:pPr>
+                <a:endParaRPr kumimoji="0" lang="en-GB" sz="4600" b="0" i="0" u="none" strike="noStrike" cap="none" normalizeH="0" baseline="0" smtClean="0">
+                  <a:ln>
+                    <a:noFill/>
+                  </a:ln>
+                  <a:solidFill>
+                    <a:srgbClr val="000000"/>
+                  </a:solidFill>
+                  <a:effectLst/>
+                  <a:latin typeface="Arial" charset="0"/>
+                </a:endParaRPr>
+              </a:p>
+            </p:txBody>
+          </p:sp>
+          <p:sp>
+            <p:nvSpPr>
+              <p:cNvPr id="181" name="Pentagon 180"/>
+              <p:cNvSpPr/>
+              <p:nvPr/>
+            </p:nvSpPr>
+            <p:spPr bwMode="auto">
+              <a:xfrm>
+                <a:off x="22421528" y="4904581"/>
+                <a:ext cx="714697" cy="228600"/>
+              </a:xfrm>
+              <a:prstGeom prst="homePlate">
+                <a:avLst/>
+              </a:prstGeom>
+              <a:solidFill>
+                <a:srgbClr val="CC0000"/>
+              </a:solidFill>
+              <a:ln>
+                <a:noFill/>
+              </a:ln>
+              <a:effectLst/>
+              <a:extLst/>
+            </p:spPr>
+            <p:txBody>
+              <a:bodyPr vert="horz" wrap="square" lIns="457200" tIns="228600" rIns="457200" bIns="228600" numCol="1" rtlCol="0" anchor="t" anchorCtr="0" compatLnSpc="1">
+                <a:prstTxWarp prst="textNoShape">
+                  <a:avLst/>
+                </a:prstTxWarp>
+              </a:bodyPr>
+              <a:lstStyle/>
+              <a:p>
+                <a:pPr marL="0" marR="0" indent="0" algn="l" defTabSz="914400" rtl="0" eaLnBrk="1" fontAlgn="base" latinLnBrk="0" hangingPunct="1">
+                  <a:lnSpc>
+                    <a:spcPct val="100000"/>
+                  </a:lnSpc>
+                  <a:spcBef>
+                    <a:spcPct val="20000"/>
+                  </a:spcBef>
+                  <a:spcAft>
+                    <a:spcPct val="0"/>
+                  </a:spcAft>
+                  <a:buClrTx/>
+                  <a:buSzTx/>
+                  <a:buFontTx/>
+                  <a:buNone/>
+                  <a:tabLst/>
+                </a:pPr>
+                <a:endParaRPr kumimoji="0" lang="en-GB" sz="4600" b="0" i="0" u="none" strike="noStrike" cap="none" normalizeH="0" baseline="0" smtClean="0">
+                  <a:ln>
+                    <a:noFill/>
+                  </a:ln>
+                  <a:solidFill>
+                    <a:srgbClr val="000000"/>
+                  </a:solidFill>
+                  <a:effectLst/>
+                  <a:latin typeface="Arial" charset="0"/>
+                </a:endParaRPr>
+              </a:p>
+            </p:txBody>
+          </p:sp>
+        </p:grpSp>
+        <p:sp>
+          <p:nvSpPr>
+            <p:cNvPr id="179" name="TextBox 178"/>
+            <p:cNvSpPr txBox="1"/>
+            <p:nvPr/>
+          </p:nvSpPr>
+          <p:spPr>
+            <a:xfrm>
+              <a:off x="16456453" y="13695311"/>
+              <a:ext cx="2460198" cy="369332"/>
+            </a:xfrm>
+            <a:prstGeom prst="rect">
+              <a:avLst/>
+            </a:prstGeom>
+            <a:noFill/>
+          </p:spPr>
+          <p:txBody>
+            <a:bodyPr wrap="square" rtlCol="0">
+              <a:spAutoFit/>
+            </a:bodyPr>
+            <a:lstStyle/>
+            <a:p>
+              <a:pPr algn="ctr"/>
+              <a:r>
+                <a:rPr lang="en-GB" sz="1800" dirty="0" smtClean="0">
+                  <a:solidFill>
+                    <a:schemeClr val="bg1"/>
+                  </a:solidFill>
+                </a:rPr>
+                <a:t>Fixed filters</a:t>
+              </a:r>
+              <a:endParaRPr lang="en-GB" sz="1800" dirty="0">
+                <a:solidFill>
+                  <a:schemeClr val="bg1"/>
+                </a:solidFill>
+              </a:endParaRPr>
+            </a:p>
+          </p:txBody>
+        </p:sp>
+      </p:grpSp>
+      <p:grpSp>
+        <p:nvGrpSpPr>
+          <p:cNvPr id="182" name="Group 181"/>
+          <p:cNvGrpSpPr/>
+          <p:nvPr/>
+        </p:nvGrpSpPr>
+        <p:grpSpPr>
+          <a:xfrm>
+            <a:off x="10745280" y="17553525"/>
+            <a:ext cx="2380170" cy="381256"/>
+            <a:chOff x="16456452" y="13683387"/>
+            <a:chExt cx="2460199" cy="381256"/>
+          </a:xfrm>
+        </p:grpSpPr>
+        <p:grpSp>
+          <p:nvGrpSpPr>
+            <p:cNvPr id="183" name="Group 182"/>
+            <p:cNvGrpSpPr/>
+            <p:nvPr/>
+          </p:nvGrpSpPr>
+          <p:grpSpPr>
+            <a:xfrm>
+              <a:off x="16456452" y="13683387"/>
+              <a:ext cx="2409881" cy="381256"/>
+              <a:chOff x="21416658" y="4904581"/>
+              <a:chExt cx="1719567" cy="228600"/>
+            </a:xfrm>
+          </p:grpSpPr>
+          <p:sp>
+            <p:nvSpPr>
+              <p:cNvPr id="185" name="Pentagon 184"/>
+              <p:cNvSpPr/>
+              <p:nvPr/>
+            </p:nvSpPr>
+            <p:spPr bwMode="auto">
+              <a:xfrm flipH="1">
+                <a:off x="21416658" y="4904581"/>
+                <a:ext cx="1004869" cy="228600"/>
+              </a:xfrm>
+              <a:prstGeom prst="homePlate">
+                <a:avLst/>
+              </a:prstGeom>
+              <a:solidFill>
+                <a:srgbClr val="CC0000"/>
+              </a:solidFill>
+              <a:ln>
+                <a:noFill/>
+              </a:ln>
+              <a:effectLst/>
+              <a:extLst/>
+            </p:spPr>
+            <p:txBody>
+              <a:bodyPr vert="horz" wrap="square" lIns="457200" tIns="228600" rIns="457200" bIns="228600" numCol="1" rtlCol="0" anchor="t" anchorCtr="0" compatLnSpc="1">
+                <a:prstTxWarp prst="textNoShape">
+                  <a:avLst/>
+                </a:prstTxWarp>
+              </a:bodyPr>
+              <a:lstStyle/>
+              <a:p>
+                <a:pPr marL="0" marR="0" indent="0" algn="l" defTabSz="914400" rtl="0" eaLnBrk="1" fontAlgn="base" latinLnBrk="0" hangingPunct="1">
+                  <a:lnSpc>
+                    <a:spcPct val="100000"/>
+                  </a:lnSpc>
+                  <a:spcBef>
+                    <a:spcPct val="20000"/>
+                  </a:spcBef>
+                  <a:spcAft>
+                    <a:spcPct val="0"/>
+                  </a:spcAft>
+                  <a:buClrTx/>
+                  <a:buSzTx/>
+                  <a:buFontTx/>
+                  <a:buNone/>
+                  <a:tabLst/>
+                </a:pPr>
+                <a:endParaRPr kumimoji="0" lang="en-GB" sz="4600" b="0" i="0" u="none" strike="noStrike" cap="none" normalizeH="0" baseline="0" smtClean="0">
+                  <a:ln>
+                    <a:noFill/>
+                  </a:ln>
+                  <a:solidFill>
+                    <a:srgbClr val="000000"/>
+                  </a:solidFill>
+                  <a:effectLst/>
+                  <a:latin typeface="Arial" charset="0"/>
+                </a:endParaRPr>
+              </a:p>
+            </p:txBody>
+          </p:sp>
+          <p:sp>
+            <p:nvSpPr>
+              <p:cNvPr id="186" name="Pentagon 185"/>
+              <p:cNvSpPr/>
+              <p:nvPr/>
+            </p:nvSpPr>
+            <p:spPr bwMode="auto">
+              <a:xfrm>
+                <a:off x="22421528" y="4904581"/>
+                <a:ext cx="714697" cy="228600"/>
+              </a:xfrm>
+              <a:prstGeom prst="homePlate">
+                <a:avLst/>
+              </a:prstGeom>
+              <a:solidFill>
+                <a:srgbClr val="CC0000"/>
+              </a:solidFill>
+              <a:ln>
+                <a:noFill/>
+              </a:ln>
+              <a:effectLst/>
+              <a:extLst/>
+            </p:spPr>
+            <p:txBody>
+              <a:bodyPr vert="horz" wrap="square" lIns="457200" tIns="228600" rIns="457200" bIns="228600" numCol="1" rtlCol="0" anchor="t" anchorCtr="0" compatLnSpc="1">
+                <a:prstTxWarp prst="textNoShape">
+                  <a:avLst/>
+                </a:prstTxWarp>
+              </a:bodyPr>
+              <a:lstStyle/>
+              <a:p>
+                <a:pPr marL="0" marR="0" indent="0" algn="l" defTabSz="914400" rtl="0" eaLnBrk="1" fontAlgn="base" latinLnBrk="0" hangingPunct="1">
+                  <a:lnSpc>
+                    <a:spcPct val="100000"/>
+                  </a:lnSpc>
+                  <a:spcBef>
+                    <a:spcPct val="20000"/>
+                  </a:spcBef>
+                  <a:spcAft>
+                    <a:spcPct val="0"/>
+                  </a:spcAft>
+                  <a:buClrTx/>
+                  <a:buSzTx/>
+                  <a:buFontTx/>
+                  <a:buNone/>
+                  <a:tabLst/>
+                </a:pPr>
+                <a:endParaRPr kumimoji="0" lang="en-GB" sz="4600" b="0" i="0" u="none" strike="noStrike" cap="none" normalizeH="0" baseline="0" smtClean="0">
+                  <a:ln>
+                    <a:noFill/>
+                  </a:ln>
+                  <a:solidFill>
+                    <a:srgbClr val="000000"/>
+                  </a:solidFill>
+                  <a:effectLst/>
+                  <a:latin typeface="Arial" charset="0"/>
+                </a:endParaRPr>
+              </a:p>
+            </p:txBody>
+          </p:sp>
+        </p:grpSp>
+        <p:sp>
+          <p:nvSpPr>
+            <p:cNvPr id="184" name="TextBox 183"/>
+            <p:cNvSpPr txBox="1"/>
+            <p:nvPr/>
+          </p:nvSpPr>
+          <p:spPr>
+            <a:xfrm>
+              <a:off x="16456453" y="13695311"/>
+              <a:ext cx="2460198" cy="369332"/>
+            </a:xfrm>
+            <a:prstGeom prst="rect">
+              <a:avLst/>
+            </a:prstGeom>
+            <a:noFill/>
+          </p:spPr>
+          <p:txBody>
+            <a:bodyPr wrap="square" rtlCol="0">
+              <a:spAutoFit/>
+            </a:bodyPr>
+            <a:lstStyle/>
+            <a:p>
+              <a:pPr algn="ctr"/>
+              <a:r>
+                <a:rPr lang="en-GB" sz="1800" dirty="0" smtClean="0">
+                  <a:solidFill>
+                    <a:schemeClr val="bg1"/>
+                  </a:solidFill>
+                </a:rPr>
+                <a:t>Sum of fixed filters</a:t>
+              </a:r>
+              <a:endParaRPr lang="en-GB" sz="1800" dirty="0">
+                <a:solidFill>
+                  <a:schemeClr val="bg1"/>
+                </a:solidFill>
+              </a:endParaRPr>
+            </a:p>
+          </p:txBody>
+        </p:sp>
+      </p:grpSp>
+      <p:grpSp>
+        <p:nvGrpSpPr>
+          <p:cNvPr id="187" name="Group 186"/>
+          <p:cNvGrpSpPr/>
+          <p:nvPr/>
+        </p:nvGrpSpPr>
+        <p:grpSpPr>
+          <a:xfrm>
+            <a:off x="14012005" y="17541130"/>
+            <a:ext cx="2085245" cy="381256"/>
+            <a:chOff x="16456452" y="13683387"/>
+            <a:chExt cx="2460199" cy="381256"/>
+          </a:xfrm>
+        </p:grpSpPr>
+        <p:grpSp>
+          <p:nvGrpSpPr>
+            <p:cNvPr id="188" name="Group 187"/>
+            <p:cNvGrpSpPr/>
+            <p:nvPr/>
+          </p:nvGrpSpPr>
+          <p:grpSpPr>
+            <a:xfrm>
+              <a:off x="16456452" y="13683387"/>
+              <a:ext cx="2409881" cy="381256"/>
+              <a:chOff x="21416658" y="4904581"/>
+              <a:chExt cx="1719567" cy="228600"/>
+            </a:xfrm>
+          </p:grpSpPr>
+          <p:sp>
+            <p:nvSpPr>
+              <p:cNvPr id="190" name="Pentagon 189"/>
+              <p:cNvSpPr/>
+              <p:nvPr/>
+            </p:nvSpPr>
+            <p:spPr bwMode="auto">
+              <a:xfrm flipH="1">
+                <a:off x="21416658" y="4904581"/>
+                <a:ext cx="1004869" cy="228600"/>
+              </a:xfrm>
+              <a:prstGeom prst="homePlate">
+                <a:avLst/>
+              </a:prstGeom>
+              <a:solidFill>
+                <a:srgbClr val="CC0000"/>
+              </a:solidFill>
+              <a:ln>
+                <a:noFill/>
+              </a:ln>
+              <a:effectLst/>
+              <a:extLst/>
+            </p:spPr>
+            <p:txBody>
+              <a:bodyPr vert="horz" wrap="square" lIns="457200" tIns="228600" rIns="457200" bIns="228600" numCol="1" rtlCol="0" anchor="t" anchorCtr="0" compatLnSpc="1">
+                <a:prstTxWarp prst="textNoShape">
+                  <a:avLst/>
+                </a:prstTxWarp>
+              </a:bodyPr>
+              <a:lstStyle/>
+              <a:p>
+                <a:pPr marL="0" marR="0" indent="0" algn="l" defTabSz="914400" rtl="0" eaLnBrk="1" fontAlgn="base" latinLnBrk="0" hangingPunct="1">
+                  <a:lnSpc>
+                    <a:spcPct val="100000"/>
+                  </a:lnSpc>
+                  <a:spcBef>
+                    <a:spcPct val="20000"/>
+                  </a:spcBef>
+                  <a:spcAft>
+                    <a:spcPct val="0"/>
+                  </a:spcAft>
+                  <a:buClrTx/>
+                  <a:buSzTx/>
+                  <a:buFontTx/>
+                  <a:buNone/>
+                  <a:tabLst/>
+                </a:pPr>
+                <a:endParaRPr kumimoji="0" lang="en-GB" sz="4600" b="0" i="0" u="none" strike="noStrike" cap="none" normalizeH="0" baseline="0" smtClean="0">
+                  <a:ln>
+                    <a:noFill/>
+                  </a:ln>
+                  <a:solidFill>
+                    <a:srgbClr val="000000"/>
+                  </a:solidFill>
+                  <a:effectLst/>
+                  <a:latin typeface="Arial" charset="0"/>
+                </a:endParaRPr>
+              </a:p>
+            </p:txBody>
+          </p:sp>
+          <p:sp>
+            <p:nvSpPr>
+              <p:cNvPr id="191" name="Pentagon 190"/>
+              <p:cNvSpPr/>
+              <p:nvPr/>
+            </p:nvSpPr>
+            <p:spPr bwMode="auto">
+              <a:xfrm>
+                <a:off x="22421528" y="4904581"/>
+                <a:ext cx="714697" cy="228600"/>
+              </a:xfrm>
+              <a:prstGeom prst="homePlate">
+                <a:avLst/>
+              </a:prstGeom>
+              <a:solidFill>
+                <a:srgbClr val="CC0000"/>
+              </a:solidFill>
+              <a:ln>
+                <a:noFill/>
+              </a:ln>
+              <a:effectLst/>
+              <a:extLst/>
+            </p:spPr>
+            <p:txBody>
+              <a:bodyPr vert="horz" wrap="square" lIns="457200" tIns="228600" rIns="457200" bIns="228600" numCol="1" rtlCol="0" anchor="t" anchorCtr="0" compatLnSpc="1">
+                <a:prstTxWarp prst="textNoShape">
+                  <a:avLst/>
+                </a:prstTxWarp>
+              </a:bodyPr>
+              <a:lstStyle/>
+              <a:p>
+                <a:pPr marL="0" marR="0" indent="0" algn="l" defTabSz="914400" rtl="0" eaLnBrk="1" fontAlgn="base" latinLnBrk="0" hangingPunct="1">
+                  <a:lnSpc>
+                    <a:spcPct val="100000"/>
+                  </a:lnSpc>
+                  <a:spcBef>
+                    <a:spcPct val="20000"/>
+                  </a:spcBef>
+                  <a:spcAft>
+                    <a:spcPct val="0"/>
+                  </a:spcAft>
+                  <a:buClrTx/>
+                  <a:buSzTx/>
+                  <a:buFontTx/>
+                  <a:buNone/>
+                  <a:tabLst/>
+                </a:pPr>
+                <a:endParaRPr kumimoji="0" lang="en-GB" sz="4600" b="0" i="0" u="none" strike="noStrike" cap="none" normalizeH="0" baseline="0" smtClean="0">
+                  <a:ln>
+                    <a:noFill/>
+                  </a:ln>
+                  <a:solidFill>
+                    <a:srgbClr val="000000"/>
+                  </a:solidFill>
+                  <a:effectLst/>
+                  <a:latin typeface="Arial" charset="0"/>
+                </a:endParaRPr>
+              </a:p>
+            </p:txBody>
+          </p:sp>
+        </p:grpSp>
+        <p:sp>
+          <p:nvSpPr>
+            <p:cNvPr id="189" name="TextBox 188"/>
+            <p:cNvSpPr txBox="1"/>
+            <p:nvPr/>
+          </p:nvSpPr>
+          <p:spPr>
+            <a:xfrm>
+              <a:off x="16456453" y="13695311"/>
+              <a:ext cx="2460198" cy="369332"/>
+            </a:xfrm>
+            <a:prstGeom prst="rect">
+              <a:avLst/>
+            </a:prstGeom>
+            <a:noFill/>
+          </p:spPr>
+          <p:txBody>
+            <a:bodyPr wrap="square" rtlCol="0">
+              <a:spAutoFit/>
+            </a:bodyPr>
+            <a:lstStyle/>
+            <a:p>
+              <a:pPr algn="ctr"/>
+              <a:r>
+                <a:rPr lang="en-GB" sz="1800" dirty="0" smtClean="0">
+                  <a:solidFill>
+                    <a:schemeClr val="bg1"/>
+                  </a:solidFill>
+                </a:rPr>
+                <a:t>Gating functions</a:t>
+              </a:r>
+              <a:endParaRPr lang="en-GB" sz="1800" dirty="0">
+                <a:solidFill>
+                  <a:schemeClr val="bg1"/>
+                </a:solidFill>
+              </a:endParaRPr>
+            </a:p>
+          </p:txBody>
+        </p:sp>
+      </p:grpSp>
+      <p:grpSp>
+        <p:nvGrpSpPr>
+          <p:cNvPr id="27" name="Group 26"/>
+          <p:cNvGrpSpPr/>
+          <p:nvPr/>
+        </p:nvGrpSpPr>
+        <p:grpSpPr>
+          <a:xfrm>
+            <a:off x="26778405" y="11107620"/>
+            <a:ext cx="8610600" cy="5681826"/>
+            <a:chOff x="26778405" y="11107620"/>
+            <a:chExt cx="8610600" cy="5681826"/>
+          </a:xfrm>
+        </p:grpSpPr>
+        <p:graphicFrame>
+          <p:nvGraphicFramePr>
+            <p:cNvPr id="193" name="Chart 192"/>
+            <p:cNvGraphicFramePr>
+              <a:graphicFrameLocks/>
+            </p:cNvGraphicFramePr>
+            <p:nvPr>
+              <p:extLst>
+                <p:ext uri="{D42A27DB-BD31-4B8C-83A1-F6EECF244321}">
+                  <p14:modId xmlns:p14="http://schemas.microsoft.com/office/powerpoint/2010/main" val="4120733413"/>
+                </p:ext>
+              </p:extLst>
+            </p:nvPr>
+          </p:nvGraphicFramePr>
+          <p:xfrm>
+            <a:off x="26778405" y="11107620"/>
+            <a:ext cx="8610600" cy="5681826"/>
+          </p:xfrm>
+          <a:graphic>
+            <a:graphicData uri="http://schemas.openxmlformats.org/drawingml/2006/chart">
+              <c:chart xmlns:c="http://schemas.openxmlformats.org/drawingml/2006/chart" xmlns:r="http://schemas.openxmlformats.org/officeDocument/2006/relationships" r:id="rId28"/>
+            </a:graphicData>
+          </a:graphic>
+        </p:graphicFrame>
+        <p:cxnSp>
+          <p:nvCxnSpPr>
+            <p:cNvPr id="6" name="Straight Connector 5"/>
+            <p:cNvCxnSpPr/>
+            <p:nvPr/>
+          </p:nvCxnSpPr>
+          <p:spPr bwMode="auto">
+            <a:xfrm>
+              <a:off x="27374400" y="12484800"/>
+              <a:ext cx="7999078" cy="2587"/>
+            </a:xfrm>
+            <a:prstGeom prst="line">
+              <a:avLst/>
+            </a:prstGeom>
+            <a:noFill/>
+            <a:ln w="25400" cap="flat" cmpd="sng" algn="ctr">
+              <a:solidFill>
+                <a:schemeClr val="tx1"/>
+              </a:solidFill>
+              <a:prstDash val="dash"/>
+              <a:round/>
+              <a:headEnd type="none" w="med" len="med"/>
+              <a:tailEnd type="none" w="med" len="med"/>
+            </a:ln>
+            <a:effectLst/>
+            <a:extLst>
+              <a:ext uri="{909E8E84-426E-40DD-AFC4-6F175D3DCCD1}">
+                <a14:hiddenFill xmlns:a14="http://schemas.microsoft.com/office/drawing/2010/main">
+                  <a:solidFill>
+                    <a:schemeClr val="accent1"/>
+                  </a:solidFill>
+                </a14:hiddenFill>
+              </a:ext>
+              <a:ext uri="{AF507438-7753-43E0-B8FC-AC1667EBCBE1}">
+                <a14:hiddenEffects xmlns:a14="http://schemas.microsoft.com/office/drawing/2010/main">
+                  <a:effectLst>
+                    <a:outerShdw dist="35921" dir="2700000" algn="ctr" rotWithShape="0">
+                      <a:schemeClr val="bg2"/>
+                    </a:outerShdw>
+                  </a:effectLst>
+                </a14:hiddenEffects>
+              </a:ext>
+            </a:extLst>
+          </p:spPr>
+        </p:cxnSp>
+      </p:grpSp>
       <p:sp>
         <p:nvSpPr>
-          <p:cNvPr id="172" name="TextBox 171"/>
+          <p:cNvPr id="28" name="TextBox 27"/>
           <p:cNvSpPr txBox="1"/>
           <p:nvPr/>
         </p:nvSpPr>
         <p:spPr>
           <a:xfrm>
-            <a:off x="9908114" y="20791447"/>
-            <a:ext cx="1693336" cy="369332"/>
+            <a:off x="16249650" y="6276181"/>
+            <a:ext cx="3802953" cy="2554545"/>
           </a:xfrm>
           <a:prstGeom prst="rect">
             <a:avLst/>
@@ -12065,659 +14657,29 @@
           </a:bodyPr>
           <a:lstStyle/>
           <a:p>
-            <a:pPr algn="ctr"/>
-            <a:r>
-              <a:rPr lang="sv-SE" sz="1800" dirty="0" smtClean="0">
-                <a:solidFill>
-                  <a:schemeClr val="bg1"/>
-                </a:solidFill>
-              </a:rPr>
-              <a:t>Trainable filter</a:t>
-            </a:r>
-            <a:endParaRPr lang="en-GB" sz="1800" dirty="0">
-              <a:solidFill>
-                <a:schemeClr val="bg1"/>
-              </a:solidFill>
-            </a:endParaRPr>
+            <a:pPr marL="571500" indent="-571500">
+              <a:spcBef>
+                <a:spcPts val="700"/>
+              </a:spcBef>
+              <a:buFont typeface="Arial" panose="020B0604020202020204" pitchFamily="34" charset="0"/>
+              <a:buChar char="•"/>
+            </a:pPr>
+            <a:r>
+              <a:rPr lang="en-GB" sz="3200" dirty="0"/>
+              <a:t>Histogram of pattern indexes can be used as a feature set in </a:t>
+            </a:r>
+            <a:r>
+              <a:rPr lang="en-GB" sz="3200" dirty="0" smtClean="0"/>
+              <a:t>a neural </a:t>
+            </a:r>
+            <a:r>
+              <a:rPr lang="en-GB" sz="3200" dirty="0"/>
+              <a:t>network</a:t>
+            </a:r>
+            <a:endParaRPr lang="sv-SE" sz="3200" dirty="0"/>
           </a:p>
         </p:txBody>
       </p:sp>
-      <p:sp>
-        <p:nvSpPr>
-          <p:cNvPr id="1035" name="Rounded Rectangle 1034"/>
-          <p:cNvSpPr/>
-          <p:nvPr/>
-        </p:nvSpPr>
-        <p:spPr bwMode="auto">
-          <a:xfrm>
-            <a:off x="9564942" y="18391981"/>
-            <a:ext cx="5236908" cy="3909407"/>
-          </a:xfrm>
-          <a:prstGeom prst="roundRect">
-            <a:avLst>
-              <a:gd name="adj" fmla="val 9772"/>
-            </a:avLst>
-          </a:prstGeom>
-          <a:noFill/>
-          <a:ln w="38100">
-            <a:solidFill>
-              <a:schemeClr val="tx1"/>
-            </a:solidFill>
-            <a:prstDash val="sysDot"/>
-          </a:ln>
-          <a:effectLst/>
-          <a:extLst/>
-        </p:spPr>
-        <p:txBody>
-          <a:bodyPr vert="horz" wrap="square" lIns="457200" tIns="228600" rIns="457200" bIns="228600" numCol="1" rtlCol="0" anchor="t" anchorCtr="0" compatLnSpc="1">
-            <a:prstTxWarp prst="textNoShape">
-              <a:avLst/>
-            </a:prstTxWarp>
-          </a:bodyPr>
-          <a:lstStyle/>
-          <a:p>
-            <a:pPr marL="0" marR="0" indent="0" algn="l" defTabSz="914400" rtl="0" eaLnBrk="1" fontAlgn="base" latinLnBrk="0" hangingPunct="1">
-              <a:lnSpc>
-                <a:spcPct val="100000"/>
-              </a:lnSpc>
-              <a:spcBef>
-                <a:spcPct val="20000"/>
-              </a:spcBef>
-              <a:spcAft>
-                <a:spcPct val="0"/>
-              </a:spcAft>
-              <a:buClrTx/>
-              <a:buSzTx/>
-              <a:buFontTx/>
-              <a:buNone/>
-              <a:tabLst/>
-            </a:pPr>
-            <a:endParaRPr kumimoji="0" lang="en-GB" sz="4600" b="0" i="0" u="none" strike="noStrike" cap="none" normalizeH="0" baseline="0" smtClean="0">
-              <a:ln>
-                <a:noFill/>
-              </a:ln>
-              <a:solidFill>
-                <a:srgbClr val="000000"/>
-              </a:solidFill>
-              <a:effectLst/>
-              <a:latin typeface="Arial" charset="0"/>
-            </a:endParaRPr>
-          </a:p>
-        </p:txBody>
-      </p:sp>
-      <p:sp>
-        <p:nvSpPr>
-          <p:cNvPr id="104" name="Striped Right Arrow 103"/>
-          <p:cNvSpPr/>
-          <p:nvPr/>
-        </p:nvSpPr>
-        <p:spPr bwMode="auto">
-          <a:xfrm>
-            <a:off x="8657313" y="12600781"/>
-            <a:ext cx="658137" cy="457200"/>
-          </a:xfrm>
-          <a:prstGeom prst="stripedRightArrow">
-            <a:avLst/>
-          </a:prstGeom>
-          <a:solidFill>
-            <a:schemeClr val="accent4"/>
-          </a:solidFill>
-          <a:ln>
-            <a:noFill/>
-          </a:ln>
-          <a:effectLst/>
-          <a:extLst/>
-        </p:spPr>
-        <p:txBody>
-          <a:bodyPr vert="horz" wrap="square" lIns="457200" tIns="228600" rIns="457200" bIns="228600" numCol="1" rtlCol="0" anchor="t" anchorCtr="0" compatLnSpc="1">
-            <a:prstTxWarp prst="textNoShape">
-              <a:avLst/>
-            </a:prstTxWarp>
-          </a:bodyPr>
-          <a:lstStyle/>
-          <a:p>
-            <a:pPr marL="0" marR="0" indent="0" algn="l" defTabSz="914400" rtl="0" eaLnBrk="1" fontAlgn="base" latinLnBrk="0" hangingPunct="1">
-              <a:lnSpc>
-                <a:spcPct val="100000"/>
-              </a:lnSpc>
-              <a:spcBef>
-                <a:spcPct val="20000"/>
-              </a:spcBef>
-              <a:spcAft>
-                <a:spcPct val="0"/>
-              </a:spcAft>
-              <a:buClrTx/>
-              <a:buSzTx/>
-              <a:buFontTx/>
-              <a:buNone/>
-              <a:tabLst/>
-            </a:pPr>
-            <a:endParaRPr kumimoji="0" lang="en-GB" sz="4600" b="0" i="0" u="none" strike="noStrike" cap="none" normalizeH="0" baseline="0" smtClean="0">
-              <a:ln>
-                <a:noFill/>
-              </a:ln>
-              <a:solidFill>
-                <a:srgbClr val="000000"/>
-              </a:solidFill>
-              <a:effectLst/>
-              <a:latin typeface="Arial" charset="0"/>
-            </a:endParaRPr>
-          </a:p>
-        </p:txBody>
-      </p:sp>
-      <p:pic>
-        <p:nvPicPr>
-          <p:cNvPr id="3" name="Picture 2"/>
-          <p:cNvPicPr>
-            <a:picLocks noChangeAspect="1"/>
-          </p:cNvPicPr>
-          <p:nvPr/>
-        </p:nvPicPr>
-        <p:blipFill>
-          <a:blip r:embed="rId23">
-            <a:extLst>
-              <a:ext uri="{28A0092B-C50C-407E-A947-70E740481C1C}">
-                <a14:useLocalDpi xmlns:a14="http://schemas.microsoft.com/office/drawing/2010/main" val="0"/>
-              </a:ext>
-            </a:extLst>
-          </a:blip>
-          <a:stretch>
-            <a:fillRect/>
-          </a:stretch>
-        </p:blipFill>
-        <p:spPr>
-          <a:xfrm>
-            <a:off x="6184777" y="11362001"/>
-            <a:ext cx="2293200" cy="2293200"/>
-          </a:xfrm>
-          <a:prstGeom prst="rect">
-            <a:avLst/>
-          </a:prstGeom>
-        </p:spPr>
-      </p:pic>
-      <p:grpSp>
-        <p:nvGrpSpPr>
-          <p:cNvPr id="103" name="Group 102"/>
-          <p:cNvGrpSpPr/>
-          <p:nvPr/>
-        </p:nvGrpSpPr>
-        <p:grpSpPr>
-          <a:xfrm>
-            <a:off x="6184776" y="17287282"/>
-            <a:ext cx="2292474" cy="381727"/>
-            <a:chOff x="21416658" y="4904581"/>
-            <a:chExt cx="1719567" cy="228600"/>
-          </a:xfrm>
-        </p:grpSpPr>
-        <p:sp>
-          <p:nvSpPr>
-            <p:cNvPr id="105" name="Pentagon 104"/>
-            <p:cNvSpPr/>
-            <p:nvPr/>
-          </p:nvSpPr>
-          <p:spPr bwMode="auto">
-            <a:xfrm flipH="1">
-              <a:off x="21416658" y="4904581"/>
-              <a:ext cx="1004869" cy="228600"/>
-            </a:xfrm>
-            <a:prstGeom prst="homePlate">
-              <a:avLst/>
-            </a:prstGeom>
-            <a:solidFill>
-              <a:srgbClr val="CC0000"/>
-            </a:solidFill>
-            <a:ln>
-              <a:noFill/>
-            </a:ln>
-            <a:effectLst/>
-            <a:extLst/>
-          </p:spPr>
-          <p:txBody>
-            <a:bodyPr vert="horz" wrap="square" lIns="457200" tIns="228600" rIns="457200" bIns="228600" numCol="1" rtlCol="0" anchor="t" anchorCtr="0" compatLnSpc="1">
-              <a:prstTxWarp prst="textNoShape">
-                <a:avLst/>
-              </a:prstTxWarp>
-            </a:bodyPr>
-            <a:lstStyle/>
-            <a:p>
-              <a:pPr marL="0" marR="0" indent="0" algn="l" defTabSz="914400" rtl="0" eaLnBrk="1" fontAlgn="base" latinLnBrk="0" hangingPunct="1">
-                <a:lnSpc>
-                  <a:spcPct val="100000"/>
-                </a:lnSpc>
-                <a:spcBef>
-                  <a:spcPct val="20000"/>
-                </a:spcBef>
-                <a:spcAft>
-                  <a:spcPct val="0"/>
-                </a:spcAft>
-                <a:buClrTx/>
-                <a:buSzTx/>
-                <a:buFontTx/>
-                <a:buNone/>
-                <a:tabLst/>
-              </a:pPr>
-              <a:endParaRPr kumimoji="0" lang="en-GB" sz="4600" b="0" i="0" u="none" strike="noStrike" cap="none" normalizeH="0" baseline="0" smtClean="0">
-                <a:ln>
-                  <a:noFill/>
-                </a:ln>
-                <a:solidFill>
-                  <a:srgbClr val="000000"/>
-                </a:solidFill>
-                <a:effectLst/>
-                <a:latin typeface="Arial" charset="0"/>
-              </a:endParaRPr>
-            </a:p>
-          </p:txBody>
-        </p:sp>
-        <p:sp>
-          <p:nvSpPr>
-            <p:cNvPr id="106" name="Pentagon 105"/>
-            <p:cNvSpPr/>
-            <p:nvPr/>
-          </p:nvSpPr>
-          <p:spPr bwMode="auto">
-            <a:xfrm>
-              <a:off x="22421528" y="4904581"/>
-              <a:ext cx="714697" cy="228600"/>
-            </a:xfrm>
-            <a:prstGeom prst="homePlate">
-              <a:avLst/>
-            </a:prstGeom>
-            <a:solidFill>
-              <a:srgbClr val="CC0000"/>
-            </a:solidFill>
-            <a:ln>
-              <a:noFill/>
-            </a:ln>
-            <a:effectLst/>
-            <a:extLst/>
-          </p:spPr>
-          <p:txBody>
-            <a:bodyPr vert="horz" wrap="square" lIns="457200" tIns="228600" rIns="457200" bIns="228600" numCol="1" rtlCol="0" anchor="t" anchorCtr="0" compatLnSpc="1">
-              <a:prstTxWarp prst="textNoShape">
-                <a:avLst/>
-              </a:prstTxWarp>
-            </a:bodyPr>
-            <a:lstStyle/>
-            <a:p>
-              <a:pPr marL="0" marR="0" indent="0" algn="l" defTabSz="914400" rtl="0" eaLnBrk="1" fontAlgn="base" latinLnBrk="0" hangingPunct="1">
-                <a:lnSpc>
-                  <a:spcPct val="100000"/>
-                </a:lnSpc>
-                <a:spcBef>
-                  <a:spcPct val="20000"/>
-                </a:spcBef>
-                <a:spcAft>
-                  <a:spcPct val="0"/>
-                </a:spcAft>
-                <a:buClrTx/>
-                <a:buSzTx/>
-                <a:buFontTx/>
-                <a:buNone/>
-                <a:tabLst/>
-              </a:pPr>
-              <a:endParaRPr kumimoji="0" lang="en-GB" sz="4600" b="0" i="0" u="none" strike="noStrike" cap="none" normalizeH="0" baseline="0" smtClean="0">
-                <a:ln>
-                  <a:noFill/>
-                </a:ln>
-                <a:solidFill>
-                  <a:srgbClr val="000000"/>
-                </a:solidFill>
-                <a:effectLst/>
-                <a:latin typeface="Arial" charset="0"/>
-              </a:endParaRPr>
-            </a:p>
-          </p:txBody>
-        </p:sp>
-      </p:grpSp>
-      <p:sp>
-        <p:nvSpPr>
-          <p:cNvPr id="126" name="TextBox 125"/>
-          <p:cNvSpPr txBox="1"/>
-          <p:nvPr/>
-        </p:nvSpPr>
-        <p:spPr>
-          <a:xfrm>
-            <a:off x="6267449" y="17252480"/>
-            <a:ext cx="2127499" cy="369332"/>
-          </a:xfrm>
-          <a:prstGeom prst="rect">
-            <a:avLst/>
-          </a:prstGeom>
-          <a:noFill/>
-        </p:spPr>
-        <p:txBody>
-          <a:bodyPr wrap="square" rtlCol="0">
-            <a:spAutoFit/>
-          </a:bodyPr>
-          <a:lstStyle/>
-          <a:p>
-            <a:pPr algn="ctr"/>
-            <a:r>
-              <a:rPr lang="en-GB" sz="1800" dirty="0" smtClean="0">
-                <a:solidFill>
-                  <a:schemeClr val="bg1"/>
-                </a:solidFill>
-              </a:rPr>
-              <a:t>Input image</a:t>
-            </a:r>
-            <a:endParaRPr lang="en-GB" sz="1800" dirty="0">
-              <a:solidFill>
-                <a:schemeClr val="bg1"/>
-              </a:solidFill>
-            </a:endParaRPr>
-          </a:p>
-        </p:txBody>
-      </p:sp>
-      <p:grpSp>
-        <p:nvGrpSpPr>
-          <p:cNvPr id="136" name="Group 135"/>
-          <p:cNvGrpSpPr/>
-          <p:nvPr/>
-        </p:nvGrpSpPr>
-        <p:grpSpPr>
-          <a:xfrm>
-            <a:off x="6147789" y="13743054"/>
-            <a:ext cx="2292474" cy="381727"/>
-            <a:chOff x="21416658" y="4904581"/>
-            <a:chExt cx="1719567" cy="228600"/>
-          </a:xfrm>
-        </p:grpSpPr>
-        <p:sp>
-          <p:nvSpPr>
-            <p:cNvPr id="137" name="Pentagon 136"/>
-            <p:cNvSpPr/>
-            <p:nvPr/>
-          </p:nvSpPr>
-          <p:spPr bwMode="auto">
-            <a:xfrm flipH="1">
-              <a:off x="21416658" y="4904581"/>
-              <a:ext cx="1004869" cy="228600"/>
-            </a:xfrm>
-            <a:prstGeom prst="homePlate">
-              <a:avLst/>
-            </a:prstGeom>
-            <a:solidFill>
-              <a:srgbClr val="CC0000"/>
-            </a:solidFill>
-            <a:ln>
-              <a:noFill/>
-            </a:ln>
-            <a:effectLst/>
-            <a:extLst/>
-          </p:spPr>
-          <p:txBody>
-            <a:bodyPr vert="horz" wrap="square" lIns="457200" tIns="228600" rIns="457200" bIns="228600" numCol="1" rtlCol="0" anchor="t" anchorCtr="0" compatLnSpc="1">
-              <a:prstTxWarp prst="textNoShape">
-                <a:avLst/>
-              </a:prstTxWarp>
-            </a:bodyPr>
-            <a:lstStyle/>
-            <a:p>
-              <a:pPr marL="0" marR="0" indent="0" algn="l" defTabSz="914400" rtl="0" eaLnBrk="1" fontAlgn="base" latinLnBrk="0" hangingPunct="1">
-                <a:lnSpc>
-                  <a:spcPct val="100000"/>
-                </a:lnSpc>
-                <a:spcBef>
-                  <a:spcPct val="20000"/>
-                </a:spcBef>
-                <a:spcAft>
-                  <a:spcPct val="0"/>
-                </a:spcAft>
-                <a:buClrTx/>
-                <a:buSzTx/>
-                <a:buFontTx/>
-                <a:buNone/>
-                <a:tabLst/>
-              </a:pPr>
-              <a:endParaRPr kumimoji="0" lang="en-GB" sz="4600" b="0" i="0" u="none" strike="noStrike" cap="none" normalizeH="0" baseline="0" smtClean="0">
-                <a:ln>
-                  <a:noFill/>
-                </a:ln>
-                <a:solidFill>
-                  <a:srgbClr val="000000"/>
-                </a:solidFill>
-                <a:effectLst/>
-                <a:latin typeface="Arial" charset="0"/>
-              </a:endParaRPr>
-            </a:p>
-          </p:txBody>
-        </p:sp>
-        <p:sp>
-          <p:nvSpPr>
-            <p:cNvPr id="138" name="Pentagon 137"/>
-            <p:cNvSpPr/>
-            <p:nvPr/>
-          </p:nvSpPr>
-          <p:spPr bwMode="auto">
-            <a:xfrm>
-              <a:off x="22421528" y="4904581"/>
-              <a:ext cx="714697" cy="228600"/>
-            </a:xfrm>
-            <a:prstGeom prst="homePlate">
-              <a:avLst/>
-            </a:prstGeom>
-            <a:solidFill>
-              <a:srgbClr val="CC0000"/>
-            </a:solidFill>
-            <a:ln>
-              <a:noFill/>
-            </a:ln>
-            <a:effectLst/>
-            <a:extLst/>
-          </p:spPr>
-          <p:txBody>
-            <a:bodyPr vert="horz" wrap="square" lIns="457200" tIns="228600" rIns="457200" bIns="228600" numCol="1" rtlCol="0" anchor="t" anchorCtr="0" compatLnSpc="1">
-              <a:prstTxWarp prst="textNoShape">
-                <a:avLst/>
-              </a:prstTxWarp>
-            </a:bodyPr>
-            <a:lstStyle/>
-            <a:p>
-              <a:pPr marL="0" marR="0" indent="0" algn="l" defTabSz="914400" rtl="0" eaLnBrk="1" fontAlgn="base" latinLnBrk="0" hangingPunct="1">
-                <a:lnSpc>
-                  <a:spcPct val="100000"/>
-                </a:lnSpc>
-                <a:spcBef>
-                  <a:spcPct val="20000"/>
-                </a:spcBef>
-                <a:spcAft>
-                  <a:spcPct val="0"/>
-                </a:spcAft>
-                <a:buClrTx/>
-                <a:buSzTx/>
-                <a:buFontTx/>
-                <a:buNone/>
-                <a:tabLst/>
-              </a:pPr>
-              <a:endParaRPr kumimoji="0" lang="en-GB" sz="4600" b="0" i="0" u="none" strike="noStrike" cap="none" normalizeH="0" baseline="0" smtClean="0">
-                <a:ln>
-                  <a:noFill/>
-                </a:ln>
-                <a:solidFill>
-                  <a:srgbClr val="000000"/>
-                </a:solidFill>
-                <a:effectLst/>
-                <a:latin typeface="Arial" charset="0"/>
-              </a:endParaRPr>
-            </a:p>
-          </p:txBody>
-        </p:sp>
-      </p:grpSp>
-      <p:sp>
-        <p:nvSpPr>
-          <p:cNvPr id="139" name="TextBox 138"/>
-          <p:cNvSpPr txBox="1"/>
-          <p:nvPr/>
-        </p:nvSpPr>
-        <p:spPr>
-          <a:xfrm>
-            <a:off x="6230462" y="13708252"/>
-            <a:ext cx="2127499" cy="369332"/>
-          </a:xfrm>
-          <a:prstGeom prst="rect">
-            <a:avLst/>
-          </a:prstGeom>
-          <a:noFill/>
-        </p:spPr>
-        <p:txBody>
-          <a:bodyPr wrap="square" rtlCol="0">
-            <a:spAutoFit/>
-          </a:bodyPr>
-          <a:lstStyle/>
-          <a:p>
-            <a:pPr algn="ctr"/>
-            <a:r>
-              <a:rPr lang="en-GB" sz="1800" dirty="0" smtClean="0">
-                <a:solidFill>
-                  <a:schemeClr val="bg1"/>
-                </a:solidFill>
-              </a:rPr>
-              <a:t>Input image</a:t>
-            </a:r>
-            <a:endParaRPr lang="en-GB" sz="1800" dirty="0">
-              <a:solidFill>
-                <a:schemeClr val="bg1"/>
-              </a:solidFill>
-            </a:endParaRPr>
-          </a:p>
-        </p:txBody>
-      </p:sp>
-      <p:sp>
-        <p:nvSpPr>
-          <p:cNvPr id="140" name="Striped Right Arrow 139"/>
-          <p:cNvSpPr/>
-          <p:nvPr/>
-        </p:nvSpPr>
-        <p:spPr bwMode="auto">
-          <a:xfrm>
-            <a:off x="8613995" y="15908448"/>
-            <a:ext cx="549056" cy="457200"/>
-          </a:xfrm>
-          <a:prstGeom prst="stripedRightArrow">
-            <a:avLst/>
-          </a:prstGeom>
-          <a:solidFill>
-            <a:schemeClr val="accent4"/>
-          </a:solidFill>
-          <a:ln>
-            <a:noFill/>
-          </a:ln>
-          <a:effectLst/>
-          <a:extLst/>
-        </p:spPr>
-        <p:txBody>
-          <a:bodyPr vert="horz" wrap="square" lIns="457200" tIns="228600" rIns="457200" bIns="228600" numCol="1" rtlCol="0" anchor="t" anchorCtr="0" compatLnSpc="1">
-            <a:prstTxWarp prst="textNoShape">
-              <a:avLst/>
-            </a:prstTxWarp>
-          </a:bodyPr>
-          <a:lstStyle/>
-          <a:p>
-            <a:pPr marL="0" marR="0" indent="0" algn="l" defTabSz="914400" rtl="0" eaLnBrk="1" fontAlgn="base" latinLnBrk="0" hangingPunct="1">
-              <a:lnSpc>
-                <a:spcPct val="100000"/>
-              </a:lnSpc>
-              <a:spcBef>
-                <a:spcPct val="20000"/>
-              </a:spcBef>
-              <a:spcAft>
-                <a:spcPct val="0"/>
-              </a:spcAft>
-              <a:buClrTx/>
-              <a:buSzTx/>
-              <a:buFontTx/>
-              <a:buNone/>
-              <a:tabLst/>
-            </a:pPr>
-            <a:endParaRPr kumimoji="0" lang="en-GB" sz="4600" b="0" i="0" u="none" strike="noStrike" cap="none" normalizeH="0" baseline="0" smtClean="0">
-              <a:ln>
-                <a:noFill/>
-              </a:ln>
-              <a:solidFill>
-                <a:srgbClr val="000000"/>
-              </a:solidFill>
-              <a:effectLst/>
-              <a:latin typeface="Arial" charset="0"/>
-            </a:endParaRPr>
-          </a:p>
-        </p:txBody>
-      </p:sp>
-      <p:pic>
-        <p:nvPicPr>
-          <p:cNvPr id="2" name="Picture 1"/>
-          <p:cNvPicPr>
-            <a:picLocks noChangeAspect="1"/>
-          </p:cNvPicPr>
-          <p:nvPr/>
-        </p:nvPicPr>
-        <p:blipFill>
-          <a:blip r:embed="rId24">
-            <a:extLst>
-              <a:ext uri="{28A0092B-C50C-407E-A947-70E740481C1C}">
-                <a14:useLocalDpi xmlns:a14="http://schemas.microsoft.com/office/drawing/2010/main" val="0"/>
-              </a:ext>
-            </a:extLst>
-          </a:blip>
-          <a:stretch>
-            <a:fillRect/>
-          </a:stretch>
-        </p:blipFill>
-        <p:spPr>
-          <a:xfrm>
-            <a:off x="6147789" y="14879581"/>
-            <a:ext cx="2293200" cy="2293200"/>
-          </a:xfrm>
-          <a:prstGeom prst="rect">
-            <a:avLst/>
-          </a:prstGeom>
-        </p:spPr>
-      </p:pic>
-      <p:cxnSp>
-        <p:nvCxnSpPr>
-          <p:cNvPr id="6" name="Straight Connector 5"/>
-          <p:cNvCxnSpPr/>
-          <p:nvPr/>
-        </p:nvCxnSpPr>
-        <p:spPr bwMode="auto">
-          <a:xfrm>
-            <a:off x="27376772" y="12888000"/>
-            <a:ext cx="7999078" cy="2587"/>
-          </a:xfrm>
-          <a:prstGeom prst="line">
-            <a:avLst/>
-          </a:prstGeom>
-          <a:noFill/>
-          <a:ln w="25400" cap="flat" cmpd="sng" algn="ctr">
-            <a:solidFill>
-              <a:schemeClr val="tx1"/>
-            </a:solidFill>
-            <a:prstDash val="dash"/>
-            <a:round/>
-            <a:headEnd type="none" w="med" len="med"/>
-            <a:tailEnd type="none" w="med" len="med"/>
-          </a:ln>
-          <a:effectLst/>
-          <a:extLst>
-            <a:ext uri="{909E8E84-426E-40DD-AFC4-6F175D3DCCD1}">
-              <a14:hiddenFill xmlns:a14="http://schemas.microsoft.com/office/drawing/2010/main">
-                <a:solidFill>
-                  <a:schemeClr val="accent1"/>
-                </a:solidFill>
-              </a14:hiddenFill>
-            </a:ext>
-            <a:ext uri="{AF507438-7753-43E0-B8FC-AC1667EBCBE1}">
-              <a14:hiddenEffects xmlns:a14="http://schemas.microsoft.com/office/drawing/2010/main">
-                <a:effectLst>
-                  <a:outerShdw dist="35921" dir="2700000" algn="ctr" rotWithShape="0">
-                    <a:schemeClr val="bg2"/>
-                  </a:outerShdw>
-                </a:effectLst>
-              </a14:hiddenEffects>
-            </a:ext>
-          </a:extLst>
-        </p:spPr>
-      </p:cxnSp>
     </p:spTree>
   </p:cSld>
   <p:clrMapOvr>

--- a/Presentation_material/poster.pptx
+++ b/Presentation_material/poster.pptx
@@ -5,14 +5,13 @@
     <p:sldMasterId id="2147483648" r:id="rId1"/>
   </p:sldMasterIdLst>
   <p:notesMasterIdLst>
-    <p:notesMasterId r:id="rId4"/>
+    <p:notesMasterId r:id="rId3"/>
   </p:notesMasterIdLst>
   <p:handoutMasterIdLst>
-    <p:handoutMasterId r:id="rId5"/>
+    <p:handoutMasterId r:id="rId4"/>
   </p:handoutMasterIdLst>
   <p:sldIdLst>
     <p:sldId id="256" r:id="rId2"/>
-    <p:sldId id="257" r:id="rId3"/>
   </p:sldIdLst>
   <p:sldSz cx="36004500" cy="25201563"/>
   <p:notesSz cx="46342300" cy="46342300"/>
@@ -255,11 +254,11 @@
           <c:showBubbleSize val="0"/>
         </c:dLbls>
         <c:gapWidth val="150"/>
-        <c:axId val="139179520"/>
-        <c:axId val="127304832"/>
+        <c:axId val="183620608"/>
+        <c:axId val="183208768"/>
       </c:barChart>
       <c:catAx>
-        <c:axId val="139179520"/>
+        <c:axId val="183620608"/>
         <c:scaling>
           <c:orientation val="minMax"/>
         </c:scaling>
@@ -278,7 +277,7 @@
             <a:endParaRPr lang="en-US"/>
           </a:p>
         </c:txPr>
-        <c:crossAx val="127304832"/>
+        <c:crossAx val="183208768"/>
         <c:crosses val="autoZero"/>
         <c:auto val="1"/>
         <c:lblAlgn val="ctr"/>
@@ -286,7 +285,7 @@
         <c:noMultiLvlLbl val="0"/>
       </c:catAx>
       <c:valAx>
-        <c:axId val="127304832"/>
+        <c:axId val="183208768"/>
         <c:scaling>
           <c:orientation val="minMax"/>
         </c:scaling>
@@ -297,7 +296,7 @@
         <c:majorTickMark val="out"/>
         <c:minorTickMark val="none"/>
         <c:tickLblPos val="nextTo"/>
-        <c:crossAx val="139179520"/>
+        <c:crossAx val="183620608"/>
         <c:crosses val="autoZero"/>
         <c:crossBetween val="between"/>
       </c:valAx>
@@ -430,11 +429,11 @@
           <c:showPercent val="0"/>
           <c:showBubbleSize val="0"/>
         </c:dLbls>
-        <c:axId val="127310592"/>
-        <c:axId val="127311168"/>
+        <c:axId val="184557568"/>
+        <c:axId val="184558144"/>
       </c:scatterChart>
       <c:valAx>
-        <c:axId val="127310592"/>
+        <c:axId val="184557568"/>
         <c:scaling>
           <c:orientation val="minMax"/>
           <c:max val="4"/>
@@ -449,12 +448,12 @@
         <c:spPr>
           <a:ln w="12700"/>
         </c:spPr>
-        <c:crossAx val="127311168"/>
+        <c:crossAx val="184558144"/>
         <c:crosses val="autoZero"/>
         <c:crossBetween val="midCat"/>
       </c:valAx>
       <c:valAx>
-        <c:axId val="127311168"/>
+        <c:axId val="184558144"/>
         <c:scaling>
           <c:orientation val="minMax"/>
           <c:max val="2"/>
@@ -465,7 +464,7 @@
         <c:majorTickMark val="none"/>
         <c:minorTickMark val="none"/>
         <c:tickLblPos val="nextTo"/>
-        <c:crossAx val="127310592"/>
+        <c:crossAx val="184557568"/>
         <c:crosses val="autoZero"/>
         <c:crossBetween val="midCat"/>
         <c:majorUnit val="1"/>
@@ -603,11 +602,11 @@
           <c:showPercent val="0"/>
           <c:showBubbleSize val="0"/>
         </c:dLbls>
-        <c:axId val="145163392"/>
-        <c:axId val="145163968"/>
+        <c:axId val="184559872"/>
+        <c:axId val="184560448"/>
       </c:scatterChart>
       <c:valAx>
-        <c:axId val="145163392"/>
+        <c:axId val="184559872"/>
         <c:scaling>
           <c:orientation val="minMax"/>
           <c:max val="4"/>
@@ -622,12 +621,12 @@
         <c:spPr>
           <a:ln w="12700"/>
         </c:spPr>
-        <c:crossAx val="145163968"/>
+        <c:crossAx val="184560448"/>
         <c:crosses val="autoZero"/>
         <c:crossBetween val="midCat"/>
       </c:valAx>
       <c:valAx>
-        <c:axId val="145163968"/>
+        <c:axId val="184560448"/>
         <c:scaling>
           <c:orientation val="minMax"/>
           <c:max val="2"/>
@@ -638,7 +637,7 @@
         <c:majorTickMark val="none"/>
         <c:minorTickMark val="none"/>
         <c:tickLblPos val="nextTo"/>
-        <c:crossAx val="145163392"/>
+        <c:crossAx val="184559872"/>
         <c:crosses val="autoZero"/>
         <c:crossBetween val="midCat"/>
         <c:majorUnit val="1"/>
@@ -776,11 +775,11 @@
           <c:showPercent val="0"/>
           <c:showBubbleSize val="0"/>
         </c:dLbls>
-        <c:axId val="145165696"/>
-        <c:axId val="145166272"/>
+        <c:axId val="184562176"/>
+        <c:axId val="184562752"/>
       </c:scatterChart>
       <c:valAx>
-        <c:axId val="145165696"/>
+        <c:axId val="184562176"/>
         <c:scaling>
           <c:orientation val="minMax"/>
           <c:max val="4"/>
@@ -795,12 +794,12 @@
         <c:spPr>
           <a:ln w="12700"/>
         </c:spPr>
-        <c:crossAx val="145166272"/>
+        <c:crossAx val="184562752"/>
         <c:crosses val="autoZero"/>
         <c:crossBetween val="midCat"/>
       </c:valAx>
       <c:valAx>
-        <c:axId val="145166272"/>
+        <c:axId val="184562752"/>
         <c:scaling>
           <c:orientation val="minMax"/>
           <c:max val="2"/>
@@ -811,7 +810,7 @@
         <c:majorTickMark val="none"/>
         <c:minorTickMark val="none"/>
         <c:tickLblPos val="nextTo"/>
-        <c:crossAx val="145165696"/>
+        <c:crossAx val="184562176"/>
         <c:crosses val="autoZero"/>
         <c:crossBetween val="midCat"/>
         <c:majorUnit val="1"/>
@@ -984,11 +983,11 @@
           <c:showBubbleSize val="0"/>
         </c:dLbls>
         <c:gapWidth val="150"/>
-        <c:axId val="168633344"/>
-        <c:axId val="167598848"/>
+        <c:axId val="184293376"/>
+        <c:axId val="182829056"/>
       </c:barChart>
       <c:catAx>
-        <c:axId val="168633344"/>
+        <c:axId val="184293376"/>
         <c:scaling>
           <c:orientation val="minMax"/>
         </c:scaling>
@@ -1007,7 +1006,7 @@
             <a:endParaRPr lang="en-US"/>
           </a:p>
         </c:txPr>
-        <c:crossAx val="167598848"/>
+        <c:crossAx val="182829056"/>
         <c:crosses val="autoZero"/>
         <c:auto val="1"/>
         <c:lblAlgn val="ctr"/>
@@ -1015,7 +1014,7 @@
         <c:noMultiLvlLbl val="0"/>
       </c:catAx>
       <c:valAx>
-        <c:axId val="167598848"/>
+        <c:axId val="182829056"/>
         <c:scaling>
           <c:orientation val="minMax"/>
           <c:max val="100"/>
@@ -1038,7 +1037,7 @@
             <a:endParaRPr lang="en-US"/>
           </a:p>
         </c:txPr>
-        <c:crossAx val="168633344"/>
+        <c:crossAx val="184293376"/>
         <c:crosses val="autoZero"/>
         <c:crossBetween val="between"/>
       </c:valAx>
@@ -5396,7 +5395,7 @@
         </p:nvSpPr>
         <p:spPr bwMode="auto">
           <a:xfrm>
-            <a:off x="5771200" y="10314782"/>
+            <a:off x="5758318" y="10314782"/>
             <a:ext cx="20345400" cy="12307310"/>
           </a:xfrm>
           <a:prstGeom prst="roundRect">
@@ -6764,11 +6763,7 @@
                       </a:r>
                       <a:r>
                         <a:rPr lang="sv-SE" sz="2800" dirty="0" smtClean="0"/>
-                        <a:t>-Xu et al. </a:t>
-                      </a:r>
-                      <a:r>
-                        <a:rPr lang="sv-SE" sz="2800" dirty="0" smtClean="0"/>
-                        <a:t>[3]</a:t>
+                        <a:t>-Xu et al. [3]</a:t>
                       </a:r>
                       <a:endParaRPr lang="en-GB" sz="2800" dirty="0"/>
                     </a:p>
@@ -6904,11 +6899,7 @@
                       <a:pPr algn="ctr"/>
                       <a:r>
                         <a:rPr lang="sv-SE" sz="2800" dirty="0" smtClean="0"/>
-                        <a:t>Li et al. </a:t>
-                      </a:r>
-                      <a:r>
-                        <a:rPr lang="sv-SE" sz="2800" dirty="0" smtClean="0"/>
-                        <a:t>[4]</a:t>
+                        <a:t>Li et al. [4]</a:t>
                       </a:r>
                       <a:endParaRPr lang="en-GB" sz="2800" dirty="0"/>
                     </a:p>
@@ -7044,11 +7035,7 @@
                       <a:pPr algn="ctr"/>
                       <a:r>
                         <a:rPr lang="sv-SE" sz="2800" dirty="0" smtClean="0"/>
-                        <a:t>Marcos et al. </a:t>
-                      </a:r>
-                      <a:r>
-                        <a:rPr lang="sv-SE" sz="2800" dirty="0" smtClean="0"/>
-                        <a:t>[5]</a:t>
+                        <a:t>Marcos et al. [5]</a:t>
                       </a:r>
                       <a:endParaRPr lang="en-GB" sz="2800" dirty="0"/>
                     </a:p>
@@ -8129,8 +8116,8 @@
           </a:graphicData>
         </a:graphic>
       </p:graphicFrame>
-      <mc:AlternateContent xmlns:mc="http://schemas.openxmlformats.org/markup-compatibility/2006">
-        <mc:Choice xmlns:a14="http://schemas.microsoft.com/office/drawing/2010/main" Requires="a14">
+      <mc:AlternateContent xmlns:mc="http://schemas.openxmlformats.org/markup-compatibility/2006" xmlns:a14="http://schemas.microsoft.com/office/drawing/2010/main">
+        <mc:Choice Requires="a14">
           <p:sp>
             <p:nvSpPr>
               <p:cNvPr id="13" name="TextBox 12"/>
@@ -8173,23 +8160,7 @@
                 </a:pPr>
                 <a:r>
                   <a:rPr lang="en-GB" sz="3200" dirty="0" smtClean="0"/>
-                  <a:t>512 fixed </a:t>
-                </a:r>
-                <a:r>
-                  <a:rPr lang="en-GB" sz="3200" dirty="0" smtClean="0"/>
-                  <a:t>random </a:t>
-                </a:r>
-                <a:r>
-                  <a:rPr lang="en-GB" sz="3200" dirty="0" smtClean="0"/>
-                  <a:t>±</a:t>
-                </a:r>
-                <a:r>
-                  <a:rPr lang="en-GB" sz="3200" dirty="0" smtClean="0"/>
-                  <a:t>1 </a:t>
-                </a:r>
-                <a:r>
-                  <a:rPr lang="en-GB" sz="3200" dirty="0" smtClean="0"/>
-                  <a:t>filters </a:t>
+                  <a:t>512 fixed random ±1 filters </a:t>
                 </a:r>
                 <a14:m>
                   <m:oMath xmlns:m="http://schemas.openxmlformats.org/officeDocument/2006/math">
@@ -8329,26 +8300,14 @@
                 </a14:m>
                 <a:r>
                   <a:rPr lang="en-GB" sz="3200" dirty="0" smtClean="0"/>
-                  <a:t> used in </a:t>
-                </a:r>
-                <a:r>
-                  <a:rPr lang="en-GB" sz="3200" dirty="0" smtClean="0"/>
-                  <a:t>linear </a:t>
-                </a:r>
-                <a:r>
-                  <a:rPr lang="en-GB" sz="3200" dirty="0" smtClean="0"/>
-                  <a:t>sum to </a:t>
-                </a:r>
-                <a:r>
-                  <a:rPr lang="en-GB" sz="3200" dirty="0" smtClean="0"/>
-                  <a:t>create feature map</a:t>
+                  <a:t> used in linear sum to create feature map</a:t>
                 </a:r>
                 <a:endParaRPr lang="en-GB" sz="3200" dirty="0"/>
               </a:p>
             </p:txBody>
           </p:sp>
         </mc:Choice>
-        <mc:Fallback>
+        <mc:Fallback xmlns="">
           <p:sp>
             <p:nvSpPr>
               <p:cNvPr id="13" name="TextBox 12"/>
@@ -8527,7 +8486,6 @@
               <a:rPr lang="en-GB" sz="3200" dirty="0" smtClean="0"/>
               <a:t>Activation magnitude &amp; direction forms 2D vector field output</a:t>
             </a:r>
-            <a:endParaRPr lang="en-GB" sz="3200" dirty="0" smtClean="0"/>
           </a:p>
         </p:txBody>
       </p:sp>
@@ -8555,8 +8513,8 @@
           </a:graphicData>
         </a:graphic>
       </p:graphicFrame>
-      <mc:AlternateContent xmlns:mc="http://schemas.openxmlformats.org/markup-compatibility/2006">
-        <mc:Choice xmlns:a14="http://schemas.microsoft.com/office/drawing/2010/main" Requires="a14">
+      <mc:AlternateContent xmlns:mc="http://schemas.openxmlformats.org/markup-compatibility/2006" xmlns:a14="http://schemas.microsoft.com/office/drawing/2010/main">
+        <mc:Choice Requires="a14">
           <p:sp>
             <p:nvSpPr>
               <p:cNvPr id="56" name="TextBox 55"/>
@@ -8708,7 +8666,7 @@
             </p:txBody>
           </p:sp>
         </mc:Choice>
-        <mc:Fallback>
+        <mc:Fallback xmlns="">
           <p:sp>
             <p:nvSpPr>
               <p:cNvPr id="56" name="TextBox 55"/>
@@ -9489,7 +9447,7 @@
         </p:nvSpPr>
         <p:spPr bwMode="auto">
           <a:xfrm>
-            <a:off x="15716250" y="11991181"/>
+            <a:off x="15820113" y="11991181"/>
             <a:ext cx="429537" cy="457200"/>
           </a:xfrm>
           <a:prstGeom prst="stripedRightArrow">
@@ -9541,44 +9499,6 @@
           </a:p>
         </p:txBody>
       </p:sp>
-      <p:pic>
-        <p:nvPicPr>
-          <p:cNvPr id="14" name="Picture 2"/>
-          <p:cNvPicPr>
-            <a:picLocks noChangeAspect="1" noChangeArrowheads="1"/>
-          </p:cNvPicPr>
-          <p:nvPr/>
-        </p:nvPicPr>
-        <p:blipFill>
-          <a:blip r:embed="rId6">
-            <a:extLst>
-              <a:ext uri="{28A0092B-C50C-407E-A947-70E740481C1C}">
-                <a14:useLocalDpi xmlns:a14="http://schemas.microsoft.com/office/drawing/2010/main" val="0"/>
-              </a:ext>
-            </a:extLst>
-          </a:blip>
-          <a:srcRect/>
-          <a:stretch>
-            <a:fillRect/>
-          </a:stretch>
-        </p:blipFill>
-        <p:spPr bwMode="auto">
-          <a:xfrm>
-            <a:off x="16533922" y="11365508"/>
-            <a:ext cx="2154128" cy="1844873"/>
-          </a:xfrm>
-          <a:prstGeom prst="rect">
-            <a:avLst/>
-          </a:prstGeom>
-          <a:solidFill>
-            <a:schemeClr val="bg1"/>
-          </a:solidFill>
-          <a:ln>
-            <a:noFill/>
-          </a:ln>
-          <a:effectLst/>
-        </p:spPr>
-      </p:pic>
       <p:grpSp>
         <p:nvGrpSpPr>
           <p:cNvPr id="4" name="Group 3"/>
@@ -9587,7 +9507,7 @@
         </p:nvGrpSpPr>
         <p:grpSpPr>
           <a:xfrm>
-            <a:off x="16380252" y="13591125"/>
+            <a:off x="16532652" y="13591125"/>
             <a:ext cx="2460198" cy="381256"/>
             <a:chOff x="16456452" y="13683387"/>
             <a:chExt cx="2460198" cy="381256"/>
@@ -9756,23 +9676,7 @@
                     <a:schemeClr val="bg1"/>
                   </a:solidFill>
                 </a:rPr>
-                <a:t>Output </a:t>
-              </a:r>
-              <a:r>
-                <a:rPr lang="en-GB" sz="1800" dirty="0" smtClean="0">
-                  <a:solidFill>
-                    <a:schemeClr val="bg1"/>
-                  </a:solidFill>
-                </a:rPr>
-                <a:t>feature </a:t>
-              </a:r>
-              <a:r>
-                <a:rPr lang="en-GB" sz="1800" dirty="0" smtClean="0">
-                  <a:solidFill>
-                    <a:schemeClr val="bg1"/>
-                  </a:solidFill>
-                </a:rPr>
-                <a:t>map</a:t>
+                <a:t>Output feature map</a:t>
               </a:r>
               <a:endParaRPr lang="en-GB" sz="1800" dirty="0">
                 <a:solidFill>
@@ -9791,7 +9695,7 @@
         </p:nvSpPr>
         <p:spPr bwMode="auto">
           <a:xfrm>
-            <a:off x="16351000" y="15496381"/>
+            <a:off x="16351000" y="15494959"/>
             <a:ext cx="432050" cy="457200"/>
           </a:xfrm>
           <a:prstGeom prst="stripedRightArrow">
@@ -9922,7 +9826,7 @@
           </p:xfrm>
           <a:graphic>
             <a:graphicData uri="http://schemas.openxmlformats.org/drawingml/2006/chart">
-              <c:chart xmlns:c="http://schemas.openxmlformats.org/drawingml/2006/chart" xmlns:r="http://schemas.openxmlformats.org/officeDocument/2006/relationships" r:id="rId7"/>
+              <c:chart xmlns:c="http://schemas.openxmlformats.org/drawingml/2006/chart" xmlns:r="http://schemas.openxmlformats.org/officeDocument/2006/relationships" r:id="rId6"/>
             </a:graphicData>
           </a:graphic>
         </p:graphicFrame>
@@ -9946,7 +9850,7 @@
           </p:xfrm>
           <a:graphic>
             <a:graphicData uri="http://schemas.openxmlformats.org/drawingml/2006/chart">
-              <c:chart xmlns:c="http://schemas.openxmlformats.org/drawingml/2006/chart" xmlns:r="http://schemas.openxmlformats.org/officeDocument/2006/relationships" r:id="rId8"/>
+              <c:chart xmlns:c="http://schemas.openxmlformats.org/drawingml/2006/chart" xmlns:r="http://schemas.openxmlformats.org/officeDocument/2006/relationships" r:id="rId7"/>
             </a:graphicData>
           </a:graphic>
         </p:graphicFrame>
@@ -9970,7 +9874,7 @@
           </p:xfrm>
           <a:graphic>
             <a:graphicData uri="http://schemas.openxmlformats.org/drawingml/2006/chart">
-              <c:chart xmlns:c="http://schemas.openxmlformats.org/drawingml/2006/chart" xmlns:r="http://schemas.openxmlformats.org/officeDocument/2006/relationships" r:id="rId9"/>
+              <c:chart xmlns:c="http://schemas.openxmlformats.org/drawingml/2006/chart" xmlns:r="http://schemas.openxmlformats.org/officeDocument/2006/relationships" r:id="rId8"/>
             </a:graphicData>
           </a:graphic>
         </p:graphicFrame>
@@ -10035,8 +9939,8 @@
           </a:p>
         </p:txBody>
       </p:sp>
-      <mc:AlternateContent xmlns:mc="http://schemas.openxmlformats.org/markup-compatibility/2006">
-        <mc:Choice xmlns:a14="http://schemas.microsoft.com/office/drawing/2010/main" Requires="a14">
+      <mc:AlternateContent xmlns:mc="http://schemas.openxmlformats.org/markup-compatibility/2006" xmlns:a14="http://schemas.microsoft.com/office/drawing/2010/main">
+        <mc:Choice Requires="a14">
           <p:sp>
             <p:nvSpPr>
               <p:cNvPr id="49" name="TextBox 48"/>
@@ -10080,7 +9984,7 @@
             </p:txBody>
           </p:sp>
         </mc:Choice>
-        <mc:Fallback>
+        <mc:Fallback xmlns="">
           <p:sp>
             <p:nvSpPr>
               <p:cNvPr id="49" name="TextBox 48"/>
@@ -10422,15 +10326,7 @@
             </a:pPr>
             <a:r>
               <a:rPr lang="en-GB" sz="3200" dirty="0" smtClean="0"/>
-              <a:t>6 </a:t>
-            </a:r>
-            <a:r>
-              <a:rPr lang="en-GB" sz="3200" dirty="0" smtClean="0"/>
-              <a:t>patients, 3 </a:t>
-            </a:r>
-            <a:r>
-              <a:rPr lang="en-GB" sz="3200" dirty="0" smtClean="0"/>
-              <a:t>with oral </a:t>
+              <a:t>6 patients, 3 with oral </a:t>
             </a:r>
             <a:r>
               <a:rPr lang="en-GB" sz="3200" dirty="0"/>
@@ -10451,15 +10347,7 @@
             </a:pPr>
             <a:r>
               <a:rPr lang="en-GB" sz="3200" dirty="0" smtClean="0"/>
-              <a:t>10k </a:t>
-            </a:r>
-            <a:r>
-              <a:rPr lang="en-GB" sz="3200" dirty="0" smtClean="0"/>
-              <a:t>cell images (80x80) </a:t>
-            </a:r>
-            <a:r>
-              <a:rPr lang="en-GB" sz="3200" dirty="0" smtClean="0"/>
-              <a:t>[1</a:t>
+              <a:t>10k cell images (80x80) [1</a:t>
             </a:r>
             <a:r>
               <a:rPr lang="en-GB" sz="3200" dirty="0"/>
@@ -10476,15 +10364,7 @@
             </a:pPr>
             <a:r>
               <a:rPr lang="en-GB" sz="3200" dirty="0" smtClean="0"/>
-              <a:t>Only patient diagnosis </a:t>
-            </a:r>
-            <a:r>
-              <a:rPr lang="en-GB" sz="3200" dirty="0" smtClean="0"/>
-              <a:t>known, not individual cell </a:t>
-            </a:r>
-            <a:r>
-              <a:rPr lang="en-GB" sz="3200" dirty="0" smtClean="0"/>
-              <a:t>classification</a:t>
+              <a:t>Only patient diagnosis known, not individual cell classification</a:t>
             </a:r>
           </a:p>
           <a:p>
@@ -10992,11 +10872,7 @@
             </a:pPr>
             <a:r>
               <a:rPr lang="sv-SE" sz="3200" dirty="0" smtClean="0"/>
-              <a:t>LBPs </a:t>
-            </a:r>
-            <a:r>
-              <a:rPr lang="sv-SE" sz="3200" dirty="0" smtClean="0"/>
-              <a:t>[2] are </a:t>
+              <a:t>LBPs [2] are </a:t>
             </a:r>
             <a:r>
               <a:rPr lang="sv-SE" sz="3200" dirty="0"/>
@@ -11017,11 +10893,7 @@
             </a:pPr>
             <a:r>
               <a:rPr lang="en-GB" sz="3200" dirty="0" smtClean="0"/>
-              <a:t>Use intensity level of central pixel to threshold </a:t>
-            </a:r>
-            <a:r>
-              <a:rPr lang="en-GB" sz="3200" dirty="0" smtClean="0"/>
-              <a:t>values </a:t>
+              <a:t>Use intensity level of central pixel to threshold values </a:t>
             </a:r>
             <a:r>
               <a:rPr lang="en-GB" sz="3200" dirty="0"/>
@@ -11063,11 +10935,7 @@
             </a:pPr>
             <a:r>
               <a:rPr lang="en-GB" sz="3200" dirty="0" smtClean="0"/>
-              <a:t>Rotational </a:t>
-            </a:r>
-            <a:r>
-              <a:rPr lang="en-GB" sz="3200" dirty="0" smtClean="0"/>
-              <a:t>equivalents and </a:t>
+              <a:t>Rotational equivalents and </a:t>
             </a:r>
             <a:r>
               <a:rPr lang="en-GB" sz="3200" dirty="0"/>
@@ -11395,10 +11263,10 @@
         </p:nvGrpSpPr>
         <p:grpSpPr>
           <a:xfrm>
-            <a:off x="16478250" y="21469267"/>
-            <a:ext cx="2476999" cy="427914"/>
-            <a:chOff x="15677651" y="21224684"/>
-            <a:chExt cx="2476999" cy="427914"/>
+            <a:off x="16500386" y="21471663"/>
+            <a:ext cx="2476999" cy="366951"/>
+            <a:chOff x="15677651" y="21227443"/>
+            <a:chExt cx="2476999" cy="425155"/>
           </a:xfrm>
         </p:grpSpPr>
         <p:grpSp>
@@ -11544,7 +11412,7 @@
           </p:nvSpPr>
           <p:spPr>
             <a:xfrm>
-              <a:off x="15944850" y="21224684"/>
+              <a:off x="15890216" y="21234471"/>
               <a:ext cx="2127499" cy="369332"/>
             </a:xfrm>
             <a:prstGeom prst="rect">
@@ -11862,7 +11730,7 @@
         </p:nvSpPr>
         <p:spPr bwMode="auto">
           <a:xfrm>
-            <a:off x="8866911" y="20068381"/>
+            <a:off x="8866911" y="19992181"/>
             <a:ext cx="524739" cy="457200"/>
           </a:xfrm>
           <a:prstGeom prst="stripedRightArrow">
@@ -11936,10 +11804,10 @@
           </p:nvGrpSpPr>
           <p:grpSpPr>
             <a:xfrm>
-              <a:off x="12140006" y="21770379"/>
-              <a:ext cx="2591446" cy="443151"/>
-              <a:chOff x="12140006" y="21770379"/>
-              <a:chExt cx="2591446" cy="443151"/>
+              <a:off x="12140011" y="21846574"/>
+              <a:ext cx="2591441" cy="376631"/>
+              <a:chOff x="12140011" y="21846574"/>
+              <a:chExt cx="2591441" cy="376631"/>
             </a:xfrm>
           </p:grpSpPr>
           <p:grpSp>
@@ -11950,10 +11818,10 @@
             </p:nvGrpSpPr>
             <p:grpSpPr>
               <a:xfrm>
-                <a:off x="12140006" y="21770379"/>
-                <a:ext cx="2585644" cy="443151"/>
-                <a:chOff x="21416658" y="4904581"/>
-                <a:chExt cx="1719567" cy="228600"/>
+                <a:off x="12140011" y="21846574"/>
+                <a:ext cx="2585646" cy="355413"/>
+                <a:chOff x="21416657" y="4943880"/>
+                <a:chExt cx="1719568" cy="183340"/>
               </a:xfrm>
             </p:grpSpPr>
             <p:sp>
@@ -11964,8 +11832,8 @@
               </p:nvSpPr>
               <p:spPr bwMode="auto">
                 <a:xfrm flipH="1">
-                  <a:off x="21416658" y="4904581"/>
-                  <a:ext cx="1004869" cy="228600"/>
+                  <a:off x="21416657" y="4943885"/>
+                  <a:ext cx="1004869" cy="183335"/>
                 </a:xfrm>
                 <a:prstGeom prst="homePlate">
                   <a:avLst/>
@@ -12024,8 +11892,8 @@
               </p:nvSpPr>
               <p:spPr bwMode="auto">
                 <a:xfrm>
-                  <a:off x="22421528" y="4904581"/>
-                  <a:ext cx="714697" cy="228600"/>
+                  <a:off x="22421528" y="4943880"/>
+                  <a:ext cx="714697" cy="183336"/>
                 </a:xfrm>
                 <a:prstGeom prst="homePlate">
                   <a:avLst/>
@@ -12085,7 +11953,7 @@
             </p:nvSpPr>
             <p:spPr>
               <a:xfrm>
-                <a:off x="12211050" y="21820981"/>
+                <a:off x="12211050" y="21853873"/>
                 <a:ext cx="2520402" cy="369332"/>
               </a:xfrm>
               <a:prstGeom prst="rect">
@@ -12114,15 +11982,7 @@
                       <a:schemeClr val="bg1"/>
                     </a:solidFill>
                   </a:rPr>
-                  <a:t> </a:t>
-                </a:r>
-                <a:r>
-                  <a:rPr lang="sv-SE" sz="1800" dirty="0" smtClean="0">
-                    <a:solidFill>
-                      <a:schemeClr val="bg1"/>
-                    </a:solidFill>
-                  </a:rPr>
-                  <a:t>rotated copies</a:t>
+                  <a:t> rotated copies</a:t>
                 </a:r>
                 <a:endParaRPr lang="en-GB" sz="1800" dirty="0">
                   <a:solidFill>
@@ -12141,10 +12001,10 @@
           </p:nvGrpSpPr>
           <p:grpSpPr>
             <a:xfrm>
-              <a:off x="9925050" y="20996830"/>
-              <a:ext cx="1981200" cy="443151"/>
-              <a:chOff x="9972697" y="20761782"/>
-              <a:chExt cx="1981200" cy="443151"/>
+              <a:off x="9925050" y="20994449"/>
+              <a:ext cx="1981200" cy="369344"/>
+              <a:chOff x="9972697" y="20759401"/>
+              <a:chExt cx="1981200" cy="369344"/>
             </a:xfrm>
           </p:grpSpPr>
           <p:grpSp>
@@ -12155,10 +12015,10 @@
             </p:nvGrpSpPr>
             <p:grpSpPr>
               <a:xfrm>
-                <a:off x="9972697" y="20761782"/>
-                <a:ext cx="1981200" cy="443151"/>
-                <a:chOff x="21416658" y="4904581"/>
-                <a:chExt cx="1719567" cy="228600"/>
+                <a:off x="9972697" y="20767057"/>
+                <a:ext cx="1981200" cy="361688"/>
+                <a:chOff x="21416658" y="4907297"/>
+                <a:chExt cx="1719567" cy="186577"/>
               </a:xfrm>
             </p:grpSpPr>
             <p:sp>
@@ -12169,8 +12029,8 @@
               </p:nvSpPr>
               <p:spPr bwMode="auto">
                 <a:xfrm flipH="1">
-                  <a:off x="21416658" y="4904581"/>
-                  <a:ext cx="1004869" cy="228600"/>
+                  <a:off x="21416658" y="4907297"/>
+                  <a:ext cx="1004869" cy="186577"/>
                 </a:xfrm>
                 <a:prstGeom prst="homePlate">
                   <a:avLst/>
@@ -12229,8 +12089,8 @@
               </p:nvSpPr>
               <p:spPr bwMode="auto">
                 <a:xfrm>
-                  <a:off x="22421528" y="4904581"/>
-                  <a:ext cx="714697" cy="228600"/>
+                  <a:off x="22421528" y="4907297"/>
+                  <a:ext cx="714697" cy="186577"/>
                 </a:xfrm>
                 <a:prstGeom prst="homePlate">
                   <a:avLst/>
@@ -12290,7 +12150,7 @@
             </p:nvSpPr>
             <p:spPr>
               <a:xfrm>
-                <a:off x="10136714" y="20830381"/>
+                <a:off x="10136714" y="20759401"/>
                 <a:ext cx="1693336" cy="369332"/>
               </a:xfrm>
               <a:prstGeom prst="rect">
@@ -12619,36 +12479,6 @@
           </a:p>
         </p:txBody>
       </p:sp>
-      <p:pic>
-        <p:nvPicPr>
-          <p:cNvPr id="3" name="Picture 2"/>
-          <p:cNvPicPr>
-            <a:picLocks noChangeAspect="1"/>
-          </p:cNvPicPr>
-          <p:nvPr/>
-        </p:nvPicPr>
-        <p:blipFill>
-          <a:blip r:embed="rId24">
-            <a:extLst>
-              <a:ext uri="{28A0092B-C50C-407E-A947-70E740481C1C}">
-                <a14:useLocalDpi xmlns:a14="http://schemas.microsoft.com/office/drawing/2010/main" val="0"/>
-              </a:ext>
-            </a:extLst>
-          </a:blip>
-          <a:stretch>
-            <a:fillRect/>
-          </a:stretch>
-        </p:blipFill>
-        <p:spPr>
-          <a:xfrm>
-            <a:off x="6115050" y="11069581"/>
-            <a:ext cx="2293200" cy="2293200"/>
-          </a:xfrm>
-          <a:prstGeom prst="rect">
-            <a:avLst/>
-          </a:prstGeom>
-        </p:spPr>
-      </p:pic>
       <p:grpSp>
         <p:nvGrpSpPr>
           <p:cNvPr id="18" name="Group 17"/>
@@ -12846,7 +12676,7 @@
         </p:nvSpPr>
         <p:spPr bwMode="auto">
           <a:xfrm>
-            <a:off x="10113727" y="15496381"/>
+            <a:off x="10113727" y="15494959"/>
             <a:ext cx="420923" cy="457200"/>
           </a:xfrm>
           <a:prstGeom prst="stripedRightArrow">
@@ -12907,7 +12737,7 @@
           <p:nvPr/>
         </p:nvPicPr>
         <p:blipFill>
-          <a:blip r:embed="rId25">
+          <a:blip r:embed="rId24">
             <a:extLst>
               <a:ext uri="{28A0092B-C50C-407E-A947-70E740481C1C}">
                 <a14:useLocalDpi xmlns:a14="http://schemas.microsoft.com/office/drawing/2010/main" val="0"/>
@@ -12928,8 +12758,8 @@
           </a:prstGeom>
         </p:spPr>
       </p:pic>
-      <mc:AlternateContent xmlns:mc="http://schemas.openxmlformats.org/markup-compatibility/2006">
-        <mc:Choice xmlns:a14="http://schemas.microsoft.com/office/drawing/2010/main" Requires="a14">
+      <mc:AlternateContent xmlns:mc="http://schemas.openxmlformats.org/markup-compatibility/2006" xmlns:a14="http://schemas.microsoft.com/office/drawing/2010/main">
+        <mc:Choice Requires="a14">
           <p:sp>
             <p:nvSpPr>
               <p:cNvPr id="10" name="TextBox 9"/>
@@ -12952,6 +12782,7 @@
               </a:bodyPr>
               <a:lstStyle/>
               <a:p>
+                <a:pPr/>
                 <a14:m>
                   <m:oMathPara xmlns:m="http://schemas.openxmlformats.org/officeDocument/2006/math">
                     <m:oMathParaPr>
@@ -13009,6 +12840,7 @@
                 </a:endParaRPr>
               </a:p>
               <a:p>
+                <a:pPr/>
                 <a14:m>
                   <m:oMathPara xmlns:m="http://schemas.openxmlformats.org/officeDocument/2006/math">
                     <m:oMathParaPr>
@@ -13065,7 +12897,7 @@
             </p:txBody>
           </p:sp>
         </mc:Choice>
-        <mc:Fallback>
+        <mc:Fallback xmlns="">
           <p:sp>
             <p:nvSpPr>
               <p:cNvPr id="10" name="TextBox 9"/>
@@ -13112,7 +12944,7 @@
         </p:nvSpPr>
         <p:spPr bwMode="auto">
           <a:xfrm>
-            <a:off x="8020050" y="15496381"/>
+            <a:off x="8020050" y="15494959"/>
             <a:ext cx="420923" cy="457200"/>
           </a:xfrm>
           <a:prstGeom prst="stripedRightArrow">
@@ -14680,683 +14512,71 @@
           </a:p>
         </p:txBody>
       </p:sp>
-    </p:spTree>
-  </p:cSld>
-  <p:clrMapOvr>
-    <a:masterClrMapping/>
-  </p:clrMapOvr>
-  <p:timing>
-    <p:tnLst>
-      <p:par>
-        <p:cTn id="1" dur="indefinite" restart="never" nodeType="tmRoot"/>
-      </p:par>
-    </p:tnLst>
-  </p:timing>
-</p:sld>
-</file>
-
-<file path=ppt/slides/slide2.xml><?xml version="1.0" encoding="utf-8"?>
-<p:sld xmlns:a="http://schemas.openxmlformats.org/drawingml/2006/main" xmlns:r="http://schemas.openxmlformats.org/officeDocument/2006/relationships" xmlns:p="http://schemas.openxmlformats.org/presentationml/2006/main">
-  <p:cSld>
-    <p:spTree>
-      <p:nvGrpSpPr>
-        <p:cNvPr id="1" name=""/>
-        <p:cNvGrpSpPr/>
-        <p:nvPr/>
-      </p:nvGrpSpPr>
-      <p:grpSpPr>
-        <a:xfrm>
-          <a:off x="0" y="0"/>
-          <a:ext cx="0" cy="0"/>
-          <a:chOff x="0" y="0"/>
-          <a:chExt cx="0" cy="0"/>
-        </a:xfrm>
-      </p:grpSpPr>
       <p:pic>
         <p:nvPicPr>
-          <p:cNvPr id="5" name="Picture 4"/>
-          <p:cNvPicPr>
-            <a:picLocks noChangeAspect="1"/>
-          </p:cNvPicPr>
+          <p:cNvPr id="144" name="Image2"/>
+          <p:cNvPicPr/>
           <p:nvPr/>
         </p:nvPicPr>
-        <p:blipFill>
-          <a:blip r:embed="rId2">
-            <a:extLst>
-              <a:ext uri="{28A0092B-C50C-407E-A947-70E740481C1C}">
-                <a14:useLocalDpi xmlns:a14="http://schemas.microsoft.com/office/drawing/2010/main" val="0"/>
-              </a:ext>
-            </a:extLst>
+        <p:blipFill rotWithShape="1">
+          <a:blip r:embed="rId29">
+            <a:lum/>
+            <a:alphaModFix/>
           </a:blip>
-          <a:stretch>
-            <a:fillRect/>
-          </a:stretch>
+          <a:srcRect l="1739" t="13221" r="87561" b="76685"/>
+          <a:stretch/>
         </p:blipFill>
-        <p:spPr>
+        <p:spPr bwMode="auto">
           <a:xfrm>
-            <a:off x="18535650" y="8638381"/>
-            <a:ext cx="4476750" cy="4470400"/>
+            <a:off x="6138655" y="11089425"/>
+            <a:ext cx="2270986" cy="2235003"/>
           </a:xfrm>
           <a:prstGeom prst="rect">
             <a:avLst/>
           </a:prstGeom>
+          <a:ln>
+            <a:noFill/>
+          </a:ln>
+          <a:extLst>
+            <a:ext uri="{53640926-AAD7-44D8-BBD7-CCE9431645EC}">
+              <a14:shadowObscured xmlns:a14="http://schemas.microsoft.com/office/drawing/2010/main"/>
+            </a:ext>
+          </a:extLst>
         </p:spPr>
       </p:pic>
       <p:pic>
         <p:nvPicPr>
-          <p:cNvPr id="10" name="Picture 9"/>
-          <p:cNvPicPr>
-            <a:picLocks noChangeAspect="1"/>
-          </p:cNvPicPr>
+          <p:cNvPr id="145" name="Image2"/>
+          <p:cNvPicPr/>
           <p:nvPr/>
         </p:nvPicPr>
-        <p:blipFill>
-          <a:blip r:embed="rId3">
-            <a:extLst>
-              <a:ext uri="{28A0092B-C50C-407E-A947-70E740481C1C}">
-                <a14:useLocalDpi xmlns:a14="http://schemas.microsoft.com/office/drawing/2010/main" val="0"/>
-              </a:ext>
-            </a:extLst>
+        <p:blipFill rotWithShape="1">
+          <a:blip r:embed="rId29">
+            <a:lum/>
+            <a:alphaModFix/>
           </a:blip>
-          <a:stretch>
-            <a:fillRect/>
-          </a:stretch>
+          <a:srcRect l="45336" t="13437" r="44140" b="76939"/>
+          <a:stretch/>
         </p:blipFill>
-        <p:spPr>
-          <a:xfrm rot="859080">
-            <a:off x="19025244" y="9274908"/>
-            <a:ext cx="4476750" cy="4470400"/>
+        <p:spPr bwMode="auto">
+          <a:xfrm>
+            <a:off x="16630650" y="11172239"/>
+            <a:ext cx="2242868" cy="2190542"/>
           </a:xfrm>
           <a:prstGeom prst="rect">
             <a:avLst/>
           </a:prstGeom>
-        </p:spPr>
-      </p:pic>
-      <p:pic>
-        <p:nvPicPr>
-          <p:cNvPr id="11" name="Picture 10"/>
-          <p:cNvPicPr>
-            <a:picLocks noChangeAspect="1"/>
-          </p:cNvPicPr>
-          <p:nvPr/>
-        </p:nvPicPr>
-        <p:blipFill>
-          <a:blip r:embed="rId3">
-            <a:extLst>
-              <a:ext uri="{28A0092B-C50C-407E-A947-70E740481C1C}">
-                <a14:useLocalDpi xmlns:a14="http://schemas.microsoft.com/office/drawing/2010/main" val="0"/>
-              </a:ext>
-            </a:extLst>
-          </a:blip>
-          <a:stretch>
-            <a:fillRect/>
-          </a:stretch>
-        </p:blipFill>
-        <p:spPr>
-          <a:xfrm rot="1771762">
-            <a:off x="19352904" y="10060863"/>
-            <a:ext cx="4476750" cy="4470400"/>
-          </a:xfrm>
-          <a:prstGeom prst="rect">
-            <a:avLst/>
-          </a:prstGeom>
-        </p:spPr>
-      </p:pic>
-      <p:pic>
-        <p:nvPicPr>
-          <p:cNvPr id="12" name="Picture 11"/>
-          <p:cNvPicPr>
-            <a:picLocks noChangeAspect="1"/>
-          </p:cNvPicPr>
-          <p:nvPr/>
-        </p:nvPicPr>
-        <p:blipFill>
-          <a:blip r:embed="rId3">
-            <a:extLst>
-              <a:ext uri="{28A0092B-C50C-407E-A947-70E740481C1C}">
-                <a14:useLocalDpi xmlns:a14="http://schemas.microsoft.com/office/drawing/2010/main" val="0"/>
-              </a:ext>
-            </a:extLst>
-          </a:blip>
-          <a:stretch>
-            <a:fillRect/>
-          </a:stretch>
-        </p:blipFill>
-        <p:spPr>
-          <a:xfrm rot="2596839">
-            <a:off x="19465562" y="10784185"/>
-            <a:ext cx="4476750" cy="4470400"/>
-          </a:xfrm>
-          <a:prstGeom prst="rect">
-            <a:avLst/>
-          </a:prstGeom>
-        </p:spPr>
-      </p:pic>
-      <p:cxnSp>
-        <p:nvCxnSpPr>
-          <p:cNvPr id="14" name="Straight Arrow Connector 13"/>
-          <p:cNvCxnSpPr/>
-          <p:nvPr/>
-        </p:nvCxnSpPr>
-        <p:spPr bwMode="auto">
-          <a:xfrm flipV="1">
-            <a:off x="18535650" y="7114381"/>
-            <a:ext cx="0" cy="5994400"/>
-          </a:xfrm>
-          <a:prstGeom prst="straightConnector1">
-            <a:avLst/>
-          </a:prstGeom>
-          <a:noFill/>
-          <a:ln w="50800" cap="flat" cmpd="sng" algn="ctr">
-            <a:solidFill>
-              <a:schemeClr val="tx1"/>
-            </a:solidFill>
-            <a:prstDash val="solid"/>
-            <a:round/>
-            <a:headEnd type="none" w="med" len="med"/>
-            <a:tailEnd type="triangle" w="lg" len="lg"/>
+          <a:ln>
+            <a:noFill/>
           </a:ln>
-          <a:effectLst/>
           <a:extLst>
-            <a:ext uri="{909E8E84-426E-40DD-AFC4-6F175D3DCCD1}">
-              <a14:hiddenFill xmlns:a14="http://schemas.microsoft.com/office/drawing/2010/main">
-                <a:solidFill>
-                  <a:schemeClr val="accent1"/>
-                </a:solidFill>
-              </a14:hiddenFill>
-            </a:ext>
-            <a:ext uri="{AF507438-7753-43E0-B8FC-AC1667EBCBE1}">
-              <a14:hiddenEffects xmlns:a14="http://schemas.microsoft.com/office/drawing/2010/main">
-                <a:effectLst>
-                  <a:outerShdw dist="35921" dir="2700000" algn="ctr" rotWithShape="0">
-                    <a:schemeClr val="bg2"/>
-                  </a:outerShdw>
-                </a:effectLst>
-              </a14:hiddenEffects>
+            <a:ext uri="{53640926-AAD7-44D8-BBD7-CCE9431645EC}">
+              <a14:shadowObscured xmlns:a14="http://schemas.microsoft.com/office/drawing/2010/main"/>
             </a:ext>
           </a:extLst>
         </p:spPr>
-      </p:cxnSp>
-      <p:cxnSp>
-        <p:nvCxnSpPr>
-          <p:cNvPr id="16" name="Straight Arrow Connector 15"/>
-          <p:cNvCxnSpPr/>
-          <p:nvPr/>
-        </p:nvCxnSpPr>
-        <p:spPr bwMode="auto">
-          <a:xfrm flipV="1">
-            <a:off x="18535650" y="7038181"/>
-            <a:ext cx="1600200" cy="6096000"/>
-          </a:xfrm>
-          <a:prstGeom prst="straightConnector1">
-            <a:avLst/>
-          </a:prstGeom>
-          <a:noFill/>
-          <a:ln w="50800" cap="flat" cmpd="sng" algn="ctr">
-            <a:solidFill>
-              <a:schemeClr val="tx1"/>
-            </a:solidFill>
-            <a:prstDash val="solid"/>
-            <a:round/>
-            <a:headEnd type="none" w="med" len="med"/>
-            <a:tailEnd type="triangle" w="lg" len="lg"/>
-          </a:ln>
-          <a:effectLst/>
-          <a:extLst>
-            <a:ext uri="{909E8E84-426E-40DD-AFC4-6F175D3DCCD1}">
-              <a14:hiddenFill xmlns:a14="http://schemas.microsoft.com/office/drawing/2010/main">
-                <a:solidFill>
-                  <a:schemeClr val="accent1"/>
-                </a:solidFill>
-              </a14:hiddenFill>
-            </a:ext>
-            <a:ext uri="{AF507438-7753-43E0-B8FC-AC1667EBCBE1}">
-              <a14:hiddenEffects xmlns:a14="http://schemas.microsoft.com/office/drawing/2010/main">
-                <a:effectLst>
-                  <a:outerShdw dist="35921" dir="2700000" algn="ctr" rotWithShape="0">
-                    <a:schemeClr val="bg2"/>
-                  </a:outerShdw>
-                </a:effectLst>
-              </a14:hiddenEffects>
-            </a:ext>
-          </a:extLst>
-        </p:spPr>
-      </p:cxnSp>
-      <p:cxnSp>
-        <p:nvCxnSpPr>
-          <p:cNvPr id="18" name="Straight Arrow Connector 17"/>
-          <p:cNvCxnSpPr/>
-          <p:nvPr/>
-        </p:nvCxnSpPr>
-        <p:spPr bwMode="auto">
-          <a:xfrm flipV="1">
-            <a:off x="18535650" y="7495381"/>
-            <a:ext cx="3200400" cy="5638800"/>
-          </a:xfrm>
-          <a:prstGeom prst="straightConnector1">
-            <a:avLst/>
-          </a:prstGeom>
-          <a:noFill/>
-          <a:ln w="50800" cap="flat" cmpd="sng" algn="ctr">
-            <a:solidFill>
-              <a:schemeClr val="tx1"/>
-            </a:solidFill>
-            <a:prstDash val="solid"/>
-            <a:round/>
-            <a:headEnd type="none" w="med" len="med"/>
-            <a:tailEnd type="triangle" w="lg" len="lg"/>
-          </a:ln>
-          <a:effectLst/>
-          <a:extLst>
-            <a:ext uri="{909E8E84-426E-40DD-AFC4-6F175D3DCCD1}">
-              <a14:hiddenFill xmlns:a14="http://schemas.microsoft.com/office/drawing/2010/main">
-                <a:solidFill>
-                  <a:schemeClr val="accent1"/>
-                </a:solidFill>
-              </a14:hiddenFill>
-            </a:ext>
-            <a:ext uri="{AF507438-7753-43E0-B8FC-AC1667EBCBE1}">
-              <a14:hiddenEffects xmlns:a14="http://schemas.microsoft.com/office/drawing/2010/main">
-                <a:effectLst>
-                  <a:outerShdw dist="35921" dir="2700000" algn="ctr" rotWithShape="0">
-                    <a:schemeClr val="bg2"/>
-                  </a:outerShdw>
-                </a:effectLst>
-              </a14:hiddenEffects>
-            </a:ext>
-          </a:extLst>
-        </p:spPr>
-      </p:cxnSp>
-      <p:cxnSp>
-        <p:nvCxnSpPr>
-          <p:cNvPr id="20" name="Straight Arrow Connector 19"/>
-          <p:cNvCxnSpPr/>
-          <p:nvPr/>
-        </p:nvCxnSpPr>
-        <p:spPr bwMode="auto">
-          <a:xfrm flipV="1">
-            <a:off x="18535650" y="8333581"/>
-            <a:ext cx="4572000" cy="4800600"/>
-          </a:xfrm>
-          <a:prstGeom prst="straightConnector1">
-            <a:avLst/>
-          </a:prstGeom>
-          <a:noFill/>
-          <a:ln w="50800" cap="flat" cmpd="sng" algn="ctr">
-            <a:solidFill>
-              <a:schemeClr val="tx1"/>
-            </a:solidFill>
-            <a:prstDash val="solid"/>
-            <a:round/>
-            <a:headEnd type="none" w="med" len="med"/>
-            <a:tailEnd type="triangle" w="lg" len="lg"/>
-          </a:ln>
-          <a:effectLst/>
-          <a:extLst>
-            <a:ext uri="{909E8E84-426E-40DD-AFC4-6F175D3DCCD1}">
-              <a14:hiddenFill xmlns:a14="http://schemas.microsoft.com/office/drawing/2010/main">
-                <a:solidFill>
-                  <a:schemeClr val="accent1"/>
-                </a:solidFill>
-              </a14:hiddenFill>
-            </a:ext>
-            <a:ext uri="{AF507438-7753-43E0-B8FC-AC1667EBCBE1}">
-              <a14:hiddenEffects xmlns:a14="http://schemas.microsoft.com/office/drawing/2010/main">
-                <a:effectLst>
-                  <a:outerShdw dist="35921" dir="2700000" algn="ctr" rotWithShape="0">
-                    <a:schemeClr val="bg2"/>
-                  </a:outerShdw>
-                </a:effectLst>
-              </a14:hiddenEffects>
-            </a:ext>
-          </a:extLst>
-        </p:spPr>
-      </p:cxnSp>
-      <p:sp>
-        <p:nvSpPr>
-          <p:cNvPr id="27" name="Arc 26"/>
-          <p:cNvSpPr/>
-          <p:nvPr/>
-        </p:nvSpPr>
-        <p:spPr bwMode="auto">
-          <a:xfrm rot="19102817">
-            <a:off x="17757956" y="7664044"/>
-            <a:ext cx="2614205" cy="2347065"/>
-          </a:xfrm>
-          <a:prstGeom prst="arc">
-            <a:avLst>
-              <a:gd name="adj1" fmla="val 17560726"/>
-              <a:gd name="adj2" fmla="val 20811108"/>
-            </a:avLst>
-          </a:prstGeom>
-          <a:noFill/>
-          <a:ln w="50800" cap="rnd">
-            <a:solidFill>
-              <a:schemeClr val="tx1"/>
-            </a:solidFill>
-          </a:ln>
-          <a:effectLst/>
-          <a:extLst/>
-        </p:spPr>
-        <p:txBody>
-          <a:bodyPr vert="horz" wrap="square" lIns="457200" tIns="228600" rIns="457200" bIns="228600" numCol="1" rtlCol="0" anchor="t" anchorCtr="0" compatLnSpc="1">
-            <a:prstTxWarp prst="textNoShape">
-              <a:avLst/>
-            </a:prstTxWarp>
-          </a:bodyPr>
-          <a:lstStyle/>
-          <a:p>
-            <a:pPr marL="0" marR="0" indent="0" algn="l" defTabSz="914400" rtl="0" eaLnBrk="1" fontAlgn="base" latinLnBrk="0" hangingPunct="1">
-              <a:lnSpc>
-                <a:spcPct val="100000"/>
-              </a:lnSpc>
-              <a:spcBef>
-                <a:spcPct val="20000"/>
-              </a:spcBef>
-              <a:spcAft>
-                <a:spcPct val="0"/>
-              </a:spcAft>
-              <a:buClrTx/>
-              <a:buSzTx/>
-              <a:buFontTx/>
-              <a:buNone/>
-              <a:tabLst/>
-            </a:pPr>
-            <a:endParaRPr kumimoji="0" lang="en-GB" sz="4600" b="0" i="0" u="none" strike="noStrike" cap="none" normalizeH="0" baseline="0" smtClean="0">
-              <a:ln>
-                <a:noFill/>
-              </a:ln>
-              <a:solidFill>
-                <a:srgbClr val="000000"/>
-              </a:solidFill>
-              <a:effectLst/>
-              <a:latin typeface="Arial" charset="0"/>
-            </a:endParaRPr>
-          </a:p>
-        </p:txBody>
-      </p:sp>
-      <p:sp>
-        <p:nvSpPr>
-          <p:cNvPr id="28" name="TextBox 27"/>
-          <p:cNvSpPr txBox="1"/>
-          <p:nvPr/>
-        </p:nvSpPr>
-        <p:spPr>
-          <a:xfrm>
-            <a:off x="19073042" y="7016839"/>
-            <a:ext cx="453208" cy="630942"/>
-          </a:xfrm>
-          <a:prstGeom prst="rect">
-            <a:avLst/>
-          </a:prstGeom>
-          <a:noFill/>
-        </p:spPr>
-        <p:txBody>
-          <a:bodyPr wrap="square" rtlCol="0">
-            <a:spAutoFit/>
-          </a:bodyPr>
-          <a:lstStyle/>
-          <a:p>
-            <a:r>
-              <a:rPr lang="el-GR" sz="3500" b="1" dirty="0" smtClean="0"/>
-              <a:t>α</a:t>
-            </a:r>
-            <a:endParaRPr lang="en-GB" sz="3500" b="1" dirty="0"/>
-          </a:p>
-        </p:txBody>
-      </p:sp>
-      <p:sp>
-        <p:nvSpPr>
-          <p:cNvPr id="29" name="Arc 28"/>
-          <p:cNvSpPr/>
-          <p:nvPr/>
-        </p:nvSpPr>
-        <p:spPr bwMode="auto">
-          <a:xfrm rot="20013590">
-            <a:off x="18888437" y="7878434"/>
-            <a:ext cx="2614205" cy="2347065"/>
-          </a:xfrm>
-          <a:prstGeom prst="arc">
-            <a:avLst>
-              <a:gd name="adj1" fmla="val 17560726"/>
-              <a:gd name="adj2" fmla="val 20811108"/>
-            </a:avLst>
-          </a:prstGeom>
-          <a:noFill/>
-          <a:ln w="50800" cap="rnd">
-            <a:solidFill>
-              <a:schemeClr val="tx1"/>
-            </a:solidFill>
-          </a:ln>
-          <a:effectLst/>
-          <a:extLst/>
-        </p:spPr>
-        <p:txBody>
-          <a:bodyPr vert="horz" wrap="square" lIns="457200" tIns="228600" rIns="457200" bIns="228600" numCol="1" rtlCol="0" anchor="t" anchorCtr="0" compatLnSpc="1">
-            <a:prstTxWarp prst="textNoShape">
-              <a:avLst/>
-            </a:prstTxWarp>
-          </a:bodyPr>
-          <a:lstStyle/>
-          <a:p>
-            <a:pPr marL="0" marR="0" indent="0" algn="l" defTabSz="914400" rtl="0" eaLnBrk="1" fontAlgn="base" latinLnBrk="0" hangingPunct="1">
-              <a:lnSpc>
-                <a:spcPct val="100000"/>
-              </a:lnSpc>
-              <a:spcBef>
-                <a:spcPct val="20000"/>
-              </a:spcBef>
-              <a:spcAft>
-                <a:spcPct val="0"/>
-              </a:spcAft>
-              <a:buClrTx/>
-              <a:buSzTx/>
-              <a:buFontTx/>
-              <a:buNone/>
-              <a:tabLst/>
-            </a:pPr>
-            <a:endParaRPr kumimoji="0" lang="en-GB" sz="4600" b="0" i="0" u="none" strike="noStrike" cap="none" normalizeH="0" baseline="0" smtClean="0">
-              <a:ln>
-                <a:noFill/>
-              </a:ln>
-              <a:solidFill>
-                <a:srgbClr val="000000"/>
-              </a:solidFill>
-              <a:effectLst/>
-              <a:latin typeface="Arial" charset="0"/>
-            </a:endParaRPr>
-          </a:p>
-        </p:txBody>
-      </p:sp>
-      <p:sp>
-        <p:nvSpPr>
-          <p:cNvPr id="30" name="TextBox 29"/>
-          <p:cNvSpPr txBox="1"/>
-          <p:nvPr/>
-        </p:nvSpPr>
-        <p:spPr>
-          <a:xfrm>
-            <a:off x="20516850" y="7321639"/>
-            <a:ext cx="453208" cy="630942"/>
-          </a:xfrm>
-          <a:prstGeom prst="rect">
-            <a:avLst/>
-          </a:prstGeom>
-          <a:noFill/>
-        </p:spPr>
-        <p:txBody>
-          <a:bodyPr wrap="square" rtlCol="0">
-            <a:spAutoFit/>
-          </a:bodyPr>
-          <a:lstStyle/>
-          <a:p>
-            <a:r>
-              <a:rPr lang="el-GR" sz="3500" b="1" dirty="0" smtClean="0"/>
-              <a:t>α</a:t>
-            </a:r>
-            <a:endParaRPr lang="en-GB" sz="3500" b="1" dirty="0"/>
-          </a:p>
-        </p:txBody>
-      </p:sp>
-      <p:sp>
-        <p:nvSpPr>
-          <p:cNvPr id="31" name="Arc 30"/>
-          <p:cNvSpPr/>
-          <p:nvPr/>
-        </p:nvSpPr>
-        <p:spPr bwMode="auto">
-          <a:xfrm rot="20764226">
-            <a:off x="19868380" y="8373369"/>
-            <a:ext cx="2614205" cy="2347065"/>
-          </a:xfrm>
-          <a:prstGeom prst="arc">
-            <a:avLst>
-              <a:gd name="adj1" fmla="val 17560726"/>
-              <a:gd name="adj2" fmla="val 20811108"/>
-            </a:avLst>
-          </a:prstGeom>
-          <a:noFill/>
-          <a:ln w="50800" cap="rnd">
-            <a:solidFill>
-              <a:schemeClr val="tx1"/>
-            </a:solidFill>
-          </a:ln>
-          <a:effectLst/>
-          <a:extLst/>
-        </p:spPr>
-        <p:txBody>
-          <a:bodyPr vert="horz" wrap="square" lIns="457200" tIns="228600" rIns="457200" bIns="228600" numCol="1" rtlCol="0" anchor="t" anchorCtr="0" compatLnSpc="1">
-            <a:prstTxWarp prst="textNoShape">
-              <a:avLst/>
-            </a:prstTxWarp>
-          </a:bodyPr>
-          <a:lstStyle/>
-          <a:p>
-            <a:pPr marL="0" marR="0" indent="0" algn="l" defTabSz="914400" rtl="0" eaLnBrk="1" fontAlgn="base" latinLnBrk="0" hangingPunct="1">
-              <a:lnSpc>
-                <a:spcPct val="100000"/>
-              </a:lnSpc>
-              <a:spcBef>
-                <a:spcPct val="20000"/>
-              </a:spcBef>
-              <a:spcAft>
-                <a:spcPct val="0"/>
-              </a:spcAft>
-              <a:buClrTx/>
-              <a:buSzTx/>
-              <a:buFontTx/>
-              <a:buNone/>
-              <a:tabLst/>
-            </a:pPr>
-            <a:endParaRPr kumimoji="0" lang="en-GB" sz="4600" b="0" i="0" u="none" strike="noStrike" cap="none" normalizeH="0" baseline="0" smtClean="0">
-              <a:ln>
-                <a:noFill/>
-              </a:ln>
-              <a:solidFill>
-                <a:srgbClr val="000000"/>
-              </a:solidFill>
-              <a:effectLst/>
-              <a:latin typeface="Arial" charset="0"/>
-            </a:endParaRPr>
-          </a:p>
-        </p:txBody>
-      </p:sp>
-      <p:sp>
-        <p:nvSpPr>
-          <p:cNvPr id="32" name="TextBox 31"/>
-          <p:cNvSpPr txBox="1"/>
-          <p:nvPr/>
-        </p:nvSpPr>
-        <p:spPr>
-          <a:xfrm>
-            <a:off x="21812250" y="7952581"/>
-            <a:ext cx="453208" cy="630942"/>
-          </a:xfrm>
-          <a:prstGeom prst="rect">
-            <a:avLst/>
-          </a:prstGeom>
-          <a:noFill/>
-        </p:spPr>
-        <p:txBody>
-          <a:bodyPr wrap="square" rtlCol="0">
-            <a:spAutoFit/>
-          </a:bodyPr>
-          <a:lstStyle/>
-          <a:p>
-            <a:r>
-              <a:rPr lang="el-GR" sz="3500" b="1" dirty="0" smtClean="0"/>
-              <a:t>α</a:t>
-            </a:r>
-            <a:endParaRPr lang="en-GB" sz="3500" b="1" dirty="0"/>
-          </a:p>
-        </p:txBody>
-      </p:sp>
-      <p:pic>
-        <p:nvPicPr>
-          <p:cNvPr id="34" name="Picture 33"/>
-          <p:cNvPicPr>
-            <a:picLocks noChangeAspect="1"/>
-          </p:cNvPicPr>
-          <p:nvPr/>
-        </p:nvPicPr>
-        <p:blipFill>
-          <a:blip r:embed="rId3">
-            <a:extLst>
-              <a:ext uri="{28A0092B-C50C-407E-A947-70E740481C1C}">
-                <a14:useLocalDpi xmlns:a14="http://schemas.microsoft.com/office/drawing/2010/main" val="0"/>
-              </a:ext>
-            </a:extLst>
-          </a:blip>
-          <a:stretch>
-            <a:fillRect/>
-          </a:stretch>
-        </p:blipFill>
-        <p:spPr>
-          <a:xfrm>
-            <a:off x="8629650" y="11410971"/>
-            <a:ext cx="4476750" cy="4470400"/>
-          </a:xfrm>
-          <a:prstGeom prst="rect">
-            <a:avLst/>
-          </a:prstGeom>
-        </p:spPr>
-      </p:pic>
-      <p:pic>
-        <p:nvPicPr>
-          <p:cNvPr id="49" name="Picture 48"/>
-          <p:cNvPicPr>
-            <a:picLocks noChangeAspect="1"/>
-          </p:cNvPicPr>
-          <p:nvPr/>
-        </p:nvPicPr>
-        <p:blipFill>
-          <a:blip r:embed="rId3">
-            <a:extLst>
-              <a:ext uri="{28A0092B-C50C-407E-A947-70E740481C1C}">
-                <a14:useLocalDpi xmlns:a14="http://schemas.microsoft.com/office/drawing/2010/main" val="0"/>
-              </a:ext>
-            </a:extLst>
-          </a:blip>
-          <a:stretch>
-            <a:fillRect/>
-          </a:stretch>
-        </p:blipFill>
-        <p:spPr>
-          <a:xfrm rot="1252875">
-            <a:off x="9279334" y="12413606"/>
-            <a:ext cx="4476750" cy="4470400"/>
-          </a:xfrm>
-          <a:prstGeom prst="rect">
-            <a:avLst/>
-          </a:prstGeom>
-        </p:spPr>
       </p:pic>
     </p:spTree>
-    <p:extLst>
-      <p:ext uri="{BB962C8B-B14F-4D97-AF65-F5344CB8AC3E}">
-        <p14:creationId xmlns:p14="http://schemas.microsoft.com/office/powerpoint/2010/main" val="1213720017"/>
-      </p:ext>
-    </p:extLst>
   </p:cSld>
   <p:clrMapOvr>
     <a:masterClrMapping/>
